--- a/miscellaneous/presentations/20200817_murray_mtg.pptx
+++ b/miscellaneous/presentations/20200817_murray_mtg.pptx
@@ -4,9 +4,24 @@
   <p:sldMasterIdLst>
     <p:sldMasterId id="2147483648" r:id="rId1"/>
   </p:sldMasterIdLst>
+  <p:notesMasterIdLst>
+    <p:notesMasterId r:id="rId16"/>
+  </p:notesMasterIdLst>
   <p:sldIdLst>
     <p:sldId id="256" r:id="rId2"/>
     <p:sldId id="258" r:id="rId3"/>
+    <p:sldId id="259" r:id="rId4"/>
+    <p:sldId id="269" r:id="rId5"/>
+    <p:sldId id="263" r:id="rId6"/>
+    <p:sldId id="264" r:id="rId7"/>
+    <p:sldId id="260" r:id="rId8"/>
+    <p:sldId id="261" r:id="rId9"/>
+    <p:sldId id="262" r:id="rId10"/>
+    <p:sldId id="265" r:id="rId11"/>
+    <p:sldId id="268" r:id="rId12"/>
+    <p:sldId id="270" r:id="rId13"/>
+    <p:sldId id="266" r:id="rId14"/>
+    <p:sldId id="267" r:id="rId15"/>
   </p:sldIdLst>
   <p:sldSz cx="12192000" cy="6858000"/>
   <p:notesSz cx="6858000" cy="9144000"/>
@@ -113,6 +128,3739 @@
 </p:presentation>
 </file>
 
+<file path=ppt/diagrams/colors1.xml><?xml version="1.0" encoding="utf-8"?>
+<dgm:colorsDef xmlns:dgm="http://schemas.openxmlformats.org/drawingml/2006/diagram" xmlns:a="http://schemas.openxmlformats.org/drawingml/2006/main" uniqueId="urn:microsoft.com/office/officeart/2005/8/colors/accent0_2">
+  <dgm:title val=""/>
+  <dgm:desc val=""/>
+  <dgm:catLst>
+    <dgm:cat type="mainScheme" pri="10200"/>
+  </dgm:catLst>
+  <dgm:styleLbl name="node0">
+    <dgm:fillClrLst meth="repeat">
+      <a:schemeClr val="lt1"/>
+    </dgm:fillClrLst>
+    <dgm:linClrLst meth="repeat">
+      <a:schemeClr val="dk2">
+        <a:shade val="80000"/>
+      </a:schemeClr>
+    </dgm:linClrLst>
+    <dgm:effectClrLst/>
+    <dgm:txLinClrLst/>
+    <dgm:txFillClrLst meth="repeat">
+      <a:schemeClr val="dk2"/>
+    </dgm:txFillClrLst>
+    <dgm:txEffectClrLst/>
+  </dgm:styleLbl>
+  <dgm:styleLbl name="node1">
+    <dgm:fillClrLst meth="repeat">
+      <a:schemeClr val="lt1"/>
+    </dgm:fillClrLst>
+    <dgm:linClrLst meth="repeat">
+      <a:schemeClr val="dk2">
+        <a:shade val="80000"/>
+      </a:schemeClr>
+    </dgm:linClrLst>
+    <dgm:effectClrLst/>
+    <dgm:txLinClrLst/>
+    <dgm:txFillClrLst meth="repeat">
+      <a:schemeClr val="dk2"/>
+    </dgm:txFillClrLst>
+    <dgm:txEffectClrLst/>
+  </dgm:styleLbl>
+  <dgm:styleLbl name="alignNode1">
+    <dgm:fillClrLst meth="repeat">
+      <a:schemeClr val="lt1"/>
+    </dgm:fillClrLst>
+    <dgm:linClrLst meth="repeat">
+      <a:schemeClr val="dk2">
+        <a:shade val="80000"/>
+      </a:schemeClr>
+    </dgm:linClrLst>
+    <dgm:effectClrLst/>
+    <dgm:txLinClrLst/>
+    <dgm:txFillClrLst meth="repeat">
+      <a:schemeClr val="dk2"/>
+    </dgm:txFillClrLst>
+    <dgm:txEffectClrLst/>
+  </dgm:styleLbl>
+  <dgm:styleLbl name="lnNode1">
+    <dgm:fillClrLst meth="repeat">
+      <a:schemeClr val="lt1"/>
+    </dgm:fillClrLst>
+    <dgm:linClrLst meth="repeat">
+      <a:schemeClr val="dk2">
+        <a:shade val="80000"/>
+      </a:schemeClr>
+    </dgm:linClrLst>
+    <dgm:effectClrLst/>
+    <dgm:txLinClrLst/>
+    <dgm:txFillClrLst meth="repeat">
+      <a:schemeClr val="dk2"/>
+    </dgm:txFillClrLst>
+    <dgm:txEffectClrLst/>
+  </dgm:styleLbl>
+  <dgm:styleLbl name="vennNode1">
+    <dgm:fillClrLst meth="repeat">
+      <a:schemeClr val="lt1">
+        <a:alpha val="50000"/>
+      </a:schemeClr>
+    </dgm:fillClrLst>
+    <dgm:linClrLst meth="repeat">
+      <a:schemeClr val="dk2">
+        <a:shade val="80000"/>
+      </a:schemeClr>
+    </dgm:linClrLst>
+    <dgm:effectClrLst/>
+    <dgm:txLinClrLst/>
+    <dgm:txFillClrLst/>
+    <dgm:txEffectClrLst/>
+  </dgm:styleLbl>
+  <dgm:styleLbl name="node2">
+    <dgm:fillClrLst meth="repeat">
+      <a:schemeClr val="lt1"/>
+    </dgm:fillClrLst>
+    <dgm:linClrLst meth="repeat">
+      <a:schemeClr val="dk2">
+        <a:shade val="80000"/>
+      </a:schemeClr>
+    </dgm:linClrLst>
+    <dgm:effectClrLst/>
+    <dgm:txLinClrLst/>
+    <dgm:txFillClrLst meth="repeat">
+      <a:schemeClr val="dk2"/>
+    </dgm:txFillClrLst>
+    <dgm:txEffectClrLst/>
+  </dgm:styleLbl>
+  <dgm:styleLbl name="node3">
+    <dgm:fillClrLst meth="repeat">
+      <a:schemeClr val="lt1"/>
+    </dgm:fillClrLst>
+    <dgm:linClrLst meth="repeat">
+      <a:schemeClr val="dk2">
+        <a:shade val="80000"/>
+      </a:schemeClr>
+    </dgm:linClrLst>
+    <dgm:effectClrLst/>
+    <dgm:txLinClrLst/>
+    <dgm:txFillClrLst meth="repeat">
+      <a:schemeClr val="dk2"/>
+    </dgm:txFillClrLst>
+    <dgm:txEffectClrLst/>
+  </dgm:styleLbl>
+  <dgm:styleLbl name="node4">
+    <dgm:fillClrLst meth="repeat">
+      <a:schemeClr val="lt1"/>
+    </dgm:fillClrLst>
+    <dgm:linClrLst meth="repeat">
+      <a:schemeClr val="dk2">
+        <a:shade val="80000"/>
+      </a:schemeClr>
+    </dgm:linClrLst>
+    <dgm:effectClrLst/>
+    <dgm:txLinClrLst/>
+    <dgm:txFillClrLst meth="repeat">
+      <a:schemeClr val="dk2"/>
+    </dgm:txFillClrLst>
+    <dgm:txEffectClrLst/>
+  </dgm:styleLbl>
+  <dgm:styleLbl name="fgImgPlace1">
+    <dgm:fillClrLst meth="repeat">
+      <a:schemeClr val="dk2">
+        <a:tint val="40000"/>
+      </a:schemeClr>
+    </dgm:fillClrLst>
+    <dgm:linClrLst meth="repeat">
+      <a:schemeClr val="dk2">
+        <a:shade val="80000"/>
+      </a:schemeClr>
+    </dgm:linClrLst>
+    <dgm:effectClrLst/>
+    <dgm:txLinClrLst/>
+    <dgm:txFillClrLst meth="repeat">
+      <a:schemeClr val="lt1"/>
+    </dgm:txFillClrLst>
+    <dgm:txEffectClrLst/>
+  </dgm:styleLbl>
+  <dgm:styleLbl name="alignImgPlace1">
+    <dgm:fillClrLst meth="repeat">
+      <a:schemeClr val="dk2">
+        <a:tint val="40000"/>
+      </a:schemeClr>
+    </dgm:fillClrLst>
+    <dgm:linClrLst meth="repeat">
+      <a:schemeClr val="dk2">
+        <a:shade val="80000"/>
+      </a:schemeClr>
+    </dgm:linClrLst>
+    <dgm:effectClrLst/>
+    <dgm:txLinClrLst/>
+    <dgm:txFillClrLst meth="repeat">
+      <a:schemeClr val="lt1"/>
+    </dgm:txFillClrLst>
+    <dgm:txEffectClrLst/>
+  </dgm:styleLbl>
+  <dgm:styleLbl name="bgImgPlace1">
+    <dgm:fillClrLst meth="repeat">
+      <a:schemeClr val="dk2">
+        <a:tint val="40000"/>
+      </a:schemeClr>
+    </dgm:fillClrLst>
+    <dgm:linClrLst meth="repeat">
+      <a:schemeClr val="dk2">
+        <a:shade val="80000"/>
+      </a:schemeClr>
+    </dgm:linClrLst>
+    <dgm:effectClrLst/>
+    <dgm:txLinClrLst/>
+    <dgm:txFillClrLst meth="repeat">
+      <a:schemeClr val="lt1"/>
+    </dgm:txFillClrLst>
+    <dgm:txEffectClrLst/>
+  </dgm:styleLbl>
+  <dgm:styleLbl name="sibTrans2D1">
+    <dgm:fillClrLst meth="repeat">
+      <a:schemeClr val="dk2">
+        <a:tint val="60000"/>
+      </a:schemeClr>
+    </dgm:fillClrLst>
+    <dgm:linClrLst meth="repeat">
+      <a:schemeClr val="dk2">
+        <a:tint val="60000"/>
+      </a:schemeClr>
+    </dgm:linClrLst>
+    <dgm:effectClrLst/>
+    <dgm:txLinClrLst/>
+    <dgm:txFillClrLst meth="repeat">
+      <a:schemeClr val="dk2"/>
+    </dgm:txFillClrLst>
+    <dgm:txEffectClrLst/>
+  </dgm:styleLbl>
+  <dgm:styleLbl name="fgSibTrans2D1">
+    <dgm:fillClrLst meth="repeat">
+      <a:schemeClr val="dk2">
+        <a:tint val="60000"/>
+      </a:schemeClr>
+    </dgm:fillClrLst>
+    <dgm:linClrLst meth="repeat">
+      <a:schemeClr val="dk2">
+        <a:tint val="60000"/>
+      </a:schemeClr>
+    </dgm:linClrLst>
+    <dgm:effectClrLst/>
+    <dgm:txLinClrLst/>
+    <dgm:txFillClrLst meth="repeat">
+      <a:schemeClr val="dk2"/>
+    </dgm:txFillClrLst>
+    <dgm:txEffectClrLst/>
+  </dgm:styleLbl>
+  <dgm:styleLbl name="bgSibTrans2D1">
+    <dgm:fillClrLst meth="repeat">
+      <a:schemeClr val="dk2">
+        <a:tint val="60000"/>
+      </a:schemeClr>
+    </dgm:fillClrLst>
+    <dgm:linClrLst meth="repeat">
+      <a:schemeClr val="dk2">
+        <a:tint val="60000"/>
+      </a:schemeClr>
+    </dgm:linClrLst>
+    <dgm:effectClrLst/>
+    <dgm:txLinClrLst/>
+    <dgm:txFillClrLst meth="repeat">
+      <a:schemeClr val="dk2"/>
+    </dgm:txFillClrLst>
+    <dgm:txEffectClrLst/>
+  </dgm:styleLbl>
+  <dgm:styleLbl name="sibTrans1D1">
+    <dgm:fillClrLst meth="repeat">
+      <a:schemeClr val="dk2"/>
+    </dgm:fillClrLst>
+    <dgm:linClrLst meth="repeat">
+      <a:schemeClr val="dk2"/>
+    </dgm:linClrLst>
+    <dgm:effectClrLst/>
+    <dgm:txLinClrLst/>
+    <dgm:txFillClrLst meth="repeat">
+      <a:schemeClr val="tx1"/>
+    </dgm:txFillClrLst>
+    <dgm:txEffectClrLst/>
+  </dgm:styleLbl>
+  <dgm:styleLbl name="callout">
+    <dgm:fillClrLst meth="repeat">
+      <a:schemeClr val="dk2"/>
+    </dgm:fillClrLst>
+    <dgm:linClrLst meth="repeat">
+      <a:schemeClr val="dk2"/>
+    </dgm:linClrLst>
+    <dgm:effectClrLst/>
+    <dgm:txLinClrLst/>
+    <dgm:txFillClrLst meth="repeat">
+      <a:schemeClr val="tx1"/>
+    </dgm:txFillClrLst>
+    <dgm:txEffectClrLst/>
+  </dgm:styleLbl>
+  <dgm:styleLbl name="asst0">
+    <dgm:fillClrLst meth="repeat">
+      <a:schemeClr val="lt1"/>
+    </dgm:fillClrLst>
+    <dgm:linClrLst meth="repeat">
+      <a:schemeClr val="dk2">
+        <a:shade val="80000"/>
+      </a:schemeClr>
+    </dgm:linClrLst>
+    <dgm:effectClrLst/>
+    <dgm:txLinClrLst/>
+    <dgm:txFillClrLst meth="repeat">
+      <a:schemeClr val="dk2"/>
+    </dgm:txFillClrLst>
+    <dgm:txEffectClrLst/>
+  </dgm:styleLbl>
+  <dgm:styleLbl name="asst1">
+    <dgm:fillClrLst meth="repeat">
+      <a:schemeClr val="lt1"/>
+    </dgm:fillClrLst>
+    <dgm:linClrLst meth="repeat">
+      <a:schemeClr val="dk2">
+        <a:shade val="80000"/>
+      </a:schemeClr>
+    </dgm:linClrLst>
+    <dgm:effectClrLst/>
+    <dgm:txLinClrLst/>
+    <dgm:txFillClrLst meth="repeat">
+      <a:schemeClr val="dk2"/>
+    </dgm:txFillClrLst>
+    <dgm:txEffectClrLst/>
+  </dgm:styleLbl>
+  <dgm:styleLbl name="asst2">
+    <dgm:fillClrLst meth="repeat">
+      <a:schemeClr val="lt1"/>
+    </dgm:fillClrLst>
+    <dgm:linClrLst meth="repeat">
+      <a:schemeClr val="dk2">
+        <a:shade val="80000"/>
+      </a:schemeClr>
+    </dgm:linClrLst>
+    <dgm:effectClrLst/>
+    <dgm:txLinClrLst/>
+    <dgm:txFillClrLst meth="repeat">
+      <a:schemeClr val="dk2"/>
+    </dgm:txFillClrLst>
+    <dgm:txEffectClrLst/>
+  </dgm:styleLbl>
+  <dgm:styleLbl name="asst3">
+    <dgm:fillClrLst meth="repeat">
+      <a:schemeClr val="lt1"/>
+    </dgm:fillClrLst>
+    <dgm:linClrLst meth="repeat">
+      <a:schemeClr val="dk2">
+        <a:shade val="80000"/>
+      </a:schemeClr>
+    </dgm:linClrLst>
+    <dgm:effectClrLst/>
+    <dgm:txLinClrLst/>
+    <dgm:txFillClrLst meth="repeat">
+      <a:schemeClr val="dk2"/>
+    </dgm:txFillClrLst>
+    <dgm:txEffectClrLst/>
+  </dgm:styleLbl>
+  <dgm:styleLbl name="asst4">
+    <dgm:fillClrLst meth="repeat">
+      <a:schemeClr val="lt1"/>
+    </dgm:fillClrLst>
+    <dgm:linClrLst meth="repeat">
+      <a:schemeClr val="dk2">
+        <a:shade val="80000"/>
+      </a:schemeClr>
+    </dgm:linClrLst>
+    <dgm:effectClrLst/>
+    <dgm:txLinClrLst/>
+    <dgm:txFillClrLst meth="repeat">
+      <a:schemeClr val="dk2"/>
+    </dgm:txFillClrLst>
+    <dgm:txEffectClrLst/>
+  </dgm:styleLbl>
+  <dgm:styleLbl name="parChTrans2D1">
+    <dgm:fillClrLst meth="repeat">
+      <a:schemeClr val="dk2">
+        <a:tint val="60000"/>
+      </a:schemeClr>
+    </dgm:fillClrLst>
+    <dgm:linClrLst meth="repeat">
+      <a:schemeClr val="dk2">
+        <a:tint val="60000"/>
+      </a:schemeClr>
+    </dgm:linClrLst>
+    <dgm:effectClrLst/>
+    <dgm:txLinClrLst/>
+    <dgm:txFillClrLst/>
+    <dgm:txEffectClrLst/>
+  </dgm:styleLbl>
+  <dgm:styleLbl name="parChTrans2D2">
+    <dgm:fillClrLst meth="repeat">
+      <a:schemeClr val="dk2"/>
+    </dgm:fillClrLst>
+    <dgm:linClrLst meth="repeat">
+      <a:schemeClr val="dk2"/>
+    </dgm:linClrLst>
+    <dgm:effectClrLst/>
+    <dgm:txLinClrLst/>
+    <dgm:txFillClrLst/>
+    <dgm:txEffectClrLst/>
+  </dgm:styleLbl>
+  <dgm:styleLbl name="parChTrans2D3">
+    <dgm:fillClrLst meth="repeat">
+      <a:schemeClr val="dk2"/>
+    </dgm:fillClrLst>
+    <dgm:linClrLst meth="repeat">
+      <a:schemeClr val="dk2"/>
+    </dgm:linClrLst>
+    <dgm:effectClrLst/>
+    <dgm:txLinClrLst/>
+    <dgm:txFillClrLst/>
+    <dgm:txEffectClrLst/>
+  </dgm:styleLbl>
+  <dgm:styleLbl name="parChTrans2D4">
+    <dgm:fillClrLst meth="repeat">
+      <a:schemeClr val="dk2"/>
+    </dgm:fillClrLst>
+    <dgm:linClrLst meth="repeat">
+      <a:schemeClr val="dk2"/>
+    </dgm:linClrLst>
+    <dgm:effectClrLst/>
+    <dgm:txLinClrLst/>
+    <dgm:txFillClrLst meth="repeat">
+      <a:schemeClr val="lt1"/>
+    </dgm:txFillClrLst>
+    <dgm:txEffectClrLst/>
+  </dgm:styleLbl>
+  <dgm:styleLbl name="parChTrans1D1">
+    <dgm:fillClrLst meth="repeat">
+      <a:schemeClr val="dk2"/>
+    </dgm:fillClrLst>
+    <dgm:linClrLst meth="repeat">
+      <a:schemeClr val="dk2">
+        <a:shade val="60000"/>
+      </a:schemeClr>
+    </dgm:linClrLst>
+    <dgm:effectClrLst/>
+    <dgm:txLinClrLst/>
+    <dgm:txFillClrLst meth="repeat">
+      <a:schemeClr val="tx1"/>
+    </dgm:txFillClrLst>
+    <dgm:txEffectClrLst/>
+  </dgm:styleLbl>
+  <dgm:styleLbl name="parChTrans1D2">
+    <dgm:fillClrLst meth="repeat">
+      <a:schemeClr val="dk2"/>
+    </dgm:fillClrLst>
+    <dgm:linClrLst meth="repeat">
+      <a:schemeClr val="dk2">
+        <a:shade val="60000"/>
+      </a:schemeClr>
+    </dgm:linClrLst>
+    <dgm:effectClrLst/>
+    <dgm:txLinClrLst/>
+    <dgm:txFillClrLst meth="repeat">
+      <a:schemeClr val="tx1"/>
+    </dgm:txFillClrLst>
+    <dgm:txEffectClrLst/>
+  </dgm:styleLbl>
+  <dgm:styleLbl name="parChTrans1D3">
+    <dgm:fillClrLst meth="repeat">
+      <a:schemeClr val="dk2"/>
+    </dgm:fillClrLst>
+    <dgm:linClrLst meth="repeat">
+      <a:schemeClr val="dk2">
+        <a:shade val="80000"/>
+      </a:schemeClr>
+    </dgm:linClrLst>
+    <dgm:effectClrLst/>
+    <dgm:txLinClrLst/>
+    <dgm:txFillClrLst meth="repeat">
+      <a:schemeClr val="tx1"/>
+    </dgm:txFillClrLst>
+    <dgm:txEffectClrLst/>
+  </dgm:styleLbl>
+  <dgm:styleLbl name="parChTrans1D4">
+    <dgm:fillClrLst meth="repeat">
+      <a:schemeClr val="dk2"/>
+    </dgm:fillClrLst>
+    <dgm:linClrLst meth="repeat">
+      <a:schemeClr val="dk2">
+        <a:shade val="80000"/>
+      </a:schemeClr>
+    </dgm:linClrLst>
+    <dgm:effectClrLst/>
+    <dgm:txLinClrLst/>
+    <dgm:txFillClrLst meth="repeat">
+      <a:schemeClr val="tx1"/>
+    </dgm:txFillClrLst>
+    <dgm:txEffectClrLst/>
+  </dgm:styleLbl>
+  <dgm:styleLbl name="fgAcc1">
+    <dgm:fillClrLst meth="repeat">
+      <a:schemeClr val="dk2">
+        <a:alpha val="90000"/>
+        <a:tint val="40000"/>
+      </a:schemeClr>
+    </dgm:fillClrLst>
+    <dgm:linClrLst meth="repeat">
+      <a:schemeClr val="dk2"/>
+    </dgm:linClrLst>
+    <dgm:effectClrLst/>
+    <dgm:txLinClrLst/>
+    <dgm:txFillClrLst meth="repeat">
+      <a:schemeClr val="dk2"/>
+    </dgm:txFillClrLst>
+    <dgm:txEffectClrLst/>
+  </dgm:styleLbl>
+  <dgm:styleLbl name="conFgAcc1">
+    <dgm:fillClrLst meth="repeat">
+      <a:schemeClr val="dk2">
+        <a:alpha val="90000"/>
+        <a:tint val="40000"/>
+      </a:schemeClr>
+    </dgm:fillClrLst>
+    <dgm:linClrLst meth="repeat">
+      <a:schemeClr val="dk2"/>
+    </dgm:linClrLst>
+    <dgm:effectClrLst/>
+    <dgm:txLinClrLst/>
+    <dgm:txFillClrLst meth="repeat">
+      <a:schemeClr val="dk2"/>
+    </dgm:txFillClrLst>
+    <dgm:txEffectClrLst/>
+  </dgm:styleLbl>
+  <dgm:styleLbl name="alignAcc1">
+    <dgm:fillClrLst meth="repeat">
+      <a:schemeClr val="dk2">
+        <a:alpha val="90000"/>
+        <a:tint val="40000"/>
+      </a:schemeClr>
+    </dgm:fillClrLst>
+    <dgm:linClrLst meth="repeat">
+      <a:schemeClr val="dk2"/>
+    </dgm:linClrLst>
+    <dgm:effectClrLst/>
+    <dgm:txLinClrLst/>
+    <dgm:txFillClrLst meth="repeat">
+      <a:schemeClr val="dk2"/>
+    </dgm:txFillClrLst>
+    <dgm:txEffectClrLst/>
+  </dgm:styleLbl>
+  <dgm:styleLbl name="trAlignAcc1">
+    <dgm:fillClrLst meth="repeat">
+      <a:schemeClr val="dk2">
+        <a:alpha val="40000"/>
+        <a:tint val="40000"/>
+      </a:schemeClr>
+    </dgm:fillClrLst>
+    <dgm:linClrLst meth="repeat">
+      <a:schemeClr val="dk2"/>
+    </dgm:linClrLst>
+    <dgm:effectClrLst/>
+    <dgm:txLinClrLst/>
+    <dgm:txFillClrLst meth="repeat">
+      <a:schemeClr val="dk2"/>
+    </dgm:txFillClrLst>
+    <dgm:txEffectClrLst/>
+  </dgm:styleLbl>
+  <dgm:styleLbl name="bgAcc1">
+    <dgm:fillClrLst meth="repeat">
+      <a:schemeClr val="dk2">
+        <a:alpha val="90000"/>
+        <a:tint val="40000"/>
+      </a:schemeClr>
+    </dgm:fillClrLst>
+    <dgm:linClrLst meth="repeat">
+      <a:schemeClr val="dk2"/>
+    </dgm:linClrLst>
+    <dgm:effectClrLst/>
+    <dgm:txLinClrLst/>
+    <dgm:txFillClrLst meth="repeat">
+      <a:schemeClr val="dk2"/>
+    </dgm:txFillClrLst>
+    <dgm:txEffectClrLst/>
+  </dgm:styleLbl>
+  <dgm:styleLbl name="solidFgAcc1">
+    <dgm:fillClrLst meth="repeat">
+      <a:schemeClr val="lt1"/>
+    </dgm:fillClrLst>
+    <dgm:linClrLst meth="repeat">
+      <a:schemeClr val="dk2"/>
+    </dgm:linClrLst>
+    <dgm:effectClrLst/>
+    <dgm:txLinClrLst/>
+    <dgm:txFillClrLst meth="repeat">
+      <a:schemeClr val="dk2"/>
+    </dgm:txFillClrLst>
+    <dgm:txEffectClrLst/>
+  </dgm:styleLbl>
+  <dgm:styleLbl name="solidAlignAcc1">
+    <dgm:fillClrLst meth="repeat">
+      <a:schemeClr val="lt1"/>
+    </dgm:fillClrLst>
+    <dgm:linClrLst meth="repeat">
+      <a:schemeClr val="dk2"/>
+    </dgm:linClrLst>
+    <dgm:effectClrLst/>
+    <dgm:txLinClrLst/>
+    <dgm:txFillClrLst meth="repeat">
+      <a:schemeClr val="dk2"/>
+    </dgm:txFillClrLst>
+    <dgm:txEffectClrLst/>
+  </dgm:styleLbl>
+  <dgm:styleLbl name="solidBgAcc1">
+    <dgm:fillClrLst meth="repeat">
+      <a:schemeClr val="lt1"/>
+    </dgm:fillClrLst>
+    <dgm:linClrLst meth="repeat">
+      <a:schemeClr val="dk2"/>
+    </dgm:linClrLst>
+    <dgm:effectClrLst/>
+    <dgm:txLinClrLst/>
+    <dgm:txFillClrLst meth="repeat">
+      <a:schemeClr val="dk2"/>
+    </dgm:txFillClrLst>
+    <dgm:txEffectClrLst/>
+  </dgm:styleLbl>
+  <dgm:styleLbl name="fgAccFollowNode1">
+    <dgm:fillClrLst meth="repeat">
+      <a:schemeClr val="lt1">
+        <a:alpha val="90000"/>
+        <a:tint val="40000"/>
+      </a:schemeClr>
+    </dgm:fillClrLst>
+    <dgm:linClrLst meth="repeat">
+      <a:schemeClr val="dk2">
+        <a:alpha val="90000"/>
+      </a:schemeClr>
+    </dgm:linClrLst>
+    <dgm:effectClrLst/>
+    <dgm:txLinClrLst/>
+    <dgm:txFillClrLst meth="repeat">
+      <a:schemeClr val="dk2"/>
+    </dgm:txFillClrLst>
+    <dgm:txEffectClrLst/>
+  </dgm:styleLbl>
+  <dgm:styleLbl name="alignAccFollowNode1">
+    <dgm:fillClrLst meth="repeat">
+      <a:schemeClr val="lt1">
+        <a:alpha val="90000"/>
+        <a:tint val="40000"/>
+      </a:schemeClr>
+    </dgm:fillClrLst>
+    <dgm:linClrLst meth="repeat">
+      <a:schemeClr val="dk2">
+        <a:alpha val="90000"/>
+      </a:schemeClr>
+    </dgm:linClrLst>
+    <dgm:effectClrLst/>
+    <dgm:txLinClrLst/>
+    <dgm:txFillClrLst meth="repeat">
+      <a:schemeClr val="dk2"/>
+    </dgm:txFillClrLst>
+    <dgm:txEffectClrLst/>
+  </dgm:styleLbl>
+  <dgm:styleLbl name="bgAccFollowNode1">
+    <dgm:fillClrLst meth="repeat">
+      <a:schemeClr val="lt1">
+        <a:alpha val="90000"/>
+        <a:tint val="40000"/>
+      </a:schemeClr>
+    </dgm:fillClrLst>
+    <dgm:linClrLst meth="repeat">
+      <a:schemeClr val="dk2">
+        <a:alpha val="90000"/>
+      </a:schemeClr>
+    </dgm:linClrLst>
+    <dgm:effectClrLst/>
+    <dgm:txLinClrLst/>
+    <dgm:txFillClrLst meth="repeat">
+      <a:schemeClr val="dk2"/>
+    </dgm:txFillClrLst>
+    <dgm:txEffectClrLst/>
+  </dgm:styleLbl>
+  <dgm:styleLbl name="fgAcc0">
+    <dgm:fillClrLst meth="repeat">
+      <a:schemeClr val="dk2">
+        <a:alpha val="90000"/>
+        <a:tint val="40000"/>
+      </a:schemeClr>
+    </dgm:fillClrLst>
+    <dgm:linClrLst meth="repeat">
+      <a:schemeClr val="dk2"/>
+    </dgm:linClrLst>
+    <dgm:effectClrLst/>
+    <dgm:txLinClrLst/>
+    <dgm:txFillClrLst meth="repeat">
+      <a:schemeClr val="dk2"/>
+    </dgm:txFillClrLst>
+    <dgm:txEffectClrLst/>
+  </dgm:styleLbl>
+  <dgm:styleLbl name="fgAcc2">
+    <dgm:fillClrLst meth="repeat">
+      <a:schemeClr val="dk2">
+        <a:alpha val="90000"/>
+        <a:tint val="40000"/>
+      </a:schemeClr>
+    </dgm:fillClrLst>
+    <dgm:linClrLst meth="repeat">
+      <a:schemeClr val="dk2"/>
+    </dgm:linClrLst>
+    <dgm:effectClrLst/>
+    <dgm:txLinClrLst/>
+    <dgm:txFillClrLst meth="repeat">
+      <a:schemeClr val="dk2"/>
+    </dgm:txFillClrLst>
+    <dgm:txEffectClrLst/>
+  </dgm:styleLbl>
+  <dgm:styleLbl name="fgAcc3">
+    <dgm:fillClrLst meth="repeat">
+      <a:schemeClr val="dk2">
+        <a:alpha val="90000"/>
+        <a:tint val="40000"/>
+      </a:schemeClr>
+    </dgm:fillClrLst>
+    <dgm:linClrLst meth="repeat">
+      <a:schemeClr val="dk2"/>
+    </dgm:linClrLst>
+    <dgm:effectClrLst/>
+    <dgm:txLinClrLst/>
+    <dgm:txFillClrLst meth="repeat">
+      <a:schemeClr val="dk2"/>
+    </dgm:txFillClrLst>
+    <dgm:txEffectClrLst/>
+  </dgm:styleLbl>
+  <dgm:styleLbl name="fgAcc4">
+    <dgm:fillClrLst meth="repeat">
+      <a:schemeClr val="dk2">
+        <a:alpha val="90000"/>
+        <a:tint val="40000"/>
+      </a:schemeClr>
+    </dgm:fillClrLst>
+    <dgm:linClrLst meth="repeat">
+      <a:schemeClr val="dk2"/>
+    </dgm:linClrLst>
+    <dgm:effectClrLst/>
+    <dgm:txLinClrLst/>
+    <dgm:txFillClrLst meth="repeat">
+      <a:schemeClr val="dk2"/>
+    </dgm:txFillClrLst>
+    <dgm:txEffectClrLst/>
+  </dgm:styleLbl>
+  <dgm:styleLbl name="bgShp">
+    <dgm:fillClrLst meth="repeat">
+      <a:schemeClr val="dk2">
+        <a:tint val="40000"/>
+      </a:schemeClr>
+    </dgm:fillClrLst>
+    <dgm:linClrLst meth="repeat">
+      <a:schemeClr val="dk2"/>
+    </dgm:linClrLst>
+    <dgm:effectClrLst/>
+    <dgm:txLinClrLst/>
+    <dgm:txFillClrLst meth="repeat">
+      <a:schemeClr val="dk1"/>
+    </dgm:txFillClrLst>
+    <dgm:txEffectClrLst/>
+  </dgm:styleLbl>
+  <dgm:styleLbl name="dkBgShp">
+    <dgm:fillClrLst meth="repeat">
+      <a:schemeClr val="dk2">
+        <a:shade val="80000"/>
+      </a:schemeClr>
+    </dgm:fillClrLst>
+    <dgm:linClrLst meth="repeat">
+      <a:schemeClr val="dk2"/>
+    </dgm:linClrLst>
+    <dgm:effectClrLst/>
+    <dgm:txLinClrLst/>
+    <dgm:txFillClrLst meth="repeat">
+      <a:schemeClr val="lt2"/>
+    </dgm:txFillClrLst>
+    <dgm:txEffectClrLst/>
+  </dgm:styleLbl>
+  <dgm:styleLbl name="trBgShp">
+    <dgm:fillClrLst meth="repeat">
+      <a:schemeClr val="dk2">
+        <a:tint val="50000"/>
+        <a:alpha val="40000"/>
+      </a:schemeClr>
+    </dgm:fillClrLst>
+    <dgm:linClrLst meth="repeat">
+      <a:schemeClr val="dk2"/>
+    </dgm:linClrLst>
+    <dgm:effectClrLst/>
+    <dgm:txLinClrLst/>
+    <dgm:txFillClrLst meth="repeat">
+      <a:schemeClr val="lt2"/>
+    </dgm:txFillClrLst>
+    <dgm:txEffectClrLst/>
+  </dgm:styleLbl>
+  <dgm:styleLbl name="fgShp">
+    <dgm:fillClrLst meth="repeat">
+      <a:schemeClr val="dk2">
+        <a:tint val="60000"/>
+      </a:schemeClr>
+    </dgm:fillClrLst>
+    <dgm:linClrLst meth="repeat">
+      <a:schemeClr val="lt1"/>
+    </dgm:linClrLst>
+    <dgm:effectClrLst/>
+    <dgm:txLinClrLst/>
+    <dgm:txFillClrLst meth="repeat">
+      <a:schemeClr val="dk2"/>
+    </dgm:txFillClrLst>
+    <dgm:txEffectClrLst/>
+  </dgm:styleLbl>
+  <dgm:styleLbl name="revTx">
+    <dgm:fillClrLst meth="repeat">
+      <a:schemeClr val="lt1">
+        <a:alpha val="0"/>
+      </a:schemeClr>
+    </dgm:fillClrLst>
+    <dgm:linClrLst meth="repeat">
+      <a:schemeClr val="dk2">
+        <a:alpha val="0"/>
+      </a:schemeClr>
+    </dgm:linClrLst>
+    <dgm:effectClrLst/>
+    <dgm:txLinClrLst/>
+    <dgm:txFillClrLst meth="repeat">
+      <a:schemeClr val="tx1"/>
+    </dgm:txFillClrLst>
+    <dgm:txEffectClrLst/>
+  </dgm:styleLbl>
+</dgm:colorsDef>
+</file>
+
+<file path=ppt/diagrams/data1.xml><?xml version="1.0" encoding="utf-8"?>
+<dgm:dataModel xmlns:dgm="http://schemas.openxmlformats.org/drawingml/2006/diagram" xmlns:a="http://schemas.openxmlformats.org/drawingml/2006/main">
+  <dgm:ptLst>
+    <dgm:pt modelId="{F614EAEA-60EF-B045-A363-0E3758185095}" type="doc">
+      <dgm:prSet loTypeId="urn:microsoft.com/office/officeart/2005/8/layout/cycle1" loCatId="" qsTypeId="urn:microsoft.com/office/officeart/2005/8/quickstyle/simple1" qsCatId="simple" csTypeId="urn:microsoft.com/office/officeart/2005/8/colors/accent0_2" csCatId="mainScheme" phldr="1"/>
+      <dgm:spPr/>
+      <dgm:t>
+        <a:bodyPr/>
+        <a:lstStyle/>
+        <a:p>
+          <a:endParaRPr lang="en-US"/>
+        </a:p>
+      </dgm:t>
+    </dgm:pt>
+    <dgm:pt modelId="{929B4777-E928-2D44-99F2-9E02A3194C2D}">
+      <dgm:prSet phldrT="[Text]"/>
+      <dgm:spPr/>
+      <dgm:t>
+        <a:bodyPr/>
+        <a:lstStyle/>
+        <a:p>
+          <a:r>
+            <a:rPr lang="en-US" dirty="0"/>
+            <a:t> </a:t>
+          </a:r>
+        </a:p>
+      </dgm:t>
+    </dgm:pt>
+    <dgm:pt modelId="{8BC94024-02E8-8442-B77F-4967ADBC6CFF}" type="parTrans" cxnId="{03DCC18E-641C-4A46-931C-192443618581}">
+      <dgm:prSet/>
+      <dgm:spPr/>
+      <dgm:t>
+        <a:bodyPr/>
+        <a:lstStyle/>
+        <a:p>
+          <a:endParaRPr lang="en-US"/>
+        </a:p>
+      </dgm:t>
+    </dgm:pt>
+    <dgm:pt modelId="{E95F4ADB-50AC-8A4C-93D4-06BAA0EB36F4}" type="sibTrans" cxnId="{03DCC18E-641C-4A46-931C-192443618581}">
+      <dgm:prSet/>
+      <dgm:spPr/>
+      <dgm:t>
+        <a:bodyPr/>
+        <a:lstStyle/>
+        <a:p>
+          <a:endParaRPr lang="en-US"/>
+        </a:p>
+      </dgm:t>
+    </dgm:pt>
+    <dgm:pt modelId="{9B946133-DC9F-B548-856E-0858F3169FA8}">
+      <dgm:prSet phldrT="[Text]"/>
+      <dgm:spPr/>
+      <dgm:t>
+        <a:bodyPr/>
+        <a:lstStyle/>
+        <a:p>
+          <a:r>
+            <a:rPr lang="en-US" dirty="0"/>
+            <a:t> </a:t>
+          </a:r>
+        </a:p>
+      </dgm:t>
+    </dgm:pt>
+    <dgm:pt modelId="{FA213A72-EAD5-5247-9E73-B7F735C343DF}" type="parTrans" cxnId="{FC82B00B-9512-DE4C-836C-BCF11BA09DC1}">
+      <dgm:prSet/>
+      <dgm:spPr/>
+      <dgm:t>
+        <a:bodyPr/>
+        <a:lstStyle/>
+        <a:p>
+          <a:endParaRPr lang="en-US"/>
+        </a:p>
+      </dgm:t>
+    </dgm:pt>
+    <dgm:pt modelId="{4BAD9CE2-3B8E-AE4B-A29D-B356F6E4D47C}" type="sibTrans" cxnId="{FC82B00B-9512-DE4C-836C-BCF11BA09DC1}">
+      <dgm:prSet/>
+      <dgm:spPr/>
+      <dgm:t>
+        <a:bodyPr/>
+        <a:lstStyle/>
+        <a:p>
+          <a:endParaRPr lang="en-US"/>
+        </a:p>
+      </dgm:t>
+    </dgm:pt>
+    <dgm:pt modelId="{41857A07-9656-EC44-A6B3-D1C65DC77685}">
+      <dgm:prSet phldrT="[Text]"/>
+      <dgm:spPr/>
+      <dgm:t>
+        <a:bodyPr/>
+        <a:lstStyle/>
+        <a:p>
+          <a:r>
+            <a:rPr lang="en-US" dirty="0"/>
+            <a:t> </a:t>
+          </a:r>
+        </a:p>
+      </dgm:t>
+    </dgm:pt>
+    <dgm:pt modelId="{CB288919-0F20-BB44-9C44-67720ED07DC5}" type="parTrans" cxnId="{37FAD290-2330-9547-BBD2-24302C56224E}">
+      <dgm:prSet/>
+      <dgm:spPr/>
+      <dgm:t>
+        <a:bodyPr/>
+        <a:lstStyle/>
+        <a:p>
+          <a:endParaRPr lang="en-US"/>
+        </a:p>
+      </dgm:t>
+    </dgm:pt>
+    <dgm:pt modelId="{2AA23939-7A9A-CD43-8DAB-1BFBB160D2A9}" type="sibTrans" cxnId="{37FAD290-2330-9547-BBD2-24302C56224E}">
+      <dgm:prSet/>
+      <dgm:spPr/>
+      <dgm:t>
+        <a:bodyPr/>
+        <a:lstStyle/>
+        <a:p>
+          <a:endParaRPr lang="en-US"/>
+        </a:p>
+      </dgm:t>
+    </dgm:pt>
+    <dgm:pt modelId="{D92434B8-EB5B-8848-924B-307F3160899D}">
+      <dgm:prSet phldrT="[Text]"/>
+      <dgm:spPr/>
+      <dgm:t>
+        <a:bodyPr/>
+        <a:lstStyle/>
+        <a:p>
+          <a:r>
+            <a:rPr lang="en-US" dirty="0"/>
+            <a:t> </a:t>
+          </a:r>
+        </a:p>
+      </dgm:t>
+    </dgm:pt>
+    <dgm:pt modelId="{BC62BA3B-8C99-344D-9FC6-0EBED4D35B24}" type="parTrans" cxnId="{DA995F11-D2CD-0747-AD04-3137EBF1D79A}">
+      <dgm:prSet/>
+      <dgm:spPr/>
+      <dgm:t>
+        <a:bodyPr/>
+        <a:lstStyle/>
+        <a:p>
+          <a:endParaRPr lang="en-US"/>
+        </a:p>
+      </dgm:t>
+    </dgm:pt>
+    <dgm:pt modelId="{44CDDD68-0AE8-1048-BF78-F547600DD765}" type="sibTrans" cxnId="{DA995F11-D2CD-0747-AD04-3137EBF1D79A}">
+      <dgm:prSet/>
+      <dgm:spPr/>
+      <dgm:t>
+        <a:bodyPr/>
+        <a:lstStyle/>
+        <a:p>
+          <a:endParaRPr lang="en-US"/>
+        </a:p>
+      </dgm:t>
+    </dgm:pt>
+    <dgm:pt modelId="{C5A6AB9D-91D8-664A-B98A-C7CD9D161425}">
+      <dgm:prSet phldrT="[Text]"/>
+      <dgm:spPr/>
+      <dgm:t>
+        <a:bodyPr/>
+        <a:lstStyle/>
+        <a:p>
+          <a:r>
+            <a:rPr lang="en-US" dirty="0"/>
+            <a:t> </a:t>
+          </a:r>
+        </a:p>
+      </dgm:t>
+    </dgm:pt>
+    <dgm:pt modelId="{33C2411D-299E-2144-8817-0F89928496F0}" type="parTrans" cxnId="{3EF92A05-DD9C-1040-ADDE-54150AB45DF0}">
+      <dgm:prSet/>
+      <dgm:spPr/>
+      <dgm:t>
+        <a:bodyPr/>
+        <a:lstStyle/>
+        <a:p>
+          <a:endParaRPr lang="en-US"/>
+        </a:p>
+      </dgm:t>
+    </dgm:pt>
+    <dgm:pt modelId="{0953A09E-A2FC-8641-AE81-DC72167E6591}" type="sibTrans" cxnId="{3EF92A05-DD9C-1040-ADDE-54150AB45DF0}">
+      <dgm:prSet/>
+      <dgm:spPr/>
+      <dgm:t>
+        <a:bodyPr/>
+        <a:lstStyle/>
+        <a:p>
+          <a:endParaRPr lang="en-US"/>
+        </a:p>
+      </dgm:t>
+    </dgm:pt>
+    <dgm:pt modelId="{6C44EC70-1BEE-E440-94B1-366EECF0D4DD}">
+      <dgm:prSet/>
+      <dgm:spPr/>
+      <dgm:t>
+        <a:bodyPr/>
+        <a:lstStyle/>
+        <a:p>
+          <a:endParaRPr lang="en-US"/>
+        </a:p>
+      </dgm:t>
+    </dgm:pt>
+    <dgm:pt modelId="{CC76C5C7-7954-F148-BB1E-99EBCAE2BCE4}" type="parTrans" cxnId="{89E6C873-7BE0-9849-8909-E801862CB122}">
+      <dgm:prSet/>
+      <dgm:spPr/>
+      <dgm:t>
+        <a:bodyPr/>
+        <a:lstStyle/>
+        <a:p>
+          <a:endParaRPr lang="en-US"/>
+        </a:p>
+      </dgm:t>
+    </dgm:pt>
+    <dgm:pt modelId="{BF5384D4-87AF-7F45-89D1-D2E8B15D730B}" type="sibTrans" cxnId="{89E6C873-7BE0-9849-8909-E801862CB122}">
+      <dgm:prSet/>
+      <dgm:spPr/>
+      <dgm:t>
+        <a:bodyPr/>
+        <a:lstStyle/>
+        <a:p>
+          <a:endParaRPr lang="en-US"/>
+        </a:p>
+      </dgm:t>
+    </dgm:pt>
+    <dgm:pt modelId="{A452763E-8874-604E-95DC-284B060532A4}" type="pres">
+      <dgm:prSet presAssocID="{F614EAEA-60EF-B045-A363-0E3758185095}" presName="cycle" presStyleCnt="0">
+        <dgm:presLayoutVars>
+          <dgm:dir/>
+          <dgm:resizeHandles val="exact"/>
+        </dgm:presLayoutVars>
+      </dgm:prSet>
+      <dgm:spPr/>
+    </dgm:pt>
+    <dgm:pt modelId="{6D44DE58-5729-1345-BFE9-4909F51F0BBB}" type="pres">
+      <dgm:prSet presAssocID="{929B4777-E928-2D44-99F2-9E02A3194C2D}" presName="dummy" presStyleCnt="0"/>
+      <dgm:spPr/>
+    </dgm:pt>
+    <dgm:pt modelId="{14940865-2C34-E540-B8F4-5B5481B8F75E}" type="pres">
+      <dgm:prSet presAssocID="{929B4777-E928-2D44-99F2-9E02A3194C2D}" presName="node" presStyleLbl="revTx" presStyleIdx="0" presStyleCnt="6">
+        <dgm:presLayoutVars>
+          <dgm:bulletEnabled val="1"/>
+        </dgm:presLayoutVars>
+      </dgm:prSet>
+      <dgm:spPr/>
+    </dgm:pt>
+    <dgm:pt modelId="{934C93EC-4007-4542-80CF-F9C5D725D2D0}" type="pres">
+      <dgm:prSet presAssocID="{E95F4ADB-50AC-8A4C-93D4-06BAA0EB36F4}" presName="sibTrans" presStyleLbl="node1" presStyleIdx="0" presStyleCnt="6"/>
+      <dgm:spPr/>
+    </dgm:pt>
+    <dgm:pt modelId="{043178FA-B445-444E-A2FC-AAEA88E9FE6F}" type="pres">
+      <dgm:prSet presAssocID="{9B946133-DC9F-B548-856E-0858F3169FA8}" presName="dummy" presStyleCnt="0"/>
+      <dgm:spPr/>
+    </dgm:pt>
+    <dgm:pt modelId="{A39626CD-FAE4-394A-99A2-E2CB171F5C8C}" type="pres">
+      <dgm:prSet presAssocID="{9B946133-DC9F-B548-856E-0858F3169FA8}" presName="node" presStyleLbl="revTx" presStyleIdx="1" presStyleCnt="6">
+        <dgm:presLayoutVars>
+          <dgm:bulletEnabled val="1"/>
+        </dgm:presLayoutVars>
+      </dgm:prSet>
+      <dgm:spPr/>
+    </dgm:pt>
+    <dgm:pt modelId="{C706A535-B6D0-CF45-A865-317E40362A8F}" type="pres">
+      <dgm:prSet presAssocID="{4BAD9CE2-3B8E-AE4B-A29D-B356F6E4D47C}" presName="sibTrans" presStyleLbl="node1" presStyleIdx="1" presStyleCnt="6"/>
+      <dgm:spPr/>
+    </dgm:pt>
+    <dgm:pt modelId="{08C8CE54-D97B-454C-A5F5-35945C5717A5}" type="pres">
+      <dgm:prSet presAssocID="{41857A07-9656-EC44-A6B3-D1C65DC77685}" presName="dummy" presStyleCnt="0"/>
+      <dgm:spPr/>
+    </dgm:pt>
+    <dgm:pt modelId="{7732C34B-403D-6B43-8A7D-ECE41D8BB032}" type="pres">
+      <dgm:prSet presAssocID="{41857A07-9656-EC44-A6B3-D1C65DC77685}" presName="node" presStyleLbl="revTx" presStyleIdx="2" presStyleCnt="6">
+        <dgm:presLayoutVars>
+          <dgm:bulletEnabled val="1"/>
+        </dgm:presLayoutVars>
+      </dgm:prSet>
+      <dgm:spPr/>
+    </dgm:pt>
+    <dgm:pt modelId="{89C95E3D-E56F-6142-9266-3C93460C8B8D}" type="pres">
+      <dgm:prSet presAssocID="{2AA23939-7A9A-CD43-8DAB-1BFBB160D2A9}" presName="sibTrans" presStyleLbl="node1" presStyleIdx="2" presStyleCnt="6"/>
+      <dgm:spPr/>
+    </dgm:pt>
+    <dgm:pt modelId="{F3047FD4-B88B-D94A-B6C0-CBE3BBE03DDA}" type="pres">
+      <dgm:prSet presAssocID="{D92434B8-EB5B-8848-924B-307F3160899D}" presName="dummy" presStyleCnt="0"/>
+      <dgm:spPr/>
+    </dgm:pt>
+    <dgm:pt modelId="{BCFD3CAF-6867-0244-9512-C5610CC81065}" type="pres">
+      <dgm:prSet presAssocID="{D92434B8-EB5B-8848-924B-307F3160899D}" presName="node" presStyleLbl="revTx" presStyleIdx="3" presStyleCnt="6">
+        <dgm:presLayoutVars>
+          <dgm:bulletEnabled val="1"/>
+        </dgm:presLayoutVars>
+      </dgm:prSet>
+      <dgm:spPr/>
+    </dgm:pt>
+    <dgm:pt modelId="{38349559-4D5F-F14F-83AC-16BEA504F693}" type="pres">
+      <dgm:prSet presAssocID="{44CDDD68-0AE8-1048-BF78-F547600DD765}" presName="sibTrans" presStyleLbl="node1" presStyleIdx="3" presStyleCnt="6"/>
+      <dgm:spPr/>
+    </dgm:pt>
+    <dgm:pt modelId="{7E859055-1413-4641-983D-69DD21C4BBEF}" type="pres">
+      <dgm:prSet presAssocID="{C5A6AB9D-91D8-664A-B98A-C7CD9D161425}" presName="dummy" presStyleCnt="0"/>
+      <dgm:spPr/>
+    </dgm:pt>
+    <dgm:pt modelId="{77C7656B-7194-1C4E-BBD6-FD12259B3327}" type="pres">
+      <dgm:prSet presAssocID="{C5A6AB9D-91D8-664A-B98A-C7CD9D161425}" presName="node" presStyleLbl="revTx" presStyleIdx="4" presStyleCnt="6">
+        <dgm:presLayoutVars>
+          <dgm:bulletEnabled val="1"/>
+        </dgm:presLayoutVars>
+      </dgm:prSet>
+      <dgm:spPr/>
+    </dgm:pt>
+    <dgm:pt modelId="{DCF14260-0C01-2146-B7B9-437AFDBB6130}" type="pres">
+      <dgm:prSet presAssocID="{0953A09E-A2FC-8641-AE81-DC72167E6591}" presName="sibTrans" presStyleLbl="node1" presStyleIdx="4" presStyleCnt="6"/>
+      <dgm:spPr/>
+    </dgm:pt>
+    <dgm:pt modelId="{8CAE0426-1DFF-2B4C-B285-7F6DFC39CAB0}" type="pres">
+      <dgm:prSet presAssocID="{6C44EC70-1BEE-E440-94B1-366EECF0D4DD}" presName="dummy" presStyleCnt="0"/>
+      <dgm:spPr/>
+    </dgm:pt>
+    <dgm:pt modelId="{AB6408C1-32BC-9A4C-BF6C-DFF9F466A712}" type="pres">
+      <dgm:prSet presAssocID="{6C44EC70-1BEE-E440-94B1-366EECF0D4DD}" presName="node" presStyleLbl="revTx" presStyleIdx="5" presStyleCnt="6">
+        <dgm:presLayoutVars>
+          <dgm:bulletEnabled val="1"/>
+        </dgm:presLayoutVars>
+      </dgm:prSet>
+      <dgm:spPr/>
+    </dgm:pt>
+    <dgm:pt modelId="{CE26F8B0-CDD1-AE4E-9863-9063391C53E3}" type="pres">
+      <dgm:prSet presAssocID="{BF5384D4-87AF-7F45-89D1-D2E8B15D730B}" presName="sibTrans" presStyleLbl="node1" presStyleIdx="5" presStyleCnt="6"/>
+      <dgm:spPr/>
+    </dgm:pt>
+  </dgm:ptLst>
+  <dgm:cxnLst>
+    <dgm:cxn modelId="{3EF92A05-DD9C-1040-ADDE-54150AB45DF0}" srcId="{F614EAEA-60EF-B045-A363-0E3758185095}" destId="{C5A6AB9D-91D8-664A-B98A-C7CD9D161425}" srcOrd="4" destOrd="0" parTransId="{33C2411D-299E-2144-8817-0F89928496F0}" sibTransId="{0953A09E-A2FC-8641-AE81-DC72167E6591}"/>
+    <dgm:cxn modelId="{FC82B00B-9512-DE4C-836C-BCF11BA09DC1}" srcId="{F614EAEA-60EF-B045-A363-0E3758185095}" destId="{9B946133-DC9F-B548-856E-0858F3169FA8}" srcOrd="1" destOrd="0" parTransId="{FA213A72-EAD5-5247-9E73-B7F735C343DF}" sibTransId="{4BAD9CE2-3B8E-AE4B-A29D-B356F6E4D47C}"/>
+    <dgm:cxn modelId="{DA995F11-D2CD-0747-AD04-3137EBF1D79A}" srcId="{F614EAEA-60EF-B045-A363-0E3758185095}" destId="{D92434B8-EB5B-8848-924B-307F3160899D}" srcOrd="3" destOrd="0" parTransId="{BC62BA3B-8C99-344D-9FC6-0EBED4D35B24}" sibTransId="{44CDDD68-0AE8-1048-BF78-F547600DD765}"/>
+    <dgm:cxn modelId="{CC290A1F-4BDB-5440-858E-1748AF4644E1}" type="presOf" srcId="{F614EAEA-60EF-B045-A363-0E3758185095}" destId="{A452763E-8874-604E-95DC-284B060532A4}" srcOrd="0" destOrd="0" presId="urn:microsoft.com/office/officeart/2005/8/layout/cycle1"/>
+    <dgm:cxn modelId="{EBDDEA22-4B42-F44A-82FA-3B6456E7772B}" type="presOf" srcId="{6C44EC70-1BEE-E440-94B1-366EECF0D4DD}" destId="{AB6408C1-32BC-9A4C-BF6C-DFF9F466A712}" srcOrd="0" destOrd="0" presId="urn:microsoft.com/office/officeart/2005/8/layout/cycle1"/>
+    <dgm:cxn modelId="{6245C92A-66B3-6647-BE33-9D46946141C9}" type="presOf" srcId="{D92434B8-EB5B-8848-924B-307F3160899D}" destId="{BCFD3CAF-6867-0244-9512-C5610CC81065}" srcOrd="0" destOrd="0" presId="urn:microsoft.com/office/officeart/2005/8/layout/cycle1"/>
+    <dgm:cxn modelId="{4110044C-866D-614A-9798-AF7117B7896C}" type="presOf" srcId="{929B4777-E928-2D44-99F2-9E02A3194C2D}" destId="{14940865-2C34-E540-B8F4-5B5481B8F75E}" srcOrd="0" destOrd="0" presId="urn:microsoft.com/office/officeart/2005/8/layout/cycle1"/>
+    <dgm:cxn modelId="{1D79405C-2E51-5048-92EA-42E96E5903A5}" type="presOf" srcId="{44CDDD68-0AE8-1048-BF78-F547600DD765}" destId="{38349559-4D5F-F14F-83AC-16BEA504F693}" srcOrd="0" destOrd="0" presId="urn:microsoft.com/office/officeart/2005/8/layout/cycle1"/>
+    <dgm:cxn modelId="{89E6C873-7BE0-9849-8909-E801862CB122}" srcId="{F614EAEA-60EF-B045-A363-0E3758185095}" destId="{6C44EC70-1BEE-E440-94B1-366EECF0D4DD}" srcOrd="5" destOrd="0" parTransId="{CC76C5C7-7954-F148-BB1E-99EBCAE2BCE4}" sibTransId="{BF5384D4-87AF-7F45-89D1-D2E8B15D730B}"/>
+    <dgm:cxn modelId="{03DCC18E-641C-4A46-931C-192443618581}" srcId="{F614EAEA-60EF-B045-A363-0E3758185095}" destId="{929B4777-E928-2D44-99F2-9E02A3194C2D}" srcOrd="0" destOrd="0" parTransId="{8BC94024-02E8-8442-B77F-4967ADBC6CFF}" sibTransId="{E95F4ADB-50AC-8A4C-93D4-06BAA0EB36F4}"/>
+    <dgm:cxn modelId="{37FAD290-2330-9547-BBD2-24302C56224E}" srcId="{F614EAEA-60EF-B045-A363-0E3758185095}" destId="{41857A07-9656-EC44-A6B3-D1C65DC77685}" srcOrd="2" destOrd="0" parTransId="{CB288919-0F20-BB44-9C44-67720ED07DC5}" sibTransId="{2AA23939-7A9A-CD43-8DAB-1BFBB160D2A9}"/>
+    <dgm:cxn modelId="{E0ECDB9A-4CFB-6345-A7DD-CCBF05470A44}" type="presOf" srcId="{E95F4ADB-50AC-8A4C-93D4-06BAA0EB36F4}" destId="{934C93EC-4007-4542-80CF-F9C5D725D2D0}" srcOrd="0" destOrd="0" presId="urn:microsoft.com/office/officeart/2005/8/layout/cycle1"/>
+    <dgm:cxn modelId="{B082ECC2-9957-284A-9FC7-6817EF1AC815}" type="presOf" srcId="{0953A09E-A2FC-8641-AE81-DC72167E6591}" destId="{DCF14260-0C01-2146-B7B9-437AFDBB6130}" srcOrd="0" destOrd="0" presId="urn:microsoft.com/office/officeart/2005/8/layout/cycle1"/>
+    <dgm:cxn modelId="{18B1E3C5-C559-C445-BAA7-353D8900C051}" type="presOf" srcId="{9B946133-DC9F-B548-856E-0858F3169FA8}" destId="{A39626CD-FAE4-394A-99A2-E2CB171F5C8C}" srcOrd="0" destOrd="0" presId="urn:microsoft.com/office/officeart/2005/8/layout/cycle1"/>
+    <dgm:cxn modelId="{126A00CD-879E-4848-848B-F6264BAD9519}" type="presOf" srcId="{BF5384D4-87AF-7F45-89D1-D2E8B15D730B}" destId="{CE26F8B0-CDD1-AE4E-9863-9063391C53E3}" srcOrd="0" destOrd="0" presId="urn:microsoft.com/office/officeart/2005/8/layout/cycle1"/>
+    <dgm:cxn modelId="{CD8930D1-C1F5-8640-AF86-010C358F68BC}" type="presOf" srcId="{C5A6AB9D-91D8-664A-B98A-C7CD9D161425}" destId="{77C7656B-7194-1C4E-BBD6-FD12259B3327}" srcOrd="0" destOrd="0" presId="urn:microsoft.com/office/officeart/2005/8/layout/cycle1"/>
+    <dgm:cxn modelId="{48730CD3-9C3E-A441-931A-24B9E60DF7B1}" type="presOf" srcId="{4BAD9CE2-3B8E-AE4B-A29D-B356F6E4D47C}" destId="{C706A535-B6D0-CF45-A865-317E40362A8F}" srcOrd="0" destOrd="0" presId="urn:microsoft.com/office/officeart/2005/8/layout/cycle1"/>
+    <dgm:cxn modelId="{959735E7-37C3-C847-B605-683ED7B76134}" type="presOf" srcId="{41857A07-9656-EC44-A6B3-D1C65DC77685}" destId="{7732C34B-403D-6B43-8A7D-ECE41D8BB032}" srcOrd="0" destOrd="0" presId="urn:microsoft.com/office/officeart/2005/8/layout/cycle1"/>
+    <dgm:cxn modelId="{DFAC43F8-9174-8B47-B7CB-851955720557}" type="presOf" srcId="{2AA23939-7A9A-CD43-8DAB-1BFBB160D2A9}" destId="{89C95E3D-E56F-6142-9266-3C93460C8B8D}" srcOrd="0" destOrd="0" presId="urn:microsoft.com/office/officeart/2005/8/layout/cycle1"/>
+    <dgm:cxn modelId="{A71037C2-DD3C-F846-BF74-05904A8DE8F2}" type="presParOf" srcId="{A452763E-8874-604E-95DC-284B060532A4}" destId="{6D44DE58-5729-1345-BFE9-4909F51F0BBB}" srcOrd="0" destOrd="0" presId="urn:microsoft.com/office/officeart/2005/8/layout/cycle1"/>
+    <dgm:cxn modelId="{618AB82B-E473-794F-A965-BFE1344C4CF2}" type="presParOf" srcId="{A452763E-8874-604E-95DC-284B060532A4}" destId="{14940865-2C34-E540-B8F4-5B5481B8F75E}" srcOrd="1" destOrd="0" presId="urn:microsoft.com/office/officeart/2005/8/layout/cycle1"/>
+    <dgm:cxn modelId="{9DDA186E-DB30-4046-BC71-6FA43E9A49CC}" type="presParOf" srcId="{A452763E-8874-604E-95DC-284B060532A4}" destId="{934C93EC-4007-4542-80CF-F9C5D725D2D0}" srcOrd="2" destOrd="0" presId="urn:microsoft.com/office/officeart/2005/8/layout/cycle1"/>
+    <dgm:cxn modelId="{79827DAE-8141-1841-9425-C078BA6F03DF}" type="presParOf" srcId="{A452763E-8874-604E-95DC-284B060532A4}" destId="{043178FA-B445-444E-A2FC-AAEA88E9FE6F}" srcOrd="3" destOrd="0" presId="urn:microsoft.com/office/officeart/2005/8/layout/cycle1"/>
+    <dgm:cxn modelId="{128CC221-B6A7-1E49-A13A-893C92FCFB37}" type="presParOf" srcId="{A452763E-8874-604E-95DC-284B060532A4}" destId="{A39626CD-FAE4-394A-99A2-E2CB171F5C8C}" srcOrd="4" destOrd="0" presId="urn:microsoft.com/office/officeart/2005/8/layout/cycle1"/>
+    <dgm:cxn modelId="{1B28684C-ED5A-4B4A-ADB5-7CB3B3A0DAE2}" type="presParOf" srcId="{A452763E-8874-604E-95DC-284B060532A4}" destId="{C706A535-B6D0-CF45-A865-317E40362A8F}" srcOrd="5" destOrd="0" presId="urn:microsoft.com/office/officeart/2005/8/layout/cycle1"/>
+    <dgm:cxn modelId="{9A7970FC-8155-664A-B640-78434D50DC25}" type="presParOf" srcId="{A452763E-8874-604E-95DC-284B060532A4}" destId="{08C8CE54-D97B-454C-A5F5-35945C5717A5}" srcOrd="6" destOrd="0" presId="urn:microsoft.com/office/officeart/2005/8/layout/cycle1"/>
+    <dgm:cxn modelId="{39BEAA01-3870-A141-8643-615CD5A3AA38}" type="presParOf" srcId="{A452763E-8874-604E-95DC-284B060532A4}" destId="{7732C34B-403D-6B43-8A7D-ECE41D8BB032}" srcOrd="7" destOrd="0" presId="urn:microsoft.com/office/officeart/2005/8/layout/cycle1"/>
+    <dgm:cxn modelId="{3B7A3D0C-A19C-A748-9C24-0936E9E89E35}" type="presParOf" srcId="{A452763E-8874-604E-95DC-284B060532A4}" destId="{89C95E3D-E56F-6142-9266-3C93460C8B8D}" srcOrd="8" destOrd="0" presId="urn:microsoft.com/office/officeart/2005/8/layout/cycle1"/>
+    <dgm:cxn modelId="{27A66F6E-64A2-F545-8F3D-A279854A01B0}" type="presParOf" srcId="{A452763E-8874-604E-95DC-284B060532A4}" destId="{F3047FD4-B88B-D94A-B6C0-CBE3BBE03DDA}" srcOrd="9" destOrd="0" presId="urn:microsoft.com/office/officeart/2005/8/layout/cycle1"/>
+    <dgm:cxn modelId="{8108286D-82A0-CC4A-AD4E-07C3255F67FC}" type="presParOf" srcId="{A452763E-8874-604E-95DC-284B060532A4}" destId="{BCFD3CAF-6867-0244-9512-C5610CC81065}" srcOrd="10" destOrd="0" presId="urn:microsoft.com/office/officeart/2005/8/layout/cycle1"/>
+    <dgm:cxn modelId="{8A1D1596-4A57-BF4A-9747-1500859D37B6}" type="presParOf" srcId="{A452763E-8874-604E-95DC-284B060532A4}" destId="{38349559-4D5F-F14F-83AC-16BEA504F693}" srcOrd="11" destOrd="0" presId="urn:microsoft.com/office/officeart/2005/8/layout/cycle1"/>
+    <dgm:cxn modelId="{6E8E5F72-B658-FA41-815E-209F3D4EF67D}" type="presParOf" srcId="{A452763E-8874-604E-95DC-284B060532A4}" destId="{7E859055-1413-4641-983D-69DD21C4BBEF}" srcOrd="12" destOrd="0" presId="urn:microsoft.com/office/officeart/2005/8/layout/cycle1"/>
+    <dgm:cxn modelId="{BDA1B64C-D767-F54B-9DCE-FDBCD4FA0E49}" type="presParOf" srcId="{A452763E-8874-604E-95DC-284B060532A4}" destId="{77C7656B-7194-1C4E-BBD6-FD12259B3327}" srcOrd="13" destOrd="0" presId="urn:microsoft.com/office/officeart/2005/8/layout/cycle1"/>
+    <dgm:cxn modelId="{211B3ECC-832B-F24B-87B4-DBFAF44097FC}" type="presParOf" srcId="{A452763E-8874-604E-95DC-284B060532A4}" destId="{DCF14260-0C01-2146-B7B9-437AFDBB6130}" srcOrd="14" destOrd="0" presId="urn:microsoft.com/office/officeart/2005/8/layout/cycle1"/>
+    <dgm:cxn modelId="{D391B822-B3E8-4945-9EE0-F5A37ACBD01B}" type="presParOf" srcId="{A452763E-8874-604E-95DC-284B060532A4}" destId="{8CAE0426-1DFF-2B4C-B285-7F6DFC39CAB0}" srcOrd="15" destOrd="0" presId="urn:microsoft.com/office/officeart/2005/8/layout/cycle1"/>
+    <dgm:cxn modelId="{77CE20A6-D344-CC4C-B8B9-726ACAB2FEC3}" type="presParOf" srcId="{A452763E-8874-604E-95DC-284B060532A4}" destId="{AB6408C1-32BC-9A4C-BF6C-DFF9F466A712}" srcOrd="16" destOrd="0" presId="urn:microsoft.com/office/officeart/2005/8/layout/cycle1"/>
+    <dgm:cxn modelId="{585DF1D7-F69B-8544-A2A4-AB00C808CFF5}" type="presParOf" srcId="{A452763E-8874-604E-95DC-284B060532A4}" destId="{CE26F8B0-CDD1-AE4E-9863-9063391C53E3}" srcOrd="17" destOrd="0" presId="urn:microsoft.com/office/officeart/2005/8/layout/cycle1"/>
+  </dgm:cxnLst>
+  <dgm:bg/>
+  <dgm:whole/>
+  <dgm:extLst>
+    <a:ext uri="http://schemas.microsoft.com/office/drawing/2008/diagram">
+      <dsp:dataModelExt xmlns:dsp="http://schemas.microsoft.com/office/drawing/2008/diagram" relId="rId9" minVer="http://schemas.openxmlformats.org/drawingml/2006/diagram"/>
+    </a:ext>
+  </dgm:extLst>
+</dgm:dataModel>
+</file>
+
+<file path=ppt/diagrams/drawing1.xml><?xml version="1.0" encoding="utf-8"?>
+<dsp:drawing xmlns:dgm="http://schemas.openxmlformats.org/drawingml/2006/diagram" xmlns:dsp="http://schemas.microsoft.com/office/drawing/2008/diagram" xmlns:a="http://schemas.openxmlformats.org/drawingml/2006/main">
+  <dsp:spTree>
+    <dsp:nvGrpSpPr>
+      <dsp:cNvPr id="0" name=""/>
+      <dsp:cNvGrpSpPr/>
+    </dsp:nvGrpSpPr>
+    <dsp:grpSpPr/>
+    <dsp:sp modelId="{14940865-2C34-E540-B8F4-5B5481B8F75E}">
+      <dsp:nvSpPr>
+        <dsp:cNvPr id="0" name=""/>
+        <dsp:cNvSpPr/>
+      </dsp:nvSpPr>
+      <dsp:spPr>
+        <a:xfrm>
+          <a:off x="648427" y="61272"/>
+          <a:ext cx="193529" cy="193529"/>
+        </a:xfrm>
+        <a:prstGeom prst="rect">
+          <a:avLst/>
+        </a:prstGeom>
+        <a:noFill/>
+        <a:ln>
+          <a:noFill/>
+        </a:ln>
+        <a:effectLst/>
+      </dsp:spPr>
+      <dsp:style>
+        <a:lnRef idx="0">
+          <a:scrgbClr r="0" g="0" b="0"/>
+        </a:lnRef>
+        <a:fillRef idx="0">
+          <a:scrgbClr r="0" g="0" b="0"/>
+        </a:fillRef>
+        <a:effectRef idx="0">
+          <a:scrgbClr r="0" g="0" b="0"/>
+        </a:effectRef>
+        <a:fontRef idx="minor"/>
+      </dsp:style>
+      <dsp:txBody>
+        <a:bodyPr spcFirstLastPara="0" vert="horz" wrap="square" lIns="13970" tIns="13970" rIns="13970" bIns="13970" numCol="1" spcCol="1270" anchor="ctr" anchorCtr="0">
+          <a:noAutofit/>
+        </a:bodyPr>
+        <a:lstStyle/>
+        <a:p>
+          <a:pPr marL="0" lvl="0" indent="0" algn="ctr" defTabSz="488950">
+            <a:lnSpc>
+              <a:spcPct val="90000"/>
+            </a:lnSpc>
+            <a:spcBef>
+              <a:spcPct val="0"/>
+            </a:spcBef>
+            <a:spcAft>
+              <a:spcPct val="35000"/>
+            </a:spcAft>
+            <a:buNone/>
+          </a:pPr>
+          <a:r>
+            <a:rPr lang="en-US" sz="1100" kern="1200" dirty="0"/>
+            <a:t> </a:t>
+          </a:r>
+        </a:p>
+      </dsp:txBody>
+      <dsp:txXfrm>
+        <a:off x="648427" y="61272"/>
+        <a:ext cx="193529" cy="193529"/>
+      </dsp:txXfrm>
+    </dsp:sp>
+    <dsp:sp modelId="{934C93EC-4007-4542-80CF-F9C5D725D2D0}">
+      <dsp:nvSpPr>
+        <dsp:cNvPr id="0" name=""/>
+        <dsp:cNvSpPr/>
+      </dsp:nvSpPr>
+      <dsp:spPr>
+        <a:xfrm>
+          <a:off x="56244" y="59271"/>
+          <a:ext cx="945852" cy="945852"/>
+        </a:xfrm>
+        <a:prstGeom prst="circularArrow">
+          <a:avLst>
+            <a:gd name="adj1" fmla="val 3990"/>
+            <a:gd name="adj2" fmla="val 250290"/>
+            <a:gd name="adj3" fmla="val 20573170"/>
+            <a:gd name="adj4" fmla="val 18982995"/>
+            <a:gd name="adj5" fmla="val 4655"/>
+          </a:avLst>
+        </a:prstGeom>
+        <a:solidFill>
+          <a:schemeClr val="lt1">
+            <a:hueOff val="0"/>
+            <a:satOff val="0"/>
+            <a:lumOff val="0"/>
+            <a:alphaOff val="0"/>
+          </a:schemeClr>
+        </a:solidFill>
+        <a:ln w="12700" cap="flat" cmpd="sng" algn="ctr">
+          <a:solidFill>
+            <a:schemeClr val="dk2">
+              <a:shade val="80000"/>
+              <a:hueOff val="0"/>
+              <a:satOff val="0"/>
+              <a:lumOff val="0"/>
+              <a:alphaOff val="0"/>
+            </a:schemeClr>
+          </a:solidFill>
+          <a:prstDash val="solid"/>
+          <a:miter lim="800000"/>
+        </a:ln>
+        <a:effectLst/>
+      </dsp:spPr>
+      <dsp:style>
+        <a:lnRef idx="2">
+          <a:scrgbClr r="0" g="0" b="0"/>
+        </a:lnRef>
+        <a:fillRef idx="1">
+          <a:scrgbClr r="0" g="0" b="0"/>
+        </a:fillRef>
+        <a:effectRef idx="0">
+          <a:scrgbClr r="0" g="0" b="0"/>
+        </a:effectRef>
+        <a:fontRef idx="minor">
+          <a:schemeClr val="lt1"/>
+        </a:fontRef>
+      </dsp:style>
+    </dsp:sp>
+    <dsp:sp modelId="{A39626CD-FAE4-394A-99A2-E2CB171F5C8C}">
+      <dsp:nvSpPr>
+        <dsp:cNvPr id="0" name=""/>
+        <dsp:cNvSpPr/>
+      </dsp:nvSpPr>
+      <dsp:spPr>
+        <a:xfrm>
+          <a:off x="864448" y="435433"/>
+          <a:ext cx="193529" cy="193529"/>
+        </a:xfrm>
+        <a:prstGeom prst="rect">
+          <a:avLst/>
+        </a:prstGeom>
+        <a:noFill/>
+        <a:ln>
+          <a:noFill/>
+        </a:ln>
+        <a:effectLst/>
+      </dsp:spPr>
+      <dsp:style>
+        <a:lnRef idx="0">
+          <a:scrgbClr r="0" g="0" b="0"/>
+        </a:lnRef>
+        <a:fillRef idx="0">
+          <a:scrgbClr r="0" g="0" b="0"/>
+        </a:fillRef>
+        <a:effectRef idx="0">
+          <a:scrgbClr r="0" g="0" b="0"/>
+        </a:effectRef>
+        <a:fontRef idx="minor"/>
+      </dsp:style>
+      <dsp:txBody>
+        <a:bodyPr spcFirstLastPara="0" vert="horz" wrap="square" lIns="13970" tIns="13970" rIns="13970" bIns="13970" numCol="1" spcCol="1270" anchor="ctr" anchorCtr="0">
+          <a:noAutofit/>
+        </a:bodyPr>
+        <a:lstStyle/>
+        <a:p>
+          <a:pPr marL="0" lvl="0" indent="0" algn="ctr" defTabSz="488950">
+            <a:lnSpc>
+              <a:spcPct val="90000"/>
+            </a:lnSpc>
+            <a:spcBef>
+              <a:spcPct val="0"/>
+            </a:spcBef>
+            <a:spcAft>
+              <a:spcPct val="35000"/>
+            </a:spcAft>
+            <a:buNone/>
+          </a:pPr>
+          <a:r>
+            <a:rPr lang="en-US" sz="1100" kern="1200" dirty="0"/>
+            <a:t> </a:t>
+          </a:r>
+        </a:p>
+      </dsp:txBody>
+      <dsp:txXfrm>
+        <a:off x="864448" y="435433"/>
+        <a:ext cx="193529" cy="193529"/>
+      </dsp:txXfrm>
+    </dsp:sp>
+    <dsp:sp modelId="{C706A535-B6D0-CF45-A865-317E40362A8F}">
+      <dsp:nvSpPr>
+        <dsp:cNvPr id="0" name=""/>
+        <dsp:cNvSpPr/>
+      </dsp:nvSpPr>
+      <dsp:spPr>
+        <a:xfrm>
+          <a:off x="56244" y="59271"/>
+          <a:ext cx="945852" cy="945852"/>
+        </a:xfrm>
+        <a:prstGeom prst="circularArrow">
+          <a:avLst>
+            <a:gd name="adj1" fmla="val 3990"/>
+            <a:gd name="adj2" fmla="val 250290"/>
+            <a:gd name="adj3" fmla="val 2366715"/>
+            <a:gd name="adj4" fmla="val 776540"/>
+            <a:gd name="adj5" fmla="val 4655"/>
+          </a:avLst>
+        </a:prstGeom>
+        <a:solidFill>
+          <a:schemeClr val="lt1">
+            <a:hueOff val="0"/>
+            <a:satOff val="0"/>
+            <a:lumOff val="0"/>
+            <a:alphaOff val="0"/>
+          </a:schemeClr>
+        </a:solidFill>
+        <a:ln w="12700" cap="flat" cmpd="sng" algn="ctr">
+          <a:solidFill>
+            <a:schemeClr val="dk2">
+              <a:shade val="80000"/>
+              <a:hueOff val="0"/>
+              <a:satOff val="0"/>
+              <a:lumOff val="0"/>
+              <a:alphaOff val="0"/>
+            </a:schemeClr>
+          </a:solidFill>
+          <a:prstDash val="solid"/>
+          <a:miter lim="800000"/>
+        </a:ln>
+        <a:effectLst/>
+      </dsp:spPr>
+      <dsp:style>
+        <a:lnRef idx="2">
+          <a:scrgbClr r="0" g="0" b="0"/>
+        </a:lnRef>
+        <a:fillRef idx="1">
+          <a:scrgbClr r="0" g="0" b="0"/>
+        </a:fillRef>
+        <a:effectRef idx="0">
+          <a:scrgbClr r="0" g="0" b="0"/>
+        </a:effectRef>
+        <a:fontRef idx="minor">
+          <a:schemeClr val="lt1"/>
+        </a:fontRef>
+      </dsp:style>
+    </dsp:sp>
+    <dsp:sp modelId="{7732C34B-403D-6B43-8A7D-ECE41D8BB032}">
+      <dsp:nvSpPr>
+        <dsp:cNvPr id="0" name=""/>
+        <dsp:cNvSpPr/>
+      </dsp:nvSpPr>
+      <dsp:spPr>
+        <a:xfrm>
+          <a:off x="648427" y="809593"/>
+          <a:ext cx="193529" cy="193529"/>
+        </a:xfrm>
+        <a:prstGeom prst="rect">
+          <a:avLst/>
+        </a:prstGeom>
+        <a:noFill/>
+        <a:ln>
+          <a:noFill/>
+        </a:ln>
+        <a:effectLst/>
+      </dsp:spPr>
+      <dsp:style>
+        <a:lnRef idx="0">
+          <a:scrgbClr r="0" g="0" b="0"/>
+        </a:lnRef>
+        <a:fillRef idx="0">
+          <a:scrgbClr r="0" g="0" b="0"/>
+        </a:fillRef>
+        <a:effectRef idx="0">
+          <a:scrgbClr r="0" g="0" b="0"/>
+        </a:effectRef>
+        <a:fontRef idx="minor"/>
+      </dsp:style>
+      <dsp:txBody>
+        <a:bodyPr spcFirstLastPara="0" vert="horz" wrap="square" lIns="13970" tIns="13970" rIns="13970" bIns="13970" numCol="1" spcCol="1270" anchor="ctr" anchorCtr="0">
+          <a:noAutofit/>
+        </a:bodyPr>
+        <a:lstStyle/>
+        <a:p>
+          <a:pPr marL="0" lvl="0" indent="0" algn="ctr" defTabSz="488950">
+            <a:lnSpc>
+              <a:spcPct val="90000"/>
+            </a:lnSpc>
+            <a:spcBef>
+              <a:spcPct val="0"/>
+            </a:spcBef>
+            <a:spcAft>
+              <a:spcPct val="35000"/>
+            </a:spcAft>
+            <a:buNone/>
+          </a:pPr>
+          <a:r>
+            <a:rPr lang="en-US" sz="1100" kern="1200" dirty="0"/>
+            <a:t> </a:t>
+          </a:r>
+        </a:p>
+      </dsp:txBody>
+      <dsp:txXfrm>
+        <a:off x="648427" y="809593"/>
+        <a:ext cx="193529" cy="193529"/>
+      </dsp:txXfrm>
+    </dsp:sp>
+    <dsp:sp modelId="{89C95E3D-E56F-6142-9266-3C93460C8B8D}">
+      <dsp:nvSpPr>
+        <dsp:cNvPr id="0" name=""/>
+        <dsp:cNvSpPr/>
+      </dsp:nvSpPr>
+      <dsp:spPr>
+        <a:xfrm>
+          <a:off x="56244" y="59271"/>
+          <a:ext cx="945852" cy="945852"/>
+        </a:xfrm>
+        <a:prstGeom prst="circularArrow">
+          <a:avLst>
+            <a:gd name="adj1" fmla="val 3990"/>
+            <a:gd name="adj2" fmla="val 250290"/>
+            <a:gd name="adj3" fmla="val 6111114"/>
+            <a:gd name="adj4" fmla="val 4438596"/>
+            <a:gd name="adj5" fmla="val 4655"/>
+          </a:avLst>
+        </a:prstGeom>
+        <a:solidFill>
+          <a:schemeClr val="lt1">
+            <a:hueOff val="0"/>
+            <a:satOff val="0"/>
+            <a:lumOff val="0"/>
+            <a:alphaOff val="0"/>
+          </a:schemeClr>
+        </a:solidFill>
+        <a:ln w="12700" cap="flat" cmpd="sng" algn="ctr">
+          <a:solidFill>
+            <a:schemeClr val="dk2">
+              <a:shade val="80000"/>
+              <a:hueOff val="0"/>
+              <a:satOff val="0"/>
+              <a:lumOff val="0"/>
+              <a:alphaOff val="0"/>
+            </a:schemeClr>
+          </a:solidFill>
+          <a:prstDash val="solid"/>
+          <a:miter lim="800000"/>
+        </a:ln>
+        <a:effectLst/>
+      </dsp:spPr>
+      <dsp:style>
+        <a:lnRef idx="2">
+          <a:scrgbClr r="0" g="0" b="0"/>
+        </a:lnRef>
+        <a:fillRef idx="1">
+          <a:scrgbClr r="0" g="0" b="0"/>
+        </a:fillRef>
+        <a:effectRef idx="0">
+          <a:scrgbClr r="0" g="0" b="0"/>
+        </a:effectRef>
+        <a:fontRef idx="minor">
+          <a:schemeClr val="lt1"/>
+        </a:fontRef>
+      </dsp:style>
+    </dsp:sp>
+    <dsp:sp modelId="{BCFD3CAF-6867-0244-9512-C5610CC81065}">
+      <dsp:nvSpPr>
+        <dsp:cNvPr id="0" name=""/>
+        <dsp:cNvSpPr/>
+      </dsp:nvSpPr>
+      <dsp:spPr>
+        <a:xfrm>
+          <a:off x="216384" y="809593"/>
+          <a:ext cx="193529" cy="193529"/>
+        </a:xfrm>
+        <a:prstGeom prst="rect">
+          <a:avLst/>
+        </a:prstGeom>
+        <a:noFill/>
+        <a:ln>
+          <a:noFill/>
+        </a:ln>
+        <a:effectLst/>
+      </dsp:spPr>
+      <dsp:style>
+        <a:lnRef idx="0">
+          <a:scrgbClr r="0" g="0" b="0"/>
+        </a:lnRef>
+        <a:fillRef idx="0">
+          <a:scrgbClr r="0" g="0" b="0"/>
+        </a:fillRef>
+        <a:effectRef idx="0">
+          <a:scrgbClr r="0" g="0" b="0"/>
+        </a:effectRef>
+        <a:fontRef idx="minor"/>
+      </dsp:style>
+      <dsp:txBody>
+        <a:bodyPr spcFirstLastPara="0" vert="horz" wrap="square" lIns="13970" tIns="13970" rIns="13970" bIns="13970" numCol="1" spcCol="1270" anchor="ctr" anchorCtr="0">
+          <a:noAutofit/>
+        </a:bodyPr>
+        <a:lstStyle/>
+        <a:p>
+          <a:pPr marL="0" lvl="0" indent="0" algn="ctr" defTabSz="488950">
+            <a:lnSpc>
+              <a:spcPct val="90000"/>
+            </a:lnSpc>
+            <a:spcBef>
+              <a:spcPct val="0"/>
+            </a:spcBef>
+            <a:spcAft>
+              <a:spcPct val="35000"/>
+            </a:spcAft>
+            <a:buNone/>
+          </a:pPr>
+          <a:r>
+            <a:rPr lang="en-US" sz="1100" kern="1200" dirty="0"/>
+            <a:t> </a:t>
+          </a:r>
+        </a:p>
+      </dsp:txBody>
+      <dsp:txXfrm>
+        <a:off x="216384" y="809593"/>
+        <a:ext cx="193529" cy="193529"/>
+      </dsp:txXfrm>
+    </dsp:sp>
+    <dsp:sp modelId="{38349559-4D5F-F14F-83AC-16BEA504F693}">
+      <dsp:nvSpPr>
+        <dsp:cNvPr id="0" name=""/>
+        <dsp:cNvSpPr/>
+      </dsp:nvSpPr>
+      <dsp:spPr>
+        <a:xfrm>
+          <a:off x="56244" y="59271"/>
+          <a:ext cx="945852" cy="945852"/>
+        </a:xfrm>
+        <a:prstGeom prst="circularArrow">
+          <a:avLst>
+            <a:gd name="adj1" fmla="val 3990"/>
+            <a:gd name="adj2" fmla="val 250290"/>
+            <a:gd name="adj3" fmla="val 9773170"/>
+            <a:gd name="adj4" fmla="val 8182995"/>
+            <a:gd name="adj5" fmla="val 4655"/>
+          </a:avLst>
+        </a:prstGeom>
+        <a:solidFill>
+          <a:schemeClr val="lt1">
+            <a:hueOff val="0"/>
+            <a:satOff val="0"/>
+            <a:lumOff val="0"/>
+            <a:alphaOff val="0"/>
+          </a:schemeClr>
+        </a:solidFill>
+        <a:ln w="12700" cap="flat" cmpd="sng" algn="ctr">
+          <a:solidFill>
+            <a:schemeClr val="dk2">
+              <a:shade val="80000"/>
+              <a:hueOff val="0"/>
+              <a:satOff val="0"/>
+              <a:lumOff val="0"/>
+              <a:alphaOff val="0"/>
+            </a:schemeClr>
+          </a:solidFill>
+          <a:prstDash val="solid"/>
+          <a:miter lim="800000"/>
+        </a:ln>
+        <a:effectLst/>
+      </dsp:spPr>
+      <dsp:style>
+        <a:lnRef idx="2">
+          <a:scrgbClr r="0" g="0" b="0"/>
+        </a:lnRef>
+        <a:fillRef idx="1">
+          <a:scrgbClr r="0" g="0" b="0"/>
+        </a:fillRef>
+        <a:effectRef idx="0">
+          <a:scrgbClr r="0" g="0" b="0"/>
+        </a:effectRef>
+        <a:fontRef idx="minor">
+          <a:schemeClr val="lt1"/>
+        </a:fontRef>
+      </dsp:style>
+    </dsp:sp>
+    <dsp:sp modelId="{77C7656B-7194-1C4E-BBD6-FD12259B3327}">
+      <dsp:nvSpPr>
+        <dsp:cNvPr id="0" name=""/>
+        <dsp:cNvSpPr/>
+      </dsp:nvSpPr>
+      <dsp:spPr>
+        <a:xfrm>
+          <a:off x="362" y="435433"/>
+          <a:ext cx="193529" cy="193529"/>
+        </a:xfrm>
+        <a:prstGeom prst="rect">
+          <a:avLst/>
+        </a:prstGeom>
+        <a:noFill/>
+        <a:ln>
+          <a:noFill/>
+        </a:ln>
+        <a:effectLst/>
+      </dsp:spPr>
+      <dsp:style>
+        <a:lnRef idx="0">
+          <a:scrgbClr r="0" g="0" b="0"/>
+        </a:lnRef>
+        <a:fillRef idx="0">
+          <a:scrgbClr r="0" g="0" b="0"/>
+        </a:fillRef>
+        <a:effectRef idx="0">
+          <a:scrgbClr r="0" g="0" b="0"/>
+        </a:effectRef>
+        <a:fontRef idx="minor"/>
+      </dsp:style>
+      <dsp:txBody>
+        <a:bodyPr spcFirstLastPara="0" vert="horz" wrap="square" lIns="13970" tIns="13970" rIns="13970" bIns="13970" numCol="1" spcCol="1270" anchor="ctr" anchorCtr="0">
+          <a:noAutofit/>
+        </a:bodyPr>
+        <a:lstStyle/>
+        <a:p>
+          <a:pPr marL="0" lvl="0" indent="0" algn="ctr" defTabSz="488950">
+            <a:lnSpc>
+              <a:spcPct val="90000"/>
+            </a:lnSpc>
+            <a:spcBef>
+              <a:spcPct val="0"/>
+            </a:spcBef>
+            <a:spcAft>
+              <a:spcPct val="35000"/>
+            </a:spcAft>
+            <a:buNone/>
+          </a:pPr>
+          <a:r>
+            <a:rPr lang="en-US" sz="1100" kern="1200" dirty="0"/>
+            <a:t> </a:t>
+          </a:r>
+        </a:p>
+      </dsp:txBody>
+      <dsp:txXfrm>
+        <a:off x="362" y="435433"/>
+        <a:ext cx="193529" cy="193529"/>
+      </dsp:txXfrm>
+    </dsp:sp>
+    <dsp:sp modelId="{DCF14260-0C01-2146-B7B9-437AFDBB6130}">
+      <dsp:nvSpPr>
+        <dsp:cNvPr id="0" name=""/>
+        <dsp:cNvSpPr/>
+      </dsp:nvSpPr>
+      <dsp:spPr>
+        <a:xfrm>
+          <a:off x="56244" y="59271"/>
+          <a:ext cx="945852" cy="945852"/>
+        </a:xfrm>
+        <a:prstGeom prst="circularArrow">
+          <a:avLst>
+            <a:gd name="adj1" fmla="val 3990"/>
+            <a:gd name="adj2" fmla="val 250290"/>
+            <a:gd name="adj3" fmla="val 13166715"/>
+            <a:gd name="adj4" fmla="val 11576540"/>
+            <a:gd name="adj5" fmla="val 4655"/>
+          </a:avLst>
+        </a:prstGeom>
+        <a:solidFill>
+          <a:schemeClr val="lt1">
+            <a:hueOff val="0"/>
+            <a:satOff val="0"/>
+            <a:lumOff val="0"/>
+            <a:alphaOff val="0"/>
+          </a:schemeClr>
+        </a:solidFill>
+        <a:ln w="12700" cap="flat" cmpd="sng" algn="ctr">
+          <a:solidFill>
+            <a:schemeClr val="dk2">
+              <a:shade val="80000"/>
+              <a:hueOff val="0"/>
+              <a:satOff val="0"/>
+              <a:lumOff val="0"/>
+              <a:alphaOff val="0"/>
+            </a:schemeClr>
+          </a:solidFill>
+          <a:prstDash val="solid"/>
+          <a:miter lim="800000"/>
+        </a:ln>
+        <a:effectLst/>
+      </dsp:spPr>
+      <dsp:style>
+        <a:lnRef idx="2">
+          <a:scrgbClr r="0" g="0" b="0"/>
+        </a:lnRef>
+        <a:fillRef idx="1">
+          <a:scrgbClr r="0" g="0" b="0"/>
+        </a:fillRef>
+        <a:effectRef idx="0">
+          <a:scrgbClr r="0" g="0" b="0"/>
+        </a:effectRef>
+        <a:fontRef idx="minor">
+          <a:schemeClr val="lt1"/>
+        </a:fontRef>
+      </dsp:style>
+    </dsp:sp>
+    <dsp:sp modelId="{AB6408C1-32BC-9A4C-BF6C-DFF9F466A712}">
+      <dsp:nvSpPr>
+        <dsp:cNvPr id="0" name=""/>
+        <dsp:cNvSpPr/>
+      </dsp:nvSpPr>
+      <dsp:spPr>
+        <a:xfrm>
+          <a:off x="216384" y="61272"/>
+          <a:ext cx="193529" cy="193529"/>
+        </a:xfrm>
+        <a:prstGeom prst="rect">
+          <a:avLst/>
+        </a:prstGeom>
+        <a:noFill/>
+        <a:ln>
+          <a:noFill/>
+        </a:ln>
+        <a:effectLst/>
+      </dsp:spPr>
+      <dsp:style>
+        <a:lnRef idx="0">
+          <a:scrgbClr r="0" g="0" b="0"/>
+        </a:lnRef>
+        <a:fillRef idx="0">
+          <a:scrgbClr r="0" g="0" b="0"/>
+        </a:fillRef>
+        <a:effectRef idx="0">
+          <a:scrgbClr r="0" g="0" b="0"/>
+        </a:effectRef>
+        <a:fontRef idx="minor"/>
+      </dsp:style>
+      <dsp:txBody>
+        <a:bodyPr spcFirstLastPara="0" vert="horz" wrap="square" lIns="13970" tIns="13970" rIns="13970" bIns="13970" numCol="1" spcCol="1270" anchor="ctr" anchorCtr="0">
+          <a:noAutofit/>
+        </a:bodyPr>
+        <a:lstStyle/>
+        <a:p>
+          <a:pPr marL="0" lvl="0" indent="0" algn="ctr" defTabSz="488950">
+            <a:lnSpc>
+              <a:spcPct val="90000"/>
+            </a:lnSpc>
+            <a:spcBef>
+              <a:spcPct val="0"/>
+            </a:spcBef>
+            <a:spcAft>
+              <a:spcPct val="35000"/>
+            </a:spcAft>
+            <a:buNone/>
+          </a:pPr>
+          <a:endParaRPr lang="en-US" sz="1100" kern="1200"/>
+        </a:p>
+      </dsp:txBody>
+      <dsp:txXfrm>
+        <a:off x="216384" y="61272"/>
+        <a:ext cx="193529" cy="193529"/>
+      </dsp:txXfrm>
+    </dsp:sp>
+    <dsp:sp modelId="{CE26F8B0-CDD1-AE4E-9863-9063391C53E3}">
+      <dsp:nvSpPr>
+        <dsp:cNvPr id="0" name=""/>
+        <dsp:cNvSpPr/>
+      </dsp:nvSpPr>
+      <dsp:spPr>
+        <a:xfrm>
+          <a:off x="56244" y="59271"/>
+          <a:ext cx="945852" cy="945852"/>
+        </a:xfrm>
+        <a:prstGeom prst="circularArrow">
+          <a:avLst>
+            <a:gd name="adj1" fmla="val 3990"/>
+            <a:gd name="adj2" fmla="val 250290"/>
+            <a:gd name="adj3" fmla="val 16911114"/>
+            <a:gd name="adj4" fmla="val 15238596"/>
+            <a:gd name="adj5" fmla="val 4655"/>
+          </a:avLst>
+        </a:prstGeom>
+        <a:solidFill>
+          <a:schemeClr val="lt1">
+            <a:hueOff val="0"/>
+            <a:satOff val="0"/>
+            <a:lumOff val="0"/>
+            <a:alphaOff val="0"/>
+          </a:schemeClr>
+        </a:solidFill>
+        <a:ln w="12700" cap="flat" cmpd="sng" algn="ctr">
+          <a:solidFill>
+            <a:schemeClr val="dk2">
+              <a:shade val="80000"/>
+              <a:hueOff val="0"/>
+              <a:satOff val="0"/>
+              <a:lumOff val="0"/>
+              <a:alphaOff val="0"/>
+            </a:schemeClr>
+          </a:solidFill>
+          <a:prstDash val="solid"/>
+          <a:miter lim="800000"/>
+        </a:ln>
+        <a:effectLst/>
+      </dsp:spPr>
+      <dsp:style>
+        <a:lnRef idx="2">
+          <a:scrgbClr r="0" g="0" b="0"/>
+        </a:lnRef>
+        <a:fillRef idx="1">
+          <a:scrgbClr r="0" g="0" b="0"/>
+        </a:fillRef>
+        <a:effectRef idx="0">
+          <a:scrgbClr r="0" g="0" b="0"/>
+        </a:effectRef>
+        <a:fontRef idx="minor">
+          <a:schemeClr val="lt1"/>
+        </a:fontRef>
+      </dsp:style>
+    </dsp:sp>
+  </dsp:spTree>
+</dsp:drawing>
+</file>
+
+<file path=ppt/diagrams/layout1.xml><?xml version="1.0" encoding="utf-8"?>
+<dgm:layoutDef xmlns:dgm="http://schemas.openxmlformats.org/drawingml/2006/diagram" xmlns:a="http://schemas.openxmlformats.org/drawingml/2006/main" uniqueId="urn:microsoft.com/office/officeart/2005/8/layout/cycle1">
+  <dgm:title val=""/>
+  <dgm:desc val=""/>
+  <dgm:catLst>
+    <dgm:cat type="cycle" pri="2000"/>
+  </dgm:catLst>
+  <dgm:sampData>
+    <dgm:dataModel>
+      <dgm:ptLst>
+        <dgm:pt modelId="0" type="doc"/>
+        <dgm:pt modelId="1">
+          <dgm:prSet phldr="1"/>
+        </dgm:pt>
+        <dgm:pt modelId="2">
+          <dgm:prSet phldr="1"/>
+        </dgm:pt>
+        <dgm:pt modelId="3">
+          <dgm:prSet phldr="1"/>
+        </dgm:pt>
+        <dgm:pt modelId="4">
+          <dgm:prSet phldr="1"/>
+        </dgm:pt>
+        <dgm:pt modelId="5">
+          <dgm:prSet phldr="1"/>
+        </dgm:pt>
+      </dgm:ptLst>
+      <dgm:cxnLst>
+        <dgm:cxn modelId="6" srcId="0" destId="1" srcOrd="0" destOrd="0"/>
+        <dgm:cxn modelId="7" srcId="0" destId="2" srcOrd="1" destOrd="0"/>
+        <dgm:cxn modelId="8" srcId="0" destId="3" srcOrd="2" destOrd="0"/>
+        <dgm:cxn modelId="9" srcId="0" destId="4" srcOrd="3" destOrd="0"/>
+        <dgm:cxn modelId="10" srcId="0" destId="5" srcOrd="4" destOrd="0"/>
+      </dgm:cxnLst>
+      <dgm:bg/>
+      <dgm:whole/>
+    </dgm:dataModel>
+  </dgm:sampData>
+  <dgm:styleData>
+    <dgm:dataModel>
+      <dgm:ptLst>
+        <dgm:pt modelId="0" type="doc"/>
+        <dgm:pt modelId="1"/>
+        <dgm:pt modelId="2"/>
+        <dgm:pt modelId="3"/>
+      </dgm:ptLst>
+      <dgm:cxnLst>
+        <dgm:cxn modelId="4" srcId="0" destId="1" srcOrd="0" destOrd="0"/>
+        <dgm:cxn modelId="5" srcId="0" destId="2" srcOrd="1" destOrd="0"/>
+        <dgm:cxn modelId="6" srcId="0" destId="3" srcOrd="2" destOrd="0"/>
+      </dgm:cxnLst>
+      <dgm:bg/>
+      <dgm:whole/>
+    </dgm:dataModel>
+  </dgm:styleData>
+  <dgm:clrData>
+    <dgm:dataModel>
+      <dgm:ptLst>
+        <dgm:pt modelId="0" type="doc"/>
+        <dgm:pt modelId="1"/>
+        <dgm:pt modelId="2"/>
+        <dgm:pt modelId="3"/>
+        <dgm:pt modelId="4"/>
+        <dgm:pt modelId="5"/>
+        <dgm:pt modelId="6"/>
+      </dgm:ptLst>
+      <dgm:cxnLst>
+        <dgm:cxn modelId="7" srcId="0" destId="1" srcOrd="0" destOrd="0"/>
+        <dgm:cxn modelId="8" srcId="0" destId="2" srcOrd="1" destOrd="0"/>
+        <dgm:cxn modelId="9" srcId="0" destId="3" srcOrd="2" destOrd="0"/>
+        <dgm:cxn modelId="10" srcId="0" destId="4" srcOrd="3" destOrd="0"/>
+        <dgm:cxn modelId="11" srcId="0" destId="5" srcOrd="4" destOrd="0"/>
+        <dgm:cxn modelId="12" srcId="0" destId="6" srcOrd="5" destOrd="0"/>
+      </dgm:cxnLst>
+      <dgm:bg/>
+      <dgm:whole/>
+    </dgm:dataModel>
+  </dgm:clrData>
+  <dgm:layoutNode name="cycle">
+    <dgm:varLst>
+      <dgm:dir/>
+      <dgm:resizeHandles val="exact"/>
+    </dgm:varLst>
+    <dgm:choose name="Name0">
+      <dgm:if name="Name1" func="var" arg="dir" op="equ" val="norm">
+        <dgm:alg type="cycle">
+          <dgm:param type="stAng" val="0"/>
+          <dgm:param type="spanAng" val="360"/>
+        </dgm:alg>
+      </dgm:if>
+      <dgm:else name="Name2">
+        <dgm:alg type="cycle">
+          <dgm:param type="stAng" val="0"/>
+          <dgm:param type="spanAng" val="-360"/>
+        </dgm:alg>
+      </dgm:else>
+    </dgm:choose>
+    <dgm:shape xmlns:r="http://schemas.openxmlformats.org/officeDocument/2006/relationships" r:blip="">
+      <dgm:adjLst/>
+    </dgm:shape>
+    <dgm:presOf/>
+    <dgm:choose name="Name3">
+      <dgm:if name="Name4" func="var" arg="dir" op="equ" val="norm">
+        <dgm:constrLst>
+          <dgm:constr type="diam" val="1"/>
+          <dgm:constr type="w" for="ch" forName="node" refType="w"/>
+          <dgm:constr type="w" for="ch" ptType="sibTrans" refType="w" refFor="ch" refForName="node" fact="0.5"/>
+          <dgm:constr type="h" for="ch" ptType="sibTrans" op="equ"/>
+          <dgm:constr type="diam" for="ch" ptType="sibTrans" refType="diam" op="equ"/>
+          <dgm:constr type="sibSp" refType="w" refFor="ch" refForName="node" fact="0.15"/>
+          <dgm:constr type="w" for="ch" forName="dummy" refType="sibSp" fact="2.8"/>
+          <dgm:constr type="primFontSz" for="ch" forName="node" op="equ" val="65"/>
+        </dgm:constrLst>
+      </dgm:if>
+      <dgm:else name="Name5">
+        <dgm:constrLst>
+          <dgm:constr type="diam" val="1"/>
+          <dgm:constr type="w" for="ch" forName="node" refType="w"/>
+          <dgm:constr type="w" for="ch" ptType="sibTrans" refType="w" refFor="ch" refForName="node" fact="0.5"/>
+          <dgm:constr type="h" for="ch" ptType="sibTrans" op="equ"/>
+          <dgm:constr type="diam" for="ch" ptType="sibTrans" refType="diam" op="equ" fact="-1"/>
+          <dgm:constr type="sibSp" refType="w" refFor="ch" refForName="node" fact="0.15"/>
+          <dgm:constr type="w" for="ch" forName="dummy" refType="sibSp" fact="2.8"/>
+          <dgm:constr type="primFontSz" for="ch" forName="node" op="equ" val="65"/>
+        </dgm:constrLst>
+      </dgm:else>
+    </dgm:choose>
+    <dgm:ruleLst>
+      <dgm:rule type="diam" val="INF" fact="NaN" max="NaN"/>
+    </dgm:ruleLst>
+    <dgm:forEach name="nodesForEach" axis="ch" ptType="node">
+      <dgm:choose name="Name6">
+        <dgm:if name="Name7" axis="par ch" ptType="doc node" func="cnt" op="gt" val="1">
+          <dgm:layoutNode name="dummy">
+            <dgm:alg type="sp"/>
+            <dgm:shape xmlns:r="http://schemas.openxmlformats.org/officeDocument/2006/relationships" r:blip="">
+              <dgm:adjLst/>
+            </dgm:shape>
+            <dgm:presOf/>
+            <dgm:constrLst>
+              <dgm:constr type="h" refType="w"/>
+            </dgm:constrLst>
+            <dgm:ruleLst/>
+          </dgm:layoutNode>
+        </dgm:if>
+        <dgm:else name="Name8"/>
+      </dgm:choose>
+      <dgm:layoutNode name="node" styleLbl="revTx">
+        <dgm:varLst>
+          <dgm:bulletEnabled val="1"/>
+        </dgm:varLst>
+        <dgm:alg type="tx">
+          <dgm:param type="txAnchorVertCh" val="mid"/>
+        </dgm:alg>
+        <dgm:shape xmlns:r="http://schemas.openxmlformats.org/officeDocument/2006/relationships" type="rect" r:blip="">
+          <dgm:adjLst/>
+        </dgm:shape>
+        <dgm:presOf axis="desOrSelf" ptType="node"/>
+        <dgm:constrLst>
+          <dgm:constr type="h" refType="w"/>
+          <dgm:constr type="lMarg" refType="primFontSz" fact="0.1"/>
+          <dgm:constr type="rMarg" refType="primFontSz" fact="0.1"/>
+          <dgm:constr type="tMarg" refType="primFontSz" fact="0.1"/>
+          <dgm:constr type="bMarg" refType="primFontSz" fact="0.1"/>
+        </dgm:constrLst>
+        <dgm:ruleLst>
+          <dgm:rule type="primFontSz" val="5" fact="NaN" max="NaN"/>
+        </dgm:ruleLst>
+      </dgm:layoutNode>
+      <dgm:choose name="Name9">
+        <dgm:if name="Name10" axis="par ch" ptType="doc node" func="cnt" op="gt" val="1">
+          <dgm:forEach name="Name11" axis="followSib" ptType="sibTrans" hideLastTrans="0" cnt="1">
+            <dgm:layoutNode name="sibTrans" styleLbl="node1">
+              <dgm:alg type="conn">
+                <dgm:param type="connRout" val="curve"/>
+                <dgm:param type="begPts" val="radial"/>
+                <dgm:param type="endPts" val="radial"/>
+              </dgm:alg>
+              <dgm:shape xmlns:r="http://schemas.openxmlformats.org/officeDocument/2006/relationships" type="conn" r:blip="">
+                <dgm:adjLst/>
+              </dgm:shape>
+              <dgm:presOf axis="self"/>
+              <dgm:constrLst>
+                <dgm:constr type="h" refType="w" fact="0.65"/>
+                <dgm:constr type="begPad"/>
+                <dgm:constr type="endPad"/>
+              </dgm:constrLst>
+              <dgm:ruleLst/>
+            </dgm:layoutNode>
+          </dgm:forEach>
+        </dgm:if>
+        <dgm:else name="Name12"/>
+      </dgm:choose>
+    </dgm:forEach>
+  </dgm:layoutNode>
+</dgm:layoutDef>
+</file>
+
+<file path=ppt/diagrams/quickStyle1.xml><?xml version="1.0" encoding="utf-8"?>
+<dgm:styleDef xmlns:dgm="http://schemas.openxmlformats.org/drawingml/2006/diagram" xmlns:a="http://schemas.openxmlformats.org/drawingml/2006/main" uniqueId="urn:microsoft.com/office/officeart/2005/8/quickstyle/simple1">
+  <dgm:title val=""/>
+  <dgm:desc val=""/>
+  <dgm:catLst>
+    <dgm:cat type="simple" pri="10100"/>
+  </dgm:catLst>
+  <dgm:scene3d>
+    <a:camera prst="orthographicFront"/>
+    <a:lightRig rig="threePt" dir="t"/>
+  </dgm:scene3d>
+  <dgm:styleLbl name="node0">
+    <dgm:scene3d>
+      <a:camera prst="orthographicFront"/>
+      <a:lightRig rig="threePt" dir="t"/>
+    </dgm:scene3d>
+    <dgm:sp3d/>
+    <dgm:txPr/>
+    <dgm:style>
+      <a:lnRef idx="2">
+        <a:scrgbClr r="0" g="0" b="0"/>
+      </a:lnRef>
+      <a:fillRef idx="1">
+        <a:scrgbClr r="0" g="0" b="0"/>
+      </a:fillRef>
+      <a:effectRef idx="0">
+        <a:scrgbClr r="0" g="0" b="0"/>
+      </a:effectRef>
+      <a:fontRef idx="minor">
+        <a:schemeClr val="lt1"/>
+      </a:fontRef>
+    </dgm:style>
+  </dgm:styleLbl>
+  <dgm:styleLbl name="lnNode1">
+    <dgm:scene3d>
+      <a:camera prst="orthographicFront"/>
+      <a:lightRig rig="threePt" dir="t"/>
+    </dgm:scene3d>
+    <dgm:sp3d/>
+    <dgm:txPr/>
+    <dgm:style>
+      <a:lnRef idx="2">
+        <a:scrgbClr r="0" g="0" b="0"/>
+      </a:lnRef>
+      <a:fillRef idx="1">
+        <a:scrgbClr r="0" g="0" b="0"/>
+      </a:fillRef>
+      <a:effectRef idx="0">
+        <a:scrgbClr r="0" g="0" b="0"/>
+      </a:effectRef>
+      <a:fontRef idx="minor">
+        <a:schemeClr val="lt1"/>
+      </a:fontRef>
+    </dgm:style>
+  </dgm:styleLbl>
+  <dgm:styleLbl name="vennNode1">
+    <dgm:scene3d>
+      <a:camera prst="orthographicFront"/>
+      <a:lightRig rig="threePt" dir="t"/>
+    </dgm:scene3d>
+    <dgm:sp3d/>
+    <dgm:txPr/>
+    <dgm:style>
+      <a:lnRef idx="2">
+        <a:scrgbClr r="0" g="0" b="0"/>
+      </a:lnRef>
+      <a:fillRef idx="1">
+        <a:scrgbClr r="0" g="0" b="0"/>
+      </a:fillRef>
+      <a:effectRef idx="0">
+        <a:scrgbClr r="0" g="0" b="0"/>
+      </a:effectRef>
+      <a:fontRef idx="minor">
+        <a:schemeClr val="tx1"/>
+      </a:fontRef>
+    </dgm:style>
+  </dgm:styleLbl>
+  <dgm:styleLbl name="alignNode1">
+    <dgm:scene3d>
+      <a:camera prst="orthographicFront"/>
+      <a:lightRig rig="threePt" dir="t"/>
+    </dgm:scene3d>
+    <dgm:sp3d/>
+    <dgm:txPr/>
+    <dgm:style>
+      <a:lnRef idx="2">
+        <a:scrgbClr r="0" g="0" b="0"/>
+      </a:lnRef>
+      <a:fillRef idx="1">
+        <a:scrgbClr r="0" g="0" b="0"/>
+      </a:fillRef>
+      <a:effectRef idx="0">
+        <a:scrgbClr r="0" g="0" b="0"/>
+      </a:effectRef>
+      <a:fontRef idx="minor">
+        <a:schemeClr val="lt1"/>
+      </a:fontRef>
+    </dgm:style>
+  </dgm:styleLbl>
+  <dgm:styleLbl name="node1">
+    <dgm:scene3d>
+      <a:camera prst="orthographicFront"/>
+      <a:lightRig rig="threePt" dir="t"/>
+    </dgm:scene3d>
+    <dgm:sp3d/>
+    <dgm:txPr/>
+    <dgm:style>
+      <a:lnRef idx="2">
+        <a:scrgbClr r="0" g="0" b="0"/>
+      </a:lnRef>
+      <a:fillRef idx="1">
+        <a:scrgbClr r="0" g="0" b="0"/>
+      </a:fillRef>
+      <a:effectRef idx="0">
+        <a:scrgbClr r="0" g="0" b="0"/>
+      </a:effectRef>
+      <a:fontRef idx="minor">
+        <a:schemeClr val="lt1"/>
+      </a:fontRef>
+    </dgm:style>
+  </dgm:styleLbl>
+  <dgm:styleLbl name="node2">
+    <dgm:scene3d>
+      <a:camera prst="orthographicFront"/>
+      <a:lightRig rig="threePt" dir="t"/>
+    </dgm:scene3d>
+    <dgm:sp3d/>
+    <dgm:txPr/>
+    <dgm:style>
+      <a:lnRef idx="2">
+        <a:scrgbClr r="0" g="0" b="0"/>
+      </a:lnRef>
+      <a:fillRef idx="1">
+        <a:scrgbClr r="0" g="0" b="0"/>
+      </a:fillRef>
+      <a:effectRef idx="0">
+        <a:scrgbClr r="0" g="0" b="0"/>
+      </a:effectRef>
+      <a:fontRef idx="minor">
+        <a:schemeClr val="lt1"/>
+      </a:fontRef>
+    </dgm:style>
+  </dgm:styleLbl>
+  <dgm:styleLbl name="node3">
+    <dgm:scene3d>
+      <a:camera prst="orthographicFront"/>
+      <a:lightRig rig="threePt" dir="t"/>
+    </dgm:scene3d>
+    <dgm:sp3d/>
+    <dgm:txPr/>
+    <dgm:style>
+      <a:lnRef idx="2">
+        <a:scrgbClr r="0" g="0" b="0"/>
+      </a:lnRef>
+      <a:fillRef idx="1">
+        <a:scrgbClr r="0" g="0" b="0"/>
+      </a:fillRef>
+      <a:effectRef idx="0">
+        <a:scrgbClr r="0" g="0" b="0"/>
+      </a:effectRef>
+      <a:fontRef idx="minor">
+        <a:schemeClr val="lt1"/>
+      </a:fontRef>
+    </dgm:style>
+  </dgm:styleLbl>
+  <dgm:styleLbl name="node4">
+    <dgm:scene3d>
+      <a:camera prst="orthographicFront"/>
+      <a:lightRig rig="threePt" dir="t"/>
+    </dgm:scene3d>
+    <dgm:sp3d/>
+    <dgm:txPr/>
+    <dgm:style>
+      <a:lnRef idx="2">
+        <a:scrgbClr r="0" g="0" b="0"/>
+      </a:lnRef>
+      <a:fillRef idx="1">
+        <a:scrgbClr r="0" g="0" b="0"/>
+      </a:fillRef>
+      <a:effectRef idx="0">
+        <a:scrgbClr r="0" g="0" b="0"/>
+      </a:effectRef>
+      <a:fontRef idx="minor">
+        <a:schemeClr val="lt1"/>
+      </a:fontRef>
+    </dgm:style>
+  </dgm:styleLbl>
+  <dgm:styleLbl name="fgImgPlace1">
+    <dgm:scene3d>
+      <a:camera prst="orthographicFront"/>
+      <a:lightRig rig="threePt" dir="t"/>
+    </dgm:scene3d>
+    <dgm:sp3d/>
+    <dgm:txPr/>
+    <dgm:style>
+      <a:lnRef idx="2">
+        <a:scrgbClr r="0" g="0" b="0"/>
+      </a:lnRef>
+      <a:fillRef idx="1">
+        <a:scrgbClr r="0" g="0" b="0"/>
+      </a:fillRef>
+      <a:effectRef idx="0">
+        <a:scrgbClr r="0" g="0" b="0"/>
+      </a:effectRef>
+      <a:fontRef idx="minor"/>
+    </dgm:style>
+  </dgm:styleLbl>
+  <dgm:styleLbl name="alignImgPlace1">
+    <dgm:scene3d>
+      <a:camera prst="orthographicFront"/>
+      <a:lightRig rig="threePt" dir="t"/>
+    </dgm:scene3d>
+    <dgm:sp3d/>
+    <dgm:txPr/>
+    <dgm:style>
+      <a:lnRef idx="2">
+        <a:scrgbClr r="0" g="0" b="0"/>
+      </a:lnRef>
+      <a:fillRef idx="1">
+        <a:scrgbClr r="0" g="0" b="0"/>
+      </a:fillRef>
+      <a:effectRef idx="0">
+        <a:scrgbClr r="0" g="0" b="0"/>
+      </a:effectRef>
+      <a:fontRef idx="minor"/>
+    </dgm:style>
+  </dgm:styleLbl>
+  <dgm:styleLbl name="bgImgPlace1">
+    <dgm:scene3d>
+      <a:camera prst="orthographicFront"/>
+      <a:lightRig rig="threePt" dir="t"/>
+    </dgm:scene3d>
+    <dgm:sp3d/>
+    <dgm:txPr/>
+    <dgm:style>
+      <a:lnRef idx="2">
+        <a:scrgbClr r="0" g="0" b="0"/>
+      </a:lnRef>
+      <a:fillRef idx="1">
+        <a:scrgbClr r="0" g="0" b="0"/>
+      </a:fillRef>
+      <a:effectRef idx="0">
+        <a:scrgbClr r="0" g="0" b="0"/>
+      </a:effectRef>
+      <a:fontRef idx="minor"/>
+    </dgm:style>
+  </dgm:styleLbl>
+  <dgm:styleLbl name="sibTrans2D1">
+    <dgm:scene3d>
+      <a:camera prst="orthographicFront"/>
+      <a:lightRig rig="threePt" dir="t"/>
+    </dgm:scene3d>
+    <dgm:sp3d/>
+    <dgm:txPr/>
+    <dgm:style>
+      <a:lnRef idx="0">
+        <a:scrgbClr r="0" g="0" b="0"/>
+      </a:lnRef>
+      <a:fillRef idx="1">
+        <a:scrgbClr r="0" g="0" b="0"/>
+      </a:fillRef>
+      <a:effectRef idx="0">
+        <a:scrgbClr r="0" g="0" b="0"/>
+      </a:effectRef>
+      <a:fontRef idx="minor">
+        <a:schemeClr val="lt1"/>
+      </a:fontRef>
+    </dgm:style>
+  </dgm:styleLbl>
+  <dgm:styleLbl name="fgSibTrans2D1">
+    <dgm:scene3d>
+      <a:camera prst="orthographicFront"/>
+      <a:lightRig rig="threePt" dir="t"/>
+    </dgm:scene3d>
+    <dgm:sp3d/>
+    <dgm:txPr/>
+    <dgm:style>
+      <a:lnRef idx="0">
+        <a:scrgbClr r="0" g="0" b="0"/>
+      </a:lnRef>
+      <a:fillRef idx="1">
+        <a:scrgbClr r="0" g="0" b="0"/>
+      </a:fillRef>
+      <a:effectRef idx="0">
+        <a:scrgbClr r="0" g="0" b="0"/>
+      </a:effectRef>
+      <a:fontRef idx="minor">
+        <a:schemeClr val="lt1"/>
+      </a:fontRef>
+    </dgm:style>
+  </dgm:styleLbl>
+  <dgm:styleLbl name="bgSibTrans2D1">
+    <dgm:scene3d>
+      <a:camera prst="orthographicFront"/>
+      <a:lightRig rig="threePt" dir="t"/>
+    </dgm:scene3d>
+    <dgm:sp3d/>
+    <dgm:txPr/>
+    <dgm:style>
+      <a:lnRef idx="0">
+        <a:scrgbClr r="0" g="0" b="0"/>
+      </a:lnRef>
+      <a:fillRef idx="1">
+        <a:scrgbClr r="0" g="0" b="0"/>
+      </a:fillRef>
+      <a:effectRef idx="0">
+        <a:scrgbClr r="0" g="0" b="0"/>
+      </a:effectRef>
+      <a:fontRef idx="minor">
+        <a:schemeClr val="lt1"/>
+      </a:fontRef>
+    </dgm:style>
+  </dgm:styleLbl>
+  <dgm:styleLbl name="sibTrans1D1">
+    <dgm:scene3d>
+      <a:camera prst="orthographicFront"/>
+      <a:lightRig rig="threePt" dir="t"/>
+    </dgm:scene3d>
+    <dgm:sp3d/>
+    <dgm:txPr/>
+    <dgm:style>
+      <a:lnRef idx="1">
+        <a:scrgbClr r="0" g="0" b="0"/>
+      </a:lnRef>
+      <a:fillRef idx="0">
+        <a:scrgbClr r="0" g="0" b="0"/>
+      </a:fillRef>
+      <a:effectRef idx="0">
+        <a:scrgbClr r="0" g="0" b="0"/>
+      </a:effectRef>
+      <a:fontRef idx="minor"/>
+    </dgm:style>
+  </dgm:styleLbl>
+  <dgm:styleLbl name="callout">
+    <dgm:scene3d>
+      <a:camera prst="orthographicFront"/>
+      <a:lightRig rig="threePt" dir="t"/>
+    </dgm:scene3d>
+    <dgm:sp3d/>
+    <dgm:txPr/>
+    <dgm:style>
+      <a:lnRef idx="2">
+        <a:scrgbClr r="0" g="0" b="0"/>
+      </a:lnRef>
+      <a:fillRef idx="1">
+        <a:scrgbClr r="0" g="0" b="0"/>
+      </a:fillRef>
+      <a:effectRef idx="0">
+        <a:scrgbClr r="0" g="0" b="0"/>
+      </a:effectRef>
+      <a:fontRef idx="minor"/>
+    </dgm:style>
+  </dgm:styleLbl>
+  <dgm:styleLbl name="asst0">
+    <dgm:scene3d>
+      <a:camera prst="orthographicFront"/>
+      <a:lightRig rig="threePt" dir="t"/>
+    </dgm:scene3d>
+    <dgm:sp3d/>
+    <dgm:txPr/>
+    <dgm:style>
+      <a:lnRef idx="2">
+        <a:scrgbClr r="0" g="0" b="0"/>
+      </a:lnRef>
+      <a:fillRef idx="1">
+        <a:scrgbClr r="0" g="0" b="0"/>
+      </a:fillRef>
+      <a:effectRef idx="0">
+        <a:scrgbClr r="0" g="0" b="0"/>
+      </a:effectRef>
+      <a:fontRef idx="minor">
+        <a:schemeClr val="lt1"/>
+      </a:fontRef>
+    </dgm:style>
+  </dgm:styleLbl>
+  <dgm:styleLbl name="asst1">
+    <dgm:scene3d>
+      <a:camera prst="orthographicFront"/>
+      <a:lightRig rig="threePt" dir="t"/>
+    </dgm:scene3d>
+    <dgm:sp3d/>
+    <dgm:txPr/>
+    <dgm:style>
+      <a:lnRef idx="2">
+        <a:scrgbClr r="0" g="0" b="0"/>
+      </a:lnRef>
+      <a:fillRef idx="1">
+        <a:scrgbClr r="0" g="0" b="0"/>
+      </a:fillRef>
+      <a:effectRef idx="0">
+        <a:scrgbClr r="0" g="0" b="0"/>
+      </a:effectRef>
+      <a:fontRef idx="minor">
+        <a:schemeClr val="lt1"/>
+      </a:fontRef>
+    </dgm:style>
+  </dgm:styleLbl>
+  <dgm:styleLbl name="asst2">
+    <dgm:scene3d>
+      <a:camera prst="orthographicFront"/>
+      <a:lightRig rig="threePt" dir="t"/>
+    </dgm:scene3d>
+    <dgm:sp3d/>
+    <dgm:txPr/>
+    <dgm:style>
+      <a:lnRef idx="2">
+        <a:scrgbClr r="0" g="0" b="0"/>
+      </a:lnRef>
+      <a:fillRef idx="1">
+        <a:scrgbClr r="0" g="0" b="0"/>
+      </a:fillRef>
+      <a:effectRef idx="0">
+        <a:scrgbClr r="0" g="0" b="0"/>
+      </a:effectRef>
+      <a:fontRef idx="minor">
+        <a:schemeClr val="lt1"/>
+      </a:fontRef>
+    </dgm:style>
+  </dgm:styleLbl>
+  <dgm:styleLbl name="asst3">
+    <dgm:scene3d>
+      <a:camera prst="orthographicFront"/>
+      <a:lightRig rig="threePt" dir="t"/>
+    </dgm:scene3d>
+    <dgm:sp3d/>
+    <dgm:txPr/>
+    <dgm:style>
+      <a:lnRef idx="2">
+        <a:scrgbClr r="0" g="0" b="0"/>
+      </a:lnRef>
+      <a:fillRef idx="1">
+        <a:scrgbClr r="0" g="0" b="0"/>
+      </a:fillRef>
+      <a:effectRef idx="0">
+        <a:scrgbClr r="0" g="0" b="0"/>
+      </a:effectRef>
+      <a:fontRef idx="minor">
+        <a:schemeClr val="lt1"/>
+      </a:fontRef>
+    </dgm:style>
+  </dgm:styleLbl>
+  <dgm:styleLbl name="asst4">
+    <dgm:scene3d>
+      <a:camera prst="orthographicFront"/>
+      <a:lightRig rig="threePt" dir="t"/>
+    </dgm:scene3d>
+    <dgm:sp3d/>
+    <dgm:txPr/>
+    <dgm:style>
+      <a:lnRef idx="2">
+        <a:scrgbClr r="0" g="0" b="0"/>
+      </a:lnRef>
+      <a:fillRef idx="1">
+        <a:scrgbClr r="0" g="0" b="0"/>
+      </a:fillRef>
+      <a:effectRef idx="0">
+        <a:scrgbClr r="0" g="0" b="0"/>
+      </a:effectRef>
+      <a:fontRef idx="minor">
+        <a:schemeClr val="lt1"/>
+      </a:fontRef>
+    </dgm:style>
+  </dgm:styleLbl>
+  <dgm:styleLbl name="parChTrans2D1">
+    <dgm:scene3d>
+      <a:camera prst="orthographicFront"/>
+      <a:lightRig rig="threePt" dir="t"/>
+    </dgm:scene3d>
+    <dgm:sp3d/>
+    <dgm:txPr/>
+    <dgm:style>
+      <a:lnRef idx="2">
+        <a:scrgbClr r="0" g="0" b="0"/>
+      </a:lnRef>
+      <a:fillRef idx="1">
+        <a:scrgbClr r="0" g="0" b="0"/>
+      </a:fillRef>
+      <a:effectRef idx="0">
+        <a:scrgbClr r="0" g="0" b="0"/>
+      </a:effectRef>
+      <a:fontRef idx="minor">
+        <a:schemeClr val="lt1"/>
+      </a:fontRef>
+    </dgm:style>
+  </dgm:styleLbl>
+  <dgm:styleLbl name="parChTrans2D2">
+    <dgm:scene3d>
+      <a:camera prst="orthographicFront"/>
+      <a:lightRig rig="threePt" dir="t"/>
+    </dgm:scene3d>
+    <dgm:sp3d/>
+    <dgm:txPr/>
+    <dgm:style>
+      <a:lnRef idx="2">
+        <a:scrgbClr r="0" g="0" b="0"/>
+      </a:lnRef>
+      <a:fillRef idx="1">
+        <a:scrgbClr r="0" g="0" b="0"/>
+      </a:fillRef>
+      <a:effectRef idx="0">
+        <a:scrgbClr r="0" g="0" b="0"/>
+      </a:effectRef>
+      <a:fontRef idx="minor">
+        <a:schemeClr val="lt1"/>
+      </a:fontRef>
+    </dgm:style>
+  </dgm:styleLbl>
+  <dgm:styleLbl name="parChTrans2D3">
+    <dgm:scene3d>
+      <a:camera prst="orthographicFront"/>
+      <a:lightRig rig="threePt" dir="t"/>
+    </dgm:scene3d>
+    <dgm:sp3d/>
+    <dgm:txPr/>
+    <dgm:style>
+      <a:lnRef idx="2">
+        <a:scrgbClr r="0" g="0" b="0"/>
+      </a:lnRef>
+      <a:fillRef idx="1">
+        <a:scrgbClr r="0" g="0" b="0"/>
+      </a:fillRef>
+      <a:effectRef idx="0">
+        <a:scrgbClr r="0" g="0" b="0"/>
+      </a:effectRef>
+      <a:fontRef idx="minor">
+        <a:schemeClr val="lt1"/>
+      </a:fontRef>
+    </dgm:style>
+  </dgm:styleLbl>
+  <dgm:styleLbl name="parChTrans2D4">
+    <dgm:scene3d>
+      <a:camera prst="orthographicFront"/>
+      <a:lightRig rig="threePt" dir="t"/>
+    </dgm:scene3d>
+    <dgm:sp3d/>
+    <dgm:txPr/>
+    <dgm:style>
+      <a:lnRef idx="2">
+        <a:scrgbClr r="0" g="0" b="0"/>
+      </a:lnRef>
+      <a:fillRef idx="1">
+        <a:scrgbClr r="0" g="0" b="0"/>
+      </a:fillRef>
+      <a:effectRef idx="0">
+        <a:scrgbClr r="0" g="0" b="0"/>
+      </a:effectRef>
+      <a:fontRef idx="minor">
+        <a:schemeClr val="lt1"/>
+      </a:fontRef>
+    </dgm:style>
+  </dgm:styleLbl>
+  <dgm:styleLbl name="parChTrans1D1">
+    <dgm:scene3d>
+      <a:camera prst="orthographicFront"/>
+      <a:lightRig rig="threePt" dir="t"/>
+    </dgm:scene3d>
+    <dgm:sp3d/>
+    <dgm:txPr/>
+    <dgm:style>
+      <a:lnRef idx="2">
+        <a:scrgbClr r="0" g="0" b="0"/>
+      </a:lnRef>
+      <a:fillRef idx="0">
+        <a:scrgbClr r="0" g="0" b="0"/>
+      </a:fillRef>
+      <a:effectRef idx="0">
+        <a:scrgbClr r="0" g="0" b="0"/>
+      </a:effectRef>
+      <a:fontRef idx="minor"/>
+    </dgm:style>
+  </dgm:styleLbl>
+  <dgm:styleLbl name="parChTrans1D2">
+    <dgm:scene3d>
+      <a:camera prst="orthographicFront"/>
+      <a:lightRig rig="threePt" dir="t"/>
+    </dgm:scene3d>
+    <dgm:sp3d/>
+    <dgm:txPr/>
+    <dgm:style>
+      <a:lnRef idx="2">
+        <a:scrgbClr r="0" g="0" b="0"/>
+      </a:lnRef>
+      <a:fillRef idx="0">
+        <a:scrgbClr r="0" g="0" b="0"/>
+      </a:fillRef>
+      <a:effectRef idx="0">
+        <a:scrgbClr r="0" g="0" b="0"/>
+      </a:effectRef>
+      <a:fontRef idx="minor"/>
+    </dgm:style>
+  </dgm:styleLbl>
+  <dgm:styleLbl name="parChTrans1D3">
+    <dgm:scene3d>
+      <a:camera prst="orthographicFront"/>
+      <a:lightRig rig="threePt" dir="t"/>
+    </dgm:scene3d>
+    <dgm:sp3d/>
+    <dgm:txPr/>
+    <dgm:style>
+      <a:lnRef idx="2">
+        <a:scrgbClr r="0" g="0" b="0"/>
+      </a:lnRef>
+      <a:fillRef idx="0">
+        <a:scrgbClr r="0" g="0" b="0"/>
+      </a:fillRef>
+      <a:effectRef idx="0">
+        <a:scrgbClr r="0" g="0" b="0"/>
+      </a:effectRef>
+      <a:fontRef idx="minor"/>
+    </dgm:style>
+  </dgm:styleLbl>
+  <dgm:styleLbl name="parChTrans1D4">
+    <dgm:scene3d>
+      <a:camera prst="orthographicFront"/>
+      <a:lightRig rig="threePt" dir="t"/>
+    </dgm:scene3d>
+    <dgm:sp3d/>
+    <dgm:txPr/>
+    <dgm:style>
+      <a:lnRef idx="2">
+        <a:scrgbClr r="0" g="0" b="0"/>
+      </a:lnRef>
+      <a:fillRef idx="0">
+        <a:scrgbClr r="0" g="0" b="0"/>
+      </a:fillRef>
+      <a:effectRef idx="0">
+        <a:scrgbClr r="0" g="0" b="0"/>
+      </a:effectRef>
+      <a:fontRef idx="minor"/>
+    </dgm:style>
+  </dgm:styleLbl>
+  <dgm:styleLbl name="fgAcc1">
+    <dgm:scene3d>
+      <a:camera prst="orthographicFront"/>
+      <a:lightRig rig="threePt" dir="t"/>
+    </dgm:scene3d>
+    <dgm:sp3d/>
+    <dgm:txPr/>
+    <dgm:style>
+      <a:lnRef idx="2">
+        <a:scrgbClr r="0" g="0" b="0"/>
+      </a:lnRef>
+      <a:fillRef idx="1">
+        <a:scrgbClr r="0" g="0" b="0"/>
+      </a:fillRef>
+      <a:effectRef idx="0">
+        <a:scrgbClr r="0" g="0" b="0"/>
+      </a:effectRef>
+      <a:fontRef idx="minor"/>
+    </dgm:style>
+  </dgm:styleLbl>
+  <dgm:styleLbl name="conFgAcc1">
+    <dgm:scene3d>
+      <a:camera prst="orthographicFront"/>
+      <a:lightRig rig="threePt" dir="t"/>
+    </dgm:scene3d>
+    <dgm:sp3d/>
+    <dgm:txPr/>
+    <dgm:style>
+      <a:lnRef idx="2">
+        <a:scrgbClr r="0" g="0" b="0"/>
+      </a:lnRef>
+      <a:fillRef idx="1">
+        <a:scrgbClr r="0" g="0" b="0"/>
+      </a:fillRef>
+      <a:effectRef idx="0">
+        <a:scrgbClr r="0" g="0" b="0"/>
+      </a:effectRef>
+      <a:fontRef idx="minor"/>
+    </dgm:style>
+  </dgm:styleLbl>
+  <dgm:styleLbl name="alignAcc1">
+    <dgm:scene3d>
+      <a:camera prst="orthographicFront"/>
+      <a:lightRig rig="threePt" dir="t"/>
+    </dgm:scene3d>
+    <dgm:sp3d/>
+    <dgm:txPr/>
+    <dgm:style>
+      <a:lnRef idx="2">
+        <a:scrgbClr r="0" g="0" b="0"/>
+      </a:lnRef>
+      <a:fillRef idx="1">
+        <a:scrgbClr r="0" g="0" b="0"/>
+      </a:fillRef>
+      <a:effectRef idx="0">
+        <a:scrgbClr r="0" g="0" b="0"/>
+      </a:effectRef>
+      <a:fontRef idx="minor"/>
+    </dgm:style>
+  </dgm:styleLbl>
+  <dgm:styleLbl name="trAlignAcc1">
+    <dgm:scene3d>
+      <a:camera prst="orthographicFront"/>
+      <a:lightRig rig="threePt" dir="t"/>
+    </dgm:scene3d>
+    <dgm:sp3d/>
+    <dgm:txPr/>
+    <dgm:style>
+      <a:lnRef idx="1">
+        <a:scrgbClr r="0" g="0" b="0"/>
+      </a:lnRef>
+      <a:fillRef idx="1">
+        <a:scrgbClr r="0" g="0" b="0"/>
+      </a:fillRef>
+      <a:effectRef idx="0">
+        <a:scrgbClr r="0" g="0" b="0"/>
+      </a:effectRef>
+      <a:fontRef idx="minor"/>
+    </dgm:style>
+  </dgm:styleLbl>
+  <dgm:styleLbl name="bgAcc1">
+    <dgm:scene3d>
+      <a:camera prst="orthographicFront"/>
+      <a:lightRig rig="threePt" dir="t"/>
+    </dgm:scene3d>
+    <dgm:sp3d/>
+    <dgm:txPr/>
+    <dgm:style>
+      <a:lnRef idx="2">
+        <a:scrgbClr r="0" g="0" b="0"/>
+      </a:lnRef>
+      <a:fillRef idx="1">
+        <a:scrgbClr r="0" g="0" b="0"/>
+      </a:fillRef>
+      <a:effectRef idx="0">
+        <a:scrgbClr r="0" g="0" b="0"/>
+      </a:effectRef>
+      <a:fontRef idx="minor"/>
+    </dgm:style>
+  </dgm:styleLbl>
+  <dgm:styleLbl name="solidFgAcc1">
+    <dgm:scene3d>
+      <a:camera prst="orthographicFront"/>
+      <a:lightRig rig="threePt" dir="t"/>
+    </dgm:scene3d>
+    <dgm:sp3d/>
+    <dgm:txPr/>
+    <dgm:style>
+      <a:lnRef idx="2">
+        <a:scrgbClr r="0" g="0" b="0"/>
+      </a:lnRef>
+      <a:fillRef idx="1">
+        <a:scrgbClr r="0" g="0" b="0"/>
+      </a:fillRef>
+      <a:effectRef idx="0">
+        <a:scrgbClr r="0" g="0" b="0"/>
+      </a:effectRef>
+      <a:fontRef idx="minor"/>
+    </dgm:style>
+  </dgm:styleLbl>
+  <dgm:styleLbl name="solidAlignAcc1">
+    <dgm:scene3d>
+      <a:camera prst="orthographicFront"/>
+      <a:lightRig rig="threePt" dir="t"/>
+    </dgm:scene3d>
+    <dgm:sp3d/>
+    <dgm:txPr/>
+    <dgm:style>
+      <a:lnRef idx="2">
+        <a:scrgbClr r="0" g="0" b="0"/>
+      </a:lnRef>
+      <a:fillRef idx="1">
+        <a:scrgbClr r="0" g="0" b="0"/>
+      </a:fillRef>
+      <a:effectRef idx="0">
+        <a:scrgbClr r="0" g="0" b="0"/>
+      </a:effectRef>
+      <a:fontRef idx="minor"/>
+    </dgm:style>
+  </dgm:styleLbl>
+  <dgm:styleLbl name="solidBgAcc1">
+    <dgm:scene3d>
+      <a:camera prst="orthographicFront"/>
+      <a:lightRig rig="threePt" dir="t"/>
+    </dgm:scene3d>
+    <dgm:sp3d/>
+    <dgm:txPr/>
+    <dgm:style>
+      <a:lnRef idx="2">
+        <a:scrgbClr r="0" g="0" b="0"/>
+      </a:lnRef>
+      <a:fillRef idx="1">
+        <a:scrgbClr r="0" g="0" b="0"/>
+      </a:fillRef>
+      <a:effectRef idx="0">
+        <a:scrgbClr r="0" g="0" b="0"/>
+      </a:effectRef>
+      <a:fontRef idx="minor"/>
+    </dgm:style>
+  </dgm:styleLbl>
+  <dgm:styleLbl name="fgAccFollowNode1">
+    <dgm:scene3d>
+      <a:camera prst="orthographicFront"/>
+      <a:lightRig rig="threePt" dir="t"/>
+    </dgm:scene3d>
+    <dgm:sp3d/>
+    <dgm:txPr/>
+    <dgm:style>
+      <a:lnRef idx="2">
+        <a:scrgbClr r="0" g="0" b="0"/>
+      </a:lnRef>
+      <a:fillRef idx="1">
+        <a:scrgbClr r="0" g="0" b="0"/>
+      </a:fillRef>
+      <a:effectRef idx="0">
+        <a:scrgbClr r="0" g="0" b="0"/>
+      </a:effectRef>
+      <a:fontRef idx="minor"/>
+    </dgm:style>
+  </dgm:styleLbl>
+  <dgm:styleLbl name="alignAccFollowNode1">
+    <dgm:scene3d>
+      <a:camera prst="orthographicFront"/>
+      <a:lightRig rig="threePt" dir="t"/>
+    </dgm:scene3d>
+    <dgm:sp3d/>
+    <dgm:txPr/>
+    <dgm:style>
+      <a:lnRef idx="2">
+        <a:scrgbClr r="0" g="0" b="0"/>
+      </a:lnRef>
+      <a:fillRef idx="1">
+        <a:scrgbClr r="0" g="0" b="0"/>
+      </a:fillRef>
+      <a:effectRef idx="0">
+        <a:scrgbClr r="0" g="0" b="0"/>
+      </a:effectRef>
+      <a:fontRef idx="minor"/>
+    </dgm:style>
+  </dgm:styleLbl>
+  <dgm:styleLbl name="bgAccFollowNode1">
+    <dgm:scene3d>
+      <a:camera prst="orthographicFront"/>
+      <a:lightRig rig="threePt" dir="t"/>
+    </dgm:scene3d>
+    <dgm:sp3d/>
+    <dgm:txPr/>
+    <dgm:style>
+      <a:lnRef idx="2">
+        <a:scrgbClr r="0" g="0" b="0"/>
+      </a:lnRef>
+      <a:fillRef idx="1">
+        <a:scrgbClr r="0" g="0" b="0"/>
+      </a:fillRef>
+      <a:effectRef idx="0">
+        <a:scrgbClr r="0" g="0" b="0"/>
+      </a:effectRef>
+      <a:fontRef idx="minor"/>
+    </dgm:style>
+  </dgm:styleLbl>
+  <dgm:styleLbl name="fgAcc0">
+    <dgm:scene3d>
+      <a:camera prst="orthographicFront"/>
+      <a:lightRig rig="threePt" dir="t"/>
+    </dgm:scene3d>
+    <dgm:sp3d/>
+    <dgm:txPr/>
+    <dgm:style>
+      <a:lnRef idx="2">
+        <a:scrgbClr r="0" g="0" b="0"/>
+      </a:lnRef>
+      <a:fillRef idx="1">
+        <a:scrgbClr r="0" g="0" b="0"/>
+      </a:fillRef>
+      <a:effectRef idx="0">
+        <a:scrgbClr r="0" g="0" b="0"/>
+      </a:effectRef>
+      <a:fontRef idx="minor"/>
+    </dgm:style>
+  </dgm:styleLbl>
+  <dgm:styleLbl name="fgAcc2">
+    <dgm:scene3d>
+      <a:camera prst="orthographicFront"/>
+      <a:lightRig rig="threePt" dir="t"/>
+    </dgm:scene3d>
+    <dgm:sp3d/>
+    <dgm:txPr/>
+    <dgm:style>
+      <a:lnRef idx="2">
+        <a:scrgbClr r="0" g="0" b="0"/>
+      </a:lnRef>
+      <a:fillRef idx="1">
+        <a:scrgbClr r="0" g="0" b="0"/>
+      </a:fillRef>
+      <a:effectRef idx="0">
+        <a:scrgbClr r="0" g="0" b="0"/>
+      </a:effectRef>
+      <a:fontRef idx="minor"/>
+    </dgm:style>
+  </dgm:styleLbl>
+  <dgm:styleLbl name="fgAcc3">
+    <dgm:scene3d>
+      <a:camera prst="orthographicFront"/>
+      <a:lightRig rig="threePt" dir="t"/>
+    </dgm:scene3d>
+    <dgm:sp3d/>
+    <dgm:txPr/>
+    <dgm:style>
+      <a:lnRef idx="2">
+        <a:scrgbClr r="0" g="0" b="0"/>
+      </a:lnRef>
+      <a:fillRef idx="1">
+        <a:scrgbClr r="0" g="0" b="0"/>
+      </a:fillRef>
+      <a:effectRef idx="0">
+        <a:scrgbClr r="0" g="0" b="0"/>
+      </a:effectRef>
+      <a:fontRef idx="minor"/>
+    </dgm:style>
+  </dgm:styleLbl>
+  <dgm:styleLbl name="fgAcc4">
+    <dgm:scene3d>
+      <a:camera prst="orthographicFront"/>
+      <a:lightRig rig="threePt" dir="t"/>
+    </dgm:scene3d>
+    <dgm:sp3d/>
+    <dgm:txPr/>
+    <dgm:style>
+      <a:lnRef idx="2">
+        <a:scrgbClr r="0" g="0" b="0"/>
+      </a:lnRef>
+      <a:fillRef idx="1">
+        <a:scrgbClr r="0" g="0" b="0"/>
+      </a:fillRef>
+      <a:effectRef idx="0">
+        <a:scrgbClr r="0" g="0" b="0"/>
+      </a:effectRef>
+      <a:fontRef idx="minor"/>
+    </dgm:style>
+  </dgm:styleLbl>
+  <dgm:styleLbl name="bgShp">
+    <dgm:scene3d>
+      <a:camera prst="orthographicFront"/>
+      <a:lightRig rig="threePt" dir="t"/>
+    </dgm:scene3d>
+    <dgm:sp3d/>
+    <dgm:txPr/>
+    <dgm:style>
+      <a:lnRef idx="0">
+        <a:scrgbClr r="0" g="0" b="0"/>
+      </a:lnRef>
+      <a:fillRef idx="1">
+        <a:scrgbClr r="0" g="0" b="0"/>
+      </a:fillRef>
+      <a:effectRef idx="0">
+        <a:scrgbClr r="0" g="0" b="0"/>
+      </a:effectRef>
+      <a:fontRef idx="minor"/>
+    </dgm:style>
+  </dgm:styleLbl>
+  <dgm:styleLbl name="dkBgShp">
+    <dgm:scene3d>
+      <a:camera prst="orthographicFront"/>
+      <a:lightRig rig="threePt" dir="t"/>
+    </dgm:scene3d>
+    <dgm:sp3d/>
+    <dgm:txPr/>
+    <dgm:style>
+      <a:lnRef idx="0">
+        <a:scrgbClr r="0" g="0" b="0"/>
+      </a:lnRef>
+      <a:fillRef idx="1">
+        <a:scrgbClr r="0" g="0" b="0"/>
+      </a:fillRef>
+      <a:effectRef idx="0">
+        <a:scrgbClr r="0" g="0" b="0"/>
+      </a:effectRef>
+      <a:fontRef idx="minor"/>
+    </dgm:style>
+  </dgm:styleLbl>
+  <dgm:styleLbl name="trBgShp">
+    <dgm:scene3d>
+      <a:camera prst="orthographicFront"/>
+      <a:lightRig rig="threePt" dir="t"/>
+    </dgm:scene3d>
+    <dgm:sp3d/>
+    <dgm:txPr/>
+    <dgm:style>
+      <a:lnRef idx="0">
+        <a:scrgbClr r="0" g="0" b="0"/>
+      </a:lnRef>
+      <a:fillRef idx="1">
+        <a:scrgbClr r="0" g="0" b="0"/>
+      </a:fillRef>
+      <a:effectRef idx="0">
+        <a:scrgbClr r="0" g="0" b="0"/>
+      </a:effectRef>
+      <a:fontRef idx="minor"/>
+    </dgm:style>
+  </dgm:styleLbl>
+  <dgm:styleLbl name="fgShp">
+    <dgm:scene3d>
+      <a:camera prst="orthographicFront"/>
+      <a:lightRig rig="threePt" dir="t"/>
+    </dgm:scene3d>
+    <dgm:sp3d/>
+    <dgm:txPr/>
+    <dgm:style>
+      <a:lnRef idx="2">
+        <a:scrgbClr r="0" g="0" b="0"/>
+      </a:lnRef>
+      <a:fillRef idx="1">
+        <a:scrgbClr r="0" g="0" b="0"/>
+      </a:fillRef>
+      <a:effectRef idx="0">
+        <a:scrgbClr r="0" g="0" b="0"/>
+      </a:effectRef>
+      <a:fontRef idx="minor"/>
+    </dgm:style>
+  </dgm:styleLbl>
+  <dgm:styleLbl name="revTx">
+    <dgm:scene3d>
+      <a:camera prst="orthographicFront"/>
+      <a:lightRig rig="threePt" dir="t"/>
+    </dgm:scene3d>
+    <dgm:sp3d/>
+    <dgm:txPr/>
+    <dgm:style>
+      <a:lnRef idx="0">
+        <a:scrgbClr r="0" g="0" b="0"/>
+      </a:lnRef>
+      <a:fillRef idx="0">
+        <a:scrgbClr r="0" g="0" b="0"/>
+      </a:fillRef>
+      <a:effectRef idx="0">
+        <a:scrgbClr r="0" g="0" b="0"/>
+      </a:effectRef>
+      <a:fontRef idx="minor"/>
+    </dgm:style>
+  </dgm:styleLbl>
+</dgm:styleDef>
+</file>
+
+<file path=ppt/notesMasters/notesMaster1.xml><?xml version="1.0" encoding="utf-8"?>
+<p:notesMaster xmlns:a="http://schemas.openxmlformats.org/drawingml/2006/main" xmlns:r="http://schemas.openxmlformats.org/officeDocument/2006/relationships" xmlns:p="http://schemas.openxmlformats.org/presentationml/2006/main">
+  <p:cSld>
+    <p:bg>
+      <p:bgRef idx="1001">
+        <a:schemeClr val="bg1"/>
+      </p:bgRef>
+    </p:bg>
+    <p:spTree>
+      <p:nvGrpSpPr>
+        <p:cNvPr id="1" name=""/>
+        <p:cNvGrpSpPr/>
+        <p:nvPr/>
+      </p:nvGrpSpPr>
+      <p:grpSpPr>
+        <a:xfrm>
+          <a:off x="0" y="0"/>
+          <a:ext cx="0" cy="0"/>
+          <a:chOff x="0" y="0"/>
+          <a:chExt cx="0" cy="0"/>
+        </a:xfrm>
+      </p:grpSpPr>
+      <p:sp>
+        <p:nvSpPr>
+          <p:cNvPr id="2" name="Header Placeholder 1"/>
+          <p:cNvSpPr>
+            <a:spLocks noGrp="1"/>
+          </p:cNvSpPr>
+          <p:nvPr>
+            <p:ph type="hdr" sz="quarter"/>
+          </p:nvPr>
+        </p:nvSpPr>
+        <p:spPr>
+          <a:xfrm>
+            <a:off x="0" y="0"/>
+            <a:ext cx="2971800" cy="458788"/>
+          </a:xfrm>
+          <a:prstGeom prst="rect">
+            <a:avLst/>
+          </a:prstGeom>
+        </p:spPr>
+        <p:txBody>
+          <a:bodyPr vert="horz" lIns="91440" tIns="45720" rIns="91440" bIns="45720" rtlCol="0"/>
+          <a:lstStyle>
+            <a:lvl1pPr algn="l">
+              <a:defRPr sz="1200"/>
+            </a:lvl1pPr>
+          </a:lstStyle>
+          <a:p>
+            <a:endParaRPr lang="en-US"/>
+          </a:p>
+        </p:txBody>
+      </p:sp>
+      <p:sp>
+        <p:nvSpPr>
+          <p:cNvPr id="3" name="Date Placeholder 2"/>
+          <p:cNvSpPr>
+            <a:spLocks noGrp="1"/>
+          </p:cNvSpPr>
+          <p:nvPr>
+            <p:ph type="dt" idx="1"/>
+          </p:nvPr>
+        </p:nvSpPr>
+        <p:spPr>
+          <a:xfrm>
+            <a:off x="3884613" y="0"/>
+            <a:ext cx="2971800" cy="458788"/>
+          </a:xfrm>
+          <a:prstGeom prst="rect">
+            <a:avLst/>
+          </a:prstGeom>
+        </p:spPr>
+        <p:txBody>
+          <a:bodyPr vert="horz" lIns="91440" tIns="45720" rIns="91440" bIns="45720" rtlCol="0"/>
+          <a:lstStyle>
+            <a:lvl1pPr algn="r">
+              <a:defRPr sz="1200"/>
+            </a:lvl1pPr>
+          </a:lstStyle>
+          <a:p>
+            <a:fld id="{50BB2777-1482-C344-B933-FD5F068DD379}" type="datetimeFigureOut">
+              <a:rPr lang="en-US" smtClean="0"/>
+              <a:t>8/13/20</a:t>
+            </a:fld>
+            <a:endParaRPr lang="en-US"/>
+          </a:p>
+        </p:txBody>
+      </p:sp>
+      <p:sp>
+        <p:nvSpPr>
+          <p:cNvPr id="4" name="Slide Image Placeholder 3"/>
+          <p:cNvSpPr>
+            <a:spLocks noGrp="1" noRot="1" noChangeAspect="1"/>
+          </p:cNvSpPr>
+          <p:nvPr>
+            <p:ph type="sldImg" idx="2"/>
+          </p:nvPr>
+        </p:nvSpPr>
+        <p:spPr>
+          <a:xfrm>
+            <a:off x="685800" y="1143000"/>
+            <a:ext cx="5486400" cy="3086100"/>
+          </a:xfrm>
+          <a:prstGeom prst="rect">
+            <a:avLst/>
+          </a:prstGeom>
+          <a:noFill/>
+          <a:ln w="12700">
+            <a:solidFill>
+              <a:prstClr val="black"/>
+            </a:solidFill>
+          </a:ln>
+        </p:spPr>
+        <p:txBody>
+          <a:bodyPr vert="horz" lIns="91440" tIns="45720" rIns="91440" bIns="45720" rtlCol="0" anchor="ctr"/>
+          <a:lstStyle/>
+          <a:p>
+            <a:endParaRPr lang="en-US"/>
+          </a:p>
+        </p:txBody>
+      </p:sp>
+      <p:sp>
+        <p:nvSpPr>
+          <p:cNvPr id="5" name="Notes Placeholder 4"/>
+          <p:cNvSpPr>
+            <a:spLocks noGrp="1"/>
+          </p:cNvSpPr>
+          <p:nvPr>
+            <p:ph type="body" sz="quarter" idx="3"/>
+          </p:nvPr>
+        </p:nvSpPr>
+        <p:spPr>
+          <a:xfrm>
+            <a:off x="685800" y="4400550"/>
+            <a:ext cx="5486400" cy="3600450"/>
+          </a:xfrm>
+          <a:prstGeom prst="rect">
+            <a:avLst/>
+          </a:prstGeom>
+        </p:spPr>
+        <p:txBody>
+          <a:bodyPr vert="horz" lIns="91440" tIns="45720" rIns="91440" bIns="45720" rtlCol="0"/>
+          <a:lstStyle/>
+          <a:p>
+            <a:pPr lvl="0"/>
+            <a:r>
+              <a:rPr lang="en-US"/>
+              <a:t>Click to edit Master text styles</a:t>
+            </a:r>
+          </a:p>
+          <a:p>
+            <a:pPr lvl="1"/>
+            <a:r>
+              <a:rPr lang="en-US"/>
+              <a:t>Second level</a:t>
+            </a:r>
+          </a:p>
+          <a:p>
+            <a:pPr lvl="2"/>
+            <a:r>
+              <a:rPr lang="en-US"/>
+              <a:t>Third level</a:t>
+            </a:r>
+          </a:p>
+          <a:p>
+            <a:pPr lvl="3"/>
+            <a:r>
+              <a:rPr lang="en-US"/>
+              <a:t>Fourth level</a:t>
+            </a:r>
+          </a:p>
+          <a:p>
+            <a:pPr lvl="4"/>
+            <a:r>
+              <a:rPr lang="en-US"/>
+              <a:t>Fifth level</a:t>
+            </a:r>
+          </a:p>
+        </p:txBody>
+      </p:sp>
+      <p:sp>
+        <p:nvSpPr>
+          <p:cNvPr id="6" name="Footer Placeholder 5"/>
+          <p:cNvSpPr>
+            <a:spLocks noGrp="1"/>
+          </p:cNvSpPr>
+          <p:nvPr>
+            <p:ph type="ftr" sz="quarter" idx="4"/>
+          </p:nvPr>
+        </p:nvSpPr>
+        <p:spPr>
+          <a:xfrm>
+            <a:off x="0" y="8685213"/>
+            <a:ext cx="2971800" cy="458787"/>
+          </a:xfrm>
+          <a:prstGeom prst="rect">
+            <a:avLst/>
+          </a:prstGeom>
+        </p:spPr>
+        <p:txBody>
+          <a:bodyPr vert="horz" lIns="91440" tIns="45720" rIns="91440" bIns="45720" rtlCol="0" anchor="b"/>
+          <a:lstStyle>
+            <a:lvl1pPr algn="l">
+              <a:defRPr sz="1200"/>
+            </a:lvl1pPr>
+          </a:lstStyle>
+          <a:p>
+            <a:endParaRPr lang="en-US"/>
+          </a:p>
+        </p:txBody>
+      </p:sp>
+      <p:sp>
+        <p:nvSpPr>
+          <p:cNvPr id="7" name="Slide Number Placeholder 6"/>
+          <p:cNvSpPr>
+            <a:spLocks noGrp="1"/>
+          </p:cNvSpPr>
+          <p:nvPr>
+            <p:ph type="sldNum" sz="quarter" idx="5"/>
+          </p:nvPr>
+        </p:nvSpPr>
+        <p:spPr>
+          <a:xfrm>
+            <a:off x="3884613" y="8685213"/>
+            <a:ext cx="2971800" cy="458787"/>
+          </a:xfrm>
+          <a:prstGeom prst="rect">
+            <a:avLst/>
+          </a:prstGeom>
+        </p:spPr>
+        <p:txBody>
+          <a:bodyPr vert="horz" lIns="91440" tIns="45720" rIns="91440" bIns="45720" rtlCol="0" anchor="b"/>
+          <a:lstStyle>
+            <a:lvl1pPr algn="r">
+              <a:defRPr sz="1200"/>
+            </a:lvl1pPr>
+          </a:lstStyle>
+          <a:p>
+            <a:fld id="{91AA38ED-6E11-A042-BD50-887A2F32D715}" type="slidenum">
+              <a:rPr lang="en-US" smtClean="0"/>
+              <a:t>‹#›</a:t>
+            </a:fld>
+            <a:endParaRPr lang="en-US"/>
+          </a:p>
+        </p:txBody>
+      </p:sp>
+    </p:spTree>
+    <p:extLst>
+      <p:ext uri="{BB962C8B-B14F-4D97-AF65-F5344CB8AC3E}">
+        <p14:creationId xmlns:p14="http://schemas.microsoft.com/office/powerpoint/2010/main" val="3506982392"/>
+      </p:ext>
+    </p:extLst>
+  </p:cSld>
+  <p:clrMap bg1="lt1" tx1="dk1" bg2="lt2" tx2="dk2" accent1="accent1" accent2="accent2" accent3="accent3" accent4="accent4" accent5="accent5" accent6="accent6" hlink="hlink" folHlink="folHlink"/>
+  <p:notesStyle>
+    <a:lvl1pPr marL="0" algn="l" defTabSz="914400" rtl="0" eaLnBrk="1" latinLnBrk="0" hangingPunct="1">
+      <a:defRPr sz="1200" kern="1200">
+        <a:solidFill>
+          <a:schemeClr val="tx1"/>
+        </a:solidFill>
+        <a:latin typeface="+mn-lt"/>
+        <a:ea typeface="+mn-ea"/>
+        <a:cs typeface="+mn-cs"/>
+      </a:defRPr>
+    </a:lvl1pPr>
+    <a:lvl2pPr marL="457200" algn="l" defTabSz="914400" rtl="0" eaLnBrk="1" latinLnBrk="0" hangingPunct="1">
+      <a:defRPr sz="1200" kern="1200">
+        <a:solidFill>
+          <a:schemeClr val="tx1"/>
+        </a:solidFill>
+        <a:latin typeface="+mn-lt"/>
+        <a:ea typeface="+mn-ea"/>
+        <a:cs typeface="+mn-cs"/>
+      </a:defRPr>
+    </a:lvl2pPr>
+    <a:lvl3pPr marL="914400" algn="l" defTabSz="914400" rtl="0" eaLnBrk="1" latinLnBrk="0" hangingPunct="1">
+      <a:defRPr sz="1200" kern="1200">
+        <a:solidFill>
+          <a:schemeClr val="tx1"/>
+        </a:solidFill>
+        <a:latin typeface="+mn-lt"/>
+        <a:ea typeface="+mn-ea"/>
+        <a:cs typeface="+mn-cs"/>
+      </a:defRPr>
+    </a:lvl3pPr>
+    <a:lvl4pPr marL="1371600" algn="l" defTabSz="914400" rtl="0" eaLnBrk="1" latinLnBrk="0" hangingPunct="1">
+      <a:defRPr sz="1200" kern="1200">
+        <a:solidFill>
+          <a:schemeClr val="tx1"/>
+        </a:solidFill>
+        <a:latin typeface="+mn-lt"/>
+        <a:ea typeface="+mn-ea"/>
+        <a:cs typeface="+mn-cs"/>
+      </a:defRPr>
+    </a:lvl4pPr>
+    <a:lvl5pPr marL="1828800" algn="l" defTabSz="914400" rtl="0" eaLnBrk="1" latinLnBrk="0" hangingPunct="1">
+      <a:defRPr sz="1200" kern="1200">
+        <a:solidFill>
+          <a:schemeClr val="tx1"/>
+        </a:solidFill>
+        <a:latin typeface="+mn-lt"/>
+        <a:ea typeface="+mn-ea"/>
+        <a:cs typeface="+mn-cs"/>
+      </a:defRPr>
+    </a:lvl5pPr>
+    <a:lvl6pPr marL="2286000" algn="l" defTabSz="914400" rtl="0" eaLnBrk="1" latinLnBrk="0" hangingPunct="1">
+      <a:defRPr sz="1200" kern="1200">
+        <a:solidFill>
+          <a:schemeClr val="tx1"/>
+        </a:solidFill>
+        <a:latin typeface="+mn-lt"/>
+        <a:ea typeface="+mn-ea"/>
+        <a:cs typeface="+mn-cs"/>
+      </a:defRPr>
+    </a:lvl6pPr>
+    <a:lvl7pPr marL="2743200" algn="l" defTabSz="914400" rtl="0" eaLnBrk="1" latinLnBrk="0" hangingPunct="1">
+      <a:defRPr sz="1200" kern="1200">
+        <a:solidFill>
+          <a:schemeClr val="tx1"/>
+        </a:solidFill>
+        <a:latin typeface="+mn-lt"/>
+        <a:ea typeface="+mn-ea"/>
+        <a:cs typeface="+mn-cs"/>
+      </a:defRPr>
+    </a:lvl7pPr>
+    <a:lvl8pPr marL="3200400" algn="l" defTabSz="914400" rtl="0" eaLnBrk="1" latinLnBrk="0" hangingPunct="1">
+      <a:defRPr sz="1200" kern="1200">
+        <a:solidFill>
+          <a:schemeClr val="tx1"/>
+        </a:solidFill>
+        <a:latin typeface="+mn-lt"/>
+        <a:ea typeface="+mn-ea"/>
+        <a:cs typeface="+mn-cs"/>
+      </a:defRPr>
+    </a:lvl8pPr>
+    <a:lvl9pPr marL="3657600" algn="l" defTabSz="914400" rtl="0" eaLnBrk="1" latinLnBrk="0" hangingPunct="1">
+      <a:defRPr sz="1200" kern="1200">
+        <a:solidFill>
+          <a:schemeClr val="tx1"/>
+        </a:solidFill>
+        <a:latin typeface="+mn-lt"/>
+        <a:ea typeface="+mn-ea"/>
+        <a:cs typeface="+mn-cs"/>
+      </a:defRPr>
+    </a:lvl9pPr>
+  </p:notesStyle>
+</p:notesMaster>
+</file>
+
+<file path=ppt/notesSlides/notesSlide1.xml><?xml version="1.0" encoding="utf-8"?>
+<p:notes xmlns:a="http://schemas.openxmlformats.org/drawingml/2006/main" xmlns:r="http://schemas.openxmlformats.org/officeDocument/2006/relationships" xmlns:p="http://schemas.openxmlformats.org/presentationml/2006/main">
+  <p:cSld>
+    <p:spTree>
+      <p:nvGrpSpPr>
+        <p:cNvPr id="1" name=""/>
+        <p:cNvGrpSpPr/>
+        <p:nvPr/>
+      </p:nvGrpSpPr>
+      <p:grpSpPr>
+        <a:xfrm>
+          <a:off x="0" y="0"/>
+          <a:ext cx="0" cy="0"/>
+          <a:chOff x="0" y="0"/>
+          <a:chExt cx="0" cy="0"/>
+        </a:xfrm>
+      </p:grpSpPr>
+      <p:sp>
+        <p:nvSpPr>
+          <p:cNvPr id="2" name="Slide Image Placeholder 1"/>
+          <p:cNvSpPr>
+            <a:spLocks noGrp="1" noRot="1" noChangeAspect="1"/>
+          </p:cNvSpPr>
+          <p:nvPr>
+            <p:ph type="sldImg"/>
+          </p:nvPr>
+        </p:nvSpPr>
+        <p:spPr/>
+      </p:sp>
+      <p:sp>
+        <p:nvSpPr>
+          <p:cNvPr id="3" name="Notes Placeholder 2"/>
+          <p:cNvSpPr>
+            <a:spLocks noGrp="1"/>
+          </p:cNvSpPr>
+          <p:nvPr>
+            <p:ph type="body" idx="1"/>
+          </p:nvPr>
+        </p:nvSpPr>
+        <p:spPr/>
+        <p:txBody>
+          <a:bodyPr/>
+          <a:lstStyle/>
+          <a:p>
+            <a:endParaRPr lang="en-US" dirty="0"/>
+          </a:p>
+        </p:txBody>
+      </p:sp>
+      <p:sp>
+        <p:nvSpPr>
+          <p:cNvPr id="4" name="Slide Number Placeholder 3"/>
+          <p:cNvSpPr>
+            <a:spLocks noGrp="1"/>
+          </p:cNvSpPr>
+          <p:nvPr>
+            <p:ph type="sldNum" sz="quarter" idx="5"/>
+          </p:nvPr>
+        </p:nvSpPr>
+        <p:spPr/>
+        <p:txBody>
+          <a:bodyPr/>
+          <a:lstStyle/>
+          <a:p>
+            <a:fld id="{DD44C615-883D-FF4C-B9E3-F6A18FF3869E}" type="slidenum">
+              <a:rPr lang="en-US" smtClean="0"/>
+              <a:t>4</a:t>
+            </a:fld>
+            <a:endParaRPr lang="en-US"/>
+          </a:p>
+        </p:txBody>
+      </p:sp>
+    </p:spTree>
+    <p:extLst>
+      <p:ext uri="{BB962C8B-B14F-4D97-AF65-F5344CB8AC3E}">
+        <p14:creationId xmlns:p14="http://schemas.microsoft.com/office/powerpoint/2010/main" val="1735502618"/>
+      </p:ext>
+    </p:extLst>
+  </p:cSld>
+  <p:clrMapOvr>
+    <a:masterClrMapping/>
+  </p:clrMapOvr>
+</p:notes>
+</file>
+
+<file path=ppt/notesSlides/notesSlide2.xml><?xml version="1.0" encoding="utf-8"?>
+<p:notes xmlns:a="http://schemas.openxmlformats.org/drawingml/2006/main" xmlns:r="http://schemas.openxmlformats.org/officeDocument/2006/relationships" xmlns:p="http://schemas.openxmlformats.org/presentationml/2006/main">
+  <p:cSld>
+    <p:spTree>
+      <p:nvGrpSpPr>
+        <p:cNvPr id="1" name=""/>
+        <p:cNvGrpSpPr/>
+        <p:nvPr/>
+      </p:nvGrpSpPr>
+      <p:grpSpPr>
+        <a:xfrm>
+          <a:off x="0" y="0"/>
+          <a:ext cx="0" cy="0"/>
+          <a:chOff x="0" y="0"/>
+          <a:chExt cx="0" cy="0"/>
+        </a:xfrm>
+      </p:grpSpPr>
+      <p:sp>
+        <p:nvSpPr>
+          <p:cNvPr id="2" name="Slide Image Placeholder 1"/>
+          <p:cNvSpPr>
+            <a:spLocks noGrp="1" noRot="1" noChangeAspect="1"/>
+          </p:cNvSpPr>
+          <p:nvPr>
+            <p:ph type="sldImg"/>
+          </p:nvPr>
+        </p:nvSpPr>
+        <p:spPr/>
+      </p:sp>
+      <p:sp>
+        <p:nvSpPr>
+          <p:cNvPr id="3" name="Notes Placeholder 2"/>
+          <p:cNvSpPr>
+            <a:spLocks noGrp="1"/>
+          </p:cNvSpPr>
+          <p:nvPr>
+            <p:ph type="body" idx="1"/>
+          </p:nvPr>
+        </p:nvSpPr>
+        <p:spPr/>
+        <p:txBody>
+          <a:bodyPr/>
+          <a:lstStyle/>
+          <a:p>
+            <a:endParaRPr lang="en-US" dirty="0"/>
+          </a:p>
+        </p:txBody>
+      </p:sp>
+      <p:sp>
+        <p:nvSpPr>
+          <p:cNvPr id="4" name="Slide Number Placeholder 3"/>
+          <p:cNvSpPr>
+            <a:spLocks noGrp="1"/>
+          </p:cNvSpPr>
+          <p:nvPr>
+            <p:ph type="sldNum" sz="quarter" idx="5"/>
+          </p:nvPr>
+        </p:nvSpPr>
+        <p:spPr/>
+        <p:txBody>
+          <a:bodyPr/>
+          <a:lstStyle/>
+          <a:p>
+            <a:fld id="{67F42522-F24A-B14B-BB2C-B26443761E53}" type="slidenum">
+              <a:rPr lang="en-US" smtClean="0"/>
+              <a:t>5</a:t>
+            </a:fld>
+            <a:endParaRPr lang="en-US"/>
+          </a:p>
+        </p:txBody>
+      </p:sp>
+    </p:spTree>
+    <p:extLst>
+      <p:ext uri="{BB962C8B-B14F-4D97-AF65-F5344CB8AC3E}">
+        <p14:creationId xmlns:p14="http://schemas.microsoft.com/office/powerpoint/2010/main" val="3596937912"/>
+      </p:ext>
+    </p:extLst>
+  </p:cSld>
+  <p:clrMapOvr>
+    <a:masterClrMapping/>
+  </p:clrMapOvr>
+</p:notes>
+</file>
+
+<file path=ppt/notesSlides/notesSlide3.xml><?xml version="1.0" encoding="utf-8"?>
+<p:notes xmlns:a="http://schemas.openxmlformats.org/drawingml/2006/main" xmlns:r="http://schemas.openxmlformats.org/officeDocument/2006/relationships" xmlns:p="http://schemas.openxmlformats.org/presentationml/2006/main">
+  <p:cSld>
+    <p:spTree>
+      <p:nvGrpSpPr>
+        <p:cNvPr id="1" name=""/>
+        <p:cNvGrpSpPr/>
+        <p:nvPr/>
+      </p:nvGrpSpPr>
+      <p:grpSpPr>
+        <a:xfrm>
+          <a:off x="0" y="0"/>
+          <a:ext cx="0" cy="0"/>
+          <a:chOff x="0" y="0"/>
+          <a:chExt cx="0" cy="0"/>
+        </a:xfrm>
+      </p:grpSpPr>
+      <p:sp>
+        <p:nvSpPr>
+          <p:cNvPr id="2" name="Slide Image Placeholder 1"/>
+          <p:cNvSpPr>
+            <a:spLocks noGrp="1" noRot="1" noChangeAspect="1"/>
+          </p:cNvSpPr>
+          <p:nvPr>
+            <p:ph type="sldImg"/>
+          </p:nvPr>
+        </p:nvSpPr>
+        <p:spPr/>
+      </p:sp>
+      <p:sp>
+        <p:nvSpPr>
+          <p:cNvPr id="3" name="Notes Placeholder 2"/>
+          <p:cNvSpPr>
+            <a:spLocks noGrp="1"/>
+          </p:cNvSpPr>
+          <p:nvPr>
+            <p:ph type="body" idx="1"/>
+          </p:nvPr>
+        </p:nvSpPr>
+        <p:spPr/>
+        <p:txBody>
+          <a:bodyPr/>
+          <a:lstStyle/>
+          <a:p>
+            <a:endParaRPr lang="en-US" dirty="0"/>
+          </a:p>
+        </p:txBody>
+      </p:sp>
+      <p:sp>
+        <p:nvSpPr>
+          <p:cNvPr id="4" name="Slide Number Placeholder 3"/>
+          <p:cNvSpPr>
+            <a:spLocks noGrp="1"/>
+          </p:cNvSpPr>
+          <p:nvPr>
+            <p:ph type="sldNum" sz="quarter" idx="5"/>
+          </p:nvPr>
+        </p:nvSpPr>
+        <p:spPr/>
+        <p:txBody>
+          <a:bodyPr/>
+          <a:lstStyle/>
+          <a:p>
+            <a:fld id="{67F42522-F24A-B14B-BB2C-B26443761E53}" type="slidenum">
+              <a:rPr lang="en-US" smtClean="0"/>
+              <a:t>6</a:t>
+            </a:fld>
+            <a:endParaRPr lang="en-US"/>
+          </a:p>
+        </p:txBody>
+      </p:sp>
+    </p:spTree>
+    <p:extLst>
+      <p:ext uri="{BB962C8B-B14F-4D97-AF65-F5344CB8AC3E}">
+        <p14:creationId xmlns:p14="http://schemas.microsoft.com/office/powerpoint/2010/main" val="1625326749"/>
+      </p:ext>
+    </p:extLst>
+  </p:cSld>
+  <p:clrMapOvr>
+    <a:masterClrMapping/>
+  </p:clrMapOvr>
+</p:notes>
+</file>
+
 <file path=ppt/slideLayouts/slideLayout1.xml><?xml version="1.0" encoding="utf-8"?>
 <p:sldLayout xmlns:a="http://schemas.openxmlformats.org/drawingml/2006/main" xmlns:r="http://schemas.openxmlformats.org/officeDocument/2006/relationships" xmlns:p="http://schemas.openxmlformats.org/presentationml/2006/main" type="title" preserve="1">
   <p:cSld name="Title Slide">
@@ -261,7 +4009,7 @@
           <a:p>
             <a:fld id="{3B3400CD-7287-EA41-97B8-6C373A830532}" type="datetimeFigureOut">
               <a:rPr lang="en-US" smtClean="0"/>
-              <a:t>8/8/20</a:t>
+              <a:t>8/13/20</a:t>
             </a:fld>
             <a:endParaRPr lang="en-US"/>
           </a:p>
@@ -459,7 +4207,7 @@
           <a:p>
             <a:fld id="{3B3400CD-7287-EA41-97B8-6C373A830532}" type="datetimeFigureOut">
               <a:rPr lang="en-US" smtClean="0"/>
-              <a:t>8/8/20</a:t>
+              <a:t>8/13/20</a:t>
             </a:fld>
             <a:endParaRPr lang="en-US"/>
           </a:p>
@@ -667,7 +4415,7 @@
           <a:p>
             <a:fld id="{3B3400CD-7287-EA41-97B8-6C373A830532}" type="datetimeFigureOut">
               <a:rPr lang="en-US" smtClean="0"/>
-              <a:t>8/8/20</a:t>
+              <a:t>8/13/20</a:t>
             </a:fld>
             <a:endParaRPr lang="en-US"/>
           </a:p>
@@ -867,7 +4615,7 @@
           <a:p>
             <a:fld id="{3B3400CD-7287-EA41-97B8-6C373A830532}" type="datetimeFigureOut">
               <a:rPr lang="en-US" smtClean="0"/>
-              <a:t>8/8/20</a:t>
+              <a:t>8/13/20</a:t>
             </a:fld>
             <a:endParaRPr lang="en-US"/>
           </a:p>
@@ -1142,7 +4890,7 @@
           <a:p>
             <a:fld id="{3B3400CD-7287-EA41-97B8-6C373A830532}" type="datetimeFigureOut">
               <a:rPr lang="en-US" smtClean="0"/>
-              <a:t>8/8/20</a:t>
+              <a:t>8/13/20</a:t>
             </a:fld>
             <a:endParaRPr lang="en-US"/>
           </a:p>
@@ -1407,7 +5155,7 @@
           <a:p>
             <a:fld id="{3B3400CD-7287-EA41-97B8-6C373A830532}" type="datetimeFigureOut">
               <a:rPr lang="en-US" smtClean="0"/>
-              <a:t>8/8/20</a:t>
+              <a:t>8/13/20</a:t>
             </a:fld>
             <a:endParaRPr lang="en-US"/>
           </a:p>
@@ -1819,7 +5567,7 @@
           <a:p>
             <a:fld id="{3B3400CD-7287-EA41-97B8-6C373A830532}" type="datetimeFigureOut">
               <a:rPr lang="en-US" smtClean="0"/>
-              <a:t>8/8/20</a:t>
+              <a:t>8/13/20</a:t>
             </a:fld>
             <a:endParaRPr lang="en-US"/>
           </a:p>
@@ -1960,7 +5708,7 @@
           <a:p>
             <a:fld id="{3B3400CD-7287-EA41-97B8-6C373A830532}" type="datetimeFigureOut">
               <a:rPr lang="en-US" smtClean="0"/>
-              <a:t>8/8/20</a:t>
+              <a:t>8/13/20</a:t>
             </a:fld>
             <a:endParaRPr lang="en-US"/>
           </a:p>
@@ -2073,7 +5821,7 @@
           <a:p>
             <a:fld id="{3B3400CD-7287-EA41-97B8-6C373A830532}" type="datetimeFigureOut">
               <a:rPr lang="en-US" smtClean="0"/>
-              <a:t>8/8/20</a:t>
+              <a:t>8/13/20</a:t>
             </a:fld>
             <a:endParaRPr lang="en-US"/>
           </a:p>
@@ -2384,7 +6132,7 @@
           <a:p>
             <a:fld id="{3B3400CD-7287-EA41-97B8-6C373A830532}" type="datetimeFigureOut">
               <a:rPr lang="en-US" smtClean="0"/>
-              <a:t>8/8/20</a:t>
+              <a:t>8/13/20</a:t>
             </a:fld>
             <a:endParaRPr lang="en-US"/>
           </a:p>
@@ -2675,7 +6423,7 @@
           <a:p>
             <a:fld id="{3B3400CD-7287-EA41-97B8-6C373A830532}" type="datetimeFigureOut">
               <a:rPr lang="en-US" smtClean="0"/>
-              <a:t>8/8/20</a:t>
+              <a:t>8/13/20</a:t>
             </a:fld>
             <a:endParaRPr lang="en-US"/>
           </a:p>
@@ -2918,7 +6666,7 @@
           <a:p>
             <a:fld id="{3B3400CD-7287-EA41-97B8-6C373A830532}" type="datetimeFigureOut">
               <a:rPr lang="en-US" smtClean="0"/>
-              <a:t>8/8/20</a:t>
+              <a:t>8/13/20</a:t>
             </a:fld>
             <a:endParaRPr lang="en-US"/>
           </a:p>
@@ -3358,7 +7106,7 @@
           <a:p>
             <a:r>
               <a:rPr lang="en-US" dirty="0"/>
-              <a:t>Murray Meeting</a:t>
+              <a:t>Research Updates</a:t>
             </a:r>
           </a:p>
         </p:txBody>
@@ -3392,7 +7140,191 @@
           <a:p>
             <a:r>
               <a:rPr lang="en-US" dirty="0"/>
-              <a:t>Murray Lab</a:t>
+              <a:t>8.17.2020</a:t>
+            </a:r>
+          </a:p>
+        </p:txBody>
+      </p:sp>
+      <p:pic>
+        <p:nvPicPr>
+          <p:cNvPr id="4" name="Picture 3" descr="A picture containing drawing&#10;&#10;Description automatically generated">
+            <a:extLst>
+              <a:ext uri="{FF2B5EF4-FFF2-40B4-BE49-F238E27FC236}">
+                <a16:creationId xmlns:a16="http://schemas.microsoft.com/office/drawing/2014/main" id="{362AB4CD-A371-3A47-B541-413DDF232064}"/>
+              </a:ext>
+            </a:extLst>
+          </p:cNvPr>
+          <p:cNvPicPr>
+            <a:picLocks noChangeAspect="1"/>
+          </p:cNvPicPr>
+          <p:nvPr/>
+        </p:nvPicPr>
+        <p:blipFill rotWithShape="1">
+          <a:blip r:embed="rId2"/>
+          <a:srcRect l="245" b="862"/>
+          <a:stretch/>
+        </p:blipFill>
+        <p:spPr>
+          <a:xfrm>
+            <a:off x="11044383" y="6526184"/>
+            <a:ext cx="1074881" cy="259080"/>
+          </a:xfrm>
+          <a:prstGeom prst="rect">
+            <a:avLst/>
+          </a:prstGeom>
+        </p:spPr>
+      </p:pic>
+    </p:spTree>
+    <p:extLst>
+      <p:ext uri="{BB962C8B-B14F-4D97-AF65-F5344CB8AC3E}">
+        <p14:creationId xmlns:p14="http://schemas.microsoft.com/office/powerpoint/2010/main" val="2089212887"/>
+      </p:ext>
+    </p:extLst>
+  </p:cSld>
+  <p:clrMapOvr>
+    <a:masterClrMapping/>
+  </p:clrMapOvr>
+</p:sld>
+</file>
+
+<file path=ppt/slides/slide10.xml><?xml version="1.0" encoding="utf-8"?>
+<p:sld xmlns:a="http://schemas.openxmlformats.org/drawingml/2006/main" xmlns:r="http://schemas.openxmlformats.org/officeDocument/2006/relationships" xmlns:p="http://schemas.openxmlformats.org/presentationml/2006/main">
+  <p:cSld>
+    <p:spTree>
+      <p:nvGrpSpPr>
+        <p:cNvPr id="1" name=""/>
+        <p:cNvGrpSpPr/>
+        <p:nvPr/>
+      </p:nvGrpSpPr>
+      <p:grpSpPr>
+        <a:xfrm>
+          <a:off x="0" y="0"/>
+          <a:ext cx="0" cy="0"/>
+          <a:chOff x="0" y="0"/>
+          <a:chExt cx="0" cy="0"/>
+        </a:xfrm>
+      </p:grpSpPr>
+      <p:sp>
+        <p:nvSpPr>
+          <p:cNvPr id="2" name="Title 1">
+            <a:extLst>
+              <a:ext uri="{FF2B5EF4-FFF2-40B4-BE49-F238E27FC236}">
+                <a16:creationId xmlns:a16="http://schemas.microsoft.com/office/drawing/2014/main" id="{59FF4BA4-7225-F24B-A030-318746A71AC4}"/>
+              </a:ext>
+            </a:extLst>
+          </p:cNvPr>
+          <p:cNvSpPr>
+            <a:spLocks noGrp="1"/>
+          </p:cNvSpPr>
+          <p:nvPr>
+            <p:ph type="title"/>
+          </p:nvPr>
+        </p:nvSpPr>
+        <p:spPr/>
+        <p:txBody>
+          <a:bodyPr/>
+          <a:lstStyle/>
+          <a:p>
+            <a:r>
+              <a:rPr lang="en-US" dirty="0"/>
+              <a:t>ATP Synthase with </a:t>
+            </a:r>
+            <a:r>
+              <a:rPr lang="en-US" dirty="0" err="1"/>
+              <a:t>Agrima</a:t>
+            </a:r>
+            <a:endParaRPr lang="en-US" dirty="0"/>
+          </a:p>
+        </p:txBody>
+      </p:sp>
+      <p:sp>
+        <p:nvSpPr>
+          <p:cNvPr id="3" name="Content Placeholder 2">
+            <a:extLst>
+              <a:ext uri="{FF2B5EF4-FFF2-40B4-BE49-F238E27FC236}">
+                <a16:creationId xmlns:a16="http://schemas.microsoft.com/office/drawing/2014/main" id="{C089390B-4D12-1841-A2B6-B33C2EB93EE4}"/>
+              </a:ext>
+            </a:extLst>
+          </p:cNvPr>
+          <p:cNvSpPr>
+            <a:spLocks noGrp="1"/>
+          </p:cNvSpPr>
+          <p:nvPr>
+            <p:ph idx="1"/>
+          </p:nvPr>
+        </p:nvSpPr>
+        <p:spPr/>
+        <p:txBody>
+          <a:bodyPr/>
+          <a:lstStyle/>
+          <a:p>
+            <a:endParaRPr lang="en-US"/>
+          </a:p>
+        </p:txBody>
+      </p:sp>
+      <p:pic>
+        <p:nvPicPr>
+          <p:cNvPr id="4" name="Picture 3" descr="A picture containing drawing&#10;&#10;Description automatically generated">
+            <a:extLst>
+              <a:ext uri="{FF2B5EF4-FFF2-40B4-BE49-F238E27FC236}">
+                <a16:creationId xmlns:a16="http://schemas.microsoft.com/office/drawing/2014/main" id="{AF88F714-150F-9B4B-AE2A-7CE2365EF0AD}"/>
+              </a:ext>
+            </a:extLst>
+          </p:cNvPr>
+          <p:cNvPicPr>
+            <a:picLocks noChangeAspect="1"/>
+          </p:cNvPicPr>
+          <p:nvPr/>
+        </p:nvPicPr>
+        <p:blipFill>
+          <a:blip r:embed="rId2"/>
+          <a:stretch>
+            <a:fillRect/>
+          </a:stretch>
+        </p:blipFill>
+        <p:spPr>
+          <a:xfrm>
+            <a:off x="11117119" y="6514803"/>
+            <a:ext cx="1074881" cy="343197"/>
+          </a:xfrm>
+          <a:prstGeom prst="rect">
+            <a:avLst/>
+          </a:prstGeom>
+        </p:spPr>
+      </p:pic>
+      <p:sp>
+        <p:nvSpPr>
+          <p:cNvPr id="5" name="TextBox 4">
+            <a:extLst>
+              <a:ext uri="{FF2B5EF4-FFF2-40B4-BE49-F238E27FC236}">
+                <a16:creationId xmlns:a16="http://schemas.microsoft.com/office/drawing/2014/main" id="{CB04A006-464B-5147-BD6E-A57B37B24840}"/>
+              </a:ext>
+            </a:extLst>
+          </p:cNvPr>
+          <p:cNvSpPr txBox="1"/>
+          <p:nvPr/>
+        </p:nvSpPr>
+        <p:spPr>
+          <a:xfrm>
+            <a:off x="8963152" y="6596390"/>
+            <a:ext cx="2222083" cy="261610"/>
+          </a:xfrm>
+          <a:prstGeom prst="rect">
+            <a:avLst/>
+          </a:prstGeom>
+          <a:noFill/>
+        </p:spPr>
+        <p:txBody>
+          <a:bodyPr wrap="none" rtlCol="0">
+            <a:spAutoFit/>
+          </a:bodyPr>
+          <a:lstStyle/>
+          <a:p>
+            <a:r>
+              <a:rPr lang="en-US" sz="1100" dirty="0">
+                <a:latin typeface="Avenir Book" panose="02000503020000020003" pitchFamily="2" charset="0"/>
+              </a:rPr>
+              <a:t>Ankita Roychoudhury 8.17.2020</a:t>
             </a:r>
           </a:p>
         </p:txBody>
@@ -3400,7 +7332,550 @@
     </p:spTree>
     <p:extLst>
       <p:ext uri="{BB962C8B-B14F-4D97-AF65-F5344CB8AC3E}">
-        <p14:creationId xmlns:p14="http://schemas.microsoft.com/office/powerpoint/2010/main" val="2089212887"/>
+        <p14:creationId xmlns:p14="http://schemas.microsoft.com/office/powerpoint/2010/main" val="1162982118"/>
+      </p:ext>
+    </p:extLst>
+  </p:cSld>
+  <p:clrMapOvr>
+    <a:masterClrMapping/>
+  </p:clrMapOvr>
+</p:sld>
+</file>
+
+<file path=ppt/slides/slide11.xml><?xml version="1.0" encoding="utf-8"?>
+<p:sld xmlns:a="http://schemas.openxmlformats.org/drawingml/2006/main" xmlns:r="http://schemas.openxmlformats.org/officeDocument/2006/relationships" xmlns:p="http://schemas.openxmlformats.org/presentationml/2006/main">
+  <p:cSld>
+    <p:spTree>
+      <p:nvGrpSpPr>
+        <p:cNvPr id="1" name=""/>
+        <p:cNvGrpSpPr/>
+        <p:nvPr/>
+      </p:nvGrpSpPr>
+      <p:grpSpPr>
+        <a:xfrm>
+          <a:off x="0" y="0"/>
+          <a:ext cx="0" cy="0"/>
+          <a:chOff x="0" y="0"/>
+          <a:chExt cx="0" cy="0"/>
+        </a:xfrm>
+      </p:grpSpPr>
+      <p:sp>
+        <p:nvSpPr>
+          <p:cNvPr id="2" name="Title 1">
+            <a:extLst>
+              <a:ext uri="{FF2B5EF4-FFF2-40B4-BE49-F238E27FC236}">
+                <a16:creationId xmlns:a16="http://schemas.microsoft.com/office/drawing/2014/main" id="{6422F542-6350-B442-950C-D683D80BAD9B}"/>
+              </a:ext>
+            </a:extLst>
+          </p:cNvPr>
+          <p:cNvSpPr>
+            <a:spLocks noGrp="1"/>
+          </p:cNvSpPr>
+          <p:nvPr>
+            <p:ph type="title"/>
+          </p:nvPr>
+        </p:nvSpPr>
+        <p:spPr/>
+        <p:txBody>
+          <a:bodyPr/>
+          <a:lstStyle/>
+          <a:p>
+            <a:r>
+              <a:rPr lang="en-US" dirty="0"/>
+              <a:t>Obstacles &amp; Future Directions</a:t>
+            </a:r>
+          </a:p>
+        </p:txBody>
+      </p:sp>
+      <p:sp>
+        <p:nvSpPr>
+          <p:cNvPr id="3" name="Content Placeholder 2">
+            <a:extLst>
+              <a:ext uri="{FF2B5EF4-FFF2-40B4-BE49-F238E27FC236}">
+                <a16:creationId xmlns:a16="http://schemas.microsoft.com/office/drawing/2014/main" id="{DCD7246D-6BBD-574E-B142-F520B520FD87}"/>
+              </a:ext>
+            </a:extLst>
+          </p:cNvPr>
+          <p:cNvSpPr>
+            <a:spLocks noGrp="1"/>
+          </p:cNvSpPr>
+          <p:nvPr>
+            <p:ph idx="1"/>
+          </p:nvPr>
+        </p:nvSpPr>
+        <p:spPr/>
+        <p:txBody>
+          <a:bodyPr/>
+          <a:lstStyle/>
+          <a:p>
+            <a:r>
+              <a:rPr lang="en-US" dirty="0"/>
+              <a:t>Include reverse direction in model</a:t>
+            </a:r>
+          </a:p>
+        </p:txBody>
+      </p:sp>
+      <p:pic>
+        <p:nvPicPr>
+          <p:cNvPr id="4" name="Picture 3" descr="A picture containing drawing&#10;&#10;Description automatically generated">
+            <a:extLst>
+              <a:ext uri="{FF2B5EF4-FFF2-40B4-BE49-F238E27FC236}">
+                <a16:creationId xmlns:a16="http://schemas.microsoft.com/office/drawing/2014/main" id="{21E12492-42C9-F441-A4FF-A0B5C1255759}"/>
+              </a:ext>
+            </a:extLst>
+          </p:cNvPr>
+          <p:cNvPicPr>
+            <a:picLocks noChangeAspect="1"/>
+          </p:cNvPicPr>
+          <p:nvPr/>
+        </p:nvPicPr>
+        <p:blipFill>
+          <a:blip r:embed="rId2"/>
+          <a:stretch>
+            <a:fillRect/>
+          </a:stretch>
+        </p:blipFill>
+        <p:spPr>
+          <a:xfrm>
+            <a:off x="11117119" y="6514803"/>
+            <a:ext cx="1074881" cy="343197"/>
+          </a:xfrm>
+          <a:prstGeom prst="rect">
+            <a:avLst/>
+          </a:prstGeom>
+        </p:spPr>
+      </p:pic>
+      <p:sp>
+        <p:nvSpPr>
+          <p:cNvPr id="5" name="TextBox 4">
+            <a:extLst>
+              <a:ext uri="{FF2B5EF4-FFF2-40B4-BE49-F238E27FC236}">
+                <a16:creationId xmlns:a16="http://schemas.microsoft.com/office/drawing/2014/main" id="{45F5D955-71CF-FE45-80D4-7734AE812D24}"/>
+              </a:ext>
+            </a:extLst>
+          </p:cNvPr>
+          <p:cNvSpPr txBox="1"/>
+          <p:nvPr/>
+        </p:nvSpPr>
+        <p:spPr>
+          <a:xfrm>
+            <a:off x="8963152" y="6596390"/>
+            <a:ext cx="2222083" cy="261610"/>
+          </a:xfrm>
+          <a:prstGeom prst="rect">
+            <a:avLst/>
+          </a:prstGeom>
+          <a:noFill/>
+        </p:spPr>
+        <p:txBody>
+          <a:bodyPr wrap="none" rtlCol="0">
+            <a:spAutoFit/>
+          </a:bodyPr>
+          <a:lstStyle/>
+          <a:p>
+            <a:r>
+              <a:rPr lang="en-US" sz="1100" dirty="0">
+                <a:latin typeface="Avenir Book" panose="02000503020000020003" pitchFamily="2" charset="0"/>
+              </a:rPr>
+              <a:t>Ankita Roychoudhury 8.17.2020</a:t>
+            </a:r>
+          </a:p>
+        </p:txBody>
+      </p:sp>
+    </p:spTree>
+    <p:extLst>
+      <p:ext uri="{BB962C8B-B14F-4D97-AF65-F5344CB8AC3E}">
+        <p14:creationId xmlns:p14="http://schemas.microsoft.com/office/powerpoint/2010/main" val="3927317745"/>
+      </p:ext>
+    </p:extLst>
+  </p:cSld>
+  <p:clrMapOvr>
+    <a:masterClrMapping/>
+  </p:clrMapOvr>
+</p:sld>
+</file>
+
+<file path=ppt/slides/slide12.xml><?xml version="1.0" encoding="utf-8"?>
+<p:sld xmlns:a="http://schemas.openxmlformats.org/drawingml/2006/main" xmlns:r="http://schemas.openxmlformats.org/officeDocument/2006/relationships" xmlns:p="http://schemas.openxmlformats.org/presentationml/2006/main">
+  <p:cSld>
+    <p:spTree>
+      <p:nvGrpSpPr>
+        <p:cNvPr id="1" name=""/>
+        <p:cNvGrpSpPr/>
+        <p:nvPr/>
+      </p:nvGrpSpPr>
+      <p:grpSpPr>
+        <a:xfrm>
+          <a:off x="0" y="0"/>
+          <a:ext cx="0" cy="0"/>
+          <a:chOff x="0" y="0"/>
+          <a:chExt cx="0" cy="0"/>
+        </a:xfrm>
+      </p:grpSpPr>
+      <p:sp>
+        <p:nvSpPr>
+          <p:cNvPr id="2" name="Title 1">
+            <a:extLst>
+              <a:ext uri="{FF2B5EF4-FFF2-40B4-BE49-F238E27FC236}">
+                <a16:creationId xmlns:a16="http://schemas.microsoft.com/office/drawing/2014/main" id="{60A82EDD-A20D-6343-A05B-2FACB4C227B5}"/>
+              </a:ext>
+            </a:extLst>
+          </p:cNvPr>
+          <p:cNvSpPr>
+            <a:spLocks noGrp="1"/>
+          </p:cNvSpPr>
+          <p:nvPr>
+            <p:ph type="title"/>
+          </p:nvPr>
+        </p:nvSpPr>
+        <p:spPr/>
+        <p:txBody>
+          <a:bodyPr/>
+          <a:lstStyle/>
+          <a:p>
+            <a:r>
+              <a:rPr lang="en-US"/>
+              <a:t>ATP Rheostat</a:t>
+            </a:r>
+            <a:endParaRPr lang="en-US" dirty="0"/>
+          </a:p>
+        </p:txBody>
+      </p:sp>
+      <p:sp>
+        <p:nvSpPr>
+          <p:cNvPr id="3" name="Content Placeholder 2">
+            <a:extLst>
+              <a:ext uri="{FF2B5EF4-FFF2-40B4-BE49-F238E27FC236}">
+                <a16:creationId xmlns:a16="http://schemas.microsoft.com/office/drawing/2014/main" id="{B3FB1137-E3E6-764B-B4B2-A8F2343441D8}"/>
+              </a:ext>
+            </a:extLst>
+          </p:cNvPr>
+          <p:cNvSpPr>
+            <a:spLocks noGrp="1"/>
+          </p:cNvSpPr>
+          <p:nvPr>
+            <p:ph idx="1"/>
+          </p:nvPr>
+        </p:nvSpPr>
+        <p:spPr/>
+        <p:txBody>
+          <a:bodyPr/>
+          <a:lstStyle/>
+          <a:p>
+            <a:endParaRPr lang="en-US"/>
+          </a:p>
+        </p:txBody>
+      </p:sp>
+    </p:spTree>
+    <p:extLst>
+      <p:ext uri="{BB962C8B-B14F-4D97-AF65-F5344CB8AC3E}">
+        <p14:creationId xmlns:p14="http://schemas.microsoft.com/office/powerpoint/2010/main" val="1011719943"/>
+      </p:ext>
+    </p:extLst>
+  </p:cSld>
+  <p:clrMapOvr>
+    <a:masterClrMapping/>
+  </p:clrMapOvr>
+</p:sld>
+</file>
+
+<file path=ppt/slides/slide13.xml><?xml version="1.0" encoding="utf-8"?>
+<p:sld xmlns:a="http://schemas.openxmlformats.org/drawingml/2006/main" xmlns:r="http://schemas.openxmlformats.org/officeDocument/2006/relationships" xmlns:p="http://schemas.openxmlformats.org/presentationml/2006/main">
+  <p:cSld>
+    <p:spTree>
+      <p:nvGrpSpPr>
+        <p:cNvPr id="1" name=""/>
+        <p:cNvGrpSpPr/>
+        <p:nvPr/>
+      </p:nvGrpSpPr>
+      <p:grpSpPr>
+        <a:xfrm>
+          <a:off x="0" y="0"/>
+          <a:ext cx="0" cy="0"/>
+          <a:chOff x="0" y="0"/>
+          <a:chExt cx="0" cy="0"/>
+        </a:xfrm>
+      </p:grpSpPr>
+      <p:sp>
+        <p:nvSpPr>
+          <p:cNvPr id="2" name="Title 1">
+            <a:extLst>
+              <a:ext uri="{FF2B5EF4-FFF2-40B4-BE49-F238E27FC236}">
+                <a16:creationId xmlns:a16="http://schemas.microsoft.com/office/drawing/2014/main" id="{DCBD77DB-5B9A-804D-B0FC-46A708565398}"/>
+              </a:ext>
+            </a:extLst>
+          </p:cNvPr>
+          <p:cNvSpPr>
+            <a:spLocks noGrp="1"/>
+          </p:cNvSpPr>
+          <p:nvPr>
+            <p:ph type="title"/>
+          </p:nvPr>
+        </p:nvSpPr>
+        <p:spPr/>
+        <p:txBody>
+          <a:bodyPr/>
+          <a:lstStyle/>
+          <a:p>
+            <a:r>
+              <a:rPr lang="en-US" dirty="0"/>
+              <a:t>Senior Thesis Discussion</a:t>
+            </a:r>
+          </a:p>
+        </p:txBody>
+      </p:sp>
+      <p:sp>
+        <p:nvSpPr>
+          <p:cNvPr id="3" name="Content Placeholder 2">
+            <a:extLst>
+              <a:ext uri="{FF2B5EF4-FFF2-40B4-BE49-F238E27FC236}">
+                <a16:creationId xmlns:a16="http://schemas.microsoft.com/office/drawing/2014/main" id="{75BEA29F-B73E-694B-93DF-6C8DEDBA0C7D}"/>
+              </a:ext>
+            </a:extLst>
+          </p:cNvPr>
+          <p:cNvSpPr>
+            <a:spLocks noGrp="1"/>
+          </p:cNvSpPr>
+          <p:nvPr>
+            <p:ph idx="1"/>
+          </p:nvPr>
+        </p:nvSpPr>
+        <p:spPr/>
+        <p:txBody>
+          <a:bodyPr/>
+          <a:lstStyle/>
+          <a:p>
+            <a:endParaRPr lang="en-US" dirty="0"/>
+          </a:p>
+        </p:txBody>
+      </p:sp>
+      <p:pic>
+        <p:nvPicPr>
+          <p:cNvPr id="4" name="Picture 3" descr="A picture containing drawing&#10;&#10;Description automatically generated">
+            <a:extLst>
+              <a:ext uri="{FF2B5EF4-FFF2-40B4-BE49-F238E27FC236}">
+                <a16:creationId xmlns:a16="http://schemas.microsoft.com/office/drawing/2014/main" id="{3AD3D2F3-BFCF-3944-9012-0C6B209AB6A8}"/>
+              </a:ext>
+            </a:extLst>
+          </p:cNvPr>
+          <p:cNvPicPr>
+            <a:picLocks noChangeAspect="1"/>
+          </p:cNvPicPr>
+          <p:nvPr/>
+        </p:nvPicPr>
+        <p:blipFill>
+          <a:blip r:embed="rId2"/>
+          <a:stretch>
+            <a:fillRect/>
+          </a:stretch>
+        </p:blipFill>
+        <p:spPr>
+          <a:xfrm>
+            <a:off x="11117119" y="6514803"/>
+            <a:ext cx="1074881" cy="343197"/>
+          </a:xfrm>
+          <a:prstGeom prst="rect">
+            <a:avLst/>
+          </a:prstGeom>
+        </p:spPr>
+      </p:pic>
+      <p:sp>
+        <p:nvSpPr>
+          <p:cNvPr id="5" name="TextBox 4">
+            <a:extLst>
+              <a:ext uri="{FF2B5EF4-FFF2-40B4-BE49-F238E27FC236}">
+                <a16:creationId xmlns:a16="http://schemas.microsoft.com/office/drawing/2014/main" id="{0DAF2F7B-359F-B849-975C-C1F20BBCAAEB}"/>
+              </a:ext>
+            </a:extLst>
+          </p:cNvPr>
+          <p:cNvSpPr txBox="1"/>
+          <p:nvPr/>
+        </p:nvSpPr>
+        <p:spPr>
+          <a:xfrm>
+            <a:off x="8963152" y="6596390"/>
+            <a:ext cx="2222083" cy="261610"/>
+          </a:xfrm>
+          <a:prstGeom prst="rect">
+            <a:avLst/>
+          </a:prstGeom>
+          <a:noFill/>
+        </p:spPr>
+        <p:txBody>
+          <a:bodyPr wrap="none" rtlCol="0">
+            <a:spAutoFit/>
+          </a:bodyPr>
+          <a:lstStyle/>
+          <a:p>
+            <a:r>
+              <a:rPr lang="en-US" sz="1100" dirty="0">
+                <a:latin typeface="Avenir Book" panose="02000503020000020003" pitchFamily="2" charset="0"/>
+              </a:rPr>
+              <a:t>Ankita Roychoudhury 8.17.2020</a:t>
+            </a:r>
+          </a:p>
+        </p:txBody>
+      </p:sp>
+    </p:spTree>
+    <p:extLst>
+      <p:ext uri="{BB962C8B-B14F-4D97-AF65-F5344CB8AC3E}">
+        <p14:creationId xmlns:p14="http://schemas.microsoft.com/office/powerpoint/2010/main" val="1322512761"/>
+      </p:ext>
+    </p:extLst>
+  </p:cSld>
+  <p:clrMapOvr>
+    <a:masterClrMapping/>
+  </p:clrMapOvr>
+</p:sld>
+</file>
+
+<file path=ppt/slides/slide14.xml><?xml version="1.0" encoding="utf-8"?>
+<p:sld xmlns:a="http://schemas.openxmlformats.org/drawingml/2006/main" xmlns:r="http://schemas.openxmlformats.org/officeDocument/2006/relationships" xmlns:p="http://schemas.openxmlformats.org/presentationml/2006/main">
+  <p:cSld>
+    <p:spTree>
+      <p:nvGrpSpPr>
+        <p:cNvPr id="1" name=""/>
+        <p:cNvGrpSpPr/>
+        <p:nvPr/>
+      </p:nvGrpSpPr>
+      <p:grpSpPr>
+        <a:xfrm>
+          <a:off x="0" y="0"/>
+          <a:ext cx="0" cy="0"/>
+          <a:chOff x="0" y="0"/>
+          <a:chExt cx="0" cy="0"/>
+        </a:xfrm>
+      </p:grpSpPr>
+      <p:sp>
+        <p:nvSpPr>
+          <p:cNvPr id="2" name="Title 1">
+            <a:extLst>
+              <a:ext uri="{FF2B5EF4-FFF2-40B4-BE49-F238E27FC236}">
+                <a16:creationId xmlns:a16="http://schemas.microsoft.com/office/drawing/2014/main" id="{A08F8548-ACBE-9D41-AA5A-3E27DFE14B73}"/>
+              </a:ext>
+            </a:extLst>
+          </p:cNvPr>
+          <p:cNvSpPr>
+            <a:spLocks noGrp="1"/>
+          </p:cNvSpPr>
+          <p:nvPr>
+            <p:ph type="title"/>
+          </p:nvPr>
+        </p:nvSpPr>
+        <p:spPr/>
+        <p:txBody>
+          <a:bodyPr/>
+          <a:lstStyle/>
+          <a:p>
+            <a:r>
+              <a:rPr lang="en-US" dirty="0"/>
+              <a:t>Misc.</a:t>
+            </a:r>
+          </a:p>
+        </p:txBody>
+      </p:sp>
+      <p:sp>
+        <p:nvSpPr>
+          <p:cNvPr id="3" name="Content Placeholder 2">
+            <a:extLst>
+              <a:ext uri="{FF2B5EF4-FFF2-40B4-BE49-F238E27FC236}">
+                <a16:creationId xmlns:a16="http://schemas.microsoft.com/office/drawing/2014/main" id="{6BE0183D-7545-8748-B514-34922DFAE9B3}"/>
+              </a:ext>
+            </a:extLst>
+          </p:cNvPr>
+          <p:cNvSpPr>
+            <a:spLocks noGrp="1"/>
+          </p:cNvSpPr>
+          <p:nvPr>
+            <p:ph idx="1"/>
+          </p:nvPr>
+        </p:nvSpPr>
+        <p:spPr/>
+        <p:txBody>
+          <a:bodyPr/>
+          <a:lstStyle/>
+          <a:p>
+            <a:r>
+              <a:rPr lang="en-US" dirty="0"/>
+              <a:t>Return to lab plan</a:t>
+            </a:r>
+          </a:p>
+          <a:p>
+            <a:endParaRPr lang="en-US" dirty="0"/>
+          </a:p>
+        </p:txBody>
+      </p:sp>
+      <p:pic>
+        <p:nvPicPr>
+          <p:cNvPr id="4" name="Picture 3" descr="A picture containing drawing&#10;&#10;Description automatically generated">
+            <a:extLst>
+              <a:ext uri="{FF2B5EF4-FFF2-40B4-BE49-F238E27FC236}">
+                <a16:creationId xmlns:a16="http://schemas.microsoft.com/office/drawing/2014/main" id="{2E5EAA64-A691-3E49-957A-AFD9E190EAEC}"/>
+              </a:ext>
+            </a:extLst>
+          </p:cNvPr>
+          <p:cNvPicPr>
+            <a:picLocks noChangeAspect="1"/>
+          </p:cNvPicPr>
+          <p:nvPr/>
+        </p:nvPicPr>
+        <p:blipFill>
+          <a:blip r:embed="rId2"/>
+          <a:stretch>
+            <a:fillRect/>
+          </a:stretch>
+        </p:blipFill>
+        <p:spPr>
+          <a:xfrm>
+            <a:off x="11117119" y="6514803"/>
+            <a:ext cx="1074881" cy="343197"/>
+          </a:xfrm>
+          <a:prstGeom prst="rect">
+            <a:avLst/>
+          </a:prstGeom>
+        </p:spPr>
+      </p:pic>
+      <p:sp>
+        <p:nvSpPr>
+          <p:cNvPr id="5" name="TextBox 4">
+            <a:extLst>
+              <a:ext uri="{FF2B5EF4-FFF2-40B4-BE49-F238E27FC236}">
+                <a16:creationId xmlns:a16="http://schemas.microsoft.com/office/drawing/2014/main" id="{2BAF9CF4-DB79-3341-A4B4-8E885E008F25}"/>
+              </a:ext>
+            </a:extLst>
+          </p:cNvPr>
+          <p:cNvSpPr txBox="1"/>
+          <p:nvPr/>
+        </p:nvSpPr>
+        <p:spPr>
+          <a:xfrm>
+            <a:off x="8963152" y="6596390"/>
+            <a:ext cx="2222083" cy="261610"/>
+          </a:xfrm>
+          <a:prstGeom prst="rect">
+            <a:avLst/>
+          </a:prstGeom>
+          <a:noFill/>
+        </p:spPr>
+        <p:txBody>
+          <a:bodyPr wrap="none" rtlCol="0">
+            <a:spAutoFit/>
+          </a:bodyPr>
+          <a:lstStyle/>
+          <a:p>
+            <a:r>
+              <a:rPr lang="en-US" sz="1100" dirty="0">
+                <a:latin typeface="Avenir Book" panose="02000503020000020003" pitchFamily="2" charset="0"/>
+              </a:rPr>
+              <a:t>Ankita Roychoudhury 8.17.2020</a:t>
+            </a:r>
+          </a:p>
+        </p:txBody>
+      </p:sp>
+    </p:spTree>
+    <p:extLst>
+      <p:ext uri="{BB962C8B-B14F-4D97-AF65-F5344CB8AC3E}">
+        <p14:creationId xmlns:p14="http://schemas.microsoft.com/office/powerpoint/2010/main" val="3151142667"/>
       </p:ext>
     </p:extLst>
   </p:cSld>
@@ -3502,6 +7977,4613 @@
     <p:extLst>
       <p:ext uri="{BB962C8B-B14F-4D97-AF65-F5344CB8AC3E}">
         <p14:creationId xmlns:p14="http://schemas.microsoft.com/office/powerpoint/2010/main" val="3835377248"/>
+      </p:ext>
+    </p:extLst>
+  </p:cSld>
+  <p:clrMapOvr>
+    <a:masterClrMapping/>
+  </p:clrMapOvr>
+</p:sld>
+</file>
+
+<file path=ppt/slides/slide3.xml><?xml version="1.0" encoding="utf-8"?>
+<p:sld xmlns:a="http://schemas.openxmlformats.org/drawingml/2006/main" xmlns:r="http://schemas.openxmlformats.org/officeDocument/2006/relationships" xmlns:p="http://schemas.openxmlformats.org/presentationml/2006/main">
+  <p:cSld>
+    <p:spTree>
+      <p:nvGrpSpPr>
+        <p:cNvPr id="1" name=""/>
+        <p:cNvGrpSpPr/>
+        <p:nvPr/>
+      </p:nvGrpSpPr>
+      <p:grpSpPr>
+        <a:xfrm>
+          <a:off x="0" y="0"/>
+          <a:ext cx="0" cy="0"/>
+          <a:chOff x="0" y="0"/>
+          <a:chExt cx="0" cy="0"/>
+        </a:xfrm>
+      </p:grpSpPr>
+      <p:sp>
+        <p:nvSpPr>
+          <p:cNvPr id="2" name="Title 1">
+            <a:extLst>
+              <a:ext uri="{FF2B5EF4-FFF2-40B4-BE49-F238E27FC236}">
+                <a16:creationId xmlns:a16="http://schemas.microsoft.com/office/drawing/2014/main" id="{E537E34B-6EF3-AD41-AB46-7E1AFB05FFA3}"/>
+              </a:ext>
+            </a:extLst>
+          </p:cNvPr>
+          <p:cNvSpPr>
+            <a:spLocks noGrp="1"/>
+          </p:cNvSpPr>
+          <p:nvPr>
+            <p:ph type="title"/>
+          </p:nvPr>
+        </p:nvSpPr>
+        <p:spPr/>
+        <p:txBody>
+          <a:bodyPr/>
+          <a:lstStyle/>
+          <a:p>
+            <a:r>
+              <a:rPr lang="en-US" dirty="0"/>
+              <a:t>Agenda</a:t>
+            </a:r>
+          </a:p>
+        </p:txBody>
+      </p:sp>
+      <p:sp>
+        <p:nvSpPr>
+          <p:cNvPr id="3" name="Content Placeholder 2">
+            <a:extLst>
+              <a:ext uri="{FF2B5EF4-FFF2-40B4-BE49-F238E27FC236}">
+                <a16:creationId xmlns:a16="http://schemas.microsoft.com/office/drawing/2014/main" id="{6C9727F6-3EB8-A841-949F-B54E0EA824C8}"/>
+              </a:ext>
+            </a:extLst>
+          </p:cNvPr>
+          <p:cNvSpPr>
+            <a:spLocks noGrp="1"/>
+          </p:cNvSpPr>
+          <p:nvPr>
+            <p:ph idx="1"/>
+          </p:nvPr>
+        </p:nvSpPr>
+        <p:spPr/>
+        <p:txBody>
+          <a:bodyPr/>
+          <a:lstStyle/>
+          <a:p>
+            <a:r>
+              <a:rPr lang="en-US" dirty="0"/>
+              <a:t>ATP Synthase Model Progress</a:t>
+            </a:r>
+          </a:p>
+          <a:p>
+            <a:r>
+              <a:rPr lang="en-US" dirty="0"/>
+              <a:t>ATP Rheostat Model Progress</a:t>
+            </a:r>
+          </a:p>
+          <a:p>
+            <a:r>
+              <a:rPr lang="en-US" dirty="0"/>
+              <a:t>Senior Thesis Project </a:t>
+            </a:r>
+            <a:r>
+              <a:rPr lang="en-US" dirty="0" err="1"/>
+              <a:t>Dicussion</a:t>
+            </a:r>
+            <a:r>
+              <a:rPr lang="en-US" dirty="0"/>
+              <a:t> </a:t>
+            </a:r>
+          </a:p>
+          <a:p>
+            <a:r>
+              <a:rPr lang="en-US" dirty="0"/>
+              <a:t>Misc.</a:t>
+            </a:r>
+          </a:p>
+          <a:p>
+            <a:endParaRPr lang="en-US" dirty="0"/>
+          </a:p>
+        </p:txBody>
+      </p:sp>
+      <p:pic>
+        <p:nvPicPr>
+          <p:cNvPr id="4" name="Picture 3" descr="A picture containing drawing&#10;&#10;Description automatically generated">
+            <a:extLst>
+              <a:ext uri="{FF2B5EF4-FFF2-40B4-BE49-F238E27FC236}">
+                <a16:creationId xmlns:a16="http://schemas.microsoft.com/office/drawing/2014/main" id="{948A0521-042E-504A-8F68-D931196AB9F2}"/>
+              </a:ext>
+            </a:extLst>
+          </p:cNvPr>
+          <p:cNvPicPr>
+            <a:picLocks noChangeAspect="1"/>
+          </p:cNvPicPr>
+          <p:nvPr/>
+        </p:nvPicPr>
+        <p:blipFill>
+          <a:blip r:embed="rId2"/>
+          <a:stretch>
+            <a:fillRect/>
+          </a:stretch>
+        </p:blipFill>
+        <p:spPr>
+          <a:xfrm>
+            <a:off x="11117119" y="6514803"/>
+            <a:ext cx="1074881" cy="343197"/>
+          </a:xfrm>
+          <a:prstGeom prst="rect">
+            <a:avLst/>
+          </a:prstGeom>
+        </p:spPr>
+      </p:pic>
+      <p:sp>
+        <p:nvSpPr>
+          <p:cNvPr id="5" name="TextBox 4">
+            <a:extLst>
+              <a:ext uri="{FF2B5EF4-FFF2-40B4-BE49-F238E27FC236}">
+                <a16:creationId xmlns:a16="http://schemas.microsoft.com/office/drawing/2014/main" id="{66A7CD17-AAEB-874E-A9CC-85BD846DC833}"/>
+              </a:ext>
+            </a:extLst>
+          </p:cNvPr>
+          <p:cNvSpPr txBox="1"/>
+          <p:nvPr/>
+        </p:nvSpPr>
+        <p:spPr>
+          <a:xfrm>
+            <a:off x="8963152" y="6596390"/>
+            <a:ext cx="2222083" cy="261610"/>
+          </a:xfrm>
+          <a:prstGeom prst="rect">
+            <a:avLst/>
+          </a:prstGeom>
+          <a:noFill/>
+        </p:spPr>
+        <p:txBody>
+          <a:bodyPr wrap="none" rtlCol="0">
+            <a:spAutoFit/>
+          </a:bodyPr>
+          <a:lstStyle/>
+          <a:p>
+            <a:r>
+              <a:rPr lang="en-US" sz="1100" dirty="0">
+                <a:latin typeface="Avenir Book" panose="02000503020000020003" pitchFamily="2" charset="0"/>
+              </a:rPr>
+              <a:t>Ankita Roychoudhury 8.17.2020</a:t>
+            </a:r>
+          </a:p>
+        </p:txBody>
+      </p:sp>
+    </p:spTree>
+    <p:extLst>
+      <p:ext uri="{BB962C8B-B14F-4D97-AF65-F5344CB8AC3E}">
+        <p14:creationId xmlns:p14="http://schemas.microsoft.com/office/powerpoint/2010/main" val="2223868439"/>
+      </p:ext>
+    </p:extLst>
+  </p:cSld>
+  <p:clrMapOvr>
+    <a:masterClrMapping/>
+  </p:clrMapOvr>
+</p:sld>
+</file>
+
+<file path=ppt/slides/slide4.xml><?xml version="1.0" encoding="utf-8"?>
+<p:sld xmlns:a="http://schemas.openxmlformats.org/drawingml/2006/main" xmlns:r="http://schemas.openxmlformats.org/officeDocument/2006/relationships" xmlns:p="http://schemas.openxmlformats.org/presentationml/2006/main">
+  <p:cSld>
+    <p:spTree>
+      <p:nvGrpSpPr>
+        <p:cNvPr id="1" name=""/>
+        <p:cNvGrpSpPr/>
+        <p:nvPr/>
+      </p:nvGrpSpPr>
+      <p:grpSpPr>
+        <a:xfrm>
+          <a:off x="0" y="0"/>
+          <a:ext cx="0" cy="0"/>
+          <a:chOff x="0" y="0"/>
+          <a:chExt cx="0" cy="0"/>
+        </a:xfrm>
+      </p:grpSpPr>
+      <p:sp>
+        <p:nvSpPr>
+          <p:cNvPr id="2" name="Title 1">
+            <a:extLst>
+              <a:ext uri="{FF2B5EF4-FFF2-40B4-BE49-F238E27FC236}">
+                <a16:creationId xmlns:a16="http://schemas.microsoft.com/office/drawing/2014/main" id="{FA139E81-C1D2-A74A-B095-1D3CF78DD2AC}"/>
+              </a:ext>
+            </a:extLst>
+          </p:cNvPr>
+          <p:cNvSpPr>
+            <a:spLocks noGrp="1"/>
+          </p:cNvSpPr>
+          <p:nvPr>
+            <p:ph type="title"/>
+          </p:nvPr>
+        </p:nvSpPr>
+        <p:spPr>
+          <a:xfrm>
+            <a:off x="234084" y="292037"/>
+            <a:ext cx="3444293" cy="881784"/>
+          </a:xfrm>
+        </p:spPr>
+        <p:txBody>
+          <a:bodyPr>
+            <a:noAutofit/>
+          </a:bodyPr>
+          <a:lstStyle/>
+          <a:p>
+            <a:r>
+              <a:rPr lang="en-US" sz="2400" b="1" dirty="0"/>
+              <a:t>Goal</a:t>
+            </a:r>
+            <a:r>
+              <a:rPr lang="en-US" sz="2400" dirty="0"/>
+              <a:t>: ATP Life Extension in Synthetic Cells</a:t>
+            </a:r>
+          </a:p>
+        </p:txBody>
+      </p:sp>
+      <p:grpSp>
+        <p:nvGrpSpPr>
+          <p:cNvPr id="3" name="Group 2">
+            <a:extLst>
+              <a:ext uri="{FF2B5EF4-FFF2-40B4-BE49-F238E27FC236}">
+                <a16:creationId xmlns:a16="http://schemas.microsoft.com/office/drawing/2014/main" id="{3758C4B6-413B-6848-8E4F-E7699DA003E3}"/>
+              </a:ext>
+            </a:extLst>
+          </p:cNvPr>
+          <p:cNvGrpSpPr/>
+          <p:nvPr/>
+        </p:nvGrpSpPr>
+        <p:grpSpPr>
+          <a:xfrm>
+            <a:off x="62445" y="2264264"/>
+            <a:ext cx="3627313" cy="2312694"/>
+            <a:chOff x="2673543" y="2305946"/>
+            <a:chExt cx="6358945" cy="3897417"/>
+          </a:xfrm>
+        </p:grpSpPr>
+        <p:pic>
+          <p:nvPicPr>
+            <p:cNvPr id="5" name="Picture 2">
+              <a:extLst>
+                <a:ext uri="{FF2B5EF4-FFF2-40B4-BE49-F238E27FC236}">
+                  <a16:creationId xmlns:a16="http://schemas.microsoft.com/office/drawing/2014/main" id="{0EE84680-DA8D-BD45-80A8-94D8AE7B67B3}"/>
+                </a:ext>
+              </a:extLst>
+            </p:cNvPr>
+            <p:cNvPicPr>
+              <a:picLocks noChangeAspect="1" noChangeArrowheads="1"/>
+            </p:cNvPicPr>
+            <p:nvPr/>
+          </p:nvPicPr>
+          <p:blipFill>
+            <a:blip r:embed="rId3">
+              <a:extLst>
+                <a:ext uri="{28A0092B-C50C-407E-A947-70E740481C1C}">
+                  <a14:useLocalDpi xmlns:a14="http://schemas.microsoft.com/office/drawing/2010/main" val="0"/>
+                </a:ext>
+              </a:extLst>
+            </a:blip>
+            <a:srcRect/>
+            <a:stretch>
+              <a:fillRect/>
+            </a:stretch>
+          </p:blipFill>
+          <p:spPr bwMode="auto">
+            <a:xfrm>
+              <a:off x="2673543" y="2305946"/>
+              <a:ext cx="6358945" cy="3897417"/>
+            </a:xfrm>
+            <a:prstGeom prst="rect">
+              <a:avLst/>
+            </a:prstGeom>
+            <a:noFill/>
+            <a:extLst>
+              <a:ext uri="{909E8E84-426E-40DD-AFC4-6F175D3DCCD1}">
+                <a14:hiddenFill xmlns:a14="http://schemas.microsoft.com/office/drawing/2010/main">
+                  <a:solidFill>
+                    <a:srgbClr val="FFFFFF"/>
+                  </a:solidFill>
+                </a14:hiddenFill>
+              </a:ext>
+            </a:extLst>
+          </p:spPr>
+        </p:pic>
+        <p:sp>
+          <p:nvSpPr>
+            <p:cNvPr id="6" name="TextBox 5">
+              <a:extLst>
+                <a:ext uri="{FF2B5EF4-FFF2-40B4-BE49-F238E27FC236}">
+                  <a16:creationId xmlns:a16="http://schemas.microsoft.com/office/drawing/2014/main" id="{89E9F93C-F176-C040-A502-EB00509D4597}"/>
+                </a:ext>
+              </a:extLst>
+            </p:cNvPr>
+            <p:cNvSpPr txBox="1"/>
+            <p:nvPr/>
+          </p:nvSpPr>
+          <p:spPr>
+            <a:xfrm>
+              <a:off x="4260188" y="3851123"/>
+              <a:ext cx="1447102" cy="466807"/>
+            </a:xfrm>
+            <a:prstGeom prst="rect">
+              <a:avLst/>
+            </a:prstGeom>
+            <a:noFill/>
+          </p:spPr>
+          <p:txBody>
+            <a:bodyPr wrap="square" rtlCol="0">
+              <a:spAutoFit/>
+            </a:bodyPr>
+            <a:lstStyle/>
+            <a:p>
+              <a:r>
+                <a:rPr lang="en-US" sz="1200" dirty="0">
+                  <a:latin typeface="Avenir Book" panose="02000503020000020003" pitchFamily="2" charset="0"/>
+                </a:rPr>
+                <a:t>TX/TL</a:t>
+              </a:r>
+            </a:p>
+          </p:txBody>
+        </p:sp>
+      </p:grpSp>
+      <p:sp>
+        <p:nvSpPr>
+          <p:cNvPr id="7" name="Title 1">
+            <a:extLst>
+              <a:ext uri="{FF2B5EF4-FFF2-40B4-BE49-F238E27FC236}">
+                <a16:creationId xmlns:a16="http://schemas.microsoft.com/office/drawing/2014/main" id="{12D5DA37-0E1D-4D45-8C92-3D2AA3112510}"/>
+              </a:ext>
+            </a:extLst>
+          </p:cNvPr>
+          <p:cNvSpPr txBox="1">
+            <a:spLocks/>
+          </p:cNvSpPr>
+          <p:nvPr/>
+        </p:nvSpPr>
+        <p:spPr>
+          <a:xfrm>
+            <a:off x="4243539" y="146176"/>
+            <a:ext cx="3854380" cy="982425"/>
+          </a:xfrm>
+          <a:prstGeom prst="rect">
+            <a:avLst/>
+          </a:prstGeom>
+        </p:spPr>
+        <p:txBody>
+          <a:bodyPr vert="horz" lIns="91440" tIns="45720" rIns="91440" bIns="45720" rtlCol="0" anchor="ctr">
+            <a:normAutofit fontScale="97500"/>
+          </a:bodyPr>
+          <a:lstStyle>
+            <a:lvl1pPr algn="l" defTabSz="914400" rtl="0" eaLnBrk="1" latinLnBrk="0" hangingPunct="1">
+              <a:lnSpc>
+                <a:spcPct val="90000"/>
+              </a:lnSpc>
+              <a:spcBef>
+                <a:spcPct val="0"/>
+              </a:spcBef>
+              <a:buNone/>
+              <a:defRPr sz="4400" kern="1200">
+                <a:solidFill>
+                  <a:schemeClr val="tx1"/>
+                </a:solidFill>
+                <a:latin typeface="Avenir Book" panose="02000503020000020003" pitchFamily="2" charset="0"/>
+                <a:ea typeface="+mj-ea"/>
+                <a:cs typeface="+mj-cs"/>
+              </a:defRPr>
+            </a:lvl1pPr>
+          </a:lstStyle>
+          <a:p>
+            <a:r>
+              <a:rPr lang="en-US" sz="2400" dirty="0"/>
+              <a:t>Proposal 1: Regeneration by Rheostat Machinery</a:t>
+            </a:r>
+          </a:p>
+        </p:txBody>
+      </p:sp>
+      <p:pic>
+        <p:nvPicPr>
+          <p:cNvPr id="9" name="Content Placeholder 4" descr="A close up of a map&#10;&#10;Description automatically generated">
+            <a:extLst>
+              <a:ext uri="{FF2B5EF4-FFF2-40B4-BE49-F238E27FC236}">
+                <a16:creationId xmlns:a16="http://schemas.microsoft.com/office/drawing/2014/main" id="{6466F7DC-E0F1-0E45-A5C5-E16FBB464DD4}"/>
+              </a:ext>
+            </a:extLst>
+          </p:cNvPr>
+          <p:cNvPicPr>
+            <a:picLocks noGrp="1" noChangeAspect="1"/>
+          </p:cNvPicPr>
+          <p:nvPr>
+            <p:ph idx="1"/>
+          </p:nvPr>
+        </p:nvPicPr>
+        <p:blipFill>
+          <a:blip r:embed="rId4"/>
+          <a:stretch>
+            <a:fillRect/>
+          </a:stretch>
+        </p:blipFill>
+        <p:spPr>
+          <a:xfrm>
+            <a:off x="4658325" y="1274777"/>
+            <a:ext cx="2297020" cy="5286190"/>
+          </a:xfrm>
+        </p:spPr>
+      </p:pic>
+      <p:sp>
+        <p:nvSpPr>
+          <p:cNvPr id="10" name="TextBox 9">
+            <a:extLst>
+              <a:ext uri="{FF2B5EF4-FFF2-40B4-BE49-F238E27FC236}">
+                <a16:creationId xmlns:a16="http://schemas.microsoft.com/office/drawing/2014/main" id="{8D7DDF09-E5E1-FD4A-A3E0-40BA3C7D5C6A}"/>
+              </a:ext>
+            </a:extLst>
+          </p:cNvPr>
+          <p:cNvSpPr txBox="1"/>
+          <p:nvPr/>
+        </p:nvSpPr>
+        <p:spPr>
+          <a:xfrm>
+            <a:off x="4352940" y="6600693"/>
+            <a:ext cx="3389069" cy="261610"/>
+          </a:xfrm>
+          <a:prstGeom prst="rect">
+            <a:avLst/>
+          </a:prstGeom>
+          <a:noFill/>
+        </p:spPr>
+        <p:txBody>
+          <a:bodyPr wrap="none" rtlCol="0">
+            <a:spAutoFit/>
+          </a:bodyPr>
+          <a:lstStyle/>
+          <a:p>
+            <a:r>
+              <a:rPr lang="en-US" sz="1100" dirty="0">
+                <a:latin typeface="Avenir Book" panose="02000503020000020003" pitchFamily="2" charset="0"/>
+              </a:rPr>
+              <a:t>Opgenorth et al., </a:t>
+            </a:r>
+            <a:r>
+              <a:rPr lang="en-US" sz="1100" i="1" dirty="0">
+                <a:latin typeface="Avenir Book" panose="02000503020000020003" pitchFamily="2" charset="0"/>
+              </a:rPr>
+              <a:t>Nature Chemical Biology</a:t>
+            </a:r>
+            <a:r>
+              <a:rPr lang="en-US" sz="1100" dirty="0">
+                <a:latin typeface="Avenir Book" panose="02000503020000020003" pitchFamily="2" charset="0"/>
+              </a:rPr>
+              <a:t>, 2017 </a:t>
+            </a:r>
+            <a:endParaRPr lang="en-US" sz="1100" i="1" dirty="0">
+              <a:latin typeface="Avenir Book" panose="02000503020000020003" pitchFamily="2" charset="0"/>
+            </a:endParaRPr>
+          </a:p>
+        </p:txBody>
+      </p:sp>
+      <p:cxnSp>
+        <p:nvCxnSpPr>
+          <p:cNvPr id="12" name="Straight Connector 11">
+            <a:extLst>
+              <a:ext uri="{FF2B5EF4-FFF2-40B4-BE49-F238E27FC236}">
+                <a16:creationId xmlns:a16="http://schemas.microsoft.com/office/drawing/2014/main" id="{706B6780-5638-DE41-9832-90B3EABC07F7}"/>
+              </a:ext>
+            </a:extLst>
+          </p:cNvPr>
+          <p:cNvCxnSpPr/>
+          <p:nvPr/>
+        </p:nvCxnSpPr>
+        <p:spPr>
+          <a:xfrm>
+            <a:off x="3878157" y="0"/>
+            <a:ext cx="0" cy="6858000"/>
+          </a:xfrm>
+          <a:prstGeom prst="line">
+            <a:avLst/>
+          </a:prstGeom>
+          <a:ln w="38100"/>
+        </p:spPr>
+        <p:style>
+          <a:lnRef idx="1">
+            <a:schemeClr val="dk1"/>
+          </a:lnRef>
+          <a:fillRef idx="0">
+            <a:schemeClr val="dk1"/>
+          </a:fillRef>
+          <a:effectRef idx="0">
+            <a:schemeClr val="dk1"/>
+          </a:effectRef>
+          <a:fontRef idx="minor">
+            <a:schemeClr val="tx1"/>
+          </a:fontRef>
+        </p:style>
+      </p:cxnSp>
+      <p:cxnSp>
+        <p:nvCxnSpPr>
+          <p:cNvPr id="15" name="Straight Connector 14">
+            <a:extLst>
+              <a:ext uri="{FF2B5EF4-FFF2-40B4-BE49-F238E27FC236}">
+                <a16:creationId xmlns:a16="http://schemas.microsoft.com/office/drawing/2014/main" id="{75AA1341-7F69-4045-BB72-C193CC75426F}"/>
+              </a:ext>
+            </a:extLst>
+          </p:cNvPr>
+          <p:cNvCxnSpPr/>
+          <p:nvPr/>
+        </p:nvCxnSpPr>
+        <p:spPr>
+          <a:xfrm>
+            <a:off x="7962484" y="0"/>
+            <a:ext cx="0" cy="6858000"/>
+          </a:xfrm>
+          <a:prstGeom prst="line">
+            <a:avLst/>
+          </a:prstGeom>
+          <a:ln w="38100"/>
+        </p:spPr>
+        <p:style>
+          <a:lnRef idx="1">
+            <a:schemeClr val="dk1"/>
+          </a:lnRef>
+          <a:fillRef idx="0">
+            <a:schemeClr val="dk1"/>
+          </a:fillRef>
+          <a:effectRef idx="0">
+            <a:schemeClr val="dk1"/>
+          </a:effectRef>
+          <a:fontRef idx="minor">
+            <a:schemeClr val="tx1"/>
+          </a:fontRef>
+        </p:style>
+      </p:cxnSp>
+      <p:sp>
+        <p:nvSpPr>
+          <p:cNvPr id="16" name="Title 1">
+            <a:extLst>
+              <a:ext uri="{FF2B5EF4-FFF2-40B4-BE49-F238E27FC236}">
+                <a16:creationId xmlns:a16="http://schemas.microsoft.com/office/drawing/2014/main" id="{D158DBD9-2C90-7844-A92A-7C2AE8046B1A}"/>
+              </a:ext>
+            </a:extLst>
+          </p:cNvPr>
+          <p:cNvSpPr txBox="1">
+            <a:spLocks/>
+          </p:cNvSpPr>
+          <p:nvPr/>
+        </p:nvSpPr>
+        <p:spPr>
+          <a:xfrm>
+            <a:off x="8192431" y="146175"/>
+            <a:ext cx="3854380" cy="982425"/>
+          </a:xfrm>
+          <a:prstGeom prst="rect">
+            <a:avLst/>
+          </a:prstGeom>
+        </p:spPr>
+        <p:txBody>
+          <a:bodyPr vert="horz" lIns="91440" tIns="45720" rIns="91440" bIns="45720" rtlCol="0" anchor="ctr">
+            <a:normAutofit fontScale="97500"/>
+          </a:bodyPr>
+          <a:lstStyle>
+            <a:lvl1pPr algn="l" defTabSz="914400" rtl="0" eaLnBrk="1" latinLnBrk="0" hangingPunct="1">
+              <a:lnSpc>
+                <a:spcPct val="90000"/>
+              </a:lnSpc>
+              <a:spcBef>
+                <a:spcPct val="0"/>
+              </a:spcBef>
+              <a:buNone/>
+              <a:defRPr sz="4400" kern="1200">
+                <a:solidFill>
+                  <a:schemeClr val="tx1"/>
+                </a:solidFill>
+                <a:latin typeface="Avenir Book" panose="02000503020000020003" pitchFamily="2" charset="0"/>
+                <a:ea typeface="+mj-ea"/>
+                <a:cs typeface="+mj-cs"/>
+              </a:defRPr>
+            </a:lvl1pPr>
+          </a:lstStyle>
+          <a:p>
+            <a:r>
+              <a:rPr lang="en-US" sz="2400" dirty="0"/>
+              <a:t>Proposal 2: Regeneration by ATP Synthase</a:t>
+            </a:r>
+          </a:p>
+        </p:txBody>
+      </p:sp>
+      <p:grpSp>
+        <p:nvGrpSpPr>
+          <p:cNvPr id="18" name="Group 17">
+            <a:extLst>
+              <a:ext uri="{FF2B5EF4-FFF2-40B4-BE49-F238E27FC236}">
+                <a16:creationId xmlns:a16="http://schemas.microsoft.com/office/drawing/2014/main" id="{4728887F-51E0-0542-84F9-A9D89129E5FC}"/>
+              </a:ext>
+            </a:extLst>
+          </p:cNvPr>
+          <p:cNvGrpSpPr/>
+          <p:nvPr/>
+        </p:nvGrpSpPr>
+        <p:grpSpPr>
+          <a:xfrm>
+            <a:off x="8409931" y="1678856"/>
+            <a:ext cx="3273647" cy="3281603"/>
+            <a:chOff x="7276937" y="1782646"/>
+            <a:chExt cx="3790856" cy="3639484"/>
+          </a:xfrm>
+        </p:grpSpPr>
+        <p:sp>
+          <p:nvSpPr>
+            <p:cNvPr id="19" name="Oval 18">
+              <a:extLst>
+                <a:ext uri="{FF2B5EF4-FFF2-40B4-BE49-F238E27FC236}">
+                  <a16:creationId xmlns:a16="http://schemas.microsoft.com/office/drawing/2014/main" id="{14A4ECD3-2CF9-9E4F-8B32-8E82DF91C0D0}"/>
+                </a:ext>
+              </a:extLst>
+            </p:cNvPr>
+            <p:cNvSpPr/>
+            <p:nvPr/>
+          </p:nvSpPr>
+          <p:spPr>
+            <a:xfrm>
+              <a:off x="7276937" y="2310630"/>
+              <a:ext cx="3429000" cy="3111500"/>
+            </a:xfrm>
+            <a:prstGeom prst="ellipse">
+              <a:avLst/>
+            </a:prstGeom>
+            <a:noFill/>
+            <a:ln w="38100">
+              <a:solidFill>
+                <a:schemeClr val="tx1"/>
+              </a:solidFill>
+              <a:prstDash val="dash"/>
+            </a:ln>
+          </p:spPr>
+          <p:style>
+            <a:lnRef idx="2">
+              <a:schemeClr val="accent1">
+                <a:shade val="50000"/>
+              </a:schemeClr>
+            </a:lnRef>
+            <a:fillRef idx="1">
+              <a:schemeClr val="accent1"/>
+            </a:fillRef>
+            <a:effectRef idx="0">
+              <a:schemeClr val="accent1"/>
+            </a:effectRef>
+            <a:fontRef idx="minor">
+              <a:schemeClr val="lt1"/>
+            </a:fontRef>
+          </p:style>
+          <p:txBody>
+            <a:bodyPr rtlCol="0" anchor="ctr"/>
+            <a:lstStyle/>
+            <a:p>
+              <a:pPr algn="ctr"/>
+              <a:endParaRPr lang="en-US"/>
+            </a:p>
+          </p:txBody>
+        </p:sp>
+        <p:sp>
+          <p:nvSpPr>
+            <p:cNvPr id="20" name="Freeform 19">
+              <a:extLst>
+                <a:ext uri="{FF2B5EF4-FFF2-40B4-BE49-F238E27FC236}">
+                  <a16:creationId xmlns:a16="http://schemas.microsoft.com/office/drawing/2014/main" id="{8B06AD50-7EA7-4646-9049-95272EB47BD9}"/>
+                </a:ext>
+              </a:extLst>
+            </p:cNvPr>
+            <p:cNvSpPr/>
+            <p:nvPr/>
+          </p:nvSpPr>
+          <p:spPr>
+            <a:xfrm>
+              <a:off x="9493709" y="2301636"/>
+              <a:ext cx="781664" cy="752168"/>
+            </a:xfrm>
+            <a:custGeom>
+              <a:avLst/>
+              <a:gdLst>
+                <a:gd name="connsiteX0" fmla="*/ 678425 w 781664"/>
+                <a:gd name="connsiteY0" fmla="*/ 0 h 752168"/>
+                <a:gd name="connsiteX1" fmla="*/ 294967 w 781664"/>
+                <a:gd name="connsiteY1" fmla="*/ 442451 h 752168"/>
+                <a:gd name="connsiteX2" fmla="*/ 0 w 781664"/>
+                <a:gd name="connsiteY2" fmla="*/ 427703 h 752168"/>
+                <a:gd name="connsiteX3" fmla="*/ 398206 w 781664"/>
+                <a:gd name="connsiteY3" fmla="*/ 752168 h 752168"/>
+                <a:gd name="connsiteX4" fmla="*/ 398206 w 781664"/>
+                <a:gd name="connsiteY4" fmla="*/ 545690 h 752168"/>
+                <a:gd name="connsiteX5" fmla="*/ 781664 w 781664"/>
+                <a:gd name="connsiteY5" fmla="*/ 103239 h 752168"/>
+                <a:gd name="connsiteX6" fmla="*/ 678425 w 781664"/>
+                <a:gd name="connsiteY6" fmla="*/ 0 h 752168"/>
+              </a:gdLst>
+              <a:ahLst/>
+              <a:cxnLst>
+                <a:cxn ang="0">
+                  <a:pos x="connsiteX0" y="connsiteY0"/>
+                </a:cxn>
+                <a:cxn ang="0">
+                  <a:pos x="connsiteX1" y="connsiteY1"/>
+                </a:cxn>
+                <a:cxn ang="0">
+                  <a:pos x="connsiteX2" y="connsiteY2"/>
+                </a:cxn>
+                <a:cxn ang="0">
+                  <a:pos x="connsiteX3" y="connsiteY3"/>
+                </a:cxn>
+                <a:cxn ang="0">
+                  <a:pos x="connsiteX4" y="connsiteY4"/>
+                </a:cxn>
+                <a:cxn ang="0">
+                  <a:pos x="connsiteX5" y="connsiteY5"/>
+                </a:cxn>
+                <a:cxn ang="0">
+                  <a:pos x="connsiteX6" y="connsiteY6"/>
+                </a:cxn>
+              </a:cxnLst>
+              <a:rect l="l" t="t" r="r" b="b"/>
+              <a:pathLst>
+                <a:path w="781664" h="752168">
+                  <a:moveTo>
+                    <a:pt x="678425" y="0"/>
+                  </a:moveTo>
+                  <a:lnTo>
+                    <a:pt x="294967" y="442451"/>
+                  </a:lnTo>
+                  <a:lnTo>
+                    <a:pt x="0" y="427703"/>
+                  </a:lnTo>
+                  <a:lnTo>
+                    <a:pt x="398206" y="752168"/>
+                  </a:lnTo>
+                  <a:lnTo>
+                    <a:pt x="398206" y="545690"/>
+                  </a:lnTo>
+                  <a:lnTo>
+                    <a:pt x="781664" y="103239"/>
+                  </a:lnTo>
+                  <a:lnTo>
+                    <a:pt x="678425" y="0"/>
+                  </a:lnTo>
+                  <a:close/>
+                </a:path>
+              </a:pathLst>
+            </a:custGeom>
+            <a:solidFill>
+              <a:schemeClr val="bg1"/>
+            </a:solidFill>
+            <a:ln w="19050">
+              <a:solidFill>
+                <a:srgbClr val="FF0000"/>
+              </a:solidFill>
+            </a:ln>
+          </p:spPr>
+          <p:style>
+            <a:lnRef idx="2">
+              <a:schemeClr val="accent1">
+                <a:shade val="50000"/>
+              </a:schemeClr>
+            </a:lnRef>
+            <a:fillRef idx="1">
+              <a:schemeClr val="accent1"/>
+            </a:fillRef>
+            <a:effectRef idx="0">
+              <a:schemeClr val="accent1"/>
+            </a:effectRef>
+            <a:fontRef idx="minor">
+              <a:schemeClr val="lt1"/>
+            </a:fontRef>
+          </p:style>
+          <p:txBody>
+            <a:bodyPr rtlCol="0" anchor="ctr"/>
+            <a:lstStyle/>
+            <a:p>
+              <a:pPr algn="ctr"/>
+              <a:endParaRPr lang="en-US"/>
+            </a:p>
+          </p:txBody>
+        </p:sp>
+        <p:sp>
+          <p:nvSpPr>
+            <p:cNvPr id="21" name="TextBox 20">
+              <a:extLst>
+                <a:ext uri="{FF2B5EF4-FFF2-40B4-BE49-F238E27FC236}">
+                  <a16:creationId xmlns:a16="http://schemas.microsoft.com/office/drawing/2014/main" id="{DAEA6978-A70D-A24E-A4EC-405C4CE6715C}"/>
+                </a:ext>
+              </a:extLst>
+            </p:cNvPr>
+            <p:cNvSpPr txBox="1"/>
+            <p:nvPr/>
+          </p:nvSpPr>
+          <p:spPr>
+            <a:xfrm>
+              <a:off x="8399594" y="2816566"/>
+              <a:ext cx="1193800" cy="307208"/>
+            </a:xfrm>
+            <a:prstGeom prst="rect">
+              <a:avLst/>
+            </a:prstGeom>
+            <a:noFill/>
+          </p:spPr>
+          <p:txBody>
+            <a:bodyPr wrap="square" rtlCol="0">
+              <a:spAutoFit/>
+            </a:bodyPr>
+            <a:lstStyle/>
+            <a:p>
+              <a:r>
+                <a:rPr lang="en-US" sz="1200" dirty="0">
+                  <a:latin typeface="Avenir Book" panose="02000503020000020003" pitchFamily="2" charset="0"/>
+                </a:rPr>
+                <a:t>ADP + Pi</a:t>
+              </a:r>
+            </a:p>
+          </p:txBody>
+        </p:sp>
+        <p:sp>
+          <p:nvSpPr>
+            <p:cNvPr id="22" name="TextBox 21">
+              <a:extLst>
+                <a:ext uri="{FF2B5EF4-FFF2-40B4-BE49-F238E27FC236}">
+                  <a16:creationId xmlns:a16="http://schemas.microsoft.com/office/drawing/2014/main" id="{AB93DB65-EB63-C64E-ABC8-287553E997B0}"/>
+                </a:ext>
+              </a:extLst>
+            </p:cNvPr>
+            <p:cNvSpPr txBox="1"/>
+            <p:nvPr/>
+          </p:nvSpPr>
+          <p:spPr>
+            <a:xfrm>
+              <a:off x="9332515" y="3436753"/>
+              <a:ext cx="1186746" cy="307208"/>
+            </a:xfrm>
+            <a:prstGeom prst="rect">
+              <a:avLst/>
+            </a:prstGeom>
+            <a:noFill/>
+          </p:spPr>
+          <p:txBody>
+            <a:bodyPr wrap="square" rtlCol="0">
+              <a:spAutoFit/>
+            </a:bodyPr>
+            <a:lstStyle/>
+            <a:p>
+              <a:r>
+                <a:rPr lang="en-US" sz="1200" dirty="0">
+                  <a:latin typeface="Avenir Book" panose="02000503020000020003" pitchFamily="2" charset="0"/>
+                </a:rPr>
+                <a:t>ATP + H</a:t>
+              </a:r>
+              <a:r>
+                <a:rPr lang="en-US" sz="1200" baseline="-25000" dirty="0">
+                  <a:latin typeface="Avenir Book" panose="02000503020000020003" pitchFamily="2" charset="0"/>
+                </a:rPr>
+                <a:t>2</a:t>
+              </a:r>
+              <a:r>
+                <a:rPr lang="en-US" sz="1200" dirty="0">
+                  <a:latin typeface="Avenir Book" panose="02000503020000020003" pitchFamily="2" charset="0"/>
+                </a:rPr>
+                <a:t>0</a:t>
+              </a:r>
+            </a:p>
+          </p:txBody>
+        </p:sp>
+        <p:cxnSp>
+          <p:nvCxnSpPr>
+            <p:cNvPr id="23" name="Curved Connector 22">
+              <a:extLst>
+                <a:ext uri="{FF2B5EF4-FFF2-40B4-BE49-F238E27FC236}">
+                  <a16:creationId xmlns:a16="http://schemas.microsoft.com/office/drawing/2014/main" id="{559BBF82-01A1-2041-BFC3-D3347E00082D}"/>
+                </a:ext>
+              </a:extLst>
+            </p:cNvPr>
+            <p:cNvCxnSpPr>
+              <a:cxnSpLocks/>
+              <a:endCxn id="22" idx="0"/>
+            </p:cNvCxnSpPr>
+            <p:nvPr/>
+          </p:nvCxnSpPr>
+          <p:spPr>
+            <a:xfrm>
+              <a:off x="9332515" y="2985843"/>
+              <a:ext cx="593373" cy="450910"/>
+            </a:xfrm>
+            <a:prstGeom prst="curvedConnector2">
+              <a:avLst/>
+            </a:prstGeom>
+            <a:ln>
+              <a:tailEnd type="triangle"/>
+            </a:ln>
+          </p:spPr>
+          <p:style>
+            <a:lnRef idx="1">
+              <a:schemeClr val="dk1"/>
+            </a:lnRef>
+            <a:fillRef idx="0">
+              <a:schemeClr val="dk1"/>
+            </a:fillRef>
+            <a:effectRef idx="0">
+              <a:schemeClr val="dk1"/>
+            </a:effectRef>
+            <a:fontRef idx="minor">
+              <a:schemeClr val="tx1"/>
+            </a:fontRef>
+          </p:style>
+        </p:cxnSp>
+        <p:cxnSp>
+          <p:nvCxnSpPr>
+            <p:cNvPr id="24" name="Straight Arrow Connector 23">
+              <a:extLst>
+                <a:ext uri="{FF2B5EF4-FFF2-40B4-BE49-F238E27FC236}">
+                  <a16:creationId xmlns:a16="http://schemas.microsoft.com/office/drawing/2014/main" id="{B0BF32D1-3723-E445-A880-856AB94833A6}"/>
+                </a:ext>
+              </a:extLst>
+            </p:cNvPr>
+            <p:cNvCxnSpPr>
+              <a:cxnSpLocks/>
+            </p:cNvCxnSpPr>
+            <p:nvPr/>
+          </p:nvCxnSpPr>
+          <p:spPr>
+            <a:xfrm flipH="1">
+              <a:off x="9249822" y="2029242"/>
+              <a:ext cx="1269439" cy="1392005"/>
+            </a:xfrm>
+            <a:prstGeom prst="straightConnector1">
+              <a:avLst/>
+            </a:prstGeom>
+            <a:ln>
+              <a:tailEnd type="triangle"/>
+            </a:ln>
+          </p:spPr>
+          <p:style>
+            <a:lnRef idx="1">
+              <a:schemeClr val="dk1"/>
+            </a:lnRef>
+            <a:fillRef idx="0">
+              <a:schemeClr val="dk1"/>
+            </a:fillRef>
+            <a:effectRef idx="0">
+              <a:schemeClr val="dk1"/>
+            </a:effectRef>
+            <a:fontRef idx="minor">
+              <a:schemeClr val="tx1"/>
+            </a:fontRef>
+          </p:style>
+        </p:cxnSp>
+        <p:sp>
+          <p:nvSpPr>
+            <p:cNvPr id="25" name="TextBox 24">
+              <a:extLst>
+                <a:ext uri="{FF2B5EF4-FFF2-40B4-BE49-F238E27FC236}">
+                  <a16:creationId xmlns:a16="http://schemas.microsoft.com/office/drawing/2014/main" id="{F78140EA-46C1-EE44-B006-B294D906B91C}"/>
+                </a:ext>
+              </a:extLst>
+            </p:cNvPr>
+            <p:cNvSpPr txBox="1"/>
+            <p:nvPr/>
+          </p:nvSpPr>
+          <p:spPr>
+            <a:xfrm>
+              <a:off x="10519261" y="1782646"/>
+              <a:ext cx="548532" cy="346307"/>
+            </a:xfrm>
+            <a:prstGeom prst="rect">
+              <a:avLst/>
+            </a:prstGeom>
+            <a:noFill/>
+          </p:spPr>
+          <p:txBody>
+            <a:bodyPr wrap="square" rtlCol="0">
+              <a:spAutoFit/>
+            </a:bodyPr>
+            <a:lstStyle/>
+            <a:p>
+              <a:r>
+                <a:rPr lang="en-US" sz="1600" dirty="0">
+                  <a:latin typeface="Avenir Book" panose="02000503020000020003" pitchFamily="2" charset="0"/>
+                </a:rPr>
+                <a:t>H</a:t>
+              </a:r>
+              <a:r>
+                <a:rPr lang="en-US" sz="1600" baseline="30000" dirty="0">
+                  <a:latin typeface="Avenir Book" panose="02000503020000020003" pitchFamily="2" charset="0"/>
+                </a:rPr>
+                <a:t>+</a:t>
+              </a:r>
+              <a:endParaRPr lang="en-US" sz="1600" dirty="0">
+                <a:latin typeface="Avenir Book" panose="02000503020000020003" pitchFamily="2" charset="0"/>
+              </a:endParaRPr>
+            </a:p>
+          </p:txBody>
+        </p:sp>
+        <p:graphicFrame>
+          <p:nvGraphicFramePr>
+            <p:cNvPr id="26" name="Diagram 25">
+              <a:extLst>
+                <a:ext uri="{FF2B5EF4-FFF2-40B4-BE49-F238E27FC236}">
+                  <a16:creationId xmlns:a16="http://schemas.microsoft.com/office/drawing/2014/main" id="{7F5502FE-363C-9C43-9304-89A3A5BAF41D}"/>
+                </a:ext>
+              </a:extLst>
+            </p:cNvPr>
+            <p:cNvGraphicFramePr/>
+            <p:nvPr/>
+          </p:nvGraphicFramePr>
+          <p:xfrm>
+            <a:off x="7670637" y="3134269"/>
+            <a:ext cx="1225550" cy="1180476"/>
+          </p:xfrm>
+          <a:graphic>
+            <a:graphicData uri="http://schemas.openxmlformats.org/drawingml/2006/diagram">
+              <dgm:relIds xmlns:dgm="http://schemas.openxmlformats.org/drawingml/2006/diagram" xmlns:r="http://schemas.openxmlformats.org/officeDocument/2006/relationships" r:dm="rId5" r:lo="rId6" r:qs="rId7" r:cs="rId8"/>
+            </a:graphicData>
+          </a:graphic>
+        </p:graphicFrame>
+        <p:sp>
+          <p:nvSpPr>
+            <p:cNvPr id="27" name="TextBox 26">
+              <a:extLst>
+                <a:ext uri="{FF2B5EF4-FFF2-40B4-BE49-F238E27FC236}">
+                  <a16:creationId xmlns:a16="http://schemas.microsoft.com/office/drawing/2014/main" id="{BB2AB0E8-6363-B344-B824-D8E1F8C0C9C9}"/>
+                </a:ext>
+              </a:extLst>
+            </p:cNvPr>
+            <p:cNvSpPr txBox="1"/>
+            <p:nvPr/>
+          </p:nvSpPr>
+          <p:spPr>
+            <a:xfrm>
+              <a:off x="7975436" y="3612707"/>
+              <a:ext cx="1016000" cy="307208"/>
+            </a:xfrm>
+            <a:prstGeom prst="rect">
+              <a:avLst/>
+            </a:prstGeom>
+            <a:noFill/>
+          </p:spPr>
+          <p:txBody>
+            <a:bodyPr wrap="square" rtlCol="0">
+              <a:spAutoFit/>
+            </a:bodyPr>
+            <a:lstStyle/>
+            <a:p>
+              <a:r>
+                <a:rPr lang="en-US" sz="1200" dirty="0">
+                  <a:latin typeface="Avenir Book" panose="02000503020000020003" pitchFamily="2" charset="0"/>
+                </a:rPr>
+                <a:t>TX/TL</a:t>
+              </a:r>
+            </a:p>
+          </p:txBody>
+        </p:sp>
+        <p:cxnSp>
+          <p:nvCxnSpPr>
+            <p:cNvPr id="28" name="Curved Connector 27">
+              <a:extLst>
+                <a:ext uri="{FF2B5EF4-FFF2-40B4-BE49-F238E27FC236}">
+                  <a16:creationId xmlns:a16="http://schemas.microsoft.com/office/drawing/2014/main" id="{24106374-26E9-5A45-8848-4524B2524937}"/>
+                </a:ext>
+              </a:extLst>
+            </p:cNvPr>
+            <p:cNvCxnSpPr>
+              <a:cxnSpLocks/>
+            </p:cNvCxnSpPr>
+            <p:nvPr/>
+          </p:nvCxnSpPr>
+          <p:spPr>
+            <a:xfrm rot="5400000" flipH="1" flipV="1">
+              <a:off x="8019226" y="3017639"/>
+              <a:ext cx="478438" cy="382691"/>
+            </a:xfrm>
+            <a:prstGeom prst="curvedConnector3">
+              <a:avLst>
+                <a:gd name="adj1" fmla="val 93157"/>
+              </a:avLst>
+            </a:prstGeom>
+            <a:ln>
+              <a:tailEnd type="triangle"/>
+            </a:ln>
+          </p:spPr>
+          <p:style>
+            <a:lnRef idx="1">
+              <a:schemeClr val="dk1"/>
+            </a:lnRef>
+            <a:fillRef idx="0">
+              <a:schemeClr val="dk1"/>
+            </a:fillRef>
+            <a:effectRef idx="0">
+              <a:schemeClr val="dk1"/>
+            </a:effectRef>
+            <a:fontRef idx="minor">
+              <a:schemeClr val="tx1"/>
+            </a:fontRef>
+          </p:style>
+        </p:cxnSp>
+        <p:cxnSp>
+          <p:nvCxnSpPr>
+            <p:cNvPr id="29" name="Curved Connector 28">
+              <a:extLst>
+                <a:ext uri="{FF2B5EF4-FFF2-40B4-BE49-F238E27FC236}">
+                  <a16:creationId xmlns:a16="http://schemas.microsoft.com/office/drawing/2014/main" id="{63D0D10E-0AA6-6E44-8E09-59896082C8DB}"/>
+                </a:ext>
+              </a:extLst>
+            </p:cNvPr>
+            <p:cNvCxnSpPr>
+              <a:cxnSpLocks/>
+            </p:cNvCxnSpPr>
+            <p:nvPr/>
+          </p:nvCxnSpPr>
+          <p:spPr>
+            <a:xfrm rot="10800000" flipV="1">
+              <a:off x="8532940" y="3714080"/>
+              <a:ext cx="1060456" cy="152300"/>
+            </a:xfrm>
+            <a:prstGeom prst="curvedConnector3">
+              <a:avLst>
+                <a:gd name="adj1" fmla="val -4240"/>
+              </a:avLst>
+            </a:prstGeom>
+            <a:ln>
+              <a:tailEnd type="triangle"/>
+            </a:ln>
+          </p:spPr>
+          <p:style>
+            <a:lnRef idx="1">
+              <a:schemeClr val="dk1"/>
+            </a:lnRef>
+            <a:fillRef idx="0">
+              <a:schemeClr val="dk1"/>
+            </a:fillRef>
+            <a:effectRef idx="0">
+              <a:schemeClr val="dk1"/>
+            </a:effectRef>
+            <a:fontRef idx="minor">
+              <a:schemeClr val="tx1"/>
+            </a:fontRef>
+          </p:style>
+        </p:cxnSp>
+      </p:grpSp>
+      <p:pic>
+        <p:nvPicPr>
+          <p:cNvPr id="31" name="Picture 30" descr="A picture containing drawing&#10;&#10;Description automatically generated">
+            <a:extLst>
+              <a:ext uri="{FF2B5EF4-FFF2-40B4-BE49-F238E27FC236}">
+                <a16:creationId xmlns:a16="http://schemas.microsoft.com/office/drawing/2014/main" id="{9AD7B1B5-3576-9242-AA6E-B2832441E740}"/>
+              </a:ext>
+            </a:extLst>
+          </p:cNvPr>
+          <p:cNvPicPr>
+            <a:picLocks noChangeAspect="1"/>
+          </p:cNvPicPr>
+          <p:nvPr/>
+        </p:nvPicPr>
+        <p:blipFill rotWithShape="1">
+          <a:blip r:embed="rId10"/>
+          <a:srcRect l="245" b="862"/>
+          <a:stretch/>
+        </p:blipFill>
+        <p:spPr>
+          <a:xfrm>
+            <a:off x="34411" y="6560127"/>
+            <a:ext cx="1074881" cy="259080"/>
+          </a:xfrm>
+          <a:prstGeom prst="rect">
+            <a:avLst/>
+          </a:prstGeom>
+        </p:spPr>
+      </p:pic>
+      <p:sp>
+        <p:nvSpPr>
+          <p:cNvPr id="13" name="TextBox 12">
+            <a:extLst>
+              <a:ext uri="{FF2B5EF4-FFF2-40B4-BE49-F238E27FC236}">
+                <a16:creationId xmlns:a16="http://schemas.microsoft.com/office/drawing/2014/main" id="{811435C7-EC17-0F49-9268-E066519B20F2}"/>
+              </a:ext>
+            </a:extLst>
+          </p:cNvPr>
+          <p:cNvSpPr txBox="1"/>
+          <p:nvPr/>
+        </p:nvSpPr>
+        <p:spPr>
+          <a:xfrm>
+            <a:off x="4904509" y="1274777"/>
+            <a:ext cx="311727" cy="369332"/>
+          </a:xfrm>
+          <a:prstGeom prst="rect">
+            <a:avLst/>
+          </a:prstGeom>
+          <a:solidFill>
+            <a:schemeClr val="bg1"/>
+          </a:solidFill>
+        </p:spPr>
+        <p:txBody>
+          <a:bodyPr wrap="square" rtlCol="0">
+            <a:spAutoFit/>
+          </a:bodyPr>
+          <a:lstStyle/>
+          <a:p>
+            <a:endParaRPr lang="en-US" dirty="0"/>
+          </a:p>
+        </p:txBody>
+      </p:sp>
+      <p:sp>
+        <p:nvSpPr>
+          <p:cNvPr id="33" name="TextBox 32">
+            <a:extLst>
+              <a:ext uri="{FF2B5EF4-FFF2-40B4-BE49-F238E27FC236}">
+                <a16:creationId xmlns:a16="http://schemas.microsoft.com/office/drawing/2014/main" id="{B69FF33B-B9D9-2040-B4A7-9FA84060FF89}"/>
+              </a:ext>
+            </a:extLst>
+          </p:cNvPr>
+          <p:cNvSpPr txBox="1"/>
+          <p:nvPr/>
+        </p:nvSpPr>
+        <p:spPr>
+          <a:xfrm>
+            <a:off x="1105540" y="6628685"/>
+            <a:ext cx="2222083" cy="261610"/>
+          </a:xfrm>
+          <a:prstGeom prst="rect">
+            <a:avLst/>
+          </a:prstGeom>
+          <a:noFill/>
+        </p:spPr>
+        <p:txBody>
+          <a:bodyPr wrap="none" rtlCol="0">
+            <a:spAutoFit/>
+          </a:bodyPr>
+          <a:lstStyle/>
+          <a:p>
+            <a:r>
+              <a:rPr lang="en-US" sz="1100" dirty="0">
+                <a:latin typeface="Avenir Book" panose="02000503020000020003" pitchFamily="2" charset="0"/>
+              </a:rPr>
+              <a:t>Ankita Roychoudhury 8.17.2020</a:t>
+            </a:r>
+          </a:p>
+        </p:txBody>
+      </p:sp>
+    </p:spTree>
+    <p:extLst>
+      <p:ext uri="{BB962C8B-B14F-4D97-AF65-F5344CB8AC3E}">
+        <p14:creationId xmlns:p14="http://schemas.microsoft.com/office/powerpoint/2010/main" val="4218482327"/>
+      </p:ext>
+    </p:extLst>
+  </p:cSld>
+  <p:clrMapOvr>
+    <a:masterClrMapping/>
+  </p:clrMapOvr>
+</p:sld>
+</file>
+
+<file path=ppt/slides/slide5.xml><?xml version="1.0" encoding="utf-8"?>
+<p:sld xmlns:a="http://schemas.openxmlformats.org/drawingml/2006/main" xmlns:r="http://schemas.openxmlformats.org/officeDocument/2006/relationships" xmlns:p="http://schemas.openxmlformats.org/presentationml/2006/main">
+  <p:cSld>
+    <p:spTree>
+      <p:nvGrpSpPr>
+        <p:cNvPr id="1" name=""/>
+        <p:cNvGrpSpPr/>
+        <p:nvPr/>
+      </p:nvGrpSpPr>
+      <p:grpSpPr>
+        <a:xfrm>
+          <a:off x="0" y="0"/>
+          <a:ext cx="0" cy="0"/>
+          <a:chOff x="0" y="0"/>
+          <a:chExt cx="0" cy="0"/>
+        </a:xfrm>
+      </p:grpSpPr>
+      <p:sp>
+        <p:nvSpPr>
+          <p:cNvPr id="2" name="Title 1">
+            <a:extLst>
+              <a:ext uri="{FF2B5EF4-FFF2-40B4-BE49-F238E27FC236}">
+                <a16:creationId xmlns:a16="http://schemas.microsoft.com/office/drawing/2014/main" id="{373BA270-29C6-2541-9E9B-2C6547497111}"/>
+              </a:ext>
+            </a:extLst>
+          </p:cNvPr>
+          <p:cNvSpPr>
+            <a:spLocks noGrp="1"/>
+          </p:cNvSpPr>
+          <p:nvPr>
+            <p:ph type="title"/>
+          </p:nvPr>
+        </p:nvSpPr>
+        <p:spPr>
+          <a:xfrm>
+            <a:off x="596897" y="314203"/>
+            <a:ext cx="10515600" cy="1325563"/>
+          </a:xfrm>
+        </p:spPr>
+        <p:txBody>
+          <a:bodyPr>
+            <a:normAutofit/>
+          </a:bodyPr>
+          <a:lstStyle/>
+          <a:p>
+            <a:r>
+              <a:rPr lang="en-US" sz="3200" b="1" dirty="0"/>
+              <a:t>Roadmap</a:t>
+            </a:r>
+          </a:p>
+        </p:txBody>
+      </p:sp>
+      <p:grpSp>
+        <p:nvGrpSpPr>
+          <p:cNvPr id="71" name="Group 70">
+            <a:extLst>
+              <a:ext uri="{FF2B5EF4-FFF2-40B4-BE49-F238E27FC236}">
+                <a16:creationId xmlns:a16="http://schemas.microsoft.com/office/drawing/2014/main" id="{3635B9FF-DBDE-FE4B-A177-09830D39F901}"/>
+              </a:ext>
+            </a:extLst>
+          </p:cNvPr>
+          <p:cNvGrpSpPr/>
+          <p:nvPr/>
+        </p:nvGrpSpPr>
+        <p:grpSpPr>
+          <a:xfrm>
+            <a:off x="114300" y="2359535"/>
+            <a:ext cx="11821762" cy="3360222"/>
+            <a:chOff x="114300" y="2359535"/>
+            <a:chExt cx="11821762" cy="3360222"/>
+          </a:xfrm>
+        </p:grpSpPr>
+        <p:cxnSp>
+          <p:nvCxnSpPr>
+            <p:cNvPr id="6" name="Straight Arrow Connector 5">
+              <a:extLst>
+                <a:ext uri="{FF2B5EF4-FFF2-40B4-BE49-F238E27FC236}">
+                  <a16:creationId xmlns:a16="http://schemas.microsoft.com/office/drawing/2014/main" id="{EF6F3BC4-F6CF-1346-902A-2551BB2B7B2F}"/>
+                </a:ext>
+              </a:extLst>
+            </p:cNvPr>
+            <p:cNvCxnSpPr>
+              <a:cxnSpLocks/>
+            </p:cNvCxnSpPr>
+            <p:nvPr/>
+          </p:nvCxnSpPr>
+          <p:spPr>
+            <a:xfrm>
+              <a:off x="179737" y="3937644"/>
+              <a:ext cx="11756325" cy="0"/>
+            </a:xfrm>
+            <a:prstGeom prst="straightConnector1">
+              <a:avLst/>
+            </a:prstGeom>
+            <a:ln w="38100">
+              <a:tailEnd type="triangle"/>
+            </a:ln>
+          </p:spPr>
+          <p:style>
+            <a:lnRef idx="1">
+              <a:schemeClr val="dk1"/>
+            </a:lnRef>
+            <a:fillRef idx="0">
+              <a:schemeClr val="dk1"/>
+            </a:fillRef>
+            <a:effectRef idx="0">
+              <a:schemeClr val="dk1"/>
+            </a:effectRef>
+            <a:fontRef idx="minor">
+              <a:schemeClr val="tx1"/>
+            </a:fontRef>
+          </p:style>
+        </p:cxnSp>
+        <p:sp>
+          <p:nvSpPr>
+            <p:cNvPr id="7" name="TextBox 6">
+              <a:extLst>
+                <a:ext uri="{FF2B5EF4-FFF2-40B4-BE49-F238E27FC236}">
+                  <a16:creationId xmlns:a16="http://schemas.microsoft.com/office/drawing/2014/main" id="{7B9A96EE-6BA3-BD4A-9EDC-14DED3D0A61F}"/>
+                </a:ext>
+              </a:extLst>
+            </p:cNvPr>
+            <p:cNvSpPr txBox="1"/>
+            <p:nvPr/>
+          </p:nvSpPr>
+          <p:spPr>
+            <a:xfrm>
+              <a:off x="114300" y="2359535"/>
+              <a:ext cx="1625600" cy="923330"/>
+            </a:xfrm>
+            <a:prstGeom prst="rect">
+              <a:avLst/>
+            </a:prstGeom>
+            <a:noFill/>
+          </p:spPr>
+          <p:txBody>
+            <a:bodyPr wrap="square" rtlCol="0">
+              <a:spAutoFit/>
+            </a:bodyPr>
+            <a:lstStyle/>
+            <a:p>
+              <a:r>
+                <a:rPr lang="en-US" dirty="0">
+                  <a:latin typeface="Avenir Book" panose="02000503020000020003" pitchFamily="2" charset="0"/>
+                </a:rPr>
+                <a:t>Model entire rheostat in </a:t>
+              </a:r>
+              <a:r>
+                <a:rPr lang="en-US" dirty="0" err="1">
+                  <a:latin typeface="Avenir Book" panose="02000503020000020003" pitchFamily="2" charset="0"/>
+                </a:rPr>
+                <a:t>BioCRNPyler</a:t>
+              </a:r>
+              <a:endParaRPr lang="en-US" dirty="0">
+                <a:latin typeface="Avenir Book" panose="02000503020000020003" pitchFamily="2" charset="0"/>
+              </a:endParaRPr>
+            </a:p>
+          </p:txBody>
+        </p:sp>
+        <p:sp>
+          <p:nvSpPr>
+            <p:cNvPr id="8" name="TextBox 7">
+              <a:extLst>
+                <a:ext uri="{FF2B5EF4-FFF2-40B4-BE49-F238E27FC236}">
+                  <a16:creationId xmlns:a16="http://schemas.microsoft.com/office/drawing/2014/main" id="{1206918A-D84C-A840-96C9-F8115A66537E}"/>
+                </a:ext>
+              </a:extLst>
+            </p:cNvPr>
+            <p:cNvSpPr txBox="1"/>
+            <p:nvPr/>
+          </p:nvSpPr>
+          <p:spPr>
+            <a:xfrm>
+              <a:off x="1670050" y="4519428"/>
+              <a:ext cx="2552700" cy="1200329"/>
+            </a:xfrm>
+            <a:prstGeom prst="rect">
+              <a:avLst/>
+            </a:prstGeom>
+            <a:noFill/>
+          </p:spPr>
+          <p:txBody>
+            <a:bodyPr wrap="square" rtlCol="0">
+              <a:spAutoFit/>
+            </a:bodyPr>
+            <a:lstStyle/>
+            <a:p>
+              <a:r>
+                <a:rPr lang="en-US" dirty="0">
+                  <a:latin typeface="Avenir Book" panose="02000503020000020003" pitchFamily="2" charset="0"/>
+                </a:rPr>
+                <a:t>Parameter experimentation to understand pathway and optimize</a:t>
+              </a:r>
+            </a:p>
+          </p:txBody>
+        </p:sp>
+        <p:sp>
+          <p:nvSpPr>
+            <p:cNvPr id="9" name="TextBox 8">
+              <a:extLst>
+                <a:ext uri="{FF2B5EF4-FFF2-40B4-BE49-F238E27FC236}">
+                  <a16:creationId xmlns:a16="http://schemas.microsoft.com/office/drawing/2014/main" id="{4FE11F7A-E246-D64E-B431-AA5B3741D0C4}"/>
+                </a:ext>
+              </a:extLst>
+            </p:cNvPr>
+            <p:cNvSpPr txBox="1"/>
+            <p:nvPr/>
+          </p:nvSpPr>
+          <p:spPr>
+            <a:xfrm>
+              <a:off x="3689350" y="2379067"/>
+              <a:ext cx="2552700" cy="923330"/>
+            </a:xfrm>
+            <a:prstGeom prst="rect">
+              <a:avLst/>
+            </a:prstGeom>
+            <a:noFill/>
+          </p:spPr>
+          <p:txBody>
+            <a:bodyPr wrap="square" rtlCol="0">
+              <a:spAutoFit/>
+            </a:bodyPr>
+            <a:lstStyle/>
+            <a:p>
+              <a:r>
+                <a:rPr lang="en-US" dirty="0">
+                  <a:latin typeface="Avenir Book" panose="02000503020000020003" pitchFamily="2" charset="0"/>
+                </a:rPr>
+                <a:t>Investigate reduced (</a:t>
+              </a:r>
+              <a:r>
+                <a:rPr lang="en-US" dirty="0" err="1">
+                  <a:latin typeface="Avenir Book" panose="02000503020000020003" pitchFamily="2" charset="0"/>
+                </a:rPr>
+                <a:t>autoReduce</a:t>
+              </a:r>
+              <a:r>
+                <a:rPr lang="en-US" dirty="0">
+                  <a:latin typeface="Avenir Book" panose="02000503020000020003" pitchFamily="2" charset="0"/>
+                </a:rPr>
+                <a:t>) and minimal models</a:t>
+              </a:r>
+            </a:p>
+          </p:txBody>
+        </p:sp>
+        <p:sp>
+          <p:nvSpPr>
+            <p:cNvPr id="10" name="TextBox 9">
+              <a:extLst>
+                <a:ext uri="{FF2B5EF4-FFF2-40B4-BE49-F238E27FC236}">
+                  <a16:creationId xmlns:a16="http://schemas.microsoft.com/office/drawing/2014/main" id="{E4DB743C-2AF3-1840-A3C8-13F28233B403}"/>
+                </a:ext>
+              </a:extLst>
+            </p:cNvPr>
+            <p:cNvSpPr txBox="1"/>
+            <p:nvPr/>
+          </p:nvSpPr>
+          <p:spPr>
+            <a:xfrm>
+              <a:off x="5708650" y="4519428"/>
+              <a:ext cx="2552700" cy="646331"/>
+            </a:xfrm>
+            <a:prstGeom prst="rect">
+              <a:avLst/>
+            </a:prstGeom>
+            <a:noFill/>
+          </p:spPr>
+          <p:txBody>
+            <a:bodyPr wrap="square" rtlCol="0">
+              <a:spAutoFit/>
+            </a:bodyPr>
+            <a:lstStyle/>
+            <a:p>
+              <a:r>
+                <a:rPr lang="en-US" dirty="0">
+                  <a:latin typeface="Avenir Book" panose="02000503020000020003" pitchFamily="2" charset="0"/>
+                </a:rPr>
+                <a:t>Collaborate with other projects</a:t>
+              </a:r>
+            </a:p>
+          </p:txBody>
+        </p:sp>
+        <p:sp>
+          <p:nvSpPr>
+            <p:cNvPr id="11" name="TextBox 10">
+              <a:extLst>
+                <a:ext uri="{FF2B5EF4-FFF2-40B4-BE49-F238E27FC236}">
+                  <a16:creationId xmlns:a16="http://schemas.microsoft.com/office/drawing/2014/main" id="{9846998A-B02C-5B44-9380-E005251DFC2E}"/>
+                </a:ext>
+              </a:extLst>
+            </p:cNvPr>
+            <p:cNvSpPr txBox="1"/>
+            <p:nvPr/>
+          </p:nvSpPr>
+          <p:spPr>
+            <a:xfrm>
+              <a:off x="7727949" y="2375302"/>
+              <a:ext cx="2552700" cy="646331"/>
+            </a:xfrm>
+            <a:prstGeom prst="rect">
+              <a:avLst/>
+            </a:prstGeom>
+            <a:noFill/>
+          </p:spPr>
+          <p:txBody>
+            <a:bodyPr wrap="square" rtlCol="0">
+              <a:spAutoFit/>
+            </a:bodyPr>
+            <a:lstStyle/>
+            <a:p>
+              <a:r>
+                <a:rPr lang="en-US" dirty="0">
+                  <a:latin typeface="Avenir Book" panose="02000503020000020003" pitchFamily="2" charset="0"/>
+                </a:rPr>
+                <a:t>Study an ATP Synthase Model</a:t>
+              </a:r>
+            </a:p>
+          </p:txBody>
+        </p:sp>
+        <p:sp>
+          <p:nvSpPr>
+            <p:cNvPr id="15" name="Oval 14">
+              <a:extLst>
+                <a:ext uri="{FF2B5EF4-FFF2-40B4-BE49-F238E27FC236}">
+                  <a16:creationId xmlns:a16="http://schemas.microsoft.com/office/drawing/2014/main" id="{09EBEAB6-9081-1542-983A-3406A50E82C5}"/>
+                </a:ext>
+              </a:extLst>
+            </p:cNvPr>
+            <p:cNvSpPr/>
+            <p:nvPr/>
+          </p:nvSpPr>
+          <p:spPr>
+            <a:xfrm>
+              <a:off x="831850" y="3849066"/>
+              <a:ext cx="190500" cy="202554"/>
+            </a:xfrm>
+            <a:prstGeom prst="ellipse">
+              <a:avLst/>
+            </a:prstGeom>
+            <a:solidFill>
+              <a:srgbClr val="00A64F"/>
+            </a:solidFill>
+            <a:ln>
+              <a:solidFill>
+                <a:schemeClr val="tx1"/>
+              </a:solidFill>
+            </a:ln>
+          </p:spPr>
+          <p:style>
+            <a:lnRef idx="2">
+              <a:schemeClr val="dk1">
+                <a:shade val="50000"/>
+              </a:schemeClr>
+            </a:lnRef>
+            <a:fillRef idx="1">
+              <a:schemeClr val="dk1"/>
+            </a:fillRef>
+            <a:effectRef idx="0">
+              <a:schemeClr val="dk1"/>
+            </a:effectRef>
+            <a:fontRef idx="minor">
+              <a:schemeClr val="lt1"/>
+            </a:fontRef>
+          </p:style>
+          <p:txBody>
+            <a:bodyPr rtlCol="0" anchor="ctr"/>
+            <a:lstStyle/>
+            <a:p>
+              <a:pPr algn="ctr"/>
+              <a:endParaRPr lang="en-US"/>
+            </a:p>
+          </p:txBody>
+        </p:sp>
+        <p:sp>
+          <p:nvSpPr>
+            <p:cNvPr id="16" name="Oval 15">
+              <a:extLst>
+                <a:ext uri="{FF2B5EF4-FFF2-40B4-BE49-F238E27FC236}">
+                  <a16:creationId xmlns:a16="http://schemas.microsoft.com/office/drawing/2014/main" id="{0BC854A4-94BB-9F40-AE48-8FB699D9397C}"/>
+                </a:ext>
+              </a:extLst>
+            </p:cNvPr>
+            <p:cNvSpPr/>
+            <p:nvPr/>
+          </p:nvSpPr>
+          <p:spPr>
+            <a:xfrm>
+              <a:off x="2851150" y="3849066"/>
+              <a:ext cx="190500" cy="202554"/>
+            </a:xfrm>
+            <a:prstGeom prst="ellipse">
+              <a:avLst/>
+            </a:prstGeom>
+            <a:solidFill>
+              <a:srgbClr val="00A64F"/>
+            </a:solidFill>
+            <a:ln>
+              <a:solidFill>
+                <a:schemeClr val="tx1"/>
+              </a:solidFill>
+            </a:ln>
+          </p:spPr>
+          <p:style>
+            <a:lnRef idx="2">
+              <a:schemeClr val="dk1">
+                <a:shade val="50000"/>
+              </a:schemeClr>
+            </a:lnRef>
+            <a:fillRef idx="1">
+              <a:schemeClr val="dk1"/>
+            </a:fillRef>
+            <a:effectRef idx="0">
+              <a:schemeClr val="dk1"/>
+            </a:effectRef>
+            <a:fontRef idx="minor">
+              <a:schemeClr val="lt1"/>
+            </a:fontRef>
+          </p:style>
+          <p:txBody>
+            <a:bodyPr rtlCol="0" anchor="ctr"/>
+            <a:lstStyle/>
+            <a:p>
+              <a:pPr algn="ctr"/>
+              <a:endParaRPr lang="en-US"/>
+            </a:p>
+          </p:txBody>
+        </p:sp>
+        <p:sp>
+          <p:nvSpPr>
+            <p:cNvPr id="17" name="Oval 16">
+              <a:extLst>
+                <a:ext uri="{FF2B5EF4-FFF2-40B4-BE49-F238E27FC236}">
+                  <a16:creationId xmlns:a16="http://schemas.microsoft.com/office/drawing/2014/main" id="{7D6E58AB-D4AF-4545-B358-6666F35BC76A}"/>
+                </a:ext>
+              </a:extLst>
+            </p:cNvPr>
+            <p:cNvSpPr/>
+            <p:nvPr/>
+          </p:nvSpPr>
+          <p:spPr>
+            <a:xfrm>
+              <a:off x="4870450" y="3849066"/>
+              <a:ext cx="190500" cy="202554"/>
+            </a:xfrm>
+            <a:prstGeom prst="ellipse">
+              <a:avLst/>
+            </a:prstGeom>
+            <a:solidFill>
+              <a:srgbClr val="00B050"/>
+            </a:solidFill>
+            <a:ln>
+              <a:solidFill>
+                <a:schemeClr val="tx1"/>
+              </a:solidFill>
+            </a:ln>
+          </p:spPr>
+          <p:style>
+            <a:lnRef idx="2">
+              <a:schemeClr val="dk1">
+                <a:shade val="50000"/>
+              </a:schemeClr>
+            </a:lnRef>
+            <a:fillRef idx="1">
+              <a:schemeClr val="dk1"/>
+            </a:fillRef>
+            <a:effectRef idx="0">
+              <a:schemeClr val="dk1"/>
+            </a:effectRef>
+            <a:fontRef idx="minor">
+              <a:schemeClr val="lt1"/>
+            </a:fontRef>
+          </p:style>
+          <p:txBody>
+            <a:bodyPr rtlCol="0" anchor="ctr"/>
+            <a:lstStyle/>
+            <a:p>
+              <a:pPr algn="ctr"/>
+              <a:endParaRPr lang="en-US">
+                <a:solidFill>
+                  <a:srgbClr val="00B050"/>
+                </a:solidFill>
+              </a:endParaRPr>
+            </a:p>
+          </p:txBody>
+        </p:sp>
+        <p:sp>
+          <p:nvSpPr>
+            <p:cNvPr id="18" name="Oval 17">
+              <a:extLst>
+                <a:ext uri="{FF2B5EF4-FFF2-40B4-BE49-F238E27FC236}">
+                  <a16:creationId xmlns:a16="http://schemas.microsoft.com/office/drawing/2014/main" id="{3CAD58BF-44D4-4141-AF5C-F593AD67CE3D}"/>
+                </a:ext>
+              </a:extLst>
+            </p:cNvPr>
+            <p:cNvSpPr/>
+            <p:nvPr/>
+          </p:nvSpPr>
+          <p:spPr>
+            <a:xfrm>
+              <a:off x="6889750" y="3836367"/>
+              <a:ext cx="190500" cy="202554"/>
+            </a:xfrm>
+            <a:prstGeom prst="ellipse">
+              <a:avLst/>
+            </a:prstGeom>
+            <a:solidFill>
+              <a:srgbClr val="00B050"/>
+            </a:solidFill>
+            <a:ln>
+              <a:solidFill>
+                <a:schemeClr val="tx1"/>
+              </a:solidFill>
+            </a:ln>
+          </p:spPr>
+          <p:style>
+            <a:lnRef idx="2">
+              <a:schemeClr val="dk1">
+                <a:shade val="50000"/>
+              </a:schemeClr>
+            </a:lnRef>
+            <a:fillRef idx="1">
+              <a:schemeClr val="dk1"/>
+            </a:fillRef>
+            <a:effectRef idx="0">
+              <a:schemeClr val="dk1"/>
+            </a:effectRef>
+            <a:fontRef idx="minor">
+              <a:schemeClr val="lt1"/>
+            </a:fontRef>
+          </p:style>
+          <p:txBody>
+            <a:bodyPr rtlCol="0" anchor="ctr"/>
+            <a:lstStyle/>
+            <a:p>
+              <a:pPr algn="ctr"/>
+              <a:endParaRPr lang="en-US"/>
+            </a:p>
+          </p:txBody>
+        </p:sp>
+        <p:sp>
+          <p:nvSpPr>
+            <p:cNvPr id="19" name="Oval 18">
+              <a:extLst>
+                <a:ext uri="{FF2B5EF4-FFF2-40B4-BE49-F238E27FC236}">
+                  <a16:creationId xmlns:a16="http://schemas.microsoft.com/office/drawing/2014/main" id="{D787801D-AE3C-F644-9B25-E53CCEBE5486}"/>
+                </a:ext>
+              </a:extLst>
+            </p:cNvPr>
+            <p:cNvSpPr/>
+            <p:nvPr/>
+          </p:nvSpPr>
+          <p:spPr>
+            <a:xfrm>
+              <a:off x="8909050" y="3836367"/>
+              <a:ext cx="190500" cy="202554"/>
+            </a:xfrm>
+            <a:prstGeom prst="ellipse">
+              <a:avLst/>
+            </a:prstGeom>
+            <a:solidFill>
+              <a:srgbClr val="E1AD02"/>
+            </a:solidFill>
+            <a:ln>
+              <a:solidFill>
+                <a:schemeClr val="tx1"/>
+              </a:solidFill>
+            </a:ln>
+          </p:spPr>
+          <p:style>
+            <a:lnRef idx="2">
+              <a:schemeClr val="dk1">
+                <a:shade val="50000"/>
+              </a:schemeClr>
+            </a:lnRef>
+            <a:fillRef idx="1">
+              <a:schemeClr val="dk1"/>
+            </a:fillRef>
+            <a:effectRef idx="0">
+              <a:schemeClr val="dk1"/>
+            </a:effectRef>
+            <a:fontRef idx="minor">
+              <a:schemeClr val="lt1"/>
+            </a:fontRef>
+          </p:style>
+          <p:txBody>
+            <a:bodyPr rtlCol="0" anchor="ctr"/>
+            <a:lstStyle/>
+            <a:p>
+              <a:pPr algn="ctr"/>
+              <a:endParaRPr lang="en-US" dirty="0"/>
+            </a:p>
+          </p:txBody>
+        </p:sp>
+        <p:cxnSp>
+          <p:nvCxnSpPr>
+            <p:cNvPr id="21" name="Straight Arrow Connector 20">
+              <a:extLst>
+                <a:ext uri="{FF2B5EF4-FFF2-40B4-BE49-F238E27FC236}">
+                  <a16:creationId xmlns:a16="http://schemas.microsoft.com/office/drawing/2014/main" id="{7CD7E8B5-8D66-A94B-AAE0-9FA054F91694}"/>
+                </a:ext>
+              </a:extLst>
+            </p:cNvPr>
+            <p:cNvCxnSpPr>
+              <a:cxnSpLocks/>
+              <a:stCxn id="15" idx="0"/>
+              <a:endCxn id="7" idx="2"/>
+            </p:cNvCxnSpPr>
+            <p:nvPr/>
+          </p:nvCxnSpPr>
+          <p:spPr>
+            <a:xfrm flipV="1">
+              <a:off x="927100" y="3282865"/>
+              <a:ext cx="0" cy="566201"/>
+            </a:xfrm>
+            <a:prstGeom prst="straightConnector1">
+              <a:avLst/>
+            </a:prstGeom>
+            <a:ln>
+              <a:tailEnd type="triangle"/>
+            </a:ln>
+          </p:spPr>
+          <p:style>
+            <a:lnRef idx="1">
+              <a:schemeClr val="dk1"/>
+            </a:lnRef>
+            <a:fillRef idx="0">
+              <a:schemeClr val="dk1"/>
+            </a:fillRef>
+            <a:effectRef idx="0">
+              <a:schemeClr val="dk1"/>
+            </a:effectRef>
+            <a:fontRef idx="minor">
+              <a:schemeClr val="tx1"/>
+            </a:fontRef>
+          </p:style>
+        </p:cxnSp>
+        <p:cxnSp>
+          <p:nvCxnSpPr>
+            <p:cNvPr id="24" name="Straight Arrow Connector 23">
+              <a:extLst>
+                <a:ext uri="{FF2B5EF4-FFF2-40B4-BE49-F238E27FC236}">
+                  <a16:creationId xmlns:a16="http://schemas.microsoft.com/office/drawing/2014/main" id="{42C9DCE1-A48C-A845-BF17-2209B7C8012D}"/>
+                </a:ext>
+              </a:extLst>
+            </p:cNvPr>
+            <p:cNvCxnSpPr>
+              <a:cxnSpLocks/>
+              <a:stCxn id="16" idx="4"/>
+              <a:endCxn id="8" idx="0"/>
+            </p:cNvCxnSpPr>
+            <p:nvPr/>
+          </p:nvCxnSpPr>
+          <p:spPr>
+            <a:xfrm>
+              <a:off x="2946400" y="4051620"/>
+              <a:ext cx="0" cy="467808"/>
+            </a:xfrm>
+            <a:prstGeom prst="straightConnector1">
+              <a:avLst/>
+            </a:prstGeom>
+            <a:ln>
+              <a:tailEnd type="triangle"/>
+            </a:ln>
+          </p:spPr>
+          <p:style>
+            <a:lnRef idx="1">
+              <a:schemeClr val="dk1"/>
+            </a:lnRef>
+            <a:fillRef idx="0">
+              <a:schemeClr val="dk1"/>
+            </a:fillRef>
+            <a:effectRef idx="0">
+              <a:schemeClr val="dk1"/>
+            </a:effectRef>
+            <a:fontRef idx="minor">
+              <a:schemeClr val="tx1"/>
+            </a:fontRef>
+          </p:style>
+        </p:cxnSp>
+        <p:cxnSp>
+          <p:nvCxnSpPr>
+            <p:cNvPr id="30" name="Straight Arrow Connector 29">
+              <a:extLst>
+                <a:ext uri="{FF2B5EF4-FFF2-40B4-BE49-F238E27FC236}">
+                  <a16:creationId xmlns:a16="http://schemas.microsoft.com/office/drawing/2014/main" id="{426FB52D-44C0-BE44-A151-A38BF9C79354}"/>
+                </a:ext>
+              </a:extLst>
+            </p:cNvPr>
+            <p:cNvCxnSpPr>
+              <a:cxnSpLocks/>
+              <a:stCxn id="17" idx="0"/>
+              <a:endCxn id="9" idx="2"/>
+            </p:cNvCxnSpPr>
+            <p:nvPr/>
+          </p:nvCxnSpPr>
+          <p:spPr>
+            <a:xfrm flipV="1">
+              <a:off x="4965700" y="3302397"/>
+              <a:ext cx="0" cy="546669"/>
+            </a:xfrm>
+            <a:prstGeom prst="straightConnector1">
+              <a:avLst/>
+            </a:prstGeom>
+            <a:ln>
+              <a:tailEnd type="triangle"/>
+            </a:ln>
+          </p:spPr>
+          <p:style>
+            <a:lnRef idx="1">
+              <a:schemeClr val="dk1"/>
+            </a:lnRef>
+            <a:fillRef idx="0">
+              <a:schemeClr val="dk1"/>
+            </a:fillRef>
+            <a:effectRef idx="0">
+              <a:schemeClr val="dk1"/>
+            </a:effectRef>
+            <a:fontRef idx="minor">
+              <a:schemeClr val="tx1"/>
+            </a:fontRef>
+          </p:style>
+        </p:cxnSp>
+        <p:cxnSp>
+          <p:nvCxnSpPr>
+            <p:cNvPr id="40" name="Straight Arrow Connector 39">
+              <a:extLst>
+                <a:ext uri="{FF2B5EF4-FFF2-40B4-BE49-F238E27FC236}">
+                  <a16:creationId xmlns:a16="http://schemas.microsoft.com/office/drawing/2014/main" id="{F19E8515-D399-784B-8805-89E248E70380}"/>
+                </a:ext>
+              </a:extLst>
+            </p:cNvPr>
+            <p:cNvCxnSpPr>
+              <a:cxnSpLocks/>
+              <a:stCxn id="18" idx="4"/>
+              <a:endCxn id="10" idx="0"/>
+            </p:cNvCxnSpPr>
+            <p:nvPr/>
+          </p:nvCxnSpPr>
+          <p:spPr>
+            <a:xfrm>
+              <a:off x="6985000" y="4038921"/>
+              <a:ext cx="0" cy="480507"/>
+            </a:xfrm>
+            <a:prstGeom prst="straightConnector1">
+              <a:avLst/>
+            </a:prstGeom>
+            <a:ln>
+              <a:tailEnd type="triangle"/>
+            </a:ln>
+          </p:spPr>
+          <p:style>
+            <a:lnRef idx="1">
+              <a:schemeClr val="dk1"/>
+            </a:lnRef>
+            <a:fillRef idx="0">
+              <a:schemeClr val="dk1"/>
+            </a:fillRef>
+            <a:effectRef idx="0">
+              <a:schemeClr val="dk1"/>
+            </a:effectRef>
+            <a:fontRef idx="minor">
+              <a:schemeClr val="tx1"/>
+            </a:fontRef>
+          </p:style>
+        </p:cxnSp>
+        <p:cxnSp>
+          <p:nvCxnSpPr>
+            <p:cNvPr id="44" name="Straight Arrow Connector 43">
+              <a:extLst>
+                <a:ext uri="{FF2B5EF4-FFF2-40B4-BE49-F238E27FC236}">
+                  <a16:creationId xmlns:a16="http://schemas.microsoft.com/office/drawing/2014/main" id="{66D9299E-E7D3-DF4F-A574-49C941314C85}"/>
+                </a:ext>
+              </a:extLst>
+            </p:cNvPr>
+            <p:cNvCxnSpPr>
+              <a:cxnSpLocks/>
+              <a:stCxn id="19" idx="0"/>
+              <a:endCxn id="11" idx="2"/>
+            </p:cNvCxnSpPr>
+            <p:nvPr/>
+          </p:nvCxnSpPr>
+          <p:spPr>
+            <a:xfrm flipH="1" flipV="1">
+              <a:off x="9004299" y="3021633"/>
+              <a:ext cx="1" cy="814734"/>
+            </a:xfrm>
+            <a:prstGeom prst="straightConnector1">
+              <a:avLst/>
+            </a:prstGeom>
+            <a:ln>
+              <a:tailEnd type="triangle"/>
+            </a:ln>
+          </p:spPr>
+          <p:style>
+            <a:lnRef idx="1">
+              <a:schemeClr val="dk1"/>
+            </a:lnRef>
+            <a:fillRef idx="0">
+              <a:schemeClr val="dk1"/>
+            </a:fillRef>
+            <a:effectRef idx="0">
+              <a:schemeClr val="dk1"/>
+            </a:effectRef>
+            <a:fontRef idx="minor">
+              <a:schemeClr val="tx1"/>
+            </a:fontRef>
+          </p:style>
+        </p:cxnSp>
+        <p:sp>
+          <p:nvSpPr>
+            <p:cNvPr id="51" name="Oval 50">
+              <a:extLst>
+                <a:ext uri="{FF2B5EF4-FFF2-40B4-BE49-F238E27FC236}">
+                  <a16:creationId xmlns:a16="http://schemas.microsoft.com/office/drawing/2014/main" id="{C78F3F1C-86C1-ED4D-A2A8-29080B9DC6AD}"/>
+                </a:ext>
+              </a:extLst>
+            </p:cNvPr>
+            <p:cNvSpPr/>
+            <p:nvPr/>
+          </p:nvSpPr>
+          <p:spPr>
+            <a:xfrm>
+              <a:off x="11023599" y="3849066"/>
+              <a:ext cx="190500" cy="202554"/>
+            </a:xfrm>
+            <a:prstGeom prst="ellipse">
+              <a:avLst/>
+            </a:prstGeom>
+            <a:solidFill>
+              <a:srgbClr val="FFC000"/>
+            </a:solidFill>
+            <a:ln>
+              <a:solidFill>
+                <a:schemeClr val="tx1"/>
+              </a:solidFill>
+            </a:ln>
+          </p:spPr>
+          <p:style>
+            <a:lnRef idx="2">
+              <a:schemeClr val="dk1">
+                <a:shade val="50000"/>
+              </a:schemeClr>
+            </a:lnRef>
+            <a:fillRef idx="1">
+              <a:schemeClr val="dk1"/>
+            </a:fillRef>
+            <a:effectRef idx="0">
+              <a:schemeClr val="dk1"/>
+            </a:effectRef>
+            <a:fontRef idx="minor">
+              <a:schemeClr val="lt1"/>
+            </a:fontRef>
+          </p:style>
+          <p:txBody>
+            <a:bodyPr rtlCol="0" anchor="ctr"/>
+            <a:lstStyle/>
+            <a:p>
+              <a:pPr algn="ctr"/>
+              <a:endParaRPr lang="en-US"/>
+            </a:p>
+          </p:txBody>
+        </p:sp>
+        <p:cxnSp>
+          <p:nvCxnSpPr>
+            <p:cNvPr id="52" name="Straight Arrow Connector 51">
+              <a:extLst>
+                <a:ext uri="{FF2B5EF4-FFF2-40B4-BE49-F238E27FC236}">
+                  <a16:creationId xmlns:a16="http://schemas.microsoft.com/office/drawing/2014/main" id="{4505FEA7-088D-8047-B13C-D3E49A842F04}"/>
+                </a:ext>
+              </a:extLst>
+            </p:cNvPr>
+            <p:cNvCxnSpPr>
+              <a:cxnSpLocks/>
+              <a:stCxn id="51" idx="4"/>
+              <a:endCxn id="54" idx="0"/>
+            </p:cNvCxnSpPr>
+            <p:nvPr/>
+          </p:nvCxnSpPr>
+          <p:spPr>
+            <a:xfrm flipH="1">
+              <a:off x="11112497" y="4051620"/>
+              <a:ext cx="6352" cy="467807"/>
+            </a:xfrm>
+            <a:prstGeom prst="straightConnector1">
+              <a:avLst/>
+            </a:prstGeom>
+            <a:ln>
+              <a:tailEnd type="triangle"/>
+            </a:ln>
+          </p:spPr>
+          <p:style>
+            <a:lnRef idx="1">
+              <a:schemeClr val="dk1"/>
+            </a:lnRef>
+            <a:fillRef idx="0">
+              <a:schemeClr val="dk1"/>
+            </a:fillRef>
+            <a:effectRef idx="0">
+              <a:schemeClr val="dk1"/>
+            </a:effectRef>
+            <a:fontRef idx="minor">
+              <a:schemeClr val="tx1"/>
+            </a:fontRef>
+          </p:style>
+        </p:cxnSp>
+      </p:grpSp>
+      <p:sp>
+        <p:nvSpPr>
+          <p:cNvPr id="54" name="TextBox 53">
+            <a:extLst>
+              <a:ext uri="{FF2B5EF4-FFF2-40B4-BE49-F238E27FC236}">
+                <a16:creationId xmlns:a16="http://schemas.microsoft.com/office/drawing/2014/main" id="{C5C65368-4233-E14E-A296-5D9AA7ADA068}"/>
+              </a:ext>
+            </a:extLst>
+          </p:cNvPr>
+          <p:cNvSpPr txBox="1"/>
+          <p:nvPr/>
+        </p:nvSpPr>
+        <p:spPr>
+          <a:xfrm>
+            <a:off x="10166350" y="4519427"/>
+            <a:ext cx="1892294" cy="646331"/>
+          </a:xfrm>
+          <a:prstGeom prst="rect">
+            <a:avLst/>
+          </a:prstGeom>
+          <a:noFill/>
+        </p:spPr>
+        <p:txBody>
+          <a:bodyPr wrap="square" rtlCol="0">
+            <a:spAutoFit/>
+          </a:bodyPr>
+          <a:lstStyle/>
+          <a:p>
+            <a:r>
+              <a:rPr lang="en-US" dirty="0">
+                <a:latin typeface="Avenir Book" panose="02000503020000020003" pitchFamily="2" charset="0"/>
+              </a:rPr>
+              <a:t>Experimental Planning</a:t>
+            </a:r>
+          </a:p>
+        </p:txBody>
+      </p:sp>
+      <p:pic>
+        <p:nvPicPr>
+          <p:cNvPr id="23" name="Picture 22" descr="A picture containing drawing&#10;&#10;Description automatically generated">
+            <a:extLst>
+              <a:ext uri="{FF2B5EF4-FFF2-40B4-BE49-F238E27FC236}">
+                <a16:creationId xmlns:a16="http://schemas.microsoft.com/office/drawing/2014/main" id="{936DA585-9C29-CD4E-9B53-AEEF8D7DF020}"/>
+              </a:ext>
+            </a:extLst>
+          </p:cNvPr>
+          <p:cNvPicPr>
+            <a:picLocks noChangeAspect="1"/>
+          </p:cNvPicPr>
+          <p:nvPr/>
+        </p:nvPicPr>
+        <p:blipFill>
+          <a:blip r:embed="rId3"/>
+          <a:stretch>
+            <a:fillRect/>
+          </a:stretch>
+        </p:blipFill>
+        <p:spPr>
+          <a:xfrm>
+            <a:off x="11117119" y="6514803"/>
+            <a:ext cx="1074881" cy="343197"/>
+          </a:xfrm>
+          <a:prstGeom prst="rect">
+            <a:avLst/>
+          </a:prstGeom>
+        </p:spPr>
+      </p:pic>
+      <p:sp>
+        <p:nvSpPr>
+          <p:cNvPr id="3" name="Rounded Rectangle 2">
+            <a:extLst>
+              <a:ext uri="{FF2B5EF4-FFF2-40B4-BE49-F238E27FC236}">
+                <a16:creationId xmlns:a16="http://schemas.microsoft.com/office/drawing/2014/main" id="{4AC61FC8-6498-C743-96C7-AF9CE5195896}"/>
+              </a:ext>
+            </a:extLst>
+          </p:cNvPr>
+          <p:cNvSpPr/>
+          <p:nvPr/>
+        </p:nvSpPr>
+        <p:spPr>
+          <a:xfrm>
+            <a:off x="7334249" y="2221548"/>
+            <a:ext cx="3429000" cy="2038725"/>
+          </a:xfrm>
+          <a:prstGeom prst="roundRect">
+            <a:avLst/>
+          </a:prstGeom>
+          <a:noFill/>
+          <a:ln w="38100">
+            <a:solidFill>
+              <a:srgbClr val="FFC000"/>
+            </a:solidFill>
+          </a:ln>
+        </p:spPr>
+        <p:style>
+          <a:lnRef idx="2">
+            <a:schemeClr val="accent1">
+              <a:shade val="50000"/>
+            </a:schemeClr>
+          </a:lnRef>
+          <a:fillRef idx="1">
+            <a:schemeClr val="accent1"/>
+          </a:fillRef>
+          <a:effectRef idx="0">
+            <a:schemeClr val="accent1"/>
+          </a:effectRef>
+          <a:fontRef idx="minor">
+            <a:schemeClr val="lt1"/>
+          </a:fontRef>
+        </p:style>
+        <p:txBody>
+          <a:bodyPr rtlCol="0" anchor="ctr"/>
+          <a:lstStyle/>
+          <a:p>
+            <a:pPr algn="ctr"/>
+            <a:endParaRPr lang="en-US"/>
+          </a:p>
+        </p:txBody>
+      </p:sp>
+      <p:sp>
+        <p:nvSpPr>
+          <p:cNvPr id="25" name="TextBox 24">
+            <a:extLst>
+              <a:ext uri="{FF2B5EF4-FFF2-40B4-BE49-F238E27FC236}">
+                <a16:creationId xmlns:a16="http://schemas.microsoft.com/office/drawing/2014/main" id="{AE573409-C9BD-364F-8F03-63A71D4AE9AB}"/>
+              </a:ext>
+            </a:extLst>
+          </p:cNvPr>
+          <p:cNvSpPr txBox="1"/>
+          <p:nvPr/>
+        </p:nvSpPr>
+        <p:spPr>
+          <a:xfrm>
+            <a:off x="8963152" y="6596390"/>
+            <a:ext cx="2222083" cy="261610"/>
+          </a:xfrm>
+          <a:prstGeom prst="rect">
+            <a:avLst/>
+          </a:prstGeom>
+          <a:noFill/>
+        </p:spPr>
+        <p:txBody>
+          <a:bodyPr wrap="none" rtlCol="0">
+            <a:spAutoFit/>
+          </a:bodyPr>
+          <a:lstStyle/>
+          <a:p>
+            <a:r>
+              <a:rPr lang="en-US" sz="1100" dirty="0">
+                <a:latin typeface="Avenir Book" panose="02000503020000020003" pitchFamily="2" charset="0"/>
+              </a:rPr>
+              <a:t>Ankita Roychoudhury 8.17.2020</a:t>
+            </a:r>
+          </a:p>
+        </p:txBody>
+      </p:sp>
+    </p:spTree>
+    <p:extLst>
+      <p:ext uri="{BB962C8B-B14F-4D97-AF65-F5344CB8AC3E}">
+        <p14:creationId xmlns:p14="http://schemas.microsoft.com/office/powerpoint/2010/main" val="2330380116"/>
+      </p:ext>
+    </p:extLst>
+  </p:cSld>
+  <p:clrMapOvr>
+    <a:masterClrMapping/>
+  </p:clrMapOvr>
+  <p:timing>
+    <p:tnLst>
+      <p:par>
+        <p:cTn id="1" dur="indefinite" restart="never" nodeType="tmRoot">
+          <p:childTnLst>
+            <p:seq concurrent="1" nextAc="seek">
+              <p:cTn id="2" dur="indefinite" nodeType="mainSeq">
+                <p:childTnLst>
+                  <p:par>
+                    <p:cTn id="3" fill="hold">
+                      <p:stCondLst>
+                        <p:cond delay="indefinite"/>
+                      </p:stCondLst>
+                      <p:childTnLst>
+                        <p:par>
+                          <p:cTn id="4" fill="hold">
+                            <p:stCondLst>
+                              <p:cond delay="0"/>
+                            </p:stCondLst>
+                            <p:childTnLst>
+                              <p:par>
+                                <p:cTn id="5" presetID="1" presetClass="entr" presetSubtype="0" fill="hold" grpId="0" nodeType="clickEffect">
+                                  <p:stCondLst>
+                                    <p:cond delay="0"/>
+                                  </p:stCondLst>
+                                  <p:childTnLst>
+                                    <p:set>
+                                      <p:cBhvr>
+                                        <p:cTn id="6" dur="1" fill="hold">
+                                          <p:stCondLst>
+                                            <p:cond delay="0"/>
+                                          </p:stCondLst>
+                                        </p:cTn>
+                                        <p:tgtEl>
+                                          <p:spTgt spid="3"/>
+                                        </p:tgtEl>
+                                        <p:attrNameLst>
+                                          <p:attrName>style.visibility</p:attrName>
+                                        </p:attrNameLst>
+                                      </p:cBhvr>
+                                      <p:to>
+                                        <p:strVal val="visible"/>
+                                      </p:to>
+                                    </p:set>
+                                  </p:childTnLst>
+                                </p:cTn>
+                              </p:par>
+                            </p:childTnLst>
+                          </p:cTn>
+                        </p:par>
+                      </p:childTnLst>
+                    </p:cTn>
+                  </p:par>
+                </p:childTnLst>
+              </p:cTn>
+              <p:prevCondLst>
+                <p:cond evt="onPrev" delay="0">
+                  <p:tgtEl>
+                    <p:sldTgt/>
+                  </p:tgtEl>
+                </p:cond>
+              </p:prevCondLst>
+              <p:nextCondLst>
+                <p:cond evt="onNext" delay="0">
+                  <p:tgtEl>
+                    <p:sldTgt/>
+                  </p:tgtEl>
+                </p:cond>
+              </p:nextCondLst>
+            </p:seq>
+          </p:childTnLst>
+        </p:cTn>
+      </p:par>
+    </p:tnLst>
+    <p:bldLst>
+      <p:bldP spid="3" grpId="0" animBg="1"/>
+    </p:bldLst>
+  </p:timing>
+</p:sld>
+</file>
+
+<file path=ppt/slides/slide6.xml><?xml version="1.0" encoding="utf-8"?>
+<p:sld xmlns:a="http://schemas.openxmlformats.org/drawingml/2006/main" xmlns:r="http://schemas.openxmlformats.org/officeDocument/2006/relationships" xmlns:p="http://schemas.openxmlformats.org/presentationml/2006/main">
+  <p:cSld>
+    <p:spTree>
+      <p:nvGrpSpPr>
+        <p:cNvPr id="1" name=""/>
+        <p:cNvGrpSpPr/>
+        <p:nvPr/>
+      </p:nvGrpSpPr>
+      <p:grpSpPr>
+        <a:xfrm>
+          <a:off x="0" y="0"/>
+          <a:ext cx="0" cy="0"/>
+          <a:chOff x="0" y="0"/>
+          <a:chExt cx="0" cy="0"/>
+        </a:xfrm>
+      </p:grpSpPr>
+      <p:sp>
+        <p:nvSpPr>
+          <p:cNvPr id="2" name="Title 1">
+            <a:extLst>
+              <a:ext uri="{FF2B5EF4-FFF2-40B4-BE49-F238E27FC236}">
+                <a16:creationId xmlns:a16="http://schemas.microsoft.com/office/drawing/2014/main" id="{373BA270-29C6-2541-9E9B-2C6547497111}"/>
+              </a:ext>
+            </a:extLst>
+          </p:cNvPr>
+          <p:cNvSpPr>
+            <a:spLocks noGrp="1"/>
+          </p:cNvSpPr>
+          <p:nvPr>
+            <p:ph type="title"/>
+          </p:nvPr>
+        </p:nvSpPr>
+        <p:spPr>
+          <a:xfrm>
+            <a:off x="596897" y="314203"/>
+            <a:ext cx="10515600" cy="1325563"/>
+          </a:xfrm>
+        </p:spPr>
+        <p:txBody>
+          <a:bodyPr>
+            <a:normAutofit/>
+          </a:bodyPr>
+          <a:lstStyle/>
+          <a:p>
+            <a:r>
+              <a:rPr lang="en-US" sz="3200" b="1" dirty="0"/>
+              <a:t>Roadmap for ATP Synthase Model</a:t>
+            </a:r>
+          </a:p>
+        </p:txBody>
+      </p:sp>
+      <p:grpSp>
+        <p:nvGrpSpPr>
+          <p:cNvPr id="71" name="Group 70">
+            <a:extLst>
+              <a:ext uri="{FF2B5EF4-FFF2-40B4-BE49-F238E27FC236}">
+                <a16:creationId xmlns:a16="http://schemas.microsoft.com/office/drawing/2014/main" id="{3635B9FF-DBDE-FE4B-A177-09830D39F901}"/>
+              </a:ext>
+            </a:extLst>
+          </p:cNvPr>
+          <p:cNvGrpSpPr/>
+          <p:nvPr/>
+        </p:nvGrpSpPr>
+        <p:grpSpPr>
+          <a:xfrm>
+            <a:off x="596897" y="2338573"/>
+            <a:ext cx="10619509" cy="3092816"/>
+            <a:chOff x="114300" y="2359535"/>
+            <a:chExt cx="10619509" cy="3092816"/>
+          </a:xfrm>
+        </p:grpSpPr>
+        <p:cxnSp>
+          <p:nvCxnSpPr>
+            <p:cNvPr id="6" name="Straight Arrow Connector 5">
+              <a:extLst>
+                <a:ext uri="{FF2B5EF4-FFF2-40B4-BE49-F238E27FC236}">
+                  <a16:creationId xmlns:a16="http://schemas.microsoft.com/office/drawing/2014/main" id="{EF6F3BC4-F6CF-1346-902A-2551BB2B7B2F}"/>
+                </a:ext>
+              </a:extLst>
+            </p:cNvPr>
+            <p:cNvCxnSpPr>
+              <a:cxnSpLocks/>
+            </p:cNvCxnSpPr>
+            <p:nvPr/>
+          </p:nvCxnSpPr>
+          <p:spPr>
+            <a:xfrm>
+              <a:off x="179737" y="3937644"/>
+              <a:ext cx="10554072" cy="0"/>
+            </a:xfrm>
+            <a:prstGeom prst="straightConnector1">
+              <a:avLst/>
+            </a:prstGeom>
+            <a:ln w="38100">
+              <a:tailEnd type="triangle"/>
+            </a:ln>
+          </p:spPr>
+          <p:style>
+            <a:lnRef idx="1">
+              <a:schemeClr val="dk1"/>
+            </a:lnRef>
+            <a:fillRef idx="0">
+              <a:schemeClr val="dk1"/>
+            </a:fillRef>
+            <a:effectRef idx="0">
+              <a:schemeClr val="dk1"/>
+            </a:effectRef>
+            <a:fontRef idx="minor">
+              <a:schemeClr val="tx1"/>
+            </a:fontRef>
+          </p:style>
+        </p:cxnSp>
+        <p:sp>
+          <p:nvSpPr>
+            <p:cNvPr id="7" name="TextBox 6">
+              <a:extLst>
+                <a:ext uri="{FF2B5EF4-FFF2-40B4-BE49-F238E27FC236}">
+                  <a16:creationId xmlns:a16="http://schemas.microsoft.com/office/drawing/2014/main" id="{7B9A96EE-6BA3-BD4A-9EDC-14DED3D0A61F}"/>
+                </a:ext>
+              </a:extLst>
+            </p:cNvPr>
+            <p:cNvSpPr txBox="1"/>
+            <p:nvPr/>
+          </p:nvSpPr>
+          <p:spPr>
+            <a:xfrm>
+              <a:off x="114300" y="2359535"/>
+              <a:ext cx="1625600" cy="646331"/>
+            </a:xfrm>
+            <a:prstGeom prst="rect">
+              <a:avLst/>
+            </a:prstGeom>
+            <a:noFill/>
+          </p:spPr>
+          <p:txBody>
+            <a:bodyPr wrap="square" rtlCol="0">
+              <a:spAutoFit/>
+            </a:bodyPr>
+            <a:lstStyle/>
+            <a:p>
+              <a:r>
+                <a:rPr lang="en-US" dirty="0">
+                  <a:latin typeface="Avenir Book" panose="02000503020000020003" pitchFamily="2" charset="0"/>
+                </a:rPr>
+                <a:t>Model basics BioCRNpyler</a:t>
+              </a:r>
+            </a:p>
+          </p:txBody>
+        </p:sp>
+        <p:sp>
+          <p:nvSpPr>
+            <p:cNvPr id="8" name="TextBox 7">
+              <a:extLst>
+                <a:ext uri="{FF2B5EF4-FFF2-40B4-BE49-F238E27FC236}">
+                  <a16:creationId xmlns:a16="http://schemas.microsoft.com/office/drawing/2014/main" id="{1206918A-D84C-A840-96C9-F8115A66537E}"/>
+                </a:ext>
+              </a:extLst>
+            </p:cNvPr>
+            <p:cNvSpPr txBox="1"/>
+            <p:nvPr/>
+          </p:nvSpPr>
+          <p:spPr>
+            <a:xfrm>
+              <a:off x="1535111" y="4519428"/>
+              <a:ext cx="2822577" cy="923330"/>
+            </a:xfrm>
+            <a:prstGeom prst="rect">
+              <a:avLst/>
+            </a:prstGeom>
+            <a:noFill/>
+          </p:spPr>
+          <p:txBody>
+            <a:bodyPr wrap="square" rtlCol="0">
+              <a:spAutoFit/>
+            </a:bodyPr>
+            <a:lstStyle/>
+            <a:p>
+              <a:r>
+                <a:rPr lang="en-US" dirty="0">
+                  <a:latin typeface="Avenir Book" panose="02000503020000020003" pitchFamily="2" charset="0"/>
+                </a:rPr>
+                <a:t>Choose &amp; Implement Proton Gradient Maintenance Mechanism</a:t>
+              </a:r>
+            </a:p>
+          </p:txBody>
+        </p:sp>
+        <p:sp>
+          <p:nvSpPr>
+            <p:cNvPr id="9" name="TextBox 8">
+              <a:extLst>
+                <a:ext uri="{FF2B5EF4-FFF2-40B4-BE49-F238E27FC236}">
+                  <a16:creationId xmlns:a16="http://schemas.microsoft.com/office/drawing/2014/main" id="{4FE11F7A-E246-D64E-B431-AA5B3741D0C4}"/>
+                </a:ext>
+              </a:extLst>
+            </p:cNvPr>
+            <p:cNvSpPr txBox="1"/>
+            <p:nvPr/>
+          </p:nvSpPr>
+          <p:spPr>
+            <a:xfrm>
+              <a:off x="3433334" y="2375301"/>
+              <a:ext cx="3064731" cy="923330"/>
+            </a:xfrm>
+            <a:prstGeom prst="rect">
+              <a:avLst/>
+            </a:prstGeom>
+            <a:noFill/>
+          </p:spPr>
+          <p:txBody>
+            <a:bodyPr wrap="square" rtlCol="0">
+              <a:spAutoFit/>
+            </a:bodyPr>
+            <a:lstStyle/>
+            <a:p>
+              <a:r>
+                <a:rPr lang="en-US" dirty="0">
+                  <a:latin typeface="Avenir Book" panose="02000503020000020003" pitchFamily="2" charset="0"/>
+                </a:rPr>
+                <a:t>Study Effect of Temperature Dependent Transcription (</a:t>
+              </a:r>
+              <a:r>
+                <a:rPr lang="en-US" dirty="0" err="1">
+                  <a:latin typeface="Avenir Book" panose="02000503020000020003" pitchFamily="2" charset="0"/>
+                </a:rPr>
+                <a:t>Ayush</a:t>
+              </a:r>
+              <a:r>
+                <a:rPr lang="en-US" dirty="0">
+                  <a:latin typeface="Avenir Book" panose="02000503020000020003" pitchFamily="2" charset="0"/>
+                </a:rPr>
+                <a:t> B)</a:t>
+              </a:r>
+            </a:p>
+          </p:txBody>
+        </p:sp>
+        <p:sp>
+          <p:nvSpPr>
+            <p:cNvPr id="10" name="TextBox 9">
+              <a:extLst>
+                <a:ext uri="{FF2B5EF4-FFF2-40B4-BE49-F238E27FC236}">
+                  <a16:creationId xmlns:a16="http://schemas.microsoft.com/office/drawing/2014/main" id="{E4DB743C-2AF3-1840-A3C8-13F28233B403}"/>
+                </a:ext>
+              </a:extLst>
+            </p:cNvPr>
+            <p:cNvSpPr txBox="1"/>
+            <p:nvPr/>
+          </p:nvSpPr>
+          <p:spPr>
+            <a:xfrm>
+              <a:off x="5503428" y="4529021"/>
+              <a:ext cx="2963144" cy="923330"/>
+            </a:xfrm>
+            <a:prstGeom prst="rect">
+              <a:avLst/>
+            </a:prstGeom>
+            <a:noFill/>
+          </p:spPr>
+          <p:txBody>
+            <a:bodyPr wrap="square" rtlCol="0">
+              <a:spAutoFit/>
+            </a:bodyPr>
+            <a:lstStyle/>
+            <a:p>
+              <a:r>
+                <a:rPr lang="en-US" dirty="0">
+                  <a:latin typeface="Avenir Book" panose="02000503020000020003" pitchFamily="2" charset="0"/>
+                </a:rPr>
+                <a:t>Combine Model with ssDNA Export + Liposome Fusion (</a:t>
+              </a:r>
+              <a:r>
+                <a:rPr lang="en-US" dirty="0" err="1">
+                  <a:latin typeface="Avenir Book" panose="02000503020000020003" pitchFamily="2" charset="0"/>
+                </a:rPr>
+                <a:t>Agrima</a:t>
+              </a:r>
+              <a:r>
+                <a:rPr lang="en-US" dirty="0">
+                  <a:latin typeface="Avenir Book" panose="02000503020000020003" pitchFamily="2" charset="0"/>
+                </a:rPr>
+                <a:t> D)</a:t>
+              </a:r>
+            </a:p>
+          </p:txBody>
+        </p:sp>
+        <p:sp>
+          <p:nvSpPr>
+            <p:cNvPr id="11" name="TextBox 10">
+              <a:extLst>
+                <a:ext uri="{FF2B5EF4-FFF2-40B4-BE49-F238E27FC236}">
+                  <a16:creationId xmlns:a16="http://schemas.microsoft.com/office/drawing/2014/main" id="{9846998A-B02C-5B44-9380-E005251DFC2E}"/>
+                </a:ext>
+              </a:extLst>
+            </p:cNvPr>
+            <p:cNvSpPr txBox="1"/>
+            <p:nvPr/>
+          </p:nvSpPr>
+          <p:spPr>
+            <a:xfrm>
+              <a:off x="7727949" y="2375302"/>
+              <a:ext cx="2552700" cy="369332"/>
+            </a:xfrm>
+            <a:prstGeom prst="rect">
+              <a:avLst/>
+            </a:prstGeom>
+            <a:noFill/>
+          </p:spPr>
+          <p:txBody>
+            <a:bodyPr wrap="square" rtlCol="0">
+              <a:spAutoFit/>
+            </a:bodyPr>
+            <a:lstStyle/>
+            <a:p>
+              <a:r>
+                <a:rPr lang="en-US" dirty="0">
+                  <a:latin typeface="Avenir Book" panose="02000503020000020003" pitchFamily="2" charset="0"/>
+                </a:rPr>
+                <a:t>Experimental Planning</a:t>
+              </a:r>
+            </a:p>
+          </p:txBody>
+        </p:sp>
+        <p:sp>
+          <p:nvSpPr>
+            <p:cNvPr id="15" name="Oval 14">
+              <a:extLst>
+                <a:ext uri="{FF2B5EF4-FFF2-40B4-BE49-F238E27FC236}">
+                  <a16:creationId xmlns:a16="http://schemas.microsoft.com/office/drawing/2014/main" id="{09EBEAB6-9081-1542-983A-3406A50E82C5}"/>
+                </a:ext>
+              </a:extLst>
+            </p:cNvPr>
+            <p:cNvSpPr/>
+            <p:nvPr/>
+          </p:nvSpPr>
+          <p:spPr>
+            <a:xfrm>
+              <a:off x="831850" y="3849066"/>
+              <a:ext cx="190500" cy="202554"/>
+            </a:xfrm>
+            <a:prstGeom prst="ellipse">
+              <a:avLst/>
+            </a:prstGeom>
+            <a:solidFill>
+              <a:srgbClr val="00A64F"/>
+            </a:solidFill>
+            <a:ln>
+              <a:solidFill>
+                <a:schemeClr val="tx1"/>
+              </a:solidFill>
+            </a:ln>
+          </p:spPr>
+          <p:style>
+            <a:lnRef idx="2">
+              <a:schemeClr val="dk1">
+                <a:shade val="50000"/>
+              </a:schemeClr>
+            </a:lnRef>
+            <a:fillRef idx="1">
+              <a:schemeClr val="dk1"/>
+            </a:fillRef>
+            <a:effectRef idx="0">
+              <a:schemeClr val="dk1"/>
+            </a:effectRef>
+            <a:fontRef idx="minor">
+              <a:schemeClr val="lt1"/>
+            </a:fontRef>
+          </p:style>
+          <p:txBody>
+            <a:bodyPr rtlCol="0" anchor="ctr"/>
+            <a:lstStyle/>
+            <a:p>
+              <a:pPr algn="ctr"/>
+              <a:endParaRPr lang="en-US"/>
+            </a:p>
+          </p:txBody>
+        </p:sp>
+        <p:sp>
+          <p:nvSpPr>
+            <p:cNvPr id="16" name="Oval 15">
+              <a:extLst>
+                <a:ext uri="{FF2B5EF4-FFF2-40B4-BE49-F238E27FC236}">
+                  <a16:creationId xmlns:a16="http://schemas.microsoft.com/office/drawing/2014/main" id="{0BC854A4-94BB-9F40-AE48-8FB699D9397C}"/>
+                </a:ext>
+              </a:extLst>
+            </p:cNvPr>
+            <p:cNvSpPr/>
+            <p:nvPr/>
+          </p:nvSpPr>
+          <p:spPr>
+            <a:xfrm>
+              <a:off x="2851150" y="3849066"/>
+              <a:ext cx="190500" cy="202554"/>
+            </a:xfrm>
+            <a:prstGeom prst="ellipse">
+              <a:avLst/>
+            </a:prstGeom>
+            <a:solidFill>
+              <a:srgbClr val="00A64F"/>
+            </a:solidFill>
+            <a:ln>
+              <a:solidFill>
+                <a:schemeClr val="tx1"/>
+              </a:solidFill>
+            </a:ln>
+          </p:spPr>
+          <p:style>
+            <a:lnRef idx="2">
+              <a:schemeClr val="dk1">
+                <a:shade val="50000"/>
+              </a:schemeClr>
+            </a:lnRef>
+            <a:fillRef idx="1">
+              <a:schemeClr val="dk1"/>
+            </a:fillRef>
+            <a:effectRef idx="0">
+              <a:schemeClr val="dk1"/>
+            </a:effectRef>
+            <a:fontRef idx="minor">
+              <a:schemeClr val="lt1"/>
+            </a:fontRef>
+          </p:style>
+          <p:txBody>
+            <a:bodyPr rtlCol="0" anchor="ctr"/>
+            <a:lstStyle/>
+            <a:p>
+              <a:pPr algn="ctr"/>
+              <a:endParaRPr lang="en-US"/>
+            </a:p>
+          </p:txBody>
+        </p:sp>
+        <p:sp>
+          <p:nvSpPr>
+            <p:cNvPr id="17" name="Oval 16">
+              <a:extLst>
+                <a:ext uri="{FF2B5EF4-FFF2-40B4-BE49-F238E27FC236}">
+                  <a16:creationId xmlns:a16="http://schemas.microsoft.com/office/drawing/2014/main" id="{7D6E58AB-D4AF-4545-B358-6666F35BC76A}"/>
+                </a:ext>
+              </a:extLst>
+            </p:cNvPr>
+            <p:cNvSpPr/>
+            <p:nvPr/>
+          </p:nvSpPr>
+          <p:spPr>
+            <a:xfrm>
+              <a:off x="4870450" y="3849066"/>
+              <a:ext cx="190500" cy="202554"/>
+            </a:xfrm>
+            <a:prstGeom prst="ellipse">
+              <a:avLst/>
+            </a:prstGeom>
+            <a:solidFill>
+              <a:srgbClr val="FFC000"/>
+            </a:solidFill>
+            <a:ln>
+              <a:solidFill>
+                <a:schemeClr val="tx1"/>
+              </a:solidFill>
+            </a:ln>
+          </p:spPr>
+          <p:style>
+            <a:lnRef idx="2">
+              <a:schemeClr val="dk1">
+                <a:shade val="50000"/>
+              </a:schemeClr>
+            </a:lnRef>
+            <a:fillRef idx="1">
+              <a:schemeClr val="dk1"/>
+            </a:fillRef>
+            <a:effectRef idx="0">
+              <a:schemeClr val="dk1"/>
+            </a:effectRef>
+            <a:fontRef idx="minor">
+              <a:schemeClr val="lt1"/>
+            </a:fontRef>
+          </p:style>
+          <p:txBody>
+            <a:bodyPr rtlCol="0" anchor="ctr"/>
+            <a:lstStyle/>
+            <a:p>
+              <a:pPr algn="ctr"/>
+              <a:endParaRPr lang="en-US">
+                <a:solidFill>
+                  <a:srgbClr val="00B050"/>
+                </a:solidFill>
+              </a:endParaRPr>
+            </a:p>
+          </p:txBody>
+        </p:sp>
+        <p:sp>
+          <p:nvSpPr>
+            <p:cNvPr id="18" name="Oval 17">
+              <a:extLst>
+                <a:ext uri="{FF2B5EF4-FFF2-40B4-BE49-F238E27FC236}">
+                  <a16:creationId xmlns:a16="http://schemas.microsoft.com/office/drawing/2014/main" id="{3CAD58BF-44D4-4141-AF5C-F593AD67CE3D}"/>
+                </a:ext>
+              </a:extLst>
+            </p:cNvPr>
+            <p:cNvSpPr/>
+            <p:nvPr/>
+          </p:nvSpPr>
+          <p:spPr>
+            <a:xfrm>
+              <a:off x="6889750" y="3836367"/>
+              <a:ext cx="190500" cy="202554"/>
+            </a:xfrm>
+            <a:prstGeom prst="ellipse">
+              <a:avLst/>
+            </a:prstGeom>
+            <a:solidFill>
+              <a:srgbClr val="FFC000"/>
+            </a:solidFill>
+            <a:ln>
+              <a:solidFill>
+                <a:schemeClr val="tx1"/>
+              </a:solidFill>
+            </a:ln>
+          </p:spPr>
+          <p:style>
+            <a:lnRef idx="2">
+              <a:schemeClr val="dk1">
+                <a:shade val="50000"/>
+              </a:schemeClr>
+            </a:lnRef>
+            <a:fillRef idx="1">
+              <a:schemeClr val="dk1"/>
+            </a:fillRef>
+            <a:effectRef idx="0">
+              <a:schemeClr val="dk1"/>
+            </a:effectRef>
+            <a:fontRef idx="minor">
+              <a:schemeClr val="lt1"/>
+            </a:fontRef>
+          </p:style>
+          <p:txBody>
+            <a:bodyPr rtlCol="0" anchor="ctr"/>
+            <a:lstStyle/>
+            <a:p>
+              <a:pPr algn="ctr"/>
+              <a:endParaRPr lang="en-US"/>
+            </a:p>
+          </p:txBody>
+        </p:sp>
+        <p:sp>
+          <p:nvSpPr>
+            <p:cNvPr id="19" name="Oval 18">
+              <a:extLst>
+                <a:ext uri="{FF2B5EF4-FFF2-40B4-BE49-F238E27FC236}">
+                  <a16:creationId xmlns:a16="http://schemas.microsoft.com/office/drawing/2014/main" id="{D787801D-AE3C-F644-9B25-E53CCEBE5486}"/>
+                </a:ext>
+              </a:extLst>
+            </p:cNvPr>
+            <p:cNvSpPr/>
+            <p:nvPr/>
+          </p:nvSpPr>
+          <p:spPr>
+            <a:xfrm>
+              <a:off x="8909050" y="3836367"/>
+              <a:ext cx="190500" cy="202554"/>
+            </a:xfrm>
+            <a:prstGeom prst="ellipse">
+              <a:avLst/>
+            </a:prstGeom>
+            <a:solidFill>
+              <a:srgbClr val="FFC000"/>
+            </a:solidFill>
+            <a:ln>
+              <a:solidFill>
+                <a:schemeClr val="tx1"/>
+              </a:solidFill>
+            </a:ln>
+          </p:spPr>
+          <p:style>
+            <a:lnRef idx="2">
+              <a:schemeClr val="dk1">
+                <a:shade val="50000"/>
+              </a:schemeClr>
+            </a:lnRef>
+            <a:fillRef idx="1">
+              <a:schemeClr val="dk1"/>
+            </a:fillRef>
+            <a:effectRef idx="0">
+              <a:schemeClr val="dk1"/>
+            </a:effectRef>
+            <a:fontRef idx="minor">
+              <a:schemeClr val="lt1"/>
+            </a:fontRef>
+          </p:style>
+          <p:txBody>
+            <a:bodyPr rtlCol="0" anchor="ctr"/>
+            <a:lstStyle/>
+            <a:p>
+              <a:pPr algn="ctr"/>
+              <a:endParaRPr lang="en-US" dirty="0"/>
+            </a:p>
+          </p:txBody>
+        </p:sp>
+        <p:cxnSp>
+          <p:nvCxnSpPr>
+            <p:cNvPr id="21" name="Straight Arrow Connector 20">
+              <a:extLst>
+                <a:ext uri="{FF2B5EF4-FFF2-40B4-BE49-F238E27FC236}">
+                  <a16:creationId xmlns:a16="http://schemas.microsoft.com/office/drawing/2014/main" id="{7CD7E8B5-8D66-A94B-AAE0-9FA054F91694}"/>
+                </a:ext>
+              </a:extLst>
+            </p:cNvPr>
+            <p:cNvCxnSpPr>
+              <a:cxnSpLocks/>
+              <a:stCxn id="15" idx="0"/>
+              <a:endCxn id="7" idx="2"/>
+            </p:cNvCxnSpPr>
+            <p:nvPr/>
+          </p:nvCxnSpPr>
+          <p:spPr>
+            <a:xfrm flipV="1">
+              <a:off x="927100" y="3005866"/>
+              <a:ext cx="0" cy="843200"/>
+            </a:xfrm>
+            <a:prstGeom prst="straightConnector1">
+              <a:avLst/>
+            </a:prstGeom>
+            <a:ln>
+              <a:tailEnd type="triangle"/>
+            </a:ln>
+          </p:spPr>
+          <p:style>
+            <a:lnRef idx="1">
+              <a:schemeClr val="dk1"/>
+            </a:lnRef>
+            <a:fillRef idx="0">
+              <a:schemeClr val="dk1"/>
+            </a:fillRef>
+            <a:effectRef idx="0">
+              <a:schemeClr val="dk1"/>
+            </a:effectRef>
+            <a:fontRef idx="minor">
+              <a:schemeClr val="tx1"/>
+            </a:fontRef>
+          </p:style>
+        </p:cxnSp>
+        <p:cxnSp>
+          <p:nvCxnSpPr>
+            <p:cNvPr id="24" name="Straight Arrow Connector 23">
+              <a:extLst>
+                <a:ext uri="{FF2B5EF4-FFF2-40B4-BE49-F238E27FC236}">
+                  <a16:creationId xmlns:a16="http://schemas.microsoft.com/office/drawing/2014/main" id="{42C9DCE1-A48C-A845-BF17-2209B7C8012D}"/>
+                </a:ext>
+              </a:extLst>
+            </p:cNvPr>
+            <p:cNvCxnSpPr>
+              <a:cxnSpLocks/>
+              <a:stCxn id="16" idx="4"/>
+              <a:endCxn id="8" idx="0"/>
+            </p:cNvCxnSpPr>
+            <p:nvPr/>
+          </p:nvCxnSpPr>
+          <p:spPr>
+            <a:xfrm>
+              <a:off x="2946400" y="4051620"/>
+              <a:ext cx="0" cy="467808"/>
+            </a:xfrm>
+            <a:prstGeom prst="straightConnector1">
+              <a:avLst/>
+            </a:prstGeom>
+            <a:ln>
+              <a:tailEnd type="triangle"/>
+            </a:ln>
+          </p:spPr>
+          <p:style>
+            <a:lnRef idx="1">
+              <a:schemeClr val="dk1"/>
+            </a:lnRef>
+            <a:fillRef idx="0">
+              <a:schemeClr val="dk1"/>
+            </a:fillRef>
+            <a:effectRef idx="0">
+              <a:schemeClr val="dk1"/>
+            </a:effectRef>
+            <a:fontRef idx="minor">
+              <a:schemeClr val="tx1"/>
+            </a:fontRef>
+          </p:style>
+        </p:cxnSp>
+        <p:cxnSp>
+          <p:nvCxnSpPr>
+            <p:cNvPr id="30" name="Straight Arrow Connector 29">
+              <a:extLst>
+                <a:ext uri="{FF2B5EF4-FFF2-40B4-BE49-F238E27FC236}">
+                  <a16:creationId xmlns:a16="http://schemas.microsoft.com/office/drawing/2014/main" id="{426FB52D-44C0-BE44-A151-A38BF9C79354}"/>
+                </a:ext>
+              </a:extLst>
+            </p:cNvPr>
+            <p:cNvCxnSpPr>
+              <a:cxnSpLocks/>
+              <a:stCxn id="17" idx="0"/>
+              <a:endCxn id="9" idx="2"/>
+            </p:cNvCxnSpPr>
+            <p:nvPr/>
+          </p:nvCxnSpPr>
+          <p:spPr>
+            <a:xfrm flipV="1">
+              <a:off x="4965700" y="3298631"/>
+              <a:ext cx="0" cy="550435"/>
+            </a:xfrm>
+            <a:prstGeom prst="straightConnector1">
+              <a:avLst/>
+            </a:prstGeom>
+            <a:ln>
+              <a:tailEnd type="triangle"/>
+            </a:ln>
+          </p:spPr>
+          <p:style>
+            <a:lnRef idx="1">
+              <a:schemeClr val="dk1"/>
+            </a:lnRef>
+            <a:fillRef idx="0">
+              <a:schemeClr val="dk1"/>
+            </a:fillRef>
+            <a:effectRef idx="0">
+              <a:schemeClr val="dk1"/>
+            </a:effectRef>
+            <a:fontRef idx="minor">
+              <a:schemeClr val="tx1"/>
+            </a:fontRef>
+          </p:style>
+        </p:cxnSp>
+        <p:cxnSp>
+          <p:nvCxnSpPr>
+            <p:cNvPr id="40" name="Straight Arrow Connector 39">
+              <a:extLst>
+                <a:ext uri="{FF2B5EF4-FFF2-40B4-BE49-F238E27FC236}">
+                  <a16:creationId xmlns:a16="http://schemas.microsoft.com/office/drawing/2014/main" id="{F19E8515-D399-784B-8805-89E248E70380}"/>
+                </a:ext>
+              </a:extLst>
+            </p:cNvPr>
+            <p:cNvCxnSpPr>
+              <a:cxnSpLocks/>
+              <a:stCxn id="18" idx="4"/>
+              <a:endCxn id="10" idx="0"/>
+            </p:cNvCxnSpPr>
+            <p:nvPr/>
+          </p:nvCxnSpPr>
+          <p:spPr>
+            <a:xfrm>
+              <a:off x="6985000" y="4038921"/>
+              <a:ext cx="0" cy="490100"/>
+            </a:xfrm>
+            <a:prstGeom prst="straightConnector1">
+              <a:avLst/>
+            </a:prstGeom>
+            <a:ln>
+              <a:tailEnd type="triangle"/>
+            </a:ln>
+          </p:spPr>
+          <p:style>
+            <a:lnRef idx="1">
+              <a:schemeClr val="dk1"/>
+            </a:lnRef>
+            <a:fillRef idx="0">
+              <a:schemeClr val="dk1"/>
+            </a:fillRef>
+            <a:effectRef idx="0">
+              <a:schemeClr val="dk1"/>
+            </a:effectRef>
+            <a:fontRef idx="minor">
+              <a:schemeClr val="tx1"/>
+            </a:fontRef>
+          </p:style>
+        </p:cxnSp>
+        <p:cxnSp>
+          <p:nvCxnSpPr>
+            <p:cNvPr id="44" name="Straight Arrow Connector 43">
+              <a:extLst>
+                <a:ext uri="{FF2B5EF4-FFF2-40B4-BE49-F238E27FC236}">
+                  <a16:creationId xmlns:a16="http://schemas.microsoft.com/office/drawing/2014/main" id="{66D9299E-E7D3-DF4F-A574-49C941314C85}"/>
+                </a:ext>
+              </a:extLst>
+            </p:cNvPr>
+            <p:cNvCxnSpPr>
+              <a:cxnSpLocks/>
+              <a:stCxn id="19" idx="0"/>
+              <a:endCxn id="11" idx="2"/>
+            </p:cNvCxnSpPr>
+            <p:nvPr/>
+          </p:nvCxnSpPr>
+          <p:spPr>
+            <a:xfrm flipH="1" flipV="1">
+              <a:off x="9004299" y="2744634"/>
+              <a:ext cx="1" cy="1091733"/>
+            </a:xfrm>
+            <a:prstGeom prst="straightConnector1">
+              <a:avLst/>
+            </a:prstGeom>
+            <a:ln>
+              <a:tailEnd type="triangle"/>
+            </a:ln>
+          </p:spPr>
+          <p:style>
+            <a:lnRef idx="1">
+              <a:schemeClr val="dk1"/>
+            </a:lnRef>
+            <a:fillRef idx="0">
+              <a:schemeClr val="dk1"/>
+            </a:fillRef>
+            <a:effectRef idx="0">
+              <a:schemeClr val="dk1"/>
+            </a:effectRef>
+            <a:fontRef idx="minor">
+              <a:schemeClr val="tx1"/>
+            </a:fontRef>
+          </p:style>
+        </p:cxnSp>
+      </p:grpSp>
+      <p:sp>
+        <p:nvSpPr>
+          <p:cNvPr id="54" name="TextBox 53">
+            <a:extLst>
+              <a:ext uri="{FF2B5EF4-FFF2-40B4-BE49-F238E27FC236}">
+                <a16:creationId xmlns:a16="http://schemas.microsoft.com/office/drawing/2014/main" id="{C5C65368-4233-E14E-A296-5D9AA7ADA068}"/>
+              </a:ext>
+            </a:extLst>
+          </p:cNvPr>
+          <p:cNvSpPr txBox="1"/>
+          <p:nvPr/>
+        </p:nvSpPr>
+        <p:spPr>
+          <a:xfrm>
+            <a:off x="10166350" y="4519427"/>
+            <a:ext cx="1892294" cy="369332"/>
+          </a:xfrm>
+          <a:prstGeom prst="rect">
+            <a:avLst/>
+          </a:prstGeom>
+          <a:noFill/>
+        </p:spPr>
+        <p:txBody>
+          <a:bodyPr wrap="square" rtlCol="0">
+            <a:spAutoFit/>
+          </a:bodyPr>
+          <a:lstStyle/>
+          <a:p>
+            <a:endParaRPr lang="en-US" dirty="0">
+              <a:latin typeface="Avenir Book" panose="02000503020000020003" pitchFamily="2" charset="0"/>
+            </a:endParaRPr>
+          </a:p>
+        </p:txBody>
+      </p:sp>
+      <p:pic>
+        <p:nvPicPr>
+          <p:cNvPr id="38" name="Picture 37" descr="A picture containing drawing&#10;&#10;Description automatically generated">
+            <a:extLst>
+              <a:ext uri="{FF2B5EF4-FFF2-40B4-BE49-F238E27FC236}">
+                <a16:creationId xmlns:a16="http://schemas.microsoft.com/office/drawing/2014/main" id="{10EB78C2-75E1-D146-9CC9-8083C48255A3}"/>
+              </a:ext>
+            </a:extLst>
+          </p:cNvPr>
+          <p:cNvPicPr>
+            <a:picLocks noChangeAspect="1"/>
+          </p:cNvPicPr>
+          <p:nvPr/>
+        </p:nvPicPr>
+        <p:blipFill>
+          <a:blip r:embed="rId3"/>
+          <a:stretch>
+            <a:fillRect/>
+          </a:stretch>
+        </p:blipFill>
+        <p:spPr>
+          <a:xfrm>
+            <a:off x="11117119" y="6514803"/>
+            <a:ext cx="1074881" cy="343197"/>
+          </a:xfrm>
+          <a:prstGeom prst="rect">
+            <a:avLst/>
+          </a:prstGeom>
+        </p:spPr>
+      </p:pic>
+      <p:sp>
+        <p:nvSpPr>
+          <p:cNvPr id="39" name="TextBox 38">
+            <a:extLst>
+              <a:ext uri="{FF2B5EF4-FFF2-40B4-BE49-F238E27FC236}">
+                <a16:creationId xmlns:a16="http://schemas.microsoft.com/office/drawing/2014/main" id="{1F2FAA5A-3142-D24D-83D5-DA221FB41FF4}"/>
+              </a:ext>
+            </a:extLst>
+          </p:cNvPr>
+          <p:cNvSpPr txBox="1"/>
+          <p:nvPr/>
+        </p:nvSpPr>
+        <p:spPr>
+          <a:xfrm>
+            <a:off x="8963152" y="6596390"/>
+            <a:ext cx="2222083" cy="261610"/>
+          </a:xfrm>
+          <a:prstGeom prst="rect">
+            <a:avLst/>
+          </a:prstGeom>
+          <a:noFill/>
+        </p:spPr>
+        <p:txBody>
+          <a:bodyPr wrap="none" rtlCol="0">
+            <a:spAutoFit/>
+          </a:bodyPr>
+          <a:lstStyle/>
+          <a:p>
+            <a:r>
+              <a:rPr lang="en-US" sz="1100" dirty="0">
+                <a:latin typeface="Avenir Book" panose="02000503020000020003" pitchFamily="2" charset="0"/>
+              </a:rPr>
+              <a:t>Ankita Roychoudhury 8.17.2020</a:t>
+            </a:r>
+          </a:p>
+        </p:txBody>
+      </p:sp>
+    </p:spTree>
+    <p:extLst>
+      <p:ext uri="{BB962C8B-B14F-4D97-AF65-F5344CB8AC3E}">
+        <p14:creationId xmlns:p14="http://schemas.microsoft.com/office/powerpoint/2010/main" val="1786230165"/>
+      </p:ext>
+    </p:extLst>
+  </p:cSld>
+  <p:clrMapOvr>
+    <a:masterClrMapping/>
+  </p:clrMapOvr>
+</p:sld>
+</file>
+
+<file path=ppt/slides/slide7.xml><?xml version="1.0" encoding="utf-8"?>
+<p:sld xmlns:a="http://schemas.openxmlformats.org/drawingml/2006/main" xmlns:r="http://schemas.openxmlformats.org/officeDocument/2006/relationships" xmlns:p="http://schemas.openxmlformats.org/presentationml/2006/main">
+  <p:cSld>
+    <p:spTree>
+      <p:nvGrpSpPr>
+        <p:cNvPr id="1" name=""/>
+        <p:cNvGrpSpPr/>
+        <p:nvPr/>
+      </p:nvGrpSpPr>
+      <p:grpSpPr>
+        <a:xfrm>
+          <a:off x="0" y="0"/>
+          <a:ext cx="0" cy="0"/>
+          <a:chOff x="0" y="0"/>
+          <a:chExt cx="0" cy="0"/>
+        </a:xfrm>
+      </p:grpSpPr>
+      <p:sp>
+        <p:nvSpPr>
+          <p:cNvPr id="2" name="Title 1">
+            <a:extLst>
+              <a:ext uri="{FF2B5EF4-FFF2-40B4-BE49-F238E27FC236}">
+                <a16:creationId xmlns:a16="http://schemas.microsoft.com/office/drawing/2014/main" id="{474D21A9-0169-0B43-B64E-F98964224AA2}"/>
+              </a:ext>
+            </a:extLst>
+          </p:cNvPr>
+          <p:cNvSpPr>
+            <a:spLocks noGrp="1"/>
+          </p:cNvSpPr>
+          <p:nvPr>
+            <p:ph type="title"/>
+          </p:nvPr>
+        </p:nvSpPr>
+        <p:spPr>
+          <a:xfrm>
+            <a:off x="249382" y="18328"/>
+            <a:ext cx="10515600" cy="1325563"/>
+          </a:xfrm>
+        </p:spPr>
+        <p:txBody>
+          <a:bodyPr>
+            <a:normAutofit/>
+          </a:bodyPr>
+          <a:lstStyle/>
+          <a:p>
+            <a:r>
+              <a:rPr lang="en-US" sz="3200" dirty="0"/>
+              <a:t>ATP Synthase SBML Setup</a:t>
+            </a:r>
+          </a:p>
+        </p:txBody>
+      </p:sp>
+      <p:sp>
+        <p:nvSpPr>
+          <p:cNvPr id="4" name="Rounded Rectangle 3">
+            <a:extLst>
+              <a:ext uri="{FF2B5EF4-FFF2-40B4-BE49-F238E27FC236}">
+                <a16:creationId xmlns:a16="http://schemas.microsoft.com/office/drawing/2014/main" id="{6443FE55-AE01-B849-A11C-E83A497F3683}"/>
+              </a:ext>
+            </a:extLst>
+          </p:cNvPr>
+          <p:cNvSpPr/>
+          <p:nvPr/>
+        </p:nvSpPr>
+        <p:spPr>
+          <a:xfrm>
+            <a:off x="1330036" y="1690688"/>
+            <a:ext cx="1943100" cy="1073294"/>
+          </a:xfrm>
+          <a:prstGeom prst="roundRect">
+            <a:avLst/>
+          </a:prstGeom>
+          <a:solidFill>
+            <a:schemeClr val="accent4">
+              <a:lumMod val="20000"/>
+              <a:lumOff val="80000"/>
+            </a:schemeClr>
+          </a:solidFill>
+        </p:spPr>
+        <p:style>
+          <a:lnRef idx="2">
+            <a:schemeClr val="accent1">
+              <a:shade val="50000"/>
+            </a:schemeClr>
+          </a:lnRef>
+          <a:fillRef idx="1">
+            <a:schemeClr val="accent1"/>
+          </a:fillRef>
+          <a:effectRef idx="0">
+            <a:schemeClr val="accent1"/>
+          </a:effectRef>
+          <a:fontRef idx="minor">
+            <a:schemeClr val="lt1"/>
+          </a:fontRef>
+        </p:style>
+        <p:txBody>
+          <a:bodyPr rtlCol="0" anchor="ctr"/>
+          <a:lstStyle/>
+          <a:p>
+            <a:pPr algn="ctr"/>
+            <a:r>
+              <a:rPr lang="en-US" dirty="0">
+                <a:solidFill>
+                  <a:sysClr val="windowText" lastClr="000000"/>
+                </a:solidFill>
+                <a:latin typeface="Avenir Book" panose="02000503020000020003" pitchFamily="2" charset="0"/>
+              </a:rPr>
+              <a:t>ATP Synthase Transcription &amp; Translation</a:t>
+            </a:r>
+          </a:p>
+        </p:txBody>
+      </p:sp>
+      <p:sp>
+        <p:nvSpPr>
+          <p:cNvPr id="5" name="Rounded Rectangle 4">
+            <a:extLst>
+              <a:ext uri="{FF2B5EF4-FFF2-40B4-BE49-F238E27FC236}">
+                <a16:creationId xmlns:a16="http://schemas.microsoft.com/office/drawing/2014/main" id="{DE6C61D4-4319-9C40-9FFA-5B59AEFF2ADF}"/>
+              </a:ext>
+            </a:extLst>
+          </p:cNvPr>
+          <p:cNvSpPr/>
+          <p:nvPr/>
+        </p:nvSpPr>
+        <p:spPr>
+          <a:xfrm>
+            <a:off x="3764972" y="1690688"/>
+            <a:ext cx="1943100" cy="1073294"/>
+          </a:xfrm>
+          <a:prstGeom prst="roundRect">
+            <a:avLst/>
+          </a:prstGeom>
+          <a:solidFill>
+            <a:schemeClr val="accent4">
+              <a:lumMod val="20000"/>
+              <a:lumOff val="80000"/>
+            </a:schemeClr>
+          </a:solidFill>
+        </p:spPr>
+        <p:style>
+          <a:lnRef idx="2">
+            <a:schemeClr val="accent1">
+              <a:shade val="50000"/>
+            </a:schemeClr>
+          </a:lnRef>
+          <a:fillRef idx="1">
+            <a:schemeClr val="accent1"/>
+          </a:fillRef>
+          <a:effectRef idx="0">
+            <a:schemeClr val="accent1"/>
+          </a:effectRef>
+          <a:fontRef idx="minor">
+            <a:schemeClr val="lt1"/>
+          </a:fontRef>
+        </p:style>
+        <p:txBody>
+          <a:bodyPr rtlCol="0" anchor="ctr"/>
+          <a:lstStyle/>
+          <a:p>
+            <a:pPr algn="ctr"/>
+            <a:r>
+              <a:rPr lang="en-US" dirty="0">
+                <a:solidFill>
+                  <a:sysClr val="windowText" lastClr="000000"/>
+                </a:solidFill>
+                <a:latin typeface="Avenir Book" panose="02000503020000020003" pitchFamily="2" charset="0"/>
+              </a:rPr>
+              <a:t>ATP Synthase Membrane Integration</a:t>
+            </a:r>
+          </a:p>
+        </p:txBody>
+      </p:sp>
+      <p:sp>
+        <p:nvSpPr>
+          <p:cNvPr id="6" name="Rounded Rectangle 5">
+            <a:extLst>
+              <a:ext uri="{FF2B5EF4-FFF2-40B4-BE49-F238E27FC236}">
+                <a16:creationId xmlns:a16="http://schemas.microsoft.com/office/drawing/2014/main" id="{401345C9-1868-074A-9C55-4C194280753C}"/>
+              </a:ext>
+            </a:extLst>
+          </p:cNvPr>
+          <p:cNvSpPr/>
+          <p:nvPr/>
+        </p:nvSpPr>
+        <p:spPr>
+          <a:xfrm>
+            <a:off x="6199908" y="1690688"/>
+            <a:ext cx="1943100" cy="1073294"/>
+          </a:xfrm>
+          <a:prstGeom prst="roundRect">
+            <a:avLst/>
+          </a:prstGeom>
+          <a:solidFill>
+            <a:schemeClr val="accent4">
+              <a:lumMod val="20000"/>
+              <a:lumOff val="80000"/>
+            </a:schemeClr>
+          </a:solidFill>
+        </p:spPr>
+        <p:style>
+          <a:lnRef idx="2">
+            <a:schemeClr val="accent1">
+              <a:shade val="50000"/>
+            </a:schemeClr>
+          </a:lnRef>
+          <a:fillRef idx="1">
+            <a:schemeClr val="accent1"/>
+          </a:fillRef>
+          <a:effectRef idx="0">
+            <a:schemeClr val="accent1"/>
+          </a:effectRef>
+          <a:fontRef idx="minor">
+            <a:schemeClr val="lt1"/>
+          </a:fontRef>
+        </p:style>
+        <p:txBody>
+          <a:bodyPr rtlCol="0" anchor="ctr"/>
+          <a:lstStyle/>
+          <a:p>
+            <a:pPr algn="ctr"/>
+            <a:r>
+              <a:rPr lang="en-US" dirty="0">
+                <a:solidFill>
+                  <a:sysClr val="windowText" lastClr="000000"/>
+                </a:solidFill>
+                <a:latin typeface="Avenir Book" panose="02000503020000020003" pitchFamily="2" charset="0"/>
+              </a:rPr>
+              <a:t>ATP Synthesis through ATP Synthase</a:t>
+            </a:r>
+          </a:p>
+        </p:txBody>
+      </p:sp>
+      <p:sp>
+        <p:nvSpPr>
+          <p:cNvPr id="7" name="Rounded Rectangle 6">
+            <a:extLst>
+              <a:ext uri="{FF2B5EF4-FFF2-40B4-BE49-F238E27FC236}">
+                <a16:creationId xmlns:a16="http://schemas.microsoft.com/office/drawing/2014/main" id="{84572570-8CB3-3A4D-83A0-C27EE75E0125}"/>
+              </a:ext>
+            </a:extLst>
+          </p:cNvPr>
+          <p:cNvSpPr/>
+          <p:nvPr/>
+        </p:nvSpPr>
+        <p:spPr>
+          <a:xfrm>
+            <a:off x="1330036" y="3121170"/>
+            <a:ext cx="1943100" cy="1073294"/>
+          </a:xfrm>
+          <a:prstGeom prst="roundRect">
+            <a:avLst/>
+          </a:prstGeom>
+          <a:solidFill>
+            <a:schemeClr val="accent6">
+              <a:lumMod val="20000"/>
+              <a:lumOff val="80000"/>
+            </a:schemeClr>
+          </a:solidFill>
+        </p:spPr>
+        <p:style>
+          <a:lnRef idx="2">
+            <a:schemeClr val="accent1">
+              <a:shade val="50000"/>
+            </a:schemeClr>
+          </a:lnRef>
+          <a:fillRef idx="1">
+            <a:schemeClr val="accent1"/>
+          </a:fillRef>
+          <a:effectRef idx="0">
+            <a:schemeClr val="accent1"/>
+          </a:effectRef>
+          <a:fontRef idx="minor">
+            <a:schemeClr val="lt1"/>
+          </a:fontRef>
+        </p:style>
+        <p:txBody>
+          <a:bodyPr rtlCol="0" anchor="ctr"/>
+          <a:lstStyle/>
+          <a:p>
+            <a:pPr algn="ctr"/>
+            <a:r>
+              <a:rPr lang="en-US" dirty="0">
+                <a:solidFill>
+                  <a:sysClr val="windowText" lastClr="000000"/>
+                </a:solidFill>
+                <a:latin typeface="Avenir Book" panose="02000503020000020003" pitchFamily="2" charset="0"/>
+              </a:rPr>
+              <a:t>Proton Pump Transcription &amp; Translation</a:t>
+            </a:r>
+          </a:p>
+        </p:txBody>
+      </p:sp>
+      <p:sp>
+        <p:nvSpPr>
+          <p:cNvPr id="8" name="Rounded Rectangle 7">
+            <a:extLst>
+              <a:ext uri="{FF2B5EF4-FFF2-40B4-BE49-F238E27FC236}">
+                <a16:creationId xmlns:a16="http://schemas.microsoft.com/office/drawing/2014/main" id="{E59FCD44-59CC-3C4E-A16C-304742CFF41A}"/>
+              </a:ext>
+            </a:extLst>
+          </p:cNvPr>
+          <p:cNvSpPr/>
+          <p:nvPr/>
+        </p:nvSpPr>
+        <p:spPr>
+          <a:xfrm>
+            <a:off x="3764972" y="3121170"/>
+            <a:ext cx="1943100" cy="1073294"/>
+          </a:xfrm>
+          <a:prstGeom prst="roundRect">
+            <a:avLst/>
+          </a:prstGeom>
+          <a:solidFill>
+            <a:schemeClr val="accent6">
+              <a:lumMod val="20000"/>
+              <a:lumOff val="80000"/>
+            </a:schemeClr>
+          </a:solidFill>
+        </p:spPr>
+        <p:style>
+          <a:lnRef idx="2">
+            <a:schemeClr val="accent1">
+              <a:shade val="50000"/>
+            </a:schemeClr>
+          </a:lnRef>
+          <a:fillRef idx="1">
+            <a:schemeClr val="accent1"/>
+          </a:fillRef>
+          <a:effectRef idx="0">
+            <a:schemeClr val="accent1"/>
+          </a:effectRef>
+          <a:fontRef idx="minor">
+            <a:schemeClr val="lt1"/>
+          </a:fontRef>
+        </p:style>
+        <p:txBody>
+          <a:bodyPr rtlCol="0" anchor="ctr"/>
+          <a:lstStyle/>
+          <a:p>
+            <a:pPr algn="ctr"/>
+            <a:r>
+              <a:rPr lang="en-US" dirty="0">
+                <a:solidFill>
+                  <a:sysClr val="windowText" lastClr="000000"/>
+                </a:solidFill>
+                <a:latin typeface="Avenir Book" panose="02000503020000020003" pitchFamily="2" charset="0"/>
+              </a:rPr>
+              <a:t>Proton Pump Membrane Integration</a:t>
+            </a:r>
+          </a:p>
+        </p:txBody>
+      </p:sp>
+      <p:sp>
+        <p:nvSpPr>
+          <p:cNvPr id="9" name="Rounded Rectangle 8">
+            <a:extLst>
+              <a:ext uri="{FF2B5EF4-FFF2-40B4-BE49-F238E27FC236}">
+                <a16:creationId xmlns:a16="http://schemas.microsoft.com/office/drawing/2014/main" id="{E49DCF9D-03B2-484D-8278-34666787D1E0}"/>
+              </a:ext>
+            </a:extLst>
+          </p:cNvPr>
+          <p:cNvSpPr/>
+          <p:nvPr/>
+        </p:nvSpPr>
+        <p:spPr>
+          <a:xfrm>
+            <a:off x="6199908" y="3121170"/>
+            <a:ext cx="1943100" cy="1073294"/>
+          </a:xfrm>
+          <a:prstGeom prst="roundRect">
+            <a:avLst/>
+          </a:prstGeom>
+          <a:solidFill>
+            <a:schemeClr val="accent6">
+              <a:lumMod val="20000"/>
+              <a:lumOff val="80000"/>
+            </a:schemeClr>
+          </a:solidFill>
+        </p:spPr>
+        <p:style>
+          <a:lnRef idx="2">
+            <a:schemeClr val="accent1">
+              <a:shade val="50000"/>
+            </a:schemeClr>
+          </a:lnRef>
+          <a:fillRef idx="1">
+            <a:schemeClr val="accent1"/>
+          </a:fillRef>
+          <a:effectRef idx="0">
+            <a:schemeClr val="accent1"/>
+          </a:effectRef>
+          <a:fontRef idx="minor">
+            <a:schemeClr val="lt1"/>
+          </a:fontRef>
+        </p:style>
+        <p:txBody>
+          <a:bodyPr rtlCol="0" anchor="ctr"/>
+          <a:lstStyle/>
+          <a:p>
+            <a:pPr algn="ctr"/>
+            <a:r>
+              <a:rPr lang="en-US" dirty="0">
+                <a:solidFill>
+                  <a:sysClr val="windowText" lastClr="000000"/>
+                </a:solidFill>
+                <a:latin typeface="Avenir Book" panose="02000503020000020003" pitchFamily="2" charset="0"/>
+              </a:rPr>
+              <a:t>Proton Pump through ATP Synthase</a:t>
+            </a:r>
+          </a:p>
+        </p:txBody>
+      </p:sp>
+      <p:sp>
+        <p:nvSpPr>
+          <p:cNvPr id="10" name="Rounded Rectangle 9">
+            <a:extLst>
+              <a:ext uri="{FF2B5EF4-FFF2-40B4-BE49-F238E27FC236}">
+                <a16:creationId xmlns:a16="http://schemas.microsoft.com/office/drawing/2014/main" id="{961514DB-0FBC-6B40-8E68-513F39B766F7}"/>
+              </a:ext>
+            </a:extLst>
+          </p:cNvPr>
+          <p:cNvSpPr/>
+          <p:nvPr/>
+        </p:nvSpPr>
+        <p:spPr>
+          <a:xfrm>
+            <a:off x="1330036" y="4551652"/>
+            <a:ext cx="1943100" cy="1073294"/>
+          </a:xfrm>
+          <a:prstGeom prst="roundRect">
+            <a:avLst/>
+          </a:prstGeom>
+          <a:solidFill>
+            <a:schemeClr val="accent2">
+              <a:lumMod val="20000"/>
+              <a:lumOff val="80000"/>
+            </a:schemeClr>
+          </a:solidFill>
+        </p:spPr>
+        <p:style>
+          <a:lnRef idx="2">
+            <a:schemeClr val="accent1">
+              <a:shade val="50000"/>
+            </a:schemeClr>
+          </a:lnRef>
+          <a:fillRef idx="1">
+            <a:schemeClr val="accent1"/>
+          </a:fillRef>
+          <a:effectRef idx="0">
+            <a:schemeClr val="accent1"/>
+          </a:effectRef>
+          <a:fontRef idx="minor">
+            <a:schemeClr val="lt1"/>
+          </a:fontRef>
+        </p:style>
+        <p:txBody>
+          <a:bodyPr rtlCol="0" anchor="ctr"/>
+          <a:lstStyle/>
+          <a:p>
+            <a:pPr algn="ctr"/>
+            <a:r>
+              <a:rPr lang="en-US" dirty="0">
+                <a:solidFill>
+                  <a:sysClr val="windowText" lastClr="000000"/>
+                </a:solidFill>
+                <a:latin typeface="Avenir Book" panose="02000503020000020003" pitchFamily="2" charset="0"/>
+              </a:rPr>
+              <a:t>ATP Use</a:t>
+            </a:r>
+          </a:p>
+        </p:txBody>
+      </p:sp>
+      <p:cxnSp>
+        <p:nvCxnSpPr>
+          <p:cNvPr id="12" name="Straight Connector 11">
+            <a:extLst>
+              <a:ext uri="{FF2B5EF4-FFF2-40B4-BE49-F238E27FC236}">
+                <a16:creationId xmlns:a16="http://schemas.microsoft.com/office/drawing/2014/main" id="{D3EC0833-D36A-9C4D-AD41-B6F981904CD6}"/>
+              </a:ext>
+            </a:extLst>
+          </p:cNvPr>
+          <p:cNvCxnSpPr>
+            <a:cxnSpLocks/>
+            <a:stCxn id="4" idx="3"/>
+            <a:endCxn id="5" idx="1"/>
+          </p:cNvCxnSpPr>
+          <p:nvPr/>
+        </p:nvCxnSpPr>
+        <p:spPr>
+          <a:xfrm>
+            <a:off x="3273136" y="2227335"/>
+            <a:ext cx="491836" cy="0"/>
+          </a:xfrm>
+          <a:prstGeom prst="line">
+            <a:avLst/>
+          </a:prstGeom>
+        </p:spPr>
+        <p:style>
+          <a:lnRef idx="1">
+            <a:schemeClr val="dk1"/>
+          </a:lnRef>
+          <a:fillRef idx="0">
+            <a:schemeClr val="dk1"/>
+          </a:fillRef>
+          <a:effectRef idx="0">
+            <a:schemeClr val="dk1"/>
+          </a:effectRef>
+          <a:fontRef idx="minor">
+            <a:schemeClr val="tx1"/>
+          </a:fontRef>
+        </p:style>
+      </p:cxnSp>
+      <p:cxnSp>
+        <p:nvCxnSpPr>
+          <p:cNvPr id="14" name="Straight Connector 13">
+            <a:extLst>
+              <a:ext uri="{FF2B5EF4-FFF2-40B4-BE49-F238E27FC236}">
+                <a16:creationId xmlns:a16="http://schemas.microsoft.com/office/drawing/2014/main" id="{B9BAEC1D-E5DC-6442-B88A-2CCCB767DDF0}"/>
+              </a:ext>
+            </a:extLst>
+          </p:cNvPr>
+          <p:cNvCxnSpPr>
+            <a:cxnSpLocks/>
+            <a:stCxn id="5" idx="3"/>
+            <a:endCxn id="6" idx="1"/>
+          </p:cNvCxnSpPr>
+          <p:nvPr/>
+        </p:nvCxnSpPr>
+        <p:spPr>
+          <a:xfrm>
+            <a:off x="5708072" y="2227335"/>
+            <a:ext cx="491836" cy="0"/>
+          </a:xfrm>
+          <a:prstGeom prst="line">
+            <a:avLst/>
+          </a:prstGeom>
+        </p:spPr>
+        <p:style>
+          <a:lnRef idx="1">
+            <a:schemeClr val="dk1"/>
+          </a:lnRef>
+          <a:fillRef idx="0">
+            <a:schemeClr val="dk1"/>
+          </a:fillRef>
+          <a:effectRef idx="0">
+            <a:schemeClr val="dk1"/>
+          </a:effectRef>
+          <a:fontRef idx="minor">
+            <a:schemeClr val="tx1"/>
+          </a:fontRef>
+        </p:style>
+      </p:cxnSp>
+      <p:cxnSp>
+        <p:nvCxnSpPr>
+          <p:cNvPr id="17" name="Straight Connector 16">
+            <a:extLst>
+              <a:ext uri="{FF2B5EF4-FFF2-40B4-BE49-F238E27FC236}">
+                <a16:creationId xmlns:a16="http://schemas.microsoft.com/office/drawing/2014/main" id="{11E49D5C-8DF0-1C4E-92DF-4FE80F28DB55}"/>
+              </a:ext>
+            </a:extLst>
+          </p:cNvPr>
+          <p:cNvCxnSpPr>
+            <a:cxnSpLocks/>
+            <a:stCxn id="7" idx="3"/>
+            <a:endCxn id="8" idx="1"/>
+          </p:cNvCxnSpPr>
+          <p:nvPr/>
+        </p:nvCxnSpPr>
+        <p:spPr>
+          <a:xfrm>
+            <a:off x="3273136" y="3657817"/>
+            <a:ext cx="491836" cy="0"/>
+          </a:xfrm>
+          <a:prstGeom prst="line">
+            <a:avLst/>
+          </a:prstGeom>
+        </p:spPr>
+        <p:style>
+          <a:lnRef idx="1">
+            <a:schemeClr val="dk1"/>
+          </a:lnRef>
+          <a:fillRef idx="0">
+            <a:schemeClr val="dk1"/>
+          </a:fillRef>
+          <a:effectRef idx="0">
+            <a:schemeClr val="dk1"/>
+          </a:effectRef>
+          <a:fontRef idx="minor">
+            <a:schemeClr val="tx1"/>
+          </a:fontRef>
+        </p:style>
+      </p:cxnSp>
+      <p:cxnSp>
+        <p:nvCxnSpPr>
+          <p:cNvPr id="20" name="Straight Connector 19">
+            <a:extLst>
+              <a:ext uri="{FF2B5EF4-FFF2-40B4-BE49-F238E27FC236}">
+                <a16:creationId xmlns:a16="http://schemas.microsoft.com/office/drawing/2014/main" id="{0B409196-92B8-E249-8986-08E8887B49A4}"/>
+              </a:ext>
+            </a:extLst>
+          </p:cNvPr>
+          <p:cNvCxnSpPr>
+            <a:cxnSpLocks/>
+            <a:stCxn id="8" idx="3"/>
+            <a:endCxn id="9" idx="1"/>
+          </p:cNvCxnSpPr>
+          <p:nvPr/>
+        </p:nvCxnSpPr>
+        <p:spPr>
+          <a:xfrm>
+            <a:off x="5708072" y="3657817"/>
+            <a:ext cx="491836" cy="0"/>
+          </a:xfrm>
+          <a:prstGeom prst="line">
+            <a:avLst/>
+          </a:prstGeom>
+        </p:spPr>
+        <p:style>
+          <a:lnRef idx="1">
+            <a:schemeClr val="dk1"/>
+          </a:lnRef>
+          <a:fillRef idx="0">
+            <a:schemeClr val="dk1"/>
+          </a:fillRef>
+          <a:effectRef idx="0">
+            <a:schemeClr val="dk1"/>
+          </a:effectRef>
+          <a:fontRef idx="minor">
+            <a:schemeClr val="tx1"/>
+          </a:fontRef>
+        </p:style>
+      </p:cxnSp>
+      <p:cxnSp>
+        <p:nvCxnSpPr>
+          <p:cNvPr id="24" name="Straight Arrow Connector 23">
+            <a:extLst>
+              <a:ext uri="{FF2B5EF4-FFF2-40B4-BE49-F238E27FC236}">
+                <a16:creationId xmlns:a16="http://schemas.microsoft.com/office/drawing/2014/main" id="{6EF8757D-7F2C-6E40-A087-B483A4A34E50}"/>
+              </a:ext>
+            </a:extLst>
+          </p:cNvPr>
+          <p:cNvCxnSpPr>
+            <a:cxnSpLocks/>
+            <a:stCxn id="6" idx="3"/>
+          </p:cNvCxnSpPr>
+          <p:nvPr/>
+        </p:nvCxnSpPr>
+        <p:spPr>
+          <a:xfrm>
+            <a:off x="8143008" y="2227335"/>
+            <a:ext cx="775858" cy="0"/>
+          </a:xfrm>
+          <a:prstGeom prst="straightConnector1">
+            <a:avLst/>
+          </a:prstGeom>
+          <a:ln>
+            <a:tailEnd type="triangle"/>
+          </a:ln>
+        </p:spPr>
+        <p:style>
+          <a:lnRef idx="1">
+            <a:schemeClr val="dk1"/>
+          </a:lnRef>
+          <a:fillRef idx="0">
+            <a:schemeClr val="dk1"/>
+          </a:fillRef>
+          <a:effectRef idx="0">
+            <a:schemeClr val="dk1"/>
+          </a:effectRef>
+          <a:fontRef idx="minor">
+            <a:schemeClr val="tx1"/>
+          </a:fontRef>
+        </p:style>
+      </p:cxnSp>
+      <p:cxnSp>
+        <p:nvCxnSpPr>
+          <p:cNvPr id="26" name="Straight Arrow Connector 25">
+            <a:extLst>
+              <a:ext uri="{FF2B5EF4-FFF2-40B4-BE49-F238E27FC236}">
+                <a16:creationId xmlns:a16="http://schemas.microsoft.com/office/drawing/2014/main" id="{6FEA52EA-CC9F-1F4A-B198-4FCE1E75AC41}"/>
+              </a:ext>
+            </a:extLst>
+          </p:cNvPr>
+          <p:cNvCxnSpPr>
+            <a:cxnSpLocks/>
+            <a:stCxn id="9" idx="3"/>
+          </p:cNvCxnSpPr>
+          <p:nvPr/>
+        </p:nvCxnSpPr>
+        <p:spPr>
+          <a:xfrm>
+            <a:off x="8143008" y="3657817"/>
+            <a:ext cx="775858" cy="0"/>
+          </a:xfrm>
+          <a:prstGeom prst="straightConnector1">
+            <a:avLst/>
+          </a:prstGeom>
+          <a:ln>
+            <a:tailEnd type="triangle"/>
+          </a:ln>
+        </p:spPr>
+        <p:style>
+          <a:lnRef idx="1">
+            <a:schemeClr val="dk1"/>
+          </a:lnRef>
+          <a:fillRef idx="0">
+            <a:schemeClr val="dk1"/>
+          </a:fillRef>
+          <a:effectRef idx="0">
+            <a:schemeClr val="dk1"/>
+          </a:effectRef>
+          <a:fontRef idx="minor">
+            <a:schemeClr val="tx1"/>
+          </a:fontRef>
+        </p:style>
+      </p:cxnSp>
+      <p:cxnSp>
+        <p:nvCxnSpPr>
+          <p:cNvPr id="30" name="Straight Arrow Connector 29">
+            <a:extLst>
+              <a:ext uri="{FF2B5EF4-FFF2-40B4-BE49-F238E27FC236}">
+                <a16:creationId xmlns:a16="http://schemas.microsoft.com/office/drawing/2014/main" id="{AA9A4A64-4E99-3042-90AB-17AF3348CFC1}"/>
+              </a:ext>
+            </a:extLst>
+          </p:cNvPr>
+          <p:cNvCxnSpPr>
+            <a:cxnSpLocks/>
+            <a:stCxn id="10" idx="3"/>
+          </p:cNvCxnSpPr>
+          <p:nvPr/>
+        </p:nvCxnSpPr>
+        <p:spPr>
+          <a:xfrm>
+            <a:off x="3273136" y="5088299"/>
+            <a:ext cx="5645730" cy="0"/>
+          </a:xfrm>
+          <a:prstGeom prst="straightConnector1">
+            <a:avLst/>
+          </a:prstGeom>
+          <a:ln>
+            <a:tailEnd type="triangle"/>
+          </a:ln>
+        </p:spPr>
+        <p:style>
+          <a:lnRef idx="1">
+            <a:schemeClr val="dk1"/>
+          </a:lnRef>
+          <a:fillRef idx="0">
+            <a:schemeClr val="dk1"/>
+          </a:fillRef>
+          <a:effectRef idx="0">
+            <a:schemeClr val="dk1"/>
+          </a:effectRef>
+          <a:fontRef idx="minor">
+            <a:schemeClr val="tx1"/>
+          </a:fontRef>
+        </p:style>
+      </p:cxnSp>
+      <p:sp>
+        <p:nvSpPr>
+          <p:cNvPr id="34" name="TextBox 33">
+            <a:extLst>
+              <a:ext uri="{FF2B5EF4-FFF2-40B4-BE49-F238E27FC236}">
+                <a16:creationId xmlns:a16="http://schemas.microsoft.com/office/drawing/2014/main" id="{D169FFA9-36CD-634F-9C7B-815BC1E01C87}"/>
+              </a:ext>
+            </a:extLst>
+          </p:cNvPr>
+          <p:cNvSpPr txBox="1"/>
+          <p:nvPr/>
+        </p:nvSpPr>
+        <p:spPr>
+          <a:xfrm>
+            <a:off x="9331037" y="2001698"/>
+            <a:ext cx="2150918" cy="461665"/>
+          </a:xfrm>
+          <a:prstGeom prst="rect">
+            <a:avLst/>
+          </a:prstGeom>
+          <a:noFill/>
+        </p:spPr>
+        <p:txBody>
+          <a:bodyPr wrap="square" rtlCol="0">
+            <a:spAutoFit/>
+          </a:bodyPr>
+          <a:lstStyle/>
+          <a:p>
+            <a:r>
+              <a:rPr lang="en-US" sz="2400" dirty="0">
+                <a:latin typeface="Avenir Book" panose="02000503020000020003" pitchFamily="2" charset="0"/>
+              </a:rPr>
+              <a:t>ATP Synthesis</a:t>
+            </a:r>
+          </a:p>
+        </p:txBody>
+      </p:sp>
+      <p:sp>
+        <p:nvSpPr>
+          <p:cNvPr id="35" name="TextBox 34">
+            <a:extLst>
+              <a:ext uri="{FF2B5EF4-FFF2-40B4-BE49-F238E27FC236}">
+                <a16:creationId xmlns:a16="http://schemas.microsoft.com/office/drawing/2014/main" id="{B6A3BB05-E123-8E49-B455-F1E938D27AD4}"/>
+              </a:ext>
+            </a:extLst>
+          </p:cNvPr>
+          <p:cNvSpPr txBox="1"/>
+          <p:nvPr/>
+        </p:nvSpPr>
+        <p:spPr>
+          <a:xfrm>
+            <a:off x="9331037" y="3426984"/>
+            <a:ext cx="2493818" cy="461665"/>
+          </a:xfrm>
+          <a:prstGeom prst="rect">
+            <a:avLst/>
+          </a:prstGeom>
+          <a:noFill/>
+        </p:spPr>
+        <p:txBody>
+          <a:bodyPr wrap="square" rtlCol="0">
+            <a:spAutoFit/>
+          </a:bodyPr>
+          <a:lstStyle/>
+          <a:p>
+            <a:r>
+              <a:rPr lang="en-US" sz="2400" dirty="0">
+                <a:latin typeface="Avenir Book" panose="02000503020000020003" pitchFamily="2" charset="0"/>
+              </a:rPr>
+              <a:t>Proton Gradient</a:t>
+            </a:r>
+          </a:p>
+        </p:txBody>
+      </p:sp>
+      <p:sp>
+        <p:nvSpPr>
+          <p:cNvPr id="36" name="TextBox 35">
+            <a:extLst>
+              <a:ext uri="{FF2B5EF4-FFF2-40B4-BE49-F238E27FC236}">
+                <a16:creationId xmlns:a16="http://schemas.microsoft.com/office/drawing/2014/main" id="{C6F571A3-284F-0248-A6B7-84448F3474F6}"/>
+              </a:ext>
+            </a:extLst>
+          </p:cNvPr>
+          <p:cNvSpPr txBox="1"/>
+          <p:nvPr/>
+        </p:nvSpPr>
+        <p:spPr>
+          <a:xfrm>
+            <a:off x="9331037" y="4852270"/>
+            <a:ext cx="2493818" cy="461665"/>
+          </a:xfrm>
+          <a:prstGeom prst="rect">
+            <a:avLst/>
+          </a:prstGeom>
+          <a:noFill/>
+        </p:spPr>
+        <p:txBody>
+          <a:bodyPr wrap="square" rtlCol="0">
+            <a:spAutoFit/>
+          </a:bodyPr>
+          <a:lstStyle/>
+          <a:p>
+            <a:r>
+              <a:rPr lang="en-US" sz="2400" dirty="0">
+                <a:latin typeface="Avenir Book" panose="02000503020000020003" pitchFamily="2" charset="0"/>
+              </a:rPr>
+              <a:t>ATP Hydrolysis</a:t>
+            </a:r>
+          </a:p>
+        </p:txBody>
+      </p:sp>
+      <p:pic>
+        <p:nvPicPr>
+          <p:cNvPr id="37" name="Picture 36" descr="A picture containing drawing&#10;&#10;Description automatically generated">
+            <a:extLst>
+              <a:ext uri="{FF2B5EF4-FFF2-40B4-BE49-F238E27FC236}">
+                <a16:creationId xmlns:a16="http://schemas.microsoft.com/office/drawing/2014/main" id="{AC900B5D-EE89-B440-A6C4-AEE0D1C6FB9F}"/>
+              </a:ext>
+            </a:extLst>
+          </p:cNvPr>
+          <p:cNvPicPr>
+            <a:picLocks noChangeAspect="1"/>
+          </p:cNvPicPr>
+          <p:nvPr/>
+        </p:nvPicPr>
+        <p:blipFill>
+          <a:blip r:embed="rId2"/>
+          <a:stretch>
+            <a:fillRect/>
+          </a:stretch>
+        </p:blipFill>
+        <p:spPr>
+          <a:xfrm>
+            <a:off x="11117119" y="6514803"/>
+            <a:ext cx="1074881" cy="343197"/>
+          </a:xfrm>
+          <a:prstGeom prst="rect">
+            <a:avLst/>
+          </a:prstGeom>
+        </p:spPr>
+      </p:pic>
+      <p:sp>
+        <p:nvSpPr>
+          <p:cNvPr id="38" name="TextBox 37">
+            <a:extLst>
+              <a:ext uri="{FF2B5EF4-FFF2-40B4-BE49-F238E27FC236}">
+                <a16:creationId xmlns:a16="http://schemas.microsoft.com/office/drawing/2014/main" id="{F750D445-F03D-A146-ACB6-C7AD97A26883}"/>
+              </a:ext>
+            </a:extLst>
+          </p:cNvPr>
+          <p:cNvSpPr txBox="1"/>
+          <p:nvPr/>
+        </p:nvSpPr>
+        <p:spPr>
+          <a:xfrm>
+            <a:off x="8963152" y="6596390"/>
+            <a:ext cx="2222083" cy="261610"/>
+          </a:xfrm>
+          <a:prstGeom prst="rect">
+            <a:avLst/>
+          </a:prstGeom>
+          <a:noFill/>
+        </p:spPr>
+        <p:txBody>
+          <a:bodyPr wrap="none" rtlCol="0">
+            <a:spAutoFit/>
+          </a:bodyPr>
+          <a:lstStyle/>
+          <a:p>
+            <a:r>
+              <a:rPr lang="en-US" sz="1100" dirty="0">
+                <a:latin typeface="Avenir Book" panose="02000503020000020003" pitchFamily="2" charset="0"/>
+              </a:rPr>
+              <a:t>Ankita Roychoudhury 8.17.2020</a:t>
+            </a:r>
+          </a:p>
+        </p:txBody>
+      </p:sp>
+    </p:spTree>
+    <p:extLst>
+      <p:ext uri="{BB962C8B-B14F-4D97-AF65-F5344CB8AC3E}">
+        <p14:creationId xmlns:p14="http://schemas.microsoft.com/office/powerpoint/2010/main" val="1326901054"/>
+      </p:ext>
+    </p:extLst>
+  </p:cSld>
+  <p:clrMapOvr>
+    <a:masterClrMapping/>
+  </p:clrMapOvr>
+</p:sld>
+</file>
+
+<file path=ppt/slides/slide8.xml><?xml version="1.0" encoding="utf-8"?>
+<p:sld xmlns:a="http://schemas.openxmlformats.org/drawingml/2006/main" xmlns:r="http://schemas.openxmlformats.org/officeDocument/2006/relationships" xmlns:p="http://schemas.openxmlformats.org/presentationml/2006/main">
+  <p:cSld>
+    <p:spTree>
+      <p:nvGrpSpPr>
+        <p:cNvPr id="1" name=""/>
+        <p:cNvGrpSpPr/>
+        <p:nvPr/>
+      </p:nvGrpSpPr>
+      <p:grpSpPr>
+        <a:xfrm>
+          <a:off x="0" y="0"/>
+          <a:ext cx="0" cy="0"/>
+          <a:chOff x="0" y="0"/>
+          <a:chExt cx="0" cy="0"/>
+        </a:xfrm>
+      </p:grpSpPr>
+      <p:sp>
+        <p:nvSpPr>
+          <p:cNvPr id="2" name="Title 1">
+            <a:extLst>
+              <a:ext uri="{FF2B5EF4-FFF2-40B4-BE49-F238E27FC236}">
+                <a16:creationId xmlns:a16="http://schemas.microsoft.com/office/drawing/2014/main" id="{67EBB13D-F318-2D45-8903-9A64BE87D8B5}"/>
+              </a:ext>
+            </a:extLst>
+          </p:cNvPr>
+          <p:cNvSpPr>
+            <a:spLocks noGrp="1"/>
+          </p:cNvSpPr>
+          <p:nvPr>
+            <p:ph type="title"/>
+          </p:nvPr>
+        </p:nvSpPr>
+        <p:spPr/>
+        <p:txBody>
+          <a:bodyPr/>
+          <a:lstStyle/>
+          <a:p>
+            <a:r>
+              <a:rPr lang="en-US" dirty="0"/>
+              <a:t>ATP Synthase Simulations</a:t>
+            </a:r>
+          </a:p>
+        </p:txBody>
+      </p:sp>
+      <p:sp>
+        <p:nvSpPr>
+          <p:cNvPr id="3" name="Content Placeholder 2">
+            <a:extLst>
+              <a:ext uri="{FF2B5EF4-FFF2-40B4-BE49-F238E27FC236}">
+                <a16:creationId xmlns:a16="http://schemas.microsoft.com/office/drawing/2014/main" id="{76A241D4-6FA6-994E-8EB5-609A99CE9DE1}"/>
+              </a:ext>
+            </a:extLst>
+          </p:cNvPr>
+          <p:cNvSpPr>
+            <a:spLocks noGrp="1"/>
+          </p:cNvSpPr>
+          <p:nvPr>
+            <p:ph idx="1"/>
+          </p:nvPr>
+        </p:nvSpPr>
+        <p:spPr/>
+        <p:txBody>
+          <a:bodyPr/>
+          <a:lstStyle/>
+          <a:p>
+            <a:endParaRPr lang="en-US"/>
+          </a:p>
+        </p:txBody>
+      </p:sp>
+      <p:pic>
+        <p:nvPicPr>
+          <p:cNvPr id="4" name="Picture 3" descr="A picture containing drawing&#10;&#10;Description automatically generated">
+            <a:extLst>
+              <a:ext uri="{FF2B5EF4-FFF2-40B4-BE49-F238E27FC236}">
+                <a16:creationId xmlns:a16="http://schemas.microsoft.com/office/drawing/2014/main" id="{5F56DD81-1A49-944A-AD76-D34880058FE4}"/>
+              </a:ext>
+            </a:extLst>
+          </p:cNvPr>
+          <p:cNvPicPr>
+            <a:picLocks noChangeAspect="1"/>
+          </p:cNvPicPr>
+          <p:nvPr/>
+        </p:nvPicPr>
+        <p:blipFill>
+          <a:blip r:embed="rId2"/>
+          <a:stretch>
+            <a:fillRect/>
+          </a:stretch>
+        </p:blipFill>
+        <p:spPr>
+          <a:xfrm>
+            <a:off x="11117119" y="6514803"/>
+            <a:ext cx="1074881" cy="343197"/>
+          </a:xfrm>
+          <a:prstGeom prst="rect">
+            <a:avLst/>
+          </a:prstGeom>
+        </p:spPr>
+      </p:pic>
+      <p:sp>
+        <p:nvSpPr>
+          <p:cNvPr id="5" name="TextBox 4">
+            <a:extLst>
+              <a:ext uri="{FF2B5EF4-FFF2-40B4-BE49-F238E27FC236}">
+                <a16:creationId xmlns:a16="http://schemas.microsoft.com/office/drawing/2014/main" id="{0DED74B9-F061-784D-9B1A-5CC2E34A248C}"/>
+              </a:ext>
+            </a:extLst>
+          </p:cNvPr>
+          <p:cNvSpPr txBox="1"/>
+          <p:nvPr/>
+        </p:nvSpPr>
+        <p:spPr>
+          <a:xfrm>
+            <a:off x="8963152" y="6596390"/>
+            <a:ext cx="2222083" cy="261610"/>
+          </a:xfrm>
+          <a:prstGeom prst="rect">
+            <a:avLst/>
+          </a:prstGeom>
+          <a:noFill/>
+        </p:spPr>
+        <p:txBody>
+          <a:bodyPr wrap="none" rtlCol="0">
+            <a:spAutoFit/>
+          </a:bodyPr>
+          <a:lstStyle/>
+          <a:p>
+            <a:r>
+              <a:rPr lang="en-US" sz="1100" dirty="0">
+                <a:latin typeface="Avenir Book" panose="02000503020000020003" pitchFamily="2" charset="0"/>
+              </a:rPr>
+              <a:t>Ankita Roychoudhury 8.17.2020</a:t>
+            </a:r>
+          </a:p>
+        </p:txBody>
+      </p:sp>
+    </p:spTree>
+    <p:extLst>
+      <p:ext uri="{BB962C8B-B14F-4D97-AF65-F5344CB8AC3E}">
+        <p14:creationId xmlns:p14="http://schemas.microsoft.com/office/powerpoint/2010/main" val="2806028784"/>
+      </p:ext>
+    </p:extLst>
+  </p:cSld>
+  <p:clrMapOvr>
+    <a:masterClrMapping/>
+  </p:clrMapOvr>
+</p:sld>
+</file>
+
+<file path=ppt/slides/slide9.xml><?xml version="1.0" encoding="utf-8"?>
+<p:sld xmlns:a="http://schemas.openxmlformats.org/drawingml/2006/main" xmlns:r="http://schemas.openxmlformats.org/officeDocument/2006/relationships" xmlns:p="http://schemas.openxmlformats.org/presentationml/2006/main">
+  <p:cSld>
+    <p:spTree>
+      <p:nvGrpSpPr>
+        <p:cNvPr id="1" name=""/>
+        <p:cNvGrpSpPr/>
+        <p:nvPr/>
+      </p:nvGrpSpPr>
+      <p:grpSpPr>
+        <a:xfrm>
+          <a:off x="0" y="0"/>
+          <a:ext cx="0" cy="0"/>
+          <a:chOff x="0" y="0"/>
+          <a:chExt cx="0" cy="0"/>
+        </a:xfrm>
+      </p:grpSpPr>
+      <p:sp>
+        <p:nvSpPr>
+          <p:cNvPr id="2" name="Title 1">
+            <a:extLst>
+              <a:ext uri="{FF2B5EF4-FFF2-40B4-BE49-F238E27FC236}">
+                <a16:creationId xmlns:a16="http://schemas.microsoft.com/office/drawing/2014/main" id="{2A5E8054-14EE-4249-ABDC-4BF90931D4AA}"/>
+              </a:ext>
+            </a:extLst>
+          </p:cNvPr>
+          <p:cNvSpPr>
+            <a:spLocks noGrp="1"/>
+          </p:cNvSpPr>
+          <p:nvPr>
+            <p:ph type="title"/>
+          </p:nvPr>
+        </p:nvSpPr>
+        <p:spPr/>
+        <p:txBody>
+          <a:bodyPr/>
+          <a:lstStyle/>
+          <a:p>
+            <a:r>
+              <a:rPr lang="en-US" dirty="0"/>
+              <a:t>ATP Synthase with </a:t>
+            </a:r>
+            <a:r>
+              <a:rPr lang="en-US" dirty="0" err="1"/>
+              <a:t>Ayush</a:t>
+            </a:r>
+            <a:endParaRPr lang="en-US" dirty="0"/>
+          </a:p>
+        </p:txBody>
+      </p:sp>
+      <p:sp>
+        <p:nvSpPr>
+          <p:cNvPr id="3" name="Content Placeholder 2">
+            <a:extLst>
+              <a:ext uri="{FF2B5EF4-FFF2-40B4-BE49-F238E27FC236}">
+                <a16:creationId xmlns:a16="http://schemas.microsoft.com/office/drawing/2014/main" id="{16B93FFC-44AD-DD45-8447-9FF2C89B2FC8}"/>
+              </a:ext>
+            </a:extLst>
+          </p:cNvPr>
+          <p:cNvSpPr>
+            <a:spLocks noGrp="1"/>
+          </p:cNvSpPr>
+          <p:nvPr>
+            <p:ph idx="1"/>
+          </p:nvPr>
+        </p:nvSpPr>
+        <p:spPr/>
+        <p:txBody>
+          <a:bodyPr/>
+          <a:lstStyle/>
+          <a:p>
+            <a:endParaRPr lang="en-US"/>
+          </a:p>
+        </p:txBody>
+      </p:sp>
+      <p:pic>
+        <p:nvPicPr>
+          <p:cNvPr id="4" name="Picture 3" descr="A picture containing drawing&#10;&#10;Description automatically generated">
+            <a:extLst>
+              <a:ext uri="{FF2B5EF4-FFF2-40B4-BE49-F238E27FC236}">
+                <a16:creationId xmlns:a16="http://schemas.microsoft.com/office/drawing/2014/main" id="{1F180694-CA3A-5E46-A5B0-61484D753165}"/>
+              </a:ext>
+            </a:extLst>
+          </p:cNvPr>
+          <p:cNvPicPr>
+            <a:picLocks noChangeAspect="1"/>
+          </p:cNvPicPr>
+          <p:nvPr/>
+        </p:nvPicPr>
+        <p:blipFill>
+          <a:blip r:embed="rId2"/>
+          <a:stretch>
+            <a:fillRect/>
+          </a:stretch>
+        </p:blipFill>
+        <p:spPr>
+          <a:xfrm>
+            <a:off x="11117119" y="6514803"/>
+            <a:ext cx="1074881" cy="343197"/>
+          </a:xfrm>
+          <a:prstGeom prst="rect">
+            <a:avLst/>
+          </a:prstGeom>
+        </p:spPr>
+      </p:pic>
+      <p:sp>
+        <p:nvSpPr>
+          <p:cNvPr id="5" name="TextBox 4">
+            <a:extLst>
+              <a:ext uri="{FF2B5EF4-FFF2-40B4-BE49-F238E27FC236}">
+                <a16:creationId xmlns:a16="http://schemas.microsoft.com/office/drawing/2014/main" id="{F383125C-F600-7A49-B52F-EB67A9138FED}"/>
+              </a:ext>
+            </a:extLst>
+          </p:cNvPr>
+          <p:cNvSpPr txBox="1"/>
+          <p:nvPr/>
+        </p:nvSpPr>
+        <p:spPr>
+          <a:xfrm>
+            <a:off x="8963152" y="6596390"/>
+            <a:ext cx="2222083" cy="261610"/>
+          </a:xfrm>
+          <a:prstGeom prst="rect">
+            <a:avLst/>
+          </a:prstGeom>
+          <a:noFill/>
+        </p:spPr>
+        <p:txBody>
+          <a:bodyPr wrap="none" rtlCol="0">
+            <a:spAutoFit/>
+          </a:bodyPr>
+          <a:lstStyle/>
+          <a:p>
+            <a:r>
+              <a:rPr lang="en-US" sz="1100" dirty="0">
+                <a:latin typeface="Avenir Book" panose="02000503020000020003" pitchFamily="2" charset="0"/>
+              </a:rPr>
+              <a:t>Ankita Roychoudhury 8.17.2020</a:t>
+            </a:r>
+          </a:p>
+        </p:txBody>
+      </p:sp>
+    </p:spTree>
+    <p:extLst>
+      <p:ext uri="{BB962C8B-B14F-4D97-AF65-F5344CB8AC3E}">
+        <p14:creationId xmlns:p14="http://schemas.microsoft.com/office/powerpoint/2010/main" val="1257779323"/>
       </p:ext>
     </p:extLst>
   </p:cSld>
@@ -3804,4 +12886,299 @@
     </a:ext>
   </a:extLst>
 </a:theme>
+</file>
+
+<file path=ppt/theme/theme2.xml><?xml version="1.0" encoding="utf-8"?>
+<a:theme xmlns:a="http://schemas.openxmlformats.org/drawingml/2006/main" name="Office Theme">
+  <a:themeElements>
+    <a:clrScheme name="Office">
+      <a:dk1>
+        <a:sysClr val="windowText" lastClr="000000"/>
+      </a:dk1>
+      <a:lt1>
+        <a:sysClr val="window" lastClr="FFFFFF"/>
+      </a:lt1>
+      <a:dk2>
+        <a:srgbClr val="44546A"/>
+      </a:dk2>
+      <a:lt2>
+        <a:srgbClr val="E7E6E6"/>
+      </a:lt2>
+      <a:accent1>
+        <a:srgbClr val="4472C4"/>
+      </a:accent1>
+      <a:accent2>
+        <a:srgbClr val="ED7D31"/>
+      </a:accent2>
+      <a:accent3>
+        <a:srgbClr val="A5A5A5"/>
+      </a:accent3>
+      <a:accent4>
+        <a:srgbClr val="FFC000"/>
+      </a:accent4>
+      <a:accent5>
+        <a:srgbClr val="5B9BD5"/>
+      </a:accent5>
+      <a:accent6>
+        <a:srgbClr val="70AD47"/>
+      </a:accent6>
+      <a:hlink>
+        <a:srgbClr val="0563C1"/>
+      </a:hlink>
+      <a:folHlink>
+        <a:srgbClr val="954F72"/>
+      </a:folHlink>
+    </a:clrScheme>
+    <a:fontScheme name="Office">
+      <a:majorFont>
+        <a:latin typeface="Calibri Light" panose="020F0302020204030204"/>
+        <a:ea typeface=""/>
+        <a:cs typeface=""/>
+        <a:font script="Jpan" typeface="游ゴシック Light"/>
+        <a:font script="Hang" typeface="맑은 고딕"/>
+        <a:font script="Hans" typeface="等线 Light"/>
+        <a:font script="Hant" typeface="新細明體"/>
+        <a:font script="Arab" typeface="Times New Roman"/>
+        <a:font script="Hebr" typeface="Times New Roman"/>
+        <a:font script="Thai" typeface="Angsana New"/>
+        <a:font script="Ethi" typeface="Nyala"/>
+        <a:font script="Beng" typeface="Vrinda"/>
+        <a:font script="Gujr" typeface="Shruti"/>
+        <a:font script="Khmr" typeface="MoolBoran"/>
+        <a:font script="Knda" typeface="Tunga"/>
+        <a:font script="Guru" typeface="Raavi"/>
+        <a:font script="Cans" typeface="Euphemia"/>
+        <a:font script="Cher" typeface="Plantagenet Cherokee"/>
+        <a:font script="Yiii" typeface="Microsoft Yi Baiti"/>
+        <a:font script="Tibt" typeface="Microsoft Himalaya"/>
+        <a:font script="Thaa" typeface="MV Boli"/>
+        <a:font script="Deva" typeface="Mangal"/>
+        <a:font script="Telu" typeface="Gautami"/>
+        <a:font script="Taml" typeface="Latha"/>
+        <a:font script="Syrc" typeface="Estrangelo Edessa"/>
+        <a:font script="Orya" typeface="Kalinga"/>
+        <a:font script="Mlym" typeface="Kartika"/>
+        <a:font script="Laoo" typeface="DokChampa"/>
+        <a:font script="Sinh" typeface="Iskoola Pota"/>
+        <a:font script="Mong" typeface="Mongolian Baiti"/>
+        <a:font script="Viet" typeface="Times New Roman"/>
+        <a:font script="Uigh" typeface="Microsoft Uighur"/>
+        <a:font script="Geor" typeface="Sylfaen"/>
+        <a:font script="Armn" typeface="Arial"/>
+        <a:font script="Bugi" typeface="Leelawadee UI"/>
+        <a:font script="Bopo" typeface="Microsoft JhengHei"/>
+        <a:font script="Java" typeface="Javanese Text"/>
+        <a:font script="Lisu" typeface="Segoe UI"/>
+        <a:font script="Mymr" typeface="Myanmar Text"/>
+        <a:font script="Nkoo" typeface="Ebrima"/>
+        <a:font script="Olck" typeface="Nirmala UI"/>
+        <a:font script="Osma" typeface="Ebrima"/>
+        <a:font script="Phag" typeface="Phagspa"/>
+        <a:font script="Syrn" typeface="Estrangelo Edessa"/>
+        <a:font script="Syrj" typeface="Estrangelo Edessa"/>
+        <a:font script="Syre" typeface="Estrangelo Edessa"/>
+        <a:font script="Sora" typeface="Nirmala UI"/>
+        <a:font script="Tale" typeface="Microsoft Tai Le"/>
+        <a:font script="Talu" typeface="Microsoft New Tai Lue"/>
+        <a:font script="Tfng" typeface="Ebrima"/>
+      </a:majorFont>
+      <a:minorFont>
+        <a:latin typeface="Calibri" panose="020F0502020204030204"/>
+        <a:ea typeface=""/>
+        <a:cs typeface=""/>
+        <a:font script="Jpan" typeface="游ゴシック"/>
+        <a:font script="Hang" typeface="맑은 고딕"/>
+        <a:font script="Hans" typeface="等线"/>
+        <a:font script="Hant" typeface="新細明體"/>
+        <a:font script="Arab" typeface="Arial"/>
+        <a:font script="Hebr" typeface="Arial"/>
+        <a:font script="Thai" typeface="Cordia New"/>
+        <a:font script="Ethi" typeface="Nyala"/>
+        <a:font script="Beng" typeface="Vrinda"/>
+        <a:font script="Gujr" typeface="Shruti"/>
+        <a:font script="Khmr" typeface="DaunPenh"/>
+        <a:font script="Knda" typeface="Tunga"/>
+        <a:font script="Guru" typeface="Raavi"/>
+        <a:font script="Cans" typeface="Euphemia"/>
+        <a:font script="Cher" typeface="Plantagenet Cherokee"/>
+        <a:font script="Yiii" typeface="Microsoft Yi Baiti"/>
+        <a:font script="Tibt" typeface="Microsoft Himalaya"/>
+        <a:font script="Thaa" typeface="MV Boli"/>
+        <a:font script="Deva" typeface="Mangal"/>
+        <a:font script="Telu" typeface="Gautami"/>
+        <a:font script="Taml" typeface="Latha"/>
+        <a:font script="Syrc" typeface="Estrangelo Edessa"/>
+        <a:font script="Orya" typeface="Kalinga"/>
+        <a:font script="Mlym" typeface="Kartika"/>
+        <a:font script="Laoo" typeface="DokChampa"/>
+        <a:font script="Sinh" typeface="Iskoola Pota"/>
+        <a:font script="Mong" typeface="Mongolian Baiti"/>
+        <a:font script="Viet" typeface="Arial"/>
+        <a:font script="Uigh" typeface="Microsoft Uighur"/>
+        <a:font script="Geor" typeface="Sylfaen"/>
+        <a:font script="Armn" typeface="Arial"/>
+        <a:font script="Bugi" typeface="Leelawadee UI"/>
+        <a:font script="Bopo" typeface="Microsoft JhengHei"/>
+        <a:font script="Java" typeface="Javanese Text"/>
+        <a:font script="Lisu" typeface="Segoe UI"/>
+        <a:font script="Mymr" typeface="Myanmar Text"/>
+        <a:font script="Nkoo" typeface="Ebrima"/>
+        <a:font script="Olck" typeface="Nirmala UI"/>
+        <a:font script="Osma" typeface="Ebrima"/>
+        <a:font script="Phag" typeface="Phagspa"/>
+        <a:font script="Syrn" typeface="Estrangelo Edessa"/>
+        <a:font script="Syrj" typeface="Estrangelo Edessa"/>
+        <a:font script="Syre" typeface="Estrangelo Edessa"/>
+        <a:font script="Sora" typeface="Nirmala UI"/>
+        <a:font script="Tale" typeface="Microsoft Tai Le"/>
+        <a:font script="Talu" typeface="Microsoft New Tai Lue"/>
+        <a:font script="Tfng" typeface="Ebrima"/>
+      </a:minorFont>
+    </a:fontScheme>
+    <a:fmtScheme name="Office">
+      <a:fillStyleLst>
+        <a:solidFill>
+          <a:schemeClr val="phClr"/>
+        </a:solidFill>
+        <a:gradFill rotWithShape="1">
+          <a:gsLst>
+            <a:gs pos="0">
+              <a:schemeClr val="phClr">
+                <a:lumMod val="110000"/>
+                <a:satMod val="105000"/>
+                <a:tint val="67000"/>
+              </a:schemeClr>
+            </a:gs>
+            <a:gs pos="50000">
+              <a:schemeClr val="phClr">
+                <a:lumMod val="105000"/>
+                <a:satMod val="103000"/>
+                <a:tint val="73000"/>
+              </a:schemeClr>
+            </a:gs>
+            <a:gs pos="100000">
+              <a:schemeClr val="phClr">
+                <a:lumMod val="105000"/>
+                <a:satMod val="109000"/>
+                <a:tint val="81000"/>
+              </a:schemeClr>
+            </a:gs>
+          </a:gsLst>
+          <a:lin ang="5400000" scaled="0"/>
+        </a:gradFill>
+        <a:gradFill rotWithShape="1">
+          <a:gsLst>
+            <a:gs pos="0">
+              <a:schemeClr val="phClr">
+                <a:satMod val="103000"/>
+                <a:lumMod val="102000"/>
+                <a:tint val="94000"/>
+              </a:schemeClr>
+            </a:gs>
+            <a:gs pos="50000">
+              <a:schemeClr val="phClr">
+                <a:satMod val="110000"/>
+                <a:lumMod val="100000"/>
+                <a:shade val="100000"/>
+              </a:schemeClr>
+            </a:gs>
+            <a:gs pos="100000">
+              <a:schemeClr val="phClr">
+                <a:lumMod val="99000"/>
+                <a:satMod val="120000"/>
+                <a:shade val="78000"/>
+              </a:schemeClr>
+            </a:gs>
+          </a:gsLst>
+          <a:lin ang="5400000" scaled="0"/>
+        </a:gradFill>
+      </a:fillStyleLst>
+      <a:lnStyleLst>
+        <a:ln w="6350" cap="flat" cmpd="sng" algn="ctr">
+          <a:solidFill>
+            <a:schemeClr val="phClr"/>
+          </a:solidFill>
+          <a:prstDash val="solid"/>
+          <a:miter lim="800000"/>
+        </a:ln>
+        <a:ln w="12700" cap="flat" cmpd="sng" algn="ctr">
+          <a:solidFill>
+            <a:schemeClr val="phClr"/>
+          </a:solidFill>
+          <a:prstDash val="solid"/>
+          <a:miter lim="800000"/>
+        </a:ln>
+        <a:ln w="19050" cap="flat" cmpd="sng" algn="ctr">
+          <a:solidFill>
+            <a:schemeClr val="phClr"/>
+          </a:solidFill>
+          <a:prstDash val="solid"/>
+          <a:miter lim="800000"/>
+        </a:ln>
+      </a:lnStyleLst>
+      <a:effectStyleLst>
+        <a:effectStyle>
+          <a:effectLst/>
+        </a:effectStyle>
+        <a:effectStyle>
+          <a:effectLst/>
+        </a:effectStyle>
+        <a:effectStyle>
+          <a:effectLst>
+            <a:outerShdw blurRad="57150" dist="19050" dir="5400000" algn="ctr" rotWithShape="0">
+              <a:srgbClr val="000000">
+                <a:alpha val="63000"/>
+              </a:srgbClr>
+            </a:outerShdw>
+          </a:effectLst>
+        </a:effectStyle>
+      </a:effectStyleLst>
+      <a:bgFillStyleLst>
+        <a:solidFill>
+          <a:schemeClr val="phClr"/>
+        </a:solidFill>
+        <a:solidFill>
+          <a:schemeClr val="phClr">
+            <a:tint val="95000"/>
+            <a:satMod val="170000"/>
+          </a:schemeClr>
+        </a:solidFill>
+        <a:gradFill rotWithShape="1">
+          <a:gsLst>
+            <a:gs pos="0">
+              <a:schemeClr val="phClr">
+                <a:tint val="93000"/>
+                <a:satMod val="150000"/>
+                <a:shade val="98000"/>
+                <a:lumMod val="102000"/>
+              </a:schemeClr>
+            </a:gs>
+            <a:gs pos="50000">
+              <a:schemeClr val="phClr">
+                <a:tint val="98000"/>
+                <a:satMod val="130000"/>
+                <a:shade val="90000"/>
+                <a:lumMod val="103000"/>
+              </a:schemeClr>
+            </a:gs>
+            <a:gs pos="100000">
+              <a:schemeClr val="phClr">
+                <a:shade val="63000"/>
+                <a:satMod val="120000"/>
+              </a:schemeClr>
+            </a:gs>
+          </a:gsLst>
+          <a:lin ang="5400000" scaled="0"/>
+        </a:gradFill>
+      </a:bgFillStyleLst>
+    </a:fmtScheme>
+  </a:themeElements>
+  <a:objectDefaults/>
+  <a:extraClrSchemeLst/>
+  <a:extLst>
+    <a:ext uri="{05A4C25C-085E-4340-85A3-A5531E510DB2}">
+      <thm15:themeFamily xmlns:thm15="http://schemas.microsoft.com/office/thememl/2012/main" name="Office Theme" id="{62F939B6-93AF-4DB8-9C6B-D6C7DFDC589F}" vid="{4A3C46E8-61CC-4603-A589-7422A47A8E4A}"/>
+    </a:ext>
+  </a:extLst>
+</a:theme>
 </file>
--- a/miscellaneous/presentations/20200817_murray_mtg.pptx
+++ b/miscellaneous/presentations/20200817_murray_mtg.pptx
@@ -5,7 +5,7 @@
     <p:sldMasterId id="2147483648" r:id="rId1"/>
   </p:sldMasterIdLst>
   <p:notesMasterIdLst>
-    <p:notesMasterId r:id="rId16"/>
+    <p:notesMasterId r:id="rId18"/>
   </p:notesMasterIdLst>
   <p:sldIdLst>
     <p:sldId id="256" r:id="rId2"/>
@@ -16,12 +16,14 @@
     <p:sldId id="264" r:id="rId7"/>
     <p:sldId id="260" r:id="rId8"/>
     <p:sldId id="261" r:id="rId9"/>
-    <p:sldId id="262" r:id="rId10"/>
-    <p:sldId id="265" r:id="rId11"/>
-    <p:sldId id="268" r:id="rId12"/>
-    <p:sldId id="270" r:id="rId13"/>
-    <p:sldId id="266" r:id="rId14"/>
-    <p:sldId id="267" r:id="rId15"/>
+    <p:sldId id="271" r:id="rId10"/>
+    <p:sldId id="272" r:id="rId11"/>
+    <p:sldId id="262" r:id="rId12"/>
+    <p:sldId id="265" r:id="rId13"/>
+    <p:sldId id="268" r:id="rId14"/>
+    <p:sldId id="270" r:id="rId15"/>
+    <p:sldId id="266" r:id="rId16"/>
+    <p:sldId id="267" r:id="rId17"/>
   </p:sldIdLst>
   <p:sldSz cx="12192000" cy="6858000"/>
   <p:notesSz cx="6858000" cy="9144000"/>
@@ -129,6 +131,1620 @@
 </file>
 
 <file path=ppt/diagrams/colors1.xml><?xml version="1.0" encoding="utf-8"?>
+<dgm:colorsDef xmlns:dgm="http://schemas.openxmlformats.org/drawingml/2006/diagram" xmlns:a="http://schemas.openxmlformats.org/drawingml/2006/main" uniqueId="urn:microsoft.com/office/officeart/2005/8/colors/accent0_2">
+  <dgm:title val=""/>
+  <dgm:desc val=""/>
+  <dgm:catLst>
+    <dgm:cat type="mainScheme" pri="10200"/>
+  </dgm:catLst>
+  <dgm:styleLbl name="node0">
+    <dgm:fillClrLst meth="repeat">
+      <a:schemeClr val="lt1"/>
+    </dgm:fillClrLst>
+    <dgm:linClrLst meth="repeat">
+      <a:schemeClr val="dk2">
+        <a:shade val="80000"/>
+      </a:schemeClr>
+    </dgm:linClrLst>
+    <dgm:effectClrLst/>
+    <dgm:txLinClrLst/>
+    <dgm:txFillClrLst meth="repeat">
+      <a:schemeClr val="dk2"/>
+    </dgm:txFillClrLst>
+    <dgm:txEffectClrLst/>
+  </dgm:styleLbl>
+  <dgm:styleLbl name="node1">
+    <dgm:fillClrLst meth="repeat">
+      <a:schemeClr val="lt1"/>
+    </dgm:fillClrLst>
+    <dgm:linClrLst meth="repeat">
+      <a:schemeClr val="dk2">
+        <a:shade val="80000"/>
+      </a:schemeClr>
+    </dgm:linClrLst>
+    <dgm:effectClrLst/>
+    <dgm:txLinClrLst/>
+    <dgm:txFillClrLst meth="repeat">
+      <a:schemeClr val="dk2"/>
+    </dgm:txFillClrLst>
+    <dgm:txEffectClrLst/>
+  </dgm:styleLbl>
+  <dgm:styleLbl name="alignNode1">
+    <dgm:fillClrLst meth="repeat">
+      <a:schemeClr val="lt1"/>
+    </dgm:fillClrLst>
+    <dgm:linClrLst meth="repeat">
+      <a:schemeClr val="dk2">
+        <a:shade val="80000"/>
+      </a:schemeClr>
+    </dgm:linClrLst>
+    <dgm:effectClrLst/>
+    <dgm:txLinClrLst/>
+    <dgm:txFillClrLst meth="repeat">
+      <a:schemeClr val="dk2"/>
+    </dgm:txFillClrLst>
+    <dgm:txEffectClrLst/>
+  </dgm:styleLbl>
+  <dgm:styleLbl name="lnNode1">
+    <dgm:fillClrLst meth="repeat">
+      <a:schemeClr val="lt1"/>
+    </dgm:fillClrLst>
+    <dgm:linClrLst meth="repeat">
+      <a:schemeClr val="dk2">
+        <a:shade val="80000"/>
+      </a:schemeClr>
+    </dgm:linClrLst>
+    <dgm:effectClrLst/>
+    <dgm:txLinClrLst/>
+    <dgm:txFillClrLst meth="repeat">
+      <a:schemeClr val="dk2"/>
+    </dgm:txFillClrLst>
+    <dgm:txEffectClrLst/>
+  </dgm:styleLbl>
+  <dgm:styleLbl name="vennNode1">
+    <dgm:fillClrLst meth="repeat">
+      <a:schemeClr val="lt1">
+        <a:alpha val="50000"/>
+      </a:schemeClr>
+    </dgm:fillClrLst>
+    <dgm:linClrLst meth="repeat">
+      <a:schemeClr val="dk2">
+        <a:shade val="80000"/>
+      </a:schemeClr>
+    </dgm:linClrLst>
+    <dgm:effectClrLst/>
+    <dgm:txLinClrLst/>
+    <dgm:txFillClrLst/>
+    <dgm:txEffectClrLst/>
+  </dgm:styleLbl>
+  <dgm:styleLbl name="node2">
+    <dgm:fillClrLst meth="repeat">
+      <a:schemeClr val="lt1"/>
+    </dgm:fillClrLst>
+    <dgm:linClrLst meth="repeat">
+      <a:schemeClr val="dk2">
+        <a:shade val="80000"/>
+      </a:schemeClr>
+    </dgm:linClrLst>
+    <dgm:effectClrLst/>
+    <dgm:txLinClrLst/>
+    <dgm:txFillClrLst meth="repeat">
+      <a:schemeClr val="dk2"/>
+    </dgm:txFillClrLst>
+    <dgm:txEffectClrLst/>
+  </dgm:styleLbl>
+  <dgm:styleLbl name="node3">
+    <dgm:fillClrLst meth="repeat">
+      <a:schemeClr val="lt1"/>
+    </dgm:fillClrLst>
+    <dgm:linClrLst meth="repeat">
+      <a:schemeClr val="dk2">
+        <a:shade val="80000"/>
+      </a:schemeClr>
+    </dgm:linClrLst>
+    <dgm:effectClrLst/>
+    <dgm:txLinClrLst/>
+    <dgm:txFillClrLst meth="repeat">
+      <a:schemeClr val="dk2"/>
+    </dgm:txFillClrLst>
+    <dgm:txEffectClrLst/>
+  </dgm:styleLbl>
+  <dgm:styleLbl name="node4">
+    <dgm:fillClrLst meth="repeat">
+      <a:schemeClr val="lt1"/>
+    </dgm:fillClrLst>
+    <dgm:linClrLst meth="repeat">
+      <a:schemeClr val="dk2">
+        <a:shade val="80000"/>
+      </a:schemeClr>
+    </dgm:linClrLst>
+    <dgm:effectClrLst/>
+    <dgm:txLinClrLst/>
+    <dgm:txFillClrLst meth="repeat">
+      <a:schemeClr val="dk2"/>
+    </dgm:txFillClrLst>
+    <dgm:txEffectClrLst/>
+  </dgm:styleLbl>
+  <dgm:styleLbl name="fgImgPlace1">
+    <dgm:fillClrLst meth="repeat">
+      <a:schemeClr val="dk2">
+        <a:tint val="40000"/>
+      </a:schemeClr>
+    </dgm:fillClrLst>
+    <dgm:linClrLst meth="repeat">
+      <a:schemeClr val="dk2">
+        <a:shade val="80000"/>
+      </a:schemeClr>
+    </dgm:linClrLst>
+    <dgm:effectClrLst/>
+    <dgm:txLinClrLst/>
+    <dgm:txFillClrLst meth="repeat">
+      <a:schemeClr val="lt1"/>
+    </dgm:txFillClrLst>
+    <dgm:txEffectClrLst/>
+  </dgm:styleLbl>
+  <dgm:styleLbl name="alignImgPlace1">
+    <dgm:fillClrLst meth="repeat">
+      <a:schemeClr val="dk2">
+        <a:tint val="40000"/>
+      </a:schemeClr>
+    </dgm:fillClrLst>
+    <dgm:linClrLst meth="repeat">
+      <a:schemeClr val="dk2">
+        <a:shade val="80000"/>
+      </a:schemeClr>
+    </dgm:linClrLst>
+    <dgm:effectClrLst/>
+    <dgm:txLinClrLst/>
+    <dgm:txFillClrLst meth="repeat">
+      <a:schemeClr val="lt1"/>
+    </dgm:txFillClrLst>
+    <dgm:txEffectClrLst/>
+  </dgm:styleLbl>
+  <dgm:styleLbl name="bgImgPlace1">
+    <dgm:fillClrLst meth="repeat">
+      <a:schemeClr val="dk2">
+        <a:tint val="40000"/>
+      </a:schemeClr>
+    </dgm:fillClrLst>
+    <dgm:linClrLst meth="repeat">
+      <a:schemeClr val="dk2">
+        <a:shade val="80000"/>
+      </a:schemeClr>
+    </dgm:linClrLst>
+    <dgm:effectClrLst/>
+    <dgm:txLinClrLst/>
+    <dgm:txFillClrLst meth="repeat">
+      <a:schemeClr val="lt1"/>
+    </dgm:txFillClrLst>
+    <dgm:txEffectClrLst/>
+  </dgm:styleLbl>
+  <dgm:styleLbl name="sibTrans2D1">
+    <dgm:fillClrLst meth="repeat">
+      <a:schemeClr val="dk2">
+        <a:tint val="60000"/>
+      </a:schemeClr>
+    </dgm:fillClrLst>
+    <dgm:linClrLst meth="repeat">
+      <a:schemeClr val="dk2">
+        <a:tint val="60000"/>
+      </a:schemeClr>
+    </dgm:linClrLst>
+    <dgm:effectClrLst/>
+    <dgm:txLinClrLst/>
+    <dgm:txFillClrLst meth="repeat">
+      <a:schemeClr val="dk2"/>
+    </dgm:txFillClrLst>
+    <dgm:txEffectClrLst/>
+  </dgm:styleLbl>
+  <dgm:styleLbl name="fgSibTrans2D1">
+    <dgm:fillClrLst meth="repeat">
+      <a:schemeClr val="dk2">
+        <a:tint val="60000"/>
+      </a:schemeClr>
+    </dgm:fillClrLst>
+    <dgm:linClrLst meth="repeat">
+      <a:schemeClr val="dk2">
+        <a:tint val="60000"/>
+      </a:schemeClr>
+    </dgm:linClrLst>
+    <dgm:effectClrLst/>
+    <dgm:txLinClrLst/>
+    <dgm:txFillClrLst meth="repeat">
+      <a:schemeClr val="dk2"/>
+    </dgm:txFillClrLst>
+    <dgm:txEffectClrLst/>
+  </dgm:styleLbl>
+  <dgm:styleLbl name="bgSibTrans2D1">
+    <dgm:fillClrLst meth="repeat">
+      <a:schemeClr val="dk2">
+        <a:tint val="60000"/>
+      </a:schemeClr>
+    </dgm:fillClrLst>
+    <dgm:linClrLst meth="repeat">
+      <a:schemeClr val="dk2">
+        <a:tint val="60000"/>
+      </a:schemeClr>
+    </dgm:linClrLst>
+    <dgm:effectClrLst/>
+    <dgm:txLinClrLst/>
+    <dgm:txFillClrLst meth="repeat">
+      <a:schemeClr val="dk2"/>
+    </dgm:txFillClrLst>
+    <dgm:txEffectClrLst/>
+  </dgm:styleLbl>
+  <dgm:styleLbl name="sibTrans1D1">
+    <dgm:fillClrLst meth="repeat">
+      <a:schemeClr val="dk2"/>
+    </dgm:fillClrLst>
+    <dgm:linClrLst meth="repeat">
+      <a:schemeClr val="dk2"/>
+    </dgm:linClrLst>
+    <dgm:effectClrLst/>
+    <dgm:txLinClrLst/>
+    <dgm:txFillClrLst meth="repeat">
+      <a:schemeClr val="tx1"/>
+    </dgm:txFillClrLst>
+    <dgm:txEffectClrLst/>
+  </dgm:styleLbl>
+  <dgm:styleLbl name="callout">
+    <dgm:fillClrLst meth="repeat">
+      <a:schemeClr val="dk2"/>
+    </dgm:fillClrLst>
+    <dgm:linClrLst meth="repeat">
+      <a:schemeClr val="dk2"/>
+    </dgm:linClrLst>
+    <dgm:effectClrLst/>
+    <dgm:txLinClrLst/>
+    <dgm:txFillClrLst meth="repeat">
+      <a:schemeClr val="tx1"/>
+    </dgm:txFillClrLst>
+    <dgm:txEffectClrLst/>
+  </dgm:styleLbl>
+  <dgm:styleLbl name="asst0">
+    <dgm:fillClrLst meth="repeat">
+      <a:schemeClr val="lt1"/>
+    </dgm:fillClrLst>
+    <dgm:linClrLst meth="repeat">
+      <a:schemeClr val="dk2">
+        <a:shade val="80000"/>
+      </a:schemeClr>
+    </dgm:linClrLst>
+    <dgm:effectClrLst/>
+    <dgm:txLinClrLst/>
+    <dgm:txFillClrLst meth="repeat">
+      <a:schemeClr val="dk2"/>
+    </dgm:txFillClrLst>
+    <dgm:txEffectClrLst/>
+  </dgm:styleLbl>
+  <dgm:styleLbl name="asst1">
+    <dgm:fillClrLst meth="repeat">
+      <a:schemeClr val="lt1"/>
+    </dgm:fillClrLst>
+    <dgm:linClrLst meth="repeat">
+      <a:schemeClr val="dk2">
+        <a:shade val="80000"/>
+      </a:schemeClr>
+    </dgm:linClrLst>
+    <dgm:effectClrLst/>
+    <dgm:txLinClrLst/>
+    <dgm:txFillClrLst meth="repeat">
+      <a:schemeClr val="dk2"/>
+    </dgm:txFillClrLst>
+    <dgm:txEffectClrLst/>
+  </dgm:styleLbl>
+  <dgm:styleLbl name="asst2">
+    <dgm:fillClrLst meth="repeat">
+      <a:schemeClr val="lt1"/>
+    </dgm:fillClrLst>
+    <dgm:linClrLst meth="repeat">
+      <a:schemeClr val="dk2">
+        <a:shade val="80000"/>
+      </a:schemeClr>
+    </dgm:linClrLst>
+    <dgm:effectClrLst/>
+    <dgm:txLinClrLst/>
+    <dgm:txFillClrLst meth="repeat">
+      <a:schemeClr val="dk2"/>
+    </dgm:txFillClrLst>
+    <dgm:txEffectClrLst/>
+  </dgm:styleLbl>
+  <dgm:styleLbl name="asst3">
+    <dgm:fillClrLst meth="repeat">
+      <a:schemeClr val="lt1"/>
+    </dgm:fillClrLst>
+    <dgm:linClrLst meth="repeat">
+      <a:schemeClr val="dk2">
+        <a:shade val="80000"/>
+      </a:schemeClr>
+    </dgm:linClrLst>
+    <dgm:effectClrLst/>
+    <dgm:txLinClrLst/>
+    <dgm:txFillClrLst meth="repeat">
+      <a:schemeClr val="dk2"/>
+    </dgm:txFillClrLst>
+    <dgm:txEffectClrLst/>
+  </dgm:styleLbl>
+  <dgm:styleLbl name="asst4">
+    <dgm:fillClrLst meth="repeat">
+      <a:schemeClr val="lt1"/>
+    </dgm:fillClrLst>
+    <dgm:linClrLst meth="repeat">
+      <a:schemeClr val="dk2">
+        <a:shade val="80000"/>
+      </a:schemeClr>
+    </dgm:linClrLst>
+    <dgm:effectClrLst/>
+    <dgm:txLinClrLst/>
+    <dgm:txFillClrLst meth="repeat">
+      <a:schemeClr val="dk2"/>
+    </dgm:txFillClrLst>
+    <dgm:txEffectClrLst/>
+  </dgm:styleLbl>
+  <dgm:styleLbl name="parChTrans2D1">
+    <dgm:fillClrLst meth="repeat">
+      <a:schemeClr val="dk2">
+        <a:tint val="60000"/>
+      </a:schemeClr>
+    </dgm:fillClrLst>
+    <dgm:linClrLst meth="repeat">
+      <a:schemeClr val="dk2">
+        <a:tint val="60000"/>
+      </a:schemeClr>
+    </dgm:linClrLst>
+    <dgm:effectClrLst/>
+    <dgm:txLinClrLst/>
+    <dgm:txFillClrLst/>
+    <dgm:txEffectClrLst/>
+  </dgm:styleLbl>
+  <dgm:styleLbl name="parChTrans2D2">
+    <dgm:fillClrLst meth="repeat">
+      <a:schemeClr val="dk2"/>
+    </dgm:fillClrLst>
+    <dgm:linClrLst meth="repeat">
+      <a:schemeClr val="dk2"/>
+    </dgm:linClrLst>
+    <dgm:effectClrLst/>
+    <dgm:txLinClrLst/>
+    <dgm:txFillClrLst/>
+    <dgm:txEffectClrLst/>
+  </dgm:styleLbl>
+  <dgm:styleLbl name="parChTrans2D3">
+    <dgm:fillClrLst meth="repeat">
+      <a:schemeClr val="dk2"/>
+    </dgm:fillClrLst>
+    <dgm:linClrLst meth="repeat">
+      <a:schemeClr val="dk2"/>
+    </dgm:linClrLst>
+    <dgm:effectClrLst/>
+    <dgm:txLinClrLst/>
+    <dgm:txFillClrLst/>
+    <dgm:txEffectClrLst/>
+  </dgm:styleLbl>
+  <dgm:styleLbl name="parChTrans2D4">
+    <dgm:fillClrLst meth="repeat">
+      <a:schemeClr val="dk2"/>
+    </dgm:fillClrLst>
+    <dgm:linClrLst meth="repeat">
+      <a:schemeClr val="dk2"/>
+    </dgm:linClrLst>
+    <dgm:effectClrLst/>
+    <dgm:txLinClrLst/>
+    <dgm:txFillClrLst meth="repeat">
+      <a:schemeClr val="lt1"/>
+    </dgm:txFillClrLst>
+    <dgm:txEffectClrLst/>
+  </dgm:styleLbl>
+  <dgm:styleLbl name="parChTrans1D1">
+    <dgm:fillClrLst meth="repeat">
+      <a:schemeClr val="dk2"/>
+    </dgm:fillClrLst>
+    <dgm:linClrLst meth="repeat">
+      <a:schemeClr val="dk2">
+        <a:shade val="60000"/>
+      </a:schemeClr>
+    </dgm:linClrLst>
+    <dgm:effectClrLst/>
+    <dgm:txLinClrLst/>
+    <dgm:txFillClrLst meth="repeat">
+      <a:schemeClr val="tx1"/>
+    </dgm:txFillClrLst>
+    <dgm:txEffectClrLst/>
+  </dgm:styleLbl>
+  <dgm:styleLbl name="parChTrans1D2">
+    <dgm:fillClrLst meth="repeat">
+      <a:schemeClr val="dk2"/>
+    </dgm:fillClrLst>
+    <dgm:linClrLst meth="repeat">
+      <a:schemeClr val="dk2">
+        <a:shade val="60000"/>
+      </a:schemeClr>
+    </dgm:linClrLst>
+    <dgm:effectClrLst/>
+    <dgm:txLinClrLst/>
+    <dgm:txFillClrLst meth="repeat">
+      <a:schemeClr val="tx1"/>
+    </dgm:txFillClrLst>
+    <dgm:txEffectClrLst/>
+  </dgm:styleLbl>
+  <dgm:styleLbl name="parChTrans1D3">
+    <dgm:fillClrLst meth="repeat">
+      <a:schemeClr val="dk2"/>
+    </dgm:fillClrLst>
+    <dgm:linClrLst meth="repeat">
+      <a:schemeClr val="dk2">
+        <a:shade val="80000"/>
+      </a:schemeClr>
+    </dgm:linClrLst>
+    <dgm:effectClrLst/>
+    <dgm:txLinClrLst/>
+    <dgm:txFillClrLst meth="repeat">
+      <a:schemeClr val="tx1"/>
+    </dgm:txFillClrLst>
+    <dgm:txEffectClrLst/>
+  </dgm:styleLbl>
+  <dgm:styleLbl name="parChTrans1D4">
+    <dgm:fillClrLst meth="repeat">
+      <a:schemeClr val="dk2"/>
+    </dgm:fillClrLst>
+    <dgm:linClrLst meth="repeat">
+      <a:schemeClr val="dk2">
+        <a:shade val="80000"/>
+      </a:schemeClr>
+    </dgm:linClrLst>
+    <dgm:effectClrLst/>
+    <dgm:txLinClrLst/>
+    <dgm:txFillClrLst meth="repeat">
+      <a:schemeClr val="tx1"/>
+    </dgm:txFillClrLst>
+    <dgm:txEffectClrLst/>
+  </dgm:styleLbl>
+  <dgm:styleLbl name="fgAcc1">
+    <dgm:fillClrLst meth="repeat">
+      <a:schemeClr val="dk2">
+        <a:alpha val="90000"/>
+        <a:tint val="40000"/>
+      </a:schemeClr>
+    </dgm:fillClrLst>
+    <dgm:linClrLst meth="repeat">
+      <a:schemeClr val="dk2"/>
+    </dgm:linClrLst>
+    <dgm:effectClrLst/>
+    <dgm:txLinClrLst/>
+    <dgm:txFillClrLst meth="repeat">
+      <a:schemeClr val="dk2"/>
+    </dgm:txFillClrLst>
+    <dgm:txEffectClrLst/>
+  </dgm:styleLbl>
+  <dgm:styleLbl name="conFgAcc1">
+    <dgm:fillClrLst meth="repeat">
+      <a:schemeClr val="dk2">
+        <a:alpha val="90000"/>
+        <a:tint val="40000"/>
+      </a:schemeClr>
+    </dgm:fillClrLst>
+    <dgm:linClrLst meth="repeat">
+      <a:schemeClr val="dk2"/>
+    </dgm:linClrLst>
+    <dgm:effectClrLst/>
+    <dgm:txLinClrLst/>
+    <dgm:txFillClrLst meth="repeat">
+      <a:schemeClr val="dk2"/>
+    </dgm:txFillClrLst>
+    <dgm:txEffectClrLst/>
+  </dgm:styleLbl>
+  <dgm:styleLbl name="alignAcc1">
+    <dgm:fillClrLst meth="repeat">
+      <a:schemeClr val="dk2">
+        <a:alpha val="90000"/>
+        <a:tint val="40000"/>
+      </a:schemeClr>
+    </dgm:fillClrLst>
+    <dgm:linClrLst meth="repeat">
+      <a:schemeClr val="dk2"/>
+    </dgm:linClrLst>
+    <dgm:effectClrLst/>
+    <dgm:txLinClrLst/>
+    <dgm:txFillClrLst meth="repeat">
+      <a:schemeClr val="dk2"/>
+    </dgm:txFillClrLst>
+    <dgm:txEffectClrLst/>
+  </dgm:styleLbl>
+  <dgm:styleLbl name="trAlignAcc1">
+    <dgm:fillClrLst meth="repeat">
+      <a:schemeClr val="dk2">
+        <a:alpha val="40000"/>
+        <a:tint val="40000"/>
+      </a:schemeClr>
+    </dgm:fillClrLst>
+    <dgm:linClrLst meth="repeat">
+      <a:schemeClr val="dk2"/>
+    </dgm:linClrLst>
+    <dgm:effectClrLst/>
+    <dgm:txLinClrLst/>
+    <dgm:txFillClrLst meth="repeat">
+      <a:schemeClr val="dk2"/>
+    </dgm:txFillClrLst>
+    <dgm:txEffectClrLst/>
+  </dgm:styleLbl>
+  <dgm:styleLbl name="bgAcc1">
+    <dgm:fillClrLst meth="repeat">
+      <a:schemeClr val="dk2">
+        <a:alpha val="90000"/>
+        <a:tint val="40000"/>
+      </a:schemeClr>
+    </dgm:fillClrLst>
+    <dgm:linClrLst meth="repeat">
+      <a:schemeClr val="dk2"/>
+    </dgm:linClrLst>
+    <dgm:effectClrLst/>
+    <dgm:txLinClrLst/>
+    <dgm:txFillClrLst meth="repeat">
+      <a:schemeClr val="dk2"/>
+    </dgm:txFillClrLst>
+    <dgm:txEffectClrLst/>
+  </dgm:styleLbl>
+  <dgm:styleLbl name="solidFgAcc1">
+    <dgm:fillClrLst meth="repeat">
+      <a:schemeClr val="lt1"/>
+    </dgm:fillClrLst>
+    <dgm:linClrLst meth="repeat">
+      <a:schemeClr val="dk2"/>
+    </dgm:linClrLst>
+    <dgm:effectClrLst/>
+    <dgm:txLinClrLst/>
+    <dgm:txFillClrLst meth="repeat">
+      <a:schemeClr val="dk2"/>
+    </dgm:txFillClrLst>
+    <dgm:txEffectClrLst/>
+  </dgm:styleLbl>
+  <dgm:styleLbl name="solidAlignAcc1">
+    <dgm:fillClrLst meth="repeat">
+      <a:schemeClr val="lt1"/>
+    </dgm:fillClrLst>
+    <dgm:linClrLst meth="repeat">
+      <a:schemeClr val="dk2"/>
+    </dgm:linClrLst>
+    <dgm:effectClrLst/>
+    <dgm:txLinClrLst/>
+    <dgm:txFillClrLst meth="repeat">
+      <a:schemeClr val="dk2"/>
+    </dgm:txFillClrLst>
+    <dgm:txEffectClrLst/>
+  </dgm:styleLbl>
+  <dgm:styleLbl name="solidBgAcc1">
+    <dgm:fillClrLst meth="repeat">
+      <a:schemeClr val="lt1"/>
+    </dgm:fillClrLst>
+    <dgm:linClrLst meth="repeat">
+      <a:schemeClr val="dk2"/>
+    </dgm:linClrLst>
+    <dgm:effectClrLst/>
+    <dgm:txLinClrLst/>
+    <dgm:txFillClrLst meth="repeat">
+      <a:schemeClr val="dk2"/>
+    </dgm:txFillClrLst>
+    <dgm:txEffectClrLst/>
+  </dgm:styleLbl>
+  <dgm:styleLbl name="fgAccFollowNode1">
+    <dgm:fillClrLst meth="repeat">
+      <a:schemeClr val="lt1">
+        <a:alpha val="90000"/>
+        <a:tint val="40000"/>
+      </a:schemeClr>
+    </dgm:fillClrLst>
+    <dgm:linClrLst meth="repeat">
+      <a:schemeClr val="dk2">
+        <a:alpha val="90000"/>
+      </a:schemeClr>
+    </dgm:linClrLst>
+    <dgm:effectClrLst/>
+    <dgm:txLinClrLst/>
+    <dgm:txFillClrLst meth="repeat">
+      <a:schemeClr val="dk2"/>
+    </dgm:txFillClrLst>
+    <dgm:txEffectClrLst/>
+  </dgm:styleLbl>
+  <dgm:styleLbl name="alignAccFollowNode1">
+    <dgm:fillClrLst meth="repeat">
+      <a:schemeClr val="lt1">
+        <a:alpha val="90000"/>
+        <a:tint val="40000"/>
+      </a:schemeClr>
+    </dgm:fillClrLst>
+    <dgm:linClrLst meth="repeat">
+      <a:schemeClr val="dk2">
+        <a:alpha val="90000"/>
+      </a:schemeClr>
+    </dgm:linClrLst>
+    <dgm:effectClrLst/>
+    <dgm:txLinClrLst/>
+    <dgm:txFillClrLst meth="repeat">
+      <a:schemeClr val="dk2"/>
+    </dgm:txFillClrLst>
+    <dgm:txEffectClrLst/>
+  </dgm:styleLbl>
+  <dgm:styleLbl name="bgAccFollowNode1">
+    <dgm:fillClrLst meth="repeat">
+      <a:schemeClr val="lt1">
+        <a:alpha val="90000"/>
+        <a:tint val="40000"/>
+      </a:schemeClr>
+    </dgm:fillClrLst>
+    <dgm:linClrLst meth="repeat">
+      <a:schemeClr val="dk2">
+        <a:alpha val="90000"/>
+      </a:schemeClr>
+    </dgm:linClrLst>
+    <dgm:effectClrLst/>
+    <dgm:txLinClrLst/>
+    <dgm:txFillClrLst meth="repeat">
+      <a:schemeClr val="dk2"/>
+    </dgm:txFillClrLst>
+    <dgm:txEffectClrLst/>
+  </dgm:styleLbl>
+  <dgm:styleLbl name="fgAcc0">
+    <dgm:fillClrLst meth="repeat">
+      <a:schemeClr val="dk2">
+        <a:alpha val="90000"/>
+        <a:tint val="40000"/>
+      </a:schemeClr>
+    </dgm:fillClrLst>
+    <dgm:linClrLst meth="repeat">
+      <a:schemeClr val="dk2"/>
+    </dgm:linClrLst>
+    <dgm:effectClrLst/>
+    <dgm:txLinClrLst/>
+    <dgm:txFillClrLst meth="repeat">
+      <a:schemeClr val="dk2"/>
+    </dgm:txFillClrLst>
+    <dgm:txEffectClrLst/>
+  </dgm:styleLbl>
+  <dgm:styleLbl name="fgAcc2">
+    <dgm:fillClrLst meth="repeat">
+      <a:schemeClr val="dk2">
+        <a:alpha val="90000"/>
+        <a:tint val="40000"/>
+      </a:schemeClr>
+    </dgm:fillClrLst>
+    <dgm:linClrLst meth="repeat">
+      <a:schemeClr val="dk2"/>
+    </dgm:linClrLst>
+    <dgm:effectClrLst/>
+    <dgm:txLinClrLst/>
+    <dgm:txFillClrLst meth="repeat">
+      <a:schemeClr val="dk2"/>
+    </dgm:txFillClrLst>
+    <dgm:txEffectClrLst/>
+  </dgm:styleLbl>
+  <dgm:styleLbl name="fgAcc3">
+    <dgm:fillClrLst meth="repeat">
+      <a:schemeClr val="dk2">
+        <a:alpha val="90000"/>
+        <a:tint val="40000"/>
+      </a:schemeClr>
+    </dgm:fillClrLst>
+    <dgm:linClrLst meth="repeat">
+      <a:schemeClr val="dk2"/>
+    </dgm:linClrLst>
+    <dgm:effectClrLst/>
+    <dgm:txLinClrLst/>
+    <dgm:txFillClrLst meth="repeat">
+      <a:schemeClr val="dk2"/>
+    </dgm:txFillClrLst>
+    <dgm:txEffectClrLst/>
+  </dgm:styleLbl>
+  <dgm:styleLbl name="fgAcc4">
+    <dgm:fillClrLst meth="repeat">
+      <a:schemeClr val="dk2">
+        <a:alpha val="90000"/>
+        <a:tint val="40000"/>
+      </a:schemeClr>
+    </dgm:fillClrLst>
+    <dgm:linClrLst meth="repeat">
+      <a:schemeClr val="dk2"/>
+    </dgm:linClrLst>
+    <dgm:effectClrLst/>
+    <dgm:txLinClrLst/>
+    <dgm:txFillClrLst meth="repeat">
+      <a:schemeClr val="dk2"/>
+    </dgm:txFillClrLst>
+    <dgm:txEffectClrLst/>
+  </dgm:styleLbl>
+  <dgm:styleLbl name="bgShp">
+    <dgm:fillClrLst meth="repeat">
+      <a:schemeClr val="dk2">
+        <a:tint val="40000"/>
+      </a:schemeClr>
+    </dgm:fillClrLst>
+    <dgm:linClrLst meth="repeat">
+      <a:schemeClr val="dk2"/>
+    </dgm:linClrLst>
+    <dgm:effectClrLst/>
+    <dgm:txLinClrLst/>
+    <dgm:txFillClrLst meth="repeat">
+      <a:schemeClr val="dk1"/>
+    </dgm:txFillClrLst>
+    <dgm:txEffectClrLst/>
+  </dgm:styleLbl>
+  <dgm:styleLbl name="dkBgShp">
+    <dgm:fillClrLst meth="repeat">
+      <a:schemeClr val="dk2">
+        <a:shade val="80000"/>
+      </a:schemeClr>
+    </dgm:fillClrLst>
+    <dgm:linClrLst meth="repeat">
+      <a:schemeClr val="dk2"/>
+    </dgm:linClrLst>
+    <dgm:effectClrLst/>
+    <dgm:txLinClrLst/>
+    <dgm:txFillClrLst meth="repeat">
+      <a:schemeClr val="lt2"/>
+    </dgm:txFillClrLst>
+    <dgm:txEffectClrLst/>
+  </dgm:styleLbl>
+  <dgm:styleLbl name="trBgShp">
+    <dgm:fillClrLst meth="repeat">
+      <a:schemeClr val="dk2">
+        <a:tint val="50000"/>
+        <a:alpha val="40000"/>
+      </a:schemeClr>
+    </dgm:fillClrLst>
+    <dgm:linClrLst meth="repeat">
+      <a:schemeClr val="dk2"/>
+    </dgm:linClrLst>
+    <dgm:effectClrLst/>
+    <dgm:txLinClrLst/>
+    <dgm:txFillClrLst meth="repeat">
+      <a:schemeClr val="lt2"/>
+    </dgm:txFillClrLst>
+    <dgm:txEffectClrLst/>
+  </dgm:styleLbl>
+  <dgm:styleLbl name="fgShp">
+    <dgm:fillClrLst meth="repeat">
+      <a:schemeClr val="dk2">
+        <a:tint val="60000"/>
+      </a:schemeClr>
+    </dgm:fillClrLst>
+    <dgm:linClrLst meth="repeat">
+      <a:schemeClr val="lt1"/>
+    </dgm:linClrLst>
+    <dgm:effectClrLst/>
+    <dgm:txLinClrLst/>
+    <dgm:txFillClrLst meth="repeat">
+      <a:schemeClr val="dk2"/>
+    </dgm:txFillClrLst>
+    <dgm:txEffectClrLst/>
+  </dgm:styleLbl>
+  <dgm:styleLbl name="revTx">
+    <dgm:fillClrLst meth="repeat">
+      <a:schemeClr val="lt1">
+        <a:alpha val="0"/>
+      </a:schemeClr>
+    </dgm:fillClrLst>
+    <dgm:linClrLst meth="repeat">
+      <a:schemeClr val="dk2">
+        <a:alpha val="0"/>
+      </a:schemeClr>
+    </dgm:linClrLst>
+    <dgm:effectClrLst/>
+    <dgm:txLinClrLst/>
+    <dgm:txFillClrLst meth="repeat">
+      <a:schemeClr val="tx1"/>
+    </dgm:txFillClrLst>
+    <dgm:txEffectClrLst/>
+  </dgm:styleLbl>
+</dgm:colorsDef>
+</file>
+
+<file path=ppt/diagrams/colors2.xml><?xml version="1.0" encoding="utf-8"?>
+<dgm:colorsDef xmlns:dgm="http://schemas.openxmlformats.org/drawingml/2006/diagram" xmlns:a="http://schemas.openxmlformats.org/drawingml/2006/main" uniqueId="urn:microsoft.com/office/officeart/2005/8/colors/accent0_2">
+  <dgm:title val=""/>
+  <dgm:desc val=""/>
+  <dgm:catLst>
+    <dgm:cat type="mainScheme" pri="10200"/>
+  </dgm:catLst>
+  <dgm:styleLbl name="node0">
+    <dgm:fillClrLst meth="repeat">
+      <a:schemeClr val="lt1"/>
+    </dgm:fillClrLst>
+    <dgm:linClrLst meth="repeat">
+      <a:schemeClr val="dk2">
+        <a:shade val="80000"/>
+      </a:schemeClr>
+    </dgm:linClrLst>
+    <dgm:effectClrLst/>
+    <dgm:txLinClrLst/>
+    <dgm:txFillClrLst meth="repeat">
+      <a:schemeClr val="dk2"/>
+    </dgm:txFillClrLst>
+    <dgm:txEffectClrLst/>
+  </dgm:styleLbl>
+  <dgm:styleLbl name="node1">
+    <dgm:fillClrLst meth="repeat">
+      <a:schemeClr val="lt1"/>
+    </dgm:fillClrLst>
+    <dgm:linClrLst meth="repeat">
+      <a:schemeClr val="dk2">
+        <a:shade val="80000"/>
+      </a:schemeClr>
+    </dgm:linClrLst>
+    <dgm:effectClrLst/>
+    <dgm:txLinClrLst/>
+    <dgm:txFillClrLst meth="repeat">
+      <a:schemeClr val="dk2"/>
+    </dgm:txFillClrLst>
+    <dgm:txEffectClrLst/>
+  </dgm:styleLbl>
+  <dgm:styleLbl name="alignNode1">
+    <dgm:fillClrLst meth="repeat">
+      <a:schemeClr val="lt1"/>
+    </dgm:fillClrLst>
+    <dgm:linClrLst meth="repeat">
+      <a:schemeClr val="dk2">
+        <a:shade val="80000"/>
+      </a:schemeClr>
+    </dgm:linClrLst>
+    <dgm:effectClrLst/>
+    <dgm:txLinClrLst/>
+    <dgm:txFillClrLst meth="repeat">
+      <a:schemeClr val="dk2"/>
+    </dgm:txFillClrLst>
+    <dgm:txEffectClrLst/>
+  </dgm:styleLbl>
+  <dgm:styleLbl name="lnNode1">
+    <dgm:fillClrLst meth="repeat">
+      <a:schemeClr val="lt1"/>
+    </dgm:fillClrLst>
+    <dgm:linClrLst meth="repeat">
+      <a:schemeClr val="dk2">
+        <a:shade val="80000"/>
+      </a:schemeClr>
+    </dgm:linClrLst>
+    <dgm:effectClrLst/>
+    <dgm:txLinClrLst/>
+    <dgm:txFillClrLst meth="repeat">
+      <a:schemeClr val="dk2"/>
+    </dgm:txFillClrLst>
+    <dgm:txEffectClrLst/>
+  </dgm:styleLbl>
+  <dgm:styleLbl name="vennNode1">
+    <dgm:fillClrLst meth="repeat">
+      <a:schemeClr val="lt1">
+        <a:alpha val="50000"/>
+      </a:schemeClr>
+    </dgm:fillClrLst>
+    <dgm:linClrLst meth="repeat">
+      <a:schemeClr val="dk2">
+        <a:shade val="80000"/>
+      </a:schemeClr>
+    </dgm:linClrLst>
+    <dgm:effectClrLst/>
+    <dgm:txLinClrLst/>
+    <dgm:txFillClrLst/>
+    <dgm:txEffectClrLst/>
+  </dgm:styleLbl>
+  <dgm:styleLbl name="node2">
+    <dgm:fillClrLst meth="repeat">
+      <a:schemeClr val="lt1"/>
+    </dgm:fillClrLst>
+    <dgm:linClrLst meth="repeat">
+      <a:schemeClr val="dk2">
+        <a:shade val="80000"/>
+      </a:schemeClr>
+    </dgm:linClrLst>
+    <dgm:effectClrLst/>
+    <dgm:txLinClrLst/>
+    <dgm:txFillClrLst meth="repeat">
+      <a:schemeClr val="dk2"/>
+    </dgm:txFillClrLst>
+    <dgm:txEffectClrLst/>
+  </dgm:styleLbl>
+  <dgm:styleLbl name="node3">
+    <dgm:fillClrLst meth="repeat">
+      <a:schemeClr val="lt1"/>
+    </dgm:fillClrLst>
+    <dgm:linClrLst meth="repeat">
+      <a:schemeClr val="dk2">
+        <a:shade val="80000"/>
+      </a:schemeClr>
+    </dgm:linClrLst>
+    <dgm:effectClrLst/>
+    <dgm:txLinClrLst/>
+    <dgm:txFillClrLst meth="repeat">
+      <a:schemeClr val="dk2"/>
+    </dgm:txFillClrLst>
+    <dgm:txEffectClrLst/>
+  </dgm:styleLbl>
+  <dgm:styleLbl name="node4">
+    <dgm:fillClrLst meth="repeat">
+      <a:schemeClr val="lt1"/>
+    </dgm:fillClrLst>
+    <dgm:linClrLst meth="repeat">
+      <a:schemeClr val="dk2">
+        <a:shade val="80000"/>
+      </a:schemeClr>
+    </dgm:linClrLst>
+    <dgm:effectClrLst/>
+    <dgm:txLinClrLst/>
+    <dgm:txFillClrLst meth="repeat">
+      <a:schemeClr val="dk2"/>
+    </dgm:txFillClrLst>
+    <dgm:txEffectClrLst/>
+  </dgm:styleLbl>
+  <dgm:styleLbl name="fgImgPlace1">
+    <dgm:fillClrLst meth="repeat">
+      <a:schemeClr val="dk2">
+        <a:tint val="40000"/>
+      </a:schemeClr>
+    </dgm:fillClrLst>
+    <dgm:linClrLst meth="repeat">
+      <a:schemeClr val="dk2">
+        <a:shade val="80000"/>
+      </a:schemeClr>
+    </dgm:linClrLst>
+    <dgm:effectClrLst/>
+    <dgm:txLinClrLst/>
+    <dgm:txFillClrLst meth="repeat">
+      <a:schemeClr val="lt1"/>
+    </dgm:txFillClrLst>
+    <dgm:txEffectClrLst/>
+  </dgm:styleLbl>
+  <dgm:styleLbl name="alignImgPlace1">
+    <dgm:fillClrLst meth="repeat">
+      <a:schemeClr val="dk2">
+        <a:tint val="40000"/>
+      </a:schemeClr>
+    </dgm:fillClrLst>
+    <dgm:linClrLst meth="repeat">
+      <a:schemeClr val="dk2">
+        <a:shade val="80000"/>
+      </a:schemeClr>
+    </dgm:linClrLst>
+    <dgm:effectClrLst/>
+    <dgm:txLinClrLst/>
+    <dgm:txFillClrLst meth="repeat">
+      <a:schemeClr val="lt1"/>
+    </dgm:txFillClrLst>
+    <dgm:txEffectClrLst/>
+  </dgm:styleLbl>
+  <dgm:styleLbl name="bgImgPlace1">
+    <dgm:fillClrLst meth="repeat">
+      <a:schemeClr val="dk2">
+        <a:tint val="40000"/>
+      </a:schemeClr>
+    </dgm:fillClrLst>
+    <dgm:linClrLst meth="repeat">
+      <a:schemeClr val="dk2">
+        <a:shade val="80000"/>
+      </a:schemeClr>
+    </dgm:linClrLst>
+    <dgm:effectClrLst/>
+    <dgm:txLinClrLst/>
+    <dgm:txFillClrLst meth="repeat">
+      <a:schemeClr val="lt1"/>
+    </dgm:txFillClrLst>
+    <dgm:txEffectClrLst/>
+  </dgm:styleLbl>
+  <dgm:styleLbl name="sibTrans2D1">
+    <dgm:fillClrLst meth="repeat">
+      <a:schemeClr val="dk2">
+        <a:tint val="60000"/>
+      </a:schemeClr>
+    </dgm:fillClrLst>
+    <dgm:linClrLst meth="repeat">
+      <a:schemeClr val="dk2">
+        <a:tint val="60000"/>
+      </a:schemeClr>
+    </dgm:linClrLst>
+    <dgm:effectClrLst/>
+    <dgm:txLinClrLst/>
+    <dgm:txFillClrLst meth="repeat">
+      <a:schemeClr val="dk2"/>
+    </dgm:txFillClrLst>
+    <dgm:txEffectClrLst/>
+  </dgm:styleLbl>
+  <dgm:styleLbl name="fgSibTrans2D1">
+    <dgm:fillClrLst meth="repeat">
+      <a:schemeClr val="dk2">
+        <a:tint val="60000"/>
+      </a:schemeClr>
+    </dgm:fillClrLst>
+    <dgm:linClrLst meth="repeat">
+      <a:schemeClr val="dk2">
+        <a:tint val="60000"/>
+      </a:schemeClr>
+    </dgm:linClrLst>
+    <dgm:effectClrLst/>
+    <dgm:txLinClrLst/>
+    <dgm:txFillClrLst meth="repeat">
+      <a:schemeClr val="dk2"/>
+    </dgm:txFillClrLst>
+    <dgm:txEffectClrLst/>
+  </dgm:styleLbl>
+  <dgm:styleLbl name="bgSibTrans2D1">
+    <dgm:fillClrLst meth="repeat">
+      <a:schemeClr val="dk2">
+        <a:tint val="60000"/>
+      </a:schemeClr>
+    </dgm:fillClrLst>
+    <dgm:linClrLst meth="repeat">
+      <a:schemeClr val="dk2">
+        <a:tint val="60000"/>
+      </a:schemeClr>
+    </dgm:linClrLst>
+    <dgm:effectClrLst/>
+    <dgm:txLinClrLst/>
+    <dgm:txFillClrLst meth="repeat">
+      <a:schemeClr val="dk2"/>
+    </dgm:txFillClrLst>
+    <dgm:txEffectClrLst/>
+  </dgm:styleLbl>
+  <dgm:styleLbl name="sibTrans1D1">
+    <dgm:fillClrLst meth="repeat">
+      <a:schemeClr val="dk2"/>
+    </dgm:fillClrLst>
+    <dgm:linClrLst meth="repeat">
+      <a:schemeClr val="dk2"/>
+    </dgm:linClrLst>
+    <dgm:effectClrLst/>
+    <dgm:txLinClrLst/>
+    <dgm:txFillClrLst meth="repeat">
+      <a:schemeClr val="tx1"/>
+    </dgm:txFillClrLst>
+    <dgm:txEffectClrLst/>
+  </dgm:styleLbl>
+  <dgm:styleLbl name="callout">
+    <dgm:fillClrLst meth="repeat">
+      <a:schemeClr val="dk2"/>
+    </dgm:fillClrLst>
+    <dgm:linClrLst meth="repeat">
+      <a:schemeClr val="dk2"/>
+    </dgm:linClrLst>
+    <dgm:effectClrLst/>
+    <dgm:txLinClrLst/>
+    <dgm:txFillClrLst meth="repeat">
+      <a:schemeClr val="tx1"/>
+    </dgm:txFillClrLst>
+    <dgm:txEffectClrLst/>
+  </dgm:styleLbl>
+  <dgm:styleLbl name="asst0">
+    <dgm:fillClrLst meth="repeat">
+      <a:schemeClr val="lt1"/>
+    </dgm:fillClrLst>
+    <dgm:linClrLst meth="repeat">
+      <a:schemeClr val="dk2">
+        <a:shade val="80000"/>
+      </a:schemeClr>
+    </dgm:linClrLst>
+    <dgm:effectClrLst/>
+    <dgm:txLinClrLst/>
+    <dgm:txFillClrLst meth="repeat">
+      <a:schemeClr val="dk2"/>
+    </dgm:txFillClrLst>
+    <dgm:txEffectClrLst/>
+  </dgm:styleLbl>
+  <dgm:styleLbl name="asst1">
+    <dgm:fillClrLst meth="repeat">
+      <a:schemeClr val="lt1"/>
+    </dgm:fillClrLst>
+    <dgm:linClrLst meth="repeat">
+      <a:schemeClr val="dk2">
+        <a:shade val="80000"/>
+      </a:schemeClr>
+    </dgm:linClrLst>
+    <dgm:effectClrLst/>
+    <dgm:txLinClrLst/>
+    <dgm:txFillClrLst meth="repeat">
+      <a:schemeClr val="dk2"/>
+    </dgm:txFillClrLst>
+    <dgm:txEffectClrLst/>
+  </dgm:styleLbl>
+  <dgm:styleLbl name="asst2">
+    <dgm:fillClrLst meth="repeat">
+      <a:schemeClr val="lt1"/>
+    </dgm:fillClrLst>
+    <dgm:linClrLst meth="repeat">
+      <a:schemeClr val="dk2">
+        <a:shade val="80000"/>
+      </a:schemeClr>
+    </dgm:linClrLst>
+    <dgm:effectClrLst/>
+    <dgm:txLinClrLst/>
+    <dgm:txFillClrLst meth="repeat">
+      <a:schemeClr val="dk2"/>
+    </dgm:txFillClrLst>
+    <dgm:txEffectClrLst/>
+  </dgm:styleLbl>
+  <dgm:styleLbl name="asst3">
+    <dgm:fillClrLst meth="repeat">
+      <a:schemeClr val="lt1"/>
+    </dgm:fillClrLst>
+    <dgm:linClrLst meth="repeat">
+      <a:schemeClr val="dk2">
+        <a:shade val="80000"/>
+      </a:schemeClr>
+    </dgm:linClrLst>
+    <dgm:effectClrLst/>
+    <dgm:txLinClrLst/>
+    <dgm:txFillClrLst meth="repeat">
+      <a:schemeClr val="dk2"/>
+    </dgm:txFillClrLst>
+    <dgm:txEffectClrLst/>
+  </dgm:styleLbl>
+  <dgm:styleLbl name="asst4">
+    <dgm:fillClrLst meth="repeat">
+      <a:schemeClr val="lt1"/>
+    </dgm:fillClrLst>
+    <dgm:linClrLst meth="repeat">
+      <a:schemeClr val="dk2">
+        <a:shade val="80000"/>
+      </a:schemeClr>
+    </dgm:linClrLst>
+    <dgm:effectClrLst/>
+    <dgm:txLinClrLst/>
+    <dgm:txFillClrLst meth="repeat">
+      <a:schemeClr val="dk2"/>
+    </dgm:txFillClrLst>
+    <dgm:txEffectClrLst/>
+  </dgm:styleLbl>
+  <dgm:styleLbl name="parChTrans2D1">
+    <dgm:fillClrLst meth="repeat">
+      <a:schemeClr val="dk2">
+        <a:tint val="60000"/>
+      </a:schemeClr>
+    </dgm:fillClrLst>
+    <dgm:linClrLst meth="repeat">
+      <a:schemeClr val="dk2">
+        <a:tint val="60000"/>
+      </a:schemeClr>
+    </dgm:linClrLst>
+    <dgm:effectClrLst/>
+    <dgm:txLinClrLst/>
+    <dgm:txFillClrLst/>
+    <dgm:txEffectClrLst/>
+  </dgm:styleLbl>
+  <dgm:styleLbl name="parChTrans2D2">
+    <dgm:fillClrLst meth="repeat">
+      <a:schemeClr val="dk2"/>
+    </dgm:fillClrLst>
+    <dgm:linClrLst meth="repeat">
+      <a:schemeClr val="dk2"/>
+    </dgm:linClrLst>
+    <dgm:effectClrLst/>
+    <dgm:txLinClrLst/>
+    <dgm:txFillClrLst/>
+    <dgm:txEffectClrLst/>
+  </dgm:styleLbl>
+  <dgm:styleLbl name="parChTrans2D3">
+    <dgm:fillClrLst meth="repeat">
+      <a:schemeClr val="dk2"/>
+    </dgm:fillClrLst>
+    <dgm:linClrLst meth="repeat">
+      <a:schemeClr val="dk2"/>
+    </dgm:linClrLst>
+    <dgm:effectClrLst/>
+    <dgm:txLinClrLst/>
+    <dgm:txFillClrLst/>
+    <dgm:txEffectClrLst/>
+  </dgm:styleLbl>
+  <dgm:styleLbl name="parChTrans2D4">
+    <dgm:fillClrLst meth="repeat">
+      <a:schemeClr val="dk2"/>
+    </dgm:fillClrLst>
+    <dgm:linClrLst meth="repeat">
+      <a:schemeClr val="dk2"/>
+    </dgm:linClrLst>
+    <dgm:effectClrLst/>
+    <dgm:txLinClrLst/>
+    <dgm:txFillClrLst meth="repeat">
+      <a:schemeClr val="lt1"/>
+    </dgm:txFillClrLst>
+    <dgm:txEffectClrLst/>
+  </dgm:styleLbl>
+  <dgm:styleLbl name="parChTrans1D1">
+    <dgm:fillClrLst meth="repeat">
+      <a:schemeClr val="dk2"/>
+    </dgm:fillClrLst>
+    <dgm:linClrLst meth="repeat">
+      <a:schemeClr val="dk2">
+        <a:shade val="60000"/>
+      </a:schemeClr>
+    </dgm:linClrLst>
+    <dgm:effectClrLst/>
+    <dgm:txLinClrLst/>
+    <dgm:txFillClrLst meth="repeat">
+      <a:schemeClr val="tx1"/>
+    </dgm:txFillClrLst>
+    <dgm:txEffectClrLst/>
+  </dgm:styleLbl>
+  <dgm:styleLbl name="parChTrans1D2">
+    <dgm:fillClrLst meth="repeat">
+      <a:schemeClr val="dk2"/>
+    </dgm:fillClrLst>
+    <dgm:linClrLst meth="repeat">
+      <a:schemeClr val="dk2">
+        <a:shade val="60000"/>
+      </a:schemeClr>
+    </dgm:linClrLst>
+    <dgm:effectClrLst/>
+    <dgm:txLinClrLst/>
+    <dgm:txFillClrLst meth="repeat">
+      <a:schemeClr val="tx1"/>
+    </dgm:txFillClrLst>
+    <dgm:txEffectClrLst/>
+  </dgm:styleLbl>
+  <dgm:styleLbl name="parChTrans1D3">
+    <dgm:fillClrLst meth="repeat">
+      <a:schemeClr val="dk2"/>
+    </dgm:fillClrLst>
+    <dgm:linClrLst meth="repeat">
+      <a:schemeClr val="dk2">
+        <a:shade val="80000"/>
+      </a:schemeClr>
+    </dgm:linClrLst>
+    <dgm:effectClrLst/>
+    <dgm:txLinClrLst/>
+    <dgm:txFillClrLst meth="repeat">
+      <a:schemeClr val="tx1"/>
+    </dgm:txFillClrLst>
+    <dgm:txEffectClrLst/>
+  </dgm:styleLbl>
+  <dgm:styleLbl name="parChTrans1D4">
+    <dgm:fillClrLst meth="repeat">
+      <a:schemeClr val="dk2"/>
+    </dgm:fillClrLst>
+    <dgm:linClrLst meth="repeat">
+      <a:schemeClr val="dk2">
+        <a:shade val="80000"/>
+      </a:schemeClr>
+    </dgm:linClrLst>
+    <dgm:effectClrLst/>
+    <dgm:txLinClrLst/>
+    <dgm:txFillClrLst meth="repeat">
+      <a:schemeClr val="tx1"/>
+    </dgm:txFillClrLst>
+    <dgm:txEffectClrLst/>
+  </dgm:styleLbl>
+  <dgm:styleLbl name="fgAcc1">
+    <dgm:fillClrLst meth="repeat">
+      <a:schemeClr val="dk2">
+        <a:alpha val="90000"/>
+        <a:tint val="40000"/>
+      </a:schemeClr>
+    </dgm:fillClrLst>
+    <dgm:linClrLst meth="repeat">
+      <a:schemeClr val="dk2"/>
+    </dgm:linClrLst>
+    <dgm:effectClrLst/>
+    <dgm:txLinClrLst/>
+    <dgm:txFillClrLst meth="repeat">
+      <a:schemeClr val="dk2"/>
+    </dgm:txFillClrLst>
+    <dgm:txEffectClrLst/>
+  </dgm:styleLbl>
+  <dgm:styleLbl name="conFgAcc1">
+    <dgm:fillClrLst meth="repeat">
+      <a:schemeClr val="dk2">
+        <a:alpha val="90000"/>
+        <a:tint val="40000"/>
+      </a:schemeClr>
+    </dgm:fillClrLst>
+    <dgm:linClrLst meth="repeat">
+      <a:schemeClr val="dk2"/>
+    </dgm:linClrLst>
+    <dgm:effectClrLst/>
+    <dgm:txLinClrLst/>
+    <dgm:txFillClrLst meth="repeat">
+      <a:schemeClr val="dk2"/>
+    </dgm:txFillClrLst>
+    <dgm:txEffectClrLst/>
+  </dgm:styleLbl>
+  <dgm:styleLbl name="alignAcc1">
+    <dgm:fillClrLst meth="repeat">
+      <a:schemeClr val="dk2">
+        <a:alpha val="90000"/>
+        <a:tint val="40000"/>
+      </a:schemeClr>
+    </dgm:fillClrLst>
+    <dgm:linClrLst meth="repeat">
+      <a:schemeClr val="dk2"/>
+    </dgm:linClrLst>
+    <dgm:effectClrLst/>
+    <dgm:txLinClrLst/>
+    <dgm:txFillClrLst meth="repeat">
+      <a:schemeClr val="dk2"/>
+    </dgm:txFillClrLst>
+    <dgm:txEffectClrLst/>
+  </dgm:styleLbl>
+  <dgm:styleLbl name="trAlignAcc1">
+    <dgm:fillClrLst meth="repeat">
+      <a:schemeClr val="dk2">
+        <a:alpha val="40000"/>
+        <a:tint val="40000"/>
+      </a:schemeClr>
+    </dgm:fillClrLst>
+    <dgm:linClrLst meth="repeat">
+      <a:schemeClr val="dk2"/>
+    </dgm:linClrLst>
+    <dgm:effectClrLst/>
+    <dgm:txLinClrLst/>
+    <dgm:txFillClrLst meth="repeat">
+      <a:schemeClr val="dk2"/>
+    </dgm:txFillClrLst>
+    <dgm:txEffectClrLst/>
+  </dgm:styleLbl>
+  <dgm:styleLbl name="bgAcc1">
+    <dgm:fillClrLst meth="repeat">
+      <a:schemeClr val="dk2">
+        <a:alpha val="90000"/>
+        <a:tint val="40000"/>
+      </a:schemeClr>
+    </dgm:fillClrLst>
+    <dgm:linClrLst meth="repeat">
+      <a:schemeClr val="dk2"/>
+    </dgm:linClrLst>
+    <dgm:effectClrLst/>
+    <dgm:txLinClrLst/>
+    <dgm:txFillClrLst meth="repeat">
+      <a:schemeClr val="dk2"/>
+    </dgm:txFillClrLst>
+    <dgm:txEffectClrLst/>
+  </dgm:styleLbl>
+  <dgm:styleLbl name="solidFgAcc1">
+    <dgm:fillClrLst meth="repeat">
+      <a:schemeClr val="lt1"/>
+    </dgm:fillClrLst>
+    <dgm:linClrLst meth="repeat">
+      <a:schemeClr val="dk2"/>
+    </dgm:linClrLst>
+    <dgm:effectClrLst/>
+    <dgm:txLinClrLst/>
+    <dgm:txFillClrLst meth="repeat">
+      <a:schemeClr val="dk2"/>
+    </dgm:txFillClrLst>
+    <dgm:txEffectClrLst/>
+  </dgm:styleLbl>
+  <dgm:styleLbl name="solidAlignAcc1">
+    <dgm:fillClrLst meth="repeat">
+      <a:schemeClr val="lt1"/>
+    </dgm:fillClrLst>
+    <dgm:linClrLst meth="repeat">
+      <a:schemeClr val="dk2"/>
+    </dgm:linClrLst>
+    <dgm:effectClrLst/>
+    <dgm:txLinClrLst/>
+    <dgm:txFillClrLst meth="repeat">
+      <a:schemeClr val="dk2"/>
+    </dgm:txFillClrLst>
+    <dgm:txEffectClrLst/>
+  </dgm:styleLbl>
+  <dgm:styleLbl name="solidBgAcc1">
+    <dgm:fillClrLst meth="repeat">
+      <a:schemeClr val="lt1"/>
+    </dgm:fillClrLst>
+    <dgm:linClrLst meth="repeat">
+      <a:schemeClr val="dk2"/>
+    </dgm:linClrLst>
+    <dgm:effectClrLst/>
+    <dgm:txLinClrLst/>
+    <dgm:txFillClrLst meth="repeat">
+      <a:schemeClr val="dk2"/>
+    </dgm:txFillClrLst>
+    <dgm:txEffectClrLst/>
+  </dgm:styleLbl>
+  <dgm:styleLbl name="fgAccFollowNode1">
+    <dgm:fillClrLst meth="repeat">
+      <a:schemeClr val="lt1">
+        <a:alpha val="90000"/>
+        <a:tint val="40000"/>
+      </a:schemeClr>
+    </dgm:fillClrLst>
+    <dgm:linClrLst meth="repeat">
+      <a:schemeClr val="dk2">
+        <a:alpha val="90000"/>
+      </a:schemeClr>
+    </dgm:linClrLst>
+    <dgm:effectClrLst/>
+    <dgm:txLinClrLst/>
+    <dgm:txFillClrLst meth="repeat">
+      <a:schemeClr val="dk2"/>
+    </dgm:txFillClrLst>
+    <dgm:txEffectClrLst/>
+  </dgm:styleLbl>
+  <dgm:styleLbl name="alignAccFollowNode1">
+    <dgm:fillClrLst meth="repeat">
+      <a:schemeClr val="lt1">
+        <a:alpha val="90000"/>
+        <a:tint val="40000"/>
+      </a:schemeClr>
+    </dgm:fillClrLst>
+    <dgm:linClrLst meth="repeat">
+      <a:schemeClr val="dk2">
+        <a:alpha val="90000"/>
+      </a:schemeClr>
+    </dgm:linClrLst>
+    <dgm:effectClrLst/>
+    <dgm:txLinClrLst/>
+    <dgm:txFillClrLst meth="repeat">
+      <a:schemeClr val="dk2"/>
+    </dgm:txFillClrLst>
+    <dgm:txEffectClrLst/>
+  </dgm:styleLbl>
+  <dgm:styleLbl name="bgAccFollowNode1">
+    <dgm:fillClrLst meth="repeat">
+      <a:schemeClr val="lt1">
+        <a:alpha val="90000"/>
+        <a:tint val="40000"/>
+      </a:schemeClr>
+    </dgm:fillClrLst>
+    <dgm:linClrLst meth="repeat">
+      <a:schemeClr val="dk2">
+        <a:alpha val="90000"/>
+      </a:schemeClr>
+    </dgm:linClrLst>
+    <dgm:effectClrLst/>
+    <dgm:txLinClrLst/>
+    <dgm:txFillClrLst meth="repeat">
+      <a:schemeClr val="dk2"/>
+    </dgm:txFillClrLst>
+    <dgm:txEffectClrLst/>
+  </dgm:styleLbl>
+  <dgm:styleLbl name="fgAcc0">
+    <dgm:fillClrLst meth="repeat">
+      <a:schemeClr val="dk2">
+        <a:alpha val="90000"/>
+        <a:tint val="40000"/>
+      </a:schemeClr>
+    </dgm:fillClrLst>
+    <dgm:linClrLst meth="repeat">
+      <a:schemeClr val="dk2"/>
+    </dgm:linClrLst>
+    <dgm:effectClrLst/>
+    <dgm:txLinClrLst/>
+    <dgm:txFillClrLst meth="repeat">
+      <a:schemeClr val="dk2"/>
+    </dgm:txFillClrLst>
+    <dgm:txEffectClrLst/>
+  </dgm:styleLbl>
+  <dgm:styleLbl name="fgAcc2">
+    <dgm:fillClrLst meth="repeat">
+      <a:schemeClr val="dk2">
+        <a:alpha val="90000"/>
+        <a:tint val="40000"/>
+      </a:schemeClr>
+    </dgm:fillClrLst>
+    <dgm:linClrLst meth="repeat">
+      <a:schemeClr val="dk2"/>
+    </dgm:linClrLst>
+    <dgm:effectClrLst/>
+    <dgm:txLinClrLst/>
+    <dgm:txFillClrLst meth="repeat">
+      <a:schemeClr val="dk2"/>
+    </dgm:txFillClrLst>
+    <dgm:txEffectClrLst/>
+  </dgm:styleLbl>
+  <dgm:styleLbl name="fgAcc3">
+    <dgm:fillClrLst meth="repeat">
+      <a:schemeClr val="dk2">
+        <a:alpha val="90000"/>
+        <a:tint val="40000"/>
+      </a:schemeClr>
+    </dgm:fillClrLst>
+    <dgm:linClrLst meth="repeat">
+      <a:schemeClr val="dk2"/>
+    </dgm:linClrLst>
+    <dgm:effectClrLst/>
+    <dgm:txLinClrLst/>
+    <dgm:txFillClrLst meth="repeat">
+      <a:schemeClr val="dk2"/>
+    </dgm:txFillClrLst>
+    <dgm:txEffectClrLst/>
+  </dgm:styleLbl>
+  <dgm:styleLbl name="fgAcc4">
+    <dgm:fillClrLst meth="repeat">
+      <a:schemeClr val="dk2">
+        <a:alpha val="90000"/>
+        <a:tint val="40000"/>
+      </a:schemeClr>
+    </dgm:fillClrLst>
+    <dgm:linClrLst meth="repeat">
+      <a:schemeClr val="dk2"/>
+    </dgm:linClrLst>
+    <dgm:effectClrLst/>
+    <dgm:txLinClrLst/>
+    <dgm:txFillClrLst meth="repeat">
+      <a:schemeClr val="dk2"/>
+    </dgm:txFillClrLst>
+    <dgm:txEffectClrLst/>
+  </dgm:styleLbl>
+  <dgm:styleLbl name="bgShp">
+    <dgm:fillClrLst meth="repeat">
+      <a:schemeClr val="dk2">
+        <a:tint val="40000"/>
+      </a:schemeClr>
+    </dgm:fillClrLst>
+    <dgm:linClrLst meth="repeat">
+      <a:schemeClr val="dk2"/>
+    </dgm:linClrLst>
+    <dgm:effectClrLst/>
+    <dgm:txLinClrLst/>
+    <dgm:txFillClrLst meth="repeat">
+      <a:schemeClr val="dk1"/>
+    </dgm:txFillClrLst>
+    <dgm:txEffectClrLst/>
+  </dgm:styleLbl>
+  <dgm:styleLbl name="dkBgShp">
+    <dgm:fillClrLst meth="repeat">
+      <a:schemeClr val="dk2">
+        <a:shade val="80000"/>
+      </a:schemeClr>
+    </dgm:fillClrLst>
+    <dgm:linClrLst meth="repeat">
+      <a:schemeClr val="dk2"/>
+    </dgm:linClrLst>
+    <dgm:effectClrLst/>
+    <dgm:txLinClrLst/>
+    <dgm:txFillClrLst meth="repeat">
+      <a:schemeClr val="lt2"/>
+    </dgm:txFillClrLst>
+    <dgm:txEffectClrLst/>
+  </dgm:styleLbl>
+  <dgm:styleLbl name="trBgShp">
+    <dgm:fillClrLst meth="repeat">
+      <a:schemeClr val="dk2">
+        <a:tint val="50000"/>
+        <a:alpha val="40000"/>
+      </a:schemeClr>
+    </dgm:fillClrLst>
+    <dgm:linClrLst meth="repeat">
+      <a:schemeClr val="dk2"/>
+    </dgm:linClrLst>
+    <dgm:effectClrLst/>
+    <dgm:txLinClrLst/>
+    <dgm:txFillClrLst meth="repeat">
+      <a:schemeClr val="lt2"/>
+    </dgm:txFillClrLst>
+    <dgm:txEffectClrLst/>
+  </dgm:styleLbl>
+  <dgm:styleLbl name="fgShp">
+    <dgm:fillClrLst meth="repeat">
+      <a:schemeClr val="dk2">
+        <a:tint val="60000"/>
+      </a:schemeClr>
+    </dgm:fillClrLst>
+    <dgm:linClrLst meth="repeat">
+      <a:schemeClr val="lt1"/>
+    </dgm:linClrLst>
+    <dgm:effectClrLst/>
+    <dgm:txLinClrLst/>
+    <dgm:txFillClrLst meth="repeat">
+      <a:schemeClr val="dk2"/>
+    </dgm:txFillClrLst>
+    <dgm:txEffectClrLst/>
+  </dgm:styleLbl>
+  <dgm:styleLbl name="revTx">
+    <dgm:fillClrLst meth="repeat">
+      <a:schemeClr val="lt1">
+        <a:alpha val="0"/>
+      </a:schemeClr>
+    </dgm:fillClrLst>
+    <dgm:linClrLst meth="repeat">
+      <a:schemeClr val="dk2">
+        <a:alpha val="0"/>
+      </a:schemeClr>
+    </dgm:linClrLst>
+    <dgm:effectClrLst/>
+    <dgm:txLinClrLst/>
+    <dgm:txFillClrLst meth="repeat">
+      <a:schemeClr val="tx1"/>
+    </dgm:txFillClrLst>
+    <dgm:txEffectClrLst/>
+  </dgm:styleLbl>
+</dgm:colorsDef>
+</file>
+
+<file path=ppt/diagrams/colors3.xml><?xml version="1.0" encoding="utf-8"?>
 <dgm:colorsDef xmlns:dgm="http://schemas.openxmlformats.org/drawingml/2006/diagram" xmlns:a="http://schemas.openxmlformats.org/drawingml/2006/main" uniqueId="urn:microsoft.com/office/officeart/2005/8/colors/accent0_2">
   <dgm:title val=""/>
   <dgm:desc val=""/>
@@ -1317,7 +2933,2193 @@
 </dgm:dataModel>
 </file>
 
+<file path=ppt/diagrams/data2.xml><?xml version="1.0" encoding="utf-8"?>
+<dgm:dataModel xmlns:dgm="http://schemas.openxmlformats.org/drawingml/2006/diagram" xmlns:a="http://schemas.openxmlformats.org/drawingml/2006/main">
+  <dgm:ptLst>
+    <dgm:pt modelId="{F614EAEA-60EF-B045-A363-0E3758185095}" type="doc">
+      <dgm:prSet loTypeId="urn:microsoft.com/office/officeart/2005/8/layout/cycle1" loCatId="" qsTypeId="urn:microsoft.com/office/officeart/2005/8/quickstyle/simple1" qsCatId="simple" csTypeId="urn:microsoft.com/office/officeart/2005/8/colors/accent0_2" csCatId="mainScheme" phldr="1"/>
+      <dgm:spPr/>
+      <dgm:t>
+        <a:bodyPr/>
+        <a:lstStyle/>
+        <a:p>
+          <a:endParaRPr lang="en-US"/>
+        </a:p>
+      </dgm:t>
+    </dgm:pt>
+    <dgm:pt modelId="{929B4777-E928-2D44-99F2-9E02A3194C2D}">
+      <dgm:prSet phldrT="[Text]"/>
+      <dgm:spPr/>
+      <dgm:t>
+        <a:bodyPr/>
+        <a:lstStyle/>
+        <a:p>
+          <a:r>
+            <a:rPr lang="en-US" dirty="0"/>
+            <a:t> </a:t>
+          </a:r>
+        </a:p>
+      </dgm:t>
+    </dgm:pt>
+    <dgm:pt modelId="{8BC94024-02E8-8442-B77F-4967ADBC6CFF}" type="parTrans" cxnId="{03DCC18E-641C-4A46-931C-192443618581}">
+      <dgm:prSet/>
+      <dgm:spPr/>
+      <dgm:t>
+        <a:bodyPr/>
+        <a:lstStyle/>
+        <a:p>
+          <a:endParaRPr lang="en-US"/>
+        </a:p>
+      </dgm:t>
+    </dgm:pt>
+    <dgm:pt modelId="{E95F4ADB-50AC-8A4C-93D4-06BAA0EB36F4}" type="sibTrans" cxnId="{03DCC18E-641C-4A46-931C-192443618581}">
+      <dgm:prSet/>
+      <dgm:spPr/>
+      <dgm:t>
+        <a:bodyPr/>
+        <a:lstStyle/>
+        <a:p>
+          <a:endParaRPr lang="en-US"/>
+        </a:p>
+      </dgm:t>
+    </dgm:pt>
+    <dgm:pt modelId="{9B946133-DC9F-B548-856E-0858F3169FA8}">
+      <dgm:prSet phldrT="[Text]"/>
+      <dgm:spPr/>
+      <dgm:t>
+        <a:bodyPr/>
+        <a:lstStyle/>
+        <a:p>
+          <a:r>
+            <a:rPr lang="en-US" dirty="0"/>
+            <a:t> </a:t>
+          </a:r>
+        </a:p>
+      </dgm:t>
+    </dgm:pt>
+    <dgm:pt modelId="{FA213A72-EAD5-5247-9E73-B7F735C343DF}" type="parTrans" cxnId="{FC82B00B-9512-DE4C-836C-BCF11BA09DC1}">
+      <dgm:prSet/>
+      <dgm:spPr/>
+      <dgm:t>
+        <a:bodyPr/>
+        <a:lstStyle/>
+        <a:p>
+          <a:endParaRPr lang="en-US"/>
+        </a:p>
+      </dgm:t>
+    </dgm:pt>
+    <dgm:pt modelId="{4BAD9CE2-3B8E-AE4B-A29D-B356F6E4D47C}" type="sibTrans" cxnId="{FC82B00B-9512-DE4C-836C-BCF11BA09DC1}">
+      <dgm:prSet/>
+      <dgm:spPr/>
+      <dgm:t>
+        <a:bodyPr/>
+        <a:lstStyle/>
+        <a:p>
+          <a:endParaRPr lang="en-US"/>
+        </a:p>
+      </dgm:t>
+    </dgm:pt>
+    <dgm:pt modelId="{41857A07-9656-EC44-A6B3-D1C65DC77685}">
+      <dgm:prSet phldrT="[Text]"/>
+      <dgm:spPr/>
+      <dgm:t>
+        <a:bodyPr/>
+        <a:lstStyle/>
+        <a:p>
+          <a:r>
+            <a:rPr lang="en-US" dirty="0"/>
+            <a:t> </a:t>
+          </a:r>
+        </a:p>
+      </dgm:t>
+    </dgm:pt>
+    <dgm:pt modelId="{CB288919-0F20-BB44-9C44-67720ED07DC5}" type="parTrans" cxnId="{37FAD290-2330-9547-BBD2-24302C56224E}">
+      <dgm:prSet/>
+      <dgm:spPr/>
+      <dgm:t>
+        <a:bodyPr/>
+        <a:lstStyle/>
+        <a:p>
+          <a:endParaRPr lang="en-US"/>
+        </a:p>
+      </dgm:t>
+    </dgm:pt>
+    <dgm:pt modelId="{2AA23939-7A9A-CD43-8DAB-1BFBB160D2A9}" type="sibTrans" cxnId="{37FAD290-2330-9547-BBD2-24302C56224E}">
+      <dgm:prSet/>
+      <dgm:spPr/>
+      <dgm:t>
+        <a:bodyPr/>
+        <a:lstStyle/>
+        <a:p>
+          <a:endParaRPr lang="en-US"/>
+        </a:p>
+      </dgm:t>
+    </dgm:pt>
+    <dgm:pt modelId="{D92434B8-EB5B-8848-924B-307F3160899D}">
+      <dgm:prSet phldrT="[Text]"/>
+      <dgm:spPr/>
+      <dgm:t>
+        <a:bodyPr/>
+        <a:lstStyle/>
+        <a:p>
+          <a:r>
+            <a:rPr lang="en-US" dirty="0"/>
+            <a:t> </a:t>
+          </a:r>
+        </a:p>
+      </dgm:t>
+    </dgm:pt>
+    <dgm:pt modelId="{BC62BA3B-8C99-344D-9FC6-0EBED4D35B24}" type="parTrans" cxnId="{DA995F11-D2CD-0747-AD04-3137EBF1D79A}">
+      <dgm:prSet/>
+      <dgm:spPr/>
+      <dgm:t>
+        <a:bodyPr/>
+        <a:lstStyle/>
+        <a:p>
+          <a:endParaRPr lang="en-US"/>
+        </a:p>
+      </dgm:t>
+    </dgm:pt>
+    <dgm:pt modelId="{44CDDD68-0AE8-1048-BF78-F547600DD765}" type="sibTrans" cxnId="{DA995F11-D2CD-0747-AD04-3137EBF1D79A}">
+      <dgm:prSet/>
+      <dgm:spPr/>
+      <dgm:t>
+        <a:bodyPr/>
+        <a:lstStyle/>
+        <a:p>
+          <a:endParaRPr lang="en-US"/>
+        </a:p>
+      </dgm:t>
+    </dgm:pt>
+    <dgm:pt modelId="{C5A6AB9D-91D8-664A-B98A-C7CD9D161425}">
+      <dgm:prSet phldrT="[Text]"/>
+      <dgm:spPr/>
+      <dgm:t>
+        <a:bodyPr/>
+        <a:lstStyle/>
+        <a:p>
+          <a:r>
+            <a:rPr lang="en-US" dirty="0"/>
+            <a:t> </a:t>
+          </a:r>
+        </a:p>
+      </dgm:t>
+    </dgm:pt>
+    <dgm:pt modelId="{33C2411D-299E-2144-8817-0F89928496F0}" type="parTrans" cxnId="{3EF92A05-DD9C-1040-ADDE-54150AB45DF0}">
+      <dgm:prSet/>
+      <dgm:spPr/>
+      <dgm:t>
+        <a:bodyPr/>
+        <a:lstStyle/>
+        <a:p>
+          <a:endParaRPr lang="en-US"/>
+        </a:p>
+      </dgm:t>
+    </dgm:pt>
+    <dgm:pt modelId="{0953A09E-A2FC-8641-AE81-DC72167E6591}" type="sibTrans" cxnId="{3EF92A05-DD9C-1040-ADDE-54150AB45DF0}">
+      <dgm:prSet/>
+      <dgm:spPr/>
+      <dgm:t>
+        <a:bodyPr/>
+        <a:lstStyle/>
+        <a:p>
+          <a:endParaRPr lang="en-US"/>
+        </a:p>
+      </dgm:t>
+    </dgm:pt>
+    <dgm:pt modelId="{6C44EC70-1BEE-E440-94B1-366EECF0D4DD}">
+      <dgm:prSet/>
+      <dgm:spPr/>
+      <dgm:t>
+        <a:bodyPr/>
+        <a:lstStyle/>
+        <a:p>
+          <a:endParaRPr lang="en-US"/>
+        </a:p>
+      </dgm:t>
+    </dgm:pt>
+    <dgm:pt modelId="{CC76C5C7-7954-F148-BB1E-99EBCAE2BCE4}" type="parTrans" cxnId="{89E6C873-7BE0-9849-8909-E801862CB122}">
+      <dgm:prSet/>
+      <dgm:spPr/>
+      <dgm:t>
+        <a:bodyPr/>
+        <a:lstStyle/>
+        <a:p>
+          <a:endParaRPr lang="en-US"/>
+        </a:p>
+      </dgm:t>
+    </dgm:pt>
+    <dgm:pt modelId="{BF5384D4-87AF-7F45-89D1-D2E8B15D730B}" type="sibTrans" cxnId="{89E6C873-7BE0-9849-8909-E801862CB122}">
+      <dgm:prSet/>
+      <dgm:spPr/>
+      <dgm:t>
+        <a:bodyPr/>
+        <a:lstStyle/>
+        <a:p>
+          <a:endParaRPr lang="en-US"/>
+        </a:p>
+      </dgm:t>
+    </dgm:pt>
+    <dgm:pt modelId="{A452763E-8874-604E-95DC-284B060532A4}" type="pres">
+      <dgm:prSet presAssocID="{F614EAEA-60EF-B045-A363-0E3758185095}" presName="cycle" presStyleCnt="0">
+        <dgm:presLayoutVars>
+          <dgm:dir/>
+          <dgm:resizeHandles val="exact"/>
+        </dgm:presLayoutVars>
+      </dgm:prSet>
+      <dgm:spPr/>
+    </dgm:pt>
+    <dgm:pt modelId="{6D44DE58-5729-1345-BFE9-4909F51F0BBB}" type="pres">
+      <dgm:prSet presAssocID="{929B4777-E928-2D44-99F2-9E02A3194C2D}" presName="dummy" presStyleCnt="0"/>
+      <dgm:spPr/>
+    </dgm:pt>
+    <dgm:pt modelId="{14940865-2C34-E540-B8F4-5B5481B8F75E}" type="pres">
+      <dgm:prSet presAssocID="{929B4777-E928-2D44-99F2-9E02A3194C2D}" presName="node" presStyleLbl="revTx" presStyleIdx="0" presStyleCnt="6">
+        <dgm:presLayoutVars>
+          <dgm:bulletEnabled val="1"/>
+        </dgm:presLayoutVars>
+      </dgm:prSet>
+      <dgm:spPr/>
+    </dgm:pt>
+    <dgm:pt modelId="{934C93EC-4007-4542-80CF-F9C5D725D2D0}" type="pres">
+      <dgm:prSet presAssocID="{E95F4ADB-50AC-8A4C-93D4-06BAA0EB36F4}" presName="sibTrans" presStyleLbl="node1" presStyleIdx="0" presStyleCnt="6"/>
+      <dgm:spPr/>
+    </dgm:pt>
+    <dgm:pt modelId="{043178FA-B445-444E-A2FC-AAEA88E9FE6F}" type="pres">
+      <dgm:prSet presAssocID="{9B946133-DC9F-B548-856E-0858F3169FA8}" presName="dummy" presStyleCnt="0"/>
+      <dgm:spPr/>
+    </dgm:pt>
+    <dgm:pt modelId="{A39626CD-FAE4-394A-99A2-E2CB171F5C8C}" type="pres">
+      <dgm:prSet presAssocID="{9B946133-DC9F-B548-856E-0858F3169FA8}" presName="node" presStyleLbl="revTx" presStyleIdx="1" presStyleCnt="6">
+        <dgm:presLayoutVars>
+          <dgm:bulletEnabled val="1"/>
+        </dgm:presLayoutVars>
+      </dgm:prSet>
+      <dgm:spPr/>
+    </dgm:pt>
+    <dgm:pt modelId="{C706A535-B6D0-CF45-A865-317E40362A8F}" type="pres">
+      <dgm:prSet presAssocID="{4BAD9CE2-3B8E-AE4B-A29D-B356F6E4D47C}" presName="sibTrans" presStyleLbl="node1" presStyleIdx="1" presStyleCnt="6"/>
+      <dgm:spPr/>
+    </dgm:pt>
+    <dgm:pt modelId="{08C8CE54-D97B-454C-A5F5-35945C5717A5}" type="pres">
+      <dgm:prSet presAssocID="{41857A07-9656-EC44-A6B3-D1C65DC77685}" presName="dummy" presStyleCnt="0"/>
+      <dgm:spPr/>
+    </dgm:pt>
+    <dgm:pt modelId="{7732C34B-403D-6B43-8A7D-ECE41D8BB032}" type="pres">
+      <dgm:prSet presAssocID="{41857A07-9656-EC44-A6B3-D1C65DC77685}" presName="node" presStyleLbl="revTx" presStyleIdx="2" presStyleCnt="6">
+        <dgm:presLayoutVars>
+          <dgm:bulletEnabled val="1"/>
+        </dgm:presLayoutVars>
+      </dgm:prSet>
+      <dgm:spPr/>
+    </dgm:pt>
+    <dgm:pt modelId="{89C95E3D-E56F-6142-9266-3C93460C8B8D}" type="pres">
+      <dgm:prSet presAssocID="{2AA23939-7A9A-CD43-8DAB-1BFBB160D2A9}" presName="sibTrans" presStyleLbl="node1" presStyleIdx="2" presStyleCnt="6"/>
+      <dgm:spPr/>
+    </dgm:pt>
+    <dgm:pt modelId="{F3047FD4-B88B-D94A-B6C0-CBE3BBE03DDA}" type="pres">
+      <dgm:prSet presAssocID="{D92434B8-EB5B-8848-924B-307F3160899D}" presName="dummy" presStyleCnt="0"/>
+      <dgm:spPr/>
+    </dgm:pt>
+    <dgm:pt modelId="{BCFD3CAF-6867-0244-9512-C5610CC81065}" type="pres">
+      <dgm:prSet presAssocID="{D92434B8-EB5B-8848-924B-307F3160899D}" presName="node" presStyleLbl="revTx" presStyleIdx="3" presStyleCnt="6">
+        <dgm:presLayoutVars>
+          <dgm:bulletEnabled val="1"/>
+        </dgm:presLayoutVars>
+      </dgm:prSet>
+      <dgm:spPr/>
+    </dgm:pt>
+    <dgm:pt modelId="{38349559-4D5F-F14F-83AC-16BEA504F693}" type="pres">
+      <dgm:prSet presAssocID="{44CDDD68-0AE8-1048-BF78-F547600DD765}" presName="sibTrans" presStyleLbl="node1" presStyleIdx="3" presStyleCnt="6"/>
+      <dgm:spPr/>
+    </dgm:pt>
+    <dgm:pt modelId="{7E859055-1413-4641-983D-69DD21C4BBEF}" type="pres">
+      <dgm:prSet presAssocID="{C5A6AB9D-91D8-664A-B98A-C7CD9D161425}" presName="dummy" presStyleCnt="0"/>
+      <dgm:spPr/>
+    </dgm:pt>
+    <dgm:pt modelId="{77C7656B-7194-1C4E-BBD6-FD12259B3327}" type="pres">
+      <dgm:prSet presAssocID="{C5A6AB9D-91D8-664A-B98A-C7CD9D161425}" presName="node" presStyleLbl="revTx" presStyleIdx="4" presStyleCnt="6">
+        <dgm:presLayoutVars>
+          <dgm:bulletEnabled val="1"/>
+        </dgm:presLayoutVars>
+      </dgm:prSet>
+      <dgm:spPr/>
+    </dgm:pt>
+    <dgm:pt modelId="{DCF14260-0C01-2146-B7B9-437AFDBB6130}" type="pres">
+      <dgm:prSet presAssocID="{0953A09E-A2FC-8641-AE81-DC72167E6591}" presName="sibTrans" presStyleLbl="node1" presStyleIdx="4" presStyleCnt="6"/>
+      <dgm:spPr/>
+    </dgm:pt>
+    <dgm:pt modelId="{8CAE0426-1DFF-2B4C-B285-7F6DFC39CAB0}" type="pres">
+      <dgm:prSet presAssocID="{6C44EC70-1BEE-E440-94B1-366EECF0D4DD}" presName="dummy" presStyleCnt="0"/>
+      <dgm:spPr/>
+    </dgm:pt>
+    <dgm:pt modelId="{AB6408C1-32BC-9A4C-BF6C-DFF9F466A712}" type="pres">
+      <dgm:prSet presAssocID="{6C44EC70-1BEE-E440-94B1-366EECF0D4DD}" presName="node" presStyleLbl="revTx" presStyleIdx="5" presStyleCnt="6">
+        <dgm:presLayoutVars>
+          <dgm:bulletEnabled val="1"/>
+        </dgm:presLayoutVars>
+      </dgm:prSet>
+      <dgm:spPr/>
+    </dgm:pt>
+    <dgm:pt modelId="{CE26F8B0-CDD1-AE4E-9863-9063391C53E3}" type="pres">
+      <dgm:prSet presAssocID="{BF5384D4-87AF-7F45-89D1-D2E8B15D730B}" presName="sibTrans" presStyleLbl="node1" presStyleIdx="5" presStyleCnt="6"/>
+      <dgm:spPr/>
+    </dgm:pt>
+  </dgm:ptLst>
+  <dgm:cxnLst>
+    <dgm:cxn modelId="{3EF92A05-DD9C-1040-ADDE-54150AB45DF0}" srcId="{F614EAEA-60EF-B045-A363-0E3758185095}" destId="{C5A6AB9D-91D8-664A-B98A-C7CD9D161425}" srcOrd="4" destOrd="0" parTransId="{33C2411D-299E-2144-8817-0F89928496F0}" sibTransId="{0953A09E-A2FC-8641-AE81-DC72167E6591}"/>
+    <dgm:cxn modelId="{FC82B00B-9512-DE4C-836C-BCF11BA09DC1}" srcId="{F614EAEA-60EF-B045-A363-0E3758185095}" destId="{9B946133-DC9F-B548-856E-0858F3169FA8}" srcOrd="1" destOrd="0" parTransId="{FA213A72-EAD5-5247-9E73-B7F735C343DF}" sibTransId="{4BAD9CE2-3B8E-AE4B-A29D-B356F6E4D47C}"/>
+    <dgm:cxn modelId="{DA995F11-D2CD-0747-AD04-3137EBF1D79A}" srcId="{F614EAEA-60EF-B045-A363-0E3758185095}" destId="{D92434B8-EB5B-8848-924B-307F3160899D}" srcOrd="3" destOrd="0" parTransId="{BC62BA3B-8C99-344D-9FC6-0EBED4D35B24}" sibTransId="{44CDDD68-0AE8-1048-BF78-F547600DD765}"/>
+    <dgm:cxn modelId="{CC290A1F-4BDB-5440-858E-1748AF4644E1}" type="presOf" srcId="{F614EAEA-60EF-B045-A363-0E3758185095}" destId="{A452763E-8874-604E-95DC-284B060532A4}" srcOrd="0" destOrd="0" presId="urn:microsoft.com/office/officeart/2005/8/layout/cycle1"/>
+    <dgm:cxn modelId="{EBDDEA22-4B42-F44A-82FA-3B6456E7772B}" type="presOf" srcId="{6C44EC70-1BEE-E440-94B1-366EECF0D4DD}" destId="{AB6408C1-32BC-9A4C-BF6C-DFF9F466A712}" srcOrd="0" destOrd="0" presId="urn:microsoft.com/office/officeart/2005/8/layout/cycle1"/>
+    <dgm:cxn modelId="{6245C92A-66B3-6647-BE33-9D46946141C9}" type="presOf" srcId="{D92434B8-EB5B-8848-924B-307F3160899D}" destId="{BCFD3CAF-6867-0244-9512-C5610CC81065}" srcOrd="0" destOrd="0" presId="urn:microsoft.com/office/officeart/2005/8/layout/cycle1"/>
+    <dgm:cxn modelId="{4110044C-866D-614A-9798-AF7117B7896C}" type="presOf" srcId="{929B4777-E928-2D44-99F2-9E02A3194C2D}" destId="{14940865-2C34-E540-B8F4-5B5481B8F75E}" srcOrd="0" destOrd="0" presId="urn:microsoft.com/office/officeart/2005/8/layout/cycle1"/>
+    <dgm:cxn modelId="{1D79405C-2E51-5048-92EA-42E96E5903A5}" type="presOf" srcId="{44CDDD68-0AE8-1048-BF78-F547600DD765}" destId="{38349559-4D5F-F14F-83AC-16BEA504F693}" srcOrd="0" destOrd="0" presId="urn:microsoft.com/office/officeart/2005/8/layout/cycle1"/>
+    <dgm:cxn modelId="{89E6C873-7BE0-9849-8909-E801862CB122}" srcId="{F614EAEA-60EF-B045-A363-0E3758185095}" destId="{6C44EC70-1BEE-E440-94B1-366EECF0D4DD}" srcOrd="5" destOrd="0" parTransId="{CC76C5C7-7954-F148-BB1E-99EBCAE2BCE4}" sibTransId="{BF5384D4-87AF-7F45-89D1-D2E8B15D730B}"/>
+    <dgm:cxn modelId="{03DCC18E-641C-4A46-931C-192443618581}" srcId="{F614EAEA-60EF-B045-A363-0E3758185095}" destId="{929B4777-E928-2D44-99F2-9E02A3194C2D}" srcOrd="0" destOrd="0" parTransId="{8BC94024-02E8-8442-B77F-4967ADBC6CFF}" sibTransId="{E95F4ADB-50AC-8A4C-93D4-06BAA0EB36F4}"/>
+    <dgm:cxn modelId="{37FAD290-2330-9547-BBD2-24302C56224E}" srcId="{F614EAEA-60EF-B045-A363-0E3758185095}" destId="{41857A07-9656-EC44-A6B3-D1C65DC77685}" srcOrd="2" destOrd="0" parTransId="{CB288919-0F20-BB44-9C44-67720ED07DC5}" sibTransId="{2AA23939-7A9A-CD43-8DAB-1BFBB160D2A9}"/>
+    <dgm:cxn modelId="{E0ECDB9A-4CFB-6345-A7DD-CCBF05470A44}" type="presOf" srcId="{E95F4ADB-50AC-8A4C-93D4-06BAA0EB36F4}" destId="{934C93EC-4007-4542-80CF-F9C5D725D2D0}" srcOrd="0" destOrd="0" presId="urn:microsoft.com/office/officeart/2005/8/layout/cycle1"/>
+    <dgm:cxn modelId="{B082ECC2-9957-284A-9FC7-6817EF1AC815}" type="presOf" srcId="{0953A09E-A2FC-8641-AE81-DC72167E6591}" destId="{DCF14260-0C01-2146-B7B9-437AFDBB6130}" srcOrd="0" destOrd="0" presId="urn:microsoft.com/office/officeart/2005/8/layout/cycle1"/>
+    <dgm:cxn modelId="{18B1E3C5-C559-C445-BAA7-353D8900C051}" type="presOf" srcId="{9B946133-DC9F-B548-856E-0858F3169FA8}" destId="{A39626CD-FAE4-394A-99A2-E2CB171F5C8C}" srcOrd="0" destOrd="0" presId="urn:microsoft.com/office/officeart/2005/8/layout/cycle1"/>
+    <dgm:cxn modelId="{126A00CD-879E-4848-848B-F6264BAD9519}" type="presOf" srcId="{BF5384D4-87AF-7F45-89D1-D2E8B15D730B}" destId="{CE26F8B0-CDD1-AE4E-9863-9063391C53E3}" srcOrd="0" destOrd="0" presId="urn:microsoft.com/office/officeart/2005/8/layout/cycle1"/>
+    <dgm:cxn modelId="{CD8930D1-C1F5-8640-AF86-010C358F68BC}" type="presOf" srcId="{C5A6AB9D-91D8-664A-B98A-C7CD9D161425}" destId="{77C7656B-7194-1C4E-BBD6-FD12259B3327}" srcOrd="0" destOrd="0" presId="urn:microsoft.com/office/officeart/2005/8/layout/cycle1"/>
+    <dgm:cxn modelId="{48730CD3-9C3E-A441-931A-24B9E60DF7B1}" type="presOf" srcId="{4BAD9CE2-3B8E-AE4B-A29D-B356F6E4D47C}" destId="{C706A535-B6D0-CF45-A865-317E40362A8F}" srcOrd="0" destOrd="0" presId="urn:microsoft.com/office/officeart/2005/8/layout/cycle1"/>
+    <dgm:cxn modelId="{959735E7-37C3-C847-B605-683ED7B76134}" type="presOf" srcId="{41857A07-9656-EC44-A6B3-D1C65DC77685}" destId="{7732C34B-403D-6B43-8A7D-ECE41D8BB032}" srcOrd="0" destOrd="0" presId="urn:microsoft.com/office/officeart/2005/8/layout/cycle1"/>
+    <dgm:cxn modelId="{DFAC43F8-9174-8B47-B7CB-851955720557}" type="presOf" srcId="{2AA23939-7A9A-CD43-8DAB-1BFBB160D2A9}" destId="{89C95E3D-E56F-6142-9266-3C93460C8B8D}" srcOrd="0" destOrd="0" presId="urn:microsoft.com/office/officeart/2005/8/layout/cycle1"/>
+    <dgm:cxn modelId="{A71037C2-DD3C-F846-BF74-05904A8DE8F2}" type="presParOf" srcId="{A452763E-8874-604E-95DC-284B060532A4}" destId="{6D44DE58-5729-1345-BFE9-4909F51F0BBB}" srcOrd="0" destOrd="0" presId="urn:microsoft.com/office/officeart/2005/8/layout/cycle1"/>
+    <dgm:cxn modelId="{618AB82B-E473-794F-A965-BFE1344C4CF2}" type="presParOf" srcId="{A452763E-8874-604E-95DC-284B060532A4}" destId="{14940865-2C34-E540-B8F4-5B5481B8F75E}" srcOrd="1" destOrd="0" presId="urn:microsoft.com/office/officeart/2005/8/layout/cycle1"/>
+    <dgm:cxn modelId="{9DDA186E-DB30-4046-BC71-6FA43E9A49CC}" type="presParOf" srcId="{A452763E-8874-604E-95DC-284B060532A4}" destId="{934C93EC-4007-4542-80CF-F9C5D725D2D0}" srcOrd="2" destOrd="0" presId="urn:microsoft.com/office/officeart/2005/8/layout/cycle1"/>
+    <dgm:cxn modelId="{79827DAE-8141-1841-9425-C078BA6F03DF}" type="presParOf" srcId="{A452763E-8874-604E-95DC-284B060532A4}" destId="{043178FA-B445-444E-A2FC-AAEA88E9FE6F}" srcOrd="3" destOrd="0" presId="urn:microsoft.com/office/officeart/2005/8/layout/cycle1"/>
+    <dgm:cxn modelId="{128CC221-B6A7-1E49-A13A-893C92FCFB37}" type="presParOf" srcId="{A452763E-8874-604E-95DC-284B060532A4}" destId="{A39626CD-FAE4-394A-99A2-E2CB171F5C8C}" srcOrd="4" destOrd="0" presId="urn:microsoft.com/office/officeart/2005/8/layout/cycle1"/>
+    <dgm:cxn modelId="{1B28684C-ED5A-4B4A-ADB5-7CB3B3A0DAE2}" type="presParOf" srcId="{A452763E-8874-604E-95DC-284B060532A4}" destId="{C706A535-B6D0-CF45-A865-317E40362A8F}" srcOrd="5" destOrd="0" presId="urn:microsoft.com/office/officeart/2005/8/layout/cycle1"/>
+    <dgm:cxn modelId="{9A7970FC-8155-664A-B640-78434D50DC25}" type="presParOf" srcId="{A452763E-8874-604E-95DC-284B060532A4}" destId="{08C8CE54-D97B-454C-A5F5-35945C5717A5}" srcOrd="6" destOrd="0" presId="urn:microsoft.com/office/officeart/2005/8/layout/cycle1"/>
+    <dgm:cxn modelId="{39BEAA01-3870-A141-8643-615CD5A3AA38}" type="presParOf" srcId="{A452763E-8874-604E-95DC-284B060532A4}" destId="{7732C34B-403D-6B43-8A7D-ECE41D8BB032}" srcOrd="7" destOrd="0" presId="urn:microsoft.com/office/officeart/2005/8/layout/cycle1"/>
+    <dgm:cxn modelId="{3B7A3D0C-A19C-A748-9C24-0936E9E89E35}" type="presParOf" srcId="{A452763E-8874-604E-95DC-284B060532A4}" destId="{89C95E3D-E56F-6142-9266-3C93460C8B8D}" srcOrd="8" destOrd="0" presId="urn:microsoft.com/office/officeart/2005/8/layout/cycle1"/>
+    <dgm:cxn modelId="{27A66F6E-64A2-F545-8F3D-A279854A01B0}" type="presParOf" srcId="{A452763E-8874-604E-95DC-284B060532A4}" destId="{F3047FD4-B88B-D94A-B6C0-CBE3BBE03DDA}" srcOrd="9" destOrd="0" presId="urn:microsoft.com/office/officeart/2005/8/layout/cycle1"/>
+    <dgm:cxn modelId="{8108286D-82A0-CC4A-AD4E-07C3255F67FC}" type="presParOf" srcId="{A452763E-8874-604E-95DC-284B060532A4}" destId="{BCFD3CAF-6867-0244-9512-C5610CC81065}" srcOrd="10" destOrd="0" presId="urn:microsoft.com/office/officeart/2005/8/layout/cycle1"/>
+    <dgm:cxn modelId="{8A1D1596-4A57-BF4A-9747-1500859D37B6}" type="presParOf" srcId="{A452763E-8874-604E-95DC-284B060532A4}" destId="{38349559-4D5F-F14F-83AC-16BEA504F693}" srcOrd="11" destOrd="0" presId="urn:microsoft.com/office/officeart/2005/8/layout/cycle1"/>
+    <dgm:cxn modelId="{6E8E5F72-B658-FA41-815E-209F3D4EF67D}" type="presParOf" srcId="{A452763E-8874-604E-95DC-284B060532A4}" destId="{7E859055-1413-4641-983D-69DD21C4BBEF}" srcOrd="12" destOrd="0" presId="urn:microsoft.com/office/officeart/2005/8/layout/cycle1"/>
+    <dgm:cxn modelId="{BDA1B64C-D767-F54B-9DCE-FDBCD4FA0E49}" type="presParOf" srcId="{A452763E-8874-604E-95DC-284B060532A4}" destId="{77C7656B-7194-1C4E-BBD6-FD12259B3327}" srcOrd="13" destOrd="0" presId="urn:microsoft.com/office/officeart/2005/8/layout/cycle1"/>
+    <dgm:cxn modelId="{211B3ECC-832B-F24B-87B4-DBFAF44097FC}" type="presParOf" srcId="{A452763E-8874-604E-95DC-284B060532A4}" destId="{DCF14260-0C01-2146-B7B9-437AFDBB6130}" srcOrd="14" destOrd="0" presId="urn:microsoft.com/office/officeart/2005/8/layout/cycle1"/>
+    <dgm:cxn modelId="{D391B822-B3E8-4945-9EE0-F5A37ACBD01B}" type="presParOf" srcId="{A452763E-8874-604E-95DC-284B060532A4}" destId="{8CAE0426-1DFF-2B4C-B285-7F6DFC39CAB0}" srcOrd="15" destOrd="0" presId="urn:microsoft.com/office/officeart/2005/8/layout/cycle1"/>
+    <dgm:cxn modelId="{77CE20A6-D344-CC4C-B8B9-726ACAB2FEC3}" type="presParOf" srcId="{A452763E-8874-604E-95DC-284B060532A4}" destId="{AB6408C1-32BC-9A4C-BF6C-DFF9F466A712}" srcOrd="16" destOrd="0" presId="urn:microsoft.com/office/officeart/2005/8/layout/cycle1"/>
+    <dgm:cxn modelId="{585DF1D7-F69B-8544-A2A4-AB00C808CFF5}" type="presParOf" srcId="{A452763E-8874-604E-95DC-284B060532A4}" destId="{CE26F8B0-CDD1-AE4E-9863-9063391C53E3}" srcOrd="17" destOrd="0" presId="urn:microsoft.com/office/officeart/2005/8/layout/cycle1"/>
+  </dgm:cxnLst>
+  <dgm:bg/>
+  <dgm:whole/>
+  <dgm:extLst>
+    <a:ext uri="http://schemas.microsoft.com/office/drawing/2008/diagram">
+      <dsp:dataModelExt xmlns:dsp="http://schemas.microsoft.com/office/drawing/2008/diagram" relId="rId11" minVer="http://schemas.openxmlformats.org/drawingml/2006/diagram"/>
+    </a:ext>
+  </dgm:extLst>
+</dgm:dataModel>
+</file>
+
+<file path=ppt/diagrams/data3.xml><?xml version="1.0" encoding="utf-8"?>
+<dgm:dataModel xmlns:dgm="http://schemas.openxmlformats.org/drawingml/2006/diagram" xmlns:a="http://schemas.openxmlformats.org/drawingml/2006/main">
+  <dgm:ptLst>
+    <dgm:pt modelId="{F614EAEA-60EF-B045-A363-0E3758185095}" type="doc">
+      <dgm:prSet loTypeId="urn:microsoft.com/office/officeart/2005/8/layout/cycle1" loCatId="" qsTypeId="urn:microsoft.com/office/officeart/2005/8/quickstyle/simple1" qsCatId="simple" csTypeId="urn:microsoft.com/office/officeart/2005/8/colors/accent0_2" csCatId="mainScheme" phldr="1"/>
+      <dgm:spPr/>
+      <dgm:t>
+        <a:bodyPr/>
+        <a:lstStyle/>
+        <a:p>
+          <a:endParaRPr lang="en-US"/>
+        </a:p>
+      </dgm:t>
+    </dgm:pt>
+    <dgm:pt modelId="{929B4777-E928-2D44-99F2-9E02A3194C2D}">
+      <dgm:prSet phldrT="[Text]"/>
+      <dgm:spPr/>
+      <dgm:t>
+        <a:bodyPr/>
+        <a:lstStyle/>
+        <a:p>
+          <a:r>
+            <a:rPr lang="en-US" dirty="0"/>
+            <a:t> </a:t>
+          </a:r>
+        </a:p>
+      </dgm:t>
+    </dgm:pt>
+    <dgm:pt modelId="{8BC94024-02E8-8442-B77F-4967ADBC6CFF}" type="parTrans" cxnId="{03DCC18E-641C-4A46-931C-192443618581}">
+      <dgm:prSet/>
+      <dgm:spPr/>
+      <dgm:t>
+        <a:bodyPr/>
+        <a:lstStyle/>
+        <a:p>
+          <a:endParaRPr lang="en-US"/>
+        </a:p>
+      </dgm:t>
+    </dgm:pt>
+    <dgm:pt modelId="{E95F4ADB-50AC-8A4C-93D4-06BAA0EB36F4}" type="sibTrans" cxnId="{03DCC18E-641C-4A46-931C-192443618581}">
+      <dgm:prSet/>
+      <dgm:spPr/>
+      <dgm:t>
+        <a:bodyPr/>
+        <a:lstStyle/>
+        <a:p>
+          <a:endParaRPr lang="en-US"/>
+        </a:p>
+      </dgm:t>
+    </dgm:pt>
+    <dgm:pt modelId="{9B946133-DC9F-B548-856E-0858F3169FA8}">
+      <dgm:prSet phldrT="[Text]"/>
+      <dgm:spPr/>
+      <dgm:t>
+        <a:bodyPr/>
+        <a:lstStyle/>
+        <a:p>
+          <a:r>
+            <a:rPr lang="en-US" dirty="0"/>
+            <a:t> </a:t>
+          </a:r>
+        </a:p>
+      </dgm:t>
+    </dgm:pt>
+    <dgm:pt modelId="{FA213A72-EAD5-5247-9E73-B7F735C343DF}" type="parTrans" cxnId="{FC82B00B-9512-DE4C-836C-BCF11BA09DC1}">
+      <dgm:prSet/>
+      <dgm:spPr/>
+      <dgm:t>
+        <a:bodyPr/>
+        <a:lstStyle/>
+        <a:p>
+          <a:endParaRPr lang="en-US"/>
+        </a:p>
+      </dgm:t>
+    </dgm:pt>
+    <dgm:pt modelId="{4BAD9CE2-3B8E-AE4B-A29D-B356F6E4D47C}" type="sibTrans" cxnId="{FC82B00B-9512-DE4C-836C-BCF11BA09DC1}">
+      <dgm:prSet/>
+      <dgm:spPr/>
+      <dgm:t>
+        <a:bodyPr/>
+        <a:lstStyle/>
+        <a:p>
+          <a:endParaRPr lang="en-US"/>
+        </a:p>
+      </dgm:t>
+    </dgm:pt>
+    <dgm:pt modelId="{41857A07-9656-EC44-A6B3-D1C65DC77685}">
+      <dgm:prSet phldrT="[Text]"/>
+      <dgm:spPr/>
+      <dgm:t>
+        <a:bodyPr/>
+        <a:lstStyle/>
+        <a:p>
+          <a:r>
+            <a:rPr lang="en-US" dirty="0"/>
+            <a:t> </a:t>
+          </a:r>
+        </a:p>
+      </dgm:t>
+    </dgm:pt>
+    <dgm:pt modelId="{CB288919-0F20-BB44-9C44-67720ED07DC5}" type="parTrans" cxnId="{37FAD290-2330-9547-BBD2-24302C56224E}">
+      <dgm:prSet/>
+      <dgm:spPr/>
+      <dgm:t>
+        <a:bodyPr/>
+        <a:lstStyle/>
+        <a:p>
+          <a:endParaRPr lang="en-US"/>
+        </a:p>
+      </dgm:t>
+    </dgm:pt>
+    <dgm:pt modelId="{2AA23939-7A9A-CD43-8DAB-1BFBB160D2A9}" type="sibTrans" cxnId="{37FAD290-2330-9547-BBD2-24302C56224E}">
+      <dgm:prSet/>
+      <dgm:spPr/>
+      <dgm:t>
+        <a:bodyPr/>
+        <a:lstStyle/>
+        <a:p>
+          <a:endParaRPr lang="en-US"/>
+        </a:p>
+      </dgm:t>
+    </dgm:pt>
+    <dgm:pt modelId="{D92434B8-EB5B-8848-924B-307F3160899D}">
+      <dgm:prSet phldrT="[Text]"/>
+      <dgm:spPr/>
+      <dgm:t>
+        <a:bodyPr/>
+        <a:lstStyle/>
+        <a:p>
+          <a:r>
+            <a:rPr lang="en-US" dirty="0"/>
+            <a:t> </a:t>
+          </a:r>
+        </a:p>
+      </dgm:t>
+    </dgm:pt>
+    <dgm:pt modelId="{BC62BA3B-8C99-344D-9FC6-0EBED4D35B24}" type="parTrans" cxnId="{DA995F11-D2CD-0747-AD04-3137EBF1D79A}">
+      <dgm:prSet/>
+      <dgm:spPr/>
+      <dgm:t>
+        <a:bodyPr/>
+        <a:lstStyle/>
+        <a:p>
+          <a:endParaRPr lang="en-US"/>
+        </a:p>
+      </dgm:t>
+    </dgm:pt>
+    <dgm:pt modelId="{44CDDD68-0AE8-1048-BF78-F547600DD765}" type="sibTrans" cxnId="{DA995F11-D2CD-0747-AD04-3137EBF1D79A}">
+      <dgm:prSet/>
+      <dgm:spPr/>
+      <dgm:t>
+        <a:bodyPr/>
+        <a:lstStyle/>
+        <a:p>
+          <a:endParaRPr lang="en-US"/>
+        </a:p>
+      </dgm:t>
+    </dgm:pt>
+    <dgm:pt modelId="{C5A6AB9D-91D8-664A-B98A-C7CD9D161425}">
+      <dgm:prSet phldrT="[Text]"/>
+      <dgm:spPr/>
+      <dgm:t>
+        <a:bodyPr/>
+        <a:lstStyle/>
+        <a:p>
+          <a:r>
+            <a:rPr lang="en-US" dirty="0"/>
+            <a:t> </a:t>
+          </a:r>
+        </a:p>
+      </dgm:t>
+    </dgm:pt>
+    <dgm:pt modelId="{33C2411D-299E-2144-8817-0F89928496F0}" type="parTrans" cxnId="{3EF92A05-DD9C-1040-ADDE-54150AB45DF0}">
+      <dgm:prSet/>
+      <dgm:spPr/>
+      <dgm:t>
+        <a:bodyPr/>
+        <a:lstStyle/>
+        <a:p>
+          <a:endParaRPr lang="en-US"/>
+        </a:p>
+      </dgm:t>
+    </dgm:pt>
+    <dgm:pt modelId="{0953A09E-A2FC-8641-AE81-DC72167E6591}" type="sibTrans" cxnId="{3EF92A05-DD9C-1040-ADDE-54150AB45DF0}">
+      <dgm:prSet/>
+      <dgm:spPr/>
+      <dgm:t>
+        <a:bodyPr/>
+        <a:lstStyle/>
+        <a:p>
+          <a:endParaRPr lang="en-US"/>
+        </a:p>
+      </dgm:t>
+    </dgm:pt>
+    <dgm:pt modelId="{6C44EC70-1BEE-E440-94B1-366EECF0D4DD}">
+      <dgm:prSet/>
+      <dgm:spPr/>
+      <dgm:t>
+        <a:bodyPr/>
+        <a:lstStyle/>
+        <a:p>
+          <a:endParaRPr lang="en-US"/>
+        </a:p>
+      </dgm:t>
+    </dgm:pt>
+    <dgm:pt modelId="{CC76C5C7-7954-F148-BB1E-99EBCAE2BCE4}" type="parTrans" cxnId="{89E6C873-7BE0-9849-8909-E801862CB122}">
+      <dgm:prSet/>
+      <dgm:spPr/>
+      <dgm:t>
+        <a:bodyPr/>
+        <a:lstStyle/>
+        <a:p>
+          <a:endParaRPr lang="en-US"/>
+        </a:p>
+      </dgm:t>
+    </dgm:pt>
+    <dgm:pt modelId="{BF5384D4-87AF-7F45-89D1-D2E8B15D730B}" type="sibTrans" cxnId="{89E6C873-7BE0-9849-8909-E801862CB122}">
+      <dgm:prSet/>
+      <dgm:spPr/>
+      <dgm:t>
+        <a:bodyPr/>
+        <a:lstStyle/>
+        <a:p>
+          <a:endParaRPr lang="en-US"/>
+        </a:p>
+      </dgm:t>
+    </dgm:pt>
+    <dgm:pt modelId="{A452763E-8874-604E-95DC-284B060532A4}" type="pres">
+      <dgm:prSet presAssocID="{F614EAEA-60EF-B045-A363-0E3758185095}" presName="cycle" presStyleCnt="0">
+        <dgm:presLayoutVars>
+          <dgm:dir/>
+          <dgm:resizeHandles val="exact"/>
+        </dgm:presLayoutVars>
+      </dgm:prSet>
+      <dgm:spPr/>
+    </dgm:pt>
+    <dgm:pt modelId="{6D44DE58-5729-1345-BFE9-4909F51F0BBB}" type="pres">
+      <dgm:prSet presAssocID="{929B4777-E928-2D44-99F2-9E02A3194C2D}" presName="dummy" presStyleCnt="0"/>
+      <dgm:spPr/>
+    </dgm:pt>
+    <dgm:pt modelId="{14940865-2C34-E540-B8F4-5B5481B8F75E}" type="pres">
+      <dgm:prSet presAssocID="{929B4777-E928-2D44-99F2-9E02A3194C2D}" presName="node" presStyleLbl="revTx" presStyleIdx="0" presStyleCnt="6">
+        <dgm:presLayoutVars>
+          <dgm:bulletEnabled val="1"/>
+        </dgm:presLayoutVars>
+      </dgm:prSet>
+      <dgm:spPr/>
+    </dgm:pt>
+    <dgm:pt modelId="{934C93EC-4007-4542-80CF-F9C5D725D2D0}" type="pres">
+      <dgm:prSet presAssocID="{E95F4ADB-50AC-8A4C-93D4-06BAA0EB36F4}" presName="sibTrans" presStyleLbl="node1" presStyleIdx="0" presStyleCnt="6"/>
+      <dgm:spPr/>
+    </dgm:pt>
+    <dgm:pt modelId="{043178FA-B445-444E-A2FC-AAEA88E9FE6F}" type="pres">
+      <dgm:prSet presAssocID="{9B946133-DC9F-B548-856E-0858F3169FA8}" presName="dummy" presStyleCnt="0"/>
+      <dgm:spPr/>
+    </dgm:pt>
+    <dgm:pt modelId="{A39626CD-FAE4-394A-99A2-E2CB171F5C8C}" type="pres">
+      <dgm:prSet presAssocID="{9B946133-DC9F-B548-856E-0858F3169FA8}" presName="node" presStyleLbl="revTx" presStyleIdx="1" presStyleCnt="6">
+        <dgm:presLayoutVars>
+          <dgm:bulletEnabled val="1"/>
+        </dgm:presLayoutVars>
+      </dgm:prSet>
+      <dgm:spPr/>
+    </dgm:pt>
+    <dgm:pt modelId="{C706A535-B6D0-CF45-A865-317E40362A8F}" type="pres">
+      <dgm:prSet presAssocID="{4BAD9CE2-3B8E-AE4B-A29D-B356F6E4D47C}" presName="sibTrans" presStyleLbl="node1" presStyleIdx="1" presStyleCnt="6"/>
+      <dgm:spPr/>
+    </dgm:pt>
+    <dgm:pt modelId="{08C8CE54-D97B-454C-A5F5-35945C5717A5}" type="pres">
+      <dgm:prSet presAssocID="{41857A07-9656-EC44-A6B3-D1C65DC77685}" presName="dummy" presStyleCnt="0"/>
+      <dgm:spPr/>
+    </dgm:pt>
+    <dgm:pt modelId="{7732C34B-403D-6B43-8A7D-ECE41D8BB032}" type="pres">
+      <dgm:prSet presAssocID="{41857A07-9656-EC44-A6B3-D1C65DC77685}" presName="node" presStyleLbl="revTx" presStyleIdx="2" presStyleCnt="6">
+        <dgm:presLayoutVars>
+          <dgm:bulletEnabled val="1"/>
+        </dgm:presLayoutVars>
+      </dgm:prSet>
+      <dgm:spPr/>
+    </dgm:pt>
+    <dgm:pt modelId="{89C95E3D-E56F-6142-9266-3C93460C8B8D}" type="pres">
+      <dgm:prSet presAssocID="{2AA23939-7A9A-CD43-8DAB-1BFBB160D2A9}" presName="sibTrans" presStyleLbl="node1" presStyleIdx="2" presStyleCnt="6"/>
+      <dgm:spPr/>
+    </dgm:pt>
+    <dgm:pt modelId="{F3047FD4-B88B-D94A-B6C0-CBE3BBE03DDA}" type="pres">
+      <dgm:prSet presAssocID="{D92434B8-EB5B-8848-924B-307F3160899D}" presName="dummy" presStyleCnt="0"/>
+      <dgm:spPr/>
+    </dgm:pt>
+    <dgm:pt modelId="{BCFD3CAF-6867-0244-9512-C5610CC81065}" type="pres">
+      <dgm:prSet presAssocID="{D92434B8-EB5B-8848-924B-307F3160899D}" presName="node" presStyleLbl="revTx" presStyleIdx="3" presStyleCnt="6">
+        <dgm:presLayoutVars>
+          <dgm:bulletEnabled val="1"/>
+        </dgm:presLayoutVars>
+      </dgm:prSet>
+      <dgm:spPr/>
+    </dgm:pt>
+    <dgm:pt modelId="{38349559-4D5F-F14F-83AC-16BEA504F693}" type="pres">
+      <dgm:prSet presAssocID="{44CDDD68-0AE8-1048-BF78-F547600DD765}" presName="sibTrans" presStyleLbl="node1" presStyleIdx="3" presStyleCnt="6"/>
+      <dgm:spPr/>
+    </dgm:pt>
+    <dgm:pt modelId="{7E859055-1413-4641-983D-69DD21C4BBEF}" type="pres">
+      <dgm:prSet presAssocID="{C5A6AB9D-91D8-664A-B98A-C7CD9D161425}" presName="dummy" presStyleCnt="0"/>
+      <dgm:spPr/>
+    </dgm:pt>
+    <dgm:pt modelId="{77C7656B-7194-1C4E-BBD6-FD12259B3327}" type="pres">
+      <dgm:prSet presAssocID="{C5A6AB9D-91D8-664A-B98A-C7CD9D161425}" presName="node" presStyleLbl="revTx" presStyleIdx="4" presStyleCnt="6">
+        <dgm:presLayoutVars>
+          <dgm:bulletEnabled val="1"/>
+        </dgm:presLayoutVars>
+      </dgm:prSet>
+      <dgm:spPr/>
+    </dgm:pt>
+    <dgm:pt modelId="{DCF14260-0C01-2146-B7B9-437AFDBB6130}" type="pres">
+      <dgm:prSet presAssocID="{0953A09E-A2FC-8641-AE81-DC72167E6591}" presName="sibTrans" presStyleLbl="node1" presStyleIdx="4" presStyleCnt="6"/>
+      <dgm:spPr/>
+    </dgm:pt>
+    <dgm:pt modelId="{8CAE0426-1DFF-2B4C-B285-7F6DFC39CAB0}" type="pres">
+      <dgm:prSet presAssocID="{6C44EC70-1BEE-E440-94B1-366EECF0D4DD}" presName="dummy" presStyleCnt="0"/>
+      <dgm:spPr/>
+    </dgm:pt>
+    <dgm:pt modelId="{AB6408C1-32BC-9A4C-BF6C-DFF9F466A712}" type="pres">
+      <dgm:prSet presAssocID="{6C44EC70-1BEE-E440-94B1-366EECF0D4DD}" presName="node" presStyleLbl="revTx" presStyleIdx="5" presStyleCnt="6">
+        <dgm:presLayoutVars>
+          <dgm:bulletEnabled val="1"/>
+        </dgm:presLayoutVars>
+      </dgm:prSet>
+      <dgm:spPr/>
+    </dgm:pt>
+    <dgm:pt modelId="{CE26F8B0-CDD1-AE4E-9863-9063391C53E3}" type="pres">
+      <dgm:prSet presAssocID="{BF5384D4-87AF-7F45-89D1-D2E8B15D730B}" presName="sibTrans" presStyleLbl="node1" presStyleIdx="5" presStyleCnt="6"/>
+      <dgm:spPr/>
+    </dgm:pt>
+  </dgm:ptLst>
+  <dgm:cxnLst>
+    <dgm:cxn modelId="{3EF92A05-DD9C-1040-ADDE-54150AB45DF0}" srcId="{F614EAEA-60EF-B045-A363-0E3758185095}" destId="{C5A6AB9D-91D8-664A-B98A-C7CD9D161425}" srcOrd="4" destOrd="0" parTransId="{33C2411D-299E-2144-8817-0F89928496F0}" sibTransId="{0953A09E-A2FC-8641-AE81-DC72167E6591}"/>
+    <dgm:cxn modelId="{FC82B00B-9512-DE4C-836C-BCF11BA09DC1}" srcId="{F614EAEA-60EF-B045-A363-0E3758185095}" destId="{9B946133-DC9F-B548-856E-0858F3169FA8}" srcOrd="1" destOrd="0" parTransId="{FA213A72-EAD5-5247-9E73-B7F735C343DF}" sibTransId="{4BAD9CE2-3B8E-AE4B-A29D-B356F6E4D47C}"/>
+    <dgm:cxn modelId="{DA995F11-D2CD-0747-AD04-3137EBF1D79A}" srcId="{F614EAEA-60EF-B045-A363-0E3758185095}" destId="{D92434B8-EB5B-8848-924B-307F3160899D}" srcOrd="3" destOrd="0" parTransId="{BC62BA3B-8C99-344D-9FC6-0EBED4D35B24}" sibTransId="{44CDDD68-0AE8-1048-BF78-F547600DD765}"/>
+    <dgm:cxn modelId="{CC290A1F-4BDB-5440-858E-1748AF4644E1}" type="presOf" srcId="{F614EAEA-60EF-B045-A363-0E3758185095}" destId="{A452763E-8874-604E-95DC-284B060532A4}" srcOrd="0" destOrd="0" presId="urn:microsoft.com/office/officeart/2005/8/layout/cycle1"/>
+    <dgm:cxn modelId="{EBDDEA22-4B42-F44A-82FA-3B6456E7772B}" type="presOf" srcId="{6C44EC70-1BEE-E440-94B1-366EECF0D4DD}" destId="{AB6408C1-32BC-9A4C-BF6C-DFF9F466A712}" srcOrd="0" destOrd="0" presId="urn:microsoft.com/office/officeart/2005/8/layout/cycle1"/>
+    <dgm:cxn modelId="{6245C92A-66B3-6647-BE33-9D46946141C9}" type="presOf" srcId="{D92434B8-EB5B-8848-924B-307F3160899D}" destId="{BCFD3CAF-6867-0244-9512-C5610CC81065}" srcOrd="0" destOrd="0" presId="urn:microsoft.com/office/officeart/2005/8/layout/cycle1"/>
+    <dgm:cxn modelId="{4110044C-866D-614A-9798-AF7117B7896C}" type="presOf" srcId="{929B4777-E928-2D44-99F2-9E02A3194C2D}" destId="{14940865-2C34-E540-B8F4-5B5481B8F75E}" srcOrd="0" destOrd="0" presId="urn:microsoft.com/office/officeart/2005/8/layout/cycle1"/>
+    <dgm:cxn modelId="{1D79405C-2E51-5048-92EA-42E96E5903A5}" type="presOf" srcId="{44CDDD68-0AE8-1048-BF78-F547600DD765}" destId="{38349559-4D5F-F14F-83AC-16BEA504F693}" srcOrd="0" destOrd="0" presId="urn:microsoft.com/office/officeart/2005/8/layout/cycle1"/>
+    <dgm:cxn modelId="{89E6C873-7BE0-9849-8909-E801862CB122}" srcId="{F614EAEA-60EF-B045-A363-0E3758185095}" destId="{6C44EC70-1BEE-E440-94B1-366EECF0D4DD}" srcOrd="5" destOrd="0" parTransId="{CC76C5C7-7954-F148-BB1E-99EBCAE2BCE4}" sibTransId="{BF5384D4-87AF-7F45-89D1-D2E8B15D730B}"/>
+    <dgm:cxn modelId="{03DCC18E-641C-4A46-931C-192443618581}" srcId="{F614EAEA-60EF-B045-A363-0E3758185095}" destId="{929B4777-E928-2D44-99F2-9E02A3194C2D}" srcOrd="0" destOrd="0" parTransId="{8BC94024-02E8-8442-B77F-4967ADBC6CFF}" sibTransId="{E95F4ADB-50AC-8A4C-93D4-06BAA0EB36F4}"/>
+    <dgm:cxn modelId="{37FAD290-2330-9547-BBD2-24302C56224E}" srcId="{F614EAEA-60EF-B045-A363-0E3758185095}" destId="{41857A07-9656-EC44-A6B3-D1C65DC77685}" srcOrd="2" destOrd="0" parTransId="{CB288919-0F20-BB44-9C44-67720ED07DC5}" sibTransId="{2AA23939-7A9A-CD43-8DAB-1BFBB160D2A9}"/>
+    <dgm:cxn modelId="{E0ECDB9A-4CFB-6345-A7DD-CCBF05470A44}" type="presOf" srcId="{E95F4ADB-50AC-8A4C-93D4-06BAA0EB36F4}" destId="{934C93EC-4007-4542-80CF-F9C5D725D2D0}" srcOrd="0" destOrd="0" presId="urn:microsoft.com/office/officeart/2005/8/layout/cycle1"/>
+    <dgm:cxn modelId="{B082ECC2-9957-284A-9FC7-6817EF1AC815}" type="presOf" srcId="{0953A09E-A2FC-8641-AE81-DC72167E6591}" destId="{DCF14260-0C01-2146-B7B9-437AFDBB6130}" srcOrd="0" destOrd="0" presId="urn:microsoft.com/office/officeart/2005/8/layout/cycle1"/>
+    <dgm:cxn modelId="{18B1E3C5-C559-C445-BAA7-353D8900C051}" type="presOf" srcId="{9B946133-DC9F-B548-856E-0858F3169FA8}" destId="{A39626CD-FAE4-394A-99A2-E2CB171F5C8C}" srcOrd="0" destOrd="0" presId="urn:microsoft.com/office/officeart/2005/8/layout/cycle1"/>
+    <dgm:cxn modelId="{126A00CD-879E-4848-848B-F6264BAD9519}" type="presOf" srcId="{BF5384D4-87AF-7F45-89D1-D2E8B15D730B}" destId="{CE26F8B0-CDD1-AE4E-9863-9063391C53E3}" srcOrd="0" destOrd="0" presId="urn:microsoft.com/office/officeart/2005/8/layout/cycle1"/>
+    <dgm:cxn modelId="{CD8930D1-C1F5-8640-AF86-010C358F68BC}" type="presOf" srcId="{C5A6AB9D-91D8-664A-B98A-C7CD9D161425}" destId="{77C7656B-7194-1C4E-BBD6-FD12259B3327}" srcOrd="0" destOrd="0" presId="urn:microsoft.com/office/officeart/2005/8/layout/cycle1"/>
+    <dgm:cxn modelId="{48730CD3-9C3E-A441-931A-24B9E60DF7B1}" type="presOf" srcId="{4BAD9CE2-3B8E-AE4B-A29D-B356F6E4D47C}" destId="{C706A535-B6D0-CF45-A865-317E40362A8F}" srcOrd="0" destOrd="0" presId="urn:microsoft.com/office/officeart/2005/8/layout/cycle1"/>
+    <dgm:cxn modelId="{959735E7-37C3-C847-B605-683ED7B76134}" type="presOf" srcId="{41857A07-9656-EC44-A6B3-D1C65DC77685}" destId="{7732C34B-403D-6B43-8A7D-ECE41D8BB032}" srcOrd="0" destOrd="0" presId="urn:microsoft.com/office/officeart/2005/8/layout/cycle1"/>
+    <dgm:cxn modelId="{DFAC43F8-9174-8B47-B7CB-851955720557}" type="presOf" srcId="{2AA23939-7A9A-CD43-8DAB-1BFBB160D2A9}" destId="{89C95E3D-E56F-6142-9266-3C93460C8B8D}" srcOrd="0" destOrd="0" presId="urn:microsoft.com/office/officeart/2005/8/layout/cycle1"/>
+    <dgm:cxn modelId="{A71037C2-DD3C-F846-BF74-05904A8DE8F2}" type="presParOf" srcId="{A452763E-8874-604E-95DC-284B060532A4}" destId="{6D44DE58-5729-1345-BFE9-4909F51F0BBB}" srcOrd="0" destOrd="0" presId="urn:microsoft.com/office/officeart/2005/8/layout/cycle1"/>
+    <dgm:cxn modelId="{618AB82B-E473-794F-A965-BFE1344C4CF2}" type="presParOf" srcId="{A452763E-8874-604E-95DC-284B060532A4}" destId="{14940865-2C34-E540-B8F4-5B5481B8F75E}" srcOrd="1" destOrd="0" presId="urn:microsoft.com/office/officeart/2005/8/layout/cycle1"/>
+    <dgm:cxn modelId="{9DDA186E-DB30-4046-BC71-6FA43E9A49CC}" type="presParOf" srcId="{A452763E-8874-604E-95DC-284B060532A4}" destId="{934C93EC-4007-4542-80CF-F9C5D725D2D0}" srcOrd="2" destOrd="0" presId="urn:microsoft.com/office/officeart/2005/8/layout/cycle1"/>
+    <dgm:cxn modelId="{79827DAE-8141-1841-9425-C078BA6F03DF}" type="presParOf" srcId="{A452763E-8874-604E-95DC-284B060532A4}" destId="{043178FA-B445-444E-A2FC-AAEA88E9FE6F}" srcOrd="3" destOrd="0" presId="urn:microsoft.com/office/officeart/2005/8/layout/cycle1"/>
+    <dgm:cxn modelId="{128CC221-B6A7-1E49-A13A-893C92FCFB37}" type="presParOf" srcId="{A452763E-8874-604E-95DC-284B060532A4}" destId="{A39626CD-FAE4-394A-99A2-E2CB171F5C8C}" srcOrd="4" destOrd="0" presId="urn:microsoft.com/office/officeart/2005/8/layout/cycle1"/>
+    <dgm:cxn modelId="{1B28684C-ED5A-4B4A-ADB5-7CB3B3A0DAE2}" type="presParOf" srcId="{A452763E-8874-604E-95DC-284B060532A4}" destId="{C706A535-B6D0-CF45-A865-317E40362A8F}" srcOrd="5" destOrd="0" presId="urn:microsoft.com/office/officeart/2005/8/layout/cycle1"/>
+    <dgm:cxn modelId="{9A7970FC-8155-664A-B640-78434D50DC25}" type="presParOf" srcId="{A452763E-8874-604E-95DC-284B060532A4}" destId="{08C8CE54-D97B-454C-A5F5-35945C5717A5}" srcOrd="6" destOrd="0" presId="urn:microsoft.com/office/officeart/2005/8/layout/cycle1"/>
+    <dgm:cxn modelId="{39BEAA01-3870-A141-8643-615CD5A3AA38}" type="presParOf" srcId="{A452763E-8874-604E-95DC-284B060532A4}" destId="{7732C34B-403D-6B43-8A7D-ECE41D8BB032}" srcOrd="7" destOrd="0" presId="urn:microsoft.com/office/officeart/2005/8/layout/cycle1"/>
+    <dgm:cxn modelId="{3B7A3D0C-A19C-A748-9C24-0936E9E89E35}" type="presParOf" srcId="{A452763E-8874-604E-95DC-284B060532A4}" destId="{89C95E3D-E56F-6142-9266-3C93460C8B8D}" srcOrd="8" destOrd="0" presId="urn:microsoft.com/office/officeart/2005/8/layout/cycle1"/>
+    <dgm:cxn modelId="{27A66F6E-64A2-F545-8F3D-A279854A01B0}" type="presParOf" srcId="{A452763E-8874-604E-95DC-284B060532A4}" destId="{F3047FD4-B88B-D94A-B6C0-CBE3BBE03DDA}" srcOrd="9" destOrd="0" presId="urn:microsoft.com/office/officeart/2005/8/layout/cycle1"/>
+    <dgm:cxn modelId="{8108286D-82A0-CC4A-AD4E-07C3255F67FC}" type="presParOf" srcId="{A452763E-8874-604E-95DC-284B060532A4}" destId="{BCFD3CAF-6867-0244-9512-C5610CC81065}" srcOrd="10" destOrd="0" presId="urn:microsoft.com/office/officeart/2005/8/layout/cycle1"/>
+    <dgm:cxn modelId="{8A1D1596-4A57-BF4A-9747-1500859D37B6}" type="presParOf" srcId="{A452763E-8874-604E-95DC-284B060532A4}" destId="{38349559-4D5F-F14F-83AC-16BEA504F693}" srcOrd="11" destOrd="0" presId="urn:microsoft.com/office/officeart/2005/8/layout/cycle1"/>
+    <dgm:cxn modelId="{6E8E5F72-B658-FA41-815E-209F3D4EF67D}" type="presParOf" srcId="{A452763E-8874-604E-95DC-284B060532A4}" destId="{7E859055-1413-4641-983D-69DD21C4BBEF}" srcOrd="12" destOrd="0" presId="urn:microsoft.com/office/officeart/2005/8/layout/cycle1"/>
+    <dgm:cxn modelId="{BDA1B64C-D767-F54B-9DCE-FDBCD4FA0E49}" type="presParOf" srcId="{A452763E-8874-604E-95DC-284B060532A4}" destId="{77C7656B-7194-1C4E-BBD6-FD12259B3327}" srcOrd="13" destOrd="0" presId="urn:microsoft.com/office/officeart/2005/8/layout/cycle1"/>
+    <dgm:cxn modelId="{211B3ECC-832B-F24B-87B4-DBFAF44097FC}" type="presParOf" srcId="{A452763E-8874-604E-95DC-284B060532A4}" destId="{DCF14260-0C01-2146-B7B9-437AFDBB6130}" srcOrd="14" destOrd="0" presId="urn:microsoft.com/office/officeart/2005/8/layout/cycle1"/>
+    <dgm:cxn modelId="{D391B822-B3E8-4945-9EE0-F5A37ACBD01B}" type="presParOf" srcId="{A452763E-8874-604E-95DC-284B060532A4}" destId="{8CAE0426-1DFF-2B4C-B285-7F6DFC39CAB0}" srcOrd="15" destOrd="0" presId="urn:microsoft.com/office/officeart/2005/8/layout/cycle1"/>
+    <dgm:cxn modelId="{77CE20A6-D344-CC4C-B8B9-726ACAB2FEC3}" type="presParOf" srcId="{A452763E-8874-604E-95DC-284B060532A4}" destId="{AB6408C1-32BC-9A4C-BF6C-DFF9F466A712}" srcOrd="16" destOrd="0" presId="urn:microsoft.com/office/officeart/2005/8/layout/cycle1"/>
+    <dgm:cxn modelId="{585DF1D7-F69B-8544-A2A4-AB00C808CFF5}" type="presParOf" srcId="{A452763E-8874-604E-95DC-284B060532A4}" destId="{CE26F8B0-CDD1-AE4E-9863-9063391C53E3}" srcOrd="17" destOrd="0" presId="urn:microsoft.com/office/officeart/2005/8/layout/cycle1"/>
+  </dgm:cxnLst>
+  <dgm:bg/>
+  <dgm:whole/>
+  <dgm:extLst>
+    <a:ext uri="http://schemas.microsoft.com/office/drawing/2008/diagram">
+      <dsp:dataModelExt xmlns:dsp="http://schemas.microsoft.com/office/drawing/2008/diagram" relId="rId7" minVer="http://schemas.openxmlformats.org/drawingml/2006/diagram"/>
+    </a:ext>
+  </dgm:extLst>
+</dgm:dataModel>
+</file>
+
 <file path=ppt/diagrams/drawing1.xml><?xml version="1.0" encoding="utf-8"?>
+<dsp:drawing xmlns:dgm="http://schemas.openxmlformats.org/drawingml/2006/diagram" xmlns:dsp="http://schemas.microsoft.com/office/drawing/2008/diagram" xmlns:a="http://schemas.openxmlformats.org/drawingml/2006/main">
+  <dsp:spTree>
+    <dsp:nvGrpSpPr>
+      <dsp:cNvPr id="0" name=""/>
+      <dsp:cNvGrpSpPr/>
+    </dsp:nvGrpSpPr>
+    <dsp:grpSpPr/>
+    <dsp:sp modelId="{14940865-2C34-E540-B8F4-5B5481B8F75E}">
+      <dsp:nvSpPr>
+        <dsp:cNvPr id="0" name=""/>
+        <dsp:cNvSpPr/>
+      </dsp:nvSpPr>
+      <dsp:spPr>
+        <a:xfrm>
+          <a:off x="648427" y="61272"/>
+          <a:ext cx="193529" cy="193529"/>
+        </a:xfrm>
+        <a:prstGeom prst="rect">
+          <a:avLst/>
+        </a:prstGeom>
+        <a:noFill/>
+        <a:ln>
+          <a:noFill/>
+        </a:ln>
+        <a:effectLst/>
+      </dsp:spPr>
+      <dsp:style>
+        <a:lnRef idx="0">
+          <a:scrgbClr r="0" g="0" b="0"/>
+        </a:lnRef>
+        <a:fillRef idx="0">
+          <a:scrgbClr r="0" g="0" b="0"/>
+        </a:fillRef>
+        <a:effectRef idx="0">
+          <a:scrgbClr r="0" g="0" b="0"/>
+        </a:effectRef>
+        <a:fontRef idx="minor"/>
+      </dsp:style>
+      <dsp:txBody>
+        <a:bodyPr spcFirstLastPara="0" vert="horz" wrap="square" lIns="13970" tIns="13970" rIns="13970" bIns="13970" numCol="1" spcCol="1270" anchor="ctr" anchorCtr="0">
+          <a:noAutofit/>
+        </a:bodyPr>
+        <a:lstStyle/>
+        <a:p>
+          <a:pPr marL="0" lvl="0" indent="0" algn="ctr" defTabSz="488950">
+            <a:lnSpc>
+              <a:spcPct val="90000"/>
+            </a:lnSpc>
+            <a:spcBef>
+              <a:spcPct val="0"/>
+            </a:spcBef>
+            <a:spcAft>
+              <a:spcPct val="35000"/>
+            </a:spcAft>
+            <a:buNone/>
+          </a:pPr>
+          <a:r>
+            <a:rPr lang="en-US" sz="1100" kern="1200" dirty="0"/>
+            <a:t> </a:t>
+          </a:r>
+        </a:p>
+      </dsp:txBody>
+      <dsp:txXfrm>
+        <a:off x="648427" y="61272"/>
+        <a:ext cx="193529" cy="193529"/>
+      </dsp:txXfrm>
+    </dsp:sp>
+    <dsp:sp modelId="{934C93EC-4007-4542-80CF-F9C5D725D2D0}">
+      <dsp:nvSpPr>
+        <dsp:cNvPr id="0" name=""/>
+        <dsp:cNvSpPr/>
+      </dsp:nvSpPr>
+      <dsp:spPr>
+        <a:xfrm>
+          <a:off x="56244" y="59271"/>
+          <a:ext cx="945852" cy="945852"/>
+        </a:xfrm>
+        <a:prstGeom prst="circularArrow">
+          <a:avLst>
+            <a:gd name="adj1" fmla="val 3990"/>
+            <a:gd name="adj2" fmla="val 250290"/>
+            <a:gd name="adj3" fmla="val 20573170"/>
+            <a:gd name="adj4" fmla="val 18982995"/>
+            <a:gd name="adj5" fmla="val 4655"/>
+          </a:avLst>
+        </a:prstGeom>
+        <a:solidFill>
+          <a:schemeClr val="lt1">
+            <a:hueOff val="0"/>
+            <a:satOff val="0"/>
+            <a:lumOff val="0"/>
+            <a:alphaOff val="0"/>
+          </a:schemeClr>
+        </a:solidFill>
+        <a:ln w="12700" cap="flat" cmpd="sng" algn="ctr">
+          <a:solidFill>
+            <a:schemeClr val="dk2">
+              <a:shade val="80000"/>
+              <a:hueOff val="0"/>
+              <a:satOff val="0"/>
+              <a:lumOff val="0"/>
+              <a:alphaOff val="0"/>
+            </a:schemeClr>
+          </a:solidFill>
+          <a:prstDash val="solid"/>
+          <a:miter lim="800000"/>
+        </a:ln>
+        <a:effectLst/>
+      </dsp:spPr>
+      <dsp:style>
+        <a:lnRef idx="2">
+          <a:scrgbClr r="0" g="0" b="0"/>
+        </a:lnRef>
+        <a:fillRef idx="1">
+          <a:scrgbClr r="0" g="0" b="0"/>
+        </a:fillRef>
+        <a:effectRef idx="0">
+          <a:scrgbClr r="0" g="0" b="0"/>
+        </a:effectRef>
+        <a:fontRef idx="minor">
+          <a:schemeClr val="lt1"/>
+        </a:fontRef>
+      </dsp:style>
+    </dsp:sp>
+    <dsp:sp modelId="{A39626CD-FAE4-394A-99A2-E2CB171F5C8C}">
+      <dsp:nvSpPr>
+        <dsp:cNvPr id="0" name=""/>
+        <dsp:cNvSpPr/>
+      </dsp:nvSpPr>
+      <dsp:spPr>
+        <a:xfrm>
+          <a:off x="864448" y="435433"/>
+          <a:ext cx="193529" cy="193529"/>
+        </a:xfrm>
+        <a:prstGeom prst="rect">
+          <a:avLst/>
+        </a:prstGeom>
+        <a:noFill/>
+        <a:ln>
+          <a:noFill/>
+        </a:ln>
+        <a:effectLst/>
+      </dsp:spPr>
+      <dsp:style>
+        <a:lnRef idx="0">
+          <a:scrgbClr r="0" g="0" b="0"/>
+        </a:lnRef>
+        <a:fillRef idx="0">
+          <a:scrgbClr r="0" g="0" b="0"/>
+        </a:fillRef>
+        <a:effectRef idx="0">
+          <a:scrgbClr r="0" g="0" b="0"/>
+        </a:effectRef>
+        <a:fontRef idx="minor"/>
+      </dsp:style>
+      <dsp:txBody>
+        <a:bodyPr spcFirstLastPara="0" vert="horz" wrap="square" lIns="13970" tIns="13970" rIns="13970" bIns="13970" numCol="1" spcCol="1270" anchor="ctr" anchorCtr="0">
+          <a:noAutofit/>
+        </a:bodyPr>
+        <a:lstStyle/>
+        <a:p>
+          <a:pPr marL="0" lvl="0" indent="0" algn="ctr" defTabSz="488950">
+            <a:lnSpc>
+              <a:spcPct val="90000"/>
+            </a:lnSpc>
+            <a:spcBef>
+              <a:spcPct val="0"/>
+            </a:spcBef>
+            <a:spcAft>
+              <a:spcPct val="35000"/>
+            </a:spcAft>
+            <a:buNone/>
+          </a:pPr>
+          <a:r>
+            <a:rPr lang="en-US" sz="1100" kern="1200" dirty="0"/>
+            <a:t> </a:t>
+          </a:r>
+        </a:p>
+      </dsp:txBody>
+      <dsp:txXfrm>
+        <a:off x="864448" y="435433"/>
+        <a:ext cx="193529" cy="193529"/>
+      </dsp:txXfrm>
+    </dsp:sp>
+    <dsp:sp modelId="{C706A535-B6D0-CF45-A865-317E40362A8F}">
+      <dsp:nvSpPr>
+        <dsp:cNvPr id="0" name=""/>
+        <dsp:cNvSpPr/>
+      </dsp:nvSpPr>
+      <dsp:spPr>
+        <a:xfrm>
+          <a:off x="56244" y="59271"/>
+          <a:ext cx="945852" cy="945852"/>
+        </a:xfrm>
+        <a:prstGeom prst="circularArrow">
+          <a:avLst>
+            <a:gd name="adj1" fmla="val 3990"/>
+            <a:gd name="adj2" fmla="val 250290"/>
+            <a:gd name="adj3" fmla="val 2366715"/>
+            <a:gd name="adj4" fmla="val 776540"/>
+            <a:gd name="adj5" fmla="val 4655"/>
+          </a:avLst>
+        </a:prstGeom>
+        <a:solidFill>
+          <a:schemeClr val="lt1">
+            <a:hueOff val="0"/>
+            <a:satOff val="0"/>
+            <a:lumOff val="0"/>
+            <a:alphaOff val="0"/>
+          </a:schemeClr>
+        </a:solidFill>
+        <a:ln w="12700" cap="flat" cmpd="sng" algn="ctr">
+          <a:solidFill>
+            <a:schemeClr val="dk2">
+              <a:shade val="80000"/>
+              <a:hueOff val="0"/>
+              <a:satOff val="0"/>
+              <a:lumOff val="0"/>
+              <a:alphaOff val="0"/>
+            </a:schemeClr>
+          </a:solidFill>
+          <a:prstDash val="solid"/>
+          <a:miter lim="800000"/>
+        </a:ln>
+        <a:effectLst/>
+      </dsp:spPr>
+      <dsp:style>
+        <a:lnRef idx="2">
+          <a:scrgbClr r="0" g="0" b="0"/>
+        </a:lnRef>
+        <a:fillRef idx="1">
+          <a:scrgbClr r="0" g="0" b="0"/>
+        </a:fillRef>
+        <a:effectRef idx="0">
+          <a:scrgbClr r="0" g="0" b="0"/>
+        </a:effectRef>
+        <a:fontRef idx="minor">
+          <a:schemeClr val="lt1"/>
+        </a:fontRef>
+      </dsp:style>
+    </dsp:sp>
+    <dsp:sp modelId="{7732C34B-403D-6B43-8A7D-ECE41D8BB032}">
+      <dsp:nvSpPr>
+        <dsp:cNvPr id="0" name=""/>
+        <dsp:cNvSpPr/>
+      </dsp:nvSpPr>
+      <dsp:spPr>
+        <a:xfrm>
+          <a:off x="648427" y="809593"/>
+          <a:ext cx="193529" cy="193529"/>
+        </a:xfrm>
+        <a:prstGeom prst="rect">
+          <a:avLst/>
+        </a:prstGeom>
+        <a:noFill/>
+        <a:ln>
+          <a:noFill/>
+        </a:ln>
+        <a:effectLst/>
+      </dsp:spPr>
+      <dsp:style>
+        <a:lnRef idx="0">
+          <a:scrgbClr r="0" g="0" b="0"/>
+        </a:lnRef>
+        <a:fillRef idx="0">
+          <a:scrgbClr r="0" g="0" b="0"/>
+        </a:fillRef>
+        <a:effectRef idx="0">
+          <a:scrgbClr r="0" g="0" b="0"/>
+        </a:effectRef>
+        <a:fontRef idx="minor"/>
+      </dsp:style>
+      <dsp:txBody>
+        <a:bodyPr spcFirstLastPara="0" vert="horz" wrap="square" lIns="13970" tIns="13970" rIns="13970" bIns="13970" numCol="1" spcCol="1270" anchor="ctr" anchorCtr="0">
+          <a:noAutofit/>
+        </a:bodyPr>
+        <a:lstStyle/>
+        <a:p>
+          <a:pPr marL="0" lvl="0" indent="0" algn="ctr" defTabSz="488950">
+            <a:lnSpc>
+              <a:spcPct val="90000"/>
+            </a:lnSpc>
+            <a:spcBef>
+              <a:spcPct val="0"/>
+            </a:spcBef>
+            <a:spcAft>
+              <a:spcPct val="35000"/>
+            </a:spcAft>
+            <a:buNone/>
+          </a:pPr>
+          <a:r>
+            <a:rPr lang="en-US" sz="1100" kern="1200" dirty="0"/>
+            <a:t> </a:t>
+          </a:r>
+        </a:p>
+      </dsp:txBody>
+      <dsp:txXfrm>
+        <a:off x="648427" y="809593"/>
+        <a:ext cx="193529" cy="193529"/>
+      </dsp:txXfrm>
+    </dsp:sp>
+    <dsp:sp modelId="{89C95E3D-E56F-6142-9266-3C93460C8B8D}">
+      <dsp:nvSpPr>
+        <dsp:cNvPr id="0" name=""/>
+        <dsp:cNvSpPr/>
+      </dsp:nvSpPr>
+      <dsp:spPr>
+        <a:xfrm>
+          <a:off x="56244" y="59271"/>
+          <a:ext cx="945852" cy="945852"/>
+        </a:xfrm>
+        <a:prstGeom prst="circularArrow">
+          <a:avLst>
+            <a:gd name="adj1" fmla="val 3990"/>
+            <a:gd name="adj2" fmla="val 250290"/>
+            <a:gd name="adj3" fmla="val 6111114"/>
+            <a:gd name="adj4" fmla="val 4438596"/>
+            <a:gd name="adj5" fmla="val 4655"/>
+          </a:avLst>
+        </a:prstGeom>
+        <a:solidFill>
+          <a:schemeClr val="lt1">
+            <a:hueOff val="0"/>
+            <a:satOff val="0"/>
+            <a:lumOff val="0"/>
+            <a:alphaOff val="0"/>
+          </a:schemeClr>
+        </a:solidFill>
+        <a:ln w="12700" cap="flat" cmpd="sng" algn="ctr">
+          <a:solidFill>
+            <a:schemeClr val="dk2">
+              <a:shade val="80000"/>
+              <a:hueOff val="0"/>
+              <a:satOff val="0"/>
+              <a:lumOff val="0"/>
+              <a:alphaOff val="0"/>
+            </a:schemeClr>
+          </a:solidFill>
+          <a:prstDash val="solid"/>
+          <a:miter lim="800000"/>
+        </a:ln>
+        <a:effectLst/>
+      </dsp:spPr>
+      <dsp:style>
+        <a:lnRef idx="2">
+          <a:scrgbClr r="0" g="0" b="0"/>
+        </a:lnRef>
+        <a:fillRef idx="1">
+          <a:scrgbClr r="0" g="0" b="0"/>
+        </a:fillRef>
+        <a:effectRef idx="0">
+          <a:scrgbClr r="0" g="0" b="0"/>
+        </a:effectRef>
+        <a:fontRef idx="minor">
+          <a:schemeClr val="lt1"/>
+        </a:fontRef>
+      </dsp:style>
+    </dsp:sp>
+    <dsp:sp modelId="{BCFD3CAF-6867-0244-9512-C5610CC81065}">
+      <dsp:nvSpPr>
+        <dsp:cNvPr id="0" name=""/>
+        <dsp:cNvSpPr/>
+      </dsp:nvSpPr>
+      <dsp:spPr>
+        <a:xfrm>
+          <a:off x="216384" y="809593"/>
+          <a:ext cx="193529" cy="193529"/>
+        </a:xfrm>
+        <a:prstGeom prst="rect">
+          <a:avLst/>
+        </a:prstGeom>
+        <a:noFill/>
+        <a:ln>
+          <a:noFill/>
+        </a:ln>
+        <a:effectLst/>
+      </dsp:spPr>
+      <dsp:style>
+        <a:lnRef idx="0">
+          <a:scrgbClr r="0" g="0" b="0"/>
+        </a:lnRef>
+        <a:fillRef idx="0">
+          <a:scrgbClr r="0" g="0" b="0"/>
+        </a:fillRef>
+        <a:effectRef idx="0">
+          <a:scrgbClr r="0" g="0" b="0"/>
+        </a:effectRef>
+        <a:fontRef idx="minor"/>
+      </dsp:style>
+      <dsp:txBody>
+        <a:bodyPr spcFirstLastPara="0" vert="horz" wrap="square" lIns="13970" tIns="13970" rIns="13970" bIns="13970" numCol="1" spcCol="1270" anchor="ctr" anchorCtr="0">
+          <a:noAutofit/>
+        </a:bodyPr>
+        <a:lstStyle/>
+        <a:p>
+          <a:pPr marL="0" lvl="0" indent="0" algn="ctr" defTabSz="488950">
+            <a:lnSpc>
+              <a:spcPct val="90000"/>
+            </a:lnSpc>
+            <a:spcBef>
+              <a:spcPct val="0"/>
+            </a:spcBef>
+            <a:spcAft>
+              <a:spcPct val="35000"/>
+            </a:spcAft>
+            <a:buNone/>
+          </a:pPr>
+          <a:r>
+            <a:rPr lang="en-US" sz="1100" kern="1200" dirty="0"/>
+            <a:t> </a:t>
+          </a:r>
+        </a:p>
+      </dsp:txBody>
+      <dsp:txXfrm>
+        <a:off x="216384" y="809593"/>
+        <a:ext cx="193529" cy="193529"/>
+      </dsp:txXfrm>
+    </dsp:sp>
+    <dsp:sp modelId="{38349559-4D5F-F14F-83AC-16BEA504F693}">
+      <dsp:nvSpPr>
+        <dsp:cNvPr id="0" name=""/>
+        <dsp:cNvSpPr/>
+      </dsp:nvSpPr>
+      <dsp:spPr>
+        <a:xfrm>
+          <a:off x="56244" y="59271"/>
+          <a:ext cx="945852" cy="945852"/>
+        </a:xfrm>
+        <a:prstGeom prst="circularArrow">
+          <a:avLst>
+            <a:gd name="adj1" fmla="val 3990"/>
+            <a:gd name="adj2" fmla="val 250290"/>
+            <a:gd name="adj3" fmla="val 9773170"/>
+            <a:gd name="adj4" fmla="val 8182995"/>
+            <a:gd name="adj5" fmla="val 4655"/>
+          </a:avLst>
+        </a:prstGeom>
+        <a:solidFill>
+          <a:schemeClr val="lt1">
+            <a:hueOff val="0"/>
+            <a:satOff val="0"/>
+            <a:lumOff val="0"/>
+            <a:alphaOff val="0"/>
+          </a:schemeClr>
+        </a:solidFill>
+        <a:ln w="12700" cap="flat" cmpd="sng" algn="ctr">
+          <a:solidFill>
+            <a:schemeClr val="dk2">
+              <a:shade val="80000"/>
+              <a:hueOff val="0"/>
+              <a:satOff val="0"/>
+              <a:lumOff val="0"/>
+              <a:alphaOff val="0"/>
+            </a:schemeClr>
+          </a:solidFill>
+          <a:prstDash val="solid"/>
+          <a:miter lim="800000"/>
+        </a:ln>
+        <a:effectLst/>
+      </dsp:spPr>
+      <dsp:style>
+        <a:lnRef idx="2">
+          <a:scrgbClr r="0" g="0" b="0"/>
+        </a:lnRef>
+        <a:fillRef idx="1">
+          <a:scrgbClr r="0" g="0" b="0"/>
+        </a:fillRef>
+        <a:effectRef idx="0">
+          <a:scrgbClr r="0" g="0" b="0"/>
+        </a:effectRef>
+        <a:fontRef idx="minor">
+          <a:schemeClr val="lt1"/>
+        </a:fontRef>
+      </dsp:style>
+    </dsp:sp>
+    <dsp:sp modelId="{77C7656B-7194-1C4E-BBD6-FD12259B3327}">
+      <dsp:nvSpPr>
+        <dsp:cNvPr id="0" name=""/>
+        <dsp:cNvSpPr/>
+      </dsp:nvSpPr>
+      <dsp:spPr>
+        <a:xfrm>
+          <a:off x="362" y="435433"/>
+          <a:ext cx="193529" cy="193529"/>
+        </a:xfrm>
+        <a:prstGeom prst="rect">
+          <a:avLst/>
+        </a:prstGeom>
+        <a:noFill/>
+        <a:ln>
+          <a:noFill/>
+        </a:ln>
+        <a:effectLst/>
+      </dsp:spPr>
+      <dsp:style>
+        <a:lnRef idx="0">
+          <a:scrgbClr r="0" g="0" b="0"/>
+        </a:lnRef>
+        <a:fillRef idx="0">
+          <a:scrgbClr r="0" g="0" b="0"/>
+        </a:fillRef>
+        <a:effectRef idx="0">
+          <a:scrgbClr r="0" g="0" b="0"/>
+        </a:effectRef>
+        <a:fontRef idx="minor"/>
+      </dsp:style>
+      <dsp:txBody>
+        <a:bodyPr spcFirstLastPara="0" vert="horz" wrap="square" lIns="13970" tIns="13970" rIns="13970" bIns="13970" numCol="1" spcCol="1270" anchor="ctr" anchorCtr="0">
+          <a:noAutofit/>
+        </a:bodyPr>
+        <a:lstStyle/>
+        <a:p>
+          <a:pPr marL="0" lvl="0" indent="0" algn="ctr" defTabSz="488950">
+            <a:lnSpc>
+              <a:spcPct val="90000"/>
+            </a:lnSpc>
+            <a:spcBef>
+              <a:spcPct val="0"/>
+            </a:spcBef>
+            <a:spcAft>
+              <a:spcPct val="35000"/>
+            </a:spcAft>
+            <a:buNone/>
+          </a:pPr>
+          <a:r>
+            <a:rPr lang="en-US" sz="1100" kern="1200" dirty="0"/>
+            <a:t> </a:t>
+          </a:r>
+        </a:p>
+      </dsp:txBody>
+      <dsp:txXfrm>
+        <a:off x="362" y="435433"/>
+        <a:ext cx="193529" cy="193529"/>
+      </dsp:txXfrm>
+    </dsp:sp>
+    <dsp:sp modelId="{DCF14260-0C01-2146-B7B9-437AFDBB6130}">
+      <dsp:nvSpPr>
+        <dsp:cNvPr id="0" name=""/>
+        <dsp:cNvSpPr/>
+      </dsp:nvSpPr>
+      <dsp:spPr>
+        <a:xfrm>
+          <a:off x="56244" y="59271"/>
+          <a:ext cx="945852" cy="945852"/>
+        </a:xfrm>
+        <a:prstGeom prst="circularArrow">
+          <a:avLst>
+            <a:gd name="adj1" fmla="val 3990"/>
+            <a:gd name="adj2" fmla="val 250290"/>
+            <a:gd name="adj3" fmla="val 13166715"/>
+            <a:gd name="adj4" fmla="val 11576540"/>
+            <a:gd name="adj5" fmla="val 4655"/>
+          </a:avLst>
+        </a:prstGeom>
+        <a:solidFill>
+          <a:schemeClr val="lt1">
+            <a:hueOff val="0"/>
+            <a:satOff val="0"/>
+            <a:lumOff val="0"/>
+            <a:alphaOff val="0"/>
+          </a:schemeClr>
+        </a:solidFill>
+        <a:ln w="12700" cap="flat" cmpd="sng" algn="ctr">
+          <a:solidFill>
+            <a:schemeClr val="dk2">
+              <a:shade val="80000"/>
+              <a:hueOff val="0"/>
+              <a:satOff val="0"/>
+              <a:lumOff val="0"/>
+              <a:alphaOff val="0"/>
+            </a:schemeClr>
+          </a:solidFill>
+          <a:prstDash val="solid"/>
+          <a:miter lim="800000"/>
+        </a:ln>
+        <a:effectLst/>
+      </dsp:spPr>
+      <dsp:style>
+        <a:lnRef idx="2">
+          <a:scrgbClr r="0" g="0" b="0"/>
+        </a:lnRef>
+        <a:fillRef idx="1">
+          <a:scrgbClr r="0" g="0" b="0"/>
+        </a:fillRef>
+        <a:effectRef idx="0">
+          <a:scrgbClr r="0" g="0" b="0"/>
+        </a:effectRef>
+        <a:fontRef idx="minor">
+          <a:schemeClr val="lt1"/>
+        </a:fontRef>
+      </dsp:style>
+    </dsp:sp>
+    <dsp:sp modelId="{AB6408C1-32BC-9A4C-BF6C-DFF9F466A712}">
+      <dsp:nvSpPr>
+        <dsp:cNvPr id="0" name=""/>
+        <dsp:cNvSpPr/>
+      </dsp:nvSpPr>
+      <dsp:spPr>
+        <a:xfrm>
+          <a:off x="216384" y="61272"/>
+          <a:ext cx="193529" cy="193529"/>
+        </a:xfrm>
+        <a:prstGeom prst="rect">
+          <a:avLst/>
+        </a:prstGeom>
+        <a:noFill/>
+        <a:ln>
+          <a:noFill/>
+        </a:ln>
+        <a:effectLst/>
+      </dsp:spPr>
+      <dsp:style>
+        <a:lnRef idx="0">
+          <a:scrgbClr r="0" g="0" b="0"/>
+        </a:lnRef>
+        <a:fillRef idx="0">
+          <a:scrgbClr r="0" g="0" b="0"/>
+        </a:fillRef>
+        <a:effectRef idx="0">
+          <a:scrgbClr r="0" g="0" b="0"/>
+        </a:effectRef>
+        <a:fontRef idx="minor"/>
+      </dsp:style>
+      <dsp:txBody>
+        <a:bodyPr spcFirstLastPara="0" vert="horz" wrap="square" lIns="13970" tIns="13970" rIns="13970" bIns="13970" numCol="1" spcCol="1270" anchor="ctr" anchorCtr="0">
+          <a:noAutofit/>
+        </a:bodyPr>
+        <a:lstStyle/>
+        <a:p>
+          <a:pPr marL="0" lvl="0" indent="0" algn="ctr" defTabSz="488950">
+            <a:lnSpc>
+              <a:spcPct val="90000"/>
+            </a:lnSpc>
+            <a:spcBef>
+              <a:spcPct val="0"/>
+            </a:spcBef>
+            <a:spcAft>
+              <a:spcPct val="35000"/>
+            </a:spcAft>
+            <a:buNone/>
+          </a:pPr>
+          <a:endParaRPr lang="en-US" sz="1100" kern="1200"/>
+        </a:p>
+      </dsp:txBody>
+      <dsp:txXfrm>
+        <a:off x="216384" y="61272"/>
+        <a:ext cx="193529" cy="193529"/>
+      </dsp:txXfrm>
+    </dsp:sp>
+    <dsp:sp modelId="{CE26F8B0-CDD1-AE4E-9863-9063391C53E3}">
+      <dsp:nvSpPr>
+        <dsp:cNvPr id="0" name=""/>
+        <dsp:cNvSpPr/>
+      </dsp:nvSpPr>
+      <dsp:spPr>
+        <a:xfrm>
+          <a:off x="56244" y="59271"/>
+          <a:ext cx="945852" cy="945852"/>
+        </a:xfrm>
+        <a:prstGeom prst="circularArrow">
+          <a:avLst>
+            <a:gd name="adj1" fmla="val 3990"/>
+            <a:gd name="adj2" fmla="val 250290"/>
+            <a:gd name="adj3" fmla="val 16911114"/>
+            <a:gd name="adj4" fmla="val 15238596"/>
+            <a:gd name="adj5" fmla="val 4655"/>
+          </a:avLst>
+        </a:prstGeom>
+        <a:solidFill>
+          <a:schemeClr val="lt1">
+            <a:hueOff val="0"/>
+            <a:satOff val="0"/>
+            <a:lumOff val="0"/>
+            <a:alphaOff val="0"/>
+          </a:schemeClr>
+        </a:solidFill>
+        <a:ln w="12700" cap="flat" cmpd="sng" algn="ctr">
+          <a:solidFill>
+            <a:schemeClr val="dk2">
+              <a:shade val="80000"/>
+              <a:hueOff val="0"/>
+              <a:satOff val="0"/>
+              <a:lumOff val="0"/>
+              <a:alphaOff val="0"/>
+            </a:schemeClr>
+          </a:solidFill>
+          <a:prstDash val="solid"/>
+          <a:miter lim="800000"/>
+        </a:ln>
+        <a:effectLst/>
+      </dsp:spPr>
+      <dsp:style>
+        <a:lnRef idx="2">
+          <a:scrgbClr r="0" g="0" b="0"/>
+        </a:lnRef>
+        <a:fillRef idx="1">
+          <a:scrgbClr r="0" g="0" b="0"/>
+        </a:fillRef>
+        <a:effectRef idx="0">
+          <a:scrgbClr r="0" g="0" b="0"/>
+        </a:effectRef>
+        <a:fontRef idx="minor">
+          <a:schemeClr val="lt1"/>
+        </a:fontRef>
+      </dsp:style>
+    </dsp:sp>
+  </dsp:spTree>
+</dsp:drawing>
+</file>
+
+<file path=ppt/diagrams/drawing2.xml><?xml version="1.0" encoding="utf-8"?>
+<dsp:drawing xmlns:dgm="http://schemas.openxmlformats.org/drawingml/2006/diagram" xmlns:dsp="http://schemas.microsoft.com/office/drawing/2008/diagram" xmlns:a="http://schemas.openxmlformats.org/drawingml/2006/main">
+  <dsp:spTree>
+    <dsp:nvGrpSpPr>
+      <dsp:cNvPr id="0" name=""/>
+      <dsp:cNvGrpSpPr/>
+    </dsp:nvGrpSpPr>
+    <dsp:grpSpPr/>
+    <dsp:sp modelId="{14940865-2C34-E540-B8F4-5B5481B8F75E}">
+      <dsp:nvSpPr>
+        <dsp:cNvPr id="0" name=""/>
+        <dsp:cNvSpPr/>
+      </dsp:nvSpPr>
+      <dsp:spPr>
+        <a:xfrm>
+          <a:off x="648427" y="61272"/>
+          <a:ext cx="193529" cy="193529"/>
+        </a:xfrm>
+        <a:prstGeom prst="rect">
+          <a:avLst/>
+        </a:prstGeom>
+        <a:noFill/>
+        <a:ln>
+          <a:noFill/>
+        </a:ln>
+        <a:effectLst/>
+      </dsp:spPr>
+      <dsp:style>
+        <a:lnRef idx="0">
+          <a:scrgbClr r="0" g="0" b="0"/>
+        </a:lnRef>
+        <a:fillRef idx="0">
+          <a:scrgbClr r="0" g="0" b="0"/>
+        </a:fillRef>
+        <a:effectRef idx="0">
+          <a:scrgbClr r="0" g="0" b="0"/>
+        </a:effectRef>
+        <a:fontRef idx="minor"/>
+      </dsp:style>
+      <dsp:txBody>
+        <a:bodyPr spcFirstLastPara="0" vert="horz" wrap="square" lIns="13970" tIns="13970" rIns="13970" bIns="13970" numCol="1" spcCol="1270" anchor="ctr" anchorCtr="0">
+          <a:noAutofit/>
+        </a:bodyPr>
+        <a:lstStyle/>
+        <a:p>
+          <a:pPr marL="0" lvl="0" indent="0" algn="ctr" defTabSz="488950">
+            <a:lnSpc>
+              <a:spcPct val="90000"/>
+            </a:lnSpc>
+            <a:spcBef>
+              <a:spcPct val="0"/>
+            </a:spcBef>
+            <a:spcAft>
+              <a:spcPct val="35000"/>
+            </a:spcAft>
+            <a:buNone/>
+          </a:pPr>
+          <a:r>
+            <a:rPr lang="en-US" sz="1100" kern="1200" dirty="0"/>
+            <a:t> </a:t>
+          </a:r>
+        </a:p>
+      </dsp:txBody>
+      <dsp:txXfrm>
+        <a:off x="648427" y="61272"/>
+        <a:ext cx="193529" cy="193529"/>
+      </dsp:txXfrm>
+    </dsp:sp>
+    <dsp:sp modelId="{934C93EC-4007-4542-80CF-F9C5D725D2D0}">
+      <dsp:nvSpPr>
+        <dsp:cNvPr id="0" name=""/>
+        <dsp:cNvSpPr/>
+      </dsp:nvSpPr>
+      <dsp:spPr>
+        <a:xfrm>
+          <a:off x="56244" y="59271"/>
+          <a:ext cx="945852" cy="945852"/>
+        </a:xfrm>
+        <a:prstGeom prst="circularArrow">
+          <a:avLst>
+            <a:gd name="adj1" fmla="val 3990"/>
+            <a:gd name="adj2" fmla="val 250290"/>
+            <a:gd name="adj3" fmla="val 20573170"/>
+            <a:gd name="adj4" fmla="val 18982995"/>
+            <a:gd name="adj5" fmla="val 4655"/>
+          </a:avLst>
+        </a:prstGeom>
+        <a:solidFill>
+          <a:schemeClr val="lt1">
+            <a:hueOff val="0"/>
+            <a:satOff val="0"/>
+            <a:lumOff val="0"/>
+            <a:alphaOff val="0"/>
+          </a:schemeClr>
+        </a:solidFill>
+        <a:ln w="12700" cap="flat" cmpd="sng" algn="ctr">
+          <a:solidFill>
+            <a:schemeClr val="dk2">
+              <a:shade val="80000"/>
+              <a:hueOff val="0"/>
+              <a:satOff val="0"/>
+              <a:lumOff val="0"/>
+              <a:alphaOff val="0"/>
+            </a:schemeClr>
+          </a:solidFill>
+          <a:prstDash val="solid"/>
+          <a:miter lim="800000"/>
+        </a:ln>
+        <a:effectLst/>
+      </dsp:spPr>
+      <dsp:style>
+        <a:lnRef idx="2">
+          <a:scrgbClr r="0" g="0" b="0"/>
+        </a:lnRef>
+        <a:fillRef idx="1">
+          <a:scrgbClr r="0" g="0" b="0"/>
+        </a:fillRef>
+        <a:effectRef idx="0">
+          <a:scrgbClr r="0" g="0" b="0"/>
+        </a:effectRef>
+        <a:fontRef idx="minor">
+          <a:schemeClr val="lt1"/>
+        </a:fontRef>
+      </dsp:style>
+    </dsp:sp>
+    <dsp:sp modelId="{A39626CD-FAE4-394A-99A2-E2CB171F5C8C}">
+      <dsp:nvSpPr>
+        <dsp:cNvPr id="0" name=""/>
+        <dsp:cNvSpPr/>
+      </dsp:nvSpPr>
+      <dsp:spPr>
+        <a:xfrm>
+          <a:off x="864448" y="435433"/>
+          <a:ext cx="193529" cy="193529"/>
+        </a:xfrm>
+        <a:prstGeom prst="rect">
+          <a:avLst/>
+        </a:prstGeom>
+        <a:noFill/>
+        <a:ln>
+          <a:noFill/>
+        </a:ln>
+        <a:effectLst/>
+      </dsp:spPr>
+      <dsp:style>
+        <a:lnRef idx="0">
+          <a:scrgbClr r="0" g="0" b="0"/>
+        </a:lnRef>
+        <a:fillRef idx="0">
+          <a:scrgbClr r="0" g="0" b="0"/>
+        </a:fillRef>
+        <a:effectRef idx="0">
+          <a:scrgbClr r="0" g="0" b="0"/>
+        </a:effectRef>
+        <a:fontRef idx="minor"/>
+      </dsp:style>
+      <dsp:txBody>
+        <a:bodyPr spcFirstLastPara="0" vert="horz" wrap="square" lIns="13970" tIns="13970" rIns="13970" bIns="13970" numCol="1" spcCol="1270" anchor="ctr" anchorCtr="0">
+          <a:noAutofit/>
+        </a:bodyPr>
+        <a:lstStyle/>
+        <a:p>
+          <a:pPr marL="0" lvl="0" indent="0" algn="ctr" defTabSz="488950">
+            <a:lnSpc>
+              <a:spcPct val="90000"/>
+            </a:lnSpc>
+            <a:spcBef>
+              <a:spcPct val="0"/>
+            </a:spcBef>
+            <a:spcAft>
+              <a:spcPct val="35000"/>
+            </a:spcAft>
+            <a:buNone/>
+          </a:pPr>
+          <a:r>
+            <a:rPr lang="en-US" sz="1100" kern="1200" dirty="0"/>
+            <a:t> </a:t>
+          </a:r>
+        </a:p>
+      </dsp:txBody>
+      <dsp:txXfrm>
+        <a:off x="864448" y="435433"/>
+        <a:ext cx="193529" cy="193529"/>
+      </dsp:txXfrm>
+    </dsp:sp>
+    <dsp:sp modelId="{C706A535-B6D0-CF45-A865-317E40362A8F}">
+      <dsp:nvSpPr>
+        <dsp:cNvPr id="0" name=""/>
+        <dsp:cNvSpPr/>
+      </dsp:nvSpPr>
+      <dsp:spPr>
+        <a:xfrm>
+          <a:off x="56244" y="59271"/>
+          <a:ext cx="945852" cy="945852"/>
+        </a:xfrm>
+        <a:prstGeom prst="circularArrow">
+          <a:avLst>
+            <a:gd name="adj1" fmla="val 3990"/>
+            <a:gd name="adj2" fmla="val 250290"/>
+            <a:gd name="adj3" fmla="val 2366715"/>
+            <a:gd name="adj4" fmla="val 776540"/>
+            <a:gd name="adj5" fmla="val 4655"/>
+          </a:avLst>
+        </a:prstGeom>
+        <a:solidFill>
+          <a:schemeClr val="lt1">
+            <a:hueOff val="0"/>
+            <a:satOff val="0"/>
+            <a:lumOff val="0"/>
+            <a:alphaOff val="0"/>
+          </a:schemeClr>
+        </a:solidFill>
+        <a:ln w="12700" cap="flat" cmpd="sng" algn="ctr">
+          <a:solidFill>
+            <a:schemeClr val="dk2">
+              <a:shade val="80000"/>
+              <a:hueOff val="0"/>
+              <a:satOff val="0"/>
+              <a:lumOff val="0"/>
+              <a:alphaOff val="0"/>
+            </a:schemeClr>
+          </a:solidFill>
+          <a:prstDash val="solid"/>
+          <a:miter lim="800000"/>
+        </a:ln>
+        <a:effectLst/>
+      </dsp:spPr>
+      <dsp:style>
+        <a:lnRef idx="2">
+          <a:scrgbClr r="0" g="0" b="0"/>
+        </a:lnRef>
+        <a:fillRef idx="1">
+          <a:scrgbClr r="0" g="0" b="0"/>
+        </a:fillRef>
+        <a:effectRef idx="0">
+          <a:scrgbClr r="0" g="0" b="0"/>
+        </a:effectRef>
+        <a:fontRef idx="minor">
+          <a:schemeClr val="lt1"/>
+        </a:fontRef>
+      </dsp:style>
+    </dsp:sp>
+    <dsp:sp modelId="{7732C34B-403D-6B43-8A7D-ECE41D8BB032}">
+      <dsp:nvSpPr>
+        <dsp:cNvPr id="0" name=""/>
+        <dsp:cNvSpPr/>
+      </dsp:nvSpPr>
+      <dsp:spPr>
+        <a:xfrm>
+          <a:off x="648427" y="809593"/>
+          <a:ext cx="193529" cy="193529"/>
+        </a:xfrm>
+        <a:prstGeom prst="rect">
+          <a:avLst/>
+        </a:prstGeom>
+        <a:noFill/>
+        <a:ln>
+          <a:noFill/>
+        </a:ln>
+        <a:effectLst/>
+      </dsp:spPr>
+      <dsp:style>
+        <a:lnRef idx="0">
+          <a:scrgbClr r="0" g="0" b="0"/>
+        </a:lnRef>
+        <a:fillRef idx="0">
+          <a:scrgbClr r="0" g="0" b="0"/>
+        </a:fillRef>
+        <a:effectRef idx="0">
+          <a:scrgbClr r="0" g="0" b="0"/>
+        </a:effectRef>
+        <a:fontRef idx="minor"/>
+      </dsp:style>
+      <dsp:txBody>
+        <a:bodyPr spcFirstLastPara="0" vert="horz" wrap="square" lIns="13970" tIns="13970" rIns="13970" bIns="13970" numCol="1" spcCol="1270" anchor="ctr" anchorCtr="0">
+          <a:noAutofit/>
+        </a:bodyPr>
+        <a:lstStyle/>
+        <a:p>
+          <a:pPr marL="0" lvl="0" indent="0" algn="ctr" defTabSz="488950">
+            <a:lnSpc>
+              <a:spcPct val="90000"/>
+            </a:lnSpc>
+            <a:spcBef>
+              <a:spcPct val="0"/>
+            </a:spcBef>
+            <a:spcAft>
+              <a:spcPct val="35000"/>
+            </a:spcAft>
+            <a:buNone/>
+          </a:pPr>
+          <a:r>
+            <a:rPr lang="en-US" sz="1100" kern="1200" dirty="0"/>
+            <a:t> </a:t>
+          </a:r>
+        </a:p>
+      </dsp:txBody>
+      <dsp:txXfrm>
+        <a:off x="648427" y="809593"/>
+        <a:ext cx="193529" cy="193529"/>
+      </dsp:txXfrm>
+    </dsp:sp>
+    <dsp:sp modelId="{89C95E3D-E56F-6142-9266-3C93460C8B8D}">
+      <dsp:nvSpPr>
+        <dsp:cNvPr id="0" name=""/>
+        <dsp:cNvSpPr/>
+      </dsp:nvSpPr>
+      <dsp:spPr>
+        <a:xfrm>
+          <a:off x="56244" y="59271"/>
+          <a:ext cx="945852" cy="945852"/>
+        </a:xfrm>
+        <a:prstGeom prst="circularArrow">
+          <a:avLst>
+            <a:gd name="adj1" fmla="val 3990"/>
+            <a:gd name="adj2" fmla="val 250290"/>
+            <a:gd name="adj3" fmla="val 6111114"/>
+            <a:gd name="adj4" fmla="val 4438596"/>
+            <a:gd name="adj5" fmla="val 4655"/>
+          </a:avLst>
+        </a:prstGeom>
+        <a:solidFill>
+          <a:schemeClr val="lt1">
+            <a:hueOff val="0"/>
+            <a:satOff val="0"/>
+            <a:lumOff val="0"/>
+            <a:alphaOff val="0"/>
+          </a:schemeClr>
+        </a:solidFill>
+        <a:ln w="12700" cap="flat" cmpd="sng" algn="ctr">
+          <a:solidFill>
+            <a:schemeClr val="dk2">
+              <a:shade val="80000"/>
+              <a:hueOff val="0"/>
+              <a:satOff val="0"/>
+              <a:lumOff val="0"/>
+              <a:alphaOff val="0"/>
+            </a:schemeClr>
+          </a:solidFill>
+          <a:prstDash val="solid"/>
+          <a:miter lim="800000"/>
+        </a:ln>
+        <a:effectLst/>
+      </dsp:spPr>
+      <dsp:style>
+        <a:lnRef idx="2">
+          <a:scrgbClr r="0" g="0" b="0"/>
+        </a:lnRef>
+        <a:fillRef idx="1">
+          <a:scrgbClr r="0" g="0" b="0"/>
+        </a:fillRef>
+        <a:effectRef idx="0">
+          <a:scrgbClr r="0" g="0" b="0"/>
+        </a:effectRef>
+        <a:fontRef idx="minor">
+          <a:schemeClr val="lt1"/>
+        </a:fontRef>
+      </dsp:style>
+    </dsp:sp>
+    <dsp:sp modelId="{BCFD3CAF-6867-0244-9512-C5610CC81065}">
+      <dsp:nvSpPr>
+        <dsp:cNvPr id="0" name=""/>
+        <dsp:cNvSpPr/>
+      </dsp:nvSpPr>
+      <dsp:spPr>
+        <a:xfrm>
+          <a:off x="216384" y="809593"/>
+          <a:ext cx="193529" cy="193529"/>
+        </a:xfrm>
+        <a:prstGeom prst="rect">
+          <a:avLst/>
+        </a:prstGeom>
+        <a:noFill/>
+        <a:ln>
+          <a:noFill/>
+        </a:ln>
+        <a:effectLst/>
+      </dsp:spPr>
+      <dsp:style>
+        <a:lnRef idx="0">
+          <a:scrgbClr r="0" g="0" b="0"/>
+        </a:lnRef>
+        <a:fillRef idx="0">
+          <a:scrgbClr r="0" g="0" b="0"/>
+        </a:fillRef>
+        <a:effectRef idx="0">
+          <a:scrgbClr r="0" g="0" b="0"/>
+        </a:effectRef>
+        <a:fontRef idx="minor"/>
+      </dsp:style>
+      <dsp:txBody>
+        <a:bodyPr spcFirstLastPara="0" vert="horz" wrap="square" lIns="13970" tIns="13970" rIns="13970" bIns="13970" numCol="1" spcCol="1270" anchor="ctr" anchorCtr="0">
+          <a:noAutofit/>
+        </a:bodyPr>
+        <a:lstStyle/>
+        <a:p>
+          <a:pPr marL="0" lvl="0" indent="0" algn="ctr" defTabSz="488950">
+            <a:lnSpc>
+              <a:spcPct val="90000"/>
+            </a:lnSpc>
+            <a:spcBef>
+              <a:spcPct val="0"/>
+            </a:spcBef>
+            <a:spcAft>
+              <a:spcPct val="35000"/>
+            </a:spcAft>
+            <a:buNone/>
+          </a:pPr>
+          <a:r>
+            <a:rPr lang="en-US" sz="1100" kern="1200" dirty="0"/>
+            <a:t> </a:t>
+          </a:r>
+        </a:p>
+      </dsp:txBody>
+      <dsp:txXfrm>
+        <a:off x="216384" y="809593"/>
+        <a:ext cx="193529" cy="193529"/>
+      </dsp:txXfrm>
+    </dsp:sp>
+    <dsp:sp modelId="{38349559-4D5F-F14F-83AC-16BEA504F693}">
+      <dsp:nvSpPr>
+        <dsp:cNvPr id="0" name=""/>
+        <dsp:cNvSpPr/>
+      </dsp:nvSpPr>
+      <dsp:spPr>
+        <a:xfrm>
+          <a:off x="56244" y="59271"/>
+          <a:ext cx="945852" cy="945852"/>
+        </a:xfrm>
+        <a:prstGeom prst="circularArrow">
+          <a:avLst>
+            <a:gd name="adj1" fmla="val 3990"/>
+            <a:gd name="adj2" fmla="val 250290"/>
+            <a:gd name="adj3" fmla="val 9773170"/>
+            <a:gd name="adj4" fmla="val 8182995"/>
+            <a:gd name="adj5" fmla="val 4655"/>
+          </a:avLst>
+        </a:prstGeom>
+        <a:solidFill>
+          <a:schemeClr val="lt1">
+            <a:hueOff val="0"/>
+            <a:satOff val="0"/>
+            <a:lumOff val="0"/>
+            <a:alphaOff val="0"/>
+          </a:schemeClr>
+        </a:solidFill>
+        <a:ln w="12700" cap="flat" cmpd="sng" algn="ctr">
+          <a:solidFill>
+            <a:schemeClr val="dk2">
+              <a:shade val="80000"/>
+              <a:hueOff val="0"/>
+              <a:satOff val="0"/>
+              <a:lumOff val="0"/>
+              <a:alphaOff val="0"/>
+            </a:schemeClr>
+          </a:solidFill>
+          <a:prstDash val="solid"/>
+          <a:miter lim="800000"/>
+        </a:ln>
+        <a:effectLst/>
+      </dsp:spPr>
+      <dsp:style>
+        <a:lnRef idx="2">
+          <a:scrgbClr r="0" g="0" b="0"/>
+        </a:lnRef>
+        <a:fillRef idx="1">
+          <a:scrgbClr r="0" g="0" b="0"/>
+        </a:fillRef>
+        <a:effectRef idx="0">
+          <a:scrgbClr r="0" g="0" b="0"/>
+        </a:effectRef>
+        <a:fontRef idx="minor">
+          <a:schemeClr val="lt1"/>
+        </a:fontRef>
+      </dsp:style>
+    </dsp:sp>
+    <dsp:sp modelId="{77C7656B-7194-1C4E-BBD6-FD12259B3327}">
+      <dsp:nvSpPr>
+        <dsp:cNvPr id="0" name=""/>
+        <dsp:cNvSpPr/>
+      </dsp:nvSpPr>
+      <dsp:spPr>
+        <a:xfrm>
+          <a:off x="362" y="435433"/>
+          <a:ext cx="193529" cy="193529"/>
+        </a:xfrm>
+        <a:prstGeom prst="rect">
+          <a:avLst/>
+        </a:prstGeom>
+        <a:noFill/>
+        <a:ln>
+          <a:noFill/>
+        </a:ln>
+        <a:effectLst/>
+      </dsp:spPr>
+      <dsp:style>
+        <a:lnRef idx="0">
+          <a:scrgbClr r="0" g="0" b="0"/>
+        </a:lnRef>
+        <a:fillRef idx="0">
+          <a:scrgbClr r="0" g="0" b="0"/>
+        </a:fillRef>
+        <a:effectRef idx="0">
+          <a:scrgbClr r="0" g="0" b="0"/>
+        </a:effectRef>
+        <a:fontRef idx="minor"/>
+      </dsp:style>
+      <dsp:txBody>
+        <a:bodyPr spcFirstLastPara="0" vert="horz" wrap="square" lIns="13970" tIns="13970" rIns="13970" bIns="13970" numCol="1" spcCol="1270" anchor="ctr" anchorCtr="0">
+          <a:noAutofit/>
+        </a:bodyPr>
+        <a:lstStyle/>
+        <a:p>
+          <a:pPr marL="0" lvl="0" indent="0" algn="ctr" defTabSz="488950">
+            <a:lnSpc>
+              <a:spcPct val="90000"/>
+            </a:lnSpc>
+            <a:spcBef>
+              <a:spcPct val="0"/>
+            </a:spcBef>
+            <a:spcAft>
+              <a:spcPct val="35000"/>
+            </a:spcAft>
+            <a:buNone/>
+          </a:pPr>
+          <a:r>
+            <a:rPr lang="en-US" sz="1100" kern="1200" dirty="0"/>
+            <a:t> </a:t>
+          </a:r>
+        </a:p>
+      </dsp:txBody>
+      <dsp:txXfrm>
+        <a:off x="362" y="435433"/>
+        <a:ext cx="193529" cy="193529"/>
+      </dsp:txXfrm>
+    </dsp:sp>
+    <dsp:sp modelId="{DCF14260-0C01-2146-B7B9-437AFDBB6130}">
+      <dsp:nvSpPr>
+        <dsp:cNvPr id="0" name=""/>
+        <dsp:cNvSpPr/>
+      </dsp:nvSpPr>
+      <dsp:spPr>
+        <a:xfrm>
+          <a:off x="56244" y="59271"/>
+          <a:ext cx="945852" cy="945852"/>
+        </a:xfrm>
+        <a:prstGeom prst="circularArrow">
+          <a:avLst>
+            <a:gd name="adj1" fmla="val 3990"/>
+            <a:gd name="adj2" fmla="val 250290"/>
+            <a:gd name="adj3" fmla="val 13166715"/>
+            <a:gd name="adj4" fmla="val 11576540"/>
+            <a:gd name="adj5" fmla="val 4655"/>
+          </a:avLst>
+        </a:prstGeom>
+        <a:solidFill>
+          <a:schemeClr val="lt1">
+            <a:hueOff val="0"/>
+            <a:satOff val="0"/>
+            <a:lumOff val="0"/>
+            <a:alphaOff val="0"/>
+          </a:schemeClr>
+        </a:solidFill>
+        <a:ln w="12700" cap="flat" cmpd="sng" algn="ctr">
+          <a:solidFill>
+            <a:schemeClr val="dk2">
+              <a:shade val="80000"/>
+              <a:hueOff val="0"/>
+              <a:satOff val="0"/>
+              <a:lumOff val="0"/>
+              <a:alphaOff val="0"/>
+            </a:schemeClr>
+          </a:solidFill>
+          <a:prstDash val="solid"/>
+          <a:miter lim="800000"/>
+        </a:ln>
+        <a:effectLst/>
+      </dsp:spPr>
+      <dsp:style>
+        <a:lnRef idx="2">
+          <a:scrgbClr r="0" g="0" b="0"/>
+        </a:lnRef>
+        <a:fillRef idx="1">
+          <a:scrgbClr r="0" g="0" b="0"/>
+        </a:fillRef>
+        <a:effectRef idx="0">
+          <a:scrgbClr r="0" g="0" b="0"/>
+        </a:effectRef>
+        <a:fontRef idx="minor">
+          <a:schemeClr val="lt1"/>
+        </a:fontRef>
+      </dsp:style>
+    </dsp:sp>
+    <dsp:sp modelId="{AB6408C1-32BC-9A4C-BF6C-DFF9F466A712}">
+      <dsp:nvSpPr>
+        <dsp:cNvPr id="0" name=""/>
+        <dsp:cNvSpPr/>
+      </dsp:nvSpPr>
+      <dsp:spPr>
+        <a:xfrm>
+          <a:off x="216384" y="61272"/>
+          <a:ext cx="193529" cy="193529"/>
+        </a:xfrm>
+        <a:prstGeom prst="rect">
+          <a:avLst/>
+        </a:prstGeom>
+        <a:noFill/>
+        <a:ln>
+          <a:noFill/>
+        </a:ln>
+        <a:effectLst/>
+      </dsp:spPr>
+      <dsp:style>
+        <a:lnRef idx="0">
+          <a:scrgbClr r="0" g="0" b="0"/>
+        </a:lnRef>
+        <a:fillRef idx="0">
+          <a:scrgbClr r="0" g="0" b="0"/>
+        </a:fillRef>
+        <a:effectRef idx="0">
+          <a:scrgbClr r="0" g="0" b="0"/>
+        </a:effectRef>
+        <a:fontRef idx="minor"/>
+      </dsp:style>
+      <dsp:txBody>
+        <a:bodyPr spcFirstLastPara="0" vert="horz" wrap="square" lIns="13970" tIns="13970" rIns="13970" bIns="13970" numCol="1" spcCol="1270" anchor="ctr" anchorCtr="0">
+          <a:noAutofit/>
+        </a:bodyPr>
+        <a:lstStyle/>
+        <a:p>
+          <a:pPr marL="0" lvl="0" indent="0" algn="ctr" defTabSz="488950">
+            <a:lnSpc>
+              <a:spcPct val="90000"/>
+            </a:lnSpc>
+            <a:spcBef>
+              <a:spcPct val="0"/>
+            </a:spcBef>
+            <a:spcAft>
+              <a:spcPct val="35000"/>
+            </a:spcAft>
+            <a:buNone/>
+          </a:pPr>
+          <a:endParaRPr lang="en-US" sz="1100" kern="1200"/>
+        </a:p>
+      </dsp:txBody>
+      <dsp:txXfrm>
+        <a:off x="216384" y="61272"/>
+        <a:ext cx="193529" cy="193529"/>
+      </dsp:txXfrm>
+    </dsp:sp>
+    <dsp:sp modelId="{CE26F8B0-CDD1-AE4E-9863-9063391C53E3}">
+      <dsp:nvSpPr>
+        <dsp:cNvPr id="0" name=""/>
+        <dsp:cNvSpPr/>
+      </dsp:nvSpPr>
+      <dsp:spPr>
+        <a:xfrm>
+          <a:off x="56244" y="59271"/>
+          <a:ext cx="945852" cy="945852"/>
+        </a:xfrm>
+        <a:prstGeom prst="circularArrow">
+          <a:avLst>
+            <a:gd name="adj1" fmla="val 3990"/>
+            <a:gd name="adj2" fmla="val 250290"/>
+            <a:gd name="adj3" fmla="val 16911114"/>
+            <a:gd name="adj4" fmla="val 15238596"/>
+            <a:gd name="adj5" fmla="val 4655"/>
+          </a:avLst>
+        </a:prstGeom>
+        <a:solidFill>
+          <a:schemeClr val="lt1">
+            <a:hueOff val="0"/>
+            <a:satOff val="0"/>
+            <a:lumOff val="0"/>
+            <a:alphaOff val="0"/>
+          </a:schemeClr>
+        </a:solidFill>
+        <a:ln w="12700" cap="flat" cmpd="sng" algn="ctr">
+          <a:solidFill>
+            <a:schemeClr val="dk2">
+              <a:shade val="80000"/>
+              <a:hueOff val="0"/>
+              <a:satOff val="0"/>
+              <a:lumOff val="0"/>
+              <a:alphaOff val="0"/>
+            </a:schemeClr>
+          </a:solidFill>
+          <a:prstDash val="solid"/>
+          <a:miter lim="800000"/>
+        </a:ln>
+        <a:effectLst/>
+      </dsp:spPr>
+      <dsp:style>
+        <a:lnRef idx="2">
+          <a:scrgbClr r="0" g="0" b="0"/>
+        </a:lnRef>
+        <a:fillRef idx="1">
+          <a:scrgbClr r="0" g="0" b="0"/>
+        </a:fillRef>
+        <a:effectRef idx="0">
+          <a:scrgbClr r="0" g="0" b="0"/>
+        </a:effectRef>
+        <a:fontRef idx="minor">
+          <a:schemeClr val="lt1"/>
+        </a:fontRef>
+      </dsp:style>
+    </dsp:sp>
+  </dsp:spTree>
+</dsp:drawing>
+</file>
+
+<file path=ppt/diagrams/drawing3.xml><?xml version="1.0" encoding="utf-8"?>
 <dsp:drawing xmlns:dgm="http://schemas.openxmlformats.org/drawingml/2006/diagram" xmlns:dsp="http://schemas.microsoft.com/office/drawing/2008/diagram" xmlns:a="http://schemas.openxmlformats.org/drawingml/2006/main">
   <dsp:spTree>
     <dsp:nvGrpSpPr>
@@ -2226,7 +6028,2471 @@
 </dgm:layoutDef>
 </file>
 
+<file path=ppt/diagrams/layout2.xml><?xml version="1.0" encoding="utf-8"?>
+<dgm:layoutDef xmlns:dgm="http://schemas.openxmlformats.org/drawingml/2006/diagram" xmlns:a="http://schemas.openxmlformats.org/drawingml/2006/main" uniqueId="urn:microsoft.com/office/officeart/2005/8/layout/cycle1">
+  <dgm:title val=""/>
+  <dgm:desc val=""/>
+  <dgm:catLst>
+    <dgm:cat type="cycle" pri="2000"/>
+  </dgm:catLst>
+  <dgm:sampData>
+    <dgm:dataModel>
+      <dgm:ptLst>
+        <dgm:pt modelId="0" type="doc"/>
+        <dgm:pt modelId="1">
+          <dgm:prSet phldr="1"/>
+        </dgm:pt>
+        <dgm:pt modelId="2">
+          <dgm:prSet phldr="1"/>
+        </dgm:pt>
+        <dgm:pt modelId="3">
+          <dgm:prSet phldr="1"/>
+        </dgm:pt>
+        <dgm:pt modelId="4">
+          <dgm:prSet phldr="1"/>
+        </dgm:pt>
+        <dgm:pt modelId="5">
+          <dgm:prSet phldr="1"/>
+        </dgm:pt>
+      </dgm:ptLst>
+      <dgm:cxnLst>
+        <dgm:cxn modelId="6" srcId="0" destId="1" srcOrd="0" destOrd="0"/>
+        <dgm:cxn modelId="7" srcId="0" destId="2" srcOrd="1" destOrd="0"/>
+        <dgm:cxn modelId="8" srcId="0" destId="3" srcOrd="2" destOrd="0"/>
+        <dgm:cxn modelId="9" srcId="0" destId="4" srcOrd="3" destOrd="0"/>
+        <dgm:cxn modelId="10" srcId="0" destId="5" srcOrd="4" destOrd="0"/>
+      </dgm:cxnLst>
+      <dgm:bg/>
+      <dgm:whole/>
+    </dgm:dataModel>
+  </dgm:sampData>
+  <dgm:styleData>
+    <dgm:dataModel>
+      <dgm:ptLst>
+        <dgm:pt modelId="0" type="doc"/>
+        <dgm:pt modelId="1"/>
+        <dgm:pt modelId="2"/>
+        <dgm:pt modelId="3"/>
+      </dgm:ptLst>
+      <dgm:cxnLst>
+        <dgm:cxn modelId="4" srcId="0" destId="1" srcOrd="0" destOrd="0"/>
+        <dgm:cxn modelId="5" srcId="0" destId="2" srcOrd="1" destOrd="0"/>
+        <dgm:cxn modelId="6" srcId="0" destId="3" srcOrd="2" destOrd="0"/>
+      </dgm:cxnLst>
+      <dgm:bg/>
+      <dgm:whole/>
+    </dgm:dataModel>
+  </dgm:styleData>
+  <dgm:clrData>
+    <dgm:dataModel>
+      <dgm:ptLst>
+        <dgm:pt modelId="0" type="doc"/>
+        <dgm:pt modelId="1"/>
+        <dgm:pt modelId="2"/>
+        <dgm:pt modelId="3"/>
+        <dgm:pt modelId="4"/>
+        <dgm:pt modelId="5"/>
+        <dgm:pt modelId="6"/>
+      </dgm:ptLst>
+      <dgm:cxnLst>
+        <dgm:cxn modelId="7" srcId="0" destId="1" srcOrd="0" destOrd="0"/>
+        <dgm:cxn modelId="8" srcId="0" destId="2" srcOrd="1" destOrd="0"/>
+        <dgm:cxn modelId="9" srcId="0" destId="3" srcOrd="2" destOrd="0"/>
+        <dgm:cxn modelId="10" srcId="0" destId="4" srcOrd="3" destOrd="0"/>
+        <dgm:cxn modelId="11" srcId="0" destId="5" srcOrd="4" destOrd="0"/>
+        <dgm:cxn modelId="12" srcId="0" destId="6" srcOrd="5" destOrd="0"/>
+      </dgm:cxnLst>
+      <dgm:bg/>
+      <dgm:whole/>
+    </dgm:dataModel>
+  </dgm:clrData>
+  <dgm:layoutNode name="cycle">
+    <dgm:varLst>
+      <dgm:dir/>
+      <dgm:resizeHandles val="exact"/>
+    </dgm:varLst>
+    <dgm:choose name="Name0">
+      <dgm:if name="Name1" func="var" arg="dir" op="equ" val="norm">
+        <dgm:alg type="cycle">
+          <dgm:param type="stAng" val="0"/>
+          <dgm:param type="spanAng" val="360"/>
+        </dgm:alg>
+      </dgm:if>
+      <dgm:else name="Name2">
+        <dgm:alg type="cycle">
+          <dgm:param type="stAng" val="0"/>
+          <dgm:param type="spanAng" val="-360"/>
+        </dgm:alg>
+      </dgm:else>
+    </dgm:choose>
+    <dgm:shape xmlns:r="http://schemas.openxmlformats.org/officeDocument/2006/relationships" r:blip="">
+      <dgm:adjLst/>
+    </dgm:shape>
+    <dgm:presOf/>
+    <dgm:choose name="Name3">
+      <dgm:if name="Name4" func="var" arg="dir" op="equ" val="norm">
+        <dgm:constrLst>
+          <dgm:constr type="diam" val="1"/>
+          <dgm:constr type="w" for="ch" forName="node" refType="w"/>
+          <dgm:constr type="w" for="ch" ptType="sibTrans" refType="w" refFor="ch" refForName="node" fact="0.5"/>
+          <dgm:constr type="h" for="ch" ptType="sibTrans" op="equ"/>
+          <dgm:constr type="diam" for="ch" ptType="sibTrans" refType="diam" op="equ"/>
+          <dgm:constr type="sibSp" refType="w" refFor="ch" refForName="node" fact="0.15"/>
+          <dgm:constr type="w" for="ch" forName="dummy" refType="sibSp" fact="2.8"/>
+          <dgm:constr type="primFontSz" for="ch" forName="node" op="equ" val="65"/>
+        </dgm:constrLst>
+      </dgm:if>
+      <dgm:else name="Name5">
+        <dgm:constrLst>
+          <dgm:constr type="diam" val="1"/>
+          <dgm:constr type="w" for="ch" forName="node" refType="w"/>
+          <dgm:constr type="w" for="ch" ptType="sibTrans" refType="w" refFor="ch" refForName="node" fact="0.5"/>
+          <dgm:constr type="h" for="ch" ptType="sibTrans" op="equ"/>
+          <dgm:constr type="diam" for="ch" ptType="sibTrans" refType="diam" op="equ" fact="-1"/>
+          <dgm:constr type="sibSp" refType="w" refFor="ch" refForName="node" fact="0.15"/>
+          <dgm:constr type="w" for="ch" forName="dummy" refType="sibSp" fact="2.8"/>
+          <dgm:constr type="primFontSz" for="ch" forName="node" op="equ" val="65"/>
+        </dgm:constrLst>
+      </dgm:else>
+    </dgm:choose>
+    <dgm:ruleLst>
+      <dgm:rule type="diam" val="INF" fact="NaN" max="NaN"/>
+    </dgm:ruleLst>
+    <dgm:forEach name="nodesForEach" axis="ch" ptType="node">
+      <dgm:choose name="Name6">
+        <dgm:if name="Name7" axis="par ch" ptType="doc node" func="cnt" op="gt" val="1">
+          <dgm:layoutNode name="dummy">
+            <dgm:alg type="sp"/>
+            <dgm:shape xmlns:r="http://schemas.openxmlformats.org/officeDocument/2006/relationships" r:blip="">
+              <dgm:adjLst/>
+            </dgm:shape>
+            <dgm:presOf/>
+            <dgm:constrLst>
+              <dgm:constr type="h" refType="w"/>
+            </dgm:constrLst>
+            <dgm:ruleLst/>
+          </dgm:layoutNode>
+        </dgm:if>
+        <dgm:else name="Name8"/>
+      </dgm:choose>
+      <dgm:layoutNode name="node" styleLbl="revTx">
+        <dgm:varLst>
+          <dgm:bulletEnabled val="1"/>
+        </dgm:varLst>
+        <dgm:alg type="tx">
+          <dgm:param type="txAnchorVertCh" val="mid"/>
+        </dgm:alg>
+        <dgm:shape xmlns:r="http://schemas.openxmlformats.org/officeDocument/2006/relationships" type="rect" r:blip="">
+          <dgm:adjLst/>
+        </dgm:shape>
+        <dgm:presOf axis="desOrSelf" ptType="node"/>
+        <dgm:constrLst>
+          <dgm:constr type="h" refType="w"/>
+          <dgm:constr type="lMarg" refType="primFontSz" fact="0.1"/>
+          <dgm:constr type="rMarg" refType="primFontSz" fact="0.1"/>
+          <dgm:constr type="tMarg" refType="primFontSz" fact="0.1"/>
+          <dgm:constr type="bMarg" refType="primFontSz" fact="0.1"/>
+        </dgm:constrLst>
+        <dgm:ruleLst>
+          <dgm:rule type="primFontSz" val="5" fact="NaN" max="NaN"/>
+        </dgm:ruleLst>
+      </dgm:layoutNode>
+      <dgm:choose name="Name9">
+        <dgm:if name="Name10" axis="par ch" ptType="doc node" func="cnt" op="gt" val="1">
+          <dgm:forEach name="Name11" axis="followSib" ptType="sibTrans" hideLastTrans="0" cnt="1">
+            <dgm:layoutNode name="sibTrans" styleLbl="node1">
+              <dgm:alg type="conn">
+                <dgm:param type="connRout" val="curve"/>
+                <dgm:param type="begPts" val="radial"/>
+                <dgm:param type="endPts" val="radial"/>
+              </dgm:alg>
+              <dgm:shape xmlns:r="http://schemas.openxmlformats.org/officeDocument/2006/relationships" type="conn" r:blip="">
+                <dgm:adjLst/>
+              </dgm:shape>
+              <dgm:presOf axis="self"/>
+              <dgm:constrLst>
+                <dgm:constr type="h" refType="w" fact="0.65"/>
+                <dgm:constr type="begPad"/>
+                <dgm:constr type="endPad"/>
+              </dgm:constrLst>
+              <dgm:ruleLst/>
+            </dgm:layoutNode>
+          </dgm:forEach>
+        </dgm:if>
+        <dgm:else name="Name12"/>
+      </dgm:choose>
+    </dgm:forEach>
+  </dgm:layoutNode>
+</dgm:layoutDef>
+</file>
+
+<file path=ppt/diagrams/layout3.xml><?xml version="1.0" encoding="utf-8"?>
+<dgm:layoutDef xmlns:dgm="http://schemas.openxmlformats.org/drawingml/2006/diagram" xmlns:a="http://schemas.openxmlformats.org/drawingml/2006/main" uniqueId="urn:microsoft.com/office/officeart/2005/8/layout/cycle1">
+  <dgm:title val=""/>
+  <dgm:desc val=""/>
+  <dgm:catLst>
+    <dgm:cat type="cycle" pri="2000"/>
+  </dgm:catLst>
+  <dgm:sampData>
+    <dgm:dataModel>
+      <dgm:ptLst>
+        <dgm:pt modelId="0" type="doc"/>
+        <dgm:pt modelId="1">
+          <dgm:prSet phldr="1"/>
+        </dgm:pt>
+        <dgm:pt modelId="2">
+          <dgm:prSet phldr="1"/>
+        </dgm:pt>
+        <dgm:pt modelId="3">
+          <dgm:prSet phldr="1"/>
+        </dgm:pt>
+        <dgm:pt modelId="4">
+          <dgm:prSet phldr="1"/>
+        </dgm:pt>
+        <dgm:pt modelId="5">
+          <dgm:prSet phldr="1"/>
+        </dgm:pt>
+      </dgm:ptLst>
+      <dgm:cxnLst>
+        <dgm:cxn modelId="6" srcId="0" destId="1" srcOrd="0" destOrd="0"/>
+        <dgm:cxn modelId="7" srcId="0" destId="2" srcOrd="1" destOrd="0"/>
+        <dgm:cxn modelId="8" srcId="0" destId="3" srcOrd="2" destOrd="0"/>
+        <dgm:cxn modelId="9" srcId="0" destId="4" srcOrd="3" destOrd="0"/>
+        <dgm:cxn modelId="10" srcId="0" destId="5" srcOrd="4" destOrd="0"/>
+      </dgm:cxnLst>
+      <dgm:bg/>
+      <dgm:whole/>
+    </dgm:dataModel>
+  </dgm:sampData>
+  <dgm:styleData>
+    <dgm:dataModel>
+      <dgm:ptLst>
+        <dgm:pt modelId="0" type="doc"/>
+        <dgm:pt modelId="1"/>
+        <dgm:pt modelId="2"/>
+        <dgm:pt modelId="3"/>
+      </dgm:ptLst>
+      <dgm:cxnLst>
+        <dgm:cxn modelId="4" srcId="0" destId="1" srcOrd="0" destOrd="0"/>
+        <dgm:cxn modelId="5" srcId="0" destId="2" srcOrd="1" destOrd="0"/>
+        <dgm:cxn modelId="6" srcId="0" destId="3" srcOrd="2" destOrd="0"/>
+      </dgm:cxnLst>
+      <dgm:bg/>
+      <dgm:whole/>
+    </dgm:dataModel>
+  </dgm:styleData>
+  <dgm:clrData>
+    <dgm:dataModel>
+      <dgm:ptLst>
+        <dgm:pt modelId="0" type="doc"/>
+        <dgm:pt modelId="1"/>
+        <dgm:pt modelId="2"/>
+        <dgm:pt modelId="3"/>
+        <dgm:pt modelId="4"/>
+        <dgm:pt modelId="5"/>
+        <dgm:pt modelId="6"/>
+      </dgm:ptLst>
+      <dgm:cxnLst>
+        <dgm:cxn modelId="7" srcId="0" destId="1" srcOrd="0" destOrd="0"/>
+        <dgm:cxn modelId="8" srcId="0" destId="2" srcOrd="1" destOrd="0"/>
+        <dgm:cxn modelId="9" srcId="0" destId="3" srcOrd="2" destOrd="0"/>
+        <dgm:cxn modelId="10" srcId="0" destId="4" srcOrd="3" destOrd="0"/>
+        <dgm:cxn modelId="11" srcId="0" destId="5" srcOrd="4" destOrd="0"/>
+        <dgm:cxn modelId="12" srcId="0" destId="6" srcOrd="5" destOrd="0"/>
+      </dgm:cxnLst>
+      <dgm:bg/>
+      <dgm:whole/>
+    </dgm:dataModel>
+  </dgm:clrData>
+  <dgm:layoutNode name="cycle">
+    <dgm:varLst>
+      <dgm:dir/>
+      <dgm:resizeHandles val="exact"/>
+    </dgm:varLst>
+    <dgm:choose name="Name0">
+      <dgm:if name="Name1" func="var" arg="dir" op="equ" val="norm">
+        <dgm:alg type="cycle">
+          <dgm:param type="stAng" val="0"/>
+          <dgm:param type="spanAng" val="360"/>
+        </dgm:alg>
+      </dgm:if>
+      <dgm:else name="Name2">
+        <dgm:alg type="cycle">
+          <dgm:param type="stAng" val="0"/>
+          <dgm:param type="spanAng" val="-360"/>
+        </dgm:alg>
+      </dgm:else>
+    </dgm:choose>
+    <dgm:shape xmlns:r="http://schemas.openxmlformats.org/officeDocument/2006/relationships" r:blip="">
+      <dgm:adjLst/>
+    </dgm:shape>
+    <dgm:presOf/>
+    <dgm:choose name="Name3">
+      <dgm:if name="Name4" func="var" arg="dir" op="equ" val="norm">
+        <dgm:constrLst>
+          <dgm:constr type="diam" val="1"/>
+          <dgm:constr type="w" for="ch" forName="node" refType="w"/>
+          <dgm:constr type="w" for="ch" ptType="sibTrans" refType="w" refFor="ch" refForName="node" fact="0.5"/>
+          <dgm:constr type="h" for="ch" ptType="sibTrans" op="equ"/>
+          <dgm:constr type="diam" for="ch" ptType="sibTrans" refType="diam" op="equ"/>
+          <dgm:constr type="sibSp" refType="w" refFor="ch" refForName="node" fact="0.15"/>
+          <dgm:constr type="w" for="ch" forName="dummy" refType="sibSp" fact="2.8"/>
+          <dgm:constr type="primFontSz" for="ch" forName="node" op="equ" val="65"/>
+        </dgm:constrLst>
+      </dgm:if>
+      <dgm:else name="Name5">
+        <dgm:constrLst>
+          <dgm:constr type="diam" val="1"/>
+          <dgm:constr type="w" for="ch" forName="node" refType="w"/>
+          <dgm:constr type="w" for="ch" ptType="sibTrans" refType="w" refFor="ch" refForName="node" fact="0.5"/>
+          <dgm:constr type="h" for="ch" ptType="sibTrans" op="equ"/>
+          <dgm:constr type="diam" for="ch" ptType="sibTrans" refType="diam" op="equ" fact="-1"/>
+          <dgm:constr type="sibSp" refType="w" refFor="ch" refForName="node" fact="0.15"/>
+          <dgm:constr type="w" for="ch" forName="dummy" refType="sibSp" fact="2.8"/>
+          <dgm:constr type="primFontSz" for="ch" forName="node" op="equ" val="65"/>
+        </dgm:constrLst>
+      </dgm:else>
+    </dgm:choose>
+    <dgm:ruleLst>
+      <dgm:rule type="diam" val="INF" fact="NaN" max="NaN"/>
+    </dgm:ruleLst>
+    <dgm:forEach name="nodesForEach" axis="ch" ptType="node">
+      <dgm:choose name="Name6">
+        <dgm:if name="Name7" axis="par ch" ptType="doc node" func="cnt" op="gt" val="1">
+          <dgm:layoutNode name="dummy">
+            <dgm:alg type="sp"/>
+            <dgm:shape xmlns:r="http://schemas.openxmlformats.org/officeDocument/2006/relationships" r:blip="">
+              <dgm:adjLst/>
+            </dgm:shape>
+            <dgm:presOf/>
+            <dgm:constrLst>
+              <dgm:constr type="h" refType="w"/>
+            </dgm:constrLst>
+            <dgm:ruleLst/>
+          </dgm:layoutNode>
+        </dgm:if>
+        <dgm:else name="Name8"/>
+      </dgm:choose>
+      <dgm:layoutNode name="node" styleLbl="revTx">
+        <dgm:varLst>
+          <dgm:bulletEnabled val="1"/>
+        </dgm:varLst>
+        <dgm:alg type="tx">
+          <dgm:param type="txAnchorVertCh" val="mid"/>
+        </dgm:alg>
+        <dgm:shape xmlns:r="http://schemas.openxmlformats.org/officeDocument/2006/relationships" type="rect" r:blip="">
+          <dgm:adjLst/>
+        </dgm:shape>
+        <dgm:presOf axis="desOrSelf" ptType="node"/>
+        <dgm:constrLst>
+          <dgm:constr type="h" refType="w"/>
+          <dgm:constr type="lMarg" refType="primFontSz" fact="0.1"/>
+          <dgm:constr type="rMarg" refType="primFontSz" fact="0.1"/>
+          <dgm:constr type="tMarg" refType="primFontSz" fact="0.1"/>
+          <dgm:constr type="bMarg" refType="primFontSz" fact="0.1"/>
+        </dgm:constrLst>
+        <dgm:ruleLst>
+          <dgm:rule type="primFontSz" val="5" fact="NaN" max="NaN"/>
+        </dgm:ruleLst>
+      </dgm:layoutNode>
+      <dgm:choose name="Name9">
+        <dgm:if name="Name10" axis="par ch" ptType="doc node" func="cnt" op="gt" val="1">
+          <dgm:forEach name="Name11" axis="followSib" ptType="sibTrans" hideLastTrans="0" cnt="1">
+            <dgm:layoutNode name="sibTrans" styleLbl="node1">
+              <dgm:alg type="conn">
+                <dgm:param type="connRout" val="curve"/>
+                <dgm:param type="begPts" val="radial"/>
+                <dgm:param type="endPts" val="radial"/>
+              </dgm:alg>
+              <dgm:shape xmlns:r="http://schemas.openxmlformats.org/officeDocument/2006/relationships" type="conn" r:blip="">
+                <dgm:adjLst/>
+              </dgm:shape>
+              <dgm:presOf axis="self"/>
+              <dgm:constrLst>
+                <dgm:constr type="h" refType="w" fact="0.65"/>
+                <dgm:constr type="begPad"/>
+                <dgm:constr type="endPad"/>
+              </dgm:constrLst>
+              <dgm:ruleLst/>
+            </dgm:layoutNode>
+          </dgm:forEach>
+        </dgm:if>
+        <dgm:else name="Name12"/>
+      </dgm:choose>
+    </dgm:forEach>
+  </dgm:layoutNode>
+</dgm:layoutDef>
+</file>
+
 <file path=ppt/diagrams/quickStyle1.xml><?xml version="1.0" encoding="utf-8"?>
+<dgm:styleDef xmlns:dgm="http://schemas.openxmlformats.org/drawingml/2006/diagram" xmlns:a="http://schemas.openxmlformats.org/drawingml/2006/main" uniqueId="urn:microsoft.com/office/officeart/2005/8/quickstyle/simple1">
+  <dgm:title val=""/>
+  <dgm:desc val=""/>
+  <dgm:catLst>
+    <dgm:cat type="simple" pri="10100"/>
+  </dgm:catLst>
+  <dgm:scene3d>
+    <a:camera prst="orthographicFront"/>
+    <a:lightRig rig="threePt" dir="t"/>
+  </dgm:scene3d>
+  <dgm:styleLbl name="node0">
+    <dgm:scene3d>
+      <a:camera prst="orthographicFront"/>
+      <a:lightRig rig="threePt" dir="t"/>
+    </dgm:scene3d>
+    <dgm:sp3d/>
+    <dgm:txPr/>
+    <dgm:style>
+      <a:lnRef idx="2">
+        <a:scrgbClr r="0" g="0" b="0"/>
+      </a:lnRef>
+      <a:fillRef idx="1">
+        <a:scrgbClr r="0" g="0" b="0"/>
+      </a:fillRef>
+      <a:effectRef idx="0">
+        <a:scrgbClr r="0" g="0" b="0"/>
+      </a:effectRef>
+      <a:fontRef idx="minor">
+        <a:schemeClr val="lt1"/>
+      </a:fontRef>
+    </dgm:style>
+  </dgm:styleLbl>
+  <dgm:styleLbl name="lnNode1">
+    <dgm:scene3d>
+      <a:camera prst="orthographicFront"/>
+      <a:lightRig rig="threePt" dir="t"/>
+    </dgm:scene3d>
+    <dgm:sp3d/>
+    <dgm:txPr/>
+    <dgm:style>
+      <a:lnRef idx="2">
+        <a:scrgbClr r="0" g="0" b="0"/>
+      </a:lnRef>
+      <a:fillRef idx="1">
+        <a:scrgbClr r="0" g="0" b="0"/>
+      </a:fillRef>
+      <a:effectRef idx="0">
+        <a:scrgbClr r="0" g="0" b="0"/>
+      </a:effectRef>
+      <a:fontRef idx="minor">
+        <a:schemeClr val="lt1"/>
+      </a:fontRef>
+    </dgm:style>
+  </dgm:styleLbl>
+  <dgm:styleLbl name="vennNode1">
+    <dgm:scene3d>
+      <a:camera prst="orthographicFront"/>
+      <a:lightRig rig="threePt" dir="t"/>
+    </dgm:scene3d>
+    <dgm:sp3d/>
+    <dgm:txPr/>
+    <dgm:style>
+      <a:lnRef idx="2">
+        <a:scrgbClr r="0" g="0" b="0"/>
+      </a:lnRef>
+      <a:fillRef idx="1">
+        <a:scrgbClr r="0" g="0" b="0"/>
+      </a:fillRef>
+      <a:effectRef idx="0">
+        <a:scrgbClr r="0" g="0" b="0"/>
+      </a:effectRef>
+      <a:fontRef idx="minor">
+        <a:schemeClr val="tx1"/>
+      </a:fontRef>
+    </dgm:style>
+  </dgm:styleLbl>
+  <dgm:styleLbl name="alignNode1">
+    <dgm:scene3d>
+      <a:camera prst="orthographicFront"/>
+      <a:lightRig rig="threePt" dir="t"/>
+    </dgm:scene3d>
+    <dgm:sp3d/>
+    <dgm:txPr/>
+    <dgm:style>
+      <a:lnRef idx="2">
+        <a:scrgbClr r="0" g="0" b="0"/>
+      </a:lnRef>
+      <a:fillRef idx="1">
+        <a:scrgbClr r="0" g="0" b="0"/>
+      </a:fillRef>
+      <a:effectRef idx="0">
+        <a:scrgbClr r="0" g="0" b="0"/>
+      </a:effectRef>
+      <a:fontRef idx="minor">
+        <a:schemeClr val="lt1"/>
+      </a:fontRef>
+    </dgm:style>
+  </dgm:styleLbl>
+  <dgm:styleLbl name="node1">
+    <dgm:scene3d>
+      <a:camera prst="orthographicFront"/>
+      <a:lightRig rig="threePt" dir="t"/>
+    </dgm:scene3d>
+    <dgm:sp3d/>
+    <dgm:txPr/>
+    <dgm:style>
+      <a:lnRef idx="2">
+        <a:scrgbClr r="0" g="0" b="0"/>
+      </a:lnRef>
+      <a:fillRef idx="1">
+        <a:scrgbClr r="0" g="0" b="0"/>
+      </a:fillRef>
+      <a:effectRef idx="0">
+        <a:scrgbClr r="0" g="0" b="0"/>
+      </a:effectRef>
+      <a:fontRef idx="minor">
+        <a:schemeClr val="lt1"/>
+      </a:fontRef>
+    </dgm:style>
+  </dgm:styleLbl>
+  <dgm:styleLbl name="node2">
+    <dgm:scene3d>
+      <a:camera prst="orthographicFront"/>
+      <a:lightRig rig="threePt" dir="t"/>
+    </dgm:scene3d>
+    <dgm:sp3d/>
+    <dgm:txPr/>
+    <dgm:style>
+      <a:lnRef idx="2">
+        <a:scrgbClr r="0" g="0" b="0"/>
+      </a:lnRef>
+      <a:fillRef idx="1">
+        <a:scrgbClr r="0" g="0" b="0"/>
+      </a:fillRef>
+      <a:effectRef idx="0">
+        <a:scrgbClr r="0" g="0" b="0"/>
+      </a:effectRef>
+      <a:fontRef idx="minor">
+        <a:schemeClr val="lt1"/>
+      </a:fontRef>
+    </dgm:style>
+  </dgm:styleLbl>
+  <dgm:styleLbl name="node3">
+    <dgm:scene3d>
+      <a:camera prst="orthographicFront"/>
+      <a:lightRig rig="threePt" dir="t"/>
+    </dgm:scene3d>
+    <dgm:sp3d/>
+    <dgm:txPr/>
+    <dgm:style>
+      <a:lnRef idx="2">
+        <a:scrgbClr r="0" g="0" b="0"/>
+      </a:lnRef>
+      <a:fillRef idx="1">
+        <a:scrgbClr r="0" g="0" b="0"/>
+      </a:fillRef>
+      <a:effectRef idx="0">
+        <a:scrgbClr r="0" g="0" b="0"/>
+      </a:effectRef>
+      <a:fontRef idx="minor">
+        <a:schemeClr val="lt1"/>
+      </a:fontRef>
+    </dgm:style>
+  </dgm:styleLbl>
+  <dgm:styleLbl name="node4">
+    <dgm:scene3d>
+      <a:camera prst="orthographicFront"/>
+      <a:lightRig rig="threePt" dir="t"/>
+    </dgm:scene3d>
+    <dgm:sp3d/>
+    <dgm:txPr/>
+    <dgm:style>
+      <a:lnRef idx="2">
+        <a:scrgbClr r="0" g="0" b="0"/>
+      </a:lnRef>
+      <a:fillRef idx="1">
+        <a:scrgbClr r="0" g="0" b="0"/>
+      </a:fillRef>
+      <a:effectRef idx="0">
+        <a:scrgbClr r="0" g="0" b="0"/>
+      </a:effectRef>
+      <a:fontRef idx="minor">
+        <a:schemeClr val="lt1"/>
+      </a:fontRef>
+    </dgm:style>
+  </dgm:styleLbl>
+  <dgm:styleLbl name="fgImgPlace1">
+    <dgm:scene3d>
+      <a:camera prst="orthographicFront"/>
+      <a:lightRig rig="threePt" dir="t"/>
+    </dgm:scene3d>
+    <dgm:sp3d/>
+    <dgm:txPr/>
+    <dgm:style>
+      <a:lnRef idx="2">
+        <a:scrgbClr r="0" g="0" b="0"/>
+      </a:lnRef>
+      <a:fillRef idx="1">
+        <a:scrgbClr r="0" g="0" b="0"/>
+      </a:fillRef>
+      <a:effectRef idx="0">
+        <a:scrgbClr r="0" g="0" b="0"/>
+      </a:effectRef>
+      <a:fontRef idx="minor"/>
+    </dgm:style>
+  </dgm:styleLbl>
+  <dgm:styleLbl name="alignImgPlace1">
+    <dgm:scene3d>
+      <a:camera prst="orthographicFront"/>
+      <a:lightRig rig="threePt" dir="t"/>
+    </dgm:scene3d>
+    <dgm:sp3d/>
+    <dgm:txPr/>
+    <dgm:style>
+      <a:lnRef idx="2">
+        <a:scrgbClr r="0" g="0" b="0"/>
+      </a:lnRef>
+      <a:fillRef idx="1">
+        <a:scrgbClr r="0" g="0" b="0"/>
+      </a:fillRef>
+      <a:effectRef idx="0">
+        <a:scrgbClr r="0" g="0" b="0"/>
+      </a:effectRef>
+      <a:fontRef idx="minor"/>
+    </dgm:style>
+  </dgm:styleLbl>
+  <dgm:styleLbl name="bgImgPlace1">
+    <dgm:scene3d>
+      <a:camera prst="orthographicFront"/>
+      <a:lightRig rig="threePt" dir="t"/>
+    </dgm:scene3d>
+    <dgm:sp3d/>
+    <dgm:txPr/>
+    <dgm:style>
+      <a:lnRef idx="2">
+        <a:scrgbClr r="0" g="0" b="0"/>
+      </a:lnRef>
+      <a:fillRef idx="1">
+        <a:scrgbClr r="0" g="0" b="0"/>
+      </a:fillRef>
+      <a:effectRef idx="0">
+        <a:scrgbClr r="0" g="0" b="0"/>
+      </a:effectRef>
+      <a:fontRef idx="minor"/>
+    </dgm:style>
+  </dgm:styleLbl>
+  <dgm:styleLbl name="sibTrans2D1">
+    <dgm:scene3d>
+      <a:camera prst="orthographicFront"/>
+      <a:lightRig rig="threePt" dir="t"/>
+    </dgm:scene3d>
+    <dgm:sp3d/>
+    <dgm:txPr/>
+    <dgm:style>
+      <a:lnRef idx="0">
+        <a:scrgbClr r="0" g="0" b="0"/>
+      </a:lnRef>
+      <a:fillRef idx="1">
+        <a:scrgbClr r="0" g="0" b="0"/>
+      </a:fillRef>
+      <a:effectRef idx="0">
+        <a:scrgbClr r="0" g="0" b="0"/>
+      </a:effectRef>
+      <a:fontRef idx="minor">
+        <a:schemeClr val="lt1"/>
+      </a:fontRef>
+    </dgm:style>
+  </dgm:styleLbl>
+  <dgm:styleLbl name="fgSibTrans2D1">
+    <dgm:scene3d>
+      <a:camera prst="orthographicFront"/>
+      <a:lightRig rig="threePt" dir="t"/>
+    </dgm:scene3d>
+    <dgm:sp3d/>
+    <dgm:txPr/>
+    <dgm:style>
+      <a:lnRef idx="0">
+        <a:scrgbClr r="0" g="0" b="0"/>
+      </a:lnRef>
+      <a:fillRef idx="1">
+        <a:scrgbClr r="0" g="0" b="0"/>
+      </a:fillRef>
+      <a:effectRef idx="0">
+        <a:scrgbClr r="0" g="0" b="0"/>
+      </a:effectRef>
+      <a:fontRef idx="minor">
+        <a:schemeClr val="lt1"/>
+      </a:fontRef>
+    </dgm:style>
+  </dgm:styleLbl>
+  <dgm:styleLbl name="bgSibTrans2D1">
+    <dgm:scene3d>
+      <a:camera prst="orthographicFront"/>
+      <a:lightRig rig="threePt" dir="t"/>
+    </dgm:scene3d>
+    <dgm:sp3d/>
+    <dgm:txPr/>
+    <dgm:style>
+      <a:lnRef idx="0">
+        <a:scrgbClr r="0" g="0" b="0"/>
+      </a:lnRef>
+      <a:fillRef idx="1">
+        <a:scrgbClr r="0" g="0" b="0"/>
+      </a:fillRef>
+      <a:effectRef idx="0">
+        <a:scrgbClr r="0" g="0" b="0"/>
+      </a:effectRef>
+      <a:fontRef idx="minor">
+        <a:schemeClr val="lt1"/>
+      </a:fontRef>
+    </dgm:style>
+  </dgm:styleLbl>
+  <dgm:styleLbl name="sibTrans1D1">
+    <dgm:scene3d>
+      <a:camera prst="orthographicFront"/>
+      <a:lightRig rig="threePt" dir="t"/>
+    </dgm:scene3d>
+    <dgm:sp3d/>
+    <dgm:txPr/>
+    <dgm:style>
+      <a:lnRef idx="1">
+        <a:scrgbClr r="0" g="0" b="0"/>
+      </a:lnRef>
+      <a:fillRef idx="0">
+        <a:scrgbClr r="0" g="0" b="0"/>
+      </a:fillRef>
+      <a:effectRef idx="0">
+        <a:scrgbClr r="0" g="0" b="0"/>
+      </a:effectRef>
+      <a:fontRef idx="minor"/>
+    </dgm:style>
+  </dgm:styleLbl>
+  <dgm:styleLbl name="callout">
+    <dgm:scene3d>
+      <a:camera prst="orthographicFront"/>
+      <a:lightRig rig="threePt" dir="t"/>
+    </dgm:scene3d>
+    <dgm:sp3d/>
+    <dgm:txPr/>
+    <dgm:style>
+      <a:lnRef idx="2">
+        <a:scrgbClr r="0" g="0" b="0"/>
+      </a:lnRef>
+      <a:fillRef idx="1">
+        <a:scrgbClr r="0" g="0" b="0"/>
+      </a:fillRef>
+      <a:effectRef idx="0">
+        <a:scrgbClr r="0" g="0" b="0"/>
+      </a:effectRef>
+      <a:fontRef idx="minor"/>
+    </dgm:style>
+  </dgm:styleLbl>
+  <dgm:styleLbl name="asst0">
+    <dgm:scene3d>
+      <a:camera prst="orthographicFront"/>
+      <a:lightRig rig="threePt" dir="t"/>
+    </dgm:scene3d>
+    <dgm:sp3d/>
+    <dgm:txPr/>
+    <dgm:style>
+      <a:lnRef idx="2">
+        <a:scrgbClr r="0" g="0" b="0"/>
+      </a:lnRef>
+      <a:fillRef idx="1">
+        <a:scrgbClr r="0" g="0" b="0"/>
+      </a:fillRef>
+      <a:effectRef idx="0">
+        <a:scrgbClr r="0" g="0" b="0"/>
+      </a:effectRef>
+      <a:fontRef idx="minor">
+        <a:schemeClr val="lt1"/>
+      </a:fontRef>
+    </dgm:style>
+  </dgm:styleLbl>
+  <dgm:styleLbl name="asst1">
+    <dgm:scene3d>
+      <a:camera prst="orthographicFront"/>
+      <a:lightRig rig="threePt" dir="t"/>
+    </dgm:scene3d>
+    <dgm:sp3d/>
+    <dgm:txPr/>
+    <dgm:style>
+      <a:lnRef idx="2">
+        <a:scrgbClr r="0" g="0" b="0"/>
+      </a:lnRef>
+      <a:fillRef idx="1">
+        <a:scrgbClr r="0" g="0" b="0"/>
+      </a:fillRef>
+      <a:effectRef idx="0">
+        <a:scrgbClr r="0" g="0" b="0"/>
+      </a:effectRef>
+      <a:fontRef idx="minor">
+        <a:schemeClr val="lt1"/>
+      </a:fontRef>
+    </dgm:style>
+  </dgm:styleLbl>
+  <dgm:styleLbl name="asst2">
+    <dgm:scene3d>
+      <a:camera prst="orthographicFront"/>
+      <a:lightRig rig="threePt" dir="t"/>
+    </dgm:scene3d>
+    <dgm:sp3d/>
+    <dgm:txPr/>
+    <dgm:style>
+      <a:lnRef idx="2">
+        <a:scrgbClr r="0" g="0" b="0"/>
+      </a:lnRef>
+      <a:fillRef idx="1">
+        <a:scrgbClr r="0" g="0" b="0"/>
+      </a:fillRef>
+      <a:effectRef idx="0">
+        <a:scrgbClr r="0" g="0" b="0"/>
+      </a:effectRef>
+      <a:fontRef idx="minor">
+        <a:schemeClr val="lt1"/>
+      </a:fontRef>
+    </dgm:style>
+  </dgm:styleLbl>
+  <dgm:styleLbl name="asst3">
+    <dgm:scene3d>
+      <a:camera prst="orthographicFront"/>
+      <a:lightRig rig="threePt" dir="t"/>
+    </dgm:scene3d>
+    <dgm:sp3d/>
+    <dgm:txPr/>
+    <dgm:style>
+      <a:lnRef idx="2">
+        <a:scrgbClr r="0" g="0" b="0"/>
+      </a:lnRef>
+      <a:fillRef idx="1">
+        <a:scrgbClr r="0" g="0" b="0"/>
+      </a:fillRef>
+      <a:effectRef idx="0">
+        <a:scrgbClr r="0" g="0" b="0"/>
+      </a:effectRef>
+      <a:fontRef idx="minor">
+        <a:schemeClr val="lt1"/>
+      </a:fontRef>
+    </dgm:style>
+  </dgm:styleLbl>
+  <dgm:styleLbl name="asst4">
+    <dgm:scene3d>
+      <a:camera prst="orthographicFront"/>
+      <a:lightRig rig="threePt" dir="t"/>
+    </dgm:scene3d>
+    <dgm:sp3d/>
+    <dgm:txPr/>
+    <dgm:style>
+      <a:lnRef idx="2">
+        <a:scrgbClr r="0" g="0" b="0"/>
+      </a:lnRef>
+      <a:fillRef idx="1">
+        <a:scrgbClr r="0" g="0" b="0"/>
+      </a:fillRef>
+      <a:effectRef idx="0">
+        <a:scrgbClr r="0" g="0" b="0"/>
+      </a:effectRef>
+      <a:fontRef idx="minor">
+        <a:schemeClr val="lt1"/>
+      </a:fontRef>
+    </dgm:style>
+  </dgm:styleLbl>
+  <dgm:styleLbl name="parChTrans2D1">
+    <dgm:scene3d>
+      <a:camera prst="orthographicFront"/>
+      <a:lightRig rig="threePt" dir="t"/>
+    </dgm:scene3d>
+    <dgm:sp3d/>
+    <dgm:txPr/>
+    <dgm:style>
+      <a:lnRef idx="2">
+        <a:scrgbClr r="0" g="0" b="0"/>
+      </a:lnRef>
+      <a:fillRef idx="1">
+        <a:scrgbClr r="0" g="0" b="0"/>
+      </a:fillRef>
+      <a:effectRef idx="0">
+        <a:scrgbClr r="0" g="0" b="0"/>
+      </a:effectRef>
+      <a:fontRef idx="minor">
+        <a:schemeClr val="lt1"/>
+      </a:fontRef>
+    </dgm:style>
+  </dgm:styleLbl>
+  <dgm:styleLbl name="parChTrans2D2">
+    <dgm:scene3d>
+      <a:camera prst="orthographicFront"/>
+      <a:lightRig rig="threePt" dir="t"/>
+    </dgm:scene3d>
+    <dgm:sp3d/>
+    <dgm:txPr/>
+    <dgm:style>
+      <a:lnRef idx="2">
+        <a:scrgbClr r="0" g="0" b="0"/>
+      </a:lnRef>
+      <a:fillRef idx="1">
+        <a:scrgbClr r="0" g="0" b="0"/>
+      </a:fillRef>
+      <a:effectRef idx="0">
+        <a:scrgbClr r="0" g="0" b="0"/>
+      </a:effectRef>
+      <a:fontRef idx="minor">
+        <a:schemeClr val="lt1"/>
+      </a:fontRef>
+    </dgm:style>
+  </dgm:styleLbl>
+  <dgm:styleLbl name="parChTrans2D3">
+    <dgm:scene3d>
+      <a:camera prst="orthographicFront"/>
+      <a:lightRig rig="threePt" dir="t"/>
+    </dgm:scene3d>
+    <dgm:sp3d/>
+    <dgm:txPr/>
+    <dgm:style>
+      <a:lnRef idx="2">
+        <a:scrgbClr r="0" g="0" b="0"/>
+      </a:lnRef>
+      <a:fillRef idx="1">
+        <a:scrgbClr r="0" g="0" b="0"/>
+      </a:fillRef>
+      <a:effectRef idx="0">
+        <a:scrgbClr r="0" g="0" b="0"/>
+      </a:effectRef>
+      <a:fontRef idx="minor">
+        <a:schemeClr val="lt1"/>
+      </a:fontRef>
+    </dgm:style>
+  </dgm:styleLbl>
+  <dgm:styleLbl name="parChTrans2D4">
+    <dgm:scene3d>
+      <a:camera prst="orthographicFront"/>
+      <a:lightRig rig="threePt" dir="t"/>
+    </dgm:scene3d>
+    <dgm:sp3d/>
+    <dgm:txPr/>
+    <dgm:style>
+      <a:lnRef idx="2">
+        <a:scrgbClr r="0" g="0" b="0"/>
+      </a:lnRef>
+      <a:fillRef idx="1">
+        <a:scrgbClr r="0" g="0" b="0"/>
+      </a:fillRef>
+      <a:effectRef idx="0">
+        <a:scrgbClr r="0" g="0" b="0"/>
+      </a:effectRef>
+      <a:fontRef idx="minor">
+        <a:schemeClr val="lt1"/>
+      </a:fontRef>
+    </dgm:style>
+  </dgm:styleLbl>
+  <dgm:styleLbl name="parChTrans1D1">
+    <dgm:scene3d>
+      <a:camera prst="orthographicFront"/>
+      <a:lightRig rig="threePt" dir="t"/>
+    </dgm:scene3d>
+    <dgm:sp3d/>
+    <dgm:txPr/>
+    <dgm:style>
+      <a:lnRef idx="2">
+        <a:scrgbClr r="0" g="0" b="0"/>
+      </a:lnRef>
+      <a:fillRef idx="0">
+        <a:scrgbClr r="0" g="0" b="0"/>
+      </a:fillRef>
+      <a:effectRef idx="0">
+        <a:scrgbClr r="0" g="0" b="0"/>
+      </a:effectRef>
+      <a:fontRef idx="minor"/>
+    </dgm:style>
+  </dgm:styleLbl>
+  <dgm:styleLbl name="parChTrans1D2">
+    <dgm:scene3d>
+      <a:camera prst="orthographicFront"/>
+      <a:lightRig rig="threePt" dir="t"/>
+    </dgm:scene3d>
+    <dgm:sp3d/>
+    <dgm:txPr/>
+    <dgm:style>
+      <a:lnRef idx="2">
+        <a:scrgbClr r="0" g="0" b="0"/>
+      </a:lnRef>
+      <a:fillRef idx="0">
+        <a:scrgbClr r="0" g="0" b="0"/>
+      </a:fillRef>
+      <a:effectRef idx="0">
+        <a:scrgbClr r="0" g="0" b="0"/>
+      </a:effectRef>
+      <a:fontRef idx="minor"/>
+    </dgm:style>
+  </dgm:styleLbl>
+  <dgm:styleLbl name="parChTrans1D3">
+    <dgm:scene3d>
+      <a:camera prst="orthographicFront"/>
+      <a:lightRig rig="threePt" dir="t"/>
+    </dgm:scene3d>
+    <dgm:sp3d/>
+    <dgm:txPr/>
+    <dgm:style>
+      <a:lnRef idx="2">
+        <a:scrgbClr r="0" g="0" b="0"/>
+      </a:lnRef>
+      <a:fillRef idx="0">
+        <a:scrgbClr r="0" g="0" b="0"/>
+      </a:fillRef>
+      <a:effectRef idx="0">
+        <a:scrgbClr r="0" g="0" b="0"/>
+      </a:effectRef>
+      <a:fontRef idx="minor"/>
+    </dgm:style>
+  </dgm:styleLbl>
+  <dgm:styleLbl name="parChTrans1D4">
+    <dgm:scene3d>
+      <a:camera prst="orthographicFront"/>
+      <a:lightRig rig="threePt" dir="t"/>
+    </dgm:scene3d>
+    <dgm:sp3d/>
+    <dgm:txPr/>
+    <dgm:style>
+      <a:lnRef idx="2">
+        <a:scrgbClr r="0" g="0" b="0"/>
+      </a:lnRef>
+      <a:fillRef idx="0">
+        <a:scrgbClr r="0" g="0" b="0"/>
+      </a:fillRef>
+      <a:effectRef idx="0">
+        <a:scrgbClr r="0" g="0" b="0"/>
+      </a:effectRef>
+      <a:fontRef idx="minor"/>
+    </dgm:style>
+  </dgm:styleLbl>
+  <dgm:styleLbl name="fgAcc1">
+    <dgm:scene3d>
+      <a:camera prst="orthographicFront"/>
+      <a:lightRig rig="threePt" dir="t"/>
+    </dgm:scene3d>
+    <dgm:sp3d/>
+    <dgm:txPr/>
+    <dgm:style>
+      <a:lnRef idx="2">
+        <a:scrgbClr r="0" g="0" b="0"/>
+      </a:lnRef>
+      <a:fillRef idx="1">
+        <a:scrgbClr r="0" g="0" b="0"/>
+      </a:fillRef>
+      <a:effectRef idx="0">
+        <a:scrgbClr r="0" g="0" b="0"/>
+      </a:effectRef>
+      <a:fontRef idx="minor"/>
+    </dgm:style>
+  </dgm:styleLbl>
+  <dgm:styleLbl name="conFgAcc1">
+    <dgm:scene3d>
+      <a:camera prst="orthographicFront"/>
+      <a:lightRig rig="threePt" dir="t"/>
+    </dgm:scene3d>
+    <dgm:sp3d/>
+    <dgm:txPr/>
+    <dgm:style>
+      <a:lnRef idx="2">
+        <a:scrgbClr r="0" g="0" b="0"/>
+      </a:lnRef>
+      <a:fillRef idx="1">
+        <a:scrgbClr r="0" g="0" b="0"/>
+      </a:fillRef>
+      <a:effectRef idx="0">
+        <a:scrgbClr r="0" g="0" b="0"/>
+      </a:effectRef>
+      <a:fontRef idx="minor"/>
+    </dgm:style>
+  </dgm:styleLbl>
+  <dgm:styleLbl name="alignAcc1">
+    <dgm:scene3d>
+      <a:camera prst="orthographicFront"/>
+      <a:lightRig rig="threePt" dir="t"/>
+    </dgm:scene3d>
+    <dgm:sp3d/>
+    <dgm:txPr/>
+    <dgm:style>
+      <a:lnRef idx="2">
+        <a:scrgbClr r="0" g="0" b="0"/>
+      </a:lnRef>
+      <a:fillRef idx="1">
+        <a:scrgbClr r="0" g="0" b="0"/>
+      </a:fillRef>
+      <a:effectRef idx="0">
+        <a:scrgbClr r="0" g="0" b="0"/>
+      </a:effectRef>
+      <a:fontRef idx="minor"/>
+    </dgm:style>
+  </dgm:styleLbl>
+  <dgm:styleLbl name="trAlignAcc1">
+    <dgm:scene3d>
+      <a:camera prst="orthographicFront"/>
+      <a:lightRig rig="threePt" dir="t"/>
+    </dgm:scene3d>
+    <dgm:sp3d/>
+    <dgm:txPr/>
+    <dgm:style>
+      <a:lnRef idx="1">
+        <a:scrgbClr r="0" g="0" b="0"/>
+      </a:lnRef>
+      <a:fillRef idx="1">
+        <a:scrgbClr r="0" g="0" b="0"/>
+      </a:fillRef>
+      <a:effectRef idx="0">
+        <a:scrgbClr r="0" g="0" b="0"/>
+      </a:effectRef>
+      <a:fontRef idx="minor"/>
+    </dgm:style>
+  </dgm:styleLbl>
+  <dgm:styleLbl name="bgAcc1">
+    <dgm:scene3d>
+      <a:camera prst="orthographicFront"/>
+      <a:lightRig rig="threePt" dir="t"/>
+    </dgm:scene3d>
+    <dgm:sp3d/>
+    <dgm:txPr/>
+    <dgm:style>
+      <a:lnRef idx="2">
+        <a:scrgbClr r="0" g="0" b="0"/>
+      </a:lnRef>
+      <a:fillRef idx="1">
+        <a:scrgbClr r="0" g="0" b="0"/>
+      </a:fillRef>
+      <a:effectRef idx="0">
+        <a:scrgbClr r="0" g="0" b="0"/>
+      </a:effectRef>
+      <a:fontRef idx="minor"/>
+    </dgm:style>
+  </dgm:styleLbl>
+  <dgm:styleLbl name="solidFgAcc1">
+    <dgm:scene3d>
+      <a:camera prst="orthographicFront"/>
+      <a:lightRig rig="threePt" dir="t"/>
+    </dgm:scene3d>
+    <dgm:sp3d/>
+    <dgm:txPr/>
+    <dgm:style>
+      <a:lnRef idx="2">
+        <a:scrgbClr r="0" g="0" b="0"/>
+      </a:lnRef>
+      <a:fillRef idx="1">
+        <a:scrgbClr r="0" g="0" b="0"/>
+      </a:fillRef>
+      <a:effectRef idx="0">
+        <a:scrgbClr r="0" g="0" b="0"/>
+      </a:effectRef>
+      <a:fontRef idx="minor"/>
+    </dgm:style>
+  </dgm:styleLbl>
+  <dgm:styleLbl name="solidAlignAcc1">
+    <dgm:scene3d>
+      <a:camera prst="orthographicFront"/>
+      <a:lightRig rig="threePt" dir="t"/>
+    </dgm:scene3d>
+    <dgm:sp3d/>
+    <dgm:txPr/>
+    <dgm:style>
+      <a:lnRef idx="2">
+        <a:scrgbClr r="0" g="0" b="0"/>
+      </a:lnRef>
+      <a:fillRef idx="1">
+        <a:scrgbClr r="0" g="0" b="0"/>
+      </a:fillRef>
+      <a:effectRef idx="0">
+        <a:scrgbClr r="0" g="0" b="0"/>
+      </a:effectRef>
+      <a:fontRef idx="minor"/>
+    </dgm:style>
+  </dgm:styleLbl>
+  <dgm:styleLbl name="solidBgAcc1">
+    <dgm:scene3d>
+      <a:camera prst="orthographicFront"/>
+      <a:lightRig rig="threePt" dir="t"/>
+    </dgm:scene3d>
+    <dgm:sp3d/>
+    <dgm:txPr/>
+    <dgm:style>
+      <a:lnRef idx="2">
+        <a:scrgbClr r="0" g="0" b="0"/>
+      </a:lnRef>
+      <a:fillRef idx="1">
+        <a:scrgbClr r="0" g="0" b="0"/>
+      </a:fillRef>
+      <a:effectRef idx="0">
+        <a:scrgbClr r="0" g="0" b="0"/>
+      </a:effectRef>
+      <a:fontRef idx="minor"/>
+    </dgm:style>
+  </dgm:styleLbl>
+  <dgm:styleLbl name="fgAccFollowNode1">
+    <dgm:scene3d>
+      <a:camera prst="orthographicFront"/>
+      <a:lightRig rig="threePt" dir="t"/>
+    </dgm:scene3d>
+    <dgm:sp3d/>
+    <dgm:txPr/>
+    <dgm:style>
+      <a:lnRef idx="2">
+        <a:scrgbClr r="0" g="0" b="0"/>
+      </a:lnRef>
+      <a:fillRef idx="1">
+        <a:scrgbClr r="0" g="0" b="0"/>
+      </a:fillRef>
+      <a:effectRef idx="0">
+        <a:scrgbClr r="0" g="0" b="0"/>
+      </a:effectRef>
+      <a:fontRef idx="minor"/>
+    </dgm:style>
+  </dgm:styleLbl>
+  <dgm:styleLbl name="alignAccFollowNode1">
+    <dgm:scene3d>
+      <a:camera prst="orthographicFront"/>
+      <a:lightRig rig="threePt" dir="t"/>
+    </dgm:scene3d>
+    <dgm:sp3d/>
+    <dgm:txPr/>
+    <dgm:style>
+      <a:lnRef idx="2">
+        <a:scrgbClr r="0" g="0" b="0"/>
+      </a:lnRef>
+      <a:fillRef idx="1">
+        <a:scrgbClr r="0" g="0" b="0"/>
+      </a:fillRef>
+      <a:effectRef idx="0">
+        <a:scrgbClr r="0" g="0" b="0"/>
+      </a:effectRef>
+      <a:fontRef idx="minor"/>
+    </dgm:style>
+  </dgm:styleLbl>
+  <dgm:styleLbl name="bgAccFollowNode1">
+    <dgm:scene3d>
+      <a:camera prst="orthographicFront"/>
+      <a:lightRig rig="threePt" dir="t"/>
+    </dgm:scene3d>
+    <dgm:sp3d/>
+    <dgm:txPr/>
+    <dgm:style>
+      <a:lnRef idx="2">
+        <a:scrgbClr r="0" g="0" b="0"/>
+      </a:lnRef>
+      <a:fillRef idx="1">
+        <a:scrgbClr r="0" g="0" b="0"/>
+      </a:fillRef>
+      <a:effectRef idx="0">
+        <a:scrgbClr r="0" g="0" b="0"/>
+      </a:effectRef>
+      <a:fontRef idx="minor"/>
+    </dgm:style>
+  </dgm:styleLbl>
+  <dgm:styleLbl name="fgAcc0">
+    <dgm:scene3d>
+      <a:camera prst="orthographicFront"/>
+      <a:lightRig rig="threePt" dir="t"/>
+    </dgm:scene3d>
+    <dgm:sp3d/>
+    <dgm:txPr/>
+    <dgm:style>
+      <a:lnRef idx="2">
+        <a:scrgbClr r="0" g="0" b="0"/>
+      </a:lnRef>
+      <a:fillRef idx="1">
+        <a:scrgbClr r="0" g="0" b="0"/>
+      </a:fillRef>
+      <a:effectRef idx="0">
+        <a:scrgbClr r="0" g="0" b="0"/>
+      </a:effectRef>
+      <a:fontRef idx="minor"/>
+    </dgm:style>
+  </dgm:styleLbl>
+  <dgm:styleLbl name="fgAcc2">
+    <dgm:scene3d>
+      <a:camera prst="orthographicFront"/>
+      <a:lightRig rig="threePt" dir="t"/>
+    </dgm:scene3d>
+    <dgm:sp3d/>
+    <dgm:txPr/>
+    <dgm:style>
+      <a:lnRef idx="2">
+        <a:scrgbClr r="0" g="0" b="0"/>
+      </a:lnRef>
+      <a:fillRef idx="1">
+        <a:scrgbClr r="0" g="0" b="0"/>
+      </a:fillRef>
+      <a:effectRef idx="0">
+        <a:scrgbClr r="0" g="0" b="0"/>
+      </a:effectRef>
+      <a:fontRef idx="minor"/>
+    </dgm:style>
+  </dgm:styleLbl>
+  <dgm:styleLbl name="fgAcc3">
+    <dgm:scene3d>
+      <a:camera prst="orthographicFront"/>
+      <a:lightRig rig="threePt" dir="t"/>
+    </dgm:scene3d>
+    <dgm:sp3d/>
+    <dgm:txPr/>
+    <dgm:style>
+      <a:lnRef idx="2">
+        <a:scrgbClr r="0" g="0" b="0"/>
+      </a:lnRef>
+      <a:fillRef idx="1">
+        <a:scrgbClr r="0" g="0" b="0"/>
+      </a:fillRef>
+      <a:effectRef idx="0">
+        <a:scrgbClr r="0" g="0" b="0"/>
+      </a:effectRef>
+      <a:fontRef idx="minor"/>
+    </dgm:style>
+  </dgm:styleLbl>
+  <dgm:styleLbl name="fgAcc4">
+    <dgm:scene3d>
+      <a:camera prst="orthographicFront"/>
+      <a:lightRig rig="threePt" dir="t"/>
+    </dgm:scene3d>
+    <dgm:sp3d/>
+    <dgm:txPr/>
+    <dgm:style>
+      <a:lnRef idx="2">
+        <a:scrgbClr r="0" g="0" b="0"/>
+      </a:lnRef>
+      <a:fillRef idx="1">
+        <a:scrgbClr r="0" g="0" b="0"/>
+      </a:fillRef>
+      <a:effectRef idx="0">
+        <a:scrgbClr r="0" g="0" b="0"/>
+      </a:effectRef>
+      <a:fontRef idx="minor"/>
+    </dgm:style>
+  </dgm:styleLbl>
+  <dgm:styleLbl name="bgShp">
+    <dgm:scene3d>
+      <a:camera prst="orthographicFront"/>
+      <a:lightRig rig="threePt" dir="t"/>
+    </dgm:scene3d>
+    <dgm:sp3d/>
+    <dgm:txPr/>
+    <dgm:style>
+      <a:lnRef idx="0">
+        <a:scrgbClr r="0" g="0" b="0"/>
+      </a:lnRef>
+      <a:fillRef idx="1">
+        <a:scrgbClr r="0" g="0" b="0"/>
+      </a:fillRef>
+      <a:effectRef idx="0">
+        <a:scrgbClr r="0" g="0" b="0"/>
+      </a:effectRef>
+      <a:fontRef idx="minor"/>
+    </dgm:style>
+  </dgm:styleLbl>
+  <dgm:styleLbl name="dkBgShp">
+    <dgm:scene3d>
+      <a:camera prst="orthographicFront"/>
+      <a:lightRig rig="threePt" dir="t"/>
+    </dgm:scene3d>
+    <dgm:sp3d/>
+    <dgm:txPr/>
+    <dgm:style>
+      <a:lnRef idx="0">
+        <a:scrgbClr r="0" g="0" b="0"/>
+      </a:lnRef>
+      <a:fillRef idx="1">
+        <a:scrgbClr r="0" g="0" b="0"/>
+      </a:fillRef>
+      <a:effectRef idx="0">
+        <a:scrgbClr r="0" g="0" b="0"/>
+      </a:effectRef>
+      <a:fontRef idx="minor"/>
+    </dgm:style>
+  </dgm:styleLbl>
+  <dgm:styleLbl name="trBgShp">
+    <dgm:scene3d>
+      <a:camera prst="orthographicFront"/>
+      <a:lightRig rig="threePt" dir="t"/>
+    </dgm:scene3d>
+    <dgm:sp3d/>
+    <dgm:txPr/>
+    <dgm:style>
+      <a:lnRef idx="0">
+        <a:scrgbClr r="0" g="0" b="0"/>
+      </a:lnRef>
+      <a:fillRef idx="1">
+        <a:scrgbClr r="0" g="0" b="0"/>
+      </a:fillRef>
+      <a:effectRef idx="0">
+        <a:scrgbClr r="0" g="0" b="0"/>
+      </a:effectRef>
+      <a:fontRef idx="minor"/>
+    </dgm:style>
+  </dgm:styleLbl>
+  <dgm:styleLbl name="fgShp">
+    <dgm:scene3d>
+      <a:camera prst="orthographicFront"/>
+      <a:lightRig rig="threePt" dir="t"/>
+    </dgm:scene3d>
+    <dgm:sp3d/>
+    <dgm:txPr/>
+    <dgm:style>
+      <a:lnRef idx="2">
+        <a:scrgbClr r="0" g="0" b="0"/>
+      </a:lnRef>
+      <a:fillRef idx="1">
+        <a:scrgbClr r="0" g="0" b="0"/>
+      </a:fillRef>
+      <a:effectRef idx="0">
+        <a:scrgbClr r="0" g="0" b="0"/>
+      </a:effectRef>
+      <a:fontRef idx="minor"/>
+    </dgm:style>
+  </dgm:styleLbl>
+  <dgm:styleLbl name="revTx">
+    <dgm:scene3d>
+      <a:camera prst="orthographicFront"/>
+      <a:lightRig rig="threePt" dir="t"/>
+    </dgm:scene3d>
+    <dgm:sp3d/>
+    <dgm:txPr/>
+    <dgm:style>
+      <a:lnRef idx="0">
+        <a:scrgbClr r="0" g="0" b="0"/>
+      </a:lnRef>
+      <a:fillRef idx="0">
+        <a:scrgbClr r="0" g="0" b="0"/>
+      </a:fillRef>
+      <a:effectRef idx="0">
+        <a:scrgbClr r="0" g="0" b="0"/>
+      </a:effectRef>
+      <a:fontRef idx="minor"/>
+    </dgm:style>
+  </dgm:styleLbl>
+</dgm:styleDef>
+</file>
+
+<file path=ppt/diagrams/quickStyle2.xml><?xml version="1.0" encoding="utf-8"?>
+<dgm:styleDef xmlns:dgm="http://schemas.openxmlformats.org/drawingml/2006/diagram" xmlns:a="http://schemas.openxmlformats.org/drawingml/2006/main" uniqueId="urn:microsoft.com/office/officeart/2005/8/quickstyle/simple1">
+  <dgm:title val=""/>
+  <dgm:desc val=""/>
+  <dgm:catLst>
+    <dgm:cat type="simple" pri="10100"/>
+  </dgm:catLst>
+  <dgm:scene3d>
+    <a:camera prst="orthographicFront"/>
+    <a:lightRig rig="threePt" dir="t"/>
+  </dgm:scene3d>
+  <dgm:styleLbl name="node0">
+    <dgm:scene3d>
+      <a:camera prst="orthographicFront"/>
+      <a:lightRig rig="threePt" dir="t"/>
+    </dgm:scene3d>
+    <dgm:sp3d/>
+    <dgm:txPr/>
+    <dgm:style>
+      <a:lnRef idx="2">
+        <a:scrgbClr r="0" g="0" b="0"/>
+      </a:lnRef>
+      <a:fillRef idx="1">
+        <a:scrgbClr r="0" g="0" b="0"/>
+      </a:fillRef>
+      <a:effectRef idx="0">
+        <a:scrgbClr r="0" g="0" b="0"/>
+      </a:effectRef>
+      <a:fontRef idx="minor">
+        <a:schemeClr val="lt1"/>
+      </a:fontRef>
+    </dgm:style>
+  </dgm:styleLbl>
+  <dgm:styleLbl name="lnNode1">
+    <dgm:scene3d>
+      <a:camera prst="orthographicFront"/>
+      <a:lightRig rig="threePt" dir="t"/>
+    </dgm:scene3d>
+    <dgm:sp3d/>
+    <dgm:txPr/>
+    <dgm:style>
+      <a:lnRef idx="2">
+        <a:scrgbClr r="0" g="0" b="0"/>
+      </a:lnRef>
+      <a:fillRef idx="1">
+        <a:scrgbClr r="0" g="0" b="0"/>
+      </a:fillRef>
+      <a:effectRef idx="0">
+        <a:scrgbClr r="0" g="0" b="0"/>
+      </a:effectRef>
+      <a:fontRef idx="minor">
+        <a:schemeClr val="lt1"/>
+      </a:fontRef>
+    </dgm:style>
+  </dgm:styleLbl>
+  <dgm:styleLbl name="vennNode1">
+    <dgm:scene3d>
+      <a:camera prst="orthographicFront"/>
+      <a:lightRig rig="threePt" dir="t"/>
+    </dgm:scene3d>
+    <dgm:sp3d/>
+    <dgm:txPr/>
+    <dgm:style>
+      <a:lnRef idx="2">
+        <a:scrgbClr r="0" g="0" b="0"/>
+      </a:lnRef>
+      <a:fillRef idx="1">
+        <a:scrgbClr r="0" g="0" b="0"/>
+      </a:fillRef>
+      <a:effectRef idx="0">
+        <a:scrgbClr r="0" g="0" b="0"/>
+      </a:effectRef>
+      <a:fontRef idx="minor">
+        <a:schemeClr val="tx1"/>
+      </a:fontRef>
+    </dgm:style>
+  </dgm:styleLbl>
+  <dgm:styleLbl name="alignNode1">
+    <dgm:scene3d>
+      <a:camera prst="orthographicFront"/>
+      <a:lightRig rig="threePt" dir="t"/>
+    </dgm:scene3d>
+    <dgm:sp3d/>
+    <dgm:txPr/>
+    <dgm:style>
+      <a:lnRef idx="2">
+        <a:scrgbClr r="0" g="0" b="0"/>
+      </a:lnRef>
+      <a:fillRef idx="1">
+        <a:scrgbClr r="0" g="0" b="0"/>
+      </a:fillRef>
+      <a:effectRef idx="0">
+        <a:scrgbClr r="0" g="0" b="0"/>
+      </a:effectRef>
+      <a:fontRef idx="minor">
+        <a:schemeClr val="lt1"/>
+      </a:fontRef>
+    </dgm:style>
+  </dgm:styleLbl>
+  <dgm:styleLbl name="node1">
+    <dgm:scene3d>
+      <a:camera prst="orthographicFront"/>
+      <a:lightRig rig="threePt" dir="t"/>
+    </dgm:scene3d>
+    <dgm:sp3d/>
+    <dgm:txPr/>
+    <dgm:style>
+      <a:lnRef idx="2">
+        <a:scrgbClr r="0" g="0" b="0"/>
+      </a:lnRef>
+      <a:fillRef idx="1">
+        <a:scrgbClr r="0" g="0" b="0"/>
+      </a:fillRef>
+      <a:effectRef idx="0">
+        <a:scrgbClr r="0" g="0" b="0"/>
+      </a:effectRef>
+      <a:fontRef idx="minor">
+        <a:schemeClr val="lt1"/>
+      </a:fontRef>
+    </dgm:style>
+  </dgm:styleLbl>
+  <dgm:styleLbl name="node2">
+    <dgm:scene3d>
+      <a:camera prst="orthographicFront"/>
+      <a:lightRig rig="threePt" dir="t"/>
+    </dgm:scene3d>
+    <dgm:sp3d/>
+    <dgm:txPr/>
+    <dgm:style>
+      <a:lnRef idx="2">
+        <a:scrgbClr r="0" g="0" b="0"/>
+      </a:lnRef>
+      <a:fillRef idx="1">
+        <a:scrgbClr r="0" g="0" b="0"/>
+      </a:fillRef>
+      <a:effectRef idx="0">
+        <a:scrgbClr r="0" g="0" b="0"/>
+      </a:effectRef>
+      <a:fontRef idx="minor">
+        <a:schemeClr val="lt1"/>
+      </a:fontRef>
+    </dgm:style>
+  </dgm:styleLbl>
+  <dgm:styleLbl name="node3">
+    <dgm:scene3d>
+      <a:camera prst="orthographicFront"/>
+      <a:lightRig rig="threePt" dir="t"/>
+    </dgm:scene3d>
+    <dgm:sp3d/>
+    <dgm:txPr/>
+    <dgm:style>
+      <a:lnRef idx="2">
+        <a:scrgbClr r="0" g="0" b="0"/>
+      </a:lnRef>
+      <a:fillRef idx="1">
+        <a:scrgbClr r="0" g="0" b="0"/>
+      </a:fillRef>
+      <a:effectRef idx="0">
+        <a:scrgbClr r="0" g="0" b="0"/>
+      </a:effectRef>
+      <a:fontRef idx="minor">
+        <a:schemeClr val="lt1"/>
+      </a:fontRef>
+    </dgm:style>
+  </dgm:styleLbl>
+  <dgm:styleLbl name="node4">
+    <dgm:scene3d>
+      <a:camera prst="orthographicFront"/>
+      <a:lightRig rig="threePt" dir="t"/>
+    </dgm:scene3d>
+    <dgm:sp3d/>
+    <dgm:txPr/>
+    <dgm:style>
+      <a:lnRef idx="2">
+        <a:scrgbClr r="0" g="0" b="0"/>
+      </a:lnRef>
+      <a:fillRef idx="1">
+        <a:scrgbClr r="0" g="0" b="0"/>
+      </a:fillRef>
+      <a:effectRef idx="0">
+        <a:scrgbClr r="0" g="0" b="0"/>
+      </a:effectRef>
+      <a:fontRef idx="minor">
+        <a:schemeClr val="lt1"/>
+      </a:fontRef>
+    </dgm:style>
+  </dgm:styleLbl>
+  <dgm:styleLbl name="fgImgPlace1">
+    <dgm:scene3d>
+      <a:camera prst="orthographicFront"/>
+      <a:lightRig rig="threePt" dir="t"/>
+    </dgm:scene3d>
+    <dgm:sp3d/>
+    <dgm:txPr/>
+    <dgm:style>
+      <a:lnRef idx="2">
+        <a:scrgbClr r="0" g="0" b="0"/>
+      </a:lnRef>
+      <a:fillRef idx="1">
+        <a:scrgbClr r="0" g="0" b="0"/>
+      </a:fillRef>
+      <a:effectRef idx="0">
+        <a:scrgbClr r="0" g="0" b="0"/>
+      </a:effectRef>
+      <a:fontRef idx="minor"/>
+    </dgm:style>
+  </dgm:styleLbl>
+  <dgm:styleLbl name="alignImgPlace1">
+    <dgm:scene3d>
+      <a:camera prst="orthographicFront"/>
+      <a:lightRig rig="threePt" dir="t"/>
+    </dgm:scene3d>
+    <dgm:sp3d/>
+    <dgm:txPr/>
+    <dgm:style>
+      <a:lnRef idx="2">
+        <a:scrgbClr r="0" g="0" b="0"/>
+      </a:lnRef>
+      <a:fillRef idx="1">
+        <a:scrgbClr r="0" g="0" b="0"/>
+      </a:fillRef>
+      <a:effectRef idx="0">
+        <a:scrgbClr r="0" g="0" b="0"/>
+      </a:effectRef>
+      <a:fontRef idx="minor"/>
+    </dgm:style>
+  </dgm:styleLbl>
+  <dgm:styleLbl name="bgImgPlace1">
+    <dgm:scene3d>
+      <a:camera prst="orthographicFront"/>
+      <a:lightRig rig="threePt" dir="t"/>
+    </dgm:scene3d>
+    <dgm:sp3d/>
+    <dgm:txPr/>
+    <dgm:style>
+      <a:lnRef idx="2">
+        <a:scrgbClr r="0" g="0" b="0"/>
+      </a:lnRef>
+      <a:fillRef idx="1">
+        <a:scrgbClr r="0" g="0" b="0"/>
+      </a:fillRef>
+      <a:effectRef idx="0">
+        <a:scrgbClr r="0" g="0" b="0"/>
+      </a:effectRef>
+      <a:fontRef idx="minor"/>
+    </dgm:style>
+  </dgm:styleLbl>
+  <dgm:styleLbl name="sibTrans2D1">
+    <dgm:scene3d>
+      <a:camera prst="orthographicFront"/>
+      <a:lightRig rig="threePt" dir="t"/>
+    </dgm:scene3d>
+    <dgm:sp3d/>
+    <dgm:txPr/>
+    <dgm:style>
+      <a:lnRef idx="0">
+        <a:scrgbClr r="0" g="0" b="0"/>
+      </a:lnRef>
+      <a:fillRef idx="1">
+        <a:scrgbClr r="0" g="0" b="0"/>
+      </a:fillRef>
+      <a:effectRef idx="0">
+        <a:scrgbClr r="0" g="0" b="0"/>
+      </a:effectRef>
+      <a:fontRef idx="minor">
+        <a:schemeClr val="lt1"/>
+      </a:fontRef>
+    </dgm:style>
+  </dgm:styleLbl>
+  <dgm:styleLbl name="fgSibTrans2D1">
+    <dgm:scene3d>
+      <a:camera prst="orthographicFront"/>
+      <a:lightRig rig="threePt" dir="t"/>
+    </dgm:scene3d>
+    <dgm:sp3d/>
+    <dgm:txPr/>
+    <dgm:style>
+      <a:lnRef idx="0">
+        <a:scrgbClr r="0" g="0" b="0"/>
+      </a:lnRef>
+      <a:fillRef idx="1">
+        <a:scrgbClr r="0" g="0" b="0"/>
+      </a:fillRef>
+      <a:effectRef idx="0">
+        <a:scrgbClr r="0" g="0" b="0"/>
+      </a:effectRef>
+      <a:fontRef idx="minor">
+        <a:schemeClr val="lt1"/>
+      </a:fontRef>
+    </dgm:style>
+  </dgm:styleLbl>
+  <dgm:styleLbl name="bgSibTrans2D1">
+    <dgm:scene3d>
+      <a:camera prst="orthographicFront"/>
+      <a:lightRig rig="threePt" dir="t"/>
+    </dgm:scene3d>
+    <dgm:sp3d/>
+    <dgm:txPr/>
+    <dgm:style>
+      <a:lnRef idx="0">
+        <a:scrgbClr r="0" g="0" b="0"/>
+      </a:lnRef>
+      <a:fillRef idx="1">
+        <a:scrgbClr r="0" g="0" b="0"/>
+      </a:fillRef>
+      <a:effectRef idx="0">
+        <a:scrgbClr r="0" g="0" b="0"/>
+      </a:effectRef>
+      <a:fontRef idx="minor">
+        <a:schemeClr val="lt1"/>
+      </a:fontRef>
+    </dgm:style>
+  </dgm:styleLbl>
+  <dgm:styleLbl name="sibTrans1D1">
+    <dgm:scene3d>
+      <a:camera prst="orthographicFront"/>
+      <a:lightRig rig="threePt" dir="t"/>
+    </dgm:scene3d>
+    <dgm:sp3d/>
+    <dgm:txPr/>
+    <dgm:style>
+      <a:lnRef idx="1">
+        <a:scrgbClr r="0" g="0" b="0"/>
+      </a:lnRef>
+      <a:fillRef idx="0">
+        <a:scrgbClr r="0" g="0" b="0"/>
+      </a:fillRef>
+      <a:effectRef idx="0">
+        <a:scrgbClr r="0" g="0" b="0"/>
+      </a:effectRef>
+      <a:fontRef idx="minor"/>
+    </dgm:style>
+  </dgm:styleLbl>
+  <dgm:styleLbl name="callout">
+    <dgm:scene3d>
+      <a:camera prst="orthographicFront"/>
+      <a:lightRig rig="threePt" dir="t"/>
+    </dgm:scene3d>
+    <dgm:sp3d/>
+    <dgm:txPr/>
+    <dgm:style>
+      <a:lnRef idx="2">
+        <a:scrgbClr r="0" g="0" b="0"/>
+      </a:lnRef>
+      <a:fillRef idx="1">
+        <a:scrgbClr r="0" g="0" b="0"/>
+      </a:fillRef>
+      <a:effectRef idx="0">
+        <a:scrgbClr r="0" g="0" b="0"/>
+      </a:effectRef>
+      <a:fontRef idx="minor"/>
+    </dgm:style>
+  </dgm:styleLbl>
+  <dgm:styleLbl name="asst0">
+    <dgm:scene3d>
+      <a:camera prst="orthographicFront"/>
+      <a:lightRig rig="threePt" dir="t"/>
+    </dgm:scene3d>
+    <dgm:sp3d/>
+    <dgm:txPr/>
+    <dgm:style>
+      <a:lnRef idx="2">
+        <a:scrgbClr r="0" g="0" b="0"/>
+      </a:lnRef>
+      <a:fillRef idx="1">
+        <a:scrgbClr r="0" g="0" b="0"/>
+      </a:fillRef>
+      <a:effectRef idx="0">
+        <a:scrgbClr r="0" g="0" b="0"/>
+      </a:effectRef>
+      <a:fontRef idx="minor">
+        <a:schemeClr val="lt1"/>
+      </a:fontRef>
+    </dgm:style>
+  </dgm:styleLbl>
+  <dgm:styleLbl name="asst1">
+    <dgm:scene3d>
+      <a:camera prst="orthographicFront"/>
+      <a:lightRig rig="threePt" dir="t"/>
+    </dgm:scene3d>
+    <dgm:sp3d/>
+    <dgm:txPr/>
+    <dgm:style>
+      <a:lnRef idx="2">
+        <a:scrgbClr r="0" g="0" b="0"/>
+      </a:lnRef>
+      <a:fillRef idx="1">
+        <a:scrgbClr r="0" g="0" b="0"/>
+      </a:fillRef>
+      <a:effectRef idx="0">
+        <a:scrgbClr r="0" g="0" b="0"/>
+      </a:effectRef>
+      <a:fontRef idx="minor">
+        <a:schemeClr val="lt1"/>
+      </a:fontRef>
+    </dgm:style>
+  </dgm:styleLbl>
+  <dgm:styleLbl name="asst2">
+    <dgm:scene3d>
+      <a:camera prst="orthographicFront"/>
+      <a:lightRig rig="threePt" dir="t"/>
+    </dgm:scene3d>
+    <dgm:sp3d/>
+    <dgm:txPr/>
+    <dgm:style>
+      <a:lnRef idx="2">
+        <a:scrgbClr r="0" g="0" b="0"/>
+      </a:lnRef>
+      <a:fillRef idx="1">
+        <a:scrgbClr r="0" g="0" b="0"/>
+      </a:fillRef>
+      <a:effectRef idx="0">
+        <a:scrgbClr r="0" g="0" b="0"/>
+      </a:effectRef>
+      <a:fontRef idx="minor">
+        <a:schemeClr val="lt1"/>
+      </a:fontRef>
+    </dgm:style>
+  </dgm:styleLbl>
+  <dgm:styleLbl name="asst3">
+    <dgm:scene3d>
+      <a:camera prst="orthographicFront"/>
+      <a:lightRig rig="threePt" dir="t"/>
+    </dgm:scene3d>
+    <dgm:sp3d/>
+    <dgm:txPr/>
+    <dgm:style>
+      <a:lnRef idx="2">
+        <a:scrgbClr r="0" g="0" b="0"/>
+      </a:lnRef>
+      <a:fillRef idx="1">
+        <a:scrgbClr r="0" g="0" b="0"/>
+      </a:fillRef>
+      <a:effectRef idx="0">
+        <a:scrgbClr r="0" g="0" b="0"/>
+      </a:effectRef>
+      <a:fontRef idx="minor">
+        <a:schemeClr val="lt1"/>
+      </a:fontRef>
+    </dgm:style>
+  </dgm:styleLbl>
+  <dgm:styleLbl name="asst4">
+    <dgm:scene3d>
+      <a:camera prst="orthographicFront"/>
+      <a:lightRig rig="threePt" dir="t"/>
+    </dgm:scene3d>
+    <dgm:sp3d/>
+    <dgm:txPr/>
+    <dgm:style>
+      <a:lnRef idx="2">
+        <a:scrgbClr r="0" g="0" b="0"/>
+      </a:lnRef>
+      <a:fillRef idx="1">
+        <a:scrgbClr r="0" g="0" b="0"/>
+      </a:fillRef>
+      <a:effectRef idx="0">
+        <a:scrgbClr r="0" g="0" b="0"/>
+      </a:effectRef>
+      <a:fontRef idx="minor">
+        <a:schemeClr val="lt1"/>
+      </a:fontRef>
+    </dgm:style>
+  </dgm:styleLbl>
+  <dgm:styleLbl name="parChTrans2D1">
+    <dgm:scene3d>
+      <a:camera prst="orthographicFront"/>
+      <a:lightRig rig="threePt" dir="t"/>
+    </dgm:scene3d>
+    <dgm:sp3d/>
+    <dgm:txPr/>
+    <dgm:style>
+      <a:lnRef idx="2">
+        <a:scrgbClr r="0" g="0" b="0"/>
+      </a:lnRef>
+      <a:fillRef idx="1">
+        <a:scrgbClr r="0" g="0" b="0"/>
+      </a:fillRef>
+      <a:effectRef idx="0">
+        <a:scrgbClr r="0" g="0" b="0"/>
+      </a:effectRef>
+      <a:fontRef idx="minor">
+        <a:schemeClr val="lt1"/>
+      </a:fontRef>
+    </dgm:style>
+  </dgm:styleLbl>
+  <dgm:styleLbl name="parChTrans2D2">
+    <dgm:scene3d>
+      <a:camera prst="orthographicFront"/>
+      <a:lightRig rig="threePt" dir="t"/>
+    </dgm:scene3d>
+    <dgm:sp3d/>
+    <dgm:txPr/>
+    <dgm:style>
+      <a:lnRef idx="2">
+        <a:scrgbClr r="0" g="0" b="0"/>
+      </a:lnRef>
+      <a:fillRef idx="1">
+        <a:scrgbClr r="0" g="0" b="0"/>
+      </a:fillRef>
+      <a:effectRef idx="0">
+        <a:scrgbClr r="0" g="0" b="0"/>
+      </a:effectRef>
+      <a:fontRef idx="minor">
+        <a:schemeClr val="lt1"/>
+      </a:fontRef>
+    </dgm:style>
+  </dgm:styleLbl>
+  <dgm:styleLbl name="parChTrans2D3">
+    <dgm:scene3d>
+      <a:camera prst="orthographicFront"/>
+      <a:lightRig rig="threePt" dir="t"/>
+    </dgm:scene3d>
+    <dgm:sp3d/>
+    <dgm:txPr/>
+    <dgm:style>
+      <a:lnRef idx="2">
+        <a:scrgbClr r="0" g="0" b="0"/>
+      </a:lnRef>
+      <a:fillRef idx="1">
+        <a:scrgbClr r="0" g="0" b="0"/>
+      </a:fillRef>
+      <a:effectRef idx="0">
+        <a:scrgbClr r="0" g="0" b="0"/>
+      </a:effectRef>
+      <a:fontRef idx="minor">
+        <a:schemeClr val="lt1"/>
+      </a:fontRef>
+    </dgm:style>
+  </dgm:styleLbl>
+  <dgm:styleLbl name="parChTrans2D4">
+    <dgm:scene3d>
+      <a:camera prst="orthographicFront"/>
+      <a:lightRig rig="threePt" dir="t"/>
+    </dgm:scene3d>
+    <dgm:sp3d/>
+    <dgm:txPr/>
+    <dgm:style>
+      <a:lnRef idx="2">
+        <a:scrgbClr r="0" g="0" b="0"/>
+      </a:lnRef>
+      <a:fillRef idx="1">
+        <a:scrgbClr r="0" g="0" b="0"/>
+      </a:fillRef>
+      <a:effectRef idx="0">
+        <a:scrgbClr r="0" g="0" b="0"/>
+      </a:effectRef>
+      <a:fontRef idx="minor">
+        <a:schemeClr val="lt1"/>
+      </a:fontRef>
+    </dgm:style>
+  </dgm:styleLbl>
+  <dgm:styleLbl name="parChTrans1D1">
+    <dgm:scene3d>
+      <a:camera prst="orthographicFront"/>
+      <a:lightRig rig="threePt" dir="t"/>
+    </dgm:scene3d>
+    <dgm:sp3d/>
+    <dgm:txPr/>
+    <dgm:style>
+      <a:lnRef idx="2">
+        <a:scrgbClr r="0" g="0" b="0"/>
+      </a:lnRef>
+      <a:fillRef idx="0">
+        <a:scrgbClr r="0" g="0" b="0"/>
+      </a:fillRef>
+      <a:effectRef idx="0">
+        <a:scrgbClr r="0" g="0" b="0"/>
+      </a:effectRef>
+      <a:fontRef idx="minor"/>
+    </dgm:style>
+  </dgm:styleLbl>
+  <dgm:styleLbl name="parChTrans1D2">
+    <dgm:scene3d>
+      <a:camera prst="orthographicFront"/>
+      <a:lightRig rig="threePt" dir="t"/>
+    </dgm:scene3d>
+    <dgm:sp3d/>
+    <dgm:txPr/>
+    <dgm:style>
+      <a:lnRef idx="2">
+        <a:scrgbClr r="0" g="0" b="0"/>
+      </a:lnRef>
+      <a:fillRef idx="0">
+        <a:scrgbClr r="0" g="0" b="0"/>
+      </a:fillRef>
+      <a:effectRef idx="0">
+        <a:scrgbClr r="0" g="0" b="0"/>
+      </a:effectRef>
+      <a:fontRef idx="minor"/>
+    </dgm:style>
+  </dgm:styleLbl>
+  <dgm:styleLbl name="parChTrans1D3">
+    <dgm:scene3d>
+      <a:camera prst="orthographicFront"/>
+      <a:lightRig rig="threePt" dir="t"/>
+    </dgm:scene3d>
+    <dgm:sp3d/>
+    <dgm:txPr/>
+    <dgm:style>
+      <a:lnRef idx="2">
+        <a:scrgbClr r="0" g="0" b="0"/>
+      </a:lnRef>
+      <a:fillRef idx="0">
+        <a:scrgbClr r="0" g="0" b="0"/>
+      </a:fillRef>
+      <a:effectRef idx="0">
+        <a:scrgbClr r="0" g="0" b="0"/>
+      </a:effectRef>
+      <a:fontRef idx="minor"/>
+    </dgm:style>
+  </dgm:styleLbl>
+  <dgm:styleLbl name="parChTrans1D4">
+    <dgm:scene3d>
+      <a:camera prst="orthographicFront"/>
+      <a:lightRig rig="threePt" dir="t"/>
+    </dgm:scene3d>
+    <dgm:sp3d/>
+    <dgm:txPr/>
+    <dgm:style>
+      <a:lnRef idx="2">
+        <a:scrgbClr r="0" g="0" b="0"/>
+      </a:lnRef>
+      <a:fillRef idx="0">
+        <a:scrgbClr r="0" g="0" b="0"/>
+      </a:fillRef>
+      <a:effectRef idx="0">
+        <a:scrgbClr r="0" g="0" b="0"/>
+      </a:effectRef>
+      <a:fontRef idx="minor"/>
+    </dgm:style>
+  </dgm:styleLbl>
+  <dgm:styleLbl name="fgAcc1">
+    <dgm:scene3d>
+      <a:camera prst="orthographicFront"/>
+      <a:lightRig rig="threePt" dir="t"/>
+    </dgm:scene3d>
+    <dgm:sp3d/>
+    <dgm:txPr/>
+    <dgm:style>
+      <a:lnRef idx="2">
+        <a:scrgbClr r="0" g="0" b="0"/>
+      </a:lnRef>
+      <a:fillRef idx="1">
+        <a:scrgbClr r="0" g="0" b="0"/>
+      </a:fillRef>
+      <a:effectRef idx="0">
+        <a:scrgbClr r="0" g="0" b="0"/>
+      </a:effectRef>
+      <a:fontRef idx="minor"/>
+    </dgm:style>
+  </dgm:styleLbl>
+  <dgm:styleLbl name="conFgAcc1">
+    <dgm:scene3d>
+      <a:camera prst="orthographicFront"/>
+      <a:lightRig rig="threePt" dir="t"/>
+    </dgm:scene3d>
+    <dgm:sp3d/>
+    <dgm:txPr/>
+    <dgm:style>
+      <a:lnRef idx="2">
+        <a:scrgbClr r="0" g="0" b="0"/>
+      </a:lnRef>
+      <a:fillRef idx="1">
+        <a:scrgbClr r="0" g="0" b="0"/>
+      </a:fillRef>
+      <a:effectRef idx="0">
+        <a:scrgbClr r="0" g="0" b="0"/>
+      </a:effectRef>
+      <a:fontRef idx="minor"/>
+    </dgm:style>
+  </dgm:styleLbl>
+  <dgm:styleLbl name="alignAcc1">
+    <dgm:scene3d>
+      <a:camera prst="orthographicFront"/>
+      <a:lightRig rig="threePt" dir="t"/>
+    </dgm:scene3d>
+    <dgm:sp3d/>
+    <dgm:txPr/>
+    <dgm:style>
+      <a:lnRef idx="2">
+        <a:scrgbClr r="0" g="0" b="0"/>
+      </a:lnRef>
+      <a:fillRef idx="1">
+        <a:scrgbClr r="0" g="0" b="0"/>
+      </a:fillRef>
+      <a:effectRef idx="0">
+        <a:scrgbClr r="0" g="0" b="0"/>
+      </a:effectRef>
+      <a:fontRef idx="minor"/>
+    </dgm:style>
+  </dgm:styleLbl>
+  <dgm:styleLbl name="trAlignAcc1">
+    <dgm:scene3d>
+      <a:camera prst="orthographicFront"/>
+      <a:lightRig rig="threePt" dir="t"/>
+    </dgm:scene3d>
+    <dgm:sp3d/>
+    <dgm:txPr/>
+    <dgm:style>
+      <a:lnRef idx="1">
+        <a:scrgbClr r="0" g="0" b="0"/>
+      </a:lnRef>
+      <a:fillRef idx="1">
+        <a:scrgbClr r="0" g="0" b="0"/>
+      </a:fillRef>
+      <a:effectRef idx="0">
+        <a:scrgbClr r="0" g="0" b="0"/>
+      </a:effectRef>
+      <a:fontRef idx="minor"/>
+    </dgm:style>
+  </dgm:styleLbl>
+  <dgm:styleLbl name="bgAcc1">
+    <dgm:scene3d>
+      <a:camera prst="orthographicFront"/>
+      <a:lightRig rig="threePt" dir="t"/>
+    </dgm:scene3d>
+    <dgm:sp3d/>
+    <dgm:txPr/>
+    <dgm:style>
+      <a:lnRef idx="2">
+        <a:scrgbClr r="0" g="0" b="0"/>
+      </a:lnRef>
+      <a:fillRef idx="1">
+        <a:scrgbClr r="0" g="0" b="0"/>
+      </a:fillRef>
+      <a:effectRef idx="0">
+        <a:scrgbClr r="0" g="0" b="0"/>
+      </a:effectRef>
+      <a:fontRef idx="minor"/>
+    </dgm:style>
+  </dgm:styleLbl>
+  <dgm:styleLbl name="solidFgAcc1">
+    <dgm:scene3d>
+      <a:camera prst="orthographicFront"/>
+      <a:lightRig rig="threePt" dir="t"/>
+    </dgm:scene3d>
+    <dgm:sp3d/>
+    <dgm:txPr/>
+    <dgm:style>
+      <a:lnRef idx="2">
+        <a:scrgbClr r="0" g="0" b="0"/>
+      </a:lnRef>
+      <a:fillRef idx="1">
+        <a:scrgbClr r="0" g="0" b="0"/>
+      </a:fillRef>
+      <a:effectRef idx="0">
+        <a:scrgbClr r="0" g="0" b="0"/>
+      </a:effectRef>
+      <a:fontRef idx="minor"/>
+    </dgm:style>
+  </dgm:styleLbl>
+  <dgm:styleLbl name="solidAlignAcc1">
+    <dgm:scene3d>
+      <a:camera prst="orthographicFront"/>
+      <a:lightRig rig="threePt" dir="t"/>
+    </dgm:scene3d>
+    <dgm:sp3d/>
+    <dgm:txPr/>
+    <dgm:style>
+      <a:lnRef idx="2">
+        <a:scrgbClr r="0" g="0" b="0"/>
+      </a:lnRef>
+      <a:fillRef idx="1">
+        <a:scrgbClr r="0" g="0" b="0"/>
+      </a:fillRef>
+      <a:effectRef idx="0">
+        <a:scrgbClr r="0" g="0" b="0"/>
+      </a:effectRef>
+      <a:fontRef idx="minor"/>
+    </dgm:style>
+  </dgm:styleLbl>
+  <dgm:styleLbl name="solidBgAcc1">
+    <dgm:scene3d>
+      <a:camera prst="orthographicFront"/>
+      <a:lightRig rig="threePt" dir="t"/>
+    </dgm:scene3d>
+    <dgm:sp3d/>
+    <dgm:txPr/>
+    <dgm:style>
+      <a:lnRef idx="2">
+        <a:scrgbClr r="0" g="0" b="0"/>
+      </a:lnRef>
+      <a:fillRef idx="1">
+        <a:scrgbClr r="0" g="0" b="0"/>
+      </a:fillRef>
+      <a:effectRef idx="0">
+        <a:scrgbClr r="0" g="0" b="0"/>
+      </a:effectRef>
+      <a:fontRef idx="minor"/>
+    </dgm:style>
+  </dgm:styleLbl>
+  <dgm:styleLbl name="fgAccFollowNode1">
+    <dgm:scene3d>
+      <a:camera prst="orthographicFront"/>
+      <a:lightRig rig="threePt" dir="t"/>
+    </dgm:scene3d>
+    <dgm:sp3d/>
+    <dgm:txPr/>
+    <dgm:style>
+      <a:lnRef idx="2">
+        <a:scrgbClr r="0" g="0" b="0"/>
+      </a:lnRef>
+      <a:fillRef idx="1">
+        <a:scrgbClr r="0" g="0" b="0"/>
+      </a:fillRef>
+      <a:effectRef idx="0">
+        <a:scrgbClr r="0" g="0" b="0"/>
+      </a:effectRef>
+      <a:fontRef idx="minor"/>
+    </dgm:style>
+  </dgm:styleLbl>
+  <dgm:styleLbl name="alignAccFollowNode1">
+    <dgm:scene3d>
+      <a:camera prst="orthographicFront"/>
+      <a:lightRig rig="threePt" dir="t"/>
+    </dgm:scene3d>
+    <dgm:sp3d/>
+    <dgm:txPr/>
+    <dgm:style>
+      <a:lnRef idx="2">
+        <a:scrgbClr r="0" g="0" b="0"/>
+      </a:lnRef>
+      <a:fillRef idx="1">
+        <a:scrgbClr r="0" g="0" b="0"/>
+      </a:fillRef>
+      <a:effectRef idx="0">
+        <a:scrgbClr r="0" g="0" b="0"/>
+      </a:effectRef>
+      <a:fontRef idx="minor"/>
+    </dgm:style>
+  </dgm:styleLbl>
+  <dgm:styleLbl name="bgAccFollowNode1">
+    <dgm:scene3d>
+      <a:camera prst="orthographicFront"/>
+      <a:lightRig rig="threePt" dir="t"/>
+    </dgm:scene3d>
+    <dgm:sp3d/>
+    <dgm:txPr/>
+    <dgm:style>
+      <a:lnRef idx="2">
+        <a:scrgbClr r="0" g="0" b="0"/>
+      </a:lnRef>
+      <a:fillRef idx="1">
+        <a:scrgbClr r="0" g="0" b="0"/>
+      </a:fillRef>
+      <a:effectRef idx="0">
+        <a:scrgbClr r="0" g="0" b="0"/>
+      </a:effectRef>
+      <a:fontRef idx="minor"/>
+    </dgm:style>
+  </dgm:styleLbl>
+  <dgm:styleLbl name="fgAcc0">
+    <dgm:scene3d>
+      <a:camera prst="orthographicFront"/>
+      <a:lightRig rig="threePt" dir="t"/>
+    </dgm:scene3d>
+    <dgm:sp3d/>
+    <dgm:txPr/>
+    <dgm:style>
+      <a:lnRef idx="2">
+        <a:scrgbClr r="0" g="0" b="0"/>
+      </a:lnRef>
+      <a:fillRef idx="1">
+        <a:scrgbClr r="0" g="0" b="0"/>
+      </a:fillRef>
+      <a:effectRef idx="0">
+        <a:scrgbClr r="0" g="0" b="0"/>
+      </a:effectRef>
+      <a:fontRef idx="minor"/>
+    </dgm:style>
+  </dgm:styleLbl>
+  <dgm:styleLbl name="fgAcc2">
+    <dgm:scene3d>
+      <a:camera prst="orthographicFront"/>
+      <a:lightRig rig="threePt" dir="t"/>
+    </dgm:scene3d>
+    <dgm:sp3d/>
+    <dgm:txPr/>
+    <dgm:style>
+      <a:lnRef idx="2">
+        <a:scrgbClr r="0" g="0" b="0"/>
+      </a:lnRef>
+      <a:fillRef idx="1">
+        <a:scrgbClr r="0" g="0" b="0"/>
+      </a:fillRef>
+      <a:effectRef idx="0">
+        <a:scrgbClr r="0" g="0" b="0"/>
+      </a:effectRef>
+      <a:fontRef idx="minor"/>
+    </dgm:style>
+  </dgm:styleLbl>
+  <dgm:styleLbl name="fgAcc3">
+    <dgm:scene3d>
+      <a:camera prst="orthographicFront"/>
+      <a:lightRig rig="threePt" dir="t"/>
+    </dgm:scene3d>
+    <dgm:sp3d/>
+    <dgm:txPr/>
+    <dgm:style>
+      <a:lnRef idx="2">
+        <a:scrgbClr r="0" g="0" b="0"/>
+      </a:lnRef>
+      <a:fillRef idx="1">
+        <a:scrgbClr r="0" g="0" b="0"/>
+      </a:fillRef>
+      <a:effectRef idx="0">
+        <a:scrgbClr r="0" g="0" b="0"/>
+      </a:effectRef>
+      <a:fontRef idx="minor"/>
+    </dgm:style>
+  </dgm:styleLbl>
+  <dgm:styleLbl name="fgAcc4">
+    <dgm:scene3d>
+      <a:camera prst="orthographicFront"/>
+      <a:lightRig rig="threePt" dir="t"/>
+    </dgm:scene3d>
+    <dgm:sp3d/>
+    <dgm:txPr/>
+    <dgm:style>
+      <a:lnRef idx="2">
+        <a:scrgbClr r="0" g="0" b="0"/>
+      </a:lnRef>
+      <a:fillRef idx="1">
+        <a:scrgbClr r="0" g="0" b="0"/>
+      </a:fillRef>
+      <a:effectRef idx="0">
+        <a:scrgbClr r="0" g="0" b="0"/>
+      </a:effectRef>
+      <a:fontRef idx="minor"/>
+    </dgm:style>
+  </dgm:styleLbl>
+  <dgm:styleLbl name="bgShp">
+    <dgm:scene3d>
+      <a:camera prst="orthographicFront"/>
+      <a:lightRig rig="threePt" dir="t"/>
+    </dgm:scene3d>
+    <dgm:sp3d/>
+    <dgm:txPr/>
+    <dgm:style>
+      <a:lnRef idx="0">
+        <a:scrgbClr r="0" g="0" b="0"/>
+      </a:lnRef>
+      <a:fillRef idx="1">
+        <a:scrgbClr r="0" g="0" b="0"/>
+      </a:fillRef>
+      <a:effectRef idx="0">
+        <a:scrgbClr r="0" g="0" b="0"/>
+      </a:effectRef>
+      <a:fontRef idx="minor"/>
+    </dgm:style>
+  </dgm:styleLbl>
+  <dgm:styleLbl name="dkBgShp">
+    <dgm:scene3d>
+      <a:camera prst="orthographicFront"/>
+      <a:lightRig rig="threePt" dir="t"/>
+    </dgm:scene3d>
+    <dgm:sp3d/>
+    <dgm:txPr/>
+    <dgm:style>
+      <a:lnRef idx="0">
+        <a:scrgbClr r="0" g="0" b="0"/>
+      </a:lnRef>
+      <a:fillRef idx="1">
+        <a:scrgbClr r="0" g="0" b="0"/>
+      </a:fillRef>
+      <a:effectRef idx="0">
+        <a:scrgbClr r="0" g="0" b="0"/>
+      </a:effectRef>
+      <a:fontRef idx="minor"/>
+    </dgm:style>
+  </dgm:styleLbl>
+  <dgm:styleLbl name="trBgShp">
+    <dgm:scene3d>
+      <a:camera prst="orthographicFront"/>
+      <a:lightRig rig="threePt" dir="t"/>
+    </dgm:scene3d>
+    <dgm:sp3d/>
+    <dgm:txPr/>
+    <dgm:style>
+      <a:lnRef idx="0">
+        <a:scrgbClr r="0" g="0" b="0"/>
+      </a:lnRef>
+      <a:fillRef idx="1">
+        <a:scrgbClr r="0" g="0" b="0"/>
+      </a:fillRef>
+      <a:effectRef idx="0">
+        <a:scrgbClr r="0" g="0" b="0"/>
+      </a:effectRef>
+      <a:fontRef idx="minor"/>
+    </dgm:style>
+  </dgm:styleLbl>
+  <dgm:styleLbl name="fgShp">
+    <dgm:scene3d>
+      <a:camera prst="orthographicFront"/>
+      <a:lightRig rig="threePt" dir="t"/>
+    </dgm:scene3d>
+    <dgm:sp3d/>
+    <dgm:txPr/>
+    <dgm:style>
+      <a:lnRef idx="2">
+        <a:scrgbClr r="0" g="0" b="0"/>
+      </a:lnRef>
+      <a:fillRef idx="1">
+        <a:scrgbClr r="0" g="0" b="0"/>
+      </a:fillRef>
+      <a:effectRef idx="0">
+        <a:scrgbClr r="0" g="0" b="0"/>
+      </a:effectRef>
+      <a:fontRef idx="minor"/>
+    </dgm:style>
+  </dgm:styleLbl>
+  <dgm:styleLbl name="revTx">
+    <dgm:scene3d>
+      <a:camera prst="orthographicFront"/>
+      <a:lightRig rig="threePt" dir="t"/>
+    </dgm:scene3d>
+    <dgm:sp3d/>
+    <dgm:txPr/>
+    <dgm:style>
+      <a:lnRef idx="0">
+        <a:scrgbClr r="0" g="0" b="0"/>
+      </a:lnRef>
+      <a:fillRef idx="0">
+        <a:scrgbClr r="0" g="0" b="0"/>
+      </a:fillRef>
+      <a:effectRef idx="0">
+        <a:scrgbClr r="0" g="0" b="0"/>
+      </a:effectRef>
+      <a:fontRef idx="minor"/>
+    </dgm:style>
+  </dgm:styleLbl>
+</dgm:styleDef>
+</file>
+
+<file path=ppt/diagrams/quickStyle3.xml><?xml version="1.0" encoding="utf-8"?>
 <dgm:styleDef xmlns:dgm="http://schemas.openxmlformats.org/drawingml/2006/diagram" xmlns:a="http://schemas.openxmlformats.org/drawingml/2006/main" uniqueId="urn:microsoft.com/office/officeart/2005/8/quickstyle/simple1">
   <dgm:title val=""/>
   <dgm:desc val=""/>
@@ -3342,7 +9608,7 @@
           <a:p>
             <a:fld id="{50BB2777-1482-C344-B933-FD5F068DD379}" type="datetimeFigureOut">
               <a:rPr lang="en-US" smtClean="0"/>
-              <a:t>8/13/20</a:t>
+              <a:t>8/15/20</a:t>
             </a:fld>
             <a:endParaRPr lang="en-US"/>
           </a:p>
@@ -3861,6 +10127,197 @@
 </p:notes>
 </file>
 
+<file path=ppt/notesSlides/notesSlide4.xml><?xml version="1.0" encoding="utf-8"?>
+<p:notes xmlns:a="http://schemas.openxmlformats.org/drawingml/2006/main" xmlns:r="http://schemas.openxmlformats.org/officeDocument/2006/relationships" xmlns:p="http://schemas.openxmlformats.org/presentationml/2006/main">
+  <p:cSld>
+    <p:spTree>
+      <p:nvGrpSpPr>
+        <p:cNvPr id="1" name=""/>
+        <p:cNvGrpSpPr/>
+        <p:nvPr/>
+      </p:nvGrpSpPr>
+      <p:grpSpPr>
+        <a:xfrm>
+          <a:off x="0" y="0"/>
+          <a:ext cx="0" cy="0"/>
+          <a:chOff x="0" y="0"/>
+          <a:chExt cx="0" cy="0"/>
+        </a:xfrm>
+      </p:grpSpPr>
+      <p:sp>
+        <p:nvSpPr>
+          <p:cNvPr id="2" name="Slide Image Placeholder 1"/>
+          <p:cNvSpPr>
+            <a:spLocks noGrp="1" noRot="1" noChangeAspect="1"/>
+          </p:cNvSpPr>
+          <p:nvPr>
+            <p:ph type="sldImg"/>
+          </p:nvPr>
+        </p:nvSpPr>
+        <p:spPr/>
+      </p:sp>
+      <p:sp>
+        <p:nvSpPr>
+          <p:cNvPr id="3" name="Notes Placeholder 2"/>
+          <p:cNvSpPr>
+            <a:spLocks noGrp="1"/>
+          </p:cNvSpPr>
+          <p:nvPr>
+            <p:ph type="body" idx="1"/>
+          </p:nvPr>
+        </p:nvSpPr>
+        <p:spPr/>
+        <p:txBody>
+          <a:bodyPr/>
+          <a:lstStyle/>
+          <a:p>
+            <a:endParaRPr lang="en-US" dirty="0"/>
+          </a:p>
+        </p:txBody>
+      </p:sp>
+      <p:sp>
+        <p:nvSpPr>
+          <p:cNvPr id="4" name="Slide Number Placeholder 3"/>
+          <p:cNvSpPr>
+            <a:spLocks noGrp="1"/>
+          </p:cNvSpPr>
+          <p:nvPr>
+            <p:ph type="sldNum" sz="quarter" idx="5"/>
+          </p:nvPr>
+        </p:nvSpPr>
+        <p:spPr/>
+        <p:txBody>
+          <a:bodyPr/>
+          <a:lstStyle/>
+          <a:p>
+            <a:fld id="{91AA38ED-6E11-A042-BD50-887A2F32D715}" type="slidenum">
+              <a:rPr lang="en-US" smtClean="0"/>
+              <a:t>7</a:t>
+            </a:fld>
+            <a:endParaRPr lang="en-US"/>
+          </a:p>
+        </p:txBody>
+      </p:sp>
+    </p:spTree>
+    <p:extLst>
+      <p:ext uri="{BB962C8B-B14F-4D97-AF65-F5344CB8AC3E}">
+        <p14:creationId xmlns:p14="http://schemas.microsoft.com/office/powerpoint/2010/main" val="950233304"/>
+      </p:ext>
+    </p:extLst>
+  </p:cSld>
+  <p:clrMapOvr>
+    <a:masterClrMapping/>
+  </p:clrMapOvr>
+</p:notes>
+</file>
+
+<file path=ppt/notesSlides/notesSlide5.xml><?xml version="1.0" encoding="utf-8"?>
+<p:notes xmlns:a="http://schemas.openxmlformats.org/drawingml/2006/main" xmlns:r="http://schemas.openxmlformats.org/officeDocument/2006/relationships" xmlns:p="http://schemas.openxmlformats.org/presentationml/2006/main">
+  <p:cSld>
+    <p:spTree>
+      <p:nvGrpSpPr>
+        <p:cNvPr id="1" name=""/>
+        <p:cNvGrpSpPr/>
+        <p:nvPr/>
+      </p:nvGrpSpPr>
+      <p:grpSpPr>
+        <a:xfrm>
+          <a:off x="0" y="0"/>
+          <a:ext cx="0" cy="0"/>
+          <a:chOff x="0" y="0"/>
+          <a:chExt cx="0" cy="0"/>
+        </a:xfrm>
+      </p:grpSpPr>
+      <p:sp>
+        <p:nvSpPr>
+          <p:cNvPr id="2" name="Slide Image Placeholder 1"/>
+          <p:cNvSpPr>
+            <a:spLocks noGrp="1" noRot="1" noChangeAspect="1"/>
+          </p:cNvSpPr>
+          <p:nvPr>
+            <p:ph type="sldImg"/>
+          </p:nvPr>
+        </p:nvSpPr>
+        <p:spPr/>
+      </p:sp>
+      <p:sp>
+        <p:nvSpPr>
+          <p:cNvPr id="3" name="Notes Placeholder 2"/>
+          <p:cNvSpPr>
+            <a:spLocks noGrp="1"/>
+          </p:cNvSpPr>
+          <p:nvPr>
+            <p:ph type="body" idx="1"/>
+          </p:nvPr>
+        </p:nvSpPr>
+        <p:spPr/>
+        <p:txBody>
+          <a:bodyPr/>
+          <a:lstStyle/>
+          <a:p>
+            <a:r>
+              <a:rPr lang="en-US" dirty="0">
+                <a:solidFill>
+                  <a:srgbClr val="FFC000"/>
+                </a:solidFill>
+              </a:rPr>
+              <a:t>WHAT </a:t>
+            </a:r>
+            <a:r>
+              <a:rPr lang="en-US" dirty="0" err="1">
+                <a:solidFill>
+                  <a:srgbClr val="FFC000"/>
+                </a:solidFill>
+              </a:rPr>
+              <a:t>kIND</a:t>
+            </a:r>
+            <a:r>
+              <a:rPr lang="en-US" dirty="0">
+                <a:solidFill>
+                  <a:srgbClr val="FFC000"/>
+                </a:solidFill>
+              </a:rPr>
+              <a:t> OF Proton PUMP MORE DETAILS</a:t>
+            </a:r>
+          </a:p>
+        </p:txBody>
+      </p:sp>
+      <p:sp>
+        <p:nvSpPr>
+          <p:cNvPr id="4" name="Slide Number Placeholder 3"/>
+          <p:cNvSpPr>
+            <a:spLocks noGrp="1"/>
+          </p:cNvSpPr>
+          <p:nvPr>
+            <p:ph type="sldNum" sz="quarter" idx="5"/>
+          </p:nvPr>
+        </p:nvSpPr>
+        <p:spPr/>
+        <p:txBody>
+          <a:bodyPr/>
+          <a:lstStyle/>
+          <a:p>
+            <a:fld id="{91AA38ED-6E11-A042-BD50-887A2F32D715}" type="slidenum">
+              <a:rPr lang="en-US" smtClean="0"/>
+              <a:t>8</a:t>
+            </a:fld>
+            <a:endParaRPr lang="en-US"/>
+          </a:p>
+        </p:txBody>
+      </p:sp>
+    </p:spTree>
+    <p:extLst>
+      <p:ext uri="{BB962C8B-B14F-4D97-AF65-F5344CB8AC3E}">
+        <p14:creationId xmlns:p14="http://schemas.microsoft.com/office/powerpoint/2010/main" val="1276300378"/>
+      </p:ext>
+    </p:extLst>
+  </p:cSld>
+  <p:clrMapOvr>
+    <a:masterClrMapping/>
+  </p:clrMapOvr>
+</p:notes>
+</file>
+
 <file path=ppt/slideLayouts/slideLayout1.xml><?xml version="1.0" encoding="utf-8"?>
 <p:sldLayout xmlns:a="http://schemas.openxmlformats.org/drawingml/2006/main" xmlns:r="http://schemas.openxmlformats.org/officeDocument/2006/relationships" xmlns:p="http://schemas.openxmlformats.org/presentationml/2006/main" type="title" preserve="1">
   <p:cSld name="Title Slide">
@@ -4009,7 +10466,7 @@
           <a:p>
             <a:fld id="{3B3400CD-7287-EA41-97B8-6C373A830532}" type="datetimeFigureOut">
               <a:rPr lang="en-US" smtClean="0"/>
-              <a:t>8/13/20</a:t>
+              <a:t>8/15/20</a:t>
             </a:fld>
             <a:endParaRPr lang="en-US"/>
           </a:p>
@@ -4207,7 +10664,7 @@
           <a:p>
             <a:fld id="{3B3400CD-7287-EA41-97B8-6C373A830532}" type="datetimeFigureOut">
               <a:rPr lang="en-US" smtClean="0"/>
-              <a:t>8/13/20</a:t>
+              <a:t>8/15/20</a:t>
             </a:fld>
             <a:endParaRPr lang="en-US"/>
           </a:p>
@@ -4415,7 +10872,7 @@
           <a:p>
             <a:fld id="{3B3400CD-7287-EA41-97B8-6C373A830532}" type="datetimeFigureOut">
               <a:rPr lang="en-US" smtClean="0"/>
-              <a:t>8/13/20</a:t>
+              <a:t>8/15/20</a:t>
             </a:fld>
             <a:endParaRPr lang="en-US"/>
           </a:p>
@@ -4615,7 +11072,7 @@
           <a:p>
             <a:fld id="{3B3400CD-7287-EA41-97B8-6C373A830532}" type="datetimeFigureOut">
               <a:rPr lang="en-US" smtClean="0"/>
-              <a:t>8/13/20</a:t>
+              <a:t>8/15/20</a:t>
             </a:fld>
             <a:endParaRPr lang="en-US"/>
           </a:p>
@@ -4890,7 +11347,7 @@
           <a:p>
             <a:fld id="{3B3400CD-7287-EA41-97B8-6C373A830532}" type="datetimeFigureOut">
               <a:rPr lang="en-US" smtClean="0"/>
-              <a:t>8/13/20</a:t>
+              <a:t>8/15/20</a:t>
             </a:fld>
             <a:endParaRPr lang="en-US"/>
           </a:p>
@@ -5155,7 +11612,7 @@
           <a:p>
             <a:fld id="{3B3400CD-7287-EA41-97B8-6C373A830532}" type="datetimeFigureOut">
               <a:rPr lang="en-US" smtClean="0"/>
-              <a:t>8/13/20</a:t>
+              <a:t>8/15/20</a:t>
             </a:fld>
             <a:endParaRPr lang="en-US"/>
           </a:p>
@@ -5567,7 +12024,7 @@
           <a:p>
             <a:fld id="{3B3400CD-7287-EA41-97B8-6C373A830532}" type="datetimeFigureOut">
               <a:rPr lang="en-US" smtClean="0"/>
-              <a:t>8/13/20</a:t>
+              <a:t>8/15/20</a:t>
             </a:fld>
             <a:endParaRPr lang="en-US"/>
           </a:p>
@@ -5708,7 +12165,7 @@
           <a:p>
             <a:fld id="{3B3400CD-7287-EA41-97B8-6C373A830532}" type="datetimeFigureOut">
               <a:rPr lang="en-US" smtClean="0"/>
-              <a:t>8/13/20</a:t>
+              <a:t>8/15/20</a:t>
             </a:fld>
             <a:endParaRPr lang="en-US"/>
           </a:p>
@@ -5821,7 +12278,7 @@
           <a:p>
             <a:fld id="{3B3400CD-7287-EA41-97B8-6C373A830532}" type="datetimeFigureOut">
               <a:rPr lang="en-US" smtClean="0"/>
-              <a:t>8/13/20</a:t>
+              <a:t>8/15/20</a:t>
             </a:fld>
             <a:endParaRPr lang="en-US"/>
           </a:p>
@@ -6132,7 +12589,7 @@
           <a:p>
             <a:fld id="{3B3400CD-7287-EA41-97B8-6C373A830532}" type="datetimeFigureOut">
               <a:rPr lang="en-US" smtClean="0"/>
-              <a:t>8/13/20</a:t>
+              <a:t>8/15/20</a:t>
             </a:fld>
             <a:endParaRPr lang="en-US"/>
           </a:p>
@@ -6423,7 +12880,7 @@
           <a:p>
             <a:fld id="{3B3400CD-7287-EA41-97B8-6C373A830532}" type="datetimeFigureOut">
               <a:rPr lang="en-US" smtClean="0"/>
-              <a:t>8/13/20</a:t>
+              <a:t>8/15/20</a:t>
             </a:fld>
             <a:endParaRPr lang="en-US"/>
           </a:p>
@@ -6666,7 +13123,7 @@
           <a:p>
             <a:fld id="{3B3400CD-7287-EA41-97B8-6C373A830532}" type="datetimeFigureOut">
               <a:rPr lang="en-US" smtClean="0"/>
-              <a:t>8/13/20</a:t>
+              <a:t>8/15/20</a:t>
             </a:fld>
             <a:endParaRPr lang="en-US"/>
           </a:p>
@@ -7209,6 +13666,353 @@
           <p:cNvPr id="2" name="Title 1">
             <a:extLst>
               <a:ext uri="{FF2B5EF4-FFF2-40B4-BE49-F238E27FC236}">
+                <a16:creationId xmlns:a16="http://schemas.microsoft.com/office/drawing/2014/main" id="{67EBB13D-F318-2D45-8903-9A64BE87D8B5}"/>
+              </a:ext>
+            </a:extLst>
+          </p:cNvPr>
+          <p:cNvSpPr>
+            <a:spLocks noGrp="1"/>
+          </p:cNvSpPr>
+          <p:nvPr>
+            <p:ph type="title"/>
+          </p:nvPr>
+        </p:nvSpPr>
+        <p:spPr>
+          <a:xfrm>
+            <a:off x="83127" y="28680"/>
+            <a:ext cx="10515600" cy="1325563"/>
+          </a:xfrm>
+        </p:spPr>
+        <p:txBody>
+          <a:bodyPr>
+            <a:normAutofit/>
+          </a:bodyPr>
+          <a:lstStyle/>
+          <a:p>
+            <a:r>
+              <a:rPr lang="en-US" sz="2800" dirty="0"/>
+              <a:t>ATP synthase simulations show that proton pump can extend ATP lifetime</a:t>
+            </a:r>
+          </a:p>
+        </p:txBody>
+      </p:sp>
+      <p:pic>
+        <p:nvPicPr>
+          <p:cNvPr id="4" name="Picture 3" descr="A picture containing drawing&#10;&#10;Description automatically generated">
+            <a:extLst>
+              <a:ext uri="{FF2B5EF4-FFF2-40B4-BE49-F238E27FC236}">
+                <a16:creationId xmlns:a16="http://schemas.microsoft.com/office/drawing/2014/main" id="{5F56DD81-1A49-944A-AD76-D34880058FE4}"/>
+              </a:ext>
+            </a:extLst>
+          </p:cNvPr>
+          <p:cNvPicPr>
+            <a:picLocks noChangeAspect="1"/>
+          </p:cNvPicPr>
+          <p:nvPr/>
+        </p:nvPicPr>
+        <p:blipFill>
+          <a:blip r:embed="rId2"/>
+          <a:stretch>
+            <a:fillRect/>
+          </a:stretch>
+        </p:blipFill>
+        <p:spPr>
+          <a:xfrm>
+            <a:off x="11117119" y="6514803"/>
+            <a:ext cx="1074881" cy="343197"/>
+          </a:xfrm>
+          <a:prstGeom prst="rect">
+            <a:avLst/>
+          </a:prstGeom>
+        </p:spPr>
+      </p:pic>
+      <p:sp>
+        <p:nvSpPr>
+          <p:cNvPr id="5" name="TextBox 4">
+            <a:extLst>
+              <a:ext uri="{FF2B5EF4-FFF2-40B4-BE49-F238E27FC236}">
+                <a16:creationId xmlns:a16="http://schemas.microsoft.com/office/drawing/2014/main" id="{0DED74B9-F061-784D-9B1A-5CC2E34A248C}"/>
+              </a:ext>
+            </a:extLst>
+          </p:cNvPr>
+          <p:cNvSpPr txBox="1"/>
+          <p:nvPr/>
+        </p:nvSpPr>
+        <p:spPr>
+          <a:xfrm>
+            <a:off x="8963152" y="6596390"/>
+            <a:ext cx="2222083" cy="261610"/>
+          </a:xfrm>
+          <a:prstGeom prst="rect">
+            <a:avLst/>
+          </a:prstGeom>
+          <a:noFill/>
+        </p:spPr>
+        <p:txBody>
+          <a:bodyPr wrap="none" rtlCol="0">
+            <a:spAutoFit/>
+          </a:bodyPr>
+          <a:lstStyle/>
+          <a:p>
+            <a:r>
+              <a:rPr lang="en-US" sz="1100" dirty="0">
+                <a:latin typeface="Avenir Book" panose="02000503020000020003" pitchFamily="2" charset="0"/>
+              </a:rPr>
+              <a:t>Ankita Roychoudhury 8.17.2020</a:t>
+            </a:r>
+          </a:p>
+        </p:txBody>
+      </p:sp>
+      <p:pic>
+        <p:nvPicPr>
+          <p:cNvPr id="8" name="Picture 7" descr="A close up of a map&#10;&#10;Description automatically generated">
+            <a:extLst>
+              <a:ext uri="{FF2B5EF4-FFF2-40B4-BE49-F238E27FC236}">
+                <a16:creationId xmlns:a16="http://schemas.microsoft.com/office/drawing/2014/main" id="{0C239E11-A296-F141-B74D-BDEBDE444D52}"/>
+              </a:ext>
+            </a:extLst>
+          </p:cNvPr>
+          <p:cNvPicPr>
+            <a:picLocks noChangeAspect="1"/>
+          </p:cNvPicPr>
+          <p:nvPr/>
+        </p:nvPicPr>
+        <p:blipFill>
+          <a:blip r:embed="rId3"/>
+          <a:stretch>
+            <a:fillRect/>
+          </a:stretch>
+        </p:blipFill>
+        <p:spPr>
+          <a:xfrm>
+            <a:off x="877535" y="1600200"/>
+            <a:ext cx="4702629" cy="3657600"/>
+          </a:xfrm>
+          <a:prstGeom prst="rect">
+            <a:avLst/>
+          </a:prstGeom>
+        </p:spPr>
+      </p:pic>
+      <p:pic>
+        <p:nvPicPr>
+          <p:cNvPr id="10" name="Picture 9" descr="A close up of a map&#10;&#10;Description automatically generated">
+            <a:extLst>
+              <a:ext uri="{FF2B5EF4-FFF2-40B4-BE49-F238E27FC236}">
+                <a16:creationId xmlns:a16="http://schemas.microsoft.com/office/drawing/2014/main" id="{B57ABA35-8C75-814F-ADE5-BCDF8B391B76}"/>
+              </a:ext>
+            </a:extLst>
+          </p:cNvPr>
+          <p:cNvPicPr>
+            <a:picLocks noChangeAspect="1"/>
+          </p:cNvPicPr>
+          <p:nvPr/>
+        </p:nvPicPr>
+        <p:blipFill>
+          <a:blip r:embed="rId4"/>
+          <a:stretch>
+            <a:fillRect/>
+          </a:stretch>
+        </p:blipFill>
+        <p:spPr>
+          <a:xfrm>
+            <a:off x="6260145" y="1600200"/>
+            <a:ext cx="4702629" cy="3657600"/>
+          </a:xfrm>
+          <a:prstGeom prst="rect">
+            <a:avLst/>
+          </a:prstGeom>
+        </p:spPr>
+      </p:pic>
+    </p:spTree>
+    <p:extLst>
+      <p:ext uri="{BB962C8B-B14F-4D97-AF65-F5344CB8AC3E}">
+        <p14:creationId xmlns:p14="http://schemas.microsoft.com/office/powerpoint/2010/main" val="2597895945"/>
+      </p:ext>
+    </p:extLst>
+  </p:cSld>
+  <p:clrMapOvr>
+    <a:masterClrMapping/>
+  </p:clrMapOvr>
+</p:sld>
+</file>
+
+<file path=ppt/slides/slide11.xml><?xml version="1.0" encoding="utf-8"?>
+<p:sld xmlns:a="http://schemas.openxmlformats.org/drawingml/2006/main" xmlns:r="http://schemas.openxmlformats.org/officeDocument/2006/relationships" xmlns:p="http://schemas.openxmlformats.org/presentationml/2006/main">
+  <p:cSld>
+    <p:spTree>
+      <p:nvGrpSpPr>
+        <p:cNvPr id="1" name=""/>
+        <p:cNvGrpSpPr/>
+        <p:nvPr/>
+      </p:nvGrpSpPr>
+      <p:grpSpPr>
+        <a:xfrm>
+          <a:off x="0" y="0"/>
+          <a:ext cx="0" cy="0"/>
+          <a:chOff x="0" y="0"/>
+          <a:chExt cx="0" cy="0"/>
+        </a:xfrm>
+      </p:grpSpPr>
+      <p:sp>
+        <p:nvSpPr>
+          <p:cNvPr id="2" name="Title 1">
+            <a:extLst>
+              <a:ext uri="{FF2B5EF4-FFF2-40B4-BE49-F238E27FC236}">
+                <a16:creationId xmlns:a16="http://schemas.microsoft.com/office/drawing/2014/main" id="{2A5E8054-14EE-4249-ABDC-4BF90931D4AA}"/>
+              </a:ext>
+            </a:extLst>
+          </p:cNvPr>
+          <p:cNvSpPr>
+            <a:spLocks noGrp="1"/>
+          </p:cNvSpPr>
+          <p:nvPr>
+            <p:ph type="title"/>
+          </p:nvPr>
+        </p:nvSpPr>
+        <p:spPr/>
+        <p:txBody>
+          <a:bodyPr/>
+          <a:lstStyle/>
+          <a:p>
+            <a:r>
+              <a:rPr lang="en-US" dirty="0"/>
+              <a:t>ATP Synthase with </a:t>
+            </a:r>
+            <a:r>
+              <a:rPr lang="en-US" dirty="0" err="1"/>
+              <a:t>Ayush</a:t>
+            </a:r>
+            <a:endParaRPr lang="en-US" dirty="0"/>
+          </a:p>
+        </p:txBody>
+      </p:sp>
+      <p:sp>
+        <p:nvSpPr>
+          <p:cNvPr id="3" name="Content Placeholder 2">
+            <a:extLst>
+              <a:ext uri="{FF2B5EF4-FFF2-40B4-BE49-F238E27FC236}">
+                <a16:creationId xmlns:a16="http://schemas.microsoft.com/office/drawing/2014/main" id="{16B93FFC-44AD-DD45-8447-9FF2C89B2FC8}"/>
+              </a:ext>
+            </a:extLst>
+          </p:cNvPr>
+          <p:cNvSpPr>
+            <a:spLocks noGrp="1"/>
+          </p:cNvSpPr>
+          <p:nvPr>
+            <p:ph idx="1"/>
+          </p:nvPr>
+        </p:nvSpPr>
+        <p:spPr/>
+        <p:txBody>
+          <a:bodyPr/>
+          <a:lstStyle/>
+          <a:p>
+            <a:endParaRPr lang="en-US"/>
+          </a:p>
+        </p:txBody>
+      </p:sp>
+      <p:pic>
+        <p:nvPicPr>
+          <p:cNvPr id="4" name="Picture 3" descr="A picture containing drawing&#10;&#10;Description automatically generated">
+            <a:extLst>
+              <a:ext uri="{FF2B5EF4-FFF2-40B4-BE49-F238E27FC236}">
+                <a16:creationId xmlns:a16="http://schemas.microsoft.com/office/drawing/2014/main" id="{1F180694-CA3A-5E46-A5B0-61484D753165}"/>
+              </a:ext>
+            </a:extLst>
+          </p:cNvPr>
+          <p:cNvPicPr>
+            <a:picLocks noChangeAspect="1"/>
+          </p:cNvPicPr>
+          <p:nvPr/>
+        </p:nvPicPr>
+        <p:blipFill>
+          <a:blip r:embed="rId2"/>
+          <a:stretch>
+            <a:fillRect/>
+          </a:stretch>
+        </p:blipFill>
+        <p:spPr>
+          <a:xfrm>
+            <a:off x="11117119" y="6514803"/>
+            <a:ext cx="1074881" cy="343197"/>
+          </a:xfrm>
+          <a:prstGeom prst="rect">
+            <a:avLst/>
+          </a:prstGeom>
+        </p:spPr>
+      </p:pic>
+      <p:sp>
+        <p:nvSpPr>
+          <p:cNvPr id="5" name="TextBox 4">
+            <a:extLst>
+              <a:ext uri="{FF2B5EF4-FFF2-40B4-BE49-F238E27FC236}">
+                <a16:creationId xmlns:a16="http://schemas.microsoft.com/office/drawing/2014/main" id="{F383125C-F600-7A49-B52F-EB67A9138FED}"/>
+              </a:ext>
+            </a:extLst>
+          </p:cNvPr>
+          <p:cNvSpPr txBox="1"/>
+          <p:nvPr/>
+        </p:nvSpPr>
+        <p:spPr>
+          <a:xfrm>
+            <a:off x="8963152" y="6596390"/>
+            <a:ext cx="2222083" cy="261610"/>
+          </a:xfrm>
+          <a:prstGeom prst="rect">
+            <a:avLst/>
+          </a:prstGeom>
+          <a:noFill/>
+        </p:spPr>
+        <p:txBody>
+          <a:bodyPr wrap="none" rtlCol="0">
+            <a:spAutoFit/>
+          </a:bodyPr>
+          <a:lstStyle/>
+          <a:p>
+            <a:r>
+              <a:rPr lang="en-US" sz="1100" dirty="0">
+                <a:latin typeface="Avenir Book" panose="02000503020000020003" pitchFamily="2" charset="0"/>
+              </a:rPr>
+              <a:t>Ankita Roychoudhury 8.17.2020</a:t>
+            </a:r>
+          </a:p>
+        </p:txBody>
+      </p:sp>
+    </p:spTree>
+    <p:extLst>
+      <p:ext uri="{BB962C8B-B14F-4D97-AF65-F5344CB8AC3E}">
+        <p14:creationId xmlns:p14="http://schemas.microsoft.com/office/powerpoint/2010/main" val="1257779323"/>
+      </p:ext>
+    </p:extLst>
+  </p:cSld>
+  <p:clrMapOvr>
+    <a:masterClrMapping/>
+  </p:clrMapOvr>
+</p:sld>
+</file>
+
+<file path=ppt/slides/slide12.xml><?xml version="1.0" encoding="utf-8"?>
+<p:sld xmlns:a="http://schemas.openxmlformats.org/drawingml/2006/main" xmlns:r="http://schemas.openxmlformats.org/officeDocument/2006/relationships" xmlns:p="http://schemas.openxmlformats.org/presentationml/2006/main">
+  <p:cSld>
+    <p:spTree>
+      <p:nvGrpSpPr>
+        <p:cNvPr id="1" name=""/>
+        <p:cNvGrpSpPr/>
+        <p:nvPr/>
+      </p:nvGrpSpPr>
+      <p:grpSpPr>
+        <a:xfrm>
+          <a:off x="0" y="0"/>
+          <a:ext cx="0" cy="0"/>
+          <a:chOff x="0" y="0"/>
+          <a:chExt cx="0" cy="0"/>
+        </a:xfrm>
+      </p:grpSpPr>
+      <p:sp>
+        <p:nvSpPr>
+          <p:cNvPr id="2" name="Title 1">
+            <a:extLst>
+              <a:ext uri="{FF2B5EF4-FFF2-40B4-BE49-F238E27FC236}">
                 <a16:creationId xmlns:a16="http://schemas.microsoft.com/office/drawing/2014/main" id="{59FF4BA4-7225-F24B-A030-318746A71AC4}"/>
               </a:ext>
             </a:extLst>
@@ -7342,7 +14146,7 @@
 </p:sld>
 </file>
 
-<file path=ppt/slides/slide11.xml><?xml version="1.0" encoding="utf-8"?>
+<file path=ppt/slides/slide13.xml><?xml version="1.0" encoding="utf-8"?>
 <p:sld xmlns:a="http://schemas.openxmlformats.org/drawingml/2006/main" xmlns:r="http://schemas.openxmlformats.org/officeDocument/2006/relationships" xmlns:p="http://schemas.openxmlformats.org/presentationml/2006/main">
   <p:cSld>
     <p:spTree>
@@ -7382,7 +14186,7 @@
           <a:p>
             <a:r>
               <a:rPr lang="en-US" dirty="0"/>
-              <a:t>Obstacles &amp; Future Directions</a:t>
+              <a:t>Future Directions</a:t>
             </a:r>
           </a:p>
         </p:txBody>
@@ -7410,8 +14214,17 @@
           <a:p>
             <a:r>
               <a:rPr lang="en-US" dirty="0"/>
-              <a:t>Include reverse direction in model</a:t>
+              <a:t>Include reverse ATP Synthase direction in model</a:t>
             </a:r>
+          </a:p>
+          <a:p>
+            <a:r>
+              <a:rPr lang="en-US" dirty="0"/>
+              <a:t>Identify issue with protein concentration for combined model</a:t>
+            </a:r>
+          </a:p>
+          <a:p>
+            <a:endParaRPr lang="en-US" dirty="0"/>
           </a:p>
         </p:txBody>
       </p:sp>
@@ -7495,7 +14308,7 @@
 </p:sld>
 </file>
 
-<file path=ppt/slides/slide12.xml><?xml version="1.0" encoding="utf-8"?>
+<file path=ppt/slides/slide14.xml><?xml version="1.0" encoding="utf-8"?>
 <p:sld xmlns:a="http://schemas.openxmlformats.org/drawingml/2006/main" xmlns:r="http://schemas.openxmlformats.org/officeDocument/2006/relationships" xmlns:p="http://schemas.openxmlformats.org/presentationml/2006/main">
   <p:cSld>
     <p:spTree>
@@ -7579,7 +14392,7 @@
 </p:sld>
 </file>
 
-<file path=ppt/slides/slide13.xml><?xml version="1.0" encoding="utf-8"?>
+<file path=ppt/slides/slide15.xml><?xml version="1.0" encoding="utf-8"?>
 <p:sld xmlns:a="http://schemas.openxmlformats.org/drawingml/2006/main" xmlns:r="http://schemas.openxmlformats.org/officeDocument/2006/relationships" xmlns:p="http://schemas.openxmlformats.org/presentationml/2006/main">
   <p:cSld>
     <p:spTree>
@@ -7729,7 +14542,7 @@
 </p:sld>
 </file>
 
-<file path=ppt/slides/slide14.xml><?xml version="1.0" encoding="utf-8"?>
+<file path=ppt/slides/slide16.xml><?xml version="1.0" encoding="utf-8"?>
 <p:sld xmlns:a="http://schemas.openxmlformats.org/drawingml/2006/main" xmlns:r="http://schemas.openxmlformats.org/officeDocument/2006/relationships" xmlns:p="http://schemas.openxmlformats.org/presentationml/2006/main">
   <p:cSld>
     <p:spTree>
@@ -11405,7 +18218,7 @@
         </p:nvSpPr>
         <p:spPr>
           <a:xfrm>
-            <a:off x="1330036" y="1690688"/>
+            <a:off x="425758" y="1332636"/>
             <a:ext cx="1943100" cy="1073294"/>
           </a:xfrm>
           <a:prstGeom prst="roundRect">
@@ -11465,7 +18278,7 @@
         </p:nvSpPr>
         <p:spPr>
           <a:xfrm>
-            <a:off x="3764972" y="1690688"/>
+            <a:off x="2860694" y="1332636"/>
             <a:ext cx="1943100" cy="1073294"/>
           </a:xfrm>
           <a:prstGeom prst="roundRect">
@@ -11525,7 +18338,7 @@
         </p:nvSpPr>
         <p:spPr>
           <a:xfrm>
-            <a:off x="6199908" y="1690688"/>
+            <a:off x="5295630" y="1332636"/>
             <a:ext cx="1943100" cy="1073294"/>
           </a:xfrm>
           <a:prstGeom prst="roundRect">
@@ -11585,7 +18398,7 @@
         </p:nvSpPr>
         <p:spPr>
           <a:xfrm>
-            <a:off x="1330036" y="3121170"/>
+            <a:off x="425758" y="2773781"/>
             <a:ext cx="1943100" cy="1073294"/>
           </a:xfrm>
           <a:prstGeom prst="roundRect">
@@ -11645,7 +18458,7 @@
         </p:nvSpPr>
         <p:spPr>
           <a:xfrm>
-            <a:off x="3764972" y="3121170"/>
+            <a:off x="2860694" y="2773781"/>
             <a:ext cx="1943100" cy="1073294"/>
           </a:xfrm>
           <a:prstGeom prst="roundRect">
@@ -11705,7 +18518,7 @@
         </p:nvSpPr>
         <p:spPr>
           <a:xfrm>
-            <a:off x="6199908" y="3121170"/>
+            <a:off x="5295630" y="2773781"/>
             <a:ext cx="1943100" cy="1073294"/>
           </a:xfrm>
           <a:prstGeom prst="roundRect">
@@ -11765,7 +18578,7 @@
         </p:nvSpPr>
         <p:spPr>
           <a:xfrm>
-            <a:off x="1330036" y="4551652"/>
+            <a:off x="425758" y="4218415"/>
             <a:ext cx="1943100" cy="1073294"/>
           </a:xfrm>
           <a:prstGeom prst="roundRect">
@@ -11829,7 +18642,7 @@
         </p:nvCxnSpPr>
         <p:spPr>
           <a:xfrm>
-            <a:off x="3273136" y="2227335"/>
+            <a:off x="2368858" y="1869283"/>
             <a:ext cx="491836" cy="0"/>
           </a:xfrm>
           <a:prstGeom prst="line">
@@ -11869,7 +18682,7 @@
         </p:nvCxnSpPr>
         <p:spPr>
           <a:xfrm>
-            <a:off x="5708072" y="2227335"/>
+            <a:off x="4803794" y="1869283"/>
             <a:ext cx="491836" cy="0"/>
           </a:xfrm>
           <a:prstGeom prst="line">
@@ -11909,7 +18722,7 @@
         </p:nvCxnSpPr>
         <p:spPr>
           <a:xfrm>
-            <a:off x="3273136" y="3657817"/>
+            <a:off x="2368858" y="3310428"/>
             <a:ext cx="491836" cy="0"/>
           </a:xfrm>
           <a:prstGeom prst="line">
@@ -11949,7 +18762,7 @@
         </p:nvCxnSpPr>
         <p:spPr>
           <a:xfrm>
-            <a:off x="5708072" y="3657817"/>
+            <a:off x="4803794" y="3310428"/>
             <a:ext cx="491836" cy="0"/>
           </a:xfrm>
           <a:prstGeom prst="line">
@@ -11988,7 +18801,7 @@
         </p:nvCxnSpPr>
         <p:spPr>
           <a:xfrm>
-            <a:off x="8143008" y="2227335"/>
+            <a:off x="7238730" y="1869283"/>
             <a:ext cx="775858" cy="0"/>
           </a:xfrm>
           <a:prstGeom prst="straightConnector1">
@@ -12030,7 +18843,7 @@
         </p:nvCxnSpPr>
         <p:spPr>
           <a:xfrm>
-            <a:off x="8143008" y="3657817"/>
+            <a:off x="7238730" y="3310428"/>
             <a:ext cx="775858" cy="0"/>
           </a:xfrm>
           <a:prstGeom prst="straightConnector1">
@@ -12072,7 +18885,7 @@
         </p:nvCxnSpPr>
         <p:spPr>
           <a:xfrm>
-            <a:off x="3273136" y="5088299"/>
+            <a:off x="2368858" y="4755062"/>
             <a:ext cx="5645730" cy="0"/>
           </a:xfrm>
           <a:prstGeom prst="straightConnector1">
@@ -12111,7 +18924,7 @@
         </p:nvSpPr>
         <p:spPr>
           <a:xfrm>
-            <a:off x="9331037" y="2001698"/>
+            <a:off x="8216015" y="1653320"/>
             <a:ext cx="2150918" cy="461665"/>
           </a:xfrm>
           <a:prstGeom prst="rect">
@@ -12148,8 +18961,8 @@
         </p:nvSpPr>
         <p:spPr>
           <a:xfrm>
-            <a:off x="9331037" y="3426984"/>
-            <a:ext cx="2493818" cy="461665"/>
+            <a:off x="8216015" y="2964547"/>
+            <a:ext cx="2493818" cy="830997"/>
           </a:xfrm>
           <a:prstGeom prst="rect">
             <a:avLst/>
@@ -12166,7 +18979,7 @@
               <a:rPr lang="en-US" sz="2400" dirty="0">
                 <a:latin typeface="Avenir Book" panose="02000503020000020003" pitchFamily="2" charset="0"/>
               </a:rPr>
-              <a:t>Proton Gradient</a:t>
+              <a:t>Maintain Proton Gradient</a:t>
             </a:r>
           </a:p>
         </p:txBody>
@@ -12185,7 +18998,7 @@
         </p:nvSpPr>
         <p:spPr>
           <a:xfrm>
-            <a:off x="9331037" y="4852270"/>
+            <a:off x="8216015" y="4503469"/>
             <a:ext cx="2493818" cy="461665"/>
           </a:xfrm>
           <a:prstGeom prst="rect">
@@ -12223,7 +19036,7 @@
           <p:nvPr/>
         </p:nvPicPr>
         <p:blipFill>
-          <a:blip r:embed="rId2"/>
+          <a:blip r:embed="rId3"/>
           <a:stretch>
             <a:fillRect/>
           </a:stretch>
@@ -12275,6 +19088,96 @@
           </a:p>
         </p:txBody>
       </p:sp>
+      <p:pic>
+        <p:nvPicPr>
+          <p:cNvPr id="16" name="Picture 15" descr="A picture containing object, clock&#10;&#10;Description automatically generated">
+            <a:extLst>
+              <a:ext uri="{FF2B5EF4-FFF2-40B4-BE49-F238E27FC236}">
+                <a16:creationId xmlns:a16="http://schemas.microsoft.com/office/drawing/2014/main" id="{D8E6BA98-4CE8-514C-9012-FD353EC61CAD}"/>
+              </a:ext>
+            </a:extLst>
+          </p:cNvPr>
+          <p:cNvPicPr>
+            <a:picLocks noChangeAspect="1"/>
+          </p:cNvPicPr>
+          <p:nvPr/>
+        </p:nvPicPr>
+        <p:blipFill>
+          <a:blip r:embed="rId4"/>
+          <a:stretch>
+            <a:fillRect/>
+          </a:stretch>
+        </p:blipFill>
+        <p:spPr>
+          <a:xfrm>
+            <a:off x="10385873" y="1107757"/>
+            <a:ext cx="1787378" cy="1400367"/>
+          </a:xfrm>
+          <a:prstGeom prst="rect">
+            <a:avLst/>
+          </a:prstGeom>
+        </p:spPr>
+      </p:pic>
+      <p:pic>
+        <p:nvPicPr>
+          <p:cNvPr id="19" name="Picture 18" descr="A picture containing clock&#10;&#10;Description automatically generated">
+            <a:extLst>
+              <a:ext uri="{FF2B5EF4-FFF2-40B4-BE49-F238E27FC236}">
+                <a16:creationId xmlns:a16="http://schemas.microsoft.com/office/drawing/2014/main" id="{39E21CC7-8D52-3043-B3C1-239E3B0F080D}"/>
+              </a:ext>
+            </a:extLst>
+          </p:cNvPr>
+          <p:cNvPicPr>
+            <a:picLocks noChangeAspect="1"/>
+          </p:cNvPicPr>
+          <p:nvPr/>
+        </p:nvPicPr>
+        <p:blipFill>
+          <a:blip r:embed="rId5"/>
+          <a:stretch>
+            <a:fillRect/>
+          </a:stretch>
+        </p:blipFill>
+        <p:spPr>
+          <a:xfrm>
+            <a:off x="10585888" y="2660265"/>
+            <a:ext cx="1534484" cy="1300326"/>
+          </a:xfrm>
+          <a:prstGeom prst="rect">
+            <a:avLst/>
+          </a:prstGeom>
+        </p:spPr>
+      </p:pic>
+      <p:pic>
+        <p:nvPicPr>
+          <p:cNvPr id="33" name="Picture 32" descr="A picture containing object, clock&#10;&#10;Description automatically generated">
+            <a:extLst>
+              <a:ext uri="{FF2B5EF4-FFF2-40B4-BE49-F238E27FC236}">
+                <a16:creationId xmlns:a16="http://schemas.microsoft.com/office/drawing/2014/main" id="{83DCD432-33AD-4140-9FAE-C35C4C77693C}"/>
+              </a:ext>
+            </a:extLst>
+          </p:cNvPr>
+          <p:cNvPicPr>
+            <a:picLocks noChangeAspect="1"/>
+          </p:cNvPicPr>
+          <p:nvPr/>
+        </p:nvPicPr>
+        <p:blipFill>
+          <a:blip r:embed="rId6"/>
+          <a:stretch>
+            <a:fillRect/>
+          </a:stretch>
+        </p:blipFill>
+        <p:spPr>
+          <a:xfrm>
+            <a:off x="10585889" y="4151476"/>
+            <a:ext cx="1381322" cy="1387199"/>
+          </a:xfrm>
+          <a:prstGeom prst="rect">
+            <a:avLst/>
+          </a:prstGeom>
+        </p:spPr>
+      </p:pic>
     </p:spTree>
     <p:extLst>
       <p:ext uri="{BB962C8B-B14F-4D97-AF65-F5344CB8AC3E}">
@@ -12321,24 +19224,1457 @@
             <p:ph type="title"/>
           </p:nvPr>
         </p:nvSpPr>
-        <p:spPr/>
+        <p:spPr>
+          <a:xfrm>
+            <a:off x="254827" y="103927"/>
+            <a:ext cx="10515600" cy="1325563"/>
+          </a:xfrm>
+        </p:spPr>
         <p:txBody>
-          <a:bodyPr/>
+          <a:bodyPr>
+            <a:normAutofit/>
+          </a:bodyPr>
           <a:lstStyle/>
           <a:p>
             <a:r>
-              <a:rPr lang="en-US" dirty="0"/>
-              <a:t>ATP Synthase Simulations</a:t>
+              <a:rPr lang="en-US" sz="2800" dirty="0"/>
+              <a:t>Separate simulations for ATP synthase model are as expected</a:t>
             </a:r>
           </a:p>
         </p:txBody>
       </p:sp>
+      <p:pic>
+        <p:nvPicPr>
+          <p:cNvPr id="4" name="Picture 3" descr="A picture containing drawing&#10;&#10;Description automatically generated">
+            <a:extLst>
+              <a:ext uri="{FF2B5EF4-FFF2-40B4-BE49-F238E27FC236}">
+                <a16:creationId xmlns:a16="http://schemas.microsoft.com/office/drawing/2014/main" id="{5F56DD81-1A49-944A-AD76-D34880058FE4}"/>
+              </a:ext>
+            </a:extLst>
+          </p:cNvPr>
+          <p:cNvPicPr>
+            <a:picLocks noChangeAspect="1"/>
+          </p:cNvPicPr>
+          <p:nvPr/>
+        </p:nvPicPr>
+        <p:blipFill>
+          <a:blip r:embed="rId3"/>
+          <a:stretch>
+            <a:fillRect/>
+          </a:stretch>
+        </p:blipFill>
+        <p:spPr>
+          <a:xfrm>
+            <a:off x="11117119" y="6514803"/>
+            <a:ext cx="1074881" cy="343197"/>
+          </a:xfrm>
+          <a:prstGeom prst="rect">
+            <a:avLst/>
+          </a:prstGeom>
+        </p:spPr>
+      </p:pic>
       <p:sp>
         <p:nvSpPr>
-          <p:cNvPr id="3" name="Content Placeholder 2">
+          <p:cNvPr id="5" name="TextBox 4">
             <a:extLst>
               <a:ext uri="{FF2B5EF4-FFF2-40B4-BE49-F238E27FC236}">
-                <a16:creationId xmlns:a16="http://schemas.microsoft.com/office/drawing/2014/main" id="{76A241D4-6FA6-994E-8EB5-609A99CE9DE1}"/>
+                <a16:creationId xmlns:a16="http://schemas.microsoft.com/office/drawing/2014/main" id="{0DED74B9-F061-784D-9B1A-5CC2E34A248C}"/>
+              </a:ext>
+            </a:extLst>
+          </p:cNvPr>
+          <p:cNvSpPr txBox="1"/>
+          <p:nvPr/>
+        </p:nvSpPr>
+        <p:spPr>
+          <a:xfrm>
+            <a:off x="8963152" y="6596390"/>
+            <a:ext cx="2222083" cy="261610"/>
+          </a:xfrm>
+          <a:prstGeom prst="rect">
+            <a:avLst/>
+          </a:prstGeom>
+          <a:noFill/>
+        </p:spPr>
+        <p:txBody>
+          <a:bodyPr wrap="none" rtlCol="0">
+            <a:spAutoFit/>
+          </a:bodyPr>
+          <a:lstStyle/>
+          <a:p>
+            <a:r>
+              <a:rPr lang="en-US" sz="1100" dirty="0">
+                <a:latin typeface="Avenir Book" panose="02000503020000020003" pitchFamily="2" charset="0"/>
+              </a:rPr>
+              <a:t>Ankita Roychoudhury 8.17.2020</a:t>
+            </a:r>
+          </a:p>
+        </p:txBody>
+      </p:sp>
+      <p:pic>
+        <p:nvPicPr>
+          <p:cNvPr id="7" name="Picture 6" descr="A screenshot of a cell phone&#10;&#10;Description automatically generated">
+            <a:extLst>
+              <a:ext uri="{FF2B5EF4-FFF2-40B4-BE49-F238E27FC236}">
+                <a16:creationId xmlns:a16="http://schemas.microsoft.com/office/drawing/2014/main" id="{B2CA2F0B-311B-3B49-89B0-C011DFB940D6}"/>
+              </a:ext>
+            </a:extLst>
+          </p:cNvPr>
+          <p:cNvPicPr>
+            <a:picLocks noChangeAspect="1"/>
+          </p:cNvPicPr>
+          <p:nvPr/>
+        </p:nvPicPr>
+        <p:blipFill>
+          <a:blip r:embed="rId4"/>
+          <a:stretch>
+            <a:fillRect/>
+          </a:stretch>
+        </p:blipFill>
+        <p:spPr>
+          <a:xfrm>
+            <a:off x="8038378" y="1429490"/>
+            <a:ext cx="3526971" cy="2743200"/>
+          </a:xfrm>
+          <a:prstGeom prst="rect">
+            <a:avLst/>
+          </a:prstGeom>
+        </p:spPr>
+      </p:pic>
+      <p:pic>
+        <p:nvPicPr>
+          <p:cNvPr id="9" name="Picture 8" descr="A close up of a map&#10;&#10;Description automatically generated">
+            <a:extLst>
+              <a:ext uri="{FF2B5EF4-FFF2-40B4-BE49-F238E27FC236}">
+                <a16:creationId xmlns:a16="http://schemas.microsoft.com/office/drawing/2014/main" id="{BF543126-32EF-D044-9149-CCC37FE6E232}"/>
+              </a:ext>
+            </a:extLst>
+          </p:cNvPr>
+          <p:cNvPicPr>
+            <a:picLocks noChangeAspect="1"/>
+          </p:cNvPicPr>
+          <p:nvPr/>
+        </p:nvPicPr>
+        <p:blipFill>
+          <a:blip r:embed="rId5"/>
+          <a:stretch>
+            <a:fillRect/>
+          </a:stretch>
+        </p:blipFill>
+        <p:spPr>
+          <a:xfrm>
+            <a:off x="4207866" y="1429490"/>
+            <a:ext cx="3526971" cy="2743200"/>
+          </a:xfrm>
+          <a:prstGeom prst="rect">
+            <a:avLst/>
+          </a:prstGeom>
+        </p:spPr>
+      </p:pic>
+      <p:pic>
+        <p:nvPicPr>
+          <p:cNvPr id="13" name="Picture 12" descr="A close up of a map&#10;&#10;Description automatically generated">
+            <a:extLst>
+              <a:ext uri="{FF2B5EF4-FFF2-40B4-BE49-F238E27FC236}">
+                <a16:creationId xmlns:a16="http://schemas.microsoft.com/office/drawing/2014/main" id="{9F949A8C-D1EA-2244-813D-128E25407F2E}"/>
+              </a:ext>
+            </a:extLst>
+          </p:cNvPr>
+          <p:cNvPicPr>
+            <a:picLocks noChangeAspect="1"/>
+          </p:cNvPicPr>
+          <p:nvPr/>
+        </p:nvPicPr>
+        <p:blipFill>
+          <a:blip r:embed="rId6"/>
+          <a:stretch>
+            <a:fillRect/>
+          </a:stretch>
+        </p:blipFill>
+        <p:spPr>
+          <a:xfrm>
+            <a:off x="377354" y="1429490"/>
+            <a:ext cx="3526971" cy="2743200"/>
+          </a:xfrm>
+          <a:prstGeom prst="rect">
+            <a:avLst/>
+          </a:prstGeom>
+        </p:spPr>
+      </p:pic>
+      <p:grpSp>
+        <p:nvGrpSpPr>
+          <p:cNvPr id="22" name="Group 21">
+            <a:extLst>
+              <a:ext uri="{FF2B5EF4-FFF2-40B4-BE49-F238E27FC236}">
+                <a16:creationId xmlns:a16="http://schemas.microsoft.com/office/drawing/2014/main" id="{08E2C865-8226-9F4C-9BF0-9D86D760867B}"/>
+              </a:ext>
+            </a:extLst>
+          </p:cNvPr>
+          <p:cNvGrpSpPr/>
+          <p:nvPr/>
+        </p:nvGrpSpPr>
+        <p:grpSpPr>
+          <a:xfrm>
+            <a:off x="844627" y="4172690"/>
+            <a:ext cx="2592423" cy="2542992"/>
+            <a:chOff x="1110118" y="4050945"/>
+            <a:chExt cx="2592423" cy="2542992"/>
+          </a:xfrm>
+        </p:grpSpPr>
+        <p:sp>
+          <p:nvSpPr>
+            <p:cNvPr id="14" name="Oval 13">
+              <a:extLst>
+                <a:ext uri="{FF2B5EF4-FFF2-40B4-BE49-F238E27FC236}">
+                  <a16:creationId xmlns:a16="http://schemas.microsoft.com/office/drawing/2014/main" id="{99A725A4-05DC-6441-A9A7-E2EF128FB7C6}"/>
+                </a:ext>
+              </a:extLst>
+            </p:cNvPr>
+            <p:cNvSpPr/>
+            <p:nvPr/>
+          </p:nvSpPr>
+          <p:spPr>
+            <a:xfrm>
+              <a:off x="1110118" y="4499961"/>
+              <a:ext cx="2118731" cy="2093976"/>
+            </a:xfrm>
+            <a:prstGeom prst="ellipse">
+              <a:avLst/>
+            </a:prstGeom>
+            <a:noFill/>
+            <a:ln w="28575">
+              <a:solidFill>
+                <a:schemeClr val="tx1"/>
+              </a:solidFill>
+              <a:prstDash val="dash"/>
+              <a:extLst>
+                <a:ext uri="{C807C97D-BFC1-408E-A445-0C87EB9F89A2}">
+                  <ask:lineSketchStyleProps xmlns:ask="http://schemas.microsoft.com/office/drawing/2018/sketchyshapes" sd="1219033472">
+                    <a:custGeom>
+                      <a:avLst/>
+                      <a:gdLst>
+                        <a:gd name="connsiteX0" fmla="*/ 0 w 2118731"/>
+                        <a:gd name="connsiteY0" fmla="*/ 1048215 h 2096429"/>
+                        <a:gd name="connsiteX1" fmla="*/ 1059366 w 2118731"/>
+                        <a:gd name="connsiteY1" fmla="*/ 0 h 2096429"/>
+                        <a:gd name="connsiteX2" fmla="*/ 2118732 w 2118731"/>
+                        <a:gd name="connsiteY2" fmla="*/ 1048215 h 2096429"/>
+                        <a:gd name="connsiteX3" fmla="*/ 1059366 w 2118731"/>
+                        <a:gd name="connsiteY3" fmla="*/ 2096430 h 2096429"/>
+                        <a:gd name="connsiteX4" fmla="*/ 0 w 2118731"/>
+                        <a:gd name="connsiteY4" fmla="*/ 1048215 h 2096429"/>
+                      </a:gdLst>
+                      <a:ahLst/>
+                      <a:cxnLst>
+                        <a:cxn ang="0">
+                          <a:pos x="connsiteX0" y="connsiteY0"/>
+                        </a:cxn>
+                        <a:cxn ang="0">
+                          <a:pos x="connsiteX1" y="connsiteY1"/>
+                        </a:cxn>
+                        <a:cxn ang="0">
+                          <a:pos x="connsiteX2" y="connsiteY2"/>
+                        </a:cxn>
+                        <a:cxn ang="0">
+                          <a:pos x="connsiteX3" y="connsiteY3"/>
+                        </a:cxn>
+                        <a:cxn ang="0">
+                          <a:pos x="connsiteX4" y="connsiteY4"/>
+                        </a:cxn>
+                      </a:cxnLst>
+                      <a:rect l="l" t="t" r="r" b="b"/>
+                      <a:pathLst>
+                        <a:path w="2118731" h="2096429" extrusionOk="0">
+                          <a:moveTo>
+                            <a:pt x="0" y="1048215"/>
+                          </a:moveTo>
+                          <a:cubicBezTo>
+                            <a:pt x="-108263" y="402523"/>
+                            <a:pt x="355967" y="44410"/>
+                            <a:pt x="1059366" y="0"/>
+                          </a:cubicBezTo>
+                          <a:cubicBezTo>
+                            <a:pt x="1710617" y="13932"/>
+                            <a:pt x="2038481" y="471854"/>
+                            <a:pt x="2118732" y="1048215"/>
+                          </a:cubicBezTo>
+                          <a:cubicBezTo>
+                            <a:pt x="2027995" y="1715738"/>
+                            <a:pt x="1617157" y="2247223"/>
+                            <a:pt x="1059366" y="2096430"/>
+                          </a:cubicBezTo>
+                          <a:cubicBezTo>
+                            <a:pt x="363561" y="2035846"/>
+                            <a:pt x="90874" y="1670548"/>
+                            <a:pt x="0" y="1048215"/>
+                          </a:cubicBezTo>
+                          <a:close/>
+                        </a:path>
+                      </a:pathLst>
+                    </a:custGeom>
+                    <ask:type>
+                      <ask:lineSketchNone/>
+                    </ask:type>
+                  </ask:lineSketchStyleProps>
+                </a:ext>
+              </a:extLst>
+            </a:ln>
+          </p:spPr>
+          <p:style>
+            <a:lnRef idx="2">
+              <a:schemeClr val="accent1">
+                <a:shade val="50000"/>
+              </a:schemeClr>
+            </a:lnRef>
+            <a:fillRef idx="1">
+              <a:schemeClr val="accent1"/>
+            </a:fillRef>
+            <a:effectRef idx="0">
+              <a:schemeClr val="accent1"/>
+            </a:effectRef>
+            <a:fontRef idx="minor">
+              <a:schemeClr val="lt1"/>
+            </a:fontRef>
+          </p:style>
+          <p:txBody>
+            <a:bodyPr rtlCol="0" anchor="ctr"/>
+            <a:lstStyle/>
+            <a:p>
+              <a:pPr algn="ctr"/>
+              <a:endParaRPr lang="en-US"/>
+            </a:p>
+          </p:txBody>
+        </p:sp>
+        <p:sp>
+          <p:nvSpPr>
+            <p:cNvPr id="16" name="Freeform 15">
+              <a:extLst>
+                <a:ext uri="{FF2B5EF4-FFF2-40B4-BE49-F238E27FC236}">
+                  <a16:creationId xmlns:a16="http://schemas.microsoft.com/office/drawing/2014/main" id="{F504E4C8-826F-DE49-A0D9-CE1963CCD861}"/>
+                </a:ext>
+              </a:extLst>
+            </p:cNvPr>
+            <p:cNvSpPr/>
+            <p:nvPr/>
+          </p:nvSpPr>
+          <p:spPr>
+            <a:xfrm>
+              <a:off x="2429303" y="4426304"/>
+              <a:ext cx="675017" cy="678205"/>
+            </a:xfrm>
+            <a:custGeom>
+              <a:avLst/>
+              <a:gdLst>
+                <a:gd name="connsiteX0" fmla="*/ 678425 w 781664"/>
+                <a:gd name="connsiteY0" fmla="*/ 0 h 752168"/>
+                <a:gd name="connsiteX1" fmla="*/ 294967 w 781664"/>
+                <a:gd name="connsiteY1" fmla="*/ 442451 h 752168"/>
+                <a:gd name="connsiteX2" fmla="*/ 0 w 781664"/>
+                <a:gd name="connsiteY2" fmla="*/ 427703 h 752168"/>
+                <a:gd name="connsiteX3" fmla="*/ 398206 w 781664"/>
+                <a:gd name="connsiteY3" fmla="*/ 752168 h 752168"/>
+                <a:gd name="connsiteX4" fmla="*/ 398206 w 781664"/>
+                <a:gd name="connsiteY4" fmla="*/ 545690 h 752168"/>
+                <a:gd name="connsiteX5" fmla="*/ 781664 w 781664"/>
+                <a:gd name="connsiteY5" fmla="*/ 103239 h 752168"/>
+                <a:gd name="connsiteX6" fmla="*/ 678425 w 781664"/>
+                <a:gd name="connsiteY6" fmla="*/ 0 h 752168"/>
+              </a:gdLst>
+              <a:ahLst/>
+              <a:cxnLst>
+                <a:cxn ang="0">
+                  <a:pos x="connsiteX0" y="connsiteY0"/>
+                </a:cxn>
+                <a:cxn ang="0">
+                  <a:pos x="connsiteX1" y="connsiteY1"/>
+                </a:cxn>
+                <a:cxn ang="0">
+                  <a:pos x="connsiteX2" y="connsiteY2"/>
+                </a:cxn>
+                <a:cxn ang="0">
+                  <a:pos x="connsiteX3" y="connsiteY3"/>
+                </a:cxn>
+                <a:cxn ang="0">
+                  <a:pos x="connsiteX4" y="connsiteY4"/>
+                </a:cxn>
+                <a:cxn ang="0">
+                  <a:pos x="connsiteX5" y="connsiteY5"/>
+                </a:cxn>
+                <a:cxn ang="0">
+                  <a:pos x="connsiteX6" y="connsiteY6"/>
+                </a:cxn>
+              </a:cxnLst>
+              <a:rect l="l" t="t" r="r" b="b"/>
+              <a:pathLst>
+                <a:path w="781664" h="752168">
+                  <a:moveTo>
+                    <a:pt x="678425" y="0"/>
+                  </a:moveTo>
+                  <a:lnTo>
+                    <a:pt x="294967" y="442451"/>
+                  </a:lnTo>
+                  <a:lnTo>
+                    <a:pt x="0" y="427703"/>
+                  </a:lnTo>
+                  <a:lnTo>
+                    <a:pt x="398206" y="752168"/>
+                  </a:lnTo>
+                  <a:lnTo>
+                    <a:pt x="398206" y="545690"/>
+                  </a:lnTo>
+                  <a:lnTo>
+                    <a:pt x="781664" y="103239"/>
+                  </a:lnTo>
+                  <a:lnTo>
+                    <a:pt x="678425" y="0"/>
+                  </a:lnTo>
+                  <a:close/>
+                </a:path>
+              </a:pathLst>
+            </a:custGeom>
+            <a:solidFill>
+              <a:schemeClr val="bg1"/>
+            </a:solidFill>
+            <a:ln w="19050">
+              <a:solidFill>
+                <a:srgbClr val="7030A0"/>
+              </a:solidFill>
+            </a:ln>
+          </p:spPr>
+          <p:style>
+            <a:lnRef idx="2">
+              <a:schemeClr val="accent1">
+                <a:shade val="50000"/>
+              </a:schemeClr>
+            </a:lnRef>
+            <a:fillRef idx="1">
+              <a:schemeClr val="accent1"/>
+            </a:fillRef>
+            <a:effectRef idx="0">
+              <a:schemeClr val="accent1"/>
+            </a:effectRef>
+            <a:fontRef idx="minor">
+              <a:schemeClr val="lt1"/>
+            </a:fontRef>
+          </p:style>
+          <p:txBody>
+            <a:bodyPr rtlCol="0" anchor="ctr"/>
+            <a:lstStyle/>
+            <a:p>
+              <a:pPr algn="ctr"/>
+              <a:endParaRPr lang="en-US"/>
+            </a:p>
+          </p:txBody>
+        </p:sp>
+        <p:sp>
+          <p:nvSpPr>
+            <p:cNvPr id="17" name="TextBox 16">
+              <a:extLst>
+                <a:ext uri="{FF2B5EF4-FFF2-40B4-BE49-F238E27FC236}">
+                  <a16:creationId xmlns:a16="http://schemas.microsoft.com/office/drawing/2014/main" id="{D17A8440-5683-A543-B446-11DE3EA7145A}"/>
+                </a:ext>
+              </a:extLst>
+            </p:cNvPr>
+            <p:cNvSpPr txBox="1"/>
+            <p:nvPr/>
+          </p:nvSpPr>
+          <p:spPr>
+            <a:xfrm>
+              <a:off x="1398380" y="4983197"/>
+              <a:ext cx="1030923" cy="276999"/>
+            </a:xfrm>
+            <a:prstGeom prst="rect">
+              <a:avLst/>
+            </a:prstGeom>
+            <a:noFill/>
+          </p:spPr>
+          <p:txBody>
+            <a:bodyPr wrap="square" rtlCol="0">
+              <a:spAutoFit/>
+            </a:bodyPr>
+            <a:lstStyle/>
+            <a:p>
+              <a:r>
+                <a:rPr lang="en-US" sz="1200" dirty="0">
+                  <a:latin typeface="Avenir Book" panose="02000503020000020003" pitchFamily="2" charset="0"/>
+                </a:rPr>
+                <a:t>ADP + Pi</a:t>
+              </a:r>
+            </a:p>
+          </p:txBody>
+        </p:sp>
+        <p:sp>
+          <p:nvSpPr>
+            <p:cNvPr id="18" name="TextBox 17">
+              <a:extLst>
+                <a:ext uri="{FF2B5EF4-FFF2-40B4-BE49-F238E27FC236}">
+                  <a16:creationId xmlns:a16="http://schemas.microsoft.com/office/drawing/2014/main" id="{30A787BC-BD89-AD4E-B313-4EA27149EB60}"/>
+                </a:ext>
+              </a:extLst>
+            </p:cNvPr>
+            <p:cNvSpPr txBox="1"/>
+            <p:nvPr/>
+          </p:nvSpPr>
+          <p:spPr>
+            <a:xfrm>
+              <a:off x="2521754" y="5542399"/>
+              <a:ext cx="459228" cy="276999"/>
+            </a:xfrm>
+            <a:prstGeom prst="rect">
+              <a:avLst/>
+            </a:prstGeom>
+            <a:noFill/>
+          </p:spPr>
+          <p:txBody>
+            <a:bodyPr wrap="square" rtlCol="0">
+              <a:spAutoFit/>
+            </a:bodyPr>
+            <a:lstStyle/>
+            <a:p>
+              <a:r>
+                <a:rPr lang="en-US" sz="1200" dirty="0">
+                  <a:latin typeface="Avenir Book" panose="02000503020000020003" pitchFamily="2" charset="0"/>
+                </a:rPr>
+                <a:t>ATP</a:t>
+              </a:r>
+            </a:p>
+          </p:txBody>
+        </p:sp>
+        <p:cxnSp>
+          <p:nvCxnSpPr>
+            <p:cNvPr id="19" name="Curved Connector 18">
+              <a:extLst>
+                <a:ext uri="{FF2B5EF4-FFF2-40B4-BE49-F238E27FC236}">
+                  <a16:creationId xmlns:a16="http://schemas.microsoft.com/office/drawing/2014/main" id="{FED69742-A8EF-664F-B50B-65FCC28362B8}"/>
+                </a:ext>
+              </a:extLst>
+            </p:cNvPr>
+            <p:cNvCxnSpPr>
+              <a:cxnSpLocks/>
+              <a:endCxn id="18" idx="0"/>
+            </p:cNvCxnSpPr>
+            <p:nvPr/>
+          </p:nvCxnSpPr>
+          <p:spPr>
+            <a:xfrm>
+              <a:off x="2204017" y="5135828"/>
+              <a:ext cx="547351" cy="406571"/>
+            </a:xfrm>
+            <a:prstGeom prst="curvedConnector2">
+              <a:avLst/>
+            </a:prstGeom>
+            <a:ln>
+              <a:tailEnd type="triangle"/>
+            </a:ln>
+          </p:spPr>
+          <p:style>
+            <a:lnRef idx="1">
+              <a:schemeClr val="dk1"/>
+            </a:lnRef>
+            <a:fillRef idx="0">
+              <a:schemeClr val="dk1"/>
+            </a:fillRef>
+            <a:effectRef idx="0">
+              <a:schemeClr val="dk1"/>
+            </a:effectRef>
+            <a:fontRef idx="minor">
+              <a:schemeClr val="tx1"/>
+            </a:fontRef>
+          </p:style>
+        </p:cxnSp>
+        <p:cxnSp>
+          <p:nvCxnSpPr>
+            <p:cNvPr id="20" name="Straight Arrow Connector 19">
+              <a:extLst>
+                <a:ext uri="{FF2B5EF4-FFF2-40B4-BE49-F238E27FC236}">
+                  <a16:creationId xmlns:a16="http://schemas.microsoft.com/office/drawing/2014/main" id="{E7E6C830-5B11-584A-BF05-B28E88F0BC10}"/>
+                </a:ext>
+              </a:extLst>
+            </p:cNvPr>
+            <p:cNvCxnSpPr>
+              <a:cxnSpLocks/>
+            </p:cNvCxnSpPr>
+            <p:nvPr/>
+          </p:nvCxnSpPr>
+          <p:spPr>
+            <a:xfrm flipH="1">
+              <a:off x="2132607" y="4273293"/>
+              <a:ext cx="1096242" cy="1255125"/>
+            </a:xfrm>
+            <a:prstGeom prst="straightConnector1">
+              <a:avLst/>
+            </a:prstGeom>
+            <a:ln>
+              <a:tailEnd type="triangle"/>
+            </a:ln>
+          </p:spPr>
+          <p:style>
+            <a:lnRef idx="1">
+              <a:schemeClr val="dk1"/>
+            </a:lnRef>
+            <a:fillRef idx="0">
+              <a:schemeClr val="dk1"/>
+            </a:fillRef>
+            <a:effectRef idx="0">
+              <a:schemeClr val="dk1"/>
+            </a:effectRef>
+            <a:fontRef idx="minor">
+              <a:schemeClr val="tx1"/>
+            </a:fontRef>
+          </p:style>
+        </p:cxnSp>
+        <p:sp>
+          <p:nvSpPr>
+            <p:cNvPr id="21" name="TextBox 20">
+              <a:extLst>
+                <a:ext uri="{FF2B5EF4-FFF2-40B4-BE49-F238E27FC236}">
+                  <a16:creationId xmlns:a16="http://schemas.microsoft.com/office/drawing/2014/main" id="{EB38A152-6A4E-6F44-B2BC-BF5EAD6729EF}"/>
+                </a:ext>
+              </a:extLst>
+            </p:cNvPr>
+            <p:cNvSpPr txBox="1"/>
+            <p:nvPr/>
+          </p:nvSpPr>
+          <p:spPr>
+            <a:xfrm>
+              <a:off x="3228848" y="4050945"/>
+              <a:ext cx="473693" cy="312254"/>
+            </a:xfrm>
+            <a:prstGeom prst="rect">
+              <a:avLst/>
+            </a:prstGeom>
+            <a:noFill/>
+          </p:spPr>
+          <p:txBody>
+            <a:bodyPr wrap="square" rtlCol="0">
+              <a:spAutoFit/>
+            </a:bodyPr>
+            <a:lstStyle/>
+            <a:p>
+              <a:r>
+                <a:rPr lang="en-US" sz="1600" dirty="0">
+                  <a:latin typeface="Avenir Book" panose="02000503020000020003" pitchFamily="2" charset="0"/>
+                </a:rPr>
+                <a:t>H</a:t>
+              </a:r>
+              <a:r>
+                <a:rPr lang="en-US" sz="1600" baseline="30000" dirty="0">
+                  <a:latin typeface="Avenir Book" panose="02000503020000020003" pitchFamily="2" charset="0"/>
+                </a:rPr>
+                <a:t>+</a:t>
+              </a:r>
+              <a:endParaRPr lang="en-US" sz="1600" dirty="0">
+                <a:latin typeface="Avenir Book" panose="02000503020000020003" pitchFamily="2" charset="0"/>
+              </a:endParaRPr>
+            </a:p>
+          </p:txBody>
+        </p:sp>
+      </p:grpSp>
+      <p:grpSp>
+        <p:nvGrpSpPr>
+          <p:cNvPr id="29" name="Group 28">
+            <a:extLst>
+              <a:ext uri="{FF2B5EF4-FFF2-40B4-BE49-F238E27FC236}">
+                <a16:creationId xmlns:a16="http://schemas.microsoft.com/office/drawing/2014/main" id="{21E49BEF-B98D-EB44-811B-DAE7901209E7}"/>
+              </a:ext>
+            </a:extLst>
+          </p:cNvPr>
+          <p:cNvGrpSpPr/>
+          <p:nvPr/>
+        </p:nvGrpSpPr>
+        <p:grpSpPr>
+          <a:xfrm>
+            <a:off x="5054252" y="4499961"/>
+            <a:ext cx="2711436" cy="2327096"/>
+            <a:chOff x="5054252" y="4499961"/>
+            <a:chExt cx="2711436" cy="2327096"/>
+          </a:xfrm>
+        </p:grpSpPr>
+        <p:sp>
+          <p:nvSpPr>
+            <p:cNvPr id="15" name="Oval 14">
+              <a:extLst>
+                <a:ext uri="{FF2B5EF4-FFF2-40B4-BE49-F238E27FC236}">
+                  <a16:creationId xmlns:a16="http://schemas.microsoft.com/office/drawing/2014/main" id="{04027D4E-0E86-5E4D-8432-DD4597FDB231}"/>
+                </a:ext>
+              </a:extLst>
+            </p:cNvPr>
+            <p:cNvSpPr/>
+            <p:nvPr/>
+          </p:nvSpPr>
+          <p:spPr>
+            <a:xfrm>
+              <a:off x="5054252" y="4499961"/>
+              <a:ext cx="2118731" cy="2096429"/>
+            </a:xfrm>
+            <a:prstGeom prst="ellipse">
+              <a:avLst/>
+            </a:prstGeom>
+            <a:noFill/>
+            <a:ln w="28575">
+              <a:solidFill>
+                <a:schemeClr val="tx1"/>
+              </a:solidFill>
+              <a:prstDash val="dash"/>
+              <a:extLst>
+                <a:ext uri="{C807C97D-BFC1-408E-A445-0C87EB9F89A2}">
+                  <ask:lineSketchStyleProps xmlns:ask="http://schemas.microsoft.com/office/drawing/2018/sketchyshapes" sd="1219033472">
+                    <a:custGeom>
+                      <a:avLst/>
+                      <a:gdLst>
+                        <a:gd name="connsiteX0" fmla="*/ 0 w 2118731"/>
+                        <a:gd name="connsiteY0" fmla="*/ 1048215 h 2096429"/>
+                        <a:gd name="connsiteX1" fmla="*/ 1059366 w 2118731"/>
+                        <a:gd name="connsiteY1" fmla="*/ 0 h 2096429"/>
+                        <a:gd name="connsiteX2" fmla="*/ 2118732 w 2118731"/>
+                        <a:gd name="connsiteY2" fmla="*/ 1048215 h 2096429"/>
+                        <a:gd name="connsiteX3" fmla="*/ 1059366 w 2118731"/>
+                        <a:gd name="connsiteY3" fmla="*/ 2096430 h 2096429"/>
+                        <a:gd name="connsiteX4" fmla="*/ 0 w 2118731"/>
+                        <a:gd name="connsiteY4" fmla="*/ 1048215 h 2096429"/>
+                      </a:gdLst>
+                      <a:ahLst/>
+                      <a:cxnLst>
+                        <a:cxn ang="0">
+                          <a:pos x="connsiteX0" y="connsiteY0"/>
+                        </a:cxn>
+                        <a:cxn ang="0">
+                          <a:pos x="connsiteX1" y="connsiteY1"/>
+                        </a:cxn>
+                        <a:cxn ang="0">
+                          <a:pos x="connsiteX2" y="connsiteY2"/>
+                        </a:cxn>
+                        <a:cxn ang="0">
+                          <a:pos x="connsiteX3" y="connsiteY3"/>
+                        </a:cxn>
+                        <a:cxn ang="0">
+                          <a:pos x="connsiteX4" y="connsiteY4"/>
+                        </a:cxn>
+                      </a:cxnLst>
+                      <a:rect l="l" t="t" r="r" b="b"/>
+                      <a:pathLst>
+                        <a:path w="2118731" h="2096429" extrusionOk="0">
+                          <a:moveTo>
+                            <a:pt x="0" y="1048215"/>
+                          </a:moveTo>
+                          <a:cubicBezTo>
+                            <a:pt x="-108263" y="402523"/>
+                            <a:pt x="355967" y="44410"/>
+                            <a:pt x="1059366" y="0"/>
+                          </a:cubicBezTo>
+                          <a:cubicBezTo>
+                            <a:pt x="1710617" y="13932"/>
+                            <a:pt x="2038481" y="471854"/>
+                            <a:pt x="2118732" y="1048215"/>
+                          </a:cubicBezTo>
+                          <a:cubicBezTo>
+                            <a:pt x="2027995" y="1715738"/>
+                            <a:pt x="1617157" y="2247223"/>
+                            <a:pt x="1059366" y="2096430"/>
+                          </a:cubicBezTo>
+                          <a:cubicBezTo>
+                            <a:pt x="363561" y="2035846"/>
+                            <a:pt x="90874" y="1670548"/>
+                            <a:pt x="0" y="1048215"/>
+                          </a:cubicBezTo>
+                          <a:close/>
+                        </a:path>
+                      </a:pathLst>
+                    </a:custGeom>
+                    <ask:type>
+                      <ask:lineSketchNone/>
+                    </ask:type>
+                  </ask:lineSketchStyleProps>
+                </a:ext>
+              </a:extLst>
+            </a:ln>
+          </p:spPr>
+          <p:style>
+            <a:lnRef idx="2">
+              <a:schemeClr val="accent1">
+                <a:shade val="50000"/>
+              </a:schemeClr>
+            </a:lnRef>
+            <a:fillRef idx="1">
+              <a:schemeClr val="accent1"/>
+            </a:fillRef>
+            <a:effectRef idx="0">
+              <a:schemeClr val="accent1"/>
+            </a:effectRef>
+            <a:fontRef idx="minor">
+              <a:schemeClr val="lt1"/>
+            </a:fontRef>
+          </p:style>
+          <p:txBody>
+            <a:bodyPr rtlCol="0" anchor="ctr"/>
+            <a:lstStyle/>
+            <a:p>
+              <a:pPr algn="ctr"/>
+              <a:endParaRPr lang="en-US"/>
+            </a:p>
+          </p:txBody>
+        </p:sp>
+        <p:sp>
+          <p:nvSpPr>
+            <p:cNvPr id="23" name="Rounded Rectangle 22">
+              <a:extLst>
+                <a:ext uri="{FF2B5EF4-FFF2-40B4-BE49-F238E27FC236}">
+                  <a16:creationId xmlns:a16="http://schemas.microsoft.com/office/drawing/2014/main" id="{1112F1B5-566F-494B-B000-A94001A3D46C}"/>
+                </a:ext>
+              </a:extLst>
+            </p:cNvPr>
+            <p:cNvSpPr/>
+            <p:nvPr/>
+          </p:nvSpPr>
+          <p:spPr>
+            <a:xfrm rot="18859408">
+              <a:off x="6813395" y="5941143"/>
+              <a:ext cx="200722" cy="655247"/>
+            </a:xfrm>
+            <a:prstGeom prst="roundRect">
+              <a:avLst/>
+            </a:prstGeom>
+            <a:noFill/>
+            <a:ln w="38100">
+              <a:solidFill>
+                <a:srgbClr val="00B050"/>
+              </a:solidFill>
+            </a:ln>
+          </p:spPr>
+          <p:style>
+            <a:lnRef idx="2">
+              <a:schemeClr val="accent1">
+                <a:shade val="50000"/>
+              </a:schemeClr>
+            </a:lnRef>
+            <a:fillRef idx="1">
+              <a:schemeClr val="accent1"/>
+            </a:fillRef>
+            <a:effectRef idx="0">
+              <a:schemeClr val="accent1"/>
+            </a:effectRef>
+            <a:fontRef idx="minor">
+              <a:schemeClr val="lt1"/>
+            </a:fontRef>
+          </p:style>
+          <p:txBody>
+            <a:bodyPr rtlCol="0" anchor="ctr"/>
+            <a:lstStyle/>
+            <a:p>
+              <a:pPr algn="ctr"/>
+              <a:endParaRPr lang="en-US"/>
+            </a:p>
+          </p:txBody>
+        </p:sp>
+        <p:cxnSp>
+          <p:nvCxnSpPr>
+            <p:cNvPr id="24" name="Straight Arrow Connector 23">
+              <a:extLst>
+                <a:ext uri="{FF2B5EF4-FFF2-40B4-BE49-F238E27FC236}">
+                  <a16:creationId xmlns:a16="http://schemas.microsoft.com/office/drawing/2014/main" id="{B02C3986-071A-464B-8720-385E48C898C2}"/>
+                </a:ext>
+              </a:extLst>
+            </p:cNvPr>
+            <p:cNvCxnSpPr>
+              <a:cxnSpLocks/>
+            </p:cNvCxnSpPr>
+            <p:nvPr/>
+          </p:nvCxnSpPr>
+          <p:spPr>
+            <a:xfrm>
+              <a:off x="6382896" y="5731710"/>
+              <a:ext cx="921153" cy="864680"/>
+            </a:xfrm>
+            <a:prstGeom prst="straightConnector1">
+              <a:avLst/>
+            </a:prstGeom>
+            <a:ln>
+              <a:tailEnd type="triangle"/>
+            </a:ln>
+          </p:spPr>
+          <p:style>
+            <a:lnRef idx="1">
+              <a:schemeClr val="dk1"/>
+            </a:lnRef>
+            <a:fillRef idx="0">
+              <a:schemeClr val="dk1"/>
+            </a:fillRef>
+            <a:effectRef idx="0">
+              <a:schemeClr val="dk1"/>
+            </a:effectRef>
+            <a:fontRef idx="minor">
+              <a:schemeClr val="tx1"/>
+            </a:fontRef>
+          </p:style>
+        </p:cxnSp>
+        <p:sp>
+          <p:nvSpPr>
+            <p:cNvPr id="28" name="TextBox 27">
+              <a:extLst>
+                <a:ext uri="{FF2B5EF4-FFF2-40B4-BE49-F238E27FC236}">
+                  <a16:creationId xmlns:a16="http://schemas.microsoft.com/office/drawing/2014/main" id="{54FAE324-FACC-4147-B62B-2FF8999B544D}"/>
+                </a:ext>
+              </a:extLst>
+            </p:cNvPr>
+            <p:cNvSpPr txBox="1"/>
+            <p:nvPr/>
+          </p:nvSpPr>
+          <p:spPr>
+            <a:xfrm>
+              <a:off x="7291995" y="6514803"/>
+              <a:ext cx="473693" cy="312254"/>
+            </a:xfrm>
+            <a:prstGeom prst="rect">
+              <a:avLst/>
+            </a:prstGeom>
+            <a:noFill/>
+          </p:spPr>
+          <p:txBody>
+            <a:bodyPr wrap="square" rtlCol="0">
+              <a:spAutoFit/>
+            </a:bodyPr>
+            <a:lstStyle/>
+            <a:p>
+              <a:r>
+                <a:rPr lang="en-US" sz="1600" dirty="0">
+                  <a:latin typeface="Avenir Book" panose="02000503020000020003" pitchFamily="2" charset="0"/>
+                </a:rPr>
+                <a:t>H</a:t>
+              </a:r>
+              <a:r>
+                <a:rPr lang="en-US" sz="1600" baseline="30000" dirty="0">
+                  <a:latin typeface="Avenir Book" panose="02000503020000020003" pitchFamily="2" charset="0"/>
+                </a:rPr>
+                <a:t>+</a:t>
+              </a:r>
+              <a:endParaRPr lang="en-US" sz="1600" dirty="0">
+                <a:latin typeface="Avenir Book" panose="02000503020000020003" pitchFamily="2" charset="0"/>
+              </a:endParaRPr>
+            </a:p>
+          </p:txBody>
+        </p:sp>
+      </p:grpSp>
+      <p:grpSp>
+        <p:nvGrpSpPr>
+          <p:cNvPr id="37" name="Group 36">
+            <a:extLst>
+              <a:ext uri="{FF2B5EF4-FFF2-40B4-BE49-F238E27FC236}">
+                <a16:creationId xmlns:a16="http://schemas.microsoft.com/office/drawing/2014/main" id="{6BDEE02E-5ACA-0940-9AFE-28CF7816F9EF}"/>
+              </a:ext>
+            </a:extLst>
+          </p:cNvPr>
+          <p:cNvGrpSpPr/>
+          <p:nvPr/>
+        </p:nvGrpSpPr>
+        <p:grpSpPr>
+          <a:xfrm>
+            <a:off x="8968822" y="4376339"/>
+            <a:ext cx="2148297" cy="2096429"/>
+            <a:chOff x="8968822" y="4376339"/>
+            <a:chExt cx="2148297" cy="2096429"/>
+          </a:xfrm>
+        </p:grpSpPr>
+        <p:sp>
+          <p:nvSpPr>
+            <p:cNvPr id="30" name="Oval 29">
+              <a:extLst>
+                <a:ext uri="{FF2B5EF4-FFF2-40B4-BE49-F238E27FC236}">
+                  <a16:creationId xmlns:a16="http://schemas.microsoft.com/office/drawing/2014/main" id="{4C74DFD7-6DE9-D840-8909-38703C2ED8E2}"/>
+                </a:ext>
+              </a:extLst>
+            </p:cNvPr>
+            <p:cNvSpPr/>
+            <p:nvPr/>
+          </p:nvSpPr>
+          <p:spPr>
+            <a:xfrm>
+              <a:off x="8968822" y="4376339"/>
+              <a:ext cx="2118731" cy="2096429"/>
+            </a:xfrm>
+            <a:prstGeom prst="ellipse">
+              <a:avLst/>
+            </a:prstGeom>
+            <a:noFill/>
+            <a:ln w="28575">
+              <a:solidFill>
+                <a:schemeClr val="tx1"/>
+              </a:solidFill>
+              <a:prstDash val="dash"/>
+              <a:extLst>
+                <a:ext uri="{C807C97D-BFC1-408E-A445-0C87EB9F89A2}">
+                  <ask:lineSketchStyleProps xmlns:ask="http://schemas.microsoft.com/office/drawing/2018/sketchyshapes" sd="1219033472">
+                    <a:custGeom>
+                      <a:avLst/>
+                      <a:gdLst>
+                        <a:gd name="connsiteX0" fmla="*/ 0 w 2118731"/>
+                        <a:gd name="connsiteY0" fmla="*/ 1048215 h 2096429"/>
+                        <a:gd name="connsiteX1" fmla="*/ 1059366 w 2118731"/>
+                        <a:gd name="connsiteY1" fmla="*/ 0 h 2096429"/>
+                        <a:gd name="connsiteX2" fmla="*/ 2118732 w 2118731"/>
+                        <a:gd name="connsiteY2" fmla="*/ 1048215 h 2096429"/>
+                        <a:gd name="connsiteX3" fmla="*/ 1059366 w 2118731"/>
+                        <a:gd name="connsiteY3" fmla="*/ 2096430 h 2096429"/>
+                        <a:gd name="connsiteX4" fmla="*/ 0 w 2118731"/>
+                        <a:gd name="connsiteY4" fmla="*/ 1048215 h 2096429"/>
+                      </a:gdLst>
+                      <a:ahLst/>
+                      <a:cxnLst>
+                        <a:cxn ang="0">
+                          <a:pos x="connsiteX0" y="connsiteY0"/>
+                        </a:cxn>
+                        <a:cxn ang="0">
+                          <a:pos x="connsiteX1" y="connsiteY1"/>
+                        </a:cxn>
+                        <a:cxn ang="0">
+                          <a:pos x="connsiteX2" y="connsiteY2"/>
+                        </a:cxn>
+                        <a:cxn ang="0">
+                          <a:pos x="connsiteX3" y="connsiteY3"/>
+                        </a:cxn>
+                        <a:cxn ang="0">
+                          <a:pos x="connsiteX4" y="connsiteY4"/>
+                        </a:cxn>
+                      </a:cxnLst>
+                      <a:rect l="l" t="t" r="r" b="b"/>
+                      <a:pathLst>
+                        <a:path w="2118731" h="2096429" extrusionOk="0">
+                          <a:moveTo>
+                            <a:pt x="0" y="1048215"/>
+                          </a:moveTo>
+                          <a:cubicBezTo>
+                            <a:pt x="-108263" y="402523"/>
+                            <a:pt x="355967" y="44410"/>
+                            <a:pt x="1059366" y="0"/>
+                          </a:cubicBezTo>
+                          <a:cubicBezTo>
+                            <a:pt x="1710617" y="13932"/>
+                            <a:pt x="2038481" y="471854"/>
+                            <a:pt x="2118732" y="1048215"/>
+                          </a:cubicBezTo>
+                          <a:cubicBezTo>
+                            <a:pt x="2027995" y="1715738"/>
+                            <a:pt x="1617157" y="2247223"/>
+                            <a:pt x="1059366" y="2096430"/>
+                          </a:cubicBezTo>
+                          <a:cubicBezTo>
+                            <a:pt x="363561" y="2035846"/>
+                            <a:pt x="90874" y="1670548"/>
+                            <a:pt x="0" y="1048215"/>
+                          </a:cubicBezTo>
+                          <a:close/>
+                        </a:path>
+                      </a:pathLst>
+                    </a:custGeom>
+                    <ask:type>
+                      <ask:lineSketchNone/>
+                    </ask:type>
+                  </ask:lineSketchStyleProps>
+                </a:ext>
+              </a:extLst>
+            </a:ln>
+          </p:spPr>
+          <p:style>
+            <a:lnRef idx="2">
+              <a:schemeClr val="accent1">
+                <a:shade val="50000"/>
+              </a:schemeClr>
+            </a:lnRef>
+            <a:fillRef idx="1">
+              <a:schemeClr val="accent1"/>
+            </a:fillRef>
+            <a:effectRef idx="0">
+              <a:schemeClr val="accent1"/>
+            </a:effectRef>
+            <a:fontRef idx="minor">
+              <a:schemeClr val="lt1"/>
+            </a:fontRef>
+          </p:style>
+          <p:txBody>
+            <a:bodyPr rtlCol="0" anchor="ctr"/>
+            <a:lstStyle/>
+            <a:p>
+              <a:pPr algn="ctr"/>
+              <a:endParaRPr lang="en-US"/>
+            </a:p>
+          </p:txBody>
+        </p:sp>
+        <p:sp>
+          <p:nvSpPr>
+            <p:cNvPr id="31" name="TextBox 30">
+              <a:extLst>
+                <a:ext uri="{FF2B5EF4-FFF2-40B4-BE49-F238E27FC236}">
+                  <a16:creationId xmlns:a16="http://schemas.microsoft.com/office/drawing/2014/main" id="{D83D047C-17CF-9142-BDDF-1C4938CF76B8}"/>
+                </a:ext>
+              </a:extLst>
+            </p:cNvPr>
+            <p:cNvSpPr txBox="1"/>
+            <p:nvPr/>
+          </p:nvSpPr>
+          <p:spPr>
+            <a:xfrm>
+              <a:off x="9729389" y="4818480"/>
+              <a:ext cx="1030923" cy="276999"/>
+            </a:xfrm>
+            <a:prstGeom prst="rect">
+              <a:avLst/>
+            </a:prstGeom>
+            <a:noFill/>
+          </p:spPr>
+          <p:txBody>
+            <a:bodyPr wrap="square" rtlCol="0">
+              <a:spAutoFit/>
+            </a:bodyPr>
+            <a:lstStyle/>
+            <a:p>
+              <a:r>
+                <a:rPr lang="en-US" sz="1200" dirty="0">
+                  <a:latin typeface="Avenir Book" panose="02000503020000020003" pitchFamily="2" charset="0"/>
+                </a:rPr>
+                <a:t>ADP + Pi</a:t>
+              </a:r>
+            </a:p>
+          </p:txBody>
+        </p:sp>
+        <p:sp>
+          <p:nvSpPr>
+            <p:cNvPr id="32" name="TextBox 31">
+              <a:extLst>
+                <a:ext uri="{FF2B5EF4-FFF2-40B4-BE49-F238E27FC236}">
+                  <a16:creationId xmlns:a16="http://schemas.microsoft.com/office/drawing/2014/main" id="{F4BE193B-505D-BC46-8D68-FC2C149510DD}"/>
+                </a:ext>
+              </a:extLst>
+            </p:cNvPr>
+            <p:cNvSpPr txBox="1"/>
+            <p:nvPr/>
+          </p:nvSpPr>
+          <p:spPr>
+            <a:xfrm>
+              <a:off x="10518917" y="5359753"/>
+              <a:ext cx="598202" cy="276999"/>
+            </a:xfrm>
+            <a:prstGeom prst="rect">
+              <a:avLst/>
+            </a:prstGeom>
+            <a:noFill/>
+          </p:spPr>
+          <p:txBody>
+            <a:bodyPr wrap="square" rtlCol="0">
+              <a:spAutoFit/>
+            </a:bodyPr>
+            <a:lstStyle/>
+            <a:p>
+              <a:r>
+                <a:rPr lang="en-US" sz="1200" dirty="0">
+                  <a:latin typeface="Avenir Book" panose="02000503020000020003" pitchFamily="2" charset="0"/>
+                </a:rPr>
+                <a:t>ATP</a:t>
+              </a:r>
+            </a:p>
+          </p:txBody>
+        </p:sp>
+        <p:graphicFrame>
+          <p:nvGraphicFramePr>
+            <p:cNvPr id="33" name="Diagram 32">
+              <a:extLst>
+                <a:ext uri="{FF2B5EF4-FFF2-40B4-BE49-F238E27FC236}">
+                  <a16:creationId xmlns:a16="http://schemas.microsoft.com/office/drawing/2014/main" id="{F58AD2C2-6477-834D-ABFF-9FDFC137C5A2}"/>
+                </a:ext>
+              </a:extLst>
+            </p:cNvPr>
+            <p:cNvGraphicFramePr/>
+            <p:nvPr>
+              <p:extLst>
+                <p:ext uri="{D42A27DB-BD31-4B8C-83A1-F6EECF244321}">
+                  <p14:modId xmlns:p14="http://schemas.microsoft.com/office/powerpoint/2010/main" val="2230278476"/>
+                </p:ext>
+              </p:extLst>
+            </p:nvPr>
+          </p:nvGraphicFramePr>
+          <p:xfrm>
+            <a:off x="9099888" y="5104942"/>
+            <a:ext cx="1058341" cy="1064396"/>
+          </p:xfrm>
+          <a:graphic>
+            <a:graphicData uri="http://schemas.openxmlformats.org/drawingml/2006/diagram">
+              <dgm:relIds xmlns:dgm="http://schemas.openxmlformats.org/drawingml/2006/diagram" xmlns:r="http://schemas.openxmlformats.org/officeDocument/2006/relationships" r:dm="rId7" r:lo="rId8" r:qs="rId9" r:cs="rId10"/>
+            </a:graphicData>
+          </a:graphic>
+        </p:graphicFrame>
+        <p:cxnSp>
+          <p:nvCxnSpPr>
+            <p:cNvPr id="34" name="Curved Connector 33">
+              <a:extLst>
+                <a:ext uri="{FF2B5EF4-FFF2-40B4-BE49-F238E27FC236}">
+                  <a16:creationId xmlns:a16="http://schemas.microsoft.com/office/drawing/2014/main" id="{19AD62F5-95FB-B34D-B5F5-929B19793569}"/>
+                </a:ext>
+              </a:extLst>
+            </p:cNvPr>
+            <p:cNvCxnSpPr>
+              <a:cxnSpLocks/>
+            </p:cNvCxnSpPr>
+            <p:nvPr/>
+          </p:nvCxnSpPr>
+          <p:spPr>
+            <a:xfrm rot="5400000" flipH="1" flipV="1">
+              <a:off x="9391802" y="5007071"/>
+              <a:ext cx="431392" cy="330478"/>
+            </a:xfrm>
+            <a:prstGeom prst="curvedConnector3">
+              <a:avLst>
+                <a:gd name="adj1" fmla="val 93157"/>
+              </a:avLst>
+            </a:prstGeom>
+            <a:ln>
+              <a:tailEnd type="triangle"/>
+            </a:ln>
+          </p:spPr>
+          <p:style>
+            <a:lnRef idx="1">
+              <a:schemeClr val="dk1"/>
+            </a:lnRef>
+            <a:fillRef idx="0">
+              <a:schemeClr val="dk1"/>
+            </a:fillRef>
+            <a:effectRef idx="0">
+              <a:schemeClr val="dk1"/>
+            </a:effectRef>
+            <a:fontRef idx="minor">
+              <a:schemeClr val="tx1"/>
+            </a:fontRef>
+          </p:style>
+        </p:cxnSp>
+        <p:cxnSp>
+          <p:nvCxnSpPr>
+            <p:cNvPr id="35" name="Curved Connector 34">
+              <a:extLst>
+                <a:ext uri="{FF2B5EF4-FFF2-40B4-BE49-F238E27FC236}">
+                  <a16:creationId xmlns:a16="http://schemas.microsoft.com/office/drawing/2014/main" id="{C2E8C08C-6A11-204F-9B2D-7CA44C499945}"/>
+                </a:ext>
+              </a:extLst>
+            </p:cNvPr>
+            <p:cNvCxnSpPr>
+              <a:cxnSpLocks/>
+            </p:cNvCxnSpPr>
+            <p:nvPr/>
+          </p:nvCxnSpPr>
+          <p:spPr>
+            <a:xfrm rot="10800000" flipV="1">
+              <a:off x="9844542" y="5627739"/>
+              <a:ext cx="915772" cy="137324"/>
+            </a:xfrm>
+            <a:prstGeom prst="curvedConnector3">
+              <a:avLst>
+                <a:gd name="adj1" fmla="val -4240"/>
+              </a:avLst>
+            </a:prstGeom>
+            <a:ln>
+              <a:tailEnd type="triangle"/>
+            </a:ln>
+          </p:spPr>
+          <p:style>
+            <a:lnRef idx="1">
+              <a:schemeClr val="dk1"/>
+            </a:lnRef>
+            <a:fillRef idx="0">
+              <a:schemeClr val="dk1"/>
+            </a:fillRef>
+            <a:effectRef idx="0">
+              <a:schemeClr val="dk1"/>
+            </a:effectRef>
+            <a:fontRef idx="minor">
+              <a:schemeClr val="tx1"/>
+            </a:fontRef>
+          </p:style>
+        </p:cxnSp>
+        <p:sp>
+          <p:nvSpPr>
+            <p:cNvPr id="36" name="TextBox 35">
+              <a:extLst>
+                <a:ext uri="{FF2B5EF4-FFF2-40B4-BE49-F238E27FC236}">
+                  <a16:creationId xmlns:a16="http://schemas.microsoft.com/office/drawing/2014/main" id="{18F3D430-DA63-8841-8B5B-65A007011CC6}"/>
+                </a:ext>
+              </a:extLst>
+            </p:cNvPr>
+            <p:cNvSpPr txBox="1"/>
+            <p:nvPr/>
+          </p:nvSpPr>
+          <p:spPr>
+            <a:xfrm>
+              <a:off x="9285319" y="5488065"/>
+              <a:ext cx="650418" cy="276999"/>
+            </a:xfrm>
+            <a:prstGeom prst="rect">
+              <a:avLst/>
+            </a:prstGeom>
+            <a:noFill/>
+          </p:spPr>
+          <p:txBody>
+            <a:bodyPr wrap="square" rtlCol="0">
+              <a:spAutoFit/>
+            </a:bodyPr>
+            <a:lstStyle/>
+            <a:p>
+              <a:r>
+                <a:rPr lang="en-US" sz="1200" dirty="0">
+                  <a:latin typeface="Avenir Book" panose="02000503020000020003" pitchFamily="2" charset="0"/>
+                </a:rPr>
+                <a:t>TX/TL</a:t>
+              </a:r>
+            </a:p>
+          </p:txBody>
+        </p:sp>
+      </p:grpSp>
+      <p:sp>
+        <p:nvSpPr>
+          <p:cNvPr id="38" name="TextBox 37">
+            <a:extLst>
+              <a:ext uri="{FF2B5EF4-FFF2-40B4-BE49-F238E27FC236}">
+                <a16:creationId xmlns:a16="http://schemas.microsoft.com/office/drawing/2014/main" id="{24D32357-D39D-D748-8F34-A44998F6D552}"/>
+              </a:ext>
+            </a:extLst>
+          </p:cNvPr>
+          <p:cNvSpPr txBox="1"/>
+          <p:nvPr/>
+        </p:nvSpPr>
+        <p:spPr>
+          <a:xfrm>
+            <a:off x="6385359" y="5359753"/>
+            <a:ext cx="811073" cy="276999"/>
+          </a:xfrm>
+          <a:prstGeom prst="rect">
+            <a:avLst/>
+          </a:prstGeom>
+          <a:noFill/>
+        </p:spPr>
+        <p:txBody>
+          <a:bodyPr wrap="square" rtlCol="0">
+            <a:spAutoFit/>
+          </a:bodyPr>
+          <a:lstStyle/>
+          <a:p>
+            <a:r>
+              <a:rPr lang="en-US" sz="1200" dirty="0">
+                <a:latin typeface="Avenir Book" panose="02000503020000020003" pitchFamily="2" charset="0"/>
+              </a:rPr>
+              <a:t>ADP + Pi</a:t>
+            </a:r>
+          </a:p>
+        </p:txBody>
+      </p:sp>
+      <p:cxnSp>
+        <p:nvCxnSpPr>
+          <p:cNvPr id="39" name="Curved Connector 38">
+            <a:extLst>
+              <a:ext uri="{FF2B5EF4-FFF2-40B4-BE49-F238E27FC236}">
+                <a16:creationId xmlns:a16="http://schemas.microsoft.com/office/drawing/2014/main" id="{CBCFC341-C179-564B-AD32-598001CCB29E}"/>
+              </a:ext>
+            </a:extLst>
+          </p:cNvPr>
+          <p:cNvCxnSpPr>
+            <a:cxnSpLocks/>
+            <a:endCxn id="38" idx="2"/>
+          </p:cNvCxnSpPr>
+          <p:nvPr/>
+        </p:nvCxnSpPr>
+        <p:spPr>
+          <a:xfrm flipV="1">
+            <a:off x="6227880" y="5636752"/>
+            <a:ext cx="563016" cy="235420"/>
+          </a:xfrm>
+          <a:prstGeom prst="curvedConnector2">
+            <a:avLst/>
+          </a:prstGeom>
+          <a:ln>
+            <a:tailEnd type="triangle"/>
+          </a:ln>
+        </p:spPr>
+        <p:style>
+          <a:lnRef idx="1">
+            <a:schemeClr val="dk1"/>
+          </a:lnRef>
+          <a:fillRef idx="0">
+            <a:schemeClr val="dk1"/>
+          </a:fillRef>
+          <a:effectRef idx="0">
+            <a:schemeClr val="dk1"/>
+          </a:effectRef>
+          <a:fontRef idx="minor">
+            <a:schemeClr val="tx1"/>
+          </a:fontRef>
+        </p:style>
+      </p:cxnSp>
+      <p:sp>
+        <p:nvSpPr>
+          <p:cNvPr id="41" name="TextBox 40">
+            <a:extLst>
+              <a:ext uri="{FF2B5EF4-FFF2-40B4-BE49-F238E27FC236}">
+                <a16:creationId xmlns:a16="http://schemas.microsoft.com/office/drawing/2014/main" id="{364D3BD8-C82A-3149-B110-81FF411C8A86}"/>
+              </a:ext>
+            </a:extLst>
+          </p:cNvPr>
+          <p:cNvSpPr txBox="1"/>
+          <p:nvPr/>
+        </p:nvSpPr>
+        <p:spPr>
+          <a:xfrm>
+            <a:off x="5766831" y="5733672"/>
+            <a:ext cx="481729" cy="276999"/>
+          </a:xfrm>
+          <a:prstGeom prst="rect">
+            <a:avLst/>
+          </a:prstGeom>
+          <a:noFill/>
+        </p:spPr>
+        <p:txBody>
+          <a:bodyPr wrap="square" rtlCol="0">
+            <a:spAutoFit/>
+          </a:bodyPr>
+          <a:lstStyle/>
+          <a:p>
+            <a:r>
+              <a:rPr lang="en-US" sz="1200" dirty="0">
+                <a:latin typeface="Avenir Book" panose="02000503020000020003" pitchFamily="2" charset="0"/>
+              </a:rPr>
+              <a:t>ATP </a:t>
+            </a:r>
+          </a:p>
+        </p:txBody>
+      </p:sp>
+    </p:spTree>
+    <p:extLst>
+      <p:ext uri="{BB962C8B-B14F-4D97-AF65-F5344CB8AC3E}">
+        <p14:creationId xmlns:p14="http://schemas.microsoft.com/office/powerpoint/2010/main" val="2806028784"/>
+      </p:ext>
+    </p:extLst>
+  </p:cSld>
+  <p:clrMapOvr>
+    <a:masterClrMapping/>
+  </p:clrMapOvr>
+</p:sld>
+</file>
+
+<file path=ppt/slides/slide9.xml><?xml version="1.0" encoding="utf-8"?>
+<p:sld xmlns:a="http://schemas.openxmlformats.org/drawingml/2006/main" xmlns:r="http://schemas.openxmlformats.org/officeDocument/2006/relationships" xmlns:p="http://schemas.openxmlformats.org/presentationml/2006/main">
+  <p:cSld>
+    <p:spTree>
+      <p:nvGrpSpPr>
+        <p:cNvPr id="1" name=""/>
+        <p:cNvGrpSpPr/>
+        <p:nvPr/>
+      </p:nvGrpSpPr>
+      <p:grpSpPr>
+        <a:xfrm>
+          <a:off x="0" y="0"/>
+          <a:ext cx="0" cy="0"/>
+          <a:chOff x="0" y="0"/>
+          <a:chExt cx="0" cy="0"/>
+        </a:xfrm>
+      </p:grpSpPr>
+      <p:sp>
+        <p:nvSpPr>
+          <p:cNvPr id="2" name="Title 1">
+            <a:extLst>
+              <a:ext uri="{FF2B5EF4-FFF2-40B4-BE49-F238E27FC236}">
+                <a16:creationId xmlns:a16="http://schemas.microsoft.com/office/drawing/2014/main" id="{67EBB13D-F318-2D45-8903-9A64BE87D8B5}"/>
               </a:ext>
             </a:extLst>
           </p:cNvPr>
@@ -12346,15 +20682,29 @@
             <a:spLocks noGrp="1"/>
           </p:cNvSpPr>
           <p:nvPr>
-            <p:ph idx="1"/>
+            <p:ph type="title"/>
           </p:nvPr>
         </p:nvSpPr>
-        <p:spPr/>
+        <p:spPr>
+          <a:xfrm>
+            <a:off x="83126" y="28680"/>
+            <a:ext cx="11859491" cy="1325563"/>
+          </a:xfrm>
+        </p:spPr>
         <p:txBody>
-          <a:bodyPr/>
+          <a:bodyPr>
+            <a:normAutofit/>
+          </a:bodyPr>
           <a:lstStyle/>
           <a:p>
-            <a:endParaRPr lang="en-US"/>
+            <a:r>
+              <a:rPr lang="en-US" sz="2800" b="1" dirty="0"/>
+              <a:t>Obstacle: </a:t>
+            </a:r>
+            <a:r>
+              <a:rPr lang="en-US" sz="2800" dirty="0"/>
+              <a:t>Combined simulations for ATP synthase model have bound protein concentration anomaly</a:t>
+            </a:r>
           </a:p>
         </p:txBody>
       </p:sp>
@@ -12425,100 +20775,929 @@
           </a:p>
         </p:txBody>
       </p:sp>
-    </p:spTree>
-    <p:extLst>
-      <p:ext uri="{BB962C8B-B14F-4D97-AF65-F5344CB8AC3E}">
-        <p14:creationId xmlns:p14="http://schemas.microsoft.com/office/powerpoint/2010/main" val="2806028784"/>
-      </p:ext>
-    </p:extLst>
-  </p:cSld>
-  <p:clrMapOvr>
-    <a:masterClrMapping/>
-  </p:clrMapOvr>
-</p:sld>
-</file>
-
-<file path=ppt/slides/slide9.xml><?xml version="1.0" encoding="utf-8"?>
-<p:sld xmlns:a="http://schemas.openxmlformats.org/drawingml/2006/main" xmlns:r="http://schemas.openxmlformats.org/officeDocument/2006/relationships" xmlns:p="http://schemas.openxmlformats.org/presentationml/2006/main">
-  <p:cSld>
-    <p:spTree>
-      <p:nvGrpSpPr>
-        <p:cNvPr id="1" name=""/>
-        <p:cNvGrpSpPr/>
-        <p:nvPr/>
-      </p:nvGrpSpPr>
-      <p:grpSpPr>
-        <a:xfrm>
-          <a:off x="0" y="0"/>
-          <a:ext cx="0" cy="0"/>
-          <a:chOff x="0" y="0"/>
-          <a:chExt cx="0" cy="0"/>
-        </a:xfrm>
-      </p:grpSpPr>
-      <p:sp>
-        <p:nvSpPr>
-          <p:cNvPr id="2" name="Title 1">
+      <p:grpSp>
+        <p:nvGrpSpPr>
+          <p:cNvPr id="11" name="Group 10">
             <a:extLst>
               <a:ext uri="{FF2B5EF4-FFF2-40B4-BE49-F238E27FC236}">
-                <a16:creationId xmlns:a16="http://schemas.microsoft.com/office/drawing/2014/main" id="{2A5E8054-14EE-4249-ABDC-4BF90931D4AA}"/>
+                <a16:creationId xmlns:a16="http://schemas.microsoft.com/office/drawing/2014/main" id="{1AF07AE5-9CDF-B64A-8A11-714480DCD77B}"/>
               </a:ext>
             </a:extLst>
           </p:cNvPr>
-          <p:cNvSpPr>
-            <a:spLocks noGrp="1"/>
-          </p:cNvSpPr>
-          <p:nvPr>
-            <p:ph type="title"/>
-          </p:nvPr>
+          <p:cNvGrpSpPr/>
+          <p:nvPr/>
+        </p:nvGrpSpPr>
+        <p:grpSpPr>
+          <a:xfrm>
+            <a:off x="6703142" y="1751440"/>
+            <a:ext cx="3386487" cy="3211392"/>
+            <a:chOff x="1110118" y="4050945"/>
+            <a:chExt cx="2592423" cy="2542992"/>
+          </a:xfrm>
+        </p:grpSpPr>
+        <p:sp>
+          <p:nvSpPr>
+            <p:cNvPr id="12" name="Oval 11">
+              <a:extLst>
+                <a:ext uri="{FF2B5EF4-FFF2-40B4-BE49-F238E27FC236}">
+                  <a16:creationId xmlns:a16="http://schemas.microsoft.com/office/drawing/2014/main" id="{F9C8B490-9802-4244-B5B5-2C133157CE03}"/>
+                </a:ext>
+              </a:extLst>
+            </p:cNvPr>
+            <p:cNvSpPr/>
+            <p:nvPr/>
+          </p:nvSpPr>
+          <p:spPr>
+            <a:xfrm>
+              <a:off x="1110118" y="4499961"/>
+              <a:ext cx="2118731" cy="2093976"/>
+            </a:xfrm>
+            <a:prstGeom prst="ellipse">
+              <a:avLst/>
+            </a:prstGeom>
+            <a:noFill/>
+            <a:ln w="28575">
+              <a:solidFill>
+                <a:schemeClr val="tx1"/>
+              </a:solidFill>
+              <a:prstDash val="dash"/>
+              <a:extLst>
+                <a:ext uri="{C807C97D-BFC1-408E-A445-0C87EB9F89A2}">
+                  <ask:lineSketchStyleProps xmlns:ask="http://schemas.microsoft.com/office/drawing/2018/sketchyshapes" sd="1219033472">
+                    <a:custGeom>
+                      <a:avLst/>
+                      <a:gdLst>
+                        <a:gd name="connsiteX0" fmla="*/ 0 w 2118731"/>
+                        <a:gd name="connsiteY0" fmla="*/ 1048215 h 2096429"/>
+                        <a:gd name="connsiteX1" fmla="*/ 1059366 w 2118731"/>
+                        <a:gd name="connsiteY1" fmla="*/ 0 h 2096429"/>
+                        <a:gd name="connsiteX2" fmla="*/ 2118732 w 2118731"/>
+                        <a:gd name="connsiteY2" fmla="*/ 1048215 h 2096429"/>
+                        <a:gd name="connsiteX3" fmla="*/ 1059366 w 2118731"/>
+                        <a:gd name="connsiteY3" fmla="*/ 2096430 h 2096429"/>
+                        <a:gd name="connsiteX4" fmla="*/ 0 w 2118731"/>
+                        <a:gd name="connsiteY4" fmla="*/ 1048215 h 2096429"/>
+                      </a:gdLst>
+                      <a:ahLst/>
+                      <a:cxnLst>
+                        <a:cxn ang="0">
+                          <a:pos x="connsiteX0" y="connsiteY0"/>
+                        </a:cxn>
+                        <a:cxn ang="0">
+                          <a:pos x="connsiteX1" y="connsiteY1"/>
+                        </a:cxn>
+                        <a:cxn ang="0">
+                          <a:pos x="connsiteX2" y="connsiteY2"/>
+                        </a:cxn>
+                        <a:cxn ang="0">
+                          <a:pos x="connsiteX3" y="connsiteY3"/>
+                        </a:cxn>
+                        <a:cxn ang="0">
+                          <a:pos x="connsiteX4" y="connsiteY4"/>
+                        </a:cxn>
+                      </a:cxnLst>
+                      <a:rect l="l" t="t" r="r" b="b"/>
+                      <a:pathLst>
+                        <a:path w="2118731" h="2096429" extrusionOk="0">
+                          <a:moveTo>
+                            <a:pt x="0" y="1048215"/>
+                          </a:moveTo>
+                          <a:cubicBezTo>
+                            <a:pt x="-108263" y="402523"/>
+                            <a:pt x="355967" y="44410"/>
+                            <a:pt x="1059366" y="0"/>
+                          </a:cubicBezTo>
+                          <a:cubicBezTo>
+                            <a:pt x="1710617" y="13932"/>
+                            <a:pt x="2038481" y="471854"/>
+                            <a:pt x="2118732" y="1048215"/>
+                          </a:cubicBezTo>
+                          <a:cubicBezTo>
+                            <a:pt x="2027995" y="1715738"/>
+                            <a:pt x="1617157" y="2247223"/>
+                            <a:pt x="1059366" y="2096430"/>
+                          </a:cubicBezTo>
+                          <a:cubicBezTo>
+                            <a:pt x="363561" y="2035846"/>
+                            <a:pt x="90874" y="1670548"/>
+                            <a:pt x="0" y="1048215"/>
+                          </a:cubicBezTo>
+                          <a:close/>
+                        </a:path>
+                      </a:pathLst>
+                    </a:custGeom>
+                    <ask:type>
+                      <ask:lineSketchNone/>
+                    </ask:type>
+                  </ask:lineSketchStyleProps>
+                </a:ext>
+              </a:extLst>
+            </a:ln>
+          </p:spPr>
+          <p:style>
+            <a:lnRef idx="2">
+              <a:schemeClr val="accent1">
+                <a:shade val="50000"/>
+              </a:schemeClr>
+            </a:lnRef>
+            <a:fillRef idx="1">
+              <a:schemeClr val="accent1"/>
+            </a:fillRef>
+            <a:effectRef idx="0">
+              <a:schemeClr val="accent1"/>
+            </a:effectRef>
+            <a:fontRef idx="minor">
+              <a:schemeClr val="lt1"/>
+            </a:fontRef>
+          </p:style>
+          <p:txBody>
+            <a:bodyPr rtlCol="0" anchor="ctr"/>
+            <a:lstStyle/>
+            <a:p>
+              <a:pPr algn="ctr"/>
+              <a:endParaRPr lang="en-US"/>
+            </a:p>
+          </p:txBody>
+        </p:sp>
+        <p:sp>
+          <p:nvSpPr>
+            <p:cNvPr id="13" name="Freeform 12">
+              <a:extLst>
+                <a:ext uri="{FF2B5EF4-FFF2-40B4-BE49-F238E27FC236}">
+                  <a16:creationId xmlns:a16="http://schemas.microsoft.com/office/drawing/2014/main" id="{0558D98B-E768-8B41-961A-22A62DDC991A}"/>
+                </a:ext>
+              </a:extLst>
+            </p:cNvPr>
+            <p:cNvSpPr/>
+            <p:nvPr/>
+          </p:nvSpPr>
+          <p:spPr>
+            <a:xfrm>
+              <a:off x="2429303" y="4426304"/>
+              <a:ext cx="675017" cy="678205"/>
+            </a:xfrm>
+            <a:custGeom>
+              <a:avLst/>
+              <a:gdLst>
+                <a:gd name="connsiteX0" fmla="*/ 678425 w 781664"/>
+                <a:gd name="connsiteY0" fmla="*/ 0 h 752168"/>
+                <a:gd name="connsiteX1" fmla="*/ 294967 w 781664"/>
+                <a:gd name="connsiteY1" fmla="*/ 442451 h 752168"/>
+                <a:gd name="connsiteX2" fmla="*/ 0 w 781664"/>
+                <a:gd name="connsiteY2" fmla="*/ 427703 h 752168"/>
+                <a:gd name="connsiteX3" fmla="*/ 398206 w 781664"/>
+                <a:gd name="connsiteY3" fmla="*/ 752168 h 752168"/>
+                <a:gd name="connsiteX4" fmla="*/ 398206 w 781664"/>
+                <a:gd name="connsiteY4" fmla="*/ 545690 h 752168"/>
+                <a:gd name="connsiteX5" fmla="*/ 781664 w 781664"/>
+                <a:gd name="connsiteY5" fmla="*/ 103239 h 752168"/>
+                <a:gd name="connsiteX6" fmla="*/ 678425 w 781664"/>
+                <a:gd name="connsiteY6" fmla="*/ 0 h 752168"/>
+              </a:gdLst>
+              <a:ahLst/>
+              <a:cxnLst>
+                <a:cxn ang="0">
+                  <a:pos x="connsiteX0" y="connsiteY0"/>
+                </a:cxn>
+                <a:cxn ang="0">
+                  <a:pos x="connsiteX1" y="connsiteY1"/>
+                </a:cxn>
+                <a:cxn ang="0">
+                  <a:pos x="connsiteX2" y="connsiteY2"/>
+                </a:cxn>
+                <a:cxn ang="0">
+                  <a:pos x="connsiteX3" y="connsiteY3"/>
+                </a:cxn>
+                <a:cxn ang="0">
+                  <a:pos x="connsiteX4" y="connsiteY4"/>
+                </a:cxn>
+                <a:cxn ang="0">
+                  <a:pos x="connsiteX5" y="connsiteY5"/>
+                </a:cxn>
+                <a:cxn ang="0">
+                  <a:pos x="connsiteX6" y="connsiteY6"/>
+                </a:cxn>
+              </a:cxnLst>
+              <a:rect l="l" t="t" r="r" b="b"/>
+              <a:pathLst>
+                <a:path w="781664" h="752168">
+                  <a:moveTo>
+                    <a:pt x="678425" y="0"/>
+                  </a:moveTo>
+                  <a:lnTo>
+                    <a:pt x="294967" y="442451"/>
+                  </a:lnTo>
+                  <a:lnTo>
+                    <a:pt x="0" y="427703"/>
+                  </a:lnTo>
+                  <a:lnTo>
+                    <a:pt x="398206" y="752168"/>
+                  </a:lnTo>
+                  <a:lnTo>
+                    <a:pt x="398206" y="545690"/>
+                  </a:lnTo>
+                  <a:lnTo>
+                    <a:pt x="781664" y="103239"/>
+                  </a:lnTo>
+                  <a:lnTo>
+                    <a:pt x="678425" y="0"/>
+                  </a:lnTo>
+                  <a:close/>
+                </a:path>
+              </a:pathLst>
+            </a:custGeom>
+            <a:solidFill>
+              <a:schemeClr val="bg1"/>
+            </a:solidFill>
+            <a:ln w="19050">
+              <a:solidFill>
+                <a:srgbClr val="7030A0"/>
+              </a:solidFill>
+            </a:ln>
+          </p:spPr>
+          <p:style>
+            <a:lnRef idx="2">
+              <a:schemeClr val="accent1">
+                <a:shade val="50000"/>
+              </a:schemeClr>
+            </a:lnRef>
+            <a:fillRef idx="1">
+              <a:schemeClr val="accent1"/>
+            </a:fillRef>
+            <a:effectRef idx="0">
+              <a:schemeClr val="accent1"/>
+            </a:effectRef>
+            <a:fontRef idx="minor">
+              <a:schemeClr val="lt1"/>
+            </a:fontRef>
+          </p:style>
+          <p:txBody>
+            <a:bodyPr rtlCol="0" anchor="ctr"/>
+            <a:lstStyle/>
+            <a:p>
+              <a:pPr algn="ctr"/>
+              <a:endParaRPr lang="en-US"/>
+            </a:p>
+          </p:txBody>
+        </p:sp>
+        <p:sp>
+          <p:nvSpPr>
+            <p:cNvPr id="14" name="TextBox 13">
+              <a:extLst>
+                <a:ext uri="{FF2B5EF4-FFF2-40B4-BE49-F238E27FC236}">
+                  <a16:creationId xmlns:a16="http://schemas.microsoft.com/office/drawing/2014/main" id="{33F0D6F7-3769-FF40-BA0C-B57773096059}"/>
+                </a:ext>
+              </a:extLst>
+            </p:cNvPr>
+            <p:cNvSpPr txBox="1"/>
+            <p:nvPr/>
+          </p:nvSpPr>
+          <p:spPr>
+            <a:xfrm>
+              <a:off x="1638099" y="4932583"/>
+              <a:ext cx="630270" cy="219346"/>
+            </a:xfrm>
+            <a:prstGeom prst="rect">
+              <a:avLst/>
+            </a:prstGeom>
+            <a:noFill/>
+          </p:spPr>
+          <p:txBody>
+            <a:bodyPr wrap="square" rtlCol="0">
+              <a:spAutoFit/>
+            </a:bodyPr>
+            <a:lstStyle/>
+            <a:p>
+              <a:r>
+                <a:rPr lang="en-US" sz="1200" dirty="0">
+                  <a:latin typeface="Avenir Book" panose="02000503020000020003" pitchFamily="2" charset="0"/>
+                </a:rPr>
+                <a:t>ADP + Pi</a:t>
+              </a:r>
+            </a:p>
+          </p:txBody>
+        </p:sp>
+        <p:sp>
+          <p:nvSpPr>
+            <p:cNvPr id="15" name="TextBox 14">
+              <a:extLst>
+                <a:ext uri="{FF2B5EF4-FFF2-40B4-BE49-F238E27FC236}">
+                  <a16:creationId xmlns:a16="http://schemas.microsoft.com/office/drawing/2014/main" id="{5AE8101A-3FDF-0541-91B8-06974472B4A8}"/>
+                </a:ext>
+              </a:extLst>
+            </p:cNvPr>
+            <p:cNvSpPr txBox="1"/>
+            <p:nvPr/>
+          </p:nvSpPr>
+          <p:spPr>
+            <a:xfrm>
+              <a:off x="2485125" y="5245287"/>
+              <a:ext cx="533417" cy="276999"/>
+            </a:xfrm>
+            <a:prstGeom prst="rect">
+              <a:avLst/>
+            </a:prstGeom>
+            <a:noFill/>
+          </p:spPr>
+          <p:txBody>
+            <a:bodyPr wrap="square" rtlCol="0">
+              <a:spAutoFit/>
+            </a:bodyPr>
+            <a:lstStyle/>
+            <a:p>
+              <a:r>
+                <a:rPr lang="en-US" sz="1200" dirty="0">
+                  <a:latin typeface="Avenir Book" panose="02000503020000020003" pitchFamily="2" charset="0"/>
+                </a:rPr>
+                <a:t>ATP</a:t>
+              </a:r>
+            </a:p>
+          </p:txBody>
+        </p:sp>
+        <p:cxnSp>
+          <p:nvCxnSpPr>
+            <p:cNvPr id="16" name="Curved Connector 15">
+              <a:extLst>
+                <a:ext uri="{FF2B5EF4-FFF2-40B4-BE49-F238E27FC236}">
+                  <a16:creationId xmlns:a16="http://schemas.microsoft.com/office/drawing/2014/main" id="{B24C46CB-C9CC-AA45-80D9-D01D7D338C51}"/>
+                </a:ext>
+              </a:extLst>
+            </p:cNvPr>
+            <p:cNvCxnSpPr>
+              <a:cxnSpLocks/>
+              <a:endCxn id="15" idx="0"/>
+            </p:cNvCxnSpPr>
+            <p:nvPr/>
+          </p:nvCxnSpPr>
+          <p:spPr>
+            <a:xfrm>
+              <a:off x="2189040" y="5054378"/>
+              <a:ext cx="562794" cy="190909"/>
+            </a:xfrm>
+            <a:prstGeom prst="curvedConnector2">
+              <a:avLst/>
+            </a:prstGeom>
+            <a:ln>
+              <a:tailEnd type="triangle"/>
+            </a:ln>
+          </p:spPr>
+          <p:style>
+            <a:lnRef idx="1">
+              <a:schemeClr val="dk1"/>
+            </a:lnRef>
+            <a:fillRef idx="0">
+              <a:schemeClr val="dk1"/>
+            </a:fillRef>
+            <a:effectRef idx="0">
+              <a:schemeClr val="dk1"/>
+            </a:effectRef>
+            <a:fontRef idx="minor">
+              <a:schemeClr val="tx1"/>
+            </a:fontRef>
+          </p:style>
+        </p:cxnSp>
+        <p:cxnSp>
+          <p:nvCxnSpPr>
+            <p:cNvPr id="17" name="Straight Arrow Connector 16">
+              <a:extLst>
+                <a:ext uri="{FF2B5EF4-FFF2-40B4-BE49-F238E27FC236}">
+                  <a16:creationId xmlns:a16="http://schemas.microsoft.com/office/drawing/2014/main" id="{8FA91B6A-AA58-B94C-874A-D0690C0ABDB6}"/>
+                </a:ext>
+              </a:extLst>
+            </p:cNvPr>
+            <p:cNvCxnSpPr>
+              <a:cxnSpLocks/>
+            </p:cNvCxnSpPr>
+            <p:nvPr/>
+          </p:nvCxnSpPr>
+          <p:spPr>
+            <a:xfrm flipH="1">
+              <a:off x="2284980" y="4273293"/>
+              <a:ext cx="943869" cy="1093789"/>
+            </a:xfrm>
+            <a:prstGeom prst="straightConnector1">
+              <a:avLst/>
+            </a:prstGeom>
+            <a:ln>
+              <a:tailEnd type="triangle"/>
+            </a:ln>
+          </p:spPr>
+          <p:style>
+            <a:lnRef idx="1">
+              <a:schemeClr val="dk1"/>
+            </a:lnRef>
+            <a:fillRef idx="0">
+              <a:schemeClr val="dk1"/>
+            </a:fillRef>
+            <a:effectRef idx="0">
+              <a:schemeClr val="dk1"/>
+            </a:effectRef>
+            <a:fontRef idx="minor">
+              <a:schemeClr val="tx1"/>
+            </a:fontRef>
+          </p:style>
+        </p:cxnSp>
+        <p:sp>
+          <p:nvSpPr>
+            <p:cNvPr id="18" name="TextBox 17">
+              <a:extLst>
+                <a:ext uri="{FF2B5EF4-FFF2-40B4-BE49-F238E27FC236}">
+                  <a16:creationId xmlns:a16="http://schemas.microsoft.com/office/drawing/2014/main" id="{518AFD6F-9918-2748-A0D5-5ACFE50358F0}"/>
+                </a:ext>
+              </a:extLst>
+            </p:cNvPr>
+            <p:cNvSpPr txBox="1"/>
+            <p:nvPr/>
+          </p:nvSpPr>
+          <p:spPr>
+            <a:xfrm>
+              <a:off x="3228848" y="4050945"/>
+              <a:ext cx="473693" cy="312254"/>
+            </a:xfrm>
+            <a:prstGeom prst="rect">
+              <a:avLst/>
+            </a:prstGeom>
+            <a:noFill/>
+          </p:spPr>
+          <p:txBody>
+            <a:bodyPr wrap="square" rtlCol="0">
+              <a:spAutoFit/>
+            </a:bodyPr>
+            <a:lstStyle/>
+            <a:p>
+              <a:r>
+                <a:rPr lang="en-US" sz="1600" dirty="0">
+                  <a:latin typeface="Avenir Book" panose="02000503020000020003" pitchFamily="2" charset="0"/>
+                </a:rPr>
+                <a:t>H</a:t>
+              </a:r>
+              <a:r>
+                <a:rPr lang="en-US" sz="1600" baseline="30000" dirty="0">
+                  <a:latin typeface="Avenir Book" panose="02000503020000020003" pitchFamily="2" charset="0"/>
+                </a:rPr>
+                <a:t>+</a:t>
+              </a:r>
+              <a:endParaRPr lang="en-US" sz="1600" dirty="0">
+                <a:latin typeface="Avenir Book" panose="02000503020000020003" pitchFamily="2" charset="0"/>
+              </a:endParaRPr>
+            </a:p>
+          </p:txBody>
+        </p:sp>
+      </p:grpSp>
+      <p:grpSp>
+        <p:nvGrpSpPr>
+          <p:cNvPr id="19" name="Group 18">
+            <a:extLst>
+              <a:ext uri="{FF2B5EF4-FFF2-40B4-BE49-F238E27FC236}">
+                <a16:creationId xmlns:a16="http://schemas.microsoft.com/office/drawing/2014/main" id="{19EBC9C1-189F-E84B-BC9D-3B6DAFF0FA5E}"/>
+              </a:ext>
+            </a:extLst>
+          </p:cNvPr>
+          <p:cNvGrpSpPr/>
+          <p:nvPr/>
+        </p:nvGrpSpPr>
+        <p:grpSpPr>
+          <a:xfrm>
+            <a:off x="8254630" y="4450090"/>
+            <a:ext cx="1213067" cy="1105265"/>
+            <a:chOff x="8976955" y="3570537"/>
+            <a:chExt cx="1213067" cy="1105265"/>
+          </a:xfrm>
+        </p:grpSpPr>
+        <p:sp>
+          <p:nvSpPr>
+            <p:cNvPr id="21" name="Rounded Rectangle 20">
+              <a:extLst>
+                <a:ext uri="{FF2B5EF4-FFF2-40B4-BE49-F238E27FC236}">
+                  <a16:creationId xmlns:a16="http://schemas.microsoft.com/office/drawing/2014/main" id="{A8551DC4-6332-224F-81C6-B0BFBEBC5E2B}"/>
+                </a:ext>
+              </a:extLst>
+            </p:cNvPr>
+            <p:cNvSpPr/>
+            <p:nvPr/>
+          </p:nvSpPr>
+          <p:spPr>
+            <a:xfrm rot="18859408">
+              <a:off x="9292713" y="3663877"/>
+              <a:ext cx="200722" cy="655247"/>
+            </a:xfrm>
+            <a:prstGeom prst="roundRect">
+              <a:avLst/>
+            </a:prstGeom>
+            <a:noFill/>
+            <a:ln w="38100">
+              <a:solidFill>
+                <a:srgbClr val="00B050"/>
+              </a:solidFill>
+            </a:ln>
+          </p:spPr>
+          <p:style>
+            <a:lnRef idx="2">
+              <a:schemeClr val="accent1">
+                <a:shade val="50000"/>
+              </a:schemeClr>
+            </a:lnRef>
+            <a:fillRef idx="1">
+              <a:schemeClr val="accent1"/>
+            </a:fillRef>
+            <a:effectRef idx="0">
+              <a:schemeClr val="accent1"/>
+            </a:effectRef>
+            <a:fontRef idx="minor">
+              <a:schemeClr val="lt1"/>
+            </a:fontRef>
+          </p:style>
+          <p:txBody>
+            <a:bodyPr rtlCol="0" anchor="ctr"/>
+            <a:lstStyle/>
+            <a:p>
+              <a:pPr algn="ctr"/>
+              <a:endParaRPr lang="en-US"/>
+            </a:p>
+          </p:txBody>
+        </p:sp>
+        <p:cxnSp>
+          <p:nvCxnSpPr>
+            <p:cNvPr id="22" name="Straight Arrow Connector 21">
+              <a:extLst>
+                <a:ext uri="{FF2B5EF4-FFF2-40B4-BE49-F238E27FC236}">
+                  <a16:creationId xmlns:a16="http://schemas.microsoft.com/office/drawing/2014/main" id="{BF1FC566-ABBC-6941-9B94-F912C726FD9A}"/>
+                </a:ext>
+              </a:extLst>
+            </p:cNvPr>
+            <p:cNvCxnSpPr>
+              <a:cxnSpLocks/>
+            </p:cNvCxnSpPr>
+            <p:nvPr/>
+          </p:nvCxnSpPr>
+          <p:spPr>
+            <a:xfrm>
+              <a:off x="8976955" y="3570537"/>
+              <a:ext cx="845864" cy="827063"/>
+            </a:xfrm>
+            <a:prstGeom prst="straightConnector1">
+              <a:avLst/>
+            </a:prstGeom>
+            <a:ln>
+              <a:tailEnd type="triangle"/>
+            </a:ln>
+          </p:spPr>
+          <p:style>
+            <a:lnRef idx="1">
+              <a:schemeClr val="dk1"/>
+            </a:lnRef>
+            <a:fillRef idx="0">
+              <a:schemeClr val="dk1"/>
+            </a:fillRef>
+            <a:effectRef idx="0">
+              <a:schemeClr val="dk1"/>
+            </a:effectRef>
+            <a:fontRef idx="minor">
+              <a:schemeClr val="tx1"/>
+            </a:fontRef>
+          </p:style>
+        </p:cxnSp>
+        <p:sp>
+          <p:nvSpPr>
+            <p:cNvPr id="23" name="TextBox 22">
+              <a:extLst>
+                <a:ext uri="{FF2B5EF4-FFF2-40B4-BE49-F238E27FC236}">
+                  <a16:creationId xmlns:a16="http://schemas.microsoft.com/office/drawing/2014/main" id="{3E063F4E-0D61-1445-83BB-815141363EAA}"/>
+                </a:ext>
+              </a:extLst>
+            </p:cNvPr>
+            <p:cNvSpPr txBox="1"/>
+            <p:nvPr/>
+          </p:nvSpPr>
+          <p:spPr>
+            <a:xfrm>
+              <a:off x="9716329" y="4363548"/>
+              <a:ext cx="473693" cy="312254"/>
+            </a:xfrm>
+            <a:prstGeom prst="rect">
+              <a:avLst/>
+            </a:prstGeom>
+            <a:noFill/>
+          </p:spPr>
+          <p:txBody>
+            <a:bodyPr wrap="square" rtlCol="0">
+              <a:spAutoFit/>
+            </a:bodyPr>
+            <a:lstStyle/>
+            <a:p>
+              <a:r>
+                <a:rPr lang="en-US" sz="1600" dirty="0">
+                  <a:latin typeface="Avenir Book" panose="02000503020000020003" pitchFamily="2" charset="0"/>
+                </a:rPr>
+                <a:t>H</a:t>
+              </a:r>
+              <a:r>
+                <a:rPr lang="en-US" sz="1600" baseline="30000" dirty="0">
+                  <a:latin typeface="Avenir Book" panose="02000503020000020003" pitchFamily="2" charset="0"/>
+                </a:rPr>
+                <a:t>+</a:t>
+              </a:r>
+              <a:endParaRPr lang="en-US" sz="1600" dirty="0">
+                <a:latin typeface="Avenir Book" panose="02000503020000020003" pitchFamily="2" charset="0"/>
+              </a:endParaRPr>
+            </a:p>
+          </p:txBody>
+        </p:sp>
+      </p:grpSp>
+      <p:grpSp>
+        <p:nvGrpSpPr>
+          <p:cNvPr id="24" name="Group 23">
+            <a:extLst>
+              <a:ext uri="{FF2B5EF4-FFF2-40B4-BE49-F238E27FC236}">
+                <a16:creationId xmlns:a16="http://schemas.microsoft.com/office/drawing/2014/main" id="{11DFD76D-AF77-0741-91DD-D5FACCDEE9D7}"/>
+              </a:ext>
+            </a:extLst>
+          </p:cNvPr>
+          <p:cNvGrpSpPr/>
+          <p:nvPr/>
+        </p:nvGrpSpPr>
+        <p:grpSpPr>
+          <a:xfrm>
+            <a:off x="6904801" y="3141807"/>
+            <a:ext cx="1058341" cy="1227656"/>
+            <a:chOff x="7563364" y="2634161"/>
+            <a:chExt cx="1058341" cy="1227656"/>
+          </a:xfrm>
+        </p:grpSpPr>
+        <p:graphicFrame>
+          <p:nvGraphicFramePr>
+            <p:cNvPr id="28" name="Diagram 27">
+              <a:extLst>
+                <a:ext uri="{FF2B5EF4-FFF2-40B4-BE49-F238E27FC236}">
+                  <a16:creationId xmlns:a16="http://schemas.microsoft.com/office/drawing/2014/main" id="{1538BA73-3344-754F-8815-5E914142D351}"/>
+                </a:ext>
+              </a:extLst>
+            </p:cNvPr>
+            <p:cNvGraphicFramePr/>
+            <p:nvPr>
+              <p:extLst>
+                <p:ext uri="{D42A27DB-BD31-4B8C-83A1-F6EECF244321}">
+                  <p14:modId xmlns:p14="http://schemas.microsoft.com/office/powerpoint/2010/main" val="767393000"/>
+                </p:ext>
+              </p:extLst>
+            </p:nvPr>
+          </p:nvGraphicFramePr>
+          <p:xfrm>
+            <a:off x="7563364" y="2797421"/>
+            <a:ext cx="1058341" cy="1064396"/>
+          </p:xfrm>
+          <a:graphic>
+            <a:graphicData uri="http://schemas.openxmlformats.org/drawingml/2006/diagram">
+              <dgm:relIds xmlns:dgm="http://schemas.openxmlformats.org/drawingml/2006/diagram" xmlns:r="http://schemas.openxmlformats.org/officeDocument/2006/relationships" r:dm="rId3" r:lo="rId4" r:qs="rId5" r:cs="rId6"/>
+            </a:graphicData>
+          </a:graphic>
+        </p:graphicFrame>
+        <p:cxnSp>
+          <p:nvCxnSpPr>
+            <p:cNvPr id="29" name="Curved Connector 28">
+              <a:extLst>
+                <a:ext uri="{FF2B5EF4-FFF2-40B4-BE49-F238E27FC236}">
+                  <a16:creationId xmlns:a16="http://schemas.microsoft.com/office/drawing/2014/main" id="{B999A3F6-FA51-EB4D-9146-ECE60382879F}"/>
+                </a:ext>
+              </a:extLst>
+            </p:cNvPr>
+            <p:cNvCxnSpPr>
+              <a:cxnSpLocks/>
+              <a:endCxn id="14" idx="2"/>
+            </p:cNvCxnSpPr>
+            <p:nvPr/>
+          </p:nvCxnSpPr>
+          <p:spPr>
+            <a:xfrm rot="5400000" flipH="1" flipV="1">
+              <a:off x="7943273" y="2669830"/>
+              <a:ext cx="555466" cy="484128"/>
+            </a:xfrm>
+            <a:prstGeom prst="curvedConnector3">
+              <a:avLst>
+                <a:gd name="adj1" fmla="val 50000"/>
+              </a:avLst>
+            </a:prstGeom>
+            <a:ln>
+              <a:tailEnd type="triangle"/>
+            </a:ln>
+          </p:spPr>
+          <p:style>
+            <a:lnRef idx="1">
+              <a:schemeClr val="dk1"/>
+            </a:lnRef>
+            <a:fillRef idx="0">
+              <a:schemeClr val="dk1"/>
+            </a:fillRef>
+            <a:effectRef idx="0">
+              <a:schemeClr val="dk1"/>
+            </a:effectRef>
+            <a:fontRef idx="minor">
+              <a:schemeClr val="tx1"/>
+            </a:fontRef>
+          </p:style>
+        </p:cxnSp>
+        <p:sp>
+          <p:nvSpPr>
+            <p:cNvPr id="31" name="TextBox 30">
+              <a:extLst>
+                <a:ext uri="{FF2B5EF4-FFF2-40B4-BE49-F238E27FC236}">
+                  <a16:creationId xmlns:a16="http://schemas.microsoft.com/office/drawing/2014/main" id="{72A2B581-8D8B-8F47-9801-F7EC4C32B9D1}"/>
+                </a:ext>
+              </a:extLst>
+            </p:cNvPr>
+            <p:cNvSpPr txBox="1"/>
+            <p:nvPr/>
+          </p:nvSpPr>
+          <p:spPr>
+            <a:xfrm>
+              <a:off x="7780791" y="3198873"/>
+              <a:ext cx="650418" cy="276999"/>
+            </a:xfrm>
+            <a:prstGeom prst="rect">
+              <a:avLst/>
+            </a:prstGeom>
+            <a:noFill/>
+          </p:spPr>
+          <p:txBody>
+            <a:bodyPr wrap="square" rtlCol="0">
+              <a:spAutoFit/>
+            </a:bodyPr>
+            <a:lstStyle/>
+            <a:p>
+              <a:r>
+                <a:rPr lang="en-US" sz="1200" dirty="0">
+                  <a:latin typeface="Avenir Book" panose="02000503020000020003" pitchFamily="2" charset="0"/>
+                </a:rPr>
+                <a:t>TX/TL</a:t>
+              </a:r>
+            </a:p>
+          </p:txBody>
+        </p:sp>
+      </p:grpSp>
+      <p:sp>
+        <p:nvSpPr>
+          <p:cNvPr id="32" name="TextBox 31">
+            <a:extLst>
+              <a:ext uri="{FF2B5EF4-FFF2-40B4-BE49-F238E27FC236}">
+                <a16:creationId xmlns:a16="http://schemas.microsoft.com/office/drawing/2014/main" id="{8F059850-2105-BA40-BE2F-FF7499939FD4}"/>
+              </a:ext>
+            </a:extLst>
+          </p:cNvPr>
+          <p:cNvSpPr txBox="1"/>
+          <p:nvPr/>
         </p:nvSpPr>
-        <p:spPr/>
+        <p:spPr>
+          <a:xfrm>
+            <a:off x="8319338" y="4061994"/>
+            <a:ext cx="845864" cy="276999"/>
+          </a:xfrm>
+          <a:prstGeom prst="rect">
+            <a:avLst/>
+          </a:prstGeom>
+          <a:noFill/>
+        </p:spPr>
         <p:txBody>
-          <a:bodyPr/>
+          <a:bodyPr wrap="square" rtlCol="0">
+            <a:spAutoFit/>
+          </a:bodyPr>
           <a:lstStyle/>
           <a:p>
             <a:r>
-              <a:rPr lang="en-US" dirty="0"/>
-              <a:t>ATP Synthase with </a:t>
+              <a:rPr lang="en-US" sz="1200" dirty="0">
+                <a:latin typeface="Avenir Book" panose="02000503020000020003" pitchFamily="2" charset="0"/>
+              </a:rPr>
+              <a:t>ADP + Pi</a:t>
             </a:r>
-            <a:r>
-              <a:rPr lang="en-US" dirty="0" err="1"/>
-              <a:t>Ayush</a:t>
-            </a:r>
-            <a:endParaRPr lang="en-US" dirty="0"/>
           </a:p>
         </p:txBody>
       </p:sp>
-      <p:sp>
-        <p:nvSpPr>
-          <p:cNvPr id="3" name="Content Placeholder 2">
+      <p:cxnSp>
+        <p:nvCxnSpPr>
+          <p:cNvPr id="33" name="Curved Connector 32">
             <a:extLst>
               <a:ext uri="{FF2B5EF4-FFF2-40B4-BE49-F238E27FC236}">
-                <a16:creationId xmlns:a16="http://schemas.microsoft.com/office/drawing/2014/main" id="{16B93FFC-44AD-DD45-8447-9FF2C89B2FC8}"/>
+                <a16:creationId xmlns:a16="http://schemas.microsoft.com/office/drawing/2014/main" id="{EF23DF15-DE08-3D4B-8A86-62179C343D9F}"/>
               </a:ext>
             </a:extLst>
           </p:cNvPr>
-          <p:cNvSpPr>
-            <a:spLocks noGrp="1"/>
-          </p:cNvSpPr>
-          <p:nvPr>
-            <p:ph idx="1"/>
-          </p:nvPr>
+          <p:cNvCxnSpPr>
+            <a:cxnSpLocks/>
+          </p:cNvCxnSpPr>
+          <p:nvPr/>
+        </p:nvCxnSpPr>
+        <p:spPr>
+          <a:xfrm flipV="1">
+            <a:off x="8154456" y="4358902"/>
+            <a:ext cx="351611" cy="336440"/>
+          </a:xfrm>
+          <a:prstGeom prst="curvedConnector2">
+            <a:avLst/>
+          </a:prstGeom>
+          <a:ln>
+            <a:tailEnd type="triangle"/>
+          </a:ln>
+        </p:spPr>
+        <p:style>
+          <a:lnRef idx="1">
+            <a:schemeClr val="dk1"/>
+          </a:lnRef>
+          <a:fillRef idx="0">
+            <a:schemeClr val="dk1"/>
+          </a:fillRef>
+          <a:effectRef idx="0">
+            <a:schemeClr val="dk1"/>
+          </a:effectRef>
+          <a:fontRef idx="minor">
+            <a:schemeClr val="tx1"/>
+          </a:fontRef>
+        </p:style>
+      </p:cxnSp>
+      <p:sp>
+        <p:nvSpPr>
+          <p:cNvPr id="34" name="TextBox 33">
+            <a:extLst>
+              <a:ext uri="{FF2B5EF4-FFF2-40B4-BE49-F238E27FC236}">
+                <a16:creationId xmlns:a16="http://schemas.microsoft.com/office/drawing/2014/main" id="{0130D609-1305-914C-888C-B57EBB4A2E95}"/>
+              </a:ext>
+            </a:extLst>
+          </p:cNvPr>
+          <p:cNvSpPr txBox="1"/>
+          <p:nvPr/>
         </p:nvSpPr>
-        <p:spPr/>
+        <p:spPr>
+          <a:xfrm>
+            <a:off x="7775965" y="4541993"/>
+            <a:ext cx="481729" cy="276999"/>
+          </a:xfrm>
+          <a:prstGeom prst="rect">
+            <a:avLst/>
+          </a:prstGeom>
+          <a:noFill/>
+        </p:spPr>
         <p:txBody>
-          <a:bodyPr/>
+          <a:bodyPr wrap="square" rtlCol="0">
+            <a:spAutoFit/>
+          </a:bodyPr>
           <a:lstStyle/>
           <a:p>
-            <a:endParaRPr lang="en-US"/>
+            <a:r>
+              <a:rPr lang="en-US" sz="1200" dirty="0">
+                <a:latin typeface="Avenir Book" panose="02000503020000020003" pitchFamily="2" charset="0"/>
+              </a:rPr>
+              <a:t>ATP </a:t>
+            </a:r>
           </a:p>
         </p:txBody>
       </p:sp>
+      <p:cxnSp>
+        <p:nvCxnSpPr>
+          <p:cNvPr id="45" name="Curved Connector 44">
+            <a:extLst>
+              <a:ext uri="{FF2B5EF4-FFF2-40B4-BE49-F238E27FC236}">
+                <a16:creationId xmlns:a16="http://schemas.microsoft.com/office/drawing/2014/main" id="{3F0B4ECA-05E3-AF4E-B3D7-986705E67350}"/>
+              </a:ext>
+            </a:extLst>
+          </p:cNvPr>
+          <p:cNvCxnSpPr>
+            <a:cxnSpLocks/>
+          </p:cNvCxnSpPr>
+          <p:nvPr/>
+        </p:nvCxnSpPr>
+        <p:spPr>
+          <a:xfrm rot="10800000" flipV="1">
+            <a:off x="7668495" y="3506528"/>
+            <a:ext cx="984918" cy="445759"/>
+          </a:xfrm>
+          <a:prstGeom prst="curvedConnector3">
+            <a:avLst>
+              <a:gd name="adj1" fmla="val 3580"/>
+            </a:avLst>
+          </a:prstGeom>
+          <a:ln>
+            <a:tailEnd type="triangle"/>
+          </a:ln>
+        </p:spPr>
+        <p:style>
+          <a:lnRef idx="1">
+            <a:schemeClr val="dk1"/>
+          </a:lnRef>
+          <a:fillRef idx="0">
+            <a:schemeClr val="dk1"/>
+          </a:fillRef>
+          <a:effectRef idx="0">
+            <a:schemeClr val="dk1"/>
+          </a:effectRef>
+          <a:fontRef idx="minor">
+            <a:schemeClr val="tx1"/>
+          </a:fontRef>
+        </p:style>
+      </p:cxnSp>
       <p:pic>
         <p:nvPicPr>
-          <p:cNvPr id="4" name="Picture 3" descr="A picture containing drawing&#10;&#10;Description automatically generated">
+          <p:cNvPr id="51" name="Picture 50" descr="A close up of a map&#10;&#10;Description automatically generated">
             <a:extLst>
               <a:ext uri="{FF2B5EF4-FFF2-40B4-BE49-F238E27FC236}">
-                <a16:creationId xmlns:a16="http://schemas.microsoft.com/office/drawing/2014/main" id="{1F180694-CA3A-5E46-A5B0-61484D753165}"/>
+                <a16:creationId xmlns:a16="http://schemas.microsoft.com/office/drawing/2014/main" id="{C76896B5-3B65-C349-A8A9-9CB583651937}"/>
               </a:ext>
             </a:extLst>
           </p:cNvPr>
@@ -12528,62 +21707,25 @@
           <p:nvPr/>
         </p:nvPicPr>
         <p:blipFill>
-          <a:blip r:embed="rId2"/>
+          <a:blip r:embed="rId8"/>
           <a:stretch>
             <a:fillRect/>
           </a:stretch>
         </p:blipFill>
         <p:spPr>
           <a:xfrm>
-            <a:off x="11117119" y="6514803"/>
-            <a:ext cx="1074881" cy="343197"/>
+            <a:off x="885811" y="1879058"/>
+            <a:ext cx="5055326" cy="3931920"/>
           </a:xfrm>
           <a:prstGeom prst="rect">
             <a:avLst/>
           </a:prstGeom>
         </p:spPr>
       </p:pic>
-      <p:sp>
-        <p:nvSpPr>
-          <p:cNvPr id="5" name="TextBox 4">
-            <a:extLst>
-              <a:ext uri="{FF2B5EF4-FFF2-40B4-BE49-F238E27FC236}">
-                <a16:creationId xmlns:a16="http://schemas.microsoft.com/office/drawing/2014/main" id="{F383125C-F600-7A49-B52F-EB67A9138FED}"/>
-              </a:ext>
-            </a:extLst>
-          </p:cNvPr>
-          <p:cNvSpPr txBox="1"/>
-          <p:nvPr/>
-        </p:nvSpPr>
-        <p:spPr>
-          <a:xfrm>
-            <a:off x="8963152" y="6596390"/>
-            <a:ext cx="2222083" cy="261610"/>
-          </a:xfrm>
-          <a:prstGeom prst="rect">
-            <a:avLst/>
-          </a:prstGeom>
-          <a:noFill/>
-        </p:spPr>
-        <p:txBody>
-          <a:bodyPr wrap="none" rtlCol="0">
-            <a:spAutoFit/>
-          </a:bodyPr>
-          <a:lstStyle/>
-          <a:p>
-            <a:r>
-              <a:rPr lang="en-US" sz="1100" dirty="0">
-                <a:latin typeface="Avenir Book" panose="02000503020000020003" pitchFamily="2" charset="0"/>
-              </a:rPr>
-              <a:t>Ankita Roychoudhury 8.17.2020</a:t>
-            </a:r>
-          </a:p>
-        </p:txBody>
-      </p:sp>
     </p:spTree>
     <p:extLst>
       <p:ext uri="{BB962C8B-B14F-4D97-AF65-F5344CB8AC3E}">
-        <p14:creationId xmlns:p14="http://schemas.microsoft.com/office/powerpoint/2010/main" val="1257779323"/>
+        <p14:creationId xmlns:p14="http://schemas.microsoft.com/office/powerpoint/2010/main" val="935659595"/>
       </p:ext>
     </p:extLst>
   </p:cSld>

--- a/miscellaneous/presentations/20200817_murray_mtg.pptx
+++ b/miscellaneous/presentations/20200817_murray_mtg.pptx
@@ -20,8 +20,8 @@
     <p:sldId id="272" r:id="rId11"/>
     <p:sldId id="262" r:id="rId12"/>
     <p:sldId id="265" r:id="rId13"/>
-    <p:sldId id="268" r:id="rId14"/>
-    <p:sldId id="270" r:id="rId15"/>
+    <p:sldId id="270" r:id="rId14"/>
+    <p:sldId id="268" r:id="rId15"/>
     <p:sldId id="266" r:id="rId16"/>
     <p:sldId id="267" r:id="rId17"/>
   </p:sldIdLst>
@@ -10318,6 +10318,90 @@
 </p:notes>
 </file>
 
+<file path=ppt/notesSlides/notesSlide6.xml><?xml version="1.0" encoding="utf-8"?>
+<p:notes xmlns:a="http://schemas.openxmlformats.org/drawingml/2006/main" xmlns:r="http://schemas.openxmlformats.org/officeDocument/2006/relationships" xmlns:p="http://schemas.openxmlformats.org/presentationml/2006/main">
+  <p:cSld>
+    <p:spTree>
+      <p:nvGrpSpPr>
+        <p:cNvPr id="1" name=""/>
+        <p:cNvGrpSpPr/>
+        <p:nvPr/>
+      </p:nvGrpSpPr>
+      <p:grpSpPr>
+        <a:xfrm>
+          <a:off x="0" y="0"/>
+          <a:ext cx="0" cy="0"/>
+          <a:chOff x="0" y="0"/>
+          <a:chExt cx="0" cy="0"/>
+        </a:xfrm>
+      </p:grpSpPr>
+      <p:sp>
+        <p:nvSpPr>
+          <p:cNvPr id="2" name="Slide Image Placeholder 1"/>
+          <p:cNvSpPr>
+            <a:spLocks noGrp="1" noRot="1" noChangeAspect="1"/>
+          </p:cNvSpPr>
+          <p:nvPr>
+            <p:ph type="sldImg"/>
+          </p:nvPr>
+        </p:nvSpPr>
+        <p:spPr/>
+      </p:sp>
+      <p:sp>
+        <p:nvSpPr>
+          <p:cNvPr id="3" name="Notes Placeholder 2"/>
+          <p:cNvSpPr>
+            <a:spLocks noGrp="1"/>
+          </p:cNvSpPr>
+          <p:nvPr>
+            <p:ph type="body" idx="1"/>
+          </p:nvPr>
+        </p:nvSpPr>
+        <p:spPr/>
+        <p:txBody>
+          <a:bodyPr/>
+          <a:lstStyle/>
+          <a:p>
+            <a:endParaRPr lang="en-US" dirty="0"/>
+          </a:p>
+        </p:txBody>
+      </p:sp>
+      <p:sp>
+        <p:nvSpPr>
+          <p:cNvPr id="4" name="Slide Number Placeholder 3"/>
+          <p:cNvSpPr>
+            <a:spLocks noGrp="1"/>
+          </p:cNvSpPr>
+          <p:nvPr>
+            <p:ph type="sldNum" sz="quarter" idx="5"/>
+          </p:nvPr>
+        </p:nvSpPr>
+        <p:spPr/>
+        <p:txBody>
+          <a:bodyPr/>
+          <a:lstStyle/>
+          <a:p>
+            <a:fld id="{91AA38ED-6E11-A042-BD50-887A2F32D715}" type="slidenum">
+              <a:rPr lang="en-US" smtClean="0"/>
+              <a:t>13</a:t>
+            </a:fld>
+            <a:endParaRPr lang="en-US"/>
+          </a:p>
+        </p:txBody>
+      </p:sp>
+    </p:spTree>
+    <p:extLst>
+      <p:ext uri="{BB962C8B-B14F-4D97-AF65-F5344CB8AC3E}">
+        <p14:creationId xmlns:p14="http://schemas.microsoft.com/office/powerpoint/2010/main" val="2143769512"/>
+      </p:ext>
+    </p:extLst>
+  </p:cSld>
+  <p:clrMapOvr>
+    <a:masterClrMapping/>
+  </p:clrMapOvr>
+</p:notes>
+</file>
+
 <file path=ppt/slideLayouts/slideLayout1.xml><?xml version="1.0" encoding="utf-8"?>
 <p:sldLayout xmlns:a="http://schemas.openxmlformats.org/drawingml/2006/main" xmlns:r="http://schemas.openxmlformats.org/officeDocument/2006/relationships" xmlns:p="http://schemas.openxmlformats.org/presentationml/2006/main" type="title" preserve="1">
   <p:cSld name="Title Slide">
@@ -13869,48 +13953,54 @@
             <p:ph type="title"/>
           </p:nvPr>
         </p:nvSpPr>
-        <p:spPr/>
+        <p:spPr>
+          <a:xfrm>
+            <a:off x="162951" y="157386"/>
+            <a:ext cx="10515600" cy="1325563"/>
+          </a:xfrm>
+        </p:spPr>
         <p:txBody>
-          <a:bodyPr/>
+          <a:bodyPr>
+            <a:normAutofit/>
+          </a:bodyPr>
           <a:lstStyle/>
           <a:p>
             <a:r>
-              <a:rPr lang="en-US" dirty="0"/>
-              <a:t>ATP Synthase with </a:t>
+              <a:rPr lang="en-US" sz="3200" dirty="0"/>
+              <a:t>ATP Synthase Model in Different Temperatures</a:t>
             </a:r>
-            <a:r>
-              <a:rPr lang="en-US" dirty="0" err="1"/>
-              <a:t>Ayush</a:t>
-            </a:r>
-            <a:endParaRPr lang="en-US" dirty="0"/>
           </a:p>
         </p:txBody>
       </p:sp>
-      <p:sp>
-        <p:nvSpPr>
-          <p:cNvPr id="3" name="Content Placeholder 2">
+      <p:pic>
+        <p:nvPicPr>
+          <p:cNvPr id="7" name="Content Placeholder 6" descr="A close up of a map&#10;&#10;Description automatically generated">
             <a:extLst>
               <a:ext uri="{FF2B5EF4-FFF2-40B4-BE49-F238E27FC236}">
-                <a16:creationId xmlns:a16="http://schemas.microsoft.com/office/drawing/2014/main" id="{16B93FFC-44AD-DD45-8447-9FF2C89B2FC8}"/>
+                <a16:creationId xmlns:a16="http://schemas.microsoft.com/office/drawing/2014/main" id="{10A7E1A4-52AB-CE48-B389-EBDF43FDCEBB}"/>
               </a:ext>
             </a:extLst>
           </p:cNvPr>
-          <p:cNvSpPr>
-            <a:spLocks noGrp="1"/>
-          </p:cNvSpPr>
+          <p:cNvPicPr>
+            <a:picLocks noGrp="1" noChangeAspect="1"/>
+          </p:cNvPicPr>
           <p:nvPr>
             <p:ph idx="1"/>
           </p:nvPr>
-        </p:nvSpPr>
-        <p:spPr/>
-        <p:txBody>
-          <a:bodyPr/>
-          <a:lstStyle/>
-          <a:p>
-            <a:endParaRPr lang="en-US"/>
-          </a:p>
-        </p:txBody>
-      </p:sp>
+        </p:nvPicPr>
+        <p:blipFill>
+          <a:blip r:embed="rId2"/>
+          <a:stretch>
+            <a:fillRect/>
+          </a:stretch>
+        </p:blipFill>
+        <p:spPr>
+          <a:xfrm>
+            <a:off x="2450855" y="1523743"/>
+            <a:ext cx="4814375" cy="3744514"/>
+          </a:xfrm>
+        </p:spPr>
+      </p:pic>
       <p:pic>
         <p:nvPicPr>
           <p:cNvPr id="4" name="Picture 3" descr="A picture containing drawing&#10;&#10;Description automatically generated">
@@ -13926,7 +14016,7 @@
           <p:nvPr/>
         </p:nvPicPr>
         <p:blipFill>
-          <a:blip r:embed="rId2"/>
+          <a:blip r:embed="rId3"/>
           <a:stretch>
             <a:fillRect/>
           </a:stretch>
@@ -13978,6 +14068,97 @@
           </a:p>
         </p:txBody>
       </p:sp>
+      <p:pic>
+        <p:nvPicPr>
+          <p:cNvPr id="30" name="Picture 29" descr="A close up of text on a white background&#10;&#10;Description automatically generated">
+            <a:extLst>
+              <a:ext uri="{FF2B5EF4-FFF2-40B4-BE49-F238E27FC236}">
+                <a16:creationId xmlns:a16="http://schemas.microsoft.com/office/drawing/2014/main" id="{D6A72E0A-1C71-B548-A11C-723AC0FD0888}"/>
+              </a:ext>
+            </a:extLst>
+          </p:cNvPr>
+          <p:cNvPicPr>
+            <a:picLocks noChangeAspect="1"/>
+          </p:cNvPicPr>
+          <p:nvPr/>
+        </p:nvPicPr>
+        <p:blipFill>
+          <a:blip r:embed="rId4"/>
+          <a:stretch>
+            <a:fillRect/>
+          </a:stretch>
+        </p:blipFill>
+        <p:spPr>
+          <a:xfrm>
+            <a:off x="8680341" y="2284642"/>
+            <a:ext cx="2240362" cy="2288715"/>
+          </a:xfrm>
+          <a:prstGeom prst="rect">
+            <a:avLst/>
+          </a:prstGeom>
+        </p:spPr>
+      </p:pic>
+      <p:sp>
+        <p:nvSpPr>
+          <p:cNvPr id="31" name="TextBox 30">
+            <a:extLst>
+              <a:ext uri="{FF2B5EF4-FFF2-40B4-BE49-F238E27FC236}">
+                <a16:creationId xmlns:a16="http://schemas.microsoft.com/office/drawing/2014/main" id="{07CC6667-8E46-454E-92EB-3C3E3CFE42B4}"/>
+              </a:ext>
+            </a:extLst>
+          </p:cNvPr>
+          <p:cNvSpPr txBox="1"/>
+          <p:nvPr/>
+        </p:nvSpPr>
+        <p:spPr>
+          <a:xfrm>
+            <a:off x="0" y="6596390"/>
+            <a:ext cx="6175730" cy="307777"/>
+          </a:xfrm>
+          <a:prstGeom prst="rect">
+            <a:avLst/>
+          </a:prstGeom>
+          <a:noFill/>
+        </p:spPr>
+        <p:txBody>
+          <a:bodyPr wrap="none" rtlCol="0">
+            <a:spAutoFit/>
+          </a:bodyPr>
+          <a:lstStyle/>
+          <a:p>
+            <a:r>
+              <a:rPr lang="en-US" sz="1400" dirty="0">
+                <a:latin typeface="Avenir Book" panose="02000503020000020003" pitchFamily="2" charset="0"/>
+              </a:rPr>
+              <a:t>Temperature rate equation courtesy of </a:t>
+            </a:r>
+            <a:r>
+              <a:rPr lang="en-US" sz="1400" dirty="0" err="1">
+                <a:latin typeface="Avenir Book" panose="02000503020000020003" pitchFamily="2" charset="0"/>
+              </a:rPr>
+              <a:t>Ayush</a:t>
+            </a:r>
+            <a:r>
+              <a:rPr lang="en-US" sz="1400" dirty="0">
+                <a:latin typeface="Avenir Book" panose="02000503020000020003" pitchFamily="2" charset="0"/>
+              </a:rPr>
+              <a:t> Venkatesh </a:t>
+            </a:r>
+            <a:r>
+              <a:rPr lang="en-US" sz="1400" dirty="0" err="1">
+                <a:latin typeface="Avenir Book" panose="02000503020000020003" pitchFamily="2" charset="0"/>
+              </a:rPr>
+              <a:t>Bindlish</a:t>
+            </a:r>
+            <a:r>
+              <a:rPr lang="en-US" sz="1400" dirty="0">
+                <a:latin typeface="Avenir Book" panose="02000503020000020003" pitchFamily="2" charset="0"/>
+              </a:rPr>
+              <a:t> (IIT Delhi) </a:t>
+            </a:r>
+          </a:p>
+        </p:txBody>
+      </p:sp>
     </p:spTree>
     <p:extLst>
       <p:ext uri="{BB962C8B-B14F-4D97-AF65-F5344CB8AC3E}">
@@ -14024,45 +14205,22 @@
             <p:ph type="title"/>
           </p:nvPr>
         </p:nvSpPr>
-        <p:spPr/>
+        <p:spPr>
+          <a:xfrm>
+            <a:off x="162951" y="67836"/>
+            <a:ext cx="10515600" cy="1325563"/>
+          </a:xfrm>
+        </p:spPr>
         <p:txBody>
-          <a:bodyPr/>
+          <a:bodyPr>
+            <a:normAutofit/>
+          </a:bodyPr>
           <a:lstStyle/>
           <a:p>
             <a:r>
-              <a:rPr lang="en-US" dirty="0"/>
-              <a:t>ATP Synthase with </a:t>
+              <a:rPr lang="en-US" sz="2800" dirty="0"/>
+              <a:t>ATP Synthase Model speeds up ssDNA export and causes more bound VirE2</a:t>
             </a:r>
-            <a:r>
-              <a:rPr lang="en-US" dirty="0" err="1"/>
-              <a:t>Agrima</a:t>
-            </a:r>
-            <a:endParaRPr lang="en-US" dirty="0"/>
-          </a:p>
-        </p:txBody>
-      </p:sp>
-      <p:sp>
-        <p:nvSpPr>
-          <p:cNvPr id="3" name="Content Placeholder 2">
-            <a:extLst>
-              <a:ext uri="{FF2B5EF4-FFF2-40B4-BE49-F238E27FC236}">
-                <a16:creationId xmlns:a16="http://schemas.microsoft.com/office/drawing/2014/main" id="{C089390B-4D12-1841-A2B6-B33C2EB93EE4}"/>
-              </a:ext>
-            </a:extLst>
-          </p:cNvPr>
-          <p:cNvSpPr>
-            <a:spLocks noGrp="1"/>
-          </p:cNvSpPr>
-          <p:nvPr>
-            <p:ph idx="1"/>
-          </p:nvPr>
-        </p:nvSpPr>
-        <p:spPr/>
-        <p:txBody>
-          <a:bodyPr/>
-          <a:lstStyle/>
-          <a:p>
-            <a:endParaRPr lang="en-US"/>
           </a:p>
         </p:txBody>
       </p:sp>
@@ -14133,6 +14291,127 @@
           </a:p>
         </p:txBody>
       </p:sp>
+      <p:pic>
+        <p:nvPicPr>
+          <p:cNvPr id="11" name="Picture 10" descr="A close up of a map&#10;&#10;Description automatically generated">
+            <a:extLst>
+              <a:ext uri="{FF2B5EF4-FFF2-40B4-BE49-F238E27FC236}">
+                <a16:creationId xmlns:a16="http://schemas.microsoft.com/office/drawing/2014/main" id="{D9234790-41F3-0145-A411-73E8349993C6}"/>
+              </a:ext>
+            </a:extLst>
+          </p:cNvPr>
+          <p:cNvPicPr>
+            <a:picLocks noChangeAspect="1"/>
+          </p:cNvPicPr>
+          <p:nvPr/>
+        </p:nvPicPr>
+        <p:blipFill>
+          <a:blip r:embed="rId3"/>
+          <a:stretch>
+            <a:fillRect/>
+          </a:stretch>
+        </p:blipFill>
+        <p:spPr>
+          <a:xfrm>
+            <a:off x="6096000" y="1834704"/>
+            <a:ext cx="4702629" cy="3657600"/>
+          </a:xfrm>
+          <a:prstGeom prst="rect">
+            <a:avLst/>
+          </a:prstGeom>
+        </p:spPr>
+      </p:pic>
+      <p:pic>
+        <p:nvPicPr>
+          <p:cNvPr id="13" name="Picture 12" descr="A close up of a map&#10;&#10;Description automatically generated">
+            <a:extLst>
+              <a:ext uri="{FF2B5EF4-FFF2-40B4-BE49-F238E27FC236}">
+                <a16:creationId xmlns:a16="http://schemas.microsoft.com/office/drawing/2014/main" id="{76A72BC9-5E6C-B044-9E38-114158ACA13C}"/>
+              </a:ext>
+            </a:extLst>
+          </p:cNvPr>
+          <p:cNvPicPr>
+            <a:picLocks noChangeAspect="1"/>
+          </p:cNvPicPr>
+          <p:nvPr/>
+        </p:nvPicPr>
+        <p:blipFill>
+          <a:blip r:embed="rId4"/>
+          <a:stretch>
+            <a:fillRect/>
+          </a:stretch>
+        </p:blipFill>
+        <p:spPr>
+          <a:xfrm>
+            <a:off x="1033040" y="1834704"/>
+            <a:ext cx="4702629" cy="3657600"/>
+          </a:xfrm>
+          <a:prstGeom prst="rect">
+            <a:avLst/>
+          </a:prstGeom>
+        </p:spPr>
+      </p:pic>
+      <p:sp>
+        <p:nvSpPr>
+          <p:cNvPr id="16" name="TextBox 15">
+            <a:extLst>
+              <a:ext uri="{FF2B5EF4-FFF2-40B4-BE49-F238E27FC236}">
+                <a16:creationId xmlns:a16="http://schemas.microsoft.com/office/drawing/2014/main" id="{1FEB0ACE-6BCF-4348-9C9D-F70420388B6C}"/>
+              </a:ext>
+            </a:extLst>
+          </p:cNvPr>
+          <p:cNvSpPr txBox="1"/>
+          <p:nvPr/>
+        </p:nvSpPr>
+        <p:spPr>
+          <a:xfrm>
+            <a:off x="0" y="6596390"/>
+            <a:ext cx="4655442" cy="307777"/>
+          </a:xfrm>
+          <a:prstGeom prst="rect">
+            <a:avLst/>
+          </a:prstGeom>
+          <a:noFill/>
+        </p:spPr>
+        <p:txBody>
+          <a:bodyPr wrap="none" rtlCol="0">
+            <a:spAutoFit/>
+          </a:bodyPr>
+          <a:lstStyle/>
+          <a:p>
+            <a:r>
+              <a:rPr lang="en-US" sz="1400" dirty="0">
+                <a:latin typeface="Avenir Book" panose="02000503020000020003" pitchFamily="2" charset="0"/>
+              </a:rPr>
+              <a:t>Export model courtesy of </a:t>
+            </a:r>
+            <a:r>
+              <a:rPr lang="en-US" sz="1400" dirty="0" err="1">
+                <a:latin typeface="Avenir Book" panose="02000503020000020003" pitchFamily="2" charset="0"/>
+              </a:rPr>
+              <a:t>Agrima</a:t>
+            </a:r>
+            <a:r>
+              <a:rPr lang="en-US" sz="1400" dirty="0">
+                <a:latin typeface="Avenir Book" panose="02000503020000020003" pitchFamily="2" charset="0"/>
+              </a:rPr>
+              <a:t> </a:t>
+            </a:r>
+            <a:r>
+              <a:rPr lang="en-US" sz="1400" dirty="0" err="1">
+                <a:latin typeface="Avenir Book" panose="02000503020000020003" pitchFamily="2" charset="0"/>
+              </a:rPr>
+              <a:t>Deedwania</a:t>
+            </a:r>
+            <a:r>
+              <a:rPr lang="en-US" sz="1400" dirty="0">
+                <a:latin typeface="Avenir Book" panose="02000503020000020003" pitchFamily="2" charset="0"/>
+              </a:rPr>
+              <a:t> (IIT Delhi) </a:t>
+            </a:r>
+          </a:p>
+        </p:txBody>
+      </p:sp>
     </p:spTree>
     <p:extLst>
       <p:ext uri="{BB962C8B-B14F-4D97-AF65-F5344CB8AC3E}">
@@ -14147,6 +14426,781 @@
 </file>
 
 <file path=ppt/slides/slide13.xml><?xml version="1.0" encoding="utf-8"?>
+<p:sld xmlns:a="http://schemas.openxmlformats.org/drawingml/2006/main" xmlns:r="http://schemas.openxmlformats.org/officeDocument/2006/relationships" xmlns:p="http://schemas.openxmlformats.org/presentationml/2006/main">
+  <p:cSld>
+    <p:spTree>
+      <p:nvGrpSpPr>
+        <p:cNvPr id="1" name=""/>
+        <p:cNvGrpSpPr/>
+        <p:nvPr/>
+      </p:nvGrpSpPr>
+      <p:grpSpPr>
+        <a:xfrm>
+          <a:off x="0" y="0"/>
+          <a:ext cx="0" cy="0"/>
+          <a:chOff x="0" y="0"/>
+          <a:chExt cx="0" cy="0"/>
+        </a:xfrm>
+      </p:grpSpPr>
+      <p:sp>
+        <p:nvSpPr>
+          <p:cNvPr id="2" name="Title 1">
+            <a:extLst>
+              <a:ext uri="{FF2B5EF4-FFF2-40B4-BE49-F238E27FC236}">
+                <a16:creationId xmlns:a16="http://schemas.microsoft.com/office/drawing/2014/main" id="{60A82EDD-A20D-6343-A05B-2FACB4C227B5}"/>
+              </a:ext>
+            </a:extLst>
+          </p:cNvPr>
+          <p:cNvSpPr>
+            <a:spLocks noGrp="1"/>
+          </p:cNvSpPr>
+          <p:nvPr>
+            <p:ph type="title"/>
+          </p:nvPr>
+        </p:nvSpPr>
+        <p:spPr>
+          <a:xfrm>
+            <a:off x="367732" y="0"/>
+            <a:ext cx="6708317" cy="1325563"/>
+          </a:xfrm>
+        </p:spPr>
+        <p:txBody>
+          <a:bodyPr>
+            <a:normAutofit/>
+          </a:bodyPr>
+          <a:lstStyle/>
+          <a:p>
+            <a:r>
+              <a:rPr lang="en-US" sz="3200" dirty="0"/>
+              <a:t>ATP Rheostat Parameter Sensitivity</a:t>
+            </a:r>
+          </a:p>
+        </p:txBody>
+      </p:sp>
+      <p:sp>
+        <p:nvSpPr>
+          <p:cNvPr id="3" name="Content Placeholder 2">
+            <a:extLst>
+              <a:ext uri="{FF2B5EF4-FFF2-40B4-BE49-F238E27FC236}">
+                <a16:creationId xmlns:a16="http://schemas.microsoft.com/office/drawing/2014/main" id="{B3FB1137-E3E6-764B-B4B2-A8F2343441D8}"/>
+              </a:ext>
+            </a:extLst>
+          </p:cNvPr>
+          <p:cNvSpPr>
+            <a:spLocks noGrp="1"/>
+          </p:cNvSpPr>
+          <p:nvPr>
+            <p:ph idx="1"/>
+          </p:nvPr>
+        </p:nvSpPr>
+        <p:spPr>
+          <a:xfrm>
+            <a:off x="8288656" y="243745"/>
+            <a:ext cx="2580249" cy="805033"/>
+          </a:xfrm>
+        </p:spPr>
+        <p:txBody>
+          <a:bodyPr>
+            <a:normAutofit fontScale="92500" lnSpcReduction="20000"/>
+          </a:bodyPr>
+          <a:lstStyle/>
+          <a:p>
+            <a:r>
+              <a:rPr lang="en-US" sz="1600" dirty="0">
+                <a:solidFill>
+                  <a:srgbClr val="FF0000"/>
+                </a:solidFill>
+              </a:rPr>
+              <a:t>Include parameter sensitivity of reduced model here, what are those parameters?</a:t>
+            </a:r>
+          </a:p>
+        </p:txBody>
+      </p:sp>
+      <p:pic>
+        <p:nvPicPr>
+          <p:cNvPr id="7" name="Picture 6" descr="A screenshot of a cell phone&#10;&#10;Description automatically generated">
+            <a:extLst>
+              <a:ext uri="{FF2B5EF4-FFF2-40B4-BE49-F238E27FC236}">
+                <a16:creationId xmlns:a16="http://schemas.microsoft.com/office/drawing/2014/main" id="{8A9EB912-C633-1440-A5F8-ED753E1F9BA9}"/>
+              </a:ext>
+            </a:extLst>
+          </p:cNvPr>
+          <p:cNvPicPr>
+            <a:picLocks noChangeAspect="1"/>
+          </p:cNvPicPr>
+          <p:nvPr/>
+        </p:nvPicPr>
+        <p:blipFill>
+          <a:blip r:embed="rId3"/>
+          <a:stretch>
+            <a:fillRect/>
+          </a:stretch>
+        </p:blipFill>
+        <p:spPr>
+          <a:xfrm>
+            <a:off x="12228275" y="3163970"/>
+            <a:ext cx="1933833" cy="1386302"/>
+          </a:xfrm>
+          <a:prstGeom prst="rect">
+            <a:avLst/>
+          </a:prstGeom>
+        </p:spPr>
+      </p:pic>
+      <p:pic>
+        <p:nvPicPr>
+          <p:cNvPr id="9" name="Picture 8">
+            <a:extLst>
+              <a:ext uri="{FF2B5EF4-FFF2-40B4-BE49-F238E27FC236}">
+                <a16:creationId xmlns:a16="http://schemas.microsoft.com/office/drawing/2014/main" id="{5D3E0A66-C136-C142-BD42-5097F5504AA3}"/>
+              </a:ext>
+            </a:extLst>
+          </p:cNvPr>
+          <p:cNvPicPr/>
+          <p:nvPr/>
+        </p:nvPicPr>
+        <p:blipFill>
+          <a:blip r:embed="rId4"/>
+          <a:stretch>
+            <a:fillRect/>
+          </a:stretch>
+        </p:blipFill>
+        <p:spPr>
+          <a:xfrm>
+            <a:off x="855905" y="1429274"/>
+            <a:ext cx="3255645" cy="2496185"/>
+          </a:xfrm>
+          <a:prstGeom prst="rect">
+            <a:avLst/>
+          </a:prstGeom>
+        </p:spPr>
+      </p:pic>
+      <p:grpSp>
+        <p:nvGrpSpPr>
+          <p:cNvPr id="10" name="Group 9">
+            <a:extLst>
+              <a:ext uri="{FF2B5EF4-FFF2-40B4-BE49-F238E27FC236}">
+                <a16:creationId xmlns:a16="http://schemas.microsoft.com/office/drawing/2014/main" id="{1017A1AB-DCA1-8C46-A9EA-54E429248DEF}"/>
+              </a:ext>
+            </a:extLst>
+          </p:cNvPr>
+          <p:cNvGrpSpPr/>
+          <p:nvPr/>
+        </p:nvGrpSpPr>
+        <p:grpSpPr>
+          <a:xfrm>
+            <a:off x="7868062" y="2831184"/>
+            <a:ext cx="2833325" cy="597816"/>
+            <a:chOff x="468376" y="2553214"/>
+            <a:chExt cx="2833527" cy="566834"/>
+          </a:xfrm>
+        </p:grpSpPr>
+        <p:sp>
+          <p:nvSpPr>
+            <p:cNvPr id="14" name="Rectangle 13">
+              <a:extLst>
+                <a:ext uri="{FF2B5EF4-FFF2-40B4-BE49-F238E27FC236}">
+                  <a16:creationId xmlns:a16="http://schemas.microsoft.com/office/drawing/2014/main" id="{97D55FDB-203C-284F-85BF-69FAFBBD4322}"/>
+                </a:ext>
+              </a:extLst>
+            </p:cNvPr>
+            <p:cNvSpPr/>
+            <p:nvPr/>
+          </p:nvSpPr>
+          <p:spPr>
+            <a:xfrm>
+              <a:off x="1900936" y="2553214"/>
+              <a:ext cx="38511" cy="170595"/>
+            </a:xfrm>
+            <a:prstGeom prst="rect">
+              <a:avLst/>
+            </a:prstGeom>
+            <a:ln>
+              <a:noFill/>
+            </a:ln>
+          </p:spPr>
+          <p:txBody>
+            <a:bodyPr vert="horz" lIns="0" tIns="0" rIns="0" bIns="0" rtlCol="0">
+              <a:noAutofit/>
+            </a:bodyPr>
+            <a:lstStyle/>
+            <a:p>
+              <a:pPr marL="0" marR="0" indent="0">
+                <a:lnSpc>
+                  <a:spcPct val="107000"/>
+                </a:lnSpc>
+                <a:spcBef>
+                  <a:spcPts val="0"/>
+                </a:spcBef>
+                <a:spcAft>
+                  <a:spcPts val="800"/>
+                </a:spcAft>
+              </a:pPr>
+              <a:r>
+                <a:rPr lang="en-US" sz="900" i="1">
+                  <a:solidFill>
+                    <a:srgbClr val="44546A"/>
+                  </a:solidFill>
+                  <a:effectLst/>
+                  <a:latin typeface="Times New Roman" panose="02020603050405020304" pitchFamily="18" charset="0"/>
+                  <a:ea typeface="Times New Roman" panose="02020603050405020304" pitchFamily="18" charset="0"/>
+                </a:rPr>
+                <a:t> </a:t>
+              </a:r>
+              <a:endParaRPr lang="en-US" sz="1200">
+                <a:solidFill>
+                  <a:srgbClr val="000000"/>
+                </a:solidFill>
+                <a:effectLst/>
+                <a:latin typeface="Times New Roman" panose="02020603050405020304" pitchFamily="18" charset="0"/>
+                <a:ea typeface="Times New Roman" panose="02020603050405020304" pitchFamily="18" charset="0"/>
+              </a:endParaRPr>
+            </a:p>
+          </p:txBody>
+        </p:sp>
+        <p:sp>
+          <p:nvSpPr>
+            <p:cNvPr id="21" name="Rectangle 20">
+              <a:extLst>
+                <a:ext uri="{FF2B5EF4-FFF2-40B4-BE49-F238E27FC236}">
+                  <a16:creationId xmlns:a16="http://schemas.microsoft.com/office/drawing/2014/main" id="{25D1ADAE-038B-D144-B3F3-4BB1BC88FFB4}"/>
+                </a:ext>
+              </a:extLst>
+            </p:cNvPr>
+            <p:cNvSpPr/>
+            <p:nvPr/>
+          </p:nvSpPr>
+          <p:spPr>
+            <a:xfrm>
+              <a:off x="2452624" y="2684278"/>
+              <a:ext cx="38511" cy="170594"/>
+            </a:xfrm>
+            <a:prstGeom prst="rect">
+              <a:avLst/>
+            </a:prstGeom>
+            <a:ln>
+              <a:noFill/>
+            </a:ln>
+          </p:spPr>
+          <p:txBody>
+            <a:bodyPr vert="horz" lIns="0" tIns="0" rIns="0" bIns="0" rtlCol="0">
+              <a:noAutofit/>
+            </a:bodyPr>
+            <a:lstStyle/>
+            <a:p>
+              <a:pPr marL="0" marR="0" indent="0">
+                <a:lnSpc>
+                  <a:spcPct val="107000"/>
+                </a:lnSpc>
+                <a:spcBef>
+                  <a:spcPts val="0"/>
+                </a:spcBef>
+                <a:spcAft>
+                  <a:spcPts val="800"/>
+                </a:spcAft>
+              </a:pPr>
+              <a:r>
+                <a:rPr lang="en-US" sz="900" i="1">
+                  <a:solidFill>
+                    <a:srgbClr val="44546A"/>
+                  </a:solidFill>
+                  <a:effectLst/>
+                  <a:latin typeface="Times New Roman" panose="02020603050405020304" pitchFamily="18" charset="0"/>
+                  <a:ea typeface="Times New Roman" panose="02020603050405020304" pitchFamily="18" charset="0"/>
+                </a:rPr>
+                <a:t> </a:t>
+              </a:r>
+              <a:endParaRPr lang="en-US" sz="1200">
+                <a:solidFill>
+                  <a:srgbClr val="000000"/>
+                </a:solidFill>
+                <a:effectLst/>
+                <a:latin typeface="Times New Roman" panose="02020603050405020304" pitchFamily="18" charset="0"/>
+                <a:ea typeface="Times New Roman" panose="02020603050405020304" pitchFamily="18" charset="0"/>
+              </a:endParaRPr>
+            </a:p>
+          </p:txBody>
+        </p:sp>
+        <p:sp>
+          <p:nvSpPr>
+            <p:cNvPr id="23" name="Rectangle 22">
+              <a:extLst>
+                <a:ext uri="{FF2B5EF4-FFF2-40B4-BE49-F238E27FC236}">
+                  <a16:creationId xmlns:a16="http://schemas.microsoft.com/office/drawing/2014/main" id="{C31BBA54-BFC2-7549-99D4-A761EA7DE456}"/>
+                </a:ext>
+              </a:extLst>
+            </p:cNvPr>
+            <p:cNvSpPr/>
+            <p:nvPr/>
+          </p:nvSpPr>
+          <p:spPr>
+            <a:xfrm>
+              <a:off x="2714752" y="2684278"/>
+              <a:ext cx="38511" cy="170594"/>
+            </a:xfrm>
+            <a:prstGeom prst="rect">
+              <a:avLst/>
+            </a:prstGeom>
+            <a:ln>
+              <a:noFill/>
+            </a:ln>
+          </p:spPr>
+          <p:txBody>
+            <a:bodyPr vert="horz" lIns="0" tIns="0" rIns="0" bIns="0" rtlCol="0">
+              <a:noAutofit/>
+            </a:bodyPr>
+            <a:lstStyle/>
+            <a:p>
+              <a:pPr marL="0" marR="0" indent="0">
+                <a:lnSpc>
+                  <a:spcPct val="107000"/>
+                </a:lnSpc>
+                <a:spcBef>
+                  <a:spcPts val="0"/>
+                </a:spcBef>
+                <a:spcAft>
+                  <a:spcPts val="800"/>
+                </a:spcAft>
+              </a:pPr>
+              <a:r>
+                <a:rPr lang="en-US" sz="900" i="1">
+                  <a:solidFill>
+                    <a:srgbClr val="44546A"/>
+                  </a:solidFill>
+                  <a:effectLst/>
+                  <a:latin typeface="Times New Roman" panose="02020603050405020304" pitchFamily="18" charset="0"/>
+                  <a:ea typeface="Times New Roman" panose="02020603050405020304" pitchFamily="18" charset="0"/>
+                </a:rPr>
+                <a:t> </a:t>
+              </a:r>
+              <a:endParaRPr lang="en-US" sz="1200">
+                <a:solidFill>
+                  <a:srgbClr val="000000"/>
+                </a:solidFill>
+                <a:effectLst/>
+                <a:latin typeface="Times New Roman" panose="02020603050405020304" pitchFamily="18" charset="0"/>
+                <a:ea typeface="Times New Roman" panose="02020603050405020304" pitchFamily="18" charset="0"/>
+              </a:endParaRPr>
+            </a:p>
+          </p:txBody>
+        </p:sp>
+        <p:sp>
+          <p:nvSpPr>
+            <p:cNvPr id="25" name="Rectangle 24">
+              <a:extLst>
+                <a:ext uri="{FF2B5EF4-FFF2-40B4-BE49-F238E27FC236}">
+                  <a16:creationId xmlns:a16="http://schemas.microsoft.com/office/drawing/2014/main" id="{F6157CEA-4A04-EB48-A5AE-901F1A558DE5}"/>
+                </a:ext>
+              </a:extLst>
+            </p:cNvPr>
+            <p:cNvSpPr/>
+            <p:nvPr/>
+          </p:nvSpPr>
+          <p:spPr>
+            <a:xfrm>
+              <a:off x="2934208" y="2684278"/>
+              <a:ext cx="38511" cy="170594"/>
+            </a:xfrm>
+            <a:prstGeom prst="rect">
+              <a:avLst/>
+            </a:prstGeom>
+            <a:ln>
+              <a:noFill/>
+            </a:ln>
+          </p:spPr>
+          <p:txBody>
+            <a:bodyPr vert="horz" lIns="0" tIns="0" rIns="0" bIns="0" rtlCol="0">
+              <a:noAutofit/>
+            </a:bodyPr>
+            <a:lstStyle/>
+            <a:p>
+              <a:pPr marL="0" marR="0" indent="0">
+                <a:lnSpc>
+                  <a:spcPct val="107000"/>
+                </a:lnSpc>
+                <a:spcBef>
+                  <a:spcPts val="0"/>
+                </a:spcBef>
+                <a:spcAft>
+                  <a:spcPts val="800"/>
+                </a:spcAft>
+              </a:pPr>
+              <a:r>
+                <a:rPr lang="en-US" sz="900" i="1">
+                  <a:solidFill>
+                    <a:srgbClr val="44546A"/>
+                  </a:solidFill>
+                  <a:effectLst/>
+                  <a:latin typeface="Times New Roman" panose="02020603050405020304" pitchFamily="18" charset="0"/>
+                  <a:ea typeface="Times New Roman" panose="02020603050405020304" pitchFamily="18" charset="0"/>
+                </a:rPr>
+                <a:t> </a:t>
+              </a:r>
+              <a:endParaRPr lang="en-US" sz="1200">
+                <a:solidFill>
+                  <a:srgbClr val="000000"/>
+                </a:solidFill>
+                <a:effectLst/>
+                <a:latin typeface="Times New Roman" panose="02020603050405020304" pitchFamily="18" charset="0"/>
+                <a:ea typeface="Times New Roman" panose="02020603050405020304" pitchFamily="18" charset="0"/>
+              </a:endParaRPr>
+            </a:p>
+          </p:txBody>
+        </p:sp>
+        <p:sp>
+          <p:nvSpPr>
+            <p:cNvPr id="28" name="Rectangle 27">
+              <a:extLst>
+                <a:ext uri="{FF2B5EF4-FFF2-40B4-BE49-F238E27FC236}">
+                  <a16:creationId xmlns:a16="http://schemas.microsoft.com/office/drawing/2014/main" id="{7A37EEB4-FAFB-144D-A5BA-5C3262388A77}"/>
+                </a:ext>
+              </a:extLst>
+            </p:cNvPr>
+            <p:cNvSpPr/>
+            <p:nvPr/>
+          </p:nvSpPr>
+          <p:spPr>
+            <a:xfrm>
+              <a:off x="1312672" y="2818389"/>
+              <a:ext cx="38511" cy="170595"/>
+            </a:xfrm>
+            <a:prstGeom prst="rect">
+              <a:avLst/>
+            </a:prstGeom>
+            <a:ln>
+              <a:noFill/>
+            </a:ln>
+          </p:spPr>
+          <p:txBody>
+            <a:bodyPr vert="horz" lIns="0" tIns="0" rIns="0" bIns="0" rtlCol="0">
+              <a:noAutofit/>
+            </a:bodyPr>
+            <a:lstStyle/>
+            <a:p>
+              <a:pPr marL="0" marR="0" indent="0">
+                <a:lnSpc>
+                  <a:spcPct val="107000"/>
+                </a:lnSpc>
+                <a:spcBef>
+                  <a:spcPts val="0"/>
+                </a:spcBef>
+                <a:spcAft>
+                  <a:spcPts val="800"/>
+                </a:spcAft>
+              </a:pPr>
+              <a:r>
+                <a:rPr lang="en-US" sz="900" i="1">
+                  <a:solidFill>
+                    <a:srgbClr val="44546A"/>
+                  </a:solidFill>
+                  <a:effectLst/>
+                  <a:latin typeface="Times New Roman" panose="02020603050405020304" pitchFamily="18" charset="0"/>
+                  <a:ea typeface="Times New Roman" panose="02020603050405020304" pitchFamily="18" charset="0"/>
+                </a:rPr>
+                <a:t> </a:t>
+              </a:r>
+              <a:endParaRPr lang="en-US" sz="1200">
+                <a:solidFill>
+                  <a:srgbClr val="000000"/>
+                </a:solidFill>
+                <a:effectLst/>
+                <a:latin typeface="Times New Roman" panose="02020603050405020304" pitchFamily="18" charset="0"/>
+                <a:ea typeface="Times New Roman" panose="02020603050405020304" pitchFamily="18" charset="0"/>
+              </a:endParaRPr>
+            </a:p>
+          </p:txBody>
+        </p:sp>
+        <p:sp>
+          <p:nvSpPr>
+            <p:cNvPr id="31" name="Rectangle 30">
+              <a:extLst>
+                <a:ext uri="{FF2B5EF4-FFF2-40B4-BE49-F238E27FC236}">
+                  <a16:creationId xmlns:a16="http://schemas.microsoft.com/office/drawing/2014/main" id="{BF058F4D-3EE5-2F47-8AD0-86CC6722A9B7}"/>
+                </a:ext>
+              </a:extLst>
+            </p:cNvPr>
+            <p:cNvSpPr/>
+            <p:nvPr/>
+          </p:nvSpPr>
+          <p:spPr>
+            <a:xfrm>
+              <a:off x="3263392" y="2818389"/>
+              <a:ext cx="38511" cy="170595"/>
+            </a:xfrm>
+            <a:prstGeom prst="rect">
+              <a:avLst/>
+            </a:prstGeom>
+            <a:ln>
+              <a:noFill/>
+            </a:ln>
+          </p:spPr>
+          <p:txBody>
+            <a:bodyPr vert="horz" lIns="0" tIns="0" rIns="0" bIns="0" rtlCol="0">
+              <a:noAutofit/>
+            </a:bodyPr>
+            <a:lstStyle/>
+            <a:p>
+              <a:pPr marL="0" marR="0" indent="0">
+                <a:lnSpc>
+                  <a:spcPct val="107000"/>
+                </a:lnSpc>
+                <a:spcBef>
+                  <a:spcPts val="0"/>
+                </a:spcBef>
+                <a:spcAft>
+                  <a:spcPts val="800"/>
+                </a:spcAft>
+              </a:pPr>
+              <a:r>
+                <a:rPr lang="en-US" sz="900" i="1">
+                  <a:solidFill>
+                    <a:srgbClr val="44546A"/>
+                  </a:solidFill>
+                  <a:effectLst/>
+                  <a:latin typeface="Times New Roman" panose="02020603050405020304" pitchFamily="18" charset="0"/>
+                  <a:ea typeface="Times New Roman" panose="02020603050405020304" pitchFamily="18" charset="0"/>
+                </a:rPr>
+                <a:t> </a:t>
+              </a:r>
+              <a:endParaRPr lang="en-US" sz="1200">
+                <a:solidFill>
+                  <a:srgbClr val="000000"/>
+                </a:solidFill>
+                <a:effectLst/>
+                <a:latin typeface="Times New Roman" panose="02020603050405020304" pitchFamily="18" charset="0"/>
+                <a:ea typeface="Times New Roman" panose="02020603050405020304" pitchFamily="18" charset="0"/>
+              </a:endParaRPr>
+            </a:p>
+          </p:txBody>
+        </p:sp>
+        <p:sp>
+          <p:nvSpPr>
+            <p:cNvPr id="33" name="Rectangle 32">
+              <a:extLst>
+                <a:ext uri="{FF2B5EF4-FFF2-40B4-BE49-F238E27FC236}">
+                  <a16:creationId xmlns:a16="http://schemas.microsoft.com/office/drawing/2014/main" id="{628FE69D-4BB9-FD49-9571-FC01BF22C36E}"/>
+                </a:ext>
+              </a:extLst>
+            </p:cNvPr>
+            <p:cNvSpPr/>
+            <p:nvPr/>
+          </p:nvSpPr>
+          <p:spPr>
+            <a:xfrm>
+              <a:off x="468376" y="2949454"/>
+              <a:ext cx="38511" cy="170594"/>
+            </a:xfrm>
+            <a:prstGeom prst="rect">
+              <a:avLst/>
+            </a:prstGeom>
+            <a:ln>
+              <a:noFill/>
+            </a:ln>
+          </p:spPr>
+          <p:txBody>
+            <a:bodyPr vert="horz" lIns="0" tIns="0" rIns="0" bIns="0" rtlCol="0">
+              <a:noAutofit/>
+            </a:bodyPr>
+            <a:lstStyle/>
+            <a:p>
+              <a:pPr marL="0" marR="0" indent="0">
+                <a:lnSpc>
+                  <a:spcPct val="107000"/>
+                </a:lnSpc>
+                <a:spcBef>
+                  <a:spcPts val="0"/>
+                </a:spcBef>
+                <a:spcAft>
+                  <a:spcPts val="800"/>
+                </a:spcAft>
+              </a:pPr>
+              <a:r>
+                <a:rPr lang="en-US" sz="900" i="1">
+                  <a:solidFill>
+                    <a:srgbClr val="44546A"/>
+                  </a:solidFill>
+                  <a:effectLst/>
+                  <a:latin typeface="Times New Roman" panose="02020603050405020304" pitchFamily="18" charset="0"/>
+                  <a:ea typeface="Times New Roman" panose="02020603050405020304" pitchFamily="18" charset="0"/>
+                </a:rPr>
+                <a:t> </a:t>
+              </a:r>
+              <a:endParaRPr lang="en-US" sz="1200">
+                <a:solidFill>
+                  <a:srgbClr val="000000"/>
+                </a:solidFill>
+                <a:effectLst/>
+                <a:latin typeface="Times New Roman" panose="02020603050405020304" pitchFamily="18" charset="0"/>
+                <a:ea typeface="Times New Roman" panose="02020603050405020304" pitchFamily="18" charset="0"/>
+              </a:endParaRPr>
+            </a:p>
+          </p:txBody>
+        </p:sp>
+        <p:sp>
+          <p:nvSpPr>
+            <p:cNvPr id="35" name="Rectangle 34">
+              <a:extLst>
+                <a:ext uri="{FF2B5EF4-FFF2-40B4-BE49-F238E27FC236}">
+                  <a16:creationId xmlns:a16="http://schemas.microsoft.com/office/drawing/2014/main" id="{EC45D260-D0C6-E64F-A3C1-840D05A59CD5}"/>
+                </a:ext>
+              </a:extLst>
+            </p:cNvPr>
+            <p:cNvSpPr/>
+            <p:nvPr/>
+          </p:nvSpPr>
+          <p:spPr>
+            <a:xfrm>
+              <a:off x="889000" y="2949454"/>
+              <a:ext cx="38511" cy="170594"/>
+            </a:xfrm>
+            <a:prstGeom prst="rect">
+              <a:avLst/>
+            </a:prstGeom>
+            <a:ln>
+              <a:noFill/>
+            </a:ln>
+          </p:spPr>
+          <p:txBody>
+            <a:bodyPr vert="horz" lIns="0" tIns="0" rIns="0" bIns="0" rtlCol="0">
+              <a:noAutofit/>
+            </a:bodyPr>
+            <a:lstStyle/>
+            <a:p>
+              <a:pPr marL="0" marR="0" indent="0">
+                <a:lnSpc>
+                  <a:spcPct val="107000"/>
+                </a:lnSpc>
+                <a:spcBef>
+                  <a:spcPts val="0"/>
+                </a:spcBef>
+                <a:spcAft>
+                  <a:spcPts val="800"/>
+                </a:spcAft>
+              </a:pPr>
+              <a:r>
+                <a:rPr lang="en-US" sz="900" i="1">
+                  <a:solidFill>
+                    <a:srgbClr val="44546A"/>
+                  </a:solidFill>
+                  <a:effectLst/>
+                  <a:latin typeface="Times New Roman" panose="02020603050405020304" pitchFamily="18" charset="0"/>
+                  <a:ea typeface="Times New Roman" panose="02020603050405020304" pitchFamily="18" charset="0"/>
+                </a:rPr>
+                <a:t> </a:t>
+              </a:r>
+              <a:endParaRPr lang="en-US" sz="1200">
+                <a:solidFill>
+                  <a:srgbClr val="000000"/>
+                </a:solidFill>
+                <a:effectLst/>
+                <a:latin typeface="Times New Roman" panose="02020603050405020304" pitchFamily="18" charset="0"/>
+                <a:ea typeface="Times New Roman" panose="02020603050405020304" pitchFamily="18" charset="0"/>
+              </a:endParaRPr>
+            </a:p>
+          </p:txBody>
+        </p:sp>
+      </p:grpSp>
+      <p:pic>
+        <p:nvPicPr>
+          <p:cNvPr id="37" name="Picture 36" descr="A screenshot of a cell phone&#10;&#10;Description automatically generated">
+            <a:extLst>
+              <a:ext uri="{FF2B5EF4-FFF2-40B4-BE49-F238E27FC236}">
+                <a16:creationId xmlns:a16="http://schemas.microsoft.com/office/drawing/2014/main" id="{4C5B38EA-74F7-8D4A-B5B5-074CDDA63F3E}"/>
+              </a:ext>
+            </a:extLst>
+          </p:cNvPr>
+          <p:cNvPicPr>
+            <a:picLocks noChangeAspect="1"/>
+          </p:cNvPicPr>
+          <p:nvPr/>
+        </p:nvPicPr>
+        <p:blipFill>
+          <a:blip r:embed="rId5"/>
+          <a:stretch>
+            <a:fillRect/>
+          </a:stretch>
+        </p:blipFill>
+        <p:spPr>
+          <a:xfrm>
+            <a:off x="5336611" y="1843099"/>
+            <a:ext cx="4997107" cy="3770823"/>
+          </a:xfrm>
+          <a:prstGeom prst="rect">
+            <a:avLst/>
+          </a:prstGeom>
+        </p:spPr>
+      </p:pic>
+      <p:pic>
+        <p:nvPicPr>
+          <p:cNvPr id="38" name="Picture 37" descr="A screenshot of a cell phone&#10;&#10;Description automatically generated">
+            <a:extLst>
+              <a:ext uri="{FF2B5EF4-FFF2-40B4-BE49-F238E27FC236}">
+                <a16:creationId xmlns:a16="http://schemas.microsoft.com/office/drawing/2014/main" id="{8E3A909E-3DA9-864F-B7E8-9E241740A908}"/>
+              </a:ext>
+            </a:extLst>
+          </p:cNvPr>
+          <p:cNvPicPr>
+            <a:picLocks noChangeAspect="1"/>
+          </p:cNvPicPr>
+          <p:nvPr/>
+        </p:nvPicPr>
+        <p:blipFill>
+          <a:blip r:embed="rId6"/>
+          <a:stretch>
+            <a:fillRect/>
+          </a:stretch>
+        </p:blipFill>
+        <p:spPr>
+          <a:xfrm>
+            <a:off x="12228275" y="4625727"/>
+            <a:ext cx="2031634" cy="1456412"/>
+          </a:xfrm>
+          <a:prstGeom prst="rect">
+            <a:avLst/>
+          </a:prstGeom>
+        </p:spPr>
+      </p:pic>
+      <p:pic>
+        <p:nvPicPr>
+          <p:cNvPr id="39" name="Picture 38">
+            <a:extLst>
+              <a:ext uri="{FF2B5EF4-FFF2-40B4-BE49-F238E27FC236}">
+                <a16:creationId xmlns:a16="http://schemas.microsoft.com/office/drawing/2014/main" id="{E1530A55-A879-EB4F-A776-9573132F573C}"/>
+              </a:ext>
+            </a:extLst>
+          </p:cNvPr>
+          <p:cNvPicPr/>
+          <p:nvPr/>
+        </p:nvPicPr>
+        <p:blipFill>
+          <a:blip r:embed="rId7"/>
+          <a:stretch>
+            <a:fillRect/>
+          </a:stretch>
+        </p:blipFill>
+        <p:spPr>
+          <a:xfrm>
+            <a:off x="855905" y="4085841"/>
+            <a:ext cx="3263668" cy="2536184"/>
+          </a:xfrm>
+          <a:prstGeom prst="rect">
+            <a:avLst/>
+          </a:prstGeom>
+        </p:spPr>
+      </p:pic>
+    </p:spTree>
+    <p:extLst>
+      <p:ext uri="{BB962C8B-B14F-4D97-AF65-F5344CB8AC3E}">
+        <p14:creationId xmlns:p14="http://schemas.microsoft.com/office/powerpoint/2010/main" val="1011719943"/>
+      </p:ext>
+    </p:extLst>
+  </p:cSld>
+  <p:clrMapOvr>
+    <a:masterClrMapping/>
+  </p:clrMapOvr>
+</p:sld>
+</file>
+
+<file path=ppt/slides/slide14.xml><?xml version="1.0" encoding="utf-8"?>
 <p:sld xmlns:a="http://schemas.openxmlformats.org/drawingml/2006/main" xmlns:r="http://schemas.openxmlformats.org/officeDocument/2006/relationships" xmlns:p="http://schemas.openxmlformats.org/presentationml/2006/main">
   <p:cSld>
     <p:spTree>
@@ -14308,90 +15362,6 @@
 </p:sld>
 </file>
 
-<file path=ppt/slides/slide14.xml><?xml version="1.0" encoding="utf-8"?>
-<p:sld xmlns:a="http://schemas.openxmlformats.org/drawingml/2006/main" xmlns:r="http://schemas.openxmlformats.org/officeDocument/2006/relationships" xmlns:p="http://schemas.openxmlformats.org/presentationml/2006/main">
-  <p:cSld>
-    <p:spTree>
-      <p:nvGrpSpPr>
-        <p:cNvPr id="1" name=""/>
-        <p:cNvGrpSpPr/>
-        <p:nvPr/>
-      </p:nvGrpSpPr>
-      <p:grpSpPr>
-        <a:xfrm>
-          <a:off x="0" y="0"/>
-          <a:ext cx="0" cy="0"/>
-          <a:chOff x="0" y="0"/>
-          <a:chExt cx="0" cy="0"/>
-        </a:xfrm>
-      </p:grpSpPr>
-      <p:sp>
-        <p:nvSpPr>
-          <p:cNvPr id="2" name="Title 1">
-            <a:extLst>
-              <a:ext uri="{FF2B5EF4-FFF2-40B4-BE49-F238E27FC236}">
-                <a16:creationId xmlns:a16="http://schemas.microsoft.com/office/drawing/2014/main" id="{60A82EDD-A20D-6343-A05B-2FACB4C227B5}"/>
-              </a:ext>
-            </a:extLst>
-          </p:cNvPr>
-          <p:cNvSpPr>
-            <a:spLocks noGrp="1"/>
-          </p:cNvSpPr>
-          <p:nvPr>
-            <p:ph type="title"/>
-          </p:nvPr>
-        </p:nvSpPr>
-        <p:spPr/>
-        <p:txBody>
-          <a:bodyPr/>
-          <a:lstStyle/>
-          <a:p>
-            <a:r>
-              <a:rPr lang="en-US"/>
-              <a:t>ATP Rheostat</a:t>
-            </a:r>
-            <a:endParaRPr lang="en-US" dirty="0"/>
-          </a:p>
-        </p:txBody>
-      </p:sp>
-      <p:sp>
-        <p:nvSpPr>
-          <p:cNvPr id="3" name="Content Placeholder 2">
-            <a:extLst>
-              <a:ext uri="{FF2B5EF4-FFF2-40B4-BE49-F238E27FC236}">
-                <a16:creationId xmlns:a16="http://schemas.microsoft.com/office/drawing/2014/main" id="{B3FB1137-E3E6-764B-B4B2-A8F2343441D8}"/>
-              </a:ext>
-            </a:extLst>
-          </p:cNvPr>
-          <p:cNvSpPr>
-            <a:spLocks noGrp="1"/>
-          </p:cNvSpPr>
-          <p:nvPr>
-            <p:ph idx="1"/>
-          </p:nvPr>
-        </p:nvSpPr>
-        <p:spPr/>
-        <p:txBody>
-          <a:bodyPr/>
-          <a:lstStyle/>
-          <a:p>
-            <a:endParaRPr lang="en-US"/>
-          </a:p>
-        </p:txBody>
-      </p:sp>
-    </p:spTree>
-    <p:extLst>
-      <p:ext uri="{BB962C8B-B14F-4D97-AF65-F5344CB8AC3E}">
-        <p14:creationId xmlns:p14="http://schemas.microsoft.com/office/powerpoint/2010/main" val="1011719943"/>
-      </p:ext>
-    </p:extLst>
-  </p:cSld>
-  <p:clrMapOvr>
-    <a:masterClrMapping/>
-  </p:clrMapOvr>
-</p:sld>
-</file>
-
 <file path=ppt/slides/slide15.xml><?xml version="1.0" encoding="utf-8"?>
 <p:sld xmlns:a="http://schemas.openxmlformats.org/drawingml/2006/main" xmlns:r="http://schemas.openxmlformats.org/officeDocument/2006/relationships" xmlns:p="http://schemas.openxmlformats.org/presentationml/2006/main">
   <p:cSld>
@@ -14437,31 +15407,399 @@
           </a:p>
         </p:txBody>
       </p:sp>
-      <p:sp>
-        <p:nvSpPr>
-          <p:cNvPr id="3" name="Content Placeholder 2">
+      <p:graphicFrame>
+        <p:nvGraphicFramePr>
+          <p:cNvPr id="6" name="Content Placeholder 5">
             <a:extLst>
               <a:ext uri="{FF2B5EF4-FFF2-40B4-BE49-F238E27FC236}">
-                <a16:creationId xmlns:a16="http://schemas.microsoft.com/office/drawing/2014/main" id="{75BEA29F-B73E-694B-93DF-6C8DEDBA0C7D}"/>
+                <a16:creationId xmlns:a16="http://schemas.microsoft.com/office/drawing/2014/main" id="{B413EA1B-B067-0C4B-AD23-56EC88AFF659}"/>
               </a:ext>
             </a:extLst>
           </p:cNvPr>
-          <p:cNvSpPr>
-            <a:spLocks noGrp="1"/>
-          </p:cNvSpPr>
+          <p:cNvGraphicFramePr>
+            <a:graphicFrameLocks noGrp="1"/>
+          </p:cNvGraphicFramePr>
           <p:nvPr>
             <p:ph idx="1"/>
+            <p:extLst>
+              <p:ext uri="{D42A27DB-BD31-4B8C-83A1-F6EECF244321}">
+                <p14:modId xmlns:p14="http://schemas.microsoft.com/office/powerpoint/2010/main" val="3028891428"/>
+              </p:ext>
+            </p:extLst>
           </p:nvPr>
-        </p:nvSpPr>
-        <p:spPr/>
-        <p:txBody>
-          <a:bodyPr/>
-          <a:lstStyle/>
-          <a:p>
-            <a:endParaRPr lang="en-US" dirty="0"/>
-          </a:p>
-        </p:txBody>
-      </p:sp>
+        </p:nvGraphicFramePr>
+        <p:xfrm>
+          <a:off x="838200" y="1825625"/>
+          <a:ext cx="10515600" cy="1854200"/>
+        </p:xfrm>
+        <a:graphic>
+          <a:graphicData uri="http://schemas.openxmlformats.org/drawingml/2006/table">
+            <a:tbl>
+              <a:tblPr firstRow="1" bandRow="1">
+                <a:tableStyleId>{5C22544A-7EE6-4342-B048-85BDC9FD1C3A}</a:tableStyleId>
+              </a:tblPr>
+              <a:tblGrid>
+                <a:gridCol w="2103120">
+                  <a:extLst>
+                    <a:ext uri="{9D8B030D-6E8A-4147-A177-3AD203B41FA5}">
+                      <a16:colId xmlns:a16="http://schemas.microsoft.com/office/drawing/2014/main" val="2631093212"/>
+                    </a:ext>
+                  </a:extLst>
+                </a:gridCol>
+                <a:gridCol w="2103120">
+                  <a:extLst>
+                    <a:ext uri="{9D8B030D-6E8A-4147-A177-3AD203B41FA5}">
+                      <a16:colId xmlns:a16="http://schemas.microsoft.com/office/drawing/2014/main" val="2938585572"/>
+                    </a:ext>
+                  </a:extLst>
+                </a:gridCol>
+                <a:gridCol w="2103120">
+                  <a:extLst>
+                    <a:ext uri="{9D8B030D-6E8A-4147-A177-3AD203B41FA5}">
+                      <a16:colId xmlns:a16="http://schemas.microsoft.com/office/drawing/2014/main" val="2170280223"/>
+                    </a:ext>
+                  </a:extLst>
+                </a:gridCol>
+                <a:gridCol w="2103120">
+                  <a:extLst>
+                    <a:ext uri="{9D8B030D-6E8A-4147-A177-3AD203B41FA5}">
+                      <a16:colId xmlns:a16="http://schemas.microsoft.com/office/drawing/2014/main" val="3778555088"/>
+                    </a:ext>
+                  </a:extLst>
+                </a:gridCol>
+                <a:gridCol w="2103120">
+                  <a:extLst>
+                    <a:ext uri="{9D8B030D-6E8A-4147-A177-3AD203B41FA5}">
+                      <a16:colId xmlns:a16="http://schemas.microsoft.com/office/drawing/2014/main" val="2793101683"/>
+                    </a:ext>
+                  </a:extLst>
+                </a:gridCol>
+              </a:tblGrid>
+              <a:tr h="370840">
+                <a:tc>
+                  <a:txBody>
+                    <a:bodyPr/>
+                    <a:lstStyle/>
+                    <a:p>
+                      <a:endParaRPr lang="en-US" dirty="0"/>
+                    </a:p>
+                  </a:txBody>
+                  <a:tcPr/>
+                </a:tc>
+                <a:tc>
+                  <a:txBody>
+                    <a:bodyPr/>
+                    <a:lstStyle/>
+                    <a:p>
+                      <a:r>
+                        <a:rPr lang="en-US" dirty="0"/>
+                        <a:t>Interest</a:t>
+                      </a:r>
+                    </a:p>
+                  </a:txBody>
+                  <a:tcPr/>
+                </a:tc>
+                <a:tc>
+                  <a:txBody>
+                    <a:bodyPr/>
+                    <a:lstStyle/>
+                    <a:p>
+                      <a:r>
+                        <a:rPr lang="en-US" dirty="0"/>
+                        <a:t>New techniques</a:t>
+                      </a:r>
+                    </a:p>
+                  </a:txBody>
+                  <a:tcPr/>
+                </a:tc>
+                <a:tc>
+                  <a:txBody>
+                    <a:bodyPr/>
+                    <a:lstStyle/>
+                    <a:p>
+                      <a:r>
+                        <a:rPr lang="en-US" dirty="0"/>
+                        <a:t>blah</a:t>
+                      </a:r>
+                    </a:p>
+                  </a:txBody>
+                  <a:tcPr/>
+                </a:tc>
+                <a:tc>
+                  <a:txBody>
+                    <a:bodyPr/>
+                    <a:lstStyle/>
+                    <a:p>
+                      <a:endParaRPr lang="en-US"/>
+                    </a:p>
+                  </a:txBody>
+                  <a:tcPr/>
+                </a:tc>
+                <a:extLst>
+                  <a:ext uri="{0D108BD9-81ED-4DB2-BD59-A6C34878D82A}">
+                    <a16:rowId xmlns:a16="http://schemas.microsoft.com/office/drawing/2014/main" val="3391977275"/>
+                  </a:ext>
+                </a:extLst>
+              </a:tr>
+              <a:tr h="370840">
+                <a:tc>
+                  <a:txBody>
+                    <a:bodyPr/>
+                    <a:lstStyle/>
+                    <a:p>
+                      <a:r>
+                        <a:rPr lang="en-US" dirty="0"/>
+                        <a:t>ATP Synthase</a:t>
+                      </a:r>
+                    </a:p>
+                  </a:txBody>
+                  <a:tcPr/>
+                </a:tc>
+                <a:tc>
+                  <a:txBody>
+                    <a:bodyPr/>
+                    <a:lstStyle/>
+                    <a:p>
+                      <a:r>
+                        <a:rPr lang="en-US" dirty="0"/>
+                        <a:t>8</a:t>
+                      </a:r>
+                    </a:p>
+                  </a:txBody>
+                  <a:tcPr/>
+                </a:tc>
+                <a:tc>
+                  <a:txBody>
+                    <a:bodyPr/>
+                    <a:lstStyle/>
+                    <a:p>
+                      <a:r>
+                        <a:rPr lang="en-US" dirty="0"/>
+                        <a:t>10</a:t>
+                      </a:r>
+                    </a:p>
+                  </a:txBody>
+                  <a:tcPr/>
+                </a:tc>
+                <a:tc>
+                  <a:txBody>
+                    <a:bodyPr/>
+                    <a:lstStyle/>
+                    <a:p>
+                      <a:endParaRPr lang="en-US"/>
+                    </a:p>
+                  </a:txBody>
+                  <a:tcPr/>
+                </a:tc>
+                <a:tc>
+                  <a:txBody>
+                    <a:bodyPr/>
+                    <a:lstStyle/>
+                    <a:p>
+                      <a:endParaRPr lang="en-US"/>
+                    </a:p>
+                  </a:txBody>
+                  <a:tcPr/>
+                </a:tc>
+                <a:extLst>
+                  <a:ext uri="{0D108BD9-81ED-4DB2-BD59-A6C34878D82A}">
+                    <a16:rowId xmlns:a16="http://schemas.microsoft.com/office/drawing/2014/main" val="2921937556"/>
+                  </a:ext>
+                </a:extLst>
+              </a:tr>
+              <a:tr h="370840">
+                <a:tc>
+                  <a:txBody>
+                    <a:bodyPr/>
+                    <a:lstStyle/>
+                    <a:p>
+                      <a:r>
+                        <a:rPr lang="en-US" dirty="0"/>
+                        <a:t>ATP Rheostat</a:t>
+                      </a:r>
+                    </a:p>
+                  </a:txBody>
+                  <a:tcPr/>
+                </a:tc>
+                <a:tc>
+                  <a:txBody>
+                    <a:bodyPr/>
+                    <a:lstStyle/>
+                    <a:p>
+                      <a:r>
+                        <a:rPr lang="en-US" dirty="0"/>
+                        <a:t>8</a:t>
+                      </a:r>
+                    </a:p>
+                  </a:txBody>
+                  <a:tcPr/>
+                </a:tc>
+                <a:tc>
+                  <a:txBody>
+                    <a:bodyPr/>
+                    <a:lstStyle/>
+                    <a:p>
+                      <a:r>
+                        <a:rPr lang="en-US" dirty="0"/>
+                        <a:t>10</a:t>
+                      </a:r>
+                    </a:p>
+                  </a:txBody>
+                  <a:tcPr/>
+                </a:tc>
+                <a:tc>
+                  <a:txBody>
+                    <a:bodyPr/>
+                    <a:lstStyle/>
+                    <a:p>
+                      <a:endParaRPr lang="en-US"/>
+                    </a:p>
+                  </a:txBody>
+                  <a:tcPr/>
+                </a:tc>
+                <a:tc>
+                  <a:txBody>
+                    <a:bodyPr/>
+                    <a:lstStyle/>
+                    <a:p>
+                      <a:endParaRPr lang="en-US"/>
+                    </a:p>
+                  </a:txBody>
+                  <a:tcPr/>
+                </a:tc>
+                <a:extLst>
+                  <a:ext uri="{0D108BD9-81ED-4DB2-BD59-A6C34878D82A}">
+                    <a16:rowId xmlns:a16="http://schemas.microsoft.com/office/drawing/2014/main" val="2823007508"/>
+                  </a:ext>
+                </a:extLst>
+              </a:tr>
+              <a:tr h="370840">
+                <a:tc>
+                  <a:txBody>
+                    <a:bodyPr/>
+                    <a:lstStyle/>
+                    <a:p>
+                      <a:r>
+                        <a:rPr lang="en-US" dirty="0"/>
+                        <a:t>Integrase </a:t>
+                      </a:r>
+                    </a:p>
+                  </a:txBody>
+                  <a:tcPr/>
+                </a:tc>
+                <a:tc>
+                  <a:txBody>
+                    <a:bodyPr/>
+                    <a:lstStyle/>
+                    <a:p>
+                      <a:r>
+                        <a:rPr lang="en-US" dirty="0"/>
+                        <a:t>10</a:t>
+                      </a:r>
+                    </a:p>
+                  </a:txBody>
+                  <a:tcPr/>
+                </a:tc>
+                <a:tc>
+                  <a:txBody>
+                    <a:bodyPr/>
+                    <a:lstStyle/>
+                    <a:p>
+                      <a:r>
+                        <a:rPr lang="en-US" dirty="0"/>
+                        <a:t>10</a:t>
+                      </a:r>
+                    </a:p>
+                  </a:txBody>
+                  <a:tcPr/>
+                </a:tc>
+                <a:tc>
+                  <a:txBody>
+                    <a:bodyPr/>
+                    <a:lstStyle/>
+                    <a:p>
+                      <a:endParaRPr lang="en-US"/>
+                    </a:p>
+                  </a:txBody>
+                  <a:tcPr/>
+                </a:tc>
+                <a:tc>
+                  <a:txBody>
+                    <a:bodyPr/>
+                    <a:lstStyle/>
+                    <a:p>
+                      <a:endParaRPr lang="en-US"/>
+                    </a:p>
+                  </a:txBody>
+                  <a:tcPr/>
+                </a:tc>
+                <a:extLst>
+                  <a:ext uri="{0D108BD9-81ED-4DB2-BD59-A6C34878D82A}">
+                    <a16:rowId xmlns:a16="http://schemas.microsoft.com/office/drawing/2014/main" val="554864441"/>
+                  </a:ext>
+                </a:extLst>
+              </a:tr>
+              <a:tr h="370840">
+                <a:tc>
+                  <a:txBody>
+                    <a:bodyPr/>
+                    <a:lstStyle/>
+                    <a:p>
+                      <a:endParaRPr lang="en-US"/>
+                    </a:p>
+                  </a:txBody>
+                  <a:tcPr/>
+                </a:tc>
+                <a:tc>
+                  <a:txBody>
+                    <a:bodyPr/>
+                    <a:lstStyle/>
+                    <a:p>
+                      <a:endParaRPr lang="en-US"/>
+                    </a:p>
+                  </a:txBody>
+                  <a:tcPr/>
+                </a:tc>
+                <a:tc>
+                  <a:txBody>
+                    <a:bodyPr/>
+                    <a:lstStyle/>
+                    <a:p>
+                      <a:endParaRPr lang="en-US"/>
+                    </a:p>
+                  </a:txBody>
+                  <a:tcPr/>
+                </a:tc>
+                <a:tc>
+                  <a:txBody>
+                    <a:bodyPr/>
+                    <a:lstStyle/>
+                    <a:p>
+                      <a:endParaRPr lang="en-US"/>
+                    </a:p>
+                  </a:txBody>
+                  <a:tcPr/>
+                </a:tc>
+                <a:tc>
+                  <a:txBody>
+                    <a:bodyPr/>
+                    <a:lstStyle/>
+                    <a:p>
+                      <a:endParaRPr lang="en-US" dirty="0"/>
+                    </a:p>
+                  </a:txBody>
+                  <a:tcPr/>
+                </a:tc>
+                <a:extLst>
+                  <a:ext uri="{0D108BD9-81ED-4DB2-BD59-A6C34878D82A}">
+                    <a16:rowId xmlns:a16="http://schemas.microsoft.com/office/drawing/2014/main" val="2597846475"/>
+                  </a:ext>
+                </a:extLst>
+              </a:tr>
+            </a:tbl>
+          </a:graphicData>
+        </a:graphic>
+      </p:graphicFrame>
       <p:pic>
         <p:nvPicPr>
           <p:cNvPr id="4" name="Picture 3" descr="A picture containing drawing&#10;&#10;Description automatically generated">
@@ -14879,15 +16217,7 @@
           <a:p>
             <a:r>
               <a:rPr lang="en-US" dirty="0"/>
-              <a:t>Senior Thesis Project </a:t>
-            </a:r>
-            <a:r>
-              <a:rPr lang="en-US" dirty="0" err="1"/>
-              <a:t>Dicussion</a:t>
-            </a:r>
-            <a:r>
-              <a:rPr lang="en-US" dirty="0"/>
-              <a:t> </a:t>
+              <a:t>Senior Thesis Project Discussion </a:t>
             </a:r>
           </a:p>
           <a:p>
@@ -18199,7 +19529,7 @@
           <a:p>
             <a:r>
               <a:rPr lang="en-US" sz="3200" dirty="0"/>
-              <a:t>ATP Synthase SBML Setup</a:t>
+              <a:t>ATP Synthase Components </a:t>
             </a:r>
           </a:p>
         </p:txBody>

--- a/miscellaneous/presentations/20200817_murray_mtg.pptx
+++ b/miscellaneous/presentations/20200817_murray_mtg.pptx
@@ -9608,7 +9608,7 @@
           <a:p>
             <a:fld id="{50BB2777-1482-C344-B933-FD5F068DD379}" type="datetimeFigureOut">
               <a:rPr lang="en-US" smtClean="0"/>
-              <a:t>8/15/20</a:t>
+              <a:t>8/16/20</a:t>
             </a:fld>
             <a:endParaRPr lang="en-US"/>
           </a:p>
@@ -10550,7 +10550,7 @@
           <a:p>
             <a:fld id="{3B3400CD-7287-EA41-97B8-6C373A830532}" type="datetimeFigureOut">
               <a:rPr lang="en-US" smtClean="0"/>
-              <a:t>8/15/20</a:t>
+              <a:t>8/16/20</a:t>
             </a:fld>
             <a:endParaRPr lang="en-US"/>
           </a:p>
@@ -10748,7 +10748,7 @@
           <a:p>
             <a:fld id="{3B3400CD-7287-EA41-97B8-6C373A830532}" type="datetimeFigureOut">
               <a:rPr lang="en-US" smtClean="0"/>
-              <a:t>8/15/20</a:t>
+              <a:t>8/16/20</a:t>
             </a:fld>
             <a:endParaRPr lang="en-US"/>
           </a:p>
@@ -10956,7 +10956,7 @@
           <a:p>
             <a:fld id="{3B3400CD-7287-EA41-97B8-6C373A830532}" type="datetimeFigureOut">
               <a:rPr lang="en-US" smtClean="0"/>
-              <a:t>8/15/20</a:t>
+              <a:t>8/16/20</a:t>
             </a:fld>
             <a:endParaRPr lang="en-US"/>
           </a:p>
@@ -11156,7 +11156,7 @@
           <a:p>
             <a:fld id="{3B3400CD-7287-EA41-97B8-6C373A830532}" type="datetimeFigureOut">
               <a:rPr lang="en-US" smtClean="0"/>
-              <a:t>8/15/20</a:t>
+              <a:t>8/16/20</a:t>
             </a:fld>
             <a:endParaRPr lang="en-US"/>
           </a:p>
@@ -11431,7 +11431,7 @@
           <a:p>
             <a:fld id="{3B3400CD-7287-EA41-97B8-6C373A830532}" type="datetimeFigureOut">
               <a:rPr lang="en-US" smtClean="0"/>
-              <a:t>8/15/20</a:t>
+              <a:t>8/16/20</a:t>
             </a:fld>
             <a:endParaRPr lang="en-US"/>
           </a:p>
@@ -11696,7 +11696,7 @@
           <a:p>
             <a:fld id="{3B3400CD-7287-EA41-97B8-6C373A830532}" type="datetimeFigureOut">
               <a:rPr lang="en-US" smtClean="0"/>
-              <a:t>8/15/20</a:t>
+              <a:t>8/16/20</a:t>
             </a:fld>
             <a:endParaRPr lang="en-US"/>
           </a:p>
@@ -12108,7 +12108,7 @@
           <a:p>
             <a:fld id="{3B3400CD-7287-EA41-97B8-6C373A830532}" type="datetimeFigureOut">
               <a:rPr lang="en-US" smtClean="0"/>
-              <a:t>8/15/20</a:t>
+              <a:t>8/16/20</a:t>
             </a:fld>
             <a:endParaRPr lang="en-US"/>
           </a:p>
@@ -12249,7 +12249,7 @@
           <a:p>
             <a:fld id="{3B3400CD-7287-EA41-97B8-6C373A830532}" type="datetimeFigureOut">
               <a:rPr lang="en-US" smtClean="0"/>
-              <a:t>8/15/20</a:t>
+              <a:t>8/16/20</a:t>
             </a:fld>
             <a:endParaRPr lang="en-US"/>
           </a:p>
@@ -12362,7 +12362,7 @@
           <a:p>
             <a:fld id="{3B3400CD-7287-EA41-97B8-6C373A830532}" type="datetimeFigureOut">
               <a:rPr lang="en-US" smtClean="0"/>
-              <a:t>8/15/20</a:t>
+              <a:t>8/16/20</a:t>
             </a:fld>
             <a:endParaRPr lang="en-US"/>
           </a:p>
@@ -12673,7 +12673,7 @@
           <a:p>
             <a:fld id="{3B3400CD-7287-EA41-97B8-6C373A830532}" type="datetimeFigureOut">
               <a:rPr lang="en-US" smtClean="0"/>
-              <a:t>8/15/20</a:t>
+              <a:t>8/16/20</a:t>
             </a:fld>
             <a:endParaRPr lang="en-US"/>
           </a:p>
@@ -12964,7 +12964,7 @@
           <a:p>
             <a:fld id="{3B3400CD-7287-EA41-97B8-6C373A830532}" type="datetimeFigureOut">
               <a:rPr lang="en-US" smtClean="0"/>
-              <a:t>8/15/20</a:t>
+              <a:t>8/16/20</a:t>
             </a:fld>
             <a:endParaRPr lang="en-US"/>
           </a:p>
@@ -13207,7 +13207,7 @@
           <a:p>
             <a:fld id="{3B3400CD-7287-EA41-97B8-6C373A830532}" type="datetimeFigureOut">
               <a:rPr lang="en-US" smtClean="0"/>
-              <a:t>8/15/20</a:t>
+              <a:t>8/16/20</a:t>
             </a:fld>
             <a:endParaRPr lang="en-US"/>
           </a:p>
@@ -14461,7 +14461,7 @@
         <p:spPr>
           <a:xfrm>
             <a:off x="367732" y="0"/>
-            <a:ext cx="6708317" cy="1325563"/>
+            <a:ext cx="10117744" cy="1325563"/>
           </a:xfrm>
         </p:spPr>
         <p:txBody>
@@ -14472,7 +14472,7 @@
           <a:p>
             <a:r>
               <a:rPr lang="en-US" sz="3200" dirty="0"/>
-              <a:t>ATP Rheostat Parameter Sensitivity</a:t>
+              <a:t>ATP Rheostat Reduced Model Parameter Sensitivity</a:t>
             </a:r>
           </a:p>
         </p:txBody>
@@ -14495,7 +14495,7 @@
         </p:nvSpPr>
         <p:spPr>
           <a:xfrm>
-            <a:off x="8288656" y="243745"/>
+            <a:off x="9608151" y="939938"/>
             <a:ext cx="2580249" cy="805033"/>
           </a:xfrm>
         </p:spPr>
@@ -14566,7 +14566,7 @@
         </p:blipFill>
         <p:spPr>
           <a:xfrm>
-            <a:off x="855905" y="1429274"/>
+            <a:off x="863928" y="1195895"/>
             <a:ext cx="3255645" cy="2496185"/>
           </a:xfrm>
           <a:prstGeom prst="rect">
@@ -15179,7 +15179,7 @@
         </p:blipFill>
         <p:spPr>
           <a:xfrm>
-            <a:off x="855905" y="4085841"/>
+            <a:off x="855905" y="3857121"/>
             <a:ext cx="3263668" cy="2536184"/>
           </a:xfrm>
           <a:prstGeom prst="rect">
@@ -19007,7 +19007,7 @@
               <a:avLst/>
             </a:prstGeom>
             <a:solidFill>
-              <a:srgbClr val="FFC000"/>
+              <a:srgbClr val="00B050"/>
             </a:solidFill>
             <a:ln>
               <a:solidFill>
@@ -19065,7 +19065,7 @@
               <a:avLst/>
             </a:prstGeom>
             <a:solidFill>
-              <a:srgbClr val="FFC000"/>
+              <a:srgbClr val="00B050"/>
             </a:solidFill>
             <a:ln>
               <a:solidFill>

--- a/miscellaneous/presentations/20200817_murray_mtg.pptx
+++ b/miscellaneous/presentations/20200817_murray_mtg.pptx
@@ -15,15 +15,15 @@
     <p:sldId id="263" r:id="rId6"/>
     <p:sldId id="264" r:id="rId7"/>
     <p:sldId id="260" r:id="rId8"/>
-    <p:sldId id="261" r:id="rId9"/>
-    <p:sldId id="271" r:id="rId10"/>
-    <p:sldId id="272" r:id="rId11"/>
-    <p:sldId id="262" r:id="rId12"/>
+    <p:sldId id="275" r:id="rId9"/>
+    <p:sldId id="276" r:id="rId10"/>
+    <p:sldId id="274" r:id="rId11"/>
+    <p:sldId id="277" r:id="rId12"/>
     <p:sldId id="265" r:id="rId13"/>
-    <p:sldId id="270" r:id="rId14"/>
-    <p:sldId id="268" r:id="rId15"/>
-    <p:sldId id="266" r:id="rId16"/>
-    <p:sldId id="267" r:id="rId17"/>
+    <p:sldId id="273" r:id="rId14"/>
+    <p:sldId id="270" r:id="rId15"/>
+    <p:sldId id="268" r:id="rId16"/>
+    <p:sldId id="266" r:id="rId17"/>
   </p:sldIdLst>
   <p:sldSz cx="12192000" cy="6858000"/>
   <p:notesSz cx="6858000" cy="9144000"/>
@@ -3309,7 +3309,7 @@
   <dgm:whole/>
   <dgm:extLst>
     <a:ext uri="http://schemas.microsoft.com/office/drawing/2008/diagram">
-      <dsp:dataModelExt xmlns:dsp="http://schemas.microsoft.com/office/drawing/2008/diagram" relId="rId11" minVer="http://schemas.openxmlformats.org/drawingml/2006/diagram"/>
+      <dsp:dataModelExt xmlns:dsp="http://schemas.microsoft.com/office/drawing/2008/diagram" relId="rId8" minVer="http://schemas.openxmlformats.org/drawingml/2006/diagram"/>
     </a:ext>
   </dgm:extLst>
 </dgm:dataModel>
@@ -10171,7 +10171,178 @@
           <a:bodyPr/>
           <a:lstStyle/>
           <a:p>
-            <a:endParaRPr lang="en-US" dirty="0"/>
+            <a:r>
+              <a:rPr lang="en-US" dirty="0"/>
+              <a:t>Proton pump = </a:t>
+            </a:r>
+            <a:r>
+              <a:rPr lang="en-US" sz="1200" b="0" i="0" kern="1200" dirty="0">
+                <a:solidFill>
+                  <a:schemeClr val="tx1"/>
+                </a:solidFill>
+                <a:effectLst/>
+                <a:latin typeface="+mn-lt"/>
+                <a:ea typeface="+mn-ea"/>
+                <a:cs typeface="+mn-cs"/>
+              </a:rPr>
+              <a:t>Plasma membrane H+-ATPase</a:t>
+            </a:r>
+          </a:p>
+          <a:p>
+            <a:pPr marL="0" marR="0" lvl="0" indent="0" algn="l" defTabSz="914400" rtl="0" eaLnBrk="1" fontAlgn="auto" latinLnBrk="0" hangingPunct="1">
+              <a:lnSpc>
+                <a:spcPct val="100000"/>
+              </a:lnSpc>
+              <a:spcBef>
+                <a:spcPts val="0"/>
+              </a:spcBef>
+              <a:spcAft>
+                <a:spcPts val="0"/>
+              </a:spcAft>
+              <a:buClrTx/>
+              <a:buSzTx/>
+              <a:buFontTx/>
+              <a:buNone/>
+              <a:tabLst/>
+              <a:defRPr/>
+            </a:pPr>
+            <a:r>
+              <a:rPr lang="en-US" sz="1200" b="1" i="0" kern="1200" dirty="0">
+                <a:solidFill>
+                  <a:schemeClr val="tx1"/>
+                </a:solidFill>
+                <a:effectLst/>
+                <a:latin typeface="+mn-lt"/>
+                <a:ea typeface="+mn-ea"/>
+                <a:cs typeface="+mn-cs"/>
+              </a:rPr>
+              <a:t>P-type proton ATPase</a:t>
+            </a:r>
+          </a:p>
+          <a:p>
+            <a:r>
+              <a:rPr lang="en-US" sz="1200" b="0" i="0" kern="1200" dirty="0">
+                <a:solidFill>
+                  <a:schemeClr val="tx1"/>
+                </a:solidFill>
+                <a:effectLst/>
+                <a:latin typeface="+mn-lt"/>
+                <a:ea typeface="+mn-ea"/>
+                <a:cs typeface="+mn-cs"/>
+              </a:rPr>
+              <a:t>found in the plasma membrane of </a:t>
+            </a:r>
+            <a:r>
+              <a:rPr lang="en-US" sz="1200" b="0" i="0" u="none" strike="noStrike" kern="1200" dirty="0">
+                <a:solidFill>
+                  <a:schemeClr val="tx1"/>
+                </a:solidFill>
+                <a:effectLst/>
+                <a:latin typeface="+mn-lt"/>
+                <a:ea typeface="+mn-ea"/>
+                <a:cs typeface="+mn-cs"/>
+                <a:hlinkClick r:id="rId3" tooltip="Plants"/>
+              </a:rPr>
+              <a:t>plants</a:t>
+            </a:r>
+            <a:r>
+              <a:rPr lang="en-US" sz="1200" b="0" i="0" kern="1200" dirty="0">
+                <a:solidFill>
+                  <a:schemeClr val="tx1"/>
+                </a:solidFill>
+                <a:effectLst/>
+                <a:latin typeface="+mn-lt"/>
+                <a:ea typeface="+mn-ea"/>
+                <a:cs typeface="+mn-cs"/>
+              </a:rPr>
+              <a:t>, </a:t>
+            </a:r>
+            <a:r>
+              <a:rPr lang="en-US" sz="1200" b="0" i="0" u="none" strike="noStrike" kern="1200" dirty="0">
+                <a:solidFill>
+                  <a:schemeClr val="tx1"/>
+                </a:solidFill>
+                <a:effectLst/>
+                <a:latin typeface="+mn-lt"/>
+                <a:ea typeface="+mn-ea"/>
+                <a:cs typeface="+mn-cs"/>
+                <a:hlinkClick r:id="rId4" tooltip="Fungi"/>
+              </a:rPr>
+              <a:t>fungi</a:t>
+            </a:r>
+            <a:r>
+              <a:rPr lang="en-US" sz="1200" b="0" i="0" kern="1200" dirty="0">
+                <a:solidFill>
+                  <a:schemeClr val="tx1"/>
+                </a:solidFill>
+                <a:effectLst/>
+                <a:latin typeface="+mn-lt"/>
+                <a:ea typeface="+mn-ea"/>
+                <a:cs typeface="+mn-cs"/>
+              </a:rPr>
+              <a:t>, </a:t>
+            </a:r>
+            <a:r>
+              <a:rPr lang="en-US" sz="1200" b="0" i="0" u="none" strike="noStrike" kern="1200" dirty="0">
+                <a:solidFill>
+                  <a:schemeClr val="tx1"/>
+                </a:solidFill>
+                <a:effectLst/>
+                <a:latin typeface="+mn-lt"/>
+                <a:ea typeface="+mn-ea"/>
+                <a:cs typeface="+mn-cs"/>
+                <a:hlinkClick r:id="rId5" tooltip="Protists"/>
+              </a:rPr>
+              <a:t>protists</a:t>
+            </a:r>
+            <a:r>
+              <a:rPr lang="en-US" sz="1200" b="0" i="0" kern="1200" dirty="0">
+                <a:solidFill>
+                  <a:schemeClr val="tx1"/>
+                </a:solidFill>
+                <a:effectLst/>
+                <a:latin typeface="+mn-lt"/>
+                <a:ea typeface="+mn-ea"/>
+                <a:cs typeface="+mn-cs"/>
+              </a:rPr>
+              <a:t> and many </a:t>
+            </a:r>
+            <a:r>
+              <a:rPr lang="en-US" sz="1200" b="0" i="0" u="none" strike="noStrike" kern="1200" dirty="0">
+                <a:solidFill>
+                  <a:schemeClr val="tx1"/>
+                </a:solidFill>
+                <a:effectLst/>
+                <a:latin typeface="+mn-lt"/>
+                <a:ea typeface="+mn-ea"/>
+                <a:cs typeface="+mn-cs"/>
+                <a:hlinkClick r:id="rId6" tooltip="Prokaryotes"/>
+              </a:rPr>
+              <a:t>prokaryotes</a:t>
+            </a:r>
+            <a:r>
+              <a:rPr lang="en-US" sz="1200" b="0" i="0" kern="1200" dirty="0">
+                <a:solidFill>
+                  <a:schemeClr val="tx1"/>
+                </a:solidFill>
+                <a:effectLst/>
+                <a:latin typeface="+mn-lt"/>
+                <a:ea typeface="+mn-ea"/>
+                <a:cs typeface="+mn-cs"/>
+              </a:rPr>
+              <a:t>.</a:t>
+            </a:r>
+          </a:p>
+          <a:p>
+            <a:endParaRPr lang="en-US" sz="1200" b="0" i="0" kern="1200" dirty="0">
+              <a:solidFill>
+                <a:schemeClr val="tx1"/>
+              </a:solidFill>
+              <a:effectLst/>
+              <a:latin typeface="+mn-lt"/>
+              <a:ea typeface="+mn-ea"/>
+              <a:cs typeface="+mn-cs"/>
+            </a:endParaRPr>
           </a:p>
         </p:txBody>
       </p:sp>
@@ -10308,7 +10479,7 @@
     </p:spTree>
     <p:extLst>
       <p:ext uri="{BB962C8B-B14F-4D97-AF65-F5344CB8AC3E}">
-        <p14:creationId xmlns:p14="http://schemas.microsoft.com/office/powerpoint/2010/main" val="1276300378"/>
+        <p14:creationId xmlns:p14="http://schemas.microsoft.com/office/powerpoint/2010/main" val="4010993350"/>
       </p:ext>
     </p:extLst>
   </p:cSld>
@@ -10383,7 +10554,91 @@
           <a:p>
             <a:fld id="{91AA38ED-6E11-A042-BD50-887A2F32D715}" type="slidenum">
               <a:rPr lang="en-US" smtClean="0"/>
-              <a:t>13</a:t>
+              <a:t>12</a:t>
+            </a:fld>
+            <a:endParaRPr lang="en-US"/>
+          </a:p>
+        </p:txBody>
+      </p:sp>
+    </p:spTree>
+    <p:extLst>
+      <p:ext uri="{BB962C8B-B14F-4D97-AF65-F5344CB8AC3E}">
+        <p14:creationId xmlns:p14="http://schemas.microsoft.com/office/powerpoint/2010/main" val="3829277495"/>
+      </p:ext>
+    </p:extLst>
+  </p:cSld>
+  <p:clrMapOvr>
+    <a:masterClrMapping/>
+  </p:clrMapOvr>
+</p:notes>
+</file>
+
+<file path=ppt/notesSlides/notesSlide7.xml><?xml version="1.0" encoding="utf-8"?>
+<p:notes xmlns:a="http://schemas.openxmlformats.org/drawingml/2006/main" xmlns:r="http://schemas.openxmlformats.org/officeDocument/2006/relationships" xmlns:p="http://schemas.openxmlformats.org/presentationml/2006/main">
+  <p:cSld>
+    <p:spTree>
+      <p:nvGrpSpPr>
+        <p:cNvPr id="1" name=""/>
+        <p:cNvGrpSpPr/>
+        <p:nvPr/>
+      </p:nvGrpSpPr>
+      <p:grpSpPr>
+        <a:xfrm>
+          <a:off x="0" y="0"/>
+          <a:ext cx="0" cy="0"/>
+          <a:chOff x="0" y="0"/>
+          <a:chExt cx="0" cy="0"/>
+        </a:xfrm>
+      </p:grpSpPr>
+      <p:sp>
+        <p:nvSpPr>
+          <p:cNvPr id="2" name="Slide Image Placeholder 1"/>
+          <p:cNvSpPr>
+            <a:spLocks noGrp="1" noRot="1" noChangeAspect="1"/>
+          </p:cNvSpPr>
+          <p:nvPr>
+            <p:ph type="sldImg"/>
+          </p:nvPr>
+        </p:nvSpPr>
+        <p:spPr/>
+      </p:sp>
+      <p:sp>
+        <p:nvSpPr>
+          <p:cNvPr id="3" name="Notes Placeholder 2"/>
+          <p:cNvSpPr>
+            <a:spLocks noGrp="1"/>
+          </p:cNvSpPr>
+          <p:nvPr>
+            <p:ph type="body" idx="1"/>
+          </p:nvPr>
+        </p:nvSpPr>
+        <p:spPr/>
+        <p:txBody>
+          <a:bodyPr/>
+          <a:lstStyle/>
+          <a:p>
+            <a:endParaRPr lang="en-US" dirty="0"/>
+          </a:p>
+        </p:txBody>
+      </p:sp>
+      <p:sp>
+        <p:nvSpPr>
+          <p:cNvPr id="4" name="Slide Number Placeholder 3"/>
+          <p:cNvSpPr>
+            <a:spLocks noGrp="1"/>
+          </p:cNvSpPr>
+          <p:nvPr>
+            <p:ph type="sldNum" sz="quarter" idx="5"/>
+          </p:nvPr>
+        </p:nvSpPr>
+        <p:spPr/>
+        <p:txBody>
+          <a:bodyPr/>
+          <a:lstStyle/>
+          <a:p>
+            <a:fld id="{91AA38ED-6E11-A042-BD50-887A2F32D715}" type="slidenum">
+              <a:rPr lang="en-US" smtClean="0"/>
+              <a:t>14</a:t>
             </a:fld>
             <a:endParaRPr lang="en-US"/>
           </a:p>
@@ -10393,6 +10648,90 @@
     <p:extLst>
       <p:ext uri="{BB962C8B-B14F-4D97-AF65-F5344CB8AC3E}">
         <p14:creationId xmlns:p14="http://schemas.microsoft.com/office/powerpoint/2010/main" val="2143769512"/>
+      </p:ext>
+    </p:extLst>
+  </p:cSld>
+  <p:clrMapOvr>
+    <a:masterClrMapping/>
+  </p:clrMapOvr>
+</p:notes>
+</file>
+
+<file path=ppt/notesSlides/notesSlide8.xml><?xml version="1.0" encoding="utf-8"?>
+<p:notes xmlns:a="http://schemas.openxmlformats.org/drawingml/2006/main" xmlns:r="http://schemas.openxmlformats.org/officeDocument/2006/relationships" xmlns:p="http://schemas.openxmlformats.org/presentationml/2006/main">
+  <p:cSld>
+    <p:spTree>
+      <p:nvGrpSpPr>
+        <p:cNvPr id="1" name=""/>
+        <p:cNvGrpSpPr/>
+        <p:nvPr/>
+      </p:nvGrpSpPr>
+      <p:grpSpPr>
+        <a:xfrm>
+          <a:off x="0" y="0"/>
+          <a:ext cx="0" cy="0"/>
+          <a:chOff x="0" y="0"/>
+          <a:chExt cx="0" cy="0"/>
+        </a:xfrm>
+      </p:grpSpPr>
+      <p:sp>
+        <p:nvSpPr>
+          <p:cNvPr id="2" name="Slide Image Placeholder 1"/>
+          <p:cNvSpPr>
+            <a:spLocks noGrp="1" noRot="1" noChangeAspect="1"/>
+          </p:cNvSpPr>
+          <p:nvPr>
+            <p:ph type="sldImg"/>
+          </p:nvPr>
+        </p:nvSpPr>
+        <p:spPr/>
+      </p:sp>
+      <p:sp>
+        <p:nvSpPr>
+          <p:cNvPr id="3" name="Notes Placeholder 2"/>
+          <p:cNvSpPr>
+            <a:spLocks noGrp="1"/>
+          </p:cNvSpPr>
+          <p:nvPr>
+            <p:ph type="body" idx="1"/>
+          </p:nvPr>
+        </p:nvSpPr>
+        <p:spPr/>
+        <p:txBody>
+          <a:bodyPr/>
+          <a:lstStyle/>
+          <a:p>
+            <a:endParaRPr lang="en-US" dirty="0"/>
+          </a:p>
+        </p:txBody>
+      </p:sp>
+      <p:sp>
+        <p:nvSpPr>
+          <p:cNvPr id="4" name="Slide Number Placeholder 3"/>
+          <p:cNvSpPr>
+            <a:spLocks noGrp="1"/>
+          </p:cNvSpPr>
+          <p:nvPr>
+            <p:ph type="sldNum" sz="quarter" idx="5"/>
+          </p:nvPr>
+        </p:nvSpPr>
+        <p:spPr/>
+        <p:txBody>
+          <a:bodyPr/>
+          <a:lstStyle/>
+          <a:p>
+            <a:fld id="{91AA38ED-6E11-A042-BD50-887A2F32D715}" type="slidenum">
+              <a:rPr lang="en-US" smtClean="0"/>
+              <a:t>15</a:t>
+            </a:fld>
+            <a:endParaRPr lang="en-US"/>
+          </a:p>
+        </p:txBody>
+      </p:sp>
+    </p:spTree>
+    <p:extLst>
+      <p:ext uri="{BB962C8B-B14F-4D97-AF65-F5344CB8AC3E}">
+        <p14:creationId xmlns:p14="http://schemas.microsoft.com/office/powerpoint/2010/main" val="1429871760"/>
       </p:ext>
     </p:extLst>
   </p:cSld>
@@ -13775,7 +14114,7 @@
           <a:p>
             <a:r>
               <a:rPr lang="en-US" sz="2800" dirty="0"/>
-              <a:t>ATP synthase simulations show that proton pump can extend ATP lifetime</a:t>
+              <a:t>ATP synthase simulations show that proton pump is necessary to extend ATP lifetime</a:t>
             </a:r>
           </a:p>
         </p:txBody>
@@ -13849,10 +14188,10 @@
       </p:sp>
       <p:pic>
         <p:nvPicPr>
-          <p:cNvPr id="8" name="Picture 7" descr="A close up of a map&#10;&#10;Description automatically generated">
+          <p:cNvPr id="6" name="Picture 5" descr="A screenshot of a cell phone&#10;&#10;Description automatically generated">
             <a:extLst>
               <a:ext uri="{FF2B5EF4-FFF2-40B4-BE49-F238E27FC236}">
-                <a16:creationId xmlns:a16="http://schemas.microsoft.com/office/drawing/2014/main" id="{0C239E11-A296-F141-B74D-BDEBDE444D52}"/>
+                <a16:creationId xmlns:a16="http://schemas.microsoft.com/office/drawing/2014/main" id="{BAC05943-2999-974C-92F4-ED6B98BC8BC7}"/>
               </a:ext>
             </a:extLst>
           </p:cNvPr>
@@ -13869,7 +14208,7 @@
         </p:blipFill>
         <p:spPr>
           <a:xfrm>
-            <a:off x="877535" y="1600200"/>
+            <a:off x="1068265" y="1600200"/>
             <a:ext cx="4702629" cy="3657600"/>
           </a:xfrm>
           <a:prstGeom prst="rect">
@@ -13879,10 +14218,10 @@
       </p:pic>
       <p:pic>
         <p:nvPicPr>
-          <p:cNvPr id="10" name="Picture 9" descr="A close up of a map&#10;&#10;Description automatically generated">
+          <p:cNvPr id="9" name="Picture 8" descr="A close up of a map&#10;&#10;Description automatically generated">
             <a:extLst>
               <a:ext uri="{FF2B5EF4-FFF2-40B4-BE49-F238E27FC236}">
-                <a16:creationId xmlns:a16="http://schemas.microsoft.com/office/drawing/2014/main" id="{B57ABA35-8C75-814F-ADE5-BCDF8B391B76}"/>
+                <a16:creationId xmlns:a16="http://schemas.microsoft.com/office/drawing/2014/main" id="{D9EA22A6-1F28-A449-8160-CB62857D5553}"/>
               </a:ext>
             </a:extLst>
           </p:cNvPr>
@@ -13899,7 +14238,7 @@
         </p:blipFill>
         <p:spPr>
           <a:xfrm>
-            <a:off x="6260145" y="1600200"/>
+            <a:off x="6212296" y="1600200"/>
             <a:ext cx="4702629" cy="3657600"/>
           </a:xfrm>
           <a:prstGeom prst="rect">
@@ -13910,7 +14249,7 @@
     </p:spTree>
     <p:extLst>
       <p:ext uri="{BB962C8B-B14F-4D97-AF65-F5344CB8AC3E}">
-        <p14:creationId xmlns:p14="http://schemas.microsoft.com/office/powerpoint/2010/main" val="2597895945"/>
+        <p14:creationId xmlns:p14="http://schemas.microsoft.com/office/powerpoint/2010/main" val="2130722638"/>
       </p:ext>
     </p:extLst>
   </p:cSld>
@@ -13967,40 +14306,11 @@
           <a:p>
             <a:r>
               <a:rPr lang="en-US" sz="3200" dirty="0"/>
-              <a:t>ATP Synthase Model in Different Temperatures</a:t>
+              <a:t>Entire ATP Synthase Model in Different Temperatures</a:t>
             </a:r>
           </a:p>
         </p:txBody>
       </p:sp>
-      <p:pic>
-        <p:nvPicPr>
-          <p:cNvPr id="7" name="Content Placeholder 6" descr="A close up of a map&#10;&#10;Description automatically generated">
-            <a:extLst>
-              <a:ext uri="{FF2B5EF4-FFF2-40B4-BE49-F238E27FC236}">
-                <a16:creationId xmlns:a16="http://schemas.microsoft.com/office/drawing/2014/main" id="{10A7E1A4-52AB-CE48-B389-EBDF43FDCEBB}"/>
-              </a:ext>
-            </a:extLst>
-          </p:cNvPr>
-          <p:cNvPicPr>
-            <a:picLocks noGrp="1" noChangeAspect="1"/>
-          </p:cNvPicPr>
-          <p:nvPr>
-            <p:ph idx="1"/>
-          </p:nvPr>
-        </p:nvPicPr>
-        <p:blipFill>
-          <a:blip r:embed="rId2"/>
-          <a:stretch>
-            <a:fillRect/>
-          </a:stretch>
-        </p:blipFill>
-        <p:spPr>
-          <a:xfrm>
-            <a:off x="2450855" y="1523743"/>
-            <a:ext cx="4814375" cy="3744514"/>
-          </a:xfrm>
-        </p:spPr>
-      </p:pic>
       <p:pic>
         <p:nvPicPr>
           <p:cNvPr id="4" name="Picture 3" descr="A picture containing drawing&#10;&#10;Description automatically generated">
@@ -14016,7 +14326,7 @@
           <p:nvPr/>
         </p:nvPicPr>
         <p:blipFill>
-          <a:blip r:embed="rId3"/>
+          <a:blip r:embed="rId2"/>
           <a:stretch>
             <a:fillRect/>
           </a:stretch>
@@ -14083,14 +14393,14 @@
           <p:nvPr/>
         </p:nvPicPr>
         <p:blipFill>
-          <a:blip r:embed="rId4"/>
+          <a:blip r:embed="rId3"/>
           <a:stretch>
             <a:fillRect/>
           </a:stretch>
         </p:blipFill>
         <p:spPr>
           <a:xfrm>
-            <a:off x="8680341" y="2284642"/>
+            <a:off x="9951638" y="2483977"/>
             <a:ext cx="2240362" cy="2288715"/>
           </a:xfrm>
           <a:prstGeom prst="rect">
@@ -14159,10 +14469,70 @@
           </a:p>
         </p:txBody>
       </p:sp>
+      <p:pic>
+        <p:nvPicPr>
+          <p:cNvPr id="7" name="Picture 6" descr="A screenshot of a cell phone&#10;&#10;Description automatically generated">
+            <a:extLst>
+              <a:ext uri="{FF2B5EF4-FFF2-40B4-BE49-F238E27FC236}">
+                <a16:creationId xmlns:a16="http://schemas.microsoft.com/office/drawing/2014/main" id="{AA2FCB9A-D148-9540-933C-87F5FFDAFE01}"/>
+              </a:ext>
+            </a:extLst>
+          </p:cNvPr>
+          <p:cNvPicPr>
+            <a:picLocks noChangeAspect="1"/>
+          </p:cNvPicPr>
+          <p:nvPr/>
+        </p:nvPicPr>
+        <p:blipFill>
+          <a:blip r:embed="rId4"/>
+          <a:stretch>
+            <a:fillRect/>
+          </a:stretch>
+        </p:blipFill>
+        <p:spPr>
+          <a:xfrm>
+            <a:off x="442379" y="1799535"/>
+            <a:ext cx="4702629" cy="3657600"/>
+          </a:xfrm>
+          <a:prstGeom prst="rect">
+            <a:avLst/>
+          </a:prstGeom>
+        </p:spPr>
+      </p:pic>
+      <p:pic>
+        <p:nvPicPr>
+          <p:cNvPr id="9" name="Picture 8" descr="A close up of a map&#10;&#10;Description automatically generated">
+            <a:extLst>
+              <a:ext uri="{FF2B5EF4-FFF2-40B4-BE49-F238E27FC236}">
+                <a16:creationId xmlns:a16="http://schemas.microsoft.com/office/drawing/2014/main" id="{69E17409-E726-5C43-A633-C3239992EEEB}"/>
+              </a:ext>
+            </a:extLst>
+          </p:cNvPr>
+          <p:cNvPicPr>
+            <a:picLocks noChangeAspect="1"/>
+          </p:cNvPicPr>
+          <p:nvPr/>
+        </p:nvPicPr>
+        <p:blipFill>
+          <a:blip r:embed="rId5"/>
+          <a:stretch>
+            <a:fillRect/>
+          </a:stretch>
+        </p:blipFill>
+        <p:spPr>
+          <a:xfrm>
+            <a:off x="5145008" y="1799535"/>
+            <a:ext cx="4702629" cy="3657600"/>
+          </a:xfrm>
+          <a:prstGeom prst="rect">
+            <a:avLst/>
+          </a:prstGeom>
+        </p:spPr>
+      </p:pic>
     </p:spTree>
     <p:extLst>
       <p:ext uri="{BB962C8B-B14F-4D97-AF65-F5344CB8AC3E}">
-        <p14:creationId xmlns:p14="http://schemas.microsoft.com/office/powerpoint/2010/main" val="1257779323"/>
+        <p14:creationId xmlns:p14="http://schemas.microsoft.com/office/powerpoint/2010/main" val="1806825296"/>
       </p:ext>
     </p:extLst>
   </p:cSld>
@@ -14219,7 +14589,7 @@
           <a:p>
             <a:r>
               <a:rPr lang="en-US" sz="2800" dirty="0"/>
-              <a:t>ATP Synthase Model speeds up ssDNA export and causes more bound VirE2</a:t>
+              <a:t>Entire ATP Synthase Model speeds up ssDNA export and causes more bound VirE2</a:t>
             </a:r>
           </a:p>
         </p:txBody>
@@ -14239,7 +14609,7 @@
           <p:nvPr/>
         </p:nvPicPr>
         <p:blipFill>
-          <a:blip r:embed="rId2"/>
+          <a:blip r:embed="rId3"/>
           <a:stretch>
             <a:fillRect/>
           </a:stretch>
@@ -14306,7 +14676,7 @@
           <p:nvPr/>
         </p:nvPicPr>
         <p:blipFill>
-          <a:blip r:embed="rId3"/>
+          <a:blip r:embed="rId4"/>
           <a:stretch>
             <a:fillRect/>
           </a:stretch>
@@ -14336,7 +14706,7 @@
           <p:nvPr/>
         </p:nvPicPr>
         <p:blipFill>
-          <a:blip r:embed="rId4"/>
+          <a:blip r:embed="rId5"/>
           <a:stretch>
             <a:fillRect/>
           </a:stretch>
@@ -14442,6 +14812,278 @@
           <a:chExt cx="0" cy="0"/>
         </a:xfrm>
       </p:grpSpPr>
+      <p:pic>
+        <p:nvPicPr>
+          <p:cNvPr id="5" name="Picture 4" descr="A close up of a map&#10;&#10;Description automatically generated">
+            <a:extLst>
+              <a:ext uri="{FF2B5EF4-FFF2-40B4-BE49-F238E27FC236}">
+                <a16:creationId xmlns:a16="http://schemas.microsoft.com/office/drawing/2014/main" id="{D4861B5C-53A1-0346-BA2A-B6568956724C}"/>
+              </a:ext>
+            </a:extLst>
+          </p:cNvPr>
+          <p:cNvPicPr>
+            <a:picLocks noChangeAspect="1"/>
+          </p:cNvPicPr>
+          <p:nvPr/>
+        </p:nvPicPr>
+        <p:blipFill>
+          <a:blip r:embed="rId2"/>
+          <a:stretch>
+            <a:fillRect/>
+          </a:stretch>
+        </p:blipFill>
+        <p:spPr>
+          <a:xfrm>
+            <a:off x="5652655" y="1966100"/>
+            <a:ext cx="4389120" cy="3657600"/>
+          </a:xfrm>
+          <a:prstGeom prst="rect">
+            <a:avLst/>
+          </a:prstGeom>
+        </p:spPr>
+      </p:pic>
+      <p:pic>
+        <p:nvPicPr>
+          <p:cNvPr id="7" name="Picture 6" descr="A close up of a map&#10;&#10;Description automatically generated">
+            <a:extLst>
+              <a:ext uri="{FF2B5EF4-FFF2-40B4-BE49-F238E27FC236}">
+                <a16:creationId xmlns:a16="http://schemas.microsoft.com/office/drawing/2014/main" id="{39F9905E-FCEE-A542-8896-E096A70EE7C3}"/>
+              </a:ext>
+            </a:extLst>
+          </p:cNvPr>
+          <p:cNvPicPr>
+            <a:picLocks noChangeAspect="1"/>
+          </p:cNvPicPr>
+          <p:nvPr/>
+        </p:nvPicPr>
+        <p:blipFill>
+          <a:blip r:embed="rId3"/>
+          <a:stretch>
+            <a:fillRect/>
+          </a:stretch>
+        </p:blipFill>
+        <p:spPr>
+          <a:xfrm>
+            <a:off x="1002055" y="1966100"/>
+            <a:ext cx="4389120" cy="3657600"/>
+          </a:xfrm>
+          <a:prstGeom prst="rect">
+            <a:avLst/>
+          </a:prstGeom>
+        </p:spPr>
+      </p:pic>
+      <p:pic>
+        <p:nvPicPr>
+          <p:cNvPr id="6" name="Picture 5" descr="A picture containing drawing&#10;&#10;Description automatically generated">
+            <a:extLst>
+              <a:ext uri="{FF2B5EF4-FFF2-40B4-BE49-F238E27FC236}">
+                <a16:creationId xmlns:a16="http://schemas.microsoft.com/office/drawing/2014/main" id="{CCAF0F45-76E8-654E-9DAD-1C6FEE079F0D}"/>
+              </a:ext>
+            </a:extLst>
+          </p:cNvPr>
+          <p:cNvPicPr>
+            <a:picLocks noChangeAspect="1"/>
+          </p:cNvPicPr>
+          <p:nvPr/>
+        </p:nvPicPr>
+        <p:blipFill>
+          <a:blip r:embed="rId4"/>
+          <a:stretch>
+            <a:fillRect/>
+          </a:stretch>
+        </p:blipFill>
+        <p:spPr>
+          <a:xfrm>
+            <a:off x="11117119" y="6514803"/>
+            <a:ext cx="1074881" cy="343197"/>
+          </a:xfrm>
+          <a:prstGeom prst="rect">
+            <a:avLst/>
+          </a:prstGeom>
+        </p:spPr>
+      </p:pic>
+      <p:sp>
+        <p:nvSpPr>
+          <p:cNvPr id="8" name="TextBox 7">
+            <a:extLst>
+              <a:ext uri="{FF2B5EF4-FFF2-40B4-BE49-F238E27FC236}">
+                <a16:creationId xmlns:a16="http://schemas.microsoft.com/office/drawing/2014/main" id="{C21C62DB-C6B0-3D4F-86DC-96465B6ED01A}"/>
+              </a:ext>
+            </a:extLst>
+          </p:cNvPr>
+          <p:cNvSpPr txBox="1"/>
+          <p:nvPr/>
+        </p:nvSpPr>
+        <p:spPr>
+          <a:xfrm>
+            <a:off x="8963152" y="6596390"/>
+            <a:ext cx="2222083" cy="261610"/>
+          </a:xfrm>
+          <a:prstGeom prst="rect">
+            <a:avLst/>
+          </a:prstGeom>
+          <a:noFill/>
+        </p:spPr>
+        <p:txBody>
+          <a:bodyPr wrap="none" rtlCol="0">
+            <a:spAutoFit/>
+          </a:bodyPr>
+          <a:lstStyle/>
+          <a:p>
+            <a:r>
+              <a:rPr lang="en-US" sz="1100" dirty="0">
+                <a:latin typeface="Avenir Book" panose="02000503020000020003" pitchFamily="2" charset="0"/>
+              </a:rPr>
+              <a:t>Ankita Roychoudhury 8.17.2020</a:t>
+            </a:r>
+          </a:p>
+        </p:txBody>
+      </p:sp>
+      <p:sp>
+        <p:nvSpPr>
+          <p:cNvPr id="9" name="TextBox 8">
+            <a:extLst>
+              <a:ext uri="{FF2B5EF4-FFF2-40B4-BE49-F238E27FC236}">
+                <a16:creationId xmlns:a16="http://schemas.microsoft.com/office/drawing/2014/main" id="{2D0179AD-0848-2146-86FD-8BBB1360E0A4}"/>
+              </a:ext>
+            </a:extLst>
+          </p:cNvPr>
+          <p:cNvSpPr txBox="1"/>
+          <p:nvPr/>
+        </p:nvSpPr>
+        <p:spPr>
+          <a:xfrm>
+            <a:off x="0" y="6596390"/>
+            <a:ext cx="4655442" cy="307777"/>
+          </a:xfrm>
+          <a:prstGeom prst="rect">
+            <a:avLst/>
+          </a:prstGeom>
+          <a:noFill/>
+        </p:spPr>
+        <p:txBody>
+          <a:bodyPr wrap="none" rtlCol="0">
+            <a:spAutoFit/>
+          </a:bodyPr>
+          <a:lstStyle/>
+          <a:p>
+            <a:r>
+              <a:rPr lang="en-US" sz="1400" dirty="0">
+                <a:latin typeface="Avenir Book" panose="02000503020000020003" pitchFamily="2" charset="0"/>
+              </a:rPr>
+              <a:t>Export model courtesy of </a:t>
+            </a:r>
+            <a:r>
+              <a:rPr lang="en-US" sz="1400" dirty="0" err="1">
+                <a:latin typeface="Avenir Book" panose="02000503020000020003" pitchFamily="2" charset="0"/>
+              </a:rPr>
+              <a:t>Agrima</a:t>
+            </a:r>
+            <a:r>
+              <a:rPr lang="en-US" sz="1400" dirty="0">
+                <a:latin typeface="Avenir Book" panose="02000503020000020003" pitchFamily="2" charset="0"/>
+              </a:rPr>
+              <a:t> </a:t>
+            </a:r>
+            <a:r>
+              <a:rPr lang="en-US" sz="1400" dirty="0" err="1">
+                <a:latin typeface="Avenir Book" panose="02000503020000020003" pitchFamily="2" charset="0"/>
+              </a:rPr>
+              <a:t>Deedwania</a:t>
+            </a:r>
+            <a:r>
+              <a:rPr lang="en-US" sz="1400" dirty="0">
+                <a:latin typeface="Avenir Book" panose="02000503020000020003" pitchFamily="2" charset="0"/>
+              </a:rPr>
+              <a:t> (IIT Delhi) </a:t>
+            </a:r>
+          </a:p>
+        </p:txBody>
+      </p:sp>
+      <p:sp>
+        <p:nvSpPr>
+          <p:cNvPr id="10" name="Title 1">
+            <a:extLst>
+              <a:ext uri="{FF2B5EF4-FFF2-40B4-BE49-F238E27FC236}">
+                <a16:creationId xmlns:a16="http://schemas.microsoft.com/office/drawing/2014/main" id="{622C4901-7D8F-3148-BB66-6C803E3BFF47}"/>
+              </a:ext>
+            </a:extLst>
+          </p:cNvPr>
+          <p:cNvSpPr txBox="1">
+            <a:spLocks/>
+          </p:cNvSpPr>
+          <p:nvPr/>
+        </p:nvSpPr>
+        <p:spPr>
+          <a:xfrm>
+            <a:off x="133375" y="114728"/>
+            <a:ext cx="10515600" cy="1325563"/>
+          </a:xfrm>
+          <a:prstGeom prst="rect">
+            <a:avLst/>
+          </a:prstGeom>
+        </p:spPr>
+        <p:txBody>
+          <a:bodyPr vert="horz" lIns="91440" tIns="45720" rIns="91440" bIns="45720" rtlCol="0" anchor="ctr">
+            <a:normAutofit/>
+          </a:bodyPr>
+          <a:lstStyle>
+            <a:lvl1pPr algn="l" defTabSz="914400" rtl="0" eaLnBrk="1" latinLnBrk="0" hangingPunct="1">
+              <a:lnSpc>
+                <a:spcPct val="90000"/>
+              </a:lnSpc>
+              <a:spcBef>
+                <a:spcPct val="0"/>
+              </a:spcBef>
+              <a:buNone/>
+              <a:defRPr sz="4400" kern="1200">
+                <a:solidFill>
+                  <a:schemeClr val="tx1"/>
+                </a:solidFill>
+                <a:latin typeface="Avenir Book" panose="02000503020000020003" pitchFamily="2" charset="0"/>
+                <a:ea typeface="+mj-ea"/>
+                <a:cs typeface="+mj-cs"/>
+              </a:defRPr>
+            </a:lvl1pPr>
+          </a:lstStyle>
+          <a:p>
+            <a:r>
+              <a:rPr lang="en-US" sz="2800" dirty="0"/>
+              <a:t>Entire ATP Rheostat Model speeds up ssDNA export and causes more bound VirE2</a:t>
+            </a:r>
+          </a:p>
+        </p:txBody>
+      </p:sp>
+    </p:spTree>
+    <p:extLst>
+      <p:ext uri="{BB962C8B-B14F-4D97-AF65-F5344CB8AC3E}">
+        <p14:creationId xmlns:p14="http://schemas.microsoft.com/office/powerpoint/2010/main" val="692766602"/>
+      </p:ext>
+    </p:extLst>
+  </p:cSld>
+  <p:clrMapOvr>
+    <a:masterClrMapping/>
+  </p:clrMapOvr>
+</p:sld>
+</file>
+
+<file path=ppt/slides/slide14.xml><?xml version="1.0" encoding="utf-8"?>
+<p:sld xmlns:a="http://schemas.openxmlformats.org/drawingml/2006/main" xmlns:r="http://schemas.openxmlformats.org/officeDocument/2006/relationships" xmlns:p="http://schemas.openxmlformats.org/presentationml/2006/main">
+  <p:cSld>
+    <p:spTree>
+      <p:nvGrpSpPr>
+        <p:cNvPr id="1" name=""/>
+        <p:cNvGrpSpPr/>
+        <p:nvPr/>
+      </p:nvGrpSpPr>
+      <p:grpSpPr>
+        <a:xfrm>
+          <a:off x="0" y="0"/>
+          <a:ext cx="0" cy="0"/>
+          <a:chOff x="0" y="0"/>
+          <a:chExt cx="0" cy="0"/>
+        </a:xfrm>
+      </p:grpSpPr>
       <p:sp>
         <p:nvSpPr>
           <p:cNvPr id="2" name="Title 1">
@@ -14495,23 +15137,26 @@
         </p:nvSpPr>
         <p:spPr>
           <a:xfrm>
-            <a:off x="9608151" y="939938"/>
-            <a:ext cx="2580249" cy="805033"/>
+            <a:off x="6782304" y="6082139"/>
+            <a:ext cx="1290125" cy="353198"/>
           </a:xfrm>
         </p:spPr>
         <p:txBody>
           <a:bodyPr>
-            <a:normAutofit fontScale="92500" lnSpcReduction="20000"/>
+            <a:normAutofit/>
           </a:bodyPr>
           <a:lstStyle/>
           <a:p>
+            <a:pPr marL="0" indent="0">
+              <a:buNone/>
+            </a:pPr>
             <a:r>
               <a:rPr lang="en-US" sz="1600" dirty="0">
                 <a:solidFill>
                   <a:srgbClr val="FF0000"/>
                 </a:solidFill>
               </a:rPr>
-              <a:t>Include parameter sensitivity of reduced model here, what are those parameters?</a:t>
+              <a:t>Analysis</a:t>
             </a:r>
           </a:p>
         </p:txBody>
@@ -15187,6 +15832,73 @@
           </a:prstGeom>
         </p:spPr>
       </p:pic>
+      <p:pic>
+        <p:nvPicPr>
+          <p:cNvPr id="18" name="Picture 17" descr="A picture containing drawing&#10;&#10;Description automatically generated">
+            <a:extLst>
+              <a:ext uri="{FF2B5EF4-FFF2-40B4-BE49-F238E27FC236}">
+                <a16:creationId xmlns:a16="http://schemas.microsoft.com/office/drawing/2014/main" id="{CAE26A43-363B-7C40-984B-DAB9F7A9C5C4}"/>
+              </a:ext>
+            </a:extLst>
+          </p:cNvPr>
+          <p:cNvPicPr>
+            <a:picLocks noChangeAspect="1"/>
+          </p:cNvPicPr>
+          <p:nvPr/>
+        </p:nvPicPr>
+        <p:blipFill>
+          <a:blip r:embed="rId8"/>
+          <a:stretch>
+            <a:fillRect/>
+          </a:stretch>
+        </p:blipFill>
+        <p:spPr>
+          <a:xfrm>
+            <a:off x="11117119" y="6514803"/>
+            <a:ext cx="1074881" cy="343197"/>
+          </a:xfrm>
+          <a:prstGeom prst="rect">
+            <a:avLst/>
+          </a:prstGeom>
+        </p:spPr>
+      </p:pic>
+      <p:sp>
+        <p:nvSpPr>
+          <p:cNvPr id="19" name="TextBox 18">
+            <a:extLst>
+              <a:ext uri="{FF2B5EF4-FFF2-40B4-BE49-F238E27FC236}">
+                <a16:creationId xmlns:a16="http://schemas.microsoft.com/office/drawing/2014/main" id="{E968E446-20AA-354B-A50C-B1B616192F4C}"/>
+              </a:ext>
+            </a:extLst>
+          </p:cNvPr>
+          <p:cNvSpPr txBox="1"/>
+          <p:nvPr/>
+        </p:nvSpPr>
+        <p:spPr>
+          <a:xfrm>
+            <a:off x="8963152" y="6596390"/>
+            <a:ext cx="2222083" cy="261610"/>
+          </a:xfrm>
+          <a:prstGeom prst="rect">
+            <a:avLst/>
+          </a:prstGeom>
+          <a:noFill/>
+        </p:spPr>
+        <p:txBody>
+          <a:bodyPr wrap="none" rtlCol="0">
+            <a:spAutoFit/>
+          </a:bodyPr>
+          <a:lstStyle/>
+          <a:p>
+            <a:r>
+              <a:rPr lang="en-US" sz="1100" dirty="0">
+                <a:latin typeface="Avenir Book" panose="02000503020000020003" pitchFamily="2" charset="0"/>
+              </a:rPr>
+              <a:t>Ankita Roychoudhury 8.17.2020</a:t>
+            </a:r>
+          </a:p>
+        </p:txBody>
+      </p:sp>
     </p:spTree>
     <p:extLst>
       <p:ext uri="{BB962C8B-B14F-4D97-AF65-F5344CB8AC3E}">
@@ -15200,7 +15912,7 @@
 </p:sld>
 </file>
 
-<file path=ppt/slides/slide14.xml><?xml version="1.0" encoding="utf-8"?>
+<file path=ppt/slides/slide15.xml><?xml version="1.0" encoding="utf-8"?>
 <p:sld xmlns:a="http://schemas.openxmlformats.org/drawingml/2006/main" xmlns:r="http://schemas.openxmlformats.org/officeDocument/2006/relationships" xmlns:p="http://schemas.openxmlformats.org/presentationml/2006/main">
   <p:cSld>
     <p:spTree>
@@ -15268,14 +15980,23 @@
           <a:p>
             <a:r>
               <a:rPr lang="en-US" dirty="0"/>
-              <a:t>Include reverse ATP Synthase direction in model</a:t>
+              <a:t>Identify issue (?) with protein concentration for combined model</a:t>
             </a:r>
           </a:p>
           <a:p>
             <a:r>
               <a:rPr lang="en-US" dirty="0"/>
-              <a:t>Identify issue with protein concentration for combined model</a:t>
+              <a:t>Prepare final presentations/reports</a:t>
             </a:r>
+          </a:p>
+          <a:p>
+            <a:r>
+              <a:rPr lang="en-US" dirty="0"/>
+              <a:t>Incorporate ATP synthase reverse direction</a:t>
+            </a:r>
+          </a:p>
+          <a:p>
+            <a:endParaRPr lang="en-US" dirty="0"/>
           </a:p>
           <a:p>
             <a:endParaRPr lang="en-US" dirty="0"/>
@@ -15297,7 +16018,7 @@
           <p:nvPr/>
         </p:nvPicPr>
         <p:blipFill>
-          <a:blip r:embed="rId2"/>
+          <a:blip r:embed="rId3"/>
           <a:stretch>
             <a:fillRect/>
           </a:stretch>
@@ -15362,7 +16083,7 @@
 </p:sld>
 </file>
 
-<file path=ppt/slides/slide15.xml><?xml version="1.0" encoding="utf-8"?>
+<file path=ppt/slides/slide16.xml><?xml version="1.0" encoding="utf-8"?>
 <p:sld xmlns:a="http://schemas.openxmlformats.org/drawingml/2006/main" xmlns:r="http://schemas.openxmlformats.org/officeDocument/2006/relationships" xmlns:p="http://schemas.openxmlformats.org/presentationml/2006/main">
   <p:cSld>
     <p:spTree>
@@ -15395,411 +16116,25 @@
             <p:ph type="title"/>
           </p:nvPr>
         </p:nvSpPr>
-        <p:spPr/>
+        <p:spPr>
+          <a:xfrm>
+            <a:off x="164123" y="50250"/>
+            <a:ext cx="10515600" cy="1325563"/>
+          </a:xfrm>
+        </p:spPr>
         <p:txBody>
-          <a:bodyPr/>
+          <a:bodyPr>
+            <a:normAutofit/>
+          </a:bodyPr>
           <a:lstStyle/>
           <a:p>
             <a:r>
-              <a:rPr lang="en-US" dirty="0"/>
+              <a:rPr lang="en-US" sz="3200" dirty="0"/>
               <a:t>Senior Thesis Discussion</a:t>
             </a:r>
           </a:p>
         </p:txBody>
       </p:sp>
-      <p:graphicFrame>
-        <p:nvGraphicFramePr>
-          <p:cNvPr id="6" name="Content Placeholder 5">
-            <a:extLst>
-              <a:ext uri="{FF2B5EF4-FFF2-40B4-BE49-F238E27FC236}">
-                <a16:creationId xmlns:a16="http://schemas.microsoft.com/office/drawing/2014/main" id="{B413EA1B-B067-0C4B-AD23-56EC88AFF659}"/>
-              </a:ext>
-            </a:extLst>
-          </p:cNvPr>
-          <p:cNvGraphicFramePr>
-            <a:graphicFrameLocks noGrp="1"/>
-          </p:cNvGraphicFramePr>
-          <p:nvPr>
-            <p:ph idx="1"/>
-            <p:extLst>
-              <p:ext uri="{D42A27DB-BD31-4B8C-83A1-F6EECF244321}">
-                <p14:modId xmlns:p14="http://schemas.microsoft.com/office/powerpoint/2010/main" val="3028891428"/>
-              </p:ext>
-            </p:extLst>
-          </p:nvPr>
-        </p:nvGraphicFramePr>
-        <p:xfrm>
-          <a:off x="838200" y="1825625"/>
-          <a:ext cx="10515600" cy="1854200"/>
-        </p:xfrm>
-        <a:graphic>
-          <a:graphicData uri="http://schemas.openxmlformats.org/drawingml/2006/table">
-            <a:tbl>
-              <a:tblPr firstRow="1" bandRow="1">
-                <a:tableStyleId>{5C22544A-7EE6-4342-B048-85BDC9FD1C3A}</a:tableStyleId>
-              </a:tblPr>
-              <a:tblGrid>
-                <a:gridCol w="2103120">
-                  <a:extLst>
-                    <a:ext uri="{9D8B030D-6E8A-4147-A177-3AD203B41FA5}">
-                      <a16:colId xmlns:a16="http://schemas.microsoft.com/office/drawing/2014/main" val="2631093212"/>
-                    </a:ext>
-                  </a:extLst>
-                </a:gridCol>
-                <a:gridCol w="2103120">
-                  <a:extLst>
-                    <a:ext uri="{9D8B030D-6E8A-4147-A177-3AD203B41FA5}">
-                      <a16:colId xmlns:a16="http://schemas.microsoft.com/office/drawing/2014/main" val="2938585572"/>
-                    </a:ext>
-                  </a:extLst>
-                </a:gridCol>
-                <a:gridCol w="2103120">
-                  <a:extLst>
-                    <a:ext uri="{9D8B030D-6E8A-4147-A177-3AD203B41FA5}">
-                      <a16:colId xmlns:a16="http://schemas.microsoft.com/office/drawing/2014/main" val="2170280223"/>
-                    </a:ext>
-                  </a:extLst>
-                </a:gridCol>
-                <a:gridCol w="2103120">
-                  <a:extLst>
-                    <a:ext uri="{9D8B030D-6E8A-4147-A177-3AD203B41FA5}">
-                      <a16:colId xmlns:a16="http://schemas.microsoft.com/office/drawing/2014/main" val="3778555088"/>
-                    </a:ext>
-                  </a:extLst>
-                </a:gridCol>
-                <a:gridCol w="2103120">
-                  <a:extLst>
-                    <a:ext uri="{9D8B030D-6E8A-4147-A177-3AD203B41FA5}">
-                      <a16:colId xmlns:a16="http://schemas.microsoft.com/office/drawing/2014/main" val="2793101683"/>
-                    </a:ext>
-                  </a:extLst>
-                </a:gridCol>
-              </a:tblGrid>
-              <a:tr h="370840">
-                <a:tc>
-                  <a:txBody>
-                    <a:bodyPr/>
-                    <a:lstStyle/>
-                    <a:p>
-                      <a:endParaRPr lang="en-US" dirty="0"/>
-                    </a:p>
-                  </a:txBody>
-                  <a:tcPr/>
-                </a:tc>
-                <a:tc>
-                  <a:txBody>
-                    <a:bodyPr/>
-                    <a:lstStyle/>
-                    <a:p>
-                      <a:r>
-                        <a:rPr lang="en-US" dirty="0"/>
-                        <a:t>Interest</a:t>
-                      </a:r>
-                    </a:p>
-                  </a:txBody>
-                  <a:tcPr/>
-                </a:tc>
-                <a:tc>
-                  <a:txBody>
-                    <a:bodyPr/>
-                    <a:lstStyle/>
-                    <a:p>
-                      <a:r>
-                        <a:rPr lang="en-US" dirty="0"/>
-                        <a:t>New techniques</a:t>
-                      </a:r>
-                    </a:p>
-                  </a:txBody>
-                  <a:tcPr/>
-                </a:tc>
-                <a:tc>
-                  <a:txBody>
-                    <a:bodyPr/>
-                    <a:lstStyle/>
-                    <a:p>
-                      <a:r>
-                        <a:rPr lang="en-US" dirty="0"/>
-                        <a:t>blah</a:t>
-                      </a:r>
-                    </a:p>
-                  </a:txBody>
-                  <a:tcPr/>
-                </a:tc>
-                <a:tc>
-                  <a:txBody>
-                    <a:bodyPr/>
-                    <a:lstStyle/>
-                    <a:p>
-                      <a:endParaRPr lang="en-US"/>
-                    </a:p>
-                  </a:txBody>
-                  <a:tcPr/>
-                </a:tc>
-                <a:extLst>
-                  <a:ext uri="{0D108BD9-81ED-4DB2-BD59-A6C34878D82A}">
-                    <a16:rowId xmlns:a16="http://schemas.microsoft.com/office/drawing/2014/main" val="3391977275"/>
-                  </a:ext>
-                </a:extLst>
-              </a:tr>
-              <a:tr h="370840">
-                <a:tc>
-                  <a:txBody>
-                    <a:bodyPr/>
-                    <a:lstStyle/>
-                    <a:p>
-                      <a:r>
-                        <a:rPr lang="en-US" dirty="0"/>
-                        <a:t>ATP Synthase</a:t>
-                      </a:r>
-                    </a:p>
-                  </a:txBody>
-                  <a:tcPr/>
-                </a:tc>
-                <a:tc>
-                  <a:txBody>
-                    <a:bodyPr/>
-                    <a:lstStyle/>
-                    <a:p>
-                      <a:r>
-                        <a:rPr lang="en-US" dirty="0"/>
-                        <a:t>8</a:t>
-                      </a:r>
-                    </a:p>
-                  </a:txBody>
-                  <a:tcPr/>
-                </a:tc>
-                <a:tc>
-                  <a:txBody>
-                    <a:bodyPr/>
-                    <a:lstStyle/>
-                    <a:p>
-                      <a:r>
-                        <a:rPr lang="en-US" dirty="0"/>
-                        <a:t>10</a:t>
-                      </a:r>
-                    </a:p>
-                  </a:txBody>
-                  <a:tcPr/>
-                </a:tc>
-                <a:tc>
-                  <a:txBody>
-                    <a:bodyPr/>
-                    <a:lstStyle/>
-                    <a:p>
-                      <a:endParaRPr lang="en-US"/>
-                    </a:p>
-                  </a:txBody>
-                  <a:tcPr/>
-                </a:tc>
-                <a:tc>
-                  <a:txBody>
-                    <a:bodyPr/>
-                    <a:lstStyle/>
-                    <a:p>
-                      <a:endParaRPr lang="en-US"/>
-                    </a:p>
-                  </a:txBody>
-                  <a:tcPr/>
-                </a:tc>
-                <a:extLst>
-                  <a:ext uri="{0D108BD9-81ED-4DB2-BD59-A6C34878D82A}">
-                    <a16:rowId xmlns:a16="http://schemas.microsoft.com/office/drawing/2014/main" val="2921937556"/>
-                  </a:ext>
-                </a:extLst>
-              </a:tr>
-              <a:tr h="370840">
-                <a:tc>
-                  <a:txBody>
-                    <a:bodyPr/>
-                    <a:lstStyle/>
-                    <a:p>
-                      <a:r>
-                        <a:rPr lang="en-US" dirty="0"/>
-                        <a:t>ATP Rheostat</a:t>
-                      </a:r>
-                    </a:p>
-                  </a:txBody>
-                  <a:tcPr/>
-                </a:tc>
-                <a:tc>
-                  <a:txBody>
-                    <a:bodyPr/>
-                    <a:lstStyle/>
-                    <a:p>
-                      <a:r>
-                        <a:rPr lang="en-US" dirty="0"/>
-                        <a:t>8</a:t>
-                      </a:r>
-                    </a:p>
-                  </a:txBody>
-                  <a:tcPr/>
-                </a:tc>
-                <a:tc>
-                  <a:txBody>
-                    <a:bodyPr/>
-                    <a:lstStyle/>
-                    <a:p>
-                      <a:r>
-                        <a:rPr lang="en-US" dirty="0"/>
-                        <a:t>10</a:t>
-                      </a:r>
-                    </a:p>
-                  </a:txBody>
-                  <a:tcPr/>
-                </a:tc>
-                <a:tc>
-                  <a:txBody>
-                    <a:bodyPr/>
-                    <a:lstStyle/>
-                    <a:p>
-                      <a:endParaRPr lang="en-US"/>
-                    </a:p>
-                  </a:txBody>
-                  <a:tcPr/>
-                </a:tc>
-                <a:tc>
-                  <a:txBody>
-                    <a:bodyPr/>
-                    <a:lstStyle/>
-                    <a:p>
-                      <a:endParaRPr lang="en-US"/>
-                    </a:p>
-                  </a:txBody>
-                  <a:tcPr/>
-                </a:tc>
-                <a:extLst>
-                  <a:ext uri="{0D108BD9-81ED-4DB2-BD59-A6C34878D82A}">
-                    <a16:rowId xmlns:a16="http://schemas.microsoft.com/office/drawing/2014/main" val="2823007508"/>
-                  </a:ext>
-                </a:extLst>
-              </a:tr>
-              <a:tr h="370840">
-                <a:tc>
-                  <a:txBody>
-                    <a:bodyPr/>
-                    <a:lstStyle/>
-                    <a:p>
-                      <a:r>
-                        <a:rPr lang="en-US" dirty="0"/>
-                        <a:t>Integrase </a:t>
-                      </a:r>
-                    </a:p>
-                  </a:txBody>
-                  <a:tcPr/>
-                </a:tc>
-                <a:tc>
-                  <a:txBody>
-                    <a:bodyPr/>
-                    <a:lstStyle/>
-                    <a:p>
-                      <a:r>
-                        <a:rPr lang="en-US" dirty="0"/>
-                        <a:t>10</a:t>
-                      </a:r>
-                    </a:p>
-                  </a:txBody>
-                  <a:tcPr/>
-                </a:tc>
-                <a:tc>
-                  <a:txBody>
-                    <a:bodyPr/>
-                    <a:lstStyle/>
-                    <a:p>
-                      <a:r>
-                        <a:rPr lang="en-US" dirty="0"/>
-                        <a:t>10</a:t>
-                      </a:r>
-                    </a:p>
-                  </a:txBody>
-                  <a:tcPr/>
-                </a:tc>
-                <a:tc>
-                  <a:txBody>
-                    <a:bodyPr/>
-                    <a:lstStyle/>
-                    <a:p>
-                      <a:endParaRPr lang="en-US"/>
-                    </a:p>
-                  </a:txBody>
-                  <a:tcPr/>
-                </a:tc>
-                <a:tc>
-                  <a:txBody>
-                    <a:bodyPr/>
-                    <a:lstStyle/>
-                    <a:p>
-                      <a:endParaRPr lang="en-US"/>
-                    </a:p>
-                  </a:txBody>
-                  <a:tcPr/>
-                </a:tc>
-                <a:extLst>
-                  <a:ext uri="{0D108BD9-81ED-4DB2-BD59-A6C34878D82A}">
-                    <a16:rowId xmlns:a16="http://schemas.microsoft.com/office/drawing/2014/main" val="554864441"/>
-                  </a:ext>
-                </a:extLst>
-              </a:tr>
-              <a:tr h="370840">
-                <a:tc>
-                  <a:txBody>
-                    <a:bodyPr/>
-                    <a:lstStyle/>
-                    <a:p>
-                      <a:endParaRPr lang="en-US"/>
-                    </a:p>
-                  </a:txBody>
-                  <a:tcPr/>
-                </a:tc>
-                <a:tc>
-                  <a:txBody>
-                    <a:bodyPr/>
-                    <a:lstStyle/>
-                    <a:p>
-                      <a:endParaRPr lang="en-US"/>
-                    </a:p>
-                  </a:txBody>
-                  <a:tcPr/>
-                </a:tc>
-                <a:tc>
-                  <a:txBody>
-                    <a:bodyPr/>
-                    <a:lstStyle/>
-                    <a:p>
-                      <a:endParaRPr lang="en-US"/>
-                    </a:p>
-                  </a:txBody>
-                  <a:tcPr/>
-                </a:tc>
-                <a:tc>
-                  <a:txBody>
-                    <a:bodyPr/>
-                    <a:lstStyle/>
-                    <a:p>
-                      <a:endParaRPr lang="en-US"/>
-                    </a:p>
-                  </a:txBody>
-                  <a:tcPr/>
-                </a:tc>
-                <a:tc>
-                  <a:txBody>
-                    <a:bodyPr/>
-                    <a:lstStyle/>
-                    <a:p>
-                      <a:endParaRPr lang="en-US" dirty="0"/>
-                    </a:p>
-                  </a:txBody>
-                  <a:tcPr/>
-                </a:tc>
-                <a:extLst>
-                  <a:ext uri="{0D108BD9-81ED-4DB2-BD59-A6C34878D82A}">
-                    <a16:rowId xmlns:a16="http://schemas.microsoft.com/office/drawing/2014/main" val="2597846475"/>
-                  </a:ext>
-                </a:extLst>
-              </a:tr>
-            </a:tbl>
-          </a:graphicData>
-        </a:graphic>
-      </p:graphicFrame>
       <p:pic>
         <p:nvPicPr>
           <p:cNvPr id="4" name="Picture 3" descr="A picture containing drawing&#10;&#10;Description automatically generated">
@@ -15867,70 +16202,12 @@
           </a:p>
         </p:txBody>
       </p:sp>
-    </p:spTree>
-    <p:extLst>
-      <p:ext uri="{BB962C8B-B14F-4D97-AF65-F5344CB8AC3E}">
-        <p14:creationId xmlns:p14="http://schemas.microsoft.com/office/powerpoint/2010/main" val="1322512761"/>
-      </p:ext>
-    </p:extLst>
-  </p:cSld>
-  <p:clrMapOvr>
-    <a:masterClrMapping/>
-  </p:clrMapOvr>
-</p:sld>
-</file>
-
-<file path=ppt/slides/slide16.xml><?xml version="1.0" encoding="utf-8"?>
-<p:sld xmlns:a="http://schemas.openxmlformats.org/drawingml/2006/main" xmlns:r="http://schemas.openxmlformats.org/officeDocument/2006/relationships" xmlns:p="http://schemas.openxmlformats.org/presentationml/2006/main">
-  <p:cSld>
-    <p:spTree>
-      <p:nvGrpSpPr>
-        <p:cNvPr id="1" name=""/>
-        <p:cNvGrpSpPr/>
-        <p:nvPr/>
-      </p:nvGrpSpPr>
-      <p:grpSpPr>
-        <a:xfrm>
-          <a:off x="0" y="0"/>
-          <a:ext cx="0" cy="0"/>
-          <a:chOff x="0" y="0"/>
-          <a:chExt cx="0" cy="0"/>
-        </a:xfrm>
-      </p:grpSpPr>
       <p:sp>
         <p:nvSpPr>
-          <p:cNvPr id="2" name="Title 1">
+          <p:cNvPr id="7" name="Content Placeholder 6">
             <a:extLst>
               <a:ext uri="{FF2B5EF4-FFF2-40B4-BE49-F238E27FC236}">
-                <a16:creationId xmlns:a16="http://schemas.microsoft.com/office/drawing/2014/main" id="{A08F8548-ACBE-9D41-AA5A-3E27DFE14B73}"/>
-              </a:ext>
-            </a:extLst>
-          </p:cNvPr>
-          <p:cNvSpPr>
-            <a:spLocks noGrp="1"/>
-          </p:cNvSpPr>
-          <p:nvPr>
-            <p:ph type="title"/>
-          </p:nvPr>
-        </p:nvSpPr>
-        <p:spPr/>
-        <p:txBody>
-          <a:bodyPr/>
-          <a:lstStyle/>
-          <a:p>
-            <a:r>
-              <a:rPr lang="en-US" dirty="0"/>
-              <a:t>Misc.</a:t>
-            </a:r>
-          </a:p>
-        </p:txBody>
-      </p:sp>
-      <p:sp>
-        <p:nvSpPr>
-          <p:cNvPr id="3" name="Content Placeholder 2">
-            <a:extLst>
-              <a:ext uri="{FF2B5EF4-FFF2-40B4-BE49-F238E27FC236}">
-                <a16:creationId xmlns:a16="http://schemas.microsoft.com/office/drawing/2014/main" id="{6BE0183D-7545-8748-B514-34922DFAE9B3}"/>
+                <a16:creationId xmlns:a16="http://schemas.microsoft.com/office/drawing/2014/main" id="{DD8694E6-73CA-8A4F-B84B-36104D4786F5}"/>
               </a:ext>
             </a:extLst>
           </p:cNvPr>
@@ -15941,92 +16218,476 @@
             <p:ph idx="1"/>
           </p:nvPr>
         </p:nvSpPr>
-        <p:spPr/>
-        <p:txBody>
-          <a:bodyPr/>
-          <a:lstStyle/>
-          <a:p>
-            <a:r>
-              <a:rPr lang="en-US" dirty="0"/>
-              <a:t>Return to lab plan</a:t>
-            </a:r>
-          </a:p>
-          <a:p>
-            <a:endParaRPr lang="en-US" dirty="0"/>
-          </a:p>
-        </p:txBody>
-      </p:sp>
-      <p:pic>
-        <p:nvPicPr>
-          <p:cNvPr id="4" name="Picture 3" descr="A picture containing drawing&#10;&#10;Description automatically generated">
-            <a:extLst>
-              <a:ext uri="{FF2B5EF4-FFF2-40B4-BE49-F238E27FC236}">
-                <a16:creationId xmlns:a16="http://schemas.microsoft.com/office/drawing/2014/main" id="{2E5EAA64-A691-3E49-957A-AFD9E190EAEC}"/>
-              </a:ext>
-            </a:extLst>
-          </p:cNvPr>
-          <p:cNvPicPr>
-            <a:picLocks noChangeAspect="1"/>
-          </p:cNvPicPr>
-          <p:nvPr/>
-        </p:nvPicPr>
-        <p:blipFill>
-          <a:blip r:embed="rId2"/>
-          <a:stretch>
-            <a:fillRect/>
-          </a:stretch>
-        </p:blipFill>
         <p:spPr>
           <a:xfrm>
-            <a:off x="11117119" y="6514803"/>
-            <a:ext cx="1074881" cy="343197"/>
+            <a:off x="669635" y="1253331"/>
+            <a:ext cx="10515600" cy="4351338"/>
           </a:xfrm>
-          <a:prstGeom prst="rect">
-            <a:avLst/>
-          </a:prstGeom>
-        </p:spPr>
-      </p:pic>
-      <p:sp>
-        <p:nvSpPr>
-          <p:cNvPr id="5" name="TextBox 4">
-            <a:extLst>
-              <a:ext uri="{FF2B5EF4-FFF2-40B4-BE49-F238E27FC236}">
-                <a16:creationId xmlns:a16="http://schemas.microsoft.com/office/drawing/2014/main" id="{2BAF9CF4-DB79-3341-A4B4-8E885E008F25}"/>
-              </a:ext>
-            </a:extLst>
-          </p:cNvPr>
-          <p:cNvSpPr txBox="1"/>
-          <p:nvPr/>
-        </p:nvSpPr>
-        <p:spPr>
-          <a:xfrm>
-            <a:off x="8963152" y="6596390"/>
-            <a:ext cx="2222083" cy="261610"/>
-          </a:xfrm>
-          <a:prstGeom prst="rect">
-            <a:avLst/>
-          </a:prstGeom>
-          <a:noFill/>
         </p:spPr>
         <p:txBody>
-          <a:bodyPr wrap="none" rtlCol="0">
-            <a:spAutoFit/>
+          <a:bodyPr>
+            <a:normAutofit/>
           </a:bodyPr>
           <a:lstStyle/>
           <a:p>
             <a:r>
-              <a:rPr lang="en-US" sz="1100" dirty="0">
-                <a:latin typeface="Avenir Book" panose="02000503020000020003" pitchFamily="2" charset="0"/>
-              </a:rPr>
-              <a:t>Ankita Roychoudhury 8.17.2020</a:t>
+              <a:rPr lang="en-US" sz="2400" dirty="0"/>
+              <a:t>Contingency plan for remote</a:t>
             </a:r>
+          </a:p>
+          <a:p>
+            <a:r>
+              <a:rPr lang="en-US" sz="2400" dirty="0"/>
+              <a:t>Integrase projects?</a:t>
+            </a:r>
+          </a:p>
+          <a:p>
+            <a:endParaRPr lang="en-US" sz="2400" dirty="0"/>
           </a:p>
         </p:txBody>
       </p:sp>
+      <p:graphicFrame>
+        <p:nvGraphicFramePr>
+          <p:cNvPr id="9" name="Table 8">
+            <a:extLst>
+              <a:ext uri="{FF2B5EF4-FFF2-40B4-BE49-F238E27FC236}">
+                <a16:creationId xmlns:a16="http://schemas.microsoft.com/office/drawing/2014/main" id="{AFB9D0C3-5920-DB4F-A347-19C0788D52E6}"/>
+              </a:ext>
+            </a:extLst>
+          </p:cNvPr>
+          <p:cNvGraphicFramePr>
+            <a:graphicFrameLocks noGrp="1"/>
+          </p:cNvGraphicFramePr>
+          <p:nvPr>
+            <p:extLst>
+              <p:ext uri="{D42A27DB-BD31-4B8C-83A1-F6EECF244321}">
+                <p14:modId xmlns:p14="http://schemas.microsoft.com/office/powerpoint/2010/main" val="3439150851"/>
+              </p:ext>
+            </p:extLst>
+          </p:nvPr>
+        </p:nvGraphicFramePr>
+        <p:xfrm>
+          <a:off x="764129" y="2578894"/>
+          <a:ext cx="10326611" cy="2941320"/>
+        </p:xfrm>
+        <a:graphic>
+          <a:graphicData uri="http://schemas.openxmlformats.org/drawingml/2006/table">
+            <a:tbl>
+              <a:tblPr firstRow="1" bandRow="1">
+                <a:tableStyleId>{5C22544A-7EE6-4342-B048-85BDC9FD1C3A}</a:tableStyleId>
+              </a:tblPr>
+              <a:tblGrid>
+                <a:gridCol w="930548">
+                  <a:extLst>
+                    <a:ext uri="{9D8B030D-6E8A-4147-A177-3AD203B41FA5}">
+                      <a16:colId xmlns:a16="http://schemas.microsoft.com/office/drawing/2014/main" val="1234987617"/>
+                    </a:ext>
+                  </a:extLst>
+                </a:gridCol>
+                <a:gridCol w="3382125">
+                  <a:extLst>
+                    <a:ext uri="{9D8B030D-6E8A-4147-A177-3AD203B41FA5}">
+                      <a16:colId xmlns:a16="http://schemas.microsoft.com/office/drawing/2014/main" val="2254196897"/>
+                    </a:ext>
+                  </a:extLst>
+                </a:gridCol>
+                <a:gridCol w="3868615">
+                  <a:extLst>
+                    <a:ext uri="{9D8B030D-6E8A-4147-A177-3AD203B41FA5}">
+                      <a16:colId xmlns:a16="http://schemas.microsoft.com/office/drawing/2014/main" val="2647736362"/>
+                    </a:ext>
+                  </a:extLst>
+                </a:gridCol>
+                <a:gridCol w="2145323">
+                  <a:extLst>
+                    <a:ext uri="{9D8B030D-6E8A-4147-A177-3AD203B41FA5}">
+                      <a16:colId xmlns:a16="http://schemas.microsoft.com/office/drawing/2014/main" val="3800573597"/>
+                    </a:ext>
+                  </a:extLst>
+                </a:gridCol>
+              </a:tblGrid>
+              <a:tr h="370840">
+                <a:tc>
+                  <a:txBody>
+                    <a:bodyPr/>
+                    <a:lstStyle/>
+                    <a:p>
+                      <a:r>
+                        <a:rPr lang="en-US" dirty="0">
+                          <a:latin typeface="Avenir Book" panose="02000503020000020003" pitchFamily="2" charset="0"/>
+                        </a:rPr>
+                        <a:t>#</a:t>
+                      </a:r>
+                    </a:p>
+                  </a:txBody>
+                  <a:tcPr/>
+                </a:tc>
+                <a:tc>
+                  <a:txBody>
+                    <a:bodyPr/>
+                    <a:lstStyle/>
+                    <a:p>
+                      <a:r>
+                        <a:rPr lang="en-US" dirty="0">
+                          <a:latin typeface="Avenir Book" panose="02000503020000020003" pitchFamily="2" charset="0"/>
+                        </a:rPr>
+                        <a:t>Options</a:t>
+                      </a:r>
+                    </a:p>
+                  </a:txBody>
+                  <a:tcPr/>
+                </a:tc>
+                <a:tc>
+                  <a:txBody>
+                    <a:bodyPr/>
+                    <a:lstStyle/>
+                    <a:p>
+                      <a:r>
+                        <a:rPr lang="en-US" dirty="0">
+                          <a:latin typeface="Avenir Book" panose="02000503020000020003" pitchFamily="2" charset="0"/>
+                        </a:rPr>
+                        <a:t>Projects</a:t>
+                      </a:r>
+                    </a:p>
+                  </a:txBody>
+                  <a:tcPr/>
+                </a:tc>
+                <a:tc>
+                  <a:txBody>
+                    <a:bodyPr/>
+                    <a:lstStyle/>
+                    <a:p>
+                      <a:r>
+                        <a:rPr lang="en-US" dirty="0">
+                          <a:latin typeface="Avenir Book" panose="02000503020000020003" pitchFamily="2" charset="0"/>
+                        </a:rPr>
+                        <a:t>Housing</a:t>
+                      </a:r>
+                    </a:p>
+                  </a:txBody>
+                  <a:tcPr/>
+                </a:tc>
+                <a:extLst>
+                  <a:ext uri="{0D108BD9-81ED-4DB2-BD59-A6C34878D82A}">
+                    <a16:rowId xmlns:a16="http://schemas.microsoft.com/office/drawing/2014/main" val="4160556265"/>
+                  </a:ext>
+                </a:extLst>
+              </a:tr>
+              <a:tr h="370840">
+                <a:tc>
+                  <a:txBody>
+                    <a:bodyPr/>
+                    <a:lstStyle/>
+                    <a:p>
+                      <a:r>
+                        <a:rPr lang="en-US" dirty="0">
+                          <a:latin typeface="Avenir Book" panose="02000503020000020003" pitchFamily="2" charset="0"/>
+                        </a:rPr>
+                        <a:t>1</a:t>
+                      </a:r>
+                    </a:p>
+                  </a:txBody>
+                  <a:tcPr/>
+                </a:tc>
+                <a:tc>
+                  <a:txBody>
+                    <a:bodyPr/>
+                    <a:lstStyle/>
+                    <a:p>
+                      <a:r>
+                        <a:rPr lang="en-US" dirty="0">
+                          <a:latin typeface="Avenir Book" panose="02000503020000020003" pitchFamily="2" charset="0"/>
+                        </a:rPr>
+                        <a:t>Allowed in Lab in Oct</a:t>
+                      </a:r>
+                    </a:p>
+                  </a:txBody>
+                  <a:tcPr/>
+                </a:tc>
+                <a:tc>
+                  <a:txBody>
+                    <a:bodyPr/>
+                    <a:lstStyle/>
+                    <a:p>
+                      <a:r>
+                        <a:rPr lang="en-US" dirty="0">
+                          <a:latin typeface="Avenir Book" panose="02000503020000020003" pitchFamily="2" charset="0"/>
+                        </a:rPr>
+                        <a:t>ATP Synthase, Integrase</a:t>
+                      </a:r>
+                    </a:p>
+                  </a:txBody>
+                  <a:tcPr/>
+                </a:tc>
+                <a:tc>
+                  <a:txBody>
+                    <a:bodyPr/>
+                    <a:lstStyle/>
+                    <a:p>
+                      <a:r>
+                        <a:rPr lang="en-US" dirty="0">
+                          <a:latin typeface="Avenir Book" panose="02000503020000020003" pitchFamily="2" charset="0"/>
+                        </a:rPr>
+                        <a:t>Pasadena</a:t>
+                      </a:r>
+                    </a:p>
+                  </a:txBody>
+                  <a:tcPr/>
+                </a:tc>
+                <a:extLst>
+                  <a:ext uri="{0D108BD9-81ED-4DB2-BD59-A6C34878D82A}">
+                    <a16:rowId xmlns:a16="http://schemas.microsoft.com/office/drawing/2014/main" val="2826330331"/>
+                  </a:ext>
+                </a:extLst>
+              </a:tr>
+              <a:tr h="370840">
+                <a:tc>
+                  <a:txBody>
+                    <a:bodyPr/>
+                    <a:lstStyle/>
+                    <a:p>
+                      <a:r>
+                        <a:rPr lang="en-US" dirty="0">
+                          <a:latin typeface="Avenir Book" panose="02000503020000020003" pitchFamily="2" charset="0"/>
+                        </a:rPr>
+                        <a:t>2</a:t>
+                      </a:r>
+                    </a:p>
+                  </a:txBody>
+                  <a:tcPr/>
+                </a:tc>
+                <a:tc>
+                  <a:txBody>
+                    <a:bodyPr/>
+                    <a:lstStyle/>
+                    <a:p>
+                      <a:r>
+                        <a:rPr lang="en-US" dirty="0">
+                          <a:latin typeface="Avenir Book" panose="02000503020000020003" pitchFamily="2" charset="0"/>
+                        </a:rPr>
+                        <a:t>Allowed in Lab Later (Dec/Jan)</a:t>
+                      </a:r>
+                    </a:p>
+                  </a:txBody>
+                  <a:tcPr/>
+                </a:tc>
+                <a:tc>
+                  <a:txBody>
+                    <a:bodyPr/>
+                    <a:lstStyle/>
+                    <a:p>
+                      <a:r>
+                        <a:rPr lang="en-US" dirty="0">
+                          <a:latin typeface="Avenir Book" panose="02000503020000020003" pitchFamily="2" charset="0"/>
+                        </a:rPr>
+                        <a:t>ATP Synthase, Integrase</a:t>
+                      </a:r>
+                    </a:p>
+                  </a:txBody>
+                  <a:tcPr/>
+                </a:tc>
+                <a:tc>
+                  <a:txBody>
+                    <a:bodyPr/>
+                    <a:lstStyle/>
+                    <a:p>
+                      <a:r>
+                        <a:rPr lang="en-US" dirty="0">
+                          <a:latin typeface="Avenir Book" panose="02000503020000020003" pitchFamily="2" charset="0"/>
+                        </a:rPr>
+                        <a:t>Pasadena</a:t>
+                      </a:r>
+                    </a:p>
+                  </a:txBody>
+                  <a:tcPr/>
+                </a:tc>
+                <a:extLst>
+                  <a:ext uri="{0D108BD9-81ED-4DB2-BD59-A6C34878D82A}">
+                    <a16:rowId xmlns:a16="http://schemas.microsoft.com/office/drawing/2014/main" val="117264952"/>
+                  </a:ext>
+                </a:extLst>
+              </a:tr>
+              <a:tr h="370840">
+                <a:tc>
+                  <a:txBody>
+                    <a:bodyPr/>
+                    <a:lstStyle/>
+                    <a:p>
+                      <a:r>
+                        <a:rPr lang="en-US" dirty="0">
+                          <a:latin typeface="Avenir Book" panose="02000503020000020003" pitchFamily="2" charset="0"/>
+                        </a:rPr>
+                        <a:t>3</a:t>
+                      </a:r>
+                    </a:p>
+                  </a:txBody>
+                  <a:tcPr/>
+                </a:tc>
+                <a:tc>
+                  <a:txBody>
+                    <a:bodyPr/>
+                    <a:lstStyle/>
+                    <a:p>
+                      <a:r>
+                        <a:rPr lang="en-US" dirty="0">
+                          <a:latin typeface="Avenir Book" panose="02000503020000020003" pitchFamily="2" charset="0"/>
+                        </a:rPr>
+                        <a:t>Not Allowed in Lab (A)</a:t>
+                      </a:r>
+                    </a:p>
+                  </a:txBody>
+                  <a:tcPr/>
+                </a:tc>
+                <a:tc>
+                  <a:txBody>
+                    <a:bodyPr/>
+                    <a:lstStyle/>
+                    <a:p>
+                      <a:r>
+                        <a:rPr lang="en-US" dirty="0">
+                          <a:latin typeface="Avenir Book" panose="02000503020000020003" pitchFamily="2" charset="0"/>
+                        </a:rPr>
+                        <a:t>ATP Synthase,</a:t>
+                      </a:r>
+                    </a:p>
+                    <a:p>
+                      <a:r>
+                        <a:rPr lang="en-US" dirty="0">
+                          <a:latin typeface="Avenir Book" panose="02000503020000020003" pitchFamily="2" charset="0"/>
+                        </a:rPr>
+                        <a:t>New </a:t>
+                      </a:r>
+                      <a:r>
+                        <a:rPr lang="en-US" i="1" dirty="0">
+                          <a:latin typeface="Avenir Book" panose="02000503020000020003" pitchFamily="2" charset="0"/>
+                        </a:rPr>
+                        <a:t>in silico</a:t>
+                      </a:r>
+                      <a:r>
+                        <a:rPr lang="en-US" i="0" dirty="0">
+                          <a:latin typeface="Avenir Book" panose="02000503020000020003" pitchFamily="2" charset="0"/>
+                        </a:rPr>
+                        <a:t> Murray Lab Project</a:t>
+                      </a:r>
+                      <a:endParaRPr lang="en-US" dirty="0">
+                        <a:latin typeface="Avenir Book" panose="02000503020000020003" pitchFamily="2" charset="0"/>
+                      </a:endParaRPr>
+                    </a:p>
+                  </a:txBody>
+                  <a:tcPr/>
+                </a:tc>
+                <a:tc>
+                  <a:txBody>
+                    <a:bodyPr/>
+                    <a:lstStyle/>
+                    <a:p>
+                      <a:r>
+                        <a:rPr lang="en-US" dirty="0">
+                          <a:latin typeface="Avenir Book" panose="02000503020000020003" pitchFamily="2" charset="0"/>
+                        </a:rPr>
+                        <a:t>Connecticut</a:t>
+                      </a:r>
+                    </a:p>
+                  </a:txBody>
+                  <a:tcPr/>
+                </a:tc>
+                <a:extLst>
+                  <a:ext uri="{0D108BD9-81ED-4DB2-BD59-A6C34878D82A}">
+                    <a16:rowId xmlns:a16="http://schemas.microsoft.com/office/drawing/2014/main" val="1063328291"/>
+                  </a:ext>
+                </a:extLst>
+              </a:tr>
+              <a:tr h="370840">
+                <a:tc>
+                  <a:txBody>
+                    <a:bodyPr/>
+                    <a:lstStyle/>
+                    <a:p>
+                      <a:r>
+                        <a:rPr lang="en-US" dirty="0">
+                          <a:latin typeface="Avenir Book" panose="02000503020000020003" pitchFamily="2" charset="0"/>
+                        </a:rPr>
+                        <a:t>4</a:t>
+                      </a:r>
+                    </a:p>
+                  </a:txBody>
+                  <a:tcPr/>
+                </a:tc>
+                <a:tc>
+                  <a:txBody>
+                    <a:bodyPr/>
+                    <a:lstStyle/>
+                    <a:p>
+                      <a:r>
+                        <a:rPr lang="en-US" dirty="0">
+                          <a:latin typeface="Avenir Book" panose="02000503020000020003" pitchFamily="2" charset="0"/>
+                        </a:rPr>
+                        <a:t>Not Allowed in Lab (B)</a:t>
+                      </a:r>
+                    </a:p>
+                  </a:txBody>
+                  <a:tcPr/>
+                </a:tc>
+                <a:tc>
+                  <a:txBody>
+                    <a:bodyPr/>
+                    <a:lstStyle/>
+                    <a:p>
+                      <a:r>
+                        <a:rPr lang="en-US" dirty="0">
+                          <a:latin typeface="Avenir Book" panose="02000503020000020003" pitchFamily="2" charset="0"/>
+                        </a:rPr>
+                        <a:t>ATP Synthase?,</a:t>
+                      </a:r>
+                    </a:p>
+                    <a:p>
+                      <a:r>
+                        <a:rPr lang="en-US" dirty="0">
+                          <a:latin typeface="Avenir Book" panose="02000503020000020003" pitchFamily="2" charset="0"/>
+                        </a:rPr>
+                        <a:t>New Project?,</a:t>
+                      </a:r>
+                    </a:p>
+                    <a:p>
+                      <a:r>
+                        <a:rPr lang="en-US" dirty="0">
+                          <a:latin typeface="Avenir Book" panose="02000503020000020003" pitchFamily="2" charset="0"/>
+                        </a:rPr>
+                        <a:t>Experimentally done at Yale (Farren Isaacs Lab)</a:t>
+                      </a:r>
+                    </a:p>
+                  </a:txBody>
+                  <a:tcPr/>
+                </a:tc>
+                <a:tc>
+                  <a:txBody>
+                    <a:bodyPr/>
+                    <a:lstStyle/>
+                    <a:p>
+                      <a:r>
+                        <a:rPr lang="en-US" dirty="0">
+                          <a:latin typeface="Avenir Book" panose="02000503020000020003" pitchFamily="2" charset="0"/>
+                        </a:rPr>
+                        <a:t>Connecticut</a:t>
+                      </a:r>
+                    </a:p>
+                  </a:txBody>
+                  <a:tcPr/>
+                </a:tc>
+                <a:extLst>
+                  <a:ext uri="{0D108BD9-81ED-4DB2-BD59-A6C34878D82A}">
+                    <a16:rowId xmlns:a16="http://schemas.microsoft.com/office/drawing/2014/main" val="3402136391"/>
+                  </a:ext>
+                </a:extLst>
+              </a:tr>
+            </a:tbl>
+          </a:graphicData>
+        </a:graphic>
+      </p:graphicFrame>
     </p:spTree>
     <p:extLst>
       <p:ext uri="{BB962C8B-B14F-4D97-AF65-F5344CB8AC3E}">
-        <p14:creationId xmlns:p14="http://schemas.microsoft.com/office/powerpoint/2010/main" val="3151142667"/>
+        <p14:creationId xmlns:p14="http://schemas.microsoft.com/office/powerpoint/2010/main" val="1322512761"/>
       </p:ext>
     </p:extLst>
   </p:cSld>
@@ -16221,12 +16882,9 @@
             </a:r>
           </a:p>
           <a:p>
-            <a:r>
-              <a:rPr lang="en-US" dirty="0"/>
-              <a:t>Misc.</a:t>
-            </a:r>
-          </a:p>
-          <a:p>
+            <a:pPr marL="0" indent="0">
+              <a:buNone/>
+            </a:pPr>
             <a:endParaRPr lang="en-US" dirty="0"/>
           </a:p>
         </p:txBody>
@@ -18622,10 +19280,10 @@
         </p:nvGrpSpPr>
         <p:grpSpPr>
           <a:xfrm>
-            <a:off x="596897" y="2338573"/>
-            <a:ext cx="10619509" cy="3092816"/>
-            <a:chOff x="114300" y="2359535"/>
-            <a:chExt cx="10619509" cy="3092816"/>
+            <a:off x="494807" y="2350681"/>
+            <a:ext cx="10721599" cy="3071115"/>
+            <a:chOff x="12210" y="2371643"/>
+            <a:chExt cx="10721599" cy="3071115"/>
           </a:xfrm>
         </p:grpSpPr>
         <p:cxnSp>
@@ -18683,8 +19341,8 @@
           </p:nvSpPr>
           <p:spPr>
             <a:xfrm>
-              <a:off x="114300" y="2359535"/>
-              <a:ext cx="1625600" cy="646331"/>
+              <a:off x="12210" y="2371643"/>
+              <a:ext cx="1829780" cy="646331"/>
             </a:xfrm>
             <a:prstGeom prst="rect">
               <a:avLst/>
@@ -18701,7 +19359,7 @@
                 <a:rPr lang="en-US" dirty="0">
                   <a:latin typeface="Avenir Book" panose="02000503020000020003" pitchFamily="2" charset="0"/>
                 </a:rPr>
-                <a:t>Model basics BioCRNpyler</a:t>
+                <a:t>Model basics in BioCRNpyler</a:t>
               </a:r>
             </a:p>
           </p:txBody>
@@ -18807,7 +19465,7 @@
           <p:spPr>
             <a:xfrm>
               <a:off x="5503428" y="4529021"/>
-              <a:ext cx="2963144" cy="923330"/>
+              <a:ext cx="2963144" cy="646331"/>
             </a:xfrm>
             <a:prstGeom prst="rect">
               <a:avLst/>
@@ -18824,7 +19482,7 @@
                 <a:rPr lang="en-US" dirty="0">
                   <a:latin typeface="Avenir Book" panose="02000503020000020003" pitchFamily="2" charset="0"/>
                 </a:rPr>
-                <a:t>Combine Model with ssDNA Export + Liposome Fusion (</a:t>
+                <a:t>Combine Model with ssDNA Export (</a:t>
               </a:r>
               <a:r>
                 <a:rPr lang="en-US" dirty="0" err="1">
@@ -19170,8 +19828,8 @@
           </p:nvCxnSpPr>
           <p:spPr>
             <a:xfrm flipV="1">
-              <a:off x="927100" y="3005866"/>
-              <a:ext cx="0" cy="843200"/>
+              <a:off x="927100" y="3017974"/>
+              <a:ext cx="0" cy="831092"/>
             </a:xfrm>
             <a:prstGeom prst="straightConnector1">
               <a:avLst/>
@@ -19883,13 +20541,13 @@
           <a:p>
             <a:pPr algn="ctr"/>
             <a:r>
-              <a:rPr lang="en-US" dirty="0">
+              <a:rPr lang="en-US" sz="1600" dirty="0">
                 <a:solidFill>
                   <a:sysClr val="windowText" lastClr="000000"/>
                 </a:solidFill>
                 <a:latin typeface="Avenir Book" panose="02000503020000020003" pitchFamily="2" charset="0"/>
               </a:rPr>
-              <a:t>Proton Pump through ATP Synthase</a:t>
+              <a:t>Proton movement through Proton Pump</a:t>
             </a:r>
           </a:p>
         </p:txBody>
@@ -20640,96 +21298,6 @@
           </a:p>
         </p:txBody>
       </p:sp>
-      <p:pic>
-        <p:nvPicPr>
-          <p:cNvPr id="7" name="Picture 6" descr="A screenshot of a cell phone&#10;&#10;Description automatically generated">
-            <a:extLst>
-              <a:ext uri="{FF2B5EF4-FFF2-40B4-BE49-F238E27FC236}">
-                <a16:creationId xmlns:a16="http://schemas.microsoft.com/office/drawing/2014/main" id="{B2CA2F0B-311B-3B49-89B0-C011DFB940D6}"/>
-              </a:ext>
-            </a:extLst>
-          </p:cNvPr>
-          <p:cNvPicPr>
-            <a:picLocks noChangeAspect="1"/>
-          </p:cNvPicPr>
-          <p:nvPr/>
-        </p:nvPicPr>
-        <p:blipFill>
-          <a:blip r:embed="rId4"/>
-          <a:stretch>
-            <a:fillRect/>
-          </a:stretch>
-        </p:blipFill>
-        <p:spPr>
-          <a:xfrm>
-            <a:off x="8038378" y="1429490"/>
-            <a:ext cx="3526971" cy="2743200"/>
-          </a:xfrm>
-          <a:prstGeom prst="rect">
-            <a:avLst/>
-          </a:prstGeom>
-        </p:spPr>
-      </p:pic>
-      <p:pic>
-        <p:nvPicPr>
-          <p:cNvPr id="9" name="Picture 8" descr="A close up of a map&#10;&#10;Description automatically generated">
-            <a:extLst>
-              <a:ext uri="{FF2B5EF4-FFF2-40B4-BE49-F238E27FC236}">
-                <a16:creationId xmlns:a16="http://schemas.microsoft.com/office/drawing/2014/main" id="{BF543126-32EF-D044-9149-CCC37FE6E232}"/>
-              </a:ext>
-            </a:extLst>
-          </p:cNvPr>
-          <p:cNvPicPr>
-            <a:picLocks noChangeAspect="1"/>
-          </p:cNvPicPr>
-          <p:nvPr/>
-        </p:nvPicPr>
-        <p:blipFill>
-          <a:blip r:embed="rId5"/>
-          <a:stretch>
-            <a:fillRect/>
-          </a:stretch>
-        </p:blipFill>
-        <p:spPr>
-          <a:xfrm>
-            <a:off x="4207866" y="1429490"/>
-            <a:ext cx="3526971" cy="2743200"/>
-          </a:xfrm>
-          <a:prstGeom prst="rect">
-            <a:avLst/>
-          </a:prstGeom>
-        </p:spPr>
-      </p:pic>
-      <p:pic>
-        <p:nvPicPr>
-          <p:cNvPr id="13" name="Picture 12" descr="A close up of a map&#10;&#10;Description automatically generated">
-            <a:extLst>
-              <a:ext uri="{FF2B5EF4-FFF2-40B4-BE49-F238E27FC236}">
-                <a16:creationId xmlns:a16="http://schemas.microsoft.com/office/drawing/2014/main" id="{9F949A8C-D1EA-2244-813D-128E25407F2E}"/>
-              </a:ext>
-            </a:extLst>
-          </p:cNvPr>
-          <p:cNvPicPr>
-            <a:picLocks noChangeAspect="1"/>
-          </p:cNvPicPr>
-          <p:nvPr/>
-        </p:nvPicPr>
-        <p:blipFill>
-          <a:blip r:embed="rId6"/>
-          <a:stretch>
-            <a:fillRect/>
-          </a:stretch>
-        </p:blipFill>
-        <p:spPr>
-          <a:xfrm>
-            <a:off x="377354" y="1429490"/>
-            <a:ext cx="3526971" cy="2743200"/>
-          </a:xfrm>
-          <a:prstGeom prst="rect">
-            <a:avLst/>
-          </a:prstGeom>
-        </p:spPr>
-      </p:pic>
       <p:grpSp>
         <p:nvGrpSpPr>
           <p:cNvPr id="22" name="Group 21">
@@ -21711,13 +22279,7 @@
               </a:extLst>
             </p:cNvPr>
             <p:cNvGraphicFramePr/>
-            <p:nvPr>
-              <p:extLst>
-                <p:ext uri="{D42A27DB-BD31-4B8C-83A1-F6EECF244321}">
-                  <p14:modId xmlns:p14="http://schemas.microsoft.com/office/powerpoint/2010/main" val="2230278476"/>
-                </p:ext>
-              </p:extLst>
-            </p:nvPr>
+            <p:nvPr/>
           </p:nvGraphicFramePr>
           <p:xfrm>
             <a:off x="9099888" y="5104942"/>
@@ -21725,7 +22287,7 @@
           </p:xfrm>
           <a:graphic>
             <a:graphicData uri="http://schemas.openxmlformats.org/drawingml/2006/diagram">
-              <dgm:relIds xmlns:dgm="http://schemas.openxmlformats.org/drawingml/2006/diagram" xmlns:r="http://schemas.openxmlformats.org/officeDocument/2006/relationships" r:dm="rId7" r:lo="rId8" r:qs="rId9" r:cs="rId10"/>
+              <dgm:relIds xmlns:dgm="http://schemas.openxmlformats.org/drawingml/2006/diagram" xmlns:r="http://schemas.openxmlformats.org/officeDocument/2006/relationships" r:dm="rId4" r:lo="rId5" r:qs="rId6" r:cs="rId7"/>
             </a:graphicData>
           </a:graphic>
         </p:graphicFrame>
@@ -21969,10 +22531,100 @@
           </a:p>
         </p:txBody>
       </p:sp>
+      <p:pic>
+        <p:nvPicPr>
+          <p:cNvPr id="12" name="Picture 11" descr="A close up of a map&#10;&#10;Description automatically generated">
+            <a:extLst>
+              <a:ext uri="{FF2B5EF4-FFF2-40B4-BE49-F238E27FC236}">
+                <a16:creationId xmlns:a16="http://schemas.microsoft.com/office/drawing/2014/main" id="{BCC4B056-E7CA-EE4B-BFD2-196A0AEF5DAC}"/>
+              </a:ext>
+            </a:extLst>
+          </p:cNvPr>
+          <p:cNvPicPr>
+            <a:picLocks noChangeAspect="1"/>
+          </p:cNvPicPr>
+          <p:nvPr/>
+        </p:nvPicPr>
+        <p:blipFill>
+          <a:blip r:embed="rId9"/>
+          <a:stretch>
+            <a:fillRect/>
+          </a:stretch>
+        </p:blipFill>
+        <p:spPr>
+          <a:xfrm>
+            <a:off x="4218114" y="1427330"/>
+            <a:ext cx="3526971" cy="2743200"/>
+          </a:xfrm>
+          <a:prstGeom prst="rect">
+            <a:avLst/>
+          </a:prstGeom>
+        </p:spPr>
+      </p:pic>
+      <p:pic>
+        <p:nvPicPr>
+          <p:cNvPr id="26" name="Picture 25" descr="A screenshot of a cell phone&#10;&#10;Description automatically generated">
+            <a:extLst>
+              <a:ext uri="{FF2B5EF4-FFF2-40B4-BE49-F238E27FC236}">
+                <a16:creationId xmlns:a16="http://schemas.microsoft.com/office/drawing/2014/main" id="{ACE32876-990A-5E48-B83F-F08F908845D9}"/>
+              </a:ext>
+            </a:extLst>
+          </p:cNvPr>
+          <p:cNvPicPr>
+            <a:picLocks noChangeAspect="1"/>
+          </p:cNvPicPr>
+          <p:nvPr/>
+        </p:nvPicPr>
+        <p:blipFill>
+          <a:blip r:embed="rId10"/>
+          <a:stretch>
+            <a:fillRect/>
+          </a:stretch>
+        </p:blipFill>
+        <p:spPr>
+          <a:xfrm>
+            <a:off x="8035902" y="1427330"/>
+            <a:ext cx="3526971" cy="2743200"/>
+          </a:xfrm>
+          <a:prstGeom prst="rect">
+            <a:avLst/>
+          </a:prstGeom>
+        </p:spPr>
+      </p:pic>
+      <p:pic>
+        <p:nvPicPr>
+          <p:cNvPr id="40" name="Picture 39" descr="A close up of a map&#10;&#10;Description automatically generated">
+            <a:extLst>
+              <a:ext uri="{FF2B5EF4-FFF2-40B4-BE49-F238E27FC236}">
+                <a16:creationId xmlns:a16="http://schemas.microsoft.com/office/drawing/2014/main" id="{5228DA69-6066-C641-83F6-43D79A521280}"/>
+              </a:ext>
+            </a:extLst>
+          </p:cNvPr>
+          <p:cNvPicPr>
+            <a:picLocks noChangeAspect="1"/>
+          </p:cNvPicPr>
+          <p:nvPr/>
+        </p:nvPicPr>
+        <p:blipFill>
+          <a:blip r:embed="rId11"/>
+          <a:stretch>
+            <a:fillRect/>
+          </a:stretch>
+        </p:blipFill>
+        <p:spPr>
+          <a:xfrm>
+            <a:off x="400326" y="1427330"/>
+            <a:ext cx="3526971" cy="2743200"/>
+          </a:xfrm>
+          <a:prstGeom prst="rect">
+            <a:avLst/>
+          </a:prstGeom>
+        </p:spPr>
+      </p:pic>
     </p:spTree>
     <p:extLst>
       <p:ext uri="{BB962C8B-B14F-4D97-AF65-F5344CB8AC3E}">
-        <p14:creationId xmlns:p14="http://schemas.microsoft.com/office/powerpoint/2010/main" val="2806028784"/>
+        <p14:creationId xmlns:p14="http://schemas.microsoft.com/office/powerpoint/2010/main" val="3397381489"/>
       </p:ext>
     </p:extLst>
   </p:cSld>
@@ -22764,13 +23416,7 @@
               </a:extLst>
             </p:cNvPr>
             <p:cNvGraphicFramePr/>
-            <p:nvPr>
-              <p:extLst>
-                <p:ext uri="{D42A27DB-BD31-4B8C-83A1-F6EECF244321}">
-                  <p14:modId xmlns:p14="http://schemas.microsoft.com/office/powerpoint/2010/main" val="767393000"/>
-                </p:ext>
-              </p:extLst>
-            </p:nvPr>
+            <p:nvPr/>
           </p:nvGraphicFramePr>
           <p:xfrm>
             <a:off x="7563364" y="2797421"/>
@@ -23024,10 +23670,10 @@
       </p:cxnSp>
       <p:pic>
         <p:nvPicPr>
-          <p:cNvPr id="51" name="Picture 50" descr="A close up of a map&#10;&#10;Description automatically generated">
+          <p:cNvPr id="6" name="Picture 5">
             <a:extLst>
               <a:ext uri="{FF2B5EF4-FFF2-40B4-BE49-F238E27FC236}">
-                <a16:creationId xmlns:a16="http://schemas.microsoft.com/office/drawing/2014/main" id="{C76896B5-3B65-C349-A8A9-9CB583651937}"/>
+                <a16:creationId xmlns:a16="http://schemas.microsoft.com/office/drawing/2014/main" id="{88F0EA18-4C77-CD43-A12F-7435A3C78BDD}"/>
               </a:ext>
             </a:extLst>
           </p:cNvPr>
@@ -23044,7 +23690,7 @@
         </p:blipFill>
         <p:spPr>
           <a:xfrm>
-            <a:off x="885811" y="1879058"/>
+            <a:off x="1048578" y="1642202"/>
             <a:ext cx="5055326" cy="3931920"/>
           </a:xfrm>
           <a:prstGeom prst="rect">
@@ -23055,7 +23701,7 @@
     </p:spTree>
     <p:extLst>
       <p:ext uri="{BB962C8B-B14F-4D97-AF65-F5344CB8AC3E}">
-        <p14:creationId xmlns:p14="http://schemas.microsoft.com/office/powerpoint/2010/main" val="935659595"/>
+        <p14:creationId xmlns:p14="http://schemas.microsoft.com/office/powerpoint/2010/main" val="1441353695"/>
       </p:ext>
     </p:extLst>
   </p:cSld>

--- a/miscellaneous/presentations/20200817_murray_mtg.pptx
+++ b/miscellaneous/presentations/20200817_murray_mtg.pptx
@@ -1,29 +1,28 @@
 
 <file path=ppt/presentation.xml><?xml version="1.0" encoding="utf-8"?>
-<p:presentation xmlns:a="http://schemas.openxmlformats.org/drawingml/2006/main" xmlns:r="http://schemas.openxmlformats.org/officeDocument/2006/relationships" xmlns:p="http://schemas.openxmlformats.org/presentationml/2006/main" saveSubsetFonts="1" autoCompressPictures="0">
+<p:presentation xmlns:a="http://schemas.openxmlformats.org/drawingml/2006/main" xmlns:r="http://schemas.openxmlformats.org/officeDocument/2006/relationships" xmlns:p="http://schemas.openxmlformats.org/presentationml/2006/main" showSpecialPlsOnTitleSld="0" saveSubsetFonts="1" autoCompressPictures="0">
   <p:sldMasterIdLst>
     <p:sldMasterId id="2147483648" r:id="rId1"/>
   </p:sldMasterIdLst>
   <p:notesMasterIdLst>
-    <p:notesMasterId r:id="rId18"/>
+    <p:notesMasterId r:id="rId17"/>
   </p:notesMasterIdLst>
   <p:sldIdLst>
     <p:sldId id="256" r:id="rId2"/>
-    <p:sldId id="258" r:id="rId3"/>
-    <p:sldId id="259" r:id="rId4"/>
-    <p:sldId id="269" r:id="rId5"/>
-    <p:sldId id="263" r:id="rId6"/>
-    <p:sldId id="264" r:id="rId7"/>
-    <p:sldId id="260" r:id="rId8"/>
-    <p:sldId id="275" r:id="rId9"/>
-    <p:sldId id="276" r:id="rId10"/>
-    <p:sldId id="274" r:id="rId11"/>
-    <p:sldId id="277" r:id="rId12"/>
-    <p:sldId id="265" r:id="rId13"/>
-    <p:sldId id="273" r:id="rId14"/>
-    <p:sldId id="270" r:id="rId15"/>
-    <p:sldId id="268" r:id="rId16"/>
-    <p:sldId id="266" r:id="rId17"/>
+    <p:sldId id="259" r:id="rId3"/>
+    <p:sldId id="269" r:id="rId4"/>
+    <p:sldId id="263" r:id="rId5"/>
+    <p:sldId id="264" r:id="rId6"/>
+    <p:sldId id="260" r:id="rId7"/>
+    <p:sldId id="275" r:id="rId8"/>
+    <p:sldId id="276" r:id="rId9"/>
+    <p:sldId id="274" r:id="rId10"/>
+    <p:sldId id="277" r:id="rId11"/>
+    <p:sldId id="265" r:id="rId12"/>
+    <p:sldId id="273" r:id="rId13"/>
+    <p:sldId id="270" r:id="rId14"/>
+    <p:sldId id="268" r:id="rId15"/>
+    <p:sldId id="266" r:id="rId16"/>
   </p:sldIdLst>
   <p:sldSz cx="12192000" cy="6858000"/>
   <p:notesSz cx="6858000" cy="9144000"/>
@@ -9940,7 +9939,7 @@
           <a:p>
             <a:fld id="{DD44C615-883D-FF4C-B9E3-F6A18FF3869E}" type="slidenum">
               <a:rPr lang="en-US" smtClean="0"/>
-              <a:t>4</a:t>
+              <a:t>3</a:t>
             </a:fld>
             <a:endParaRPr lang="en-US"/>
           </a:p>
@@ -10024,7 +10023,7 @@
           <a:p>
             <a:fld id="{67F42522-F24A-B14B-BB2C-B26443761E53}" type="slidenum">
               <a:rPr lang="en-US" smtClean="0"/>
-              <a:t>5</a:t>
+              <a:t>4</a:t>
             </a:fld>
             <a:endParaRPr lang="en-US"/>
           </a:p>
@@ -10108,7 +10107,7 @@
           <a:p>
             <a:fld id="{67F42522-F24A-B14B-BB2C-B26443761E53}" type="slidenum">
               <a:rPr lang="en-US" smtClean="0"/>
-              <a:t>6</a:t>
+              <a:t>5</a:t>
             </a:fld>
             <a:endParaRPr lang="en-US"/>
           </a:p>
@@ -10363,7 +10362,7 @@
           <a:p>
             <a:fld id="{91AA38ED-6E11-A042-BD50-887A2F32D715}" type="slidenum">
               <a:rPr lang="en-US" smtClean="0"/>
-              <a:t>7</a:t>
+              <a:t>6</a:t>
             </a:fld>
             <a:endParaRPr lang="en-US"/>
           </a:p>
@@ -10470,7 +10469,7 @@
           <a:p>
             <a:fld id="{91AA38ED-6E11-A042-BD50-887A2F32D715}" type="slidenum">
               <a:rPr lang="en-US" smtClean="0"/>
-              <a:t>8</a:t>
+              <a:t>7</a:t>
             </a:fld>
             <a:endParaRPr lang="en-US"/>
           </a:p>
@@ -10554,7 +10553,7 @@
           <a:p>
             <a:fld id="{91AA38ED-6E11-A042-BD50-887A2F32D715}" type="slidenum">
               <a:rPr lang="en-US" smtClean="0"/>
-              <a:t>12</a:t>
+              <a:t>11</a:t>
             </a:fld>
             <a:endParaRPr lang="en-US"/>
           </a:p>
@@ -10638,7 +10637,7 @@
           <a:p>
             <a:fld id="{91AA38ED-6E11-A042-BD50-887A2F32D715}" type="slidenum">
               <a:rPr lang="en-US" smtClean="0"/>
-              <a:t>14</a:t>
+              <a:t>12</a:t>
             </a:fld>
             <a:endParaRPr lang="en-US"/>
           </a:p>
@@ -10647,7 +10646,7 @@
     </p:spTree>
     <p:extLst>
       <p:ext uri="{BB962C8B-B14F-4D97-AF65-F5344CB8AC3E}">
-        <p14:creationId xmlns:p14="http://schemas.microsoft.com/office/powerpoint/2010/main" val="2143769512"/>
+        <p14:creationId xmlns:p14="http://schemas.microsoft.com/office/powerpoint/2010/main" val="1728608717"/>
       </p:ext>
     </p:extLst>
   </p:cSld>
@@ -10722,7 +10721,91 @@
           <a:p>
             <a:fld id="{91AA38ED-6E11-A042-BD50-887A2F32D715}" type="slidenum">
               <a:rPr lang="en-US" smtClean="0"/>
-              <a:t>15</a:t>
+              <a:t>13</a:t>
+            </a:fld>
+            <a:endParaRPr lang="en-US"/>
+          </a:p>
+        </p:txBody>
+      </p:sp>
+    </p:spTree>
+    <p:extLst>
+      <p:ext uri="{BB962C8B-B14F-4D97-AF65-F5344CB8AC3E}">
+        <p14:creationId xmlns:p14="http://schemas.microsoft.com/office/powerpoint/2010/main" val="2143769512"/>
+      </p:ext>
+    </p:extLst>
+  </p:cSld>
+  <p:clrMapOvr>
+    <a:masterClrMapping/>
+  </p:clrMapOvr>
+</p:notes>
+</file>
+
+<file path=ppt/notesSlides/notesSlide9.xml><?xml version="1.0" encoding="utf-8"?>
+<p:notes xmlns:a="http://schemas.openxmlformats.org/drawingml/2006/main" xmlns:r="http://schemas.openxmlformats.org/officeDocument/2006/relationships" xmlns:p="http://schemas.openxmlformats.org/presentationml/2006/main">
+  <p:cSld>
+    <p:spTree>
+      <p:nvGrpSpPr>
+        <p:cNvPr id="1" name=""/>
+        <p:cNvGrpSpPr/>
+        <p:nvPr/>
+      </p:nvGrpSpPr>
+      <p:grpSpPr>
+        <a:xfrm>
+          <a:off x="0" y="0"/>
+          <a:ext cx="0" cy="0"/>
+          <a:chOff x="0" y="0"/>
+          <a:chExt cx="0" cy="0"/>
+        </a:xfrm>
+      </p:grpSpPr>
+      <p:sp>
+        <p:nvSpPr>
+          <p:cNvPr id="2" name="Slide Image Placeholder 1"/>
+          <p:cNvSpPr>
+            <a:spLocks noGrp="1" noRot="1" noChangeAspect="1"/>
+          </p:cNvSpPr>
+          <p:nvPr>
+            <p:ph type="sldImg"/>
+          </p:nvPr>
+        </p:nvSpPr>
+        <p:spPr/>
+      </p:sp>
+      <p:sp>
+        <p:nvSpPr>
+          <p:cNvPr id="3" name="Notes Placeholder 2"/>
+          <p:cNvSpPr>
+            <a:spLocks noGrp="1"/>
+          </p:cNvSpPr>
+          <p:nvPr>
+            <p:ph type="body" idx="1"/>
+          </p:nvPr>
+        </p:nvSpPr>
+        <p:spPr/>
+        <p:txBody>
+          <a:bodyPr/>
+          <a:lstStyle/>
+          <a:p>
+            <a:endParaRPr lang="en-US" dirty="0"/>
+          </a:p>
+        </p:txBody>
+      </p:sp>
+      <p:sp>
+        <p:nvSpPr>
+          <p:cNvPr id="4" name="Slide Number Placeholder 3"/>
+          <p:cNvSpPr>
+            <a:spLocks noGrp="1"/>
+          </p:cNvSpPr>
+          <p:nvPr>
+            <p:ph type="sldNum" sz="quarter" idx="5"/>
+          </p:nvPr>
+        </p:nvSpPr>
+        <p:spPr/>
+        <p:txBody>
+          <a:bodyPr/>
+          <a:lstStyle/>
+          <a:p>
+            <a:fld id="{91AA38ED-6E11-A042-BD50-887A2F32D715}" type="slidenum">
+              <a:rPr lang="en-US" smtClean="0"/>
+              <a:t>14</a:t>
             </a:fld>
             <a:endParaRPr lang="en-US"/>
           </a:p>
@@ -10887,9 +10970,9 @@
           <a:bodyPr/>
           <a:lstStyle/>
           <a:p>
-            <a:fld id="{3B3400CD-7287-EA41-97B8-6C373A830532}" type="datetimeFigureOut">
+            <a:fld id="{30E42D91-97C2-4941-BA3E-C4AF60BEB877}" type="datetime1">
               <a:rPr lang="en-US" smtClean="0"/>
-              <a:t>8/16/20</a:t>
+              <a:t>8/17/20</a:t>
             </a:fld>
             <a:endParaRPr lang="en-US"/>
           </a:p>
@@ -10936,7 +11019,12 @@
             <p:ph type="sldNum" sz="quarter" idx="12"/>
           </p:nvPr>
         </p:nvSpPr>
-        <p:spPr/>
+        <p:spPr>
+          <a:xfrm>
+            <a:off x="-2045677" y="6370515"/>
+            <a:ext cx="2743200" cy="365125"/>
+          </a:xfrm>
+        </p:spPr>
         <p:txBody>
           <a:bodyPr/>
           <a:lstStyle/>
@@ -11085,9 +11173,9 @@
           <a:bodyPr/>
           <a:lstStyle/>
           <a:p>
-            <a:fld id="{3B3400CD-7287-EA41-97B8-6C373A830532}" type="datetimeFigureOut">
+            <a:fld id="{EA8460C0-E09E-0C40-8F93-481F37E4ED4E}" type="datetime1">
               <a:rPr lang="en-US" smtClean="0"/>
-              <a:t>8/16/20</a:t>
+              <a:t>8/17/20</a:t>
             </a:fld>
             <a:endParaRPr lang="en-US"/>
           </a:p>
@@ -11293,9 +11381,9 @@
           <a:bodyPr/>
           <a:lstStyle/>
           <a:p>
-            <a:fld id="{3B3400CD-7287-EA41-97B8-6C373A830532}" type="datetimeFigureOut">
+            <a:fld id="{D56F2F5F-76C8-EC4C-B850-F54B7E3E5F25}" type="datetime1">
               <a:rPr lang="en-US" smtClean="0"/>
-              <a:t>8/16/20</a:t>
+              <a:t>8/17/20</a:t>
             </a:fld>
             <a:endParaRPr lang="en-US"/>
           </a:p>
@@ -11493,9 +11581,9 @@
           <a:bodyPr/>
           <a:lstStyle/>
           <a:p>
-            <a:fld id="{3B3400CD-7287-EA41-97B8-6C373A830532}" type="datetimeFigureOut">
+            <a:fld id="{4DD7E1F7-AB0E-A74D-8A66-A3E4D70D579E}" type="datetime1">
               <a:rPr lang="en-US" smtClean="0"/>
-              <a:t>8/16/20</a:t>
+              <a:t>8/17/20</a:t>
             </a:fld>
             <a:endParaRPr lang="en-US"/>
           </a:p>
@@ -11542,7 +11630,12 @@
             <p:ph type="sldNum" sz="quarter" idx="12"/>
           </p:nvPr>
         </p:nvSpPr>
-        <p:spPr/>
+        <p:spPr>
+          <a:xfrm>
+            <a:off x="-2133600" y="6356350"/>
+            <a:ext cx="2743200" cy="365125"/>
+          </a:xfrm>
+        </p:spPr>
         <p:txBody>
           <a:bodyPr/>
           <a:lstStyle/>
@@ -11768,9 +11861,9 @@
           <a:bodyPr/>
           <a:lstStyle/>
           <a:p>
-            <a:fld id="{3B3400CD-7287-EA41-97B8-6C373A830532}" type="datetimeFigureOut">
+            <a:fld id="{4009225A-A437-1042-9E29-AA8581FCFA5A}" type="datetime1">
               <a:rPr lang="en-US" smtClean="0"/>
-              <a:t>8/16/20</a:t>
+              <a:t>8/17/20</a:t>
             </a:fld>
             <a:endParaRPr lang="en-US"/>
           </a:p>
@@ -12033,9 +12126,9 @@
           <a:bodyPr/>
           <a:lstStyle/>
           <a:p>
-            <a:fld id="{3B3400CD-7287-EA41-97B8-6C373A830532}" type="datetimeFigureOut">
+            <a:fld id="{DDBC501F-F4AA-9A4A-9D43-B3BBC7BD875F}" type="datetime1">
               <a:rPr lang="en-US" smtClean="0"/>
-              <a:t>8/16/20</a:t>
+              <a:t>8/17/20</a:t>
             </a:fld>
             <a:endParaRPr lang="en-US"/>
           </a:p>
@@ -12445,9 +12538,9 @@
           <a:bodyPr/>
           <a:lstStyle/>
           <a:p>
-            <a:fld id="{3B3400CD-7287-EA41-97B8-6C373A830532}" type="datetimeFigureOut">
+            <a:fld id="{C972FFBA-D81C-294B-A6E0-EECF4E00BA1E}" type="datetime1">
               <a:rPr lang="en-US" smtClean="0"/>
-              <a:t>8/16/20</a:t>
+              <a:t>8/17/20</a:t>
             </a:fld>
             <a:endParaRPr lang="en-US"/>
           </a:p>
@@ -12586,9 +12679,9 @@
           <a:bodyPr/>
           <a:lstStyle/>
           <a:p>
-            <a:fld id="{3B3400CD-7287-EA41-97B8-6C373A830532}" type="datetimeFigureOut">
+            <a:fld id="{655FCED3-F003-0B45-B0B6-EFC58B1BF81E}" type="datetime1">
               <a:rPr lang="en-US" smtClean="0"/>
-              <a:t>8/16/20</a:t>
+              <a:t>8/17/20</a:t>
             </a:fld>
             <a:endParaRPr lang="en-US"/>
           </a:p>
@@ -12699,9 +12792,9 @@
           <a:bodyPr/>
           <a:lstStyle/>
           <a:p>
-            <a:fld id="{3B3400CD-7287-EA41-97B8-6C373A830532}" type="datetimeFigureOut">
+            <a:fld id="{E9984CA8-26A8-244F-A6FD-7B65E55B5102}" type="datetime1">
               <a:rPr lang="en-US" smtClean="0"/>
-              <a:t>8/16/20</a:t>
+              <a:t>8/17/20</a:t>
             </a:fld>
             <a:endParaRPr lang="en-US"/>
           </a:p>
@@ -13010,9 +13103,9 @@
           <a:bodyPr/>
           <a:lstStyle/>
           <a:p>
-            <a:fld id="{3B3400CD-7287-EA41-97B8-6C373A830532}" type="datetimeFigureOut">
+            <a:fld id="{D52A1C8D-6FF9-3A4B-8D59-D7C1C903E691}" type="datetime1">
               <a:rPr lang="en-US" smtClean="0"/>
-              <a:t>8/16/20</a:t>
+              <a:t>8/17/20</a:t>
             </a:fld>
             <a:endParaRPr lang="en-US"/>
           </a:p>
@@ -13301,9 +13394,9 @@
           <a:bodyPr/>
           <a:lstStyle/>
           <a:p>
-            <a:fld id="{3B3400CD-7287-EA41-97B8-6C373A830532}" type="datetimeFigureOut">
+            <a:fld id="{AFD73D1B-1510-4341-B309-22F5C36FEAC9}" type="datetime1">
               <a:rPr lang="en-US" smtClean="0"/>
-              <a:t>8/16/20</a:t>
+              <a:t>8/17/20</a:t>
             </a:fld>
             <a:endParaRPr lang="en-US"/>
           </a:p>
@@ -13544,9 +13637,9 @@
             </a:lvl1pPr>
           </a:lstStyle>
           <a:p>
-            <a:fld id="{3B3400CD-7287-EA41-97B8-6C373A830532}" type="datetimeFigureOut">
+            <a:fld id="{49531344-E90A-0445-83E4-8EAF856746E2}" type="datetime1">
               <a:rPr lang="en-US" smtClean="0"/>
-              <a:t>8/16/20</a:t>
+              <a:t>8/17/20</a:t>
             </a:fld>
             <a:endParaRPr lang="en-US"/>
           </a:p>
@@ -13663,6 +13756,7 @@
     <p:sldLayoutId id="2147483658" r:id="rId10"/>
     <p:sldLayoutId id="2147483659" r:id="rId11"/>
   </p:sldLayoutIdLst>
+  <p:hf hdr="0" ftr="0" dt="0"/>
   <p:txStyles>
     <p:titleStyle>
       <a:lvl1pPr algn="l" defTabSz="914400" rtl="0" eaLnBrk="1" latinLnBrk="0" hangingPunct="1">
@@ -14089,198 +14183,6 @@
           <p:cNvPr id="2" name="Title 1">
             <a:extLst>
               <a:ext uri="{FF2B5EF4-FFF2-40B4-BE49-F238E27FC236}">
-                <a16:creationId xmlns:a16="http://schemas.microsoft.com/office/drawing/2014/main" id="{67EBB13D-F318-2D45-8903-9A64BE87D8B5}"/>
-              </a:ext>
-            </a:extLst>
-          </p:cNvPr>
-          <p:cNvSpPr>
-            <a:spLocks noGrp="1"/>
-          </p:cNvSpPr>
-          <p:nvPr>
-            <p:ph type="title"/>
-          </p:nvPr>
-        </p:nvSpPr>
-        <p:spPr>
-          <a:xfrm>
-            <a:off x="83127" y="28680"/>
-            <a:ext cx="10515600" cy="1325563"/>
-          </a:xfrm>
-        </p:spPr>
-        <p:txBody>
-          <a:bodyPr>
-            <a:normAutofit/>
-          </a:bodyPr>
-          <a:lstStyle/>
-          <a:p>
-            <a:r>
-              <a:rPr lang="en-US" sz="2800" dirty="0"/>
-              <a:t>ATP synthase simulations show that proton pump is necessary to extend ATP lifetime</a:t>
-            </a:r>
-          </a:p>
-        </p:txBody>
-      </p:sp>
-      <p:pic>
-        <p:nvPicPr>
-          <p:cNvPr id="4" name="Picture 3" descr="A picture containing drawing&#10;&#10;Description automatically generated">
-            <a:extLst>
-              <a:ext uri="{FF2B5EF4-FFF2-40B4-BE49-F238E27FC236}">
-                <a16:creationId xmlns:a16="http://schemas.microsoft.com/office/drawing/2014/main" id="{5F56DD81-1A49-944A-AD76-D34880058FE4}"/>
-              </a:ext>
-            </a:extLst>
-          </p:cNvPr>
-          <p:cNvPicPr>
-            <a:picLocks noChangeAspect="1"/>
-          </p:cNvPicPr>
-          <p:nvPr/>
-        </p:nvPicPr>
-        <p:blipFill>
-          <a:blip r:embed="rId2"/>
-          <a:stretch>
-            <a:fillRect/>
-          </a:stretch>
-        </p:blipFill>
-        <p:spPr>
-          <a:xfrm>
-            <a:off x="11117119" y="6514803"/>
-            <a:ext cx="1074881" cy="343197"/>
-          </a:xfrm>
-          <a:prstGeom prst="rect">
-            <a:avLst/>
-          </a:prstGeom>
-        </p:spPr>
-      </p:pic>
-      <p:sp>
-        <p:nvSpPr>
-          <p:cNvPr id="5" name="TextBox 4">
-            <a:extLst>
-              <a:ext uri="{FF2B5EF4-FFF2-40B4-BE49-F238E27FC236}">
-                <a16:creationId xmlns:a16="http://schemas.microsoft.com/office/drawing/2014/main" id="{0DED74B9-F061-784D-9B1A-5CC2E34A248C}"/>
-              </a:ext>
-            </a:extLst>
-          </p:cNvPr>
-          <p:cNvSpPr txBox="1"/>
-          <p:nvPr/>
-        </p:nvSpPr>
-        <p:spPr>
-          <a:xfrm>
-            <a:off x="8963152" y="6596390"/>
-            <a:ext cx="2222083" cy="261610"/>
-          </a:xfrm>
-          <a:prstGeom prst="rect">
-            <a:avLst/>
-          </a:prstGeom>
-          <a:noFill/>
-        </p:spPr>
-        <p:txBody>
-          <a:bodyPr wrap="none" rtlCol="0">
-            <a:spAutoFit/>
-          </a:bodyPr>
-          <a:lstStyle/>
-          <a:p>
-            <a:r>
-              <a:rPr lang="en-US" sz="1100" dirty="0">
-                <a:latin typeface="Avenir Book" panose="02000503020000020003" pitchFamily="2" charset="0"/>
-              </a:rPr>
-              <a:t>Ankita Roychoudhury 8.17.2020</a:t>
-            </a:r>
-          </a:p>
-        </p:txBody>
-      </p:sp>
-      <p:pic>
-        <p:nvPicPr>
-          <p:cNvPr id="6" name="Picture 5" descr="A screenshot of a cell phone&#10;&#10;Description automatically generated">
-            <a:extLst>
-              <a:ext uri="{FF2B5EF4-FFF2-40B4-BE49-F238E27FC236}">
-                <a16:creationId xmlns:a16="http://schemas.microsoft.com/office/drawing/2014/main" id="{BAC05943-2999-974C-92F4-ED6B98BC8BC7}"/>
-              </a:ext>
-            </a:extLst>
-          </p:cNvPr>
-          <p:cNvPicPr>
-            <a:picLocks noChangeAspect="1"/>
-          </p:cNvPicPr>
-          <p:nvPr/>
-        </p:nvPicPr>
-        <p:blipFill>
-          <a:blip r:embed="rId3"/>
-          <a:stretch>
-            <a:fillRect/>
-          </a:stretch>
-        </p:blipFill>
-        <p:spPr>
-          <a:xfrm>
-            <a:off x="1068265" y="1600200"/>
-            <a:ext cx="4702629" cy="3657600"/>
-          </a:xfrm>
-          <a:prstGeom prst="rect">
-            <a:avLst/>
-          </a:prstGeom>
-        </p:spPr>
-      </p:pic>
-      <p:pic>
-        <p:nvPicPr>
-          <p:cNvPr id="9" name="Picture 8" descr="A close up of a map&#10;&#10;Description automatically generated">
-            <a:extLst>
-              <a:ext uri="{FF2B5EF4-FFF2-40B4-BE49-F238E27FC236}">
-                <a16:creationId xmlns:a16="http://schemas.microsoft.com/office/drawing/2014/main" id="{D9EA22A6-1F28-A449-8160-CB62857D5553}"/>
-              </a:ext>
-            </a:extLst>
-          </p:cNvPr>
-          <p:cNvPicPr>
-            <a:picLocks noChangeAspect="1"/>
-          </p:cNvPicPr>
-          <p:nvPr/>
-        </p:nvPicPr>
-        <p:blipFill>
-          <a:blip r:embed="rId4"/>
-          <a:stretch>
-            <a:fillRect/>
-          </a:stretch>
-        </p:blipFill>
-        <p:spPr>
-          <a:xfrm>
-            <a:off x="6212296" y="1600200"/>
-            <a:ext cx="4702629" cy="3657600"/>
-          </a:xfrm>
-          <a:prstGeom prst="rect">
-            <a:avLst/>
-          </a:prstGeom>
-        </p:spPr>
-      </p:pic>
-    </p:spTree>
-    <p:extLst>
-      <p:ext uri="{BB962C8B-B14F-4D97-AF65-F5344CB8AC3E}">
-        <p14:creationId xmlns:p14="http://schemas.microsoft.com/office/powerpoint/2010/main" val="2130722638"/>
-      </p:ext>
-    </p:extLst>
-  </p:cSld>
-  <p:clrMapOvr>
-    <a:masterClrMapping/>
-  </p:clrMapOvr>
-</p:sld>
-</file>
-
-<file path=ppt/slides/slide11.xml><?xml version="1.0" encoding="utf-8"?>
-<p:sld xmlns:a="http://schemas.openxmlformats.org/drawingml/2006/main" xmlns:r="http://schemas.openxmlformats.org/officeDocument/2006/relationships" xmlns:p="http://schemas.openxmlformats.org/presentationml/2006/main">
-  <p:cSld>
-    <p:spTree>
-      <p:nvGrpSpPr>
-        <p:cNvPr id="1" name=""/>
-        <p:cNvGrpSpPr/>
-        <p:nvPr/>
-      </p:nvGrpSpPr>
-      <p:grpSpPr>
-        <a:xfrm>
-          <a:off x="0" y="0"/>
-          <a:ext cx="0" cy="0"/>
-          <a:chOff x="0" y="0"/>
-          <a:chExt cx="0" cy="0"/>
-        </a:xfrm>
-      </p:grpSpPr>
-      <p:sp>
-        <p:nvSpPr>
-          <p:cNvPr id="2" name="Title 1">
-            <a:extLst>
-              <a:ext uri="{FF2B5EF4-FFF2-40B4-BE49-F238E27FC236}">
                 <a16:creationId xmlns:a16="http://schemas.microsoft.com/office/drawing/2014/main" id="{2A5E8054-14EE-4249-ABDC-4BF90931D4AA}"/>
               </a:ext>
             </a:extLst>
@@ -14529,6 +14431,35 @@
           </a:prstGeom>
         </p:spPr>
       </p:pic>
+      <p:sp>
+        <p:nvSpPr>
+          <p:cNvPr id="10" name="Slide Number Placeholder 9">
+            <a:extLst>
+              <a:ext uri="{FF2B5EF4-FFF2-40B4-BE49-F238E27FC236}">
+                <a16:creationId xmlns:a16="http://schemas.microsoft.com/office/drawing/2014/main" id="{6B0DE53A-2303-804B-B425-EF035D036066}"/>
+              </a:ext>
+            </a:extLst>
+          </p:cNvPr>
+          <p:cNvSpPr>
+            <a:spLocks noGrp="1"/>
+          </p:cNvSpPr>
+          <p:nvPr>
+            <p:ph type="sldNum" sz="quarter" idx="12"/>
+          </p:nvPr>
+        </p:nvSpPr>
+        <p:spPr/>
+        <p:txBody>
+          <a:bodyPr/>
+          <a:lstStyle/>
+          <a:p>
+            <a:fld id="{814F3199-600E-1648-98F9-303CE5CD9389}" type="slidenum">
+              <a:rPr lang="en-US" smtClean="0"/>
+              <a:t>10</a:t>
+            </a:fld>
+            <a:endParaRPr lang="en-US"/>
+          </a:p>
+        </p:txBody>
+      </p:sp>
     </p:spTree>
     <p:extLst>
       <p:ext uri="{BB962C8B-B14F-4D97-AF65-F5344CB8AC3E}">
@@ -14542,7 +14473,7 @@
 </p:sld>
 </file>
 
-<file path=ppt/slides/slide12.xml><?xml version="1.0" encoding="utf-8"?>
+<file path=ppt/slides/slide11.xml><?xml version="1.0" encoding="utf-8"?>
 <p:sld xmlns:a="http://schemas.openxmlformats.org/drawingml/2006/main" xmlns:r="http://schemas.openxmlformats.org/officeDocument/2006/relationships" xmlns:p="http://schemas.openxmlformats.org/presentationml/2006/main">
   <p:cSld>
     <p:spTree>
@@ -14782,6 +14713,35 @@
           </a:p>
         </p:txBody>
       </p:sp>
+      <p:sp>
+        <p:nvSpPr>
+          <p:cNvPr id="3" name="Slide Number Placeholder 2">
+            <a:extLst>
+              <a:ext uri="{FF2B5EF4-FFF2-40B4-BE49-F238E27FC236}">
+                <a16:creationId xmlns:a16="http://schemas.microsoft.com/office/drawing/2014/main" id="{4E84F20E-A314-B84B-A681-6BD4679D8CFE}"/>
+              </a:ext>
+            </a:extLst>
+          </p:cNvPr>
+          <p:cNvSpPr>
+            <a:spLocks noGrp="1"/>
+          </p:cNvSpPr>
+          <p:nvPr>
+            <p:ph type="sldNum" sz="quarter" idx="12"/>
+          </p:nvPr>
+        </p:nvSpPr>
+        <p:spPr/>
+        <p:txBody>
+          <a:bodyPr/>
+          <a:lstStyle/>
+          <a:p>
+            <a:fld id="{814F3199-600E-1648-98F9-303CE5CD9389}" type="slidenum">
+              <a:rPr lang="en-US" smtClean="0"/>
+              <a:t>11</a:t>
+            </a:fld>
+            <a:endParaRPr lang="en-US"/>
+          </a:p>
+        </p:txBody>
+      </p:sp>
     </p:spTree>
     <p:extLst>
       <p:ext uri="{BB962C8B-B14F-4D97-AF65-F5344CB8AC3E}">
@@ -14795,7 +14755,7 @@
 </p:sld>
 </file>
 
-<file path=ppt/slides/slide13.xml><?xml version="1.0" encoding="utf-8"?>
+<file path=ppt/slides/slide12.xml><?xml version="1.0" encoding="utf-8"?>
 <p:sld xmlns:a="http://schemas.openxmlformats.org/drawingml/2006/main" xmlns:r="http://schemas.openxmlformats.org/officeDocument/2006/relationships" xmlns:p="http://schemas.openxmlformats.org/presentationml/2006/main">
   <p:cSld>
     <p:spTree>
@@ -14827,7 +14787,7 @@
           <p:nvPr/>
         </p:nvPicPr>
         <p:blipFill>
-          <a:blip r:embed="rId2"/>
+          <a:blip r:embed="rId3"/>
           <a:stretch>
             <a:fillRect/>
           </a:stretch>
@@ -14857,7 +14817,7 @@
           <p:nvPr/>
         </p:nvPicPr>
         <p:blipFill>
-          <a:blip r:embed="rId3"/>
+          <a:blip r:embed="rId4"/>
           <a:stretch>
             <a:fillRect/>
           </a:stretch>
@@ -14887,7 +14847,7 @@
           <p:nvPr/>
         </p:nvPicPr>
         <p:blipFill>
-          <a:blip r:embed="rId4"/>
+          <a:blip r:embed="rId5"/>
           <a:stretch>
             <a:fillRect/>
           </a:stretch>
@@ -15054,6 +15014,113 @@
           </a:p>
         </p:txBody>
       </p:sp>
+      <p:sp>
+        <p:nvSpPr>
+          <p:cNvPr id="11" name="Slide Number Placeholder 10">
+            <a:extLst>
+              <a:ext uri="{FF2B5EF4-FFF2-40B4-BE49-F238E27FC236}">
+                <a16:creationId xmlns:a16="http://schemas.microsoft.com/office/drawing/2014/main" id="{5AACE714-A15F-E246-BA79-DB2893C9E092}"/>
+              </a:ext>
+            </a:extLst>
+          </p:cNvPr>
+          <p:cNvSpPr>
+            <a:spLocks noGrp="1"/>
+          </p:cNvSpPr>
+          <p:nvPr>
+            <p:ph type="sldNum" sz="quarter" idx="12"/>
+          </p:nvPr>
+        </p:nvSpPr>
+        <p:spPr/>
+        <p:txBody>
+          <a:bodyPr/>
+          <a:lstStyle/>
+          <a:p>
+            <a:fld id="{814F3199-600E-1648-98F9-303CE5CD9389}" type="slidenum">
+              <a:rPr lang="en-US" smtClean="0"/>
+              <a:t>12</a:t>
+            </a:fld>
+            <a:endParaRPr lang="en-US"/>
+          </a:p>
+        </p:txBody>
+      </p:sp>
+      <p:sp>
+        <p:nvSpPr>
+          <p:cNvPr id="12" name="TextBox 11">
+            <a:extLst>
+              <a:ext uri="{FF2B5EF4-FFF2-40B4-BE49-F238E27FC236}">
+                <a16:creationId xmlns:a16="http://schemas.microsoft.com/office/drawing/2014/main" id="{C364265A-59BD-7A4A-BC4F-E79384F25B3B}"/>
+              </a:ext>
+            </a:extLst>
+          </p:cNvPr>
+          <p:cNvSpPr txBox="1"/>
+          <p:nvPr/>
+        </p:nvSpPr>
+        <p:spPr>
+          <a:xfrm rot="16200000">
+            <a:off x="287419" y="3600758"/>
+            <a:ext cx="1553207" cy="276999"/>
+          </a:xfrm>
+          <a:prstGeom prst="rect">
+            <a:avLst/>
+          </a:prstGeom>
+          <a:solidFill>
+            <a:schemeClr val="bg1"/>
+          </a:solidFill>
+        </p:spPr>
+        <p:txBody>
+          <a:bodyPr wrap="square" rtlCol="0">
+            <a:spAutoFit/>
+          </a:bodyPr>
+          <a:lstStyle/>
+          <a:p>
+            <a:r>
+              <a:rPr lang="en-US" sz="1200" dirty="0">
+                <a:latin typeface="Avenir Book" panose="02000503020000020003" pitchFamily="2" charset="0"/>
+              </a:rPr>
+              <a:t>Concentration (nM)</a:t>
+            </a:r>
+          </a:p>
+        </p:txBody>
+      </p:sp>
+      <p:sp>
+        <p:nvSpPr>
+          <p:cNvPr id="13" name="TextBox 12">
+            <a:extLst>
+              <a:ext uri="{FF2B5EF4-FFF2-40B4-BE49-F238E27FC236}">
+                <a16:creationId xmlns:a16="http://schemas.microsoft.com/office/drawing/2014/main" id="{EC8550E1-D36F-C24B-923E-A08253CF1F70}"/>
+              </a:ext>
+            </a:extLst>
+          </p:cNvPr>
+          <p:cNvSpPr txBox="1"/>
+          <p:nvPr/>
+        </p:nvSpPr>
+        <p:spPr>
+          <a:xfrm rot="16200000">
+            <a:off x="4943905" y="3600758"/>
+            <a:ext cx="1553207" cy="276999"/>
+          </a:xfrm>
+          <a:prstGeom prst="rect">
+            <a:avLst/>
+          </a:prstGeom>
+          <a:solidFill>
+            <a:schemeClr val="bg1"/>
+          </a:solidFill>
+        </p:spPr>
+        <p:txBody>
+          <a:bodyPr wrap="square" rtlCol="0">
+            <a:spAutoFit/>
+          </a:bodyPr>
+          <a:lstStyle/>
+          <a:p>
+            <a:r>
+              <a:rPr lang="en-US" sz="1200" dirty="0">
+                <a:latin typeface="Avenir Book" panose="02000503020000020003" pitchFamily="2" charset="0"/>
+              </a:rPr>
+              <a:t>Concentration (nM)</a:t>
+            </a:r>
+          </a:p>
+        </p:txBody>
+      </p:sp>
     </p:spTree>
     <p:extLst>
       <p:ext uri="{BB962C8B-B14F-4D97-AF65-F5344CB8AC3E}">
@@ -15067,7 +15134,7 @@
 </p:sld>
 </file>
 
-<file path=ppt/slides/slide14.xml><?xml version="1.0" encoding="utf-8"?>
+<file path=ppt/slides/slide13.xml><?xml version="1.0" encoding="utf-8"?>
 <p:sld xmlns:a="http://schemas.openxmlformats.org/drawingml/2006/main" xmlns:r="http://schemas.openxmlformats.org/officeDocument/2006/relationships" xmlns:p="http://schemas.openxmlformats.org/presentationml/2006/main">
   <p:cSld>
     <p:spTree>
@@ -15138,7 +15205,7 @@
         <p:spPr>
           <a:xfrm>
             <a:off x="6782304" y="6082139"/>
-            <a:ext cx="1290125" cy="353198"/>
+            <a:ext cx="1506352" cy="353198"/>
           </a:xfrm>
         </p:spPr>
         <p:txBody>
@@ -15156,7 +15223,7 @@
                   <a:srgbClr val="FF0000"/>
                 </a:solidFill>
               </a:rPr>
-              <a:t>Analysis</a:t>
+              <a:t>Analysis?</a:t>
             </a:r>
           </a:p>
         </p:txBody>
@@ -15899,6 +15966,35 @@
           </a:p>
         </p:txBody>
       </p:sp>
+      <p:sp>
+        <p:nvSpPr>
+          <p:cNvPr id="4" name="Slide Number Placeholder 3">
+            <a:extLst>
+              <a:ext uri="{FF2B5EF4-FFF2-40B4-BE49-F238E27FC236}">
+                <a16:creationId xmlns:a16="http://schemas.microsoft.com/office/drawing/2014/main" id="{BCEE71E2-52B2-CE40-AF34-AE14453EEDA0}"/>
+              </a:ext>
+            </a:extLst>
+          </p:cNvPr>
+          <p:cNvSpPr>
+            <a:spLocks noGrp="1"/>
+          </p:cNvSpPr>
+          <p:nvPr>
+            <p:ph type="sldNum" sz="quarter" idx="12"/>
+          </p:nvPr>
+        </p:nvSpPr>
+        <p:spPr/>
+        <p:txBody>
+          <a:bodyPr/>
+          <a:lstStyle/>
+          <a:p>
+            <a:fld id="{814F3199-600E-1648-98F9-303CE5CD9389}" type="slidenum">
+              <a:rPr lang="en-US" smtClean="0"/>
+              <a:t>13</a:t>
+            </a:fld>
+            <a:endParaRPr lang="en-US"/>
+          </a:p>
+        </p:txBody>
+      </p:sp>
     </p:spTree>
     <p:extLst>
       <p:ext uri="{BB962C8B-B14F-4D97-AF65-F5344CB8AC3E}">
@@ -15912,7 +16008,7 @@
 </p:sld>
 </file>
 
-<file path=ppt/slides/slide15.xml><?xml version="1.0" encoding="utf-8"?>
+<file path=ppt/slides/slide14.xml><?xml version="1.0" encoding="utf-8"?>
 <p:sld xmlns:a="http://schemas.openxmlformats.org/drawingml/2006/main" xmlns:r="http://schemas.openxmlformats.org/officeDocument/2006/relationships" xmlns:p="http://schemas.openxmlformats.org/presentationml/2006/main">
   <p:cSld>
     <p:spTree>
@@ -15980,13 +16076,13 @@
           <a:p>
             <a:r>
               <a:rPr lang="en-US" dirty="0"/>
-              <a:t>Identify issue (?) with protein concentration for combined model</a:t>
+              <a:t>Identify issue with protein concentration for combined model</a:t>
             </a:r>
           </a:p>
           <a:p>
             <a:r>
               <a:rPr lang="en-US" dirty="0"/>
-              <a:t>Prepare final presentations/reports</a:t>
+              <a:t>Prepare for final presentations/reports</a:t>
             </a:r>
           </a:p>
           <a:p>
@@ -16070,6 +16166,35 @@
           </a:p>
         </p:txBody>
       </p:sp>
+      <p:sp>
+        <p:nvSpPr>
+          <p:cNvPr id="6" name="Slide Number Placeholder 5">
+            <a:extLst>
+              <a:ext uri="{FF2B5EF4-FFF2-40B4-BE49-F238E27FC236}">
+                <a16:creationId xmlns:a16="http://schemas.microsoft.com/office/drawing/2014/main" id="{61C5D9FD-5DBE-9C42-9BA0-6D67E0FC6644}"/>
+              </a:ext>
+            </a:extLst>
+          </p:cNvPr>
+          <p:cNvSpPr>
+            <a:spLocks noGrp="1"/>
+          </p:cNvSpPr>
+          <p:nvPr>
+            <p:ph type="sldNum" sz="quarter" idx="12"/>
+          </p:nvPr>
+        </p:nvSpPr>
+        <p:spPr/>
+        <p:txBody>
+          <a:bodyPr/>
+          <a:lstStyle/>
+          <a:p>
+            <a:fld id="{814F3199-600E-1648-98F9-303CE5CD9389}" type="slidenum">
+              <a:rPr lang="en-US" smtClean="0"/>
+              <a:t>14</a:t>
+            </a:fld>
+            <a:endParaRPr lang="en-US"/>
+          </a:p>
+        </p:txBody>
+      </p:sp>
     </p:spTree>
     <p:extLst>
       <p:ext uri="{BB962C8B-B14F-4D97-AF65-F5344CB8AC3E}">
@@ -16083,7 +16208,7 @@
 </p:sld>
 </file>
 
-<file path=ppt/slides/slide16.xml><?xml version="1.0" encoding="utf-8"?>
+<file path=ppt/slides/slide15.xml><?xml version="1.0" encoding="utf-8"?>
 <p:sld xmlns:a="http://schemas.openxmlformats.org/drawingml/2006/main" xmlns:r="http://schemas.openxmlformats.org/officeDocument/2006/relationships" xmlns:p="http://schemas.openxmlformats.org/presentationml/2006/main">
   <p:cSld>
     <p:spTree>
@@ -16684,6 +16809,35 @@
           </a:graphicData>
         </a:graphic>
       </p:graphicFrame>
+      <p:sp>
+        <p:nvSpPr>
+          <p:cNvPr id="10" name="Slide Number Placeholder 9">
+            <a:extLst>
+              <a:ext uri="{FF2B5EF4-FFF2-40B4-BE49-F238E27FC236}">
+                <a16:creationId xmlns:a16="http://schemas.microsoft.com/office/drawing/2014/main" id="{64ADE342-2370-3448-ACDD-D3B98E047B64}"/>
+              </a:ext>
+            </a:extLst>
+          </p:cNvPr>
+          <p:cNvSpPr>
+            <a:spLocks noGrp="1"/>
+          </p:cNvSpPr>
+          <p:nvPr>
+            <p:ph type="sldNum" sz="quarter" idx="12"/>
+          </p:nvPr>
+        </p:nvSpPr>
+        <p:spPr/>
+        <p:txBody>
+          <a:bodyPr/>
+          <a:lstStyle/>
+          <a:p>
+            <a:fld id="{814F3199-600E-1648-98F9-303CE5CD9389}" type="slidenum">
+              <a:rPr lang="en-US" smtClean="0"/>
+              <a:t>15</a:t>
+            </a:fld>
+            <a:endParaRPr lang="en-US"/>
+          </a:p>
+        </p:txBody>
+      </p:sp>
     </p:spTree>
     <p:extLst>
       <p:ext uri="{BB962C8B-B14F-4D97-AF65-F5344CB8AC3E}">
@@ -16698,107 +16852,6 @@
 </file>
 
 <file path=ppt/slides/slide2.xml><?xml version="1.0" encoding="utf-8"?>
-<p:sld xmlns:a="http://schemas.openxmlformats.org/drawingml/2006/main" xmlns:r="http://schemas.openxmlformats.org/officeDocument/2006/relationships" xmlns:p="http://schemas.openxmlformats.org/presentationml/2006/main">
-  <p:cSld>
-    <p:spTree>
-      <p:nvGrpSpPr>
-        <p:cNvPr id="1" name=""/>
-        <p:cNvGrpSpPr/>
-        <p:nvPr/>
-      </p:nvGrpSpPr>
-      <p:grpSpPr>
-        <a:xfrm>
-          <a:off x="0" y="0"/>
-          <a:ext cx="0" cy="0"/>
-          <a:chOff x="0" y="0"/>
-          <a:chExt cx="0" cy="0"/>
-        </a:xfrm>
-      </p:grpSpPr>
-      <p:sp>
-        <p:nvSpPr>
-          <p:cNvPr id="4" name="Title 3">
-            <a:extLst>
-              <a:ext uri="{FF2B5EF4-FFF2-40B4-BE49-F238E27FC236}">
-                <a16:creationId xmlns:a16="http://schemas.microsoft.com/office/drawing/2014/main" id="{2E166007-BDDB-294E-8B02-E6F003FECEAB}"/>
-              </a:ext>
-            </a:extLst>
-          </p:cNvPr>
-          <p:cNvSpPr>
-            <a:spLocks noGrp="1"/>
-          </p:cNvSpPr>
-          <p:nvPr>
-            <p:ph type="title"/>
-          </p:nvPr>
-        </p:nvSpPr>
-        <p:spPr/>
-        <p:txBody>
-          <a:bodyPr/>
-          <a:lstStyle/>
-          <a:p>
-            <a:r>
-              <a:rPr lang="en-US" dirty="0"/>
-              <a:t>Things to talk about</a:t>
-            </a:r>
-          </a:p>
-        </p:txBody>
-      </p:sp>
-      <p:sp>
-        <p:nvSpPr>
-          <p:cNvPr id="5" name="Content Placeholder 4">
-            <a:extLst>
-              <a:ext uri="{FF2B5EF4-FFF2-40B4-BE49-F238E27FC236}">
-                <a16:creationId xmlns:a16="http://schemas.microsoft.com/office/drawing/2014/main" id="{98C1650D-F933-BC4A-8898-49464EE61C5B}"/>
-              </a:ext>
-            </a:extLst>
-          </p:cNvPr>
-          <p:cNvSpPr>
-            <a:spLocks noGrp="1"/>
-          </p:cNvSpPr>
-          <p:nvPr>
-            <p:ph idx="1"/>
-          </p:nvPr>
-        </p:nvSpPr>
-        <p:spPr/>
-        <p:txBody>
-          <a:bodyPr/>
-          <a:lstStyle/>
-          <a:p>
-            <a:r>
-              <a:rPr lang="en-US" dirty="0"/>
-              <a:t>Senior thesis project</a:t>
-            </a:r>
-          </a:p>
-          <a:p>
-            <a:r>
-              <a:rPr lang="en-US" dirty="0"/>
-              <a:t>Current progress on the presentations and what I’m working on</a:t>
-            </a:r>
-          </a:p>
-          <a:p>
-            <a:r>
-              <a:rPr lang="en-US" dirty="0"/>
-              <a:t>Get a preprint in the works and ask about what he thinks I should include / not include</a:t>
-            </a:r>
-          </a:p>
-          <a:p>
-            <a:endParaRPr lang="en-US" dirty="0"/>
-          </a:p>
-        </p:txBody>
-      </p:sp>
-    </p:spTree>
-    <p:extLst>
-      <p:ext uri="{BB962C8B-B14F-4D97-AF65-F5344CB8AC3E}">
-        <p14:creationId xmlns:p14="http://schemas.microsoft.com/office/powerpoint/2010/main" val="3835377248"/>
-      </p:ext>
-    </p:extLst>
-  </p:cSld>
-  <p:clrMapOvr>
-    <a:masterClrMapping/>
-  </p:clrMapOvr>
-</p:sld>
-</file>
-
-<file path=ppt/slides/slide3.xml><?xml version="1.0" encoding="utf-8"?>
 <p:sld xmlns:a="http://schemas.openxmlformats.org/drawingml/2006/main" xmlns:r="http://schemas.openxmlformats.org/officeDocument/2006/relationships" xmlns:p="http://schemas.openxmlformats.org/presentationml/2006/main">
   <p:cSld>
     <p:spTree>
@@ -16889,12 +16942,41 @@
           </a:p>
         </p:txBody>
       </p:sp>
+      <p:sp>
+        <p:nvSpPr>
+          <p:cNvPr id="6" name="Slide Number Placeholder 5">
+            <a:extLst>
+              <a:ext uri="{FF2B5EF4-FFF2-40B4-BE49-F238E27FC236}">
+                <a16:creationId xmlns:a16="http://schemas.microsoft.com/office/drawing/2014/main" id="{A6BE7336-6F3C-5444-A0D9-63E9E8C722C0}"/>
+              </a:ext>
+            </a:extLst>
+          </p:cNvPr>
+          <p:cNvSpPr>
+            <a:spLocks noGrp="1"/>
+          </p:cNvSpPr>
+          <p:nvPr>
+            <p:ph type="sldNum" sz="quarter" idx="12"/>
+          </p:nvPr>
+        </p:nvSpPr>
+        <p:spPr/>
+        <p:txBody>
+          <a:bodyPr/>
+          <a:lstStyle/>
+          <a:p>
+            <a:fld id="{814F3199-600E-1648-98F9-303CE5CD9389}" type="slidenum">
+              <a:rPr lang="en-US" smtClean="0"/>
+              <a:t>2</a:t>
+            </a:fld>
+            <a:endParaRPr lang="en-US" dirty="0"/>
+          </a:p>
+        </p:txBody>
+      </p:sp>
       <p:pic>
         <p:nvPicPr>
-          <p:cNvPr id="4" name="Picture 3" descr="A picture containing drawing&#10;&#10;Description automatically generated">
+          <p:cNvPr id="7" name="Picture 6" descr="A picture containing drawing&#10;&#10;Description automatically generated">
             <a:extLst>
               <a:ext uri="{FF2B5EF4-FFF2-40B4-BE49-F238E27FC236}">
-                <a16:creationId xmlns:a16="http://schemas.microsoft.com/office/drawing/2014/main" id="{948A0521-042E-504A-8F68-D931196AB9F2}"/>
+                <a16:creationId xmlns:a16="http://schemas.microsoft.com/office/drawing/2014/main" id="{42FAC156-712C-1247-847F-ED99DDD4E812}"/>
               </a:ext>
             </a:extLst>
           </p:cNvPr>
@@ -16921,10 +17003,10 @@
       </p:pic>
       <p:sp>
         <p:nvSpPr>
-          <p:cNvPr id="5" name="TextBox 4">
+          <p:cNvPr id="8" name="TextBox 7">
             <a:extLst>
               <a:ext uri="{FF2B5EF4-FFF2-40B4-BE49-F238E27FC236}">
-                <a16:creationId xmlns:a16="http://schemas.microsoft.com/office/drawing/2014/main" id="{66A7CD17-AAEB-874E-A9CC-85BD846DC833}"/>
+                <a16:creationId xmlns:a16="http://schemas.microsoft.com/office/drawing/2014/main" id="{62BA1D6F-A5B4-744F-8C6E-F71087157FD4}"/>
               </a:ext>
             </a:extLst>
           </p:cNvPr>
@@ -16969,7 +17051,7 @@
 </p:sld>
 </file>
 
-<file path=ppt/slides/slide4.xml><?xml version="1.0" encoding="utf-8"?>
+<file path=ppt/slides/slide3.xml><?xml version="1.0" encoding="utf-8"?>
 <p:sld xmlns:a="http://schemas.openxmlformats.org/drawingml/2006/main" xmlns:r="http://schemas.openxmlformats.org/officeDocument/2006/relationships" xmlns:p="http://schemas.openxmlformats.org/presentationml/2006/main">
   <p:cSld>
     <p:spTree>
@@ -17969,8 +18051,8 @@
         </p:blipFill>
         <p:spPr>
           <a:xfrm>
-            <a:off x="34411" y="6560127"/>
-            <a:ext cx="1074881" cy="259080"/>
+            <a:off x="0" y="6619045"/>
+            <a:ext cx="933098" cy="224906"/>
           </a:xfrm>
           <a:prstGeom prst="rect">
             <a:avLst/>
@@ -18025,7 +18107,7 @@
         </p:nvSpPr>
         <p:spPr>
           <a:xfrm>
-            <a:off x="1105540" y="6628685"/>
+            <a:off x="966456" y="6619045"/>
             <a:ext cx="2222083" cy="261610"/>
           </a:xfrm>
           <a:prstGeom prst="rect">
@@ -18048,6 +18130,35 @@
           </a:p>
         </p:txBody>
       </p:sp>
+      <p:sp>
+        <p:nvSpPr>
+          <p:cNvPr id="4" name="Slide Number Placeholder 3">
+            <a:extLst>
+              <a:ext uri="{FF2B5EF4-FFF2-40B4-BE49-F238E27FC236}">
+                <a16:creationId xmlns:a16="http://schemas.microsoft.com/office/drawing/2014/main" id="{3BF3310D-B2AE-E140-ACA8-BEC3E8F98823}"/>
+              </a:ext>
+            </a:extLst>
+          </p:cNvPr>
+          <p:cNvSpPr>
+            <a:spLocks noGrp="1"/>
+          </p:cNvSpPr>
+          <p:nvPr>
+            <p:ph type="sldNum" sz="quarter" idx="12"/>
+          </p:nvPr>
+        </p:nvSpPr>
+        <p:spPr/>
+        <p:txBody>
+          <a:bodyPr/>
+          <a:lstStyle/>
+          <a:p>
+            <a:fld id="{814F3199-600E-1648-98F9-303CE5CD9389}" type="slidenum">
+              <a:rPr lang="en-US" smtClean="0"/>
+              <a:t>3</a:t>
+            </a:fld>
+            <a:endParaRPr lang="en-US"/>
+          </a:p>
+        </p:txBody>
+      </p:sp>
     </p:spTree>
     <p:extLst>
       <p:ext uri="{BB962C8B-B14F-4D97-AF65-F5344CB8AC3E}">
@@ -18061,7 +18172,7 @@
 </p:sld>
 </file>
 
-<file path=ppt/slides/slide5.xml><?xml version="1.0" encoding="utf-8"?>
+<file path=ppt/slides/slide4.xml><?xml version="1.0" encoding="utf-8"?>
 <p:sld xmlns:a="http://schemas.openxmlformats.org/drawingml/2006/main" xmlns:r="http://schemas.openxmlformats.org/officeDocument/2006/relationships" xmlns:p="http://schemas.openxmlformats.org/presentationml/2006/main">
   <p:cSld>
     <p:spTree>
@@ -19123,6 +19234,35 @@
           </a:p>
         </p:txBody>
       </p:sp>
+      <p:sp>
+        <p:nvSpPr>
+          <p:cNvPr id="4" name="Slide Number Placeholder 3">
+            <a:extLst>
+              <a:ext uri="{FF2B5EF4-FFF2-40B4-BE49-F238E27FC236}">
+                <a16:creationId xmlns:a16="http://schemas.microsoft.com/office/drawing/2014/main" id="{BB37B822-4BD6-5D43-8973-9140BB661773}"/>
+              </a:ext>
+            </a:extLst>
+          </p:cNvPr>
+          <p:cNvSpPr>
+            <a:spLocks noGrp="1"/>
+          </p:cNvSpPr>
+          <p:nvPr>
+            <p:ph type="sldNum" sz="quarter" idx="12"/>
+          </p:nvPr>
+        </p:nvSpPr>
+        <p:spPr/>
+        <p:txBody>
+          <a:bodyPr/>
+          <a:lstStyle/>
+          <a:p>
+            <a:fld id="{814F3199-600E-1648-98F9-303CE5CD9389}" type="slidenum">
+              <a:rPr lang="en-US" smtClean="0"/>
+              <a:t>4</a:t>
+            </a:fld>
+            <a:endParaRPr lang="en-US"/>
+          </a:p>
+        </p:txBody>
+      </p:sp>
     </p:spTree>
     <p:extLst>
       <p:ext uri="{BB962C8B-B14F-4D97-AF65-F5344CB8AC3E}">
@@ -19214,7 +19354,7 @@
 </p:sld>
 </file>
 
-<file path=ppt/slides/slide6.xml><?xml version="1.0" encoding="utf-8"?>
+<file path=ppt/slides/slide5.xml><?xml version="1.0" encoding="utf-8"?>
 <p:sld xmlns:a="http://schemas.openxmlformats.org/drawingml/2006/main" xmlns:r="http://schemas.openxmlformats.org/officeDocument/2006/relationships" xmlns:p="http://schemas.openxmlformats.org/presentationml/2006/main">
   <p:cSld>
     <p:spTree>
@@ -20127,6 +20267,35 @@
           </a:p>
         </p:txBody>
       </p:sp>
+      <p:sp>
+        <p:nvSpPr>
+          <p:cNvPr id="12" name="Slide Number Placeholder 11">
+            <a:extLst>
+              <a:ext uri="{FF2B5EF4-FFF2-40B4-BE49-F238E27FC236}">
+                <a16:creationId xmlns:a16="http://schemas.microsoft.com/office/drawing/2014/main" id="{AB8185C5-152C-7246-9440-A3CB5C08CD4C}"/>
+              </a:ext>
+            </a:extLst>
+          </p:cNvPr>
+          <p:cNvSpPr>
+            <a:spLocks noGrp="1"/>
+          </p:cNvSpPr>
+          <p:nvPr>
+            <p:ph type="sldNum" sz="quarter" idx="12"/>
+          </p:nvPr>
+        </p:nvSpPr>
+        <p:spPr/>
+        <p:txBody>
+          <a:bodyPr/>
+          <a:lstStyle/>
+          <a:p>
+            <a:fld id="{814F3199-600E-1648-98F9-303CE5CD9389}" type="slidenum">
+              <a:rPr lang="en-US" smtClean="0"/>
+              <a:t>5</a:t>
+            </a:fld>
+            <a:endParaRPr lang="en-US"/>
+          </a:p>
+        </p:txBody>
+      </p:sp>
     </p:spTree>
     <p:extLst>
       <p:ext uri="{BB962C8B-B14F-4D97-AF65-F5344CB8AC3E}">
@@ -20140,7 +20309,7 @@
 </p:sld>
 </file>
 
-<file path=ppt/slides/slide7.xml><?xml version="1.0" encoding="utf-8"?>
+<file path=ppt/slides/slide6.xml><?xml version="1.0" encoding="utf-8"?>
 <p:sld xmlns:a="http://schemas.openxmlformats.org/drawingml/2006/main" xmlns:r="http://schemas.openxmlformats.org/officeDocument/2006/relationships" xmlns:p="http://schemas.openxmlformats.org/presentationml/2006/main">
   <p:cSld>
     <p:spTree>
@@ -20218,6 +20387,11 @@
               <a:lumOff val="80000"/>
             </a:schemeClr>
           </a:solidFill>
+          <a:ln>
+            <a:solidFill>
+              <a:schemeClr val="tx1"/>
+            </a:solidFill>
+          </a:ln>
         </p:spPr>
         <p:style>
           <a:lnRef idx="2">
@@ -20278,6 +20452,11 @@
               <a:lumOff val="80000"/>
             </a:schemeClr>
           </a:solidFill>
+          <a:ln>
+            <a:solidFill>
+              <a:schemeClr val="tx1"/>
+            </a:solidFill>
+          </a:ln>
         </p:spPr>
         <p:style>
           <a:lnRef idx="2">
@@ -20338,6 +20517,11 @@
               <a:lumOff val="80000"/>
             </a:schemeClr>
           </a:solidFill>
+          <a:ln>
+            <a:solidFill>
+              <a:schemeClr val="tx1"/>
+            </a:solidFill>
+          </a:ln>
         </p:spPr>
         <p:style>
           <a:lnRef idx="2">
@@ -20398,6 +20582,11 @@
               <a:lumOff val="80000"/>
             </a:schemeClr>
           </a:solidFill>
+          <a:ln>
+            <a:solidFill>
+              <a:schemeClr val="tx1"/>
+            </a:solidFill>
+          </a:ln>
         </p:spPr>
         <p:style>
           <a:lnRef idx="2">
@@ -20458,6 +20647,11 @@
               <a:lumOff val="80000"/>
             </a:schemeClr>
           </a:solidFill>
+          <a:ln>
+            <a:solidFill>
+              <a:schemeClr val="tx1"/>
+            </a:solidFill>
+          </a:ln>
         </p:spPr>
         <p:style>
           <a:lnRef idx="2">
@@ -20518,6 +20712,11 @@
               <a:lumOff val="80000"/>
             </a:schemeClr>
           </a:solidFill>
+          <a:ln>
+            <a:solidFill>
+              <a:schemeClr val="tx1"/>
+            </a:solidFill>
+          </a:ln>
         </p:spPr>
         <p:style>
           <a:lnRef idx="2">
@@ -20578,6 +20777,11 @@
               <a:lumOff val="80000"/>
             </a:schemeClr>
           </a:solidFill>
+          <a:ln>
+            <a:solidFill>
+              <a:schemeClr val="tx1"/>
+            </a:solidFill>
+          </a:ln>
         </p:spPr>
         <p:style>
           <a:lnRef idx="2">
@@ -21166,6 +21370,35 @@
           </a:prstGeom>
         </p:spPr>
       </p:pic>
+      <p:sp>
+        <p:nvSpPr>
+          <p:cNvPr id="3" name="Slide Number Placeholder 2">
+            <a:extLst>
+              <a:ext uri="{FF2B5EF4-FFF2-40B4-BE49-F238E27FC236}">
+                <a16:creationId xmlns:a16="http://schemas.microsoft.com/office/drawing/2014/main" id="{76504013-43E2-8D4E-9093-0576F91C7F4C}"/>
+              </a:ext>
+            </a:extLst>
+          </p:cNvPr>
+          <p:cNvSpPr>
+            <a:spLocks noGrp="1"/>
+          </p:cNvSpPr>
+          <p:nvPr>
+            <p:ph type="sldNum" sz="quarter" idx="12"/>
+          </p:nvPr>
+        </p:nvSpPr>
+        <p:spPr/>
+        <p:txBody>
+          <a:bodyPr/>
+          <a:lstStyle/>
+          <a:p>
+            <a:fld id="{814F3199-600E-1648-98F9-303CE5CD9389}" type="slidenum">
+              <a:rPr lang="en-US" smtClean="0"/>
+              <a:t>6</a:t>
+            </a:fld>
+            <a:endParaRPr lang="en-US"/>
+          </a:p>
+        </p:txBody>
+      </p:sp>
     </p:spTree>
     <p:extLst>
       <p:ext uri="{BB962C8B-B14F-4D97-AF65-F5344CB8AC3E}">
@@ -21179,7 +21412,7 @@
 </p:sld>
 </file>
 
-<file path=ppt/slides/slide8.xml><?xml version="1.0" encoding="utf-8"?>
+<file path=ppt/slides/slide7.xml><?xml version="1.0" encoding="utf-8"?>
 <p:sld xmlns:a="http://schemas.openxmlformats.org/drawingml/2006/main" xmlns:r="http://schemas.openxmlformats.org/officeDocument/2006/relationships" xmlns:p="http://schemas.openxmlformats.org/presentationml/2006/main">
   <p:cSld>
     <p:spTree>
@@ -22621,6 +22854,35 @@
           </a:prstGeom>
         </p:spPr>
       </p:pic>
+      <p:sp>
+        <p:nvSpPr>
+          <p:cNvPr id="42" name="Slide Number Placeholder 41">
+            <a:extLst>
+              <a:ext uri="{FF2B5EF4-FFF2-40B4-BE49-F238E27FC236}">
+                <a16:creationId xmlns:a16="http://schemas.microsoft.com/office/drawing/2014/main" id="{06B2BC9A-FFE7-634F-B086-B020B3E5D22B}"/>
+              </a:ext>
+            </a:extLst>
+          </p:cNvPr>
+          <p:cNvSpPr>
+            <a:spLocks noGrp="1"/>
+          </p:cNvSpPr>
+          <p:nvPr>
+            <p:ph type="sldNum" sz="quarter" idx="12"/>
+          </p:nvPr>
+        </p:nvSpPr>
+        <p:spPr/>
+        <p:txBody>
+          <a:bodyPr/>
+          <a:lstStyle/>
+          <a:p>
+            <a:fld id="{814F3199-600E-1648-98F9-303CE5CD9389}" type="slidenum">
+              <a:rPr lang="en-US" smtClean="0"/>
+              <a:t>7</a:t>
+            </a:fld>
+            <a:endParaRPr lang="en-US"/>
+          </a:p>
+        </p:txBody>
+      </p:sp>
     </p:spTree>
     <p:extLst>
       <p:ext uri="{BB962C8B-B14F-4D97-AF65-F5344CB8AC3E}">
@@ -22631,10 +22893,269 @@
   <p:clrMapOvr>
     <a:masterClrMapping/>
   </p:clrMapOvr>
+  <p:timing>
+    <p:tnLst>
+      <p:par>
+        <p:cTn id="1" dur="indefinite" restart="never" nodeType="tmRoot">
+          <p:childTnLst>
+            <p:seq concurrent="1" nextAc="seek">
+              <p:cTn id="2" dur="indefinite" nodeType="mainSeq">
+                <p:childTnLst>
+                  <p:par>
+                    <p:cTn id="3" fill="hold">
+                      <p:stCondLst>
+                        <p:cond delay="indefinite"/>
+                      </p:stCondLst>
+                      <p:childTnLst>
+                        <p:par>
+                          <p:cTn id="4" fill="hold">
+                            <p:stCondLst>
+                              <p:cond delay="0"/>
+                            </p:stCondLst>
+                            <p:childTnLst>
+                              <p:par>
+                                <p:cTn id="5" presetID="1" presetClass="entr" presetSubtype="0" fill="hold" nodeType="clickEffect">
+                                  <p:stCondLst>
+                                    <p:cond delay="0"/>
+                                  </p:stCondLst>
+                                  <p:childTnLst>
+                                    <p:set>
+                                      <p:cBhvr>
+                                        <p:cTn id="6" dur="1" fill="hold">
+                                          <p:stCondLst>
+                                            <p:cond delay="0"/>
+                                          </p:stCondLst>
+                                        </p:cTn>
+                                        <p:tgtEl>
+                                          <p:spTgt spid="12"/>
+                                        </p:tgtEl>
+                                        <p:attrNameLst>
+                                          <p:attrName>style.visibility</p:attrName>
+                                        </p:attrNameLst>
+                                      </p:cBhvr>
+                                      <p:to>
+                                        <p:strVal val="visible"/>
+                                      </p:to>
+                                    </p:set>
+                                  </p:childTnLst>
+                                </p:cTn>
+                              </p:par>
+                              <p:par>
+                                <p:cTn id="7" presetID="1" presetClass="entr" presetSubtype="0" fill="hold" nodeType="withEffect">
+                                  <p:stCondLst>
+                                    <p:cond delay="0"/>
+                                  </p:stCondLst>
+                                  <p:childTnLst>
+                                    <p:set>
+                                      <p:cBhvr>
+                                        <p:cTn id="8" dur="1" fill="hold">
+                                          <p:stCondLst>
+                                            <p:cond delay="0"/>
+                                          </p:stCondLst>
+                                        </p:cTn>
+                                        <p:tgtEl>
+                                          <p:spTgt spid="29"/>
+                                        </p:tgtEl>
+                                        <p:attrNameLst>
+                                          <p:attrName>style.visibility</p:attrName>
+                                        </p:attrNameLst>
+                                      </p:cBhvr>
+                                      <p:to>
+                                        <p:strVal val="visible"/>
+                                      </p:to>
+                                    </p:set>
+                                  </p:childTnLst>
+                                </p:cTn>
+                              </p:par>
+                              <p:par>
+                                <p:cTn id="9" presetID="1" presetClass="entr" presetSubtype="0" fill="hold" grpId="0" nodeType="withEffect">
+                                  <p:stCondLst>
+                                    <p:cond delay="0"/>
+                                  </p:stCondLst>
+                                  <p:childTnLst>
+                                    <p:set>
+                                      <p:cBhvr>
+                                        <p:cTn id="10" dur="1" fill="hold">
+                                          <p:stCondLst>
+                                            <p:cond delay="0"/>
+                                          </p:stCondLst>
+                                        </p:cTn>
+                                        <p:tgtEl>
+                                          <p:spTgt spid="38"/>
+                                        </p:tgtEl>
+                                        <p:attrNameLst>
+                                          <p:attrName>style.visibility</p:attrName>
+                                        </p:attrNameLst>
+                                      </p:cBhvr>
+                                      <p:to>
+                                        <p:strVal val="visible"/>
+                                      </p:to>
+                                    </p:set>
+                                  </p:childTnLst>
+                                </p:cTn>
+                              </p:par>
+                              <p:par>
+                                <p:cTn id="11" presetID="1" presetClass="entr" presetSubtype="0" fill="hold" nodeType="withEffect">
+                                  <p:stCondLst>
+                                    <p:cond delay="0"/>
+                                  </p:stCondLst>
+                                  <p:childTnLst>
+                                    <p:set>
+                                      <p:cBhvr>
+                                        <p:cTn id="12" dur="1" fill="hold">
+                                          <p:stCondLst>
+                                            <p:cond delay="0"/>
+                                          </p:stCondLst>
+                                        </p:cTn>
+                                        <p:tgtEl>
+                                          <p:spTgt spid="39"/>
+                                        </p:tgtEl>
+                                        <p:attrNameLst>
+                                          <p:attrName>style.visibility</p:attrName>
+                                        </p:attrNameLst>
+                                      </p:cBhvr>
+                                      <p:to>
+                                        <p:strVal val="visible"/>
+                                      </p:to>
+                                    </p:set>
+                                  </p:childTnLst>
+                                </p:cTn>
+                              </p:par>
+                              <p:par>
+                                <p:cTn id="13" presetID="1" presetClass="entr" presetSubtype="0" fill="hold" grpId="0" nodeType="withEffect">
+                                  <p:stCondLst>
+                                    <p:cond delay="0"/>
+                                  </p:stCondLst>
+                                  <p:childTnLst>
+                                    <p:set>
+                                      <p:cBhvr>
+                                        <p:cTn id="14" dur="1" fill="hold">
+                                          <p:stCondLst>
+                                            <p:cond delay="0"/>
+                                          </p:stCondLst>
+                                        </p:cTn>
+                                        <p:tgtEl>
+                                          <p:spTgt spid="41"/>
+                                        </p:tgtEl>
+                                        <p:attrNameLst>
+                                          <p:attrName>style.visibility</p:attrName>
+                                        </p:attrNameLst>
+                                      </p:cBhvr>
+                                      <p:to>
+                                        <p:strVal val="visible"/>
+                                      </p:to>
+                                    </p:set>
+                                  </p:childTnLst>
+                                </p:cTn>
+                              </p:par>
+                            </p:childTnLst>
+                          </p:cTn>
+                        </p:par>
+                      </p:childTnLst>
+                    </p:cTn>
+                  </p:par>
+                  <p:par>
+                    <p:cTn id="15" fill="hold">
+                      <p:stCondLst>
+                        <p:cond delay="indefinite"/>
+                      </p:stCondLst>
+                      <p:childTnLst>
+                        <p:par>
+                          <p:cTn id="16" fill="hold">
+                            <p:stCondLst>
+                              <p:cond delay="0"/>
+                            </p:stCondLst>
+                            <p:childTnLst>
+                              <p:par>
+                                <p:cTn id="17" presetID="1" presetClass="entr" presetSubtype="0" fill="hold" nodeType="clickEffect">
+                                  <p:stCondLst>
+                                    <p:cond delay="0"/>
+                                  </p:stCondLst>
+                                  <p:childTnLst>
+                                    <p:set>
+                                      <p:cBhvr>
+                                        <p:cTn id="18" dur="1" fill="hold">
+                                          <p:stCondLst>
+                                            <p:cond delay="0"/>
+                                          </p:stCondLst>
+                                        </p:cTn>
+                                        <p:tgtEl>
+                                          <p:spTgt spid="26"/>
+                                        </p:tgtEl>
+                                        <p:attrNameLst>
+                                          <p:attrName>style.visibility</p:attrName>
+                                        </p:attrNameLst>
+                                      </p:cBhvr>
+                                      <p:to>
+                                        <p:strVal val="visible"/>
+                                      </p:to>
+                                    </p:set>
+                                  </p:childTnLst>
+                                </p:cTn>
+                              </p:par>
+                              <p:par>
+                                <p:cTn id="19" presetID="1" presetClass="entr" presetSubtype="0" fill="hold" nodeType="withEffect">
+                                  <p:stCondLst>
+                                    <p:cond delay="0"/>
+                                  </p:stCondLst>
+                                  <p:childTnLst>
+                                    <p:set>
+                                      <p:cBhvr>
+                                        <p:cTn id="20" dur="1" fill="hold">
+                                          <p:stCondLst>
+                                            <p:cond delay="0"/>
+                                          </p:stCondLst>
+                                        </p:cTn>
+                                        <p:tgtEl>
+                                          <p:spTgt spid="37"/>
+                                        </p:tgtEl>
+                                        <p:attrNameLst>
+                                          <p:attrName>style.visibility</p:attrName>
+                                        </p:attrNameLst>
+                                      </p:cBhvr>
+                                      <p:to>
+                                        <p:strVal val="visible"/>
+                                      </p:to>
+                                    </p:set>
+                                  </p:childTnLst>
+                                </p:cTn>
+                              </p:par>
+                            </p:childTnLst>
+                          </p:cTn>
+                        </p:par>
+                      </p:childTnLst>
+                    </p:cTn>
+                  </p:par>
+                </p:childTnLst>
+              </p:cTn>
+              <p:prevCondLst>
+                <p:cond evt="onPrev" delay="0">
+                  <p:tgtEl>
+                    <p:sldTgt/>
+                  </p:tgtEl>
+                </p:cond>
+              </p:prevCondLst>
+              <p:nextCondLst>
+                <p:cond evt="onNext" delay="0">
+                  <p:tgtEl>
+                    <p:sldTgt/>
+                  </p:tgtEl>
+                </p:cond>
+              </p:nextCondLst>
+            </p:seq>
+          </p:childTnLst>
+        </p:cTn>
+      </p:par>
+    </p:tnLst>
+    <p:bldLst>
+      <p:bldP spid="38" grpId="0"/>
+      <p:bldP spid="41" grpId="0"/>
+    </p:bldLst>
+  </p:timing>
 </p:sld>
 </file>
 
-<file path=ppt/slides/slide9.xml><?xml version="1.0" encoding="utf-8"?>
+<file path=ppt/slides/slide8.xml><?xml version="1.0" encoding="utf-8"?>
 <p:sld xmlns:a="http://schemas.openxmlformats.org/drawingml/2006/main" xmlns:r="http://schemas.openxmlformats.org/officeDocument/2006/relationships" xmlns:p="http://schemas.openxmlformats.org/presentationml/2006/main">
   <p:cSld>
     <p:spTree>
@@ -23698,10 +24219,260 @@
           </a:prstGeom>
         </p:spPr>
       </p:pic>
+      <p:sp>
+        <p:nvSpPr>
+          <p:cNvPr id="3" name="Slide Number Placeholder 2">
+            <a:extLst>
+              <a:ext uri="{FF2B5EF4-FFF2-40B4-BE49-F238E27FC236}">
+                <a16:creationId xmlns:a16="http://schemas.microsoft.com/office/drawing/2014/main" id="{6BF8E1E1-A1DF-7248-A8B5-9B93B9C5545D}"/>
+              </a:ext>
+            </a:extLst>
+          </p:cNvPr>
+          <p:cNvSpPr>
+            <a:spLocks noGrp="1"/>
+          </p:cNvSpPr>
+          <p:nvPr>
+            <p:ph type="sldNum" sz="quarter" idx="12"/>
+          </p:nvPr>
+        </p:nvSpPr>
+        <p:spPr/>
+        <p:txBody>
+          <a:bodyPr/>
+          <a:lstStyle/>
+          <a:p>
+            <a:fld id="{814F3199-600E-1648-98F9-303CE5CD9389}" type="slidenum">
+              <a:rPr lang="en-US" smtClean="0"/>
+              <a:t>8</a:t>
+            </a:fld>
+            <a:endParaRPr lang="en-US"/>
+          </a:p>
+        </p:txBody>
+      </p:sp>
     </p:spTree>
     <p:extLst>
       <p:ext uri="{BB962C8B-B14F-4D97-AF65-F5344CB8AC3E}">
         <p14:creationId xmlns:p14="http://schemas.microsoft.com/office/powerpoint/2010/main" val="1441353695"/>
+      </p:ext>
+    </p:extLst>
+  </p:cSld>
+  <p:clrMapOvr>
+    <a:masterClrMapping/>
+  </p:clrMapOvr>
+</p:sld>
+</file>
+
+<file path=ppt/slides/slide9.xml><?xml version="1.0" encoding="utf-8"?>
+<p:sld xmlns:a="http://schemas.openxmlformats.org/drawingml/2006/main" xmlns:r="http://schemas.openxmlformats.org/officeDocument/2006/relationships" xmlns:p="http://schemas.openxmlformats.org/presentationml/2006/main">
+  <p:cSld>
+    <p:spTree>
+      <p:nvGrpSpPr>
+        <p:cNvPr id="1" name=""/>
+        <p:cNvGrpSpPr/>
+        <p:nvPr/>
+      </p:nvGrpSpPr>
+      <p:grpSpPr>
+        <a:xfrm>
+          <a:off x="0" y="0"/>
+          <a:ext cx="0" cy="0"/>
+          <a:chOff x="0" y="0"/>
+          <a:chExt cx="0" cy="0"/>
+        </a:xfrm>
+      </p:grpSpPr>
+      <p:sp>
+        <p:nvSpPr>
+          <p:cNvPr id="2" name="Title 1">
+            <a:extLst>
+              <a:ext uri="{FF2B5EF4-FFF2-40B4-BE49-F238E27FC236}">
+                <a16:creationId xmlns:a16="http://schemas.microsoft.com/office/drawing/2014/main" id="{67EBB13D-F318-2D45-8903-9A64BE87D8B5}"/>
+              </a:ext>
+            </a:extLst>
+          </p:cNvPr>
+          <p:cNvSpPr>
+            <a:spLocks noGrp="1"/>
+          </p:cNvSpPr>
+          <p:nvPr>
+            <p:ph type="title"/>
+          </p:nvPr>
+        </p:nvSpPr>
+        <p:spPr>
+          <a:xfrm>
+            <a:off x="83127" y="28680"/>
+            <a:ext cx="10515600" cy="1325563"/>
+          </a:xfrm>
+        </p:spPr>
+        <p:txBody>
+          <a:bodyPr>
+            <a:normAutofit/>
+          </a:bodyPr>
+          <a:lstStyle/>
+          <a:p>
+            <a:r>
+              <a:rPr lang="en-US" sz="2800" dirty="0"/>
+              <a:t>ATP synthase simulations show that proton pump is necessary to extend ATP lifetime</a:t>
+            </a:r>
+          </a:p>
+        </p:txBody>
+      </p:sp>
+      <p:pic>
+        <p:nvPicPr>
+          <p:cNvPr id="4" name="Picture 3" descr="A picture containing drawing&#10;&#10;Description automatically generated">
+            <a:extLst>
+              <a:ext uri="{FF2B5EF4-FFF2-40B4-BE49-F238E27FC236}">
+                <a16:creationId xmlns:a16="http://schemas.microsoft.com/office/drawing/2014/main" id="{5F56DD81-1A49-944A-AD76-D34880058FE4}"/>
+              </a:ext>
+            </a:extLst>
+          </p:cNvPr>
+          <p:cNvPicPr>
+            <a:picLocks noChangeAspect="1"/>
+          </p:cNvPicPr>
+          <p:nvPr/>
+        </p:nvPicPr>
+        <p:blipFill>
+          <a:blip r:embed="rId2"/>
+          <a:stretch>
+            <a:fillRect/>
+          </a:stretch>
+        </p:blipFill>
+        <p:spPr>
+          <a:xfrm>
+            <a:off x="11117119" y="6514803"/>
+            <a:ext cx="1074881" cy="343197"/>
+          </a:xfrm>
+          <a:prstGeom prst="rect">
+            <a:avLst/>
+          </a:prstGeom>
+        </p:spPr>
+      </p:pic>
+      <p:sp>
+        <p:nvSpPr>
+          <p:cNvPr id="5" name="TextBox 4">
+            <a:extLst>
+              <a:ext uri="{FF2B5EF4-FFF2-40B4-BE49-F238E27FC236}">
+                <a16:creationId xmlns:a16="http://schemas.microsoft.com/office/drawing/2014/main" id="{0DED74B9-F061-784D-9B1A-5CC2E34A248C}"/>
+              </a:ext>
+            </a:extLst>
+          </p:cNvPr>
+          <p:cNvSpPr txBox="1"/>
+          <p:nvPr/>
+        </p:nvSpPr>
+        <p:spPr>
+          <a:xfrm>
+            <a:off x="8963152" y="6596390"/>
+            <a:ext cx="2222083" cy="261610"/>
+          </a:xfrm>
+          <a:prstGeom prst="rect">
+            <a:avLst/>
+          </a:prstGeom>
+          <a:noFill/>
+        </p:spPr>
+        <p:txBody>
+          <a:bodyPr wrap="none" rtlCol="0">
+            <a:spAutoFit/>
+          </a:bodyPr>
+          <a:lstStyle/>
+          <a:p>
+            <a:r>
+              <a:rPr lang="en-US" sz="1100" dirty="0">
+                <a:latin typeface="Avenir Book" panose="02000503020000020003" pitchFamily="2" charset="0"/>
+              </a:rPr>
+              <a:t>Ankita Roychoudhury 8.17.2020</a:t>
+            </a:r>
+          </a:p>
+        </p:txBody>
+      </p:sp>
+      <p:pic>
+        <p:nvPicPr>
+          <p:cNvPr id="6" name="Picture 5" descr="A screenshot of a cell phone&#10;&#10;Description automatically generated">
+            <a:extLst>
+              <a:ext uri="{FF2B5EF4-FFF2-40B4-BE49-F238E27FC236}">
+                <a16:creationId xmlns:a16="http://schemas.microsoft.com/office/drawing/2014/main" id="{BAC05943-2999-974C-92F4-ED6B98BC8BC7}"/>
+              </a:ext>
+            </a:extLst>
+          </p:cNvPr>
+          <p:cNvPicPr>
+            <a:picLocks noChangeAspect="1"/>
+          </p:cNvPicPr>
+          <p:nvPr/>
+        </p:nvPicPr>
+        <p:blipFill>
+          <a:blip r:embed="rId3"/>
+          <a:stretch>
+            <a:fillRect/>
+          </a:stretch>
+        </p:blipFill>
+        <p:spPr>
+          <a:xfrm>
+            <a:off x="1068265" y="1600200"/>
+            <a:ext cx="4702629" cy="3657600"/>
+          </a:xfrm>
+          <a:prstGeom prst="rect">
+            <a:avLst/>
+          </a:prstGeom>
+        </p:spPr>
+      </p:pic>
+      <p:pic>
+        <p:nvPicPr>
+          <p:cNvPr id="9" name="Picture 8" descr="A close up of a map&#10;&#10;Description automatically generated">
+            <a:extLst>
+              <a:ext uri="{FF2B5EF4-FFF2-40B4-BE49-F238E27FC236}">
+                <a16:creationId xmlns:a16="http://schemas.microsoft.com/office/drawing/2014/main" id="{D9EA22A6-1F28-A449-8160-CB62857D5553}"/>
+              </a:ext>
+            </a:extLst>
+          </p:cNvPr>
+          <p:cNvPicPr>
+            <a:picLocks noChangeAspect="1"/>
+          </p:cNvPicPr>
+          <p:nvPr/>
+        </p:nvPicPr>
+        <p:blipFill>
+          <a:blip r:embed="rId4"/>
+          <a:stretch>
+            <a:fillRect/>
+          </a:stretch>
+        </p:blipFill>
+        <p:spPr>
+          <a:xfrm>
+            <a:off x="6212296" y="1600200"/>
+            <a:ext cx="4702629" cy="3657600"/>
+          </a:xfrm>
+          <a:prstGeom prst="rect">
+            <a:avLst/>
+          </a:prstGeom>
+        </p:spPr>
+      </p:pic>
+      <p:sp>
+        <p:nvSpPr>
+          <p:cNvPr id="11" name="Slide Number Placeholder 10">
+            <a:extLst>
+              <a:ext uri="{FF2B5EF4-FFF2-40B4-BE49-F238E27FC236}">
+                <a16:creationId xmlns:a16="http://schemas.microsoft.com/office/drawing/2014/main" id="{921B0602-82E2-3347-96A3-EFEFACD3E175}"/>
+              </a:ext>
+            </a:extLst>
+          </p:cNvPr>
+          <p:cNvSpPr>
+            <a:spLocks noGrp="1"/>
+          </p:cNvSpPr>
+          <p:nvPr>
+            <p:ph type="sldNum" sz="quarter" idx="12"/>
+          </p:nvPr>
+        </p:nvSpPr>
+        <p:spPr/>
+        <p:txBody>
+          <a:bodyPr/>
+          <a:lstStyle/>
+          <a:p>
+            <a:fld id="{814F3199-600E-1648-98F9-303CE5CD9389}" type="slidenum">
+              <a:rPr lang="en-US" smtClean="0"/>
+              <a:t>9</a:t>
+            </a:fld>
+            <a:endParaRPr lang="en-US"/>
+          </a:p>
+        </p:txBody>
+      </p:sp>
+    </p:spTree>
+    <p:extLst>
+      <p:ext uri="{BB962C8B-B14F-4D97-AF65-F5344CB8AC3E}">
+        <p14:creationId xmlns:p14="http://schemas.microsoft.com/office/powerpoint/2010/main" val="2130722638"/>
       </p:ext>
     </p:extLst>
   </p:cSld>
